--- a/Paper/PEMD 2018/Presentation/PEMD2018_OralPres_Mesut_Uğur.pptx
+++ b/Paper/PEMD 2018/Presentation/PEMD2018_OralPres_Mesut_Uğur.pptx
@@ -5,7 +5,7 @@
     <p:sldMasterId id="2147483804" r:id="rId1"/>
   </p:sldMasterIdLst>
   <p:notesMasterIdLst>
-    <p:notesMasterId r:id="rId15"/>
+    <p:notesMasterId r:id="rId17"/>
   </p:notesMasterIdLst>
   <p:sldIdLst>
     <p:sldId id="290" r:id="rId2"/>
@@ -14,13 +14,15 @@
     <p:sldId id="522" r:id="rId5"/>
     <p:sldId id="525" r:id="rId6"/>
     <p:sldId id="526" r:id="rId7"/>
-    <p:sldId id="527" r:id="rId8"/>
+    <p:sldId id="533" r:id="rId8"/>
     <p:sldId id="528" r:id="rId9"/>
     <p:sldId id="529" r:id="rId10"/>
     <p:sldId id="530" r:id="rId11"/>
     <p:sldId id="531" r:id="rId12"/>
     <p:sldId id="532" r:id="rId13"/>
-    <p:sldId id="523" r:id="rId14"/>
+    <p:sldId id="534" r:id="rId14"/>
+    <p:sldId id="535" r:id="rId15"/>
+    <p:sldId id="523" r:id="rId16"/>
   </p:sldIdLst>
   <p:sldSz cx="9144000" cy="6858000" type="screen4x3"/>
   <p:notesSz cx="6858000" cy="9144000"/>
@@ -220,7 +222,7 @@
           <a:p>
             <a:fld id="{D1C008C1-D970-43BD-9678-58985B84B3B0}" type="datetimeFigureOut">
               <a:rPr lang="tr-TR" smtClean="0"/>
-              <a:t>18.3.2018</a:t>
+              <a:t>19.03.2018</a:t>
             </a:fld>
             <a:endParaRPr lang="tr-TR"/>
           </a:p>
@@ -814,6 +816,174 @@
     </p:spTree>
     <p:extLst>
       <p:ext uri="{BB962C8B-B14F-4D97-AF65-F5344CB8AC3E}">
+        <p14:creationId xmlns:p14="http://schemas.microsoft.com/office/powerpoint/2010/main" val="2597496142"/>
+      </p:ext>
+    </p:extLst>
+  </p:cSld>
+  <p:clrMapOvr>
+    <a:masterClrMapping/>
+  </p:clrMapOvr>
+</p:notes>
+</file>
+
+<file path=ppt/notesSlides/notesSlide13.xml><?xml version="1.0" encoding="utf-8"?>
+<p:notes xmlns:a="http://schemas.openxmlformats.org/drawingml/2006/main" xmlns:r="http://schemas.openxmlformats.org/officeDocument/2006/relationships" xmlns:p="http://schemas.openxmlformats.org/presentationml/2006/main">
+  <p:cSld>
+    <p:spTree>
+      <p:nvGrpSpPr>
+        <p:cNvPr id="1" name=""/>
+        <p:cNvGrpSpPr/>
+        <p:nvPr/>
+      </p:nvGrpSpPr>
+      <p:grpSpPr>
+        <a:xfrm>
+          <a:off x="0" y="0"/>
+          <a:ext cx="0" cy="0"/>
+          <a:chOff x="0" y="0"/>
+          <a:chExt cx="0" cy="0"/>
+        </a:xfrm>
+      </p:grpSpPr>
+      <p:sp>
+        <p:nvSpPr>
+          <p:cNvPr id="2" name="Slide Image Placeholder 1"/>
+          <p:cNvSpPr>
+            <a:spLocks noGrp="1" noRot="1" noChangeAspect="1"/>
+          </p:cNvSpPr>
+          <p:nvPr>
+            <p:ph type="sldImg"/>
+          </p:nvPr>
+        </p:nvSpPr>
+        <p:spPr/>
+      </p:sp>
+      <p:sp>
+        <p:nvSpPr>
+          <p:cNvPr id="3" name="Notes Placeholder 2"/>
+          <p:cNvSpPr>
+            <a:spLocks noGrp="1"/>
+          </p:cNvSpPr>
+          <p:nvPr>
+            <p:ph type="body" idx="1"/>
+          </p:nvPr>
+        </p:nvSpPr>
+        <p:spPr/>
+        <p:txBody>
+          <a:bodyPr/>
+          <a:lstStyle/>
+          <a:p>
+            <a:endParaRPr lang="en-US"/>
+          </a:p>
+        </p:txBody>
+      </p:sp>
+      <p:sp>
+        <p:nvSpPr>
+          <p:cNvPr id="4" name="Slide Number Placeholder 3"/>
+          <p:cNvSpPr>
+            <a:spLocks noGrp="1"/>
+          </p:cNvSpPr>
+          <p:nvPr>
+            <p:ph type="sldNum" sz="quarter" idx="10"/>
+          </p:nvPr>
+        </p:nvSpPr>
+        <p:spPr/>
+        <p:txBody>
+          <a:bodyPr/>
+          <a:lstStyle/>
+          <a:p>
+            <a:fld id="{A891BBEF-D461-4390-BF4B-2B69E06247B2}" type="slidenum">
+              <a:rPr lang="tr-TR" smtClean="0"/>
+              <a:t>14</a:t>
+            </a:fld>
+            <a:endParaRPr lang="tr-TR"/>
+          </a:p>
+        </p:txBody>
+      </p:sp>
+    </p:spTree>
+    <p:extLst>
+      <p:ext uri="{BB962C8B-B14F-4D97-AF65-F5344CB8AC3E}">
+        <p14:creationId xmlns:p14="http://schemas.microsoft.com/office/powerpoint/2010/main" val="2338195712"/>
+      </p:ext>
+    </p:extLst>
+  </p:cSld>
+  <p:clrMapOvr>
+    <a:masterClrMapping/>
+  </p:clrMapOvr>
+</p:notes>
+</file>
+
+<file path=ppt/notesSlides/notesSlide14.xml><?xml version="1.0" encoding="utf-8"?>
+<p:notes xmlns:a="http://schemas.openxmlformats.org/drawingml/2006/main" xmlns:r="http://schemas.openxmlformats.org/officeDocument/2006/relationships" xmlns:p="http://schemas.openxmlformats.org/presentationml/2006/main">
+  <p:cSld>
+    <p:spTree>
+      <p:nvGrpSpPr>
+        <p:cNvPr id="1" name=""/>
+        <p:cNvGrpSpPr/>
+        <p:nvPr/>
+      </p:nvGrpSpPr>
+      <p:grpSpPr>
+        <a:xfrm>
+          <a:off x="0" y="0"/>
+          <a:ext cx="0" cy="0"/>
+          <a:chOff x="0" y="0"/>
+          <a:chExt cx="0" cy="0"/>
+        </a:xfrm>
+      </p:grpSpPr>
+      <p:sp>
+        <p:nvSpPr>
+          <p:cNvPr id="2" name="Slide Image Placeholder 1"/>
+          <p:cNvSpPr>
+            <a:spLocks noGrp="1" noRot="1" noChangeAspect="1"/>
+          </p:cNvSpPr>
+          <p:nvPr>
+            <p:ph type="sldImg"/>
+          </p:nvPr>
+        </p:nvSpPr>
+        <p:spPr/>
+      </p:sp>
+      <p:sp>
+        <p:nvSpPr>
+          <p:cNvPr id="3" name="Notes Placeholder 2"/>
+          <p:cNvSpPr>
+            <a:spLocks noGrp="1"/>
+          </p:cNvSpPr>
+          <p:nvPr>
+            <p:ph type="body" idx="1"/>
+          </p:nvPr>
+        </p:nvSpPr>
+        <p:spPr/>
+        <p:txBody>
+          <a:bodyPr/>
+          <a:lstStyle/>
+          <a:p>
+            <a:endParaRPr lang="en-US"/>
+          </a:p>
+        </p:txBody>
+      </p:sp>
+      <p:sp>
+        <p:nvSpPr>
+          <p:cNvPr id="4" name="Slide Number Placeholder 3"/>
+          <p:cNvSpPr>
+            <a:spLocks noGrp="1"/>
+          </p:cNvSpPr>
+          <p:nvPr>
+            <p:ph type="sldNum" sz="quarter" idx="10"/>
+          </p:nvPr>
+        </p:nvSpPr>
+        <p:spPr/>
+        <p:txBody>
+          <a:bodyPr/>
+          <a:lstStyle/>
+          <a:p>
+            <a:fld id="{A891BBEF-D461-4390-BF4B-2B69E06247B2}" type="slidenum">
+              <a:rPr lang="tr-TR" smtClean="0"/>
+              <a:t>15</a:t>
+            </a:fld>
+            <a:endParaRPr lang="tr-TR"/>
+          </a:p>
+        </p:txBody>
+      </p:sp>
+    </p:spTree>
+    <p:extLst>
+      <p:ext uri="{BB962C8B-B14F-4D97-AF65-F5344CB8AC3E}">
         <p14:creationId xmlns:p14="http://schemas.microsoft.com/office/powerpoint/2010/main" val="444212332"/>
       </p:ext>
     </p:extLst>
@@ -1234,7 +1404,7 @@
     </p:spTree>
     <p:extLst>
       <p:ext uri="{BB962C8B-B14F-4D97-AF65-F5344CB8AC3E}">
-        <p14:creationId xmlns:p14="http://schemas.microsoft.com/office/powerpoint/2010/main" val="604669236"/>
+        <p14:creationId xmlns:p14="http://schemas.microsoft.com/office/powerpoint/2010/main" val="1551919551"/>
       </p:ext>
     </p:extLst>
   </p:cSld>
@@ -1677,7 +1847,7 @@
           <a:p>
             <a:fld id="{D275723C-A363-4114-BE18-3E9589C2B9C2}" type="datetime1">
               <a:rPr lang="en-US" smtClean="0"/>
-              <a:t>3/18/2018</a:t>
+              <a:t>3/19/2018</a:t>
             </a:fld>
             <a:endParaRPr lang="en-US" dirty="0"/>
           </a:p>
@@ -1848,7 +2018,7 @@
           <a:p>
             <a:fld id="{C5592633-93A2-4DB7-B3D8-5F6714E7EFEC}" type="datetime1">
               <a:rPr lang="en-US" smtClean="0"/>
-              <a:t>3/18/2018</a:t>
+              <a:t>3/19/2018</a:t>
             </a:fld>
             <a:endParaRPr lang="en-US" dirty="0"/>
           </a:p>
@@ -2029,7 +2199,7 @@
           <a:p>
             <a:fld id="{6F760D8D-AE05-4AF5-8666-75C48EA7B609}" type="datetime1">
               <a:rPr lang="en-US" smtClean="0"/>
-              <a:t>3/18/2018</a:t>
+              <a:t>3/19/2018</a:t>
             </a:fld>
             <a:endParaRPr lang="en-US" dirty="0"/>
           </a:p>
@@ -2200,7 +2370,7 @@
           <a:p>
             <a:fld id="{6D87B8C0-62AE-47C8-A8EF-FC863B0F06E5}" type="datetime1">
               <a:rPr lang="en-US" smtClean="0"/>
-              <a:t>3/18/2018</a:t>
+              <a:t>3/19/2018</a:t>
             </a:fld>
             <a:endParaRPr lang="en-US" dirty="0"/>
           </a:p>
@@ -2447,7 +2617,7 @@
           <a:p>
             <a:fld id="{A76C8472-C309-40FA-8240-FF6234B7F0D0}" type="datetime1">
               <a:rPr lang="en-US" smtClean="0"/>
-              <a:t>3/18/2018</a:t>
+              <a:t>3/19/2018</a:t>
             </a:fld>
             <a:endParaRPr lang="en-US" dirty="0"/>
           </a:p>
@@ -2736,7 +2906,7 @@
           <a:p>
             <a:fld id="{33196F6B-6F2E-418E-A1A6-2F06576F6EF7}" type="datetime1">
               <a:rPr lang="en-US" smtClean="0"/>
-              <a:t>3/18/2018</a:t>
+              <a:t>3/19/2018</a:t>
             </a:fld>
             <a:endParaRPr lang="en-US" dirty="0"/>
           </a:p>
@@ -3159,7 +3329,7 @@
           <a:p>
             <a:fld id="{D09CD6EC-2E00-46F1-9BD2-E1865A200410}" type="datetime1">
               <a:rPr lang="en-US" smtClean="0"/>
-              <a:t>3/18/2018</a:t>
+              <a:t>3/19/2018</a:t>
             </a:fld>
             <a:endParaRPr lang="en-US" dirty="0"/>
           </a:p>
@@ -3278,7 +3448,7 @@
           <a:p>
             <a:fld id="{C40B9E5A-6330-4749-ACDB-FB892FCFE6A5}" type="datetime1">
               <a:rPr lang="en-US" smtClean="0"/>
-              <a:t>3/18/2018</a:t>
+              <a:t>3/19/2018</a:t>
             </a:fld>
             <a:endParaRPr lang="en-US" dirty="0"/>
           </a:p>
@@ -3374,7 +3544,7 @@
           <a:p>
             <a:fld id="{1C181CB3-A768-4AD8-A97F-12E47CC1200D}" type="datetime1">
               <a:rPr lang="en-US" smtClean="0"/>
-              <a:t>3/18/2018</a:t>
+              <a:t>3/19/2018</a:t>
             </a:fld>
             <a:endParaRPr lang="en-US" dirty="0"/>
           </a:p>
@@ -3652,7 +3822,7 @@
           <a:p>
             <a:fld id="{AF3D8106-484C-46C6-8BE9-348BFA7F2DCB}" type="datetime1">
               <a:rPr lang="en-US" smtClean="0"/>
-              <a:t>3/18/2018</a:t>
+              <a:t>3/19/2018</a:t>
             </a:fld>
             <a:endParaRPr lang="en-US" dirty="0"/>
           </a:p>
@@ -3906,7 +4076,7 @@
           <a:p>
             <a:fld id="{F2A57B0D-110E-4AAD-9411-DA6CB39E8776}" type="datetime1">
               <a:rPr lang="en-US" smtClean="0"/>
-              <a:t>3/18/2018</a:t>
+              <a:t>3/19/2018</a:t>
             </a:fld>
             <a:endParaRPr lang="en-US" dirty="0"/>
           </a:p>
@@ -4139,7 +4309,7 @@
           <a:p>
             <a:fld id="{FB4B5B0E-55D6-4DAA-879D-58BBFFC7379B}" type="datetime1">
               <a:rPr lang="en-US" smtClean="0"/>
-              <a:t>3/18/2018</a:t>
+              <a:t>3/19/2018</a:t>
             </a:fld>
             <a:endParaRPr lang="en-US" dirty="0"/>
           </a:p>
@@ -4850,10 +5020,6 @@
               </a:rPr>
               <a:t>19.04.2018</a:t>
             </a:r>
-            <a:endParaRPr lang="tr-TR" sz="2400" dirty="0" smtClean="0">
-              <a:latin typeface="Times New Roman" panose="02020603050405020304" pitchFamily="18" charset="0"/>
-              <a:cs typeface="Times New Roman" panose="02020603050405020304" pitchFamily="18" charset="0"/>
-            </a:endParaRPr>
           </a:p>
         </p:txBody>
       </p:sp>
@@ -5414,7 +5580,7 @@
         </p:blipFill>
         <p:spPr bwMode="auto">
           <a:xfrm>
-            <a:off x="1189918" y="1084263"/>
+            <a:off x="1096237" y="1068533"/>
             <a:ext cx="3839282" cy="3122869"/>
           </a:xfrm>
           <a:prstGeom prst="rect">
@@ -5450,8 +5616,8 @@
         </p:blipFill>
         <p:spPr bwMode="auto">
           <a:xfrm>
-            <a:off x="5029200" y="1362711"/>
-            <a:ext cx="4114800" cy="2663568"/>
+            <a:off x="4935519" y="1177722"/>
+            <a:ext cx="4114800" cy="2904489"/>
           </a:xfrm>
           <a:prstGeom prst="rect">
             <a:avLst/>
@@ -5480,7 +5646,120 @@
   <p:timing>
     <p:tnLst>
       <p:par>
-        <p:cTn id="1" dur="indefinite" restart="never" nodeType="tmRoot"/>
+        <p:cTn id="1" dur="indefinite" restart="never" nodeType="tmRoot">
+          <p:childTnLst>
+            <p:seq concurrent="1" nextAc="seek">
+              <p:cTn id="2" dur="indefinite" nodeType="mainSeq">
+                <p:childTnLst>
+                  <p:par>
+                    <p:cTn id="3" fill="hold">
+                      <p:stCondLst>
+                        <p:cond delay="indefinite"/>
+                      </p:stCondLst>
+                      <p:childTnLst>
+                        <p:par>
+                          <p:cTn id="4" fill="hold">
+                            <p:stCondLst>
+                              <p:cond delay="0"/>
+                            </p:stCondLst>
+                            <p:childTnLst>
+                              <p:par>
+                                <p:cTn id="5" presetID="1" presetClass="entr" presetSubtype="0" fill="hold" nodeType="clickEffect">
+                                  <p:stCondLst>
+                                    <p:cond delay="0"/>
+                                  </p:stCondLst>
+                                  <p:childTnLst>
+                                    <p:set>
+                                      <p:cBhvr>
+                                        <p:cTn id="6" dur="1" fill="hold">
+                                          <p:stCondLst>
+                                            <p:cond delay="0"/>
+                                          </p:stCondLst>
+                                        </p:cTn>
+                                        <p:tgtEl>
+                                          <p:spTgt spid="17"/>
+                                        </p:tgtEl>
+                                        <p:attrNameLst>
+                                          <p:attrName>style.visibility</p:attrName>
+                                        </p:attrNameLst>
+                                      </p:cBhvr>
+                                      <p:to>
+                                        <p:strVal val="visible"/>
+                                      </p:to>
+                                    </p:set>
+                                  </p:childTnLst>
+                                </p:cTn>
+                              </p:par>
+                            </p:childTnLst>
+                          </p:cTn>
+                        </p:par>
+                      </p:childTnLst>
+                    </p:cTn>
+                  </p:par>
+                  <p:par>
+                    <p:cTn id="7" fill="hold">
+                      <p:stCondLst>
+                        <p:cond delay="indefinite"/>
+                      </p:stCondLst>
+                      <p:childTnLst>
+                        <p:par>
+                          <p:cTn id="8" fill="hold">
+                            <p:stCondLst>
+                              <p:cond delay="0"/>
+                            </p:stCondLst>
+                            <p:childTnLst>
+                              <p:par>
+                                <p:cTn id="9" presetID="1" presetClass="entr" presetSubtype="0" fill="hold" nodeType="clickEffect">
+                                  <p:stCondLst>
+                                    <p:cond delay="0"/>
+                                  </p:stCondLst>
+                                  <p:childTnLst>
+                                    <p:set>
+                                      <p:cBhvr>
+                                        <p:cTn id="10" dur="1" fill="hold">
+                                          <p:stCondLst>
+                                            <p:cond delay="0"/>
+                                          </p:stCondLst>
+                                        </p:cTn>
+                                        <p:tgtEl>
+                                          <p:spTgt spid="19"/>
+                                        </p:tgtEl>
+                                        <p:attrNameLst>
+                                          <p:attrName>style.visibility</p:attrName>
+                                        </p:attrNameLst>
+                                      </p:cBhvr>
+                                      <p:to>
+                                        <p:strVal val="visible"/>
+                                      </p:to>
+                                    </p:set>
+                                  </p:childTnLst>
+                                </p:cTn>
+                              </p:par>
+                            </p:childTnLst>
+                          </p:cTn>
+                        </p:par>
+                      </p:childTnLst>
+                    </p:cTn>
+                  </p:par>
+                </p:childTnLst>
+              </p:cTn>
+              <p:prevCondLst>
+                <p:cond evt="onPrev" delay="0">
+                  <p:tgtEl>
+                    <p:sldTgt/>
+                  </p:tgtEl>
+                </p:cond>
+              </p:prevCondLst>
+              <p:nextCondLst>
+                <p:cond evt="onNext" delay="0">
+                  <p:tgtEl>
+                    <p:sldTgt/>
+                  </p:tgtEl>
+                </p:cond>
+              </p:nextCondLst>
+            </p:seq>
+          </p:childTnLst>
+        </p:cTn>
       </p:par>
     </p:tnLst>
   </p:timing>
@@ -6010,7 +6289,165 @@
   <p:timing>
     <p:tnLst>
       <p:par>
-        <p:cTn id="1" dur="indefinite" restart="never" nodeType="tmRoot"/>
+        <p:cTn id="1" dur="indefinite" restart="never" nodeType="tmRoot">
+          <p:childTnLst>
+            <p:seq concurrent="1" nextAc="seek">
+              <p:cTn id="2" dur="indefinite" nodeType="mainSeq">
+                <p:childTnLst>
+                  <p:par>
+                    <p:cTn id="3" fill="hold">
+                      <p:stCondLst>
+                        <p:cond delay="indefinite"/>
+                      </p:stCondLst>
+                      <p:childTnLst>
+                        <p:par>
+                          <p:cTn id="4" fill="hold">
+                            <p:stCondLst>
+                              <p:cond delay="0"/>
+                            </p:stCondLst>
+                            <p:childTnLst>
+                              <p:par>
+                                <p:cTn id="5" presetID="1" presetClass="entr" presetSubtype="0" fill="hold" nodeType="clickEffect">
+                                  <p:stCondLst>
+                                    <p:cond delay="0"/>
+                                  </p:stCondLst>
+                                  <p:childTnLst>
+                                    <p:set>
+                                      <p:cBhvr>
+                                        <p:cTn id="6" dur="1" fill="hold">
+                                          <p:stCondLst>
+                                            <p:cond delay="0"/>
+                                          </p:stCondLst>
+                                        </p:cTn>
+                                        <p:tgtEl>
+                                          <p:spTgt spid="20"/>
+                                        </p:tgtEl>
+                                        <p:attrNameLst>
+                                          <p:attrName>style.visibility</p:attrName>
+                                        </p:attrNameLst>
+                                      </p:cBhvr>
+                                      <p:to>
+                                        <p:strVal val="visible"/>
+                                      </p:to>
+                                    </p:set>
+                                  </p:childTnLst>
+                                </p:cTn>
+                              </p:par>
+                            </p:childTnLst>
+                          </p:cTn>
+                        </p:par>
+                      </p:childTnLst>
+                    </p:cTn>
+                  </p:par>
+                  <p:par>
+                    <p:cTn id="7" fill="hold">
+                      <p:stCondLst>
+                        <p:cond delay="indefinite"/>
+                      </p:stCondLst>
+                      <p:childTnLst>
+                        <p:par>
+                          <p:cTn id="8" fill="hold">
+                            <p:stCondLst>
+                              <p:cond delay="0"/>
+                            </p:stCondLst>
+                            <p:childTnLst>
+                              <p:par>
+                                <p:cTn id="9" presetID="1" presetClass="entr" presetSubtype="0" fill="hold" nodeType="clickEffect">
+                                  <p:stCondLst>
+                                    <p:cond delay="0"/>
+                                  </p:stCondLst>
+                                  <p:childTnLst>
+                                    <p:set>
+                                      <p:cBhvr>
+                                        <p:cTn id="10" dur="1" fill="hold">
+                                          <p:stCondLst>
+                                            <p:cond delay="0"/>
+                                          </p:stCondLst>
+                                        </p:cTn>
+                                        <p:tgtEl>
+                                          <p:spTgt spid="21"/>
+                                        </p:tgtEl>
+                                        <p:attrNameLst>
+                                          <p:attrName>style.visibility</p:attrName>
+                                        </p:attrNameLst>
+                                      </p:cBhvr>
+                                      <p:to>
+                                        <p:strVal val="visible"/>
+                                      </p:to>
+                                    </p:set>
+                                  </p:childTnLst>
+                                </p:cTn>
+                              </p:par>
+                            </p:childTnLst>
+                          </p:cTn>
+                        </p:par>
+                      </p:childTnLst>
+                    </p:cTn>
+                  </p:par>
+                  <p:par>
+                    <p:cTn id="11" fill="hold">
+                      <p:stCondLst>
+                        <p:cond delay="indefinite"/>
+                      </p:stCondLst>
+                      <p:childTnLst>
+                        <p:par>
+                          <p:cTn id="12" fill="hold">
+                            <p:stCondLst>
+                              <p:cond delay="0"/>
+                            </p:stCondLst>
+                            <p:childTnLst>
+                              <p:par>
+                                <p:cTn id="13" presetID="1" presetClass="entr" presetSubtype="0" fill="hold" nodeType="clickEffect">
+                                  <p:stCondLst>
+                                    <p:cond delay="0"/>
+                                  </p:stCondLst>
+                                  <p:childTnLst>
+                                    <p:set>
+                                      <p:cBhvr>
+                                        <p:cTn id="14" dur="1" fill="hold">
+                                          <p:stCondLst>
+                                            <p:cond delay="0"/>
+                                          </p:stCondLst>
+                                        </p:cTn>
+                                        <p:tgtEl>
+                                          <p:spTgt spid="24"/>
+                                        </p:tgtEl>
+                                        <p:attrNameLst>
+                                          <p:attrName>style.visibility</p:attrName>
+                                        </p:attrNameLst>
+                                      </p:cBhvr>
+                                      <p:to>
+                                        <p:strVal val="visible"/>
+                                      </p:to>
+                                    </p:set>
+                                  </p:childTnLst>
+                                </p:cTn>
+                              </p:par>
+                            </p:childTnLst>
+                          </p:cTn>
+                        </p:par>
+                      </p:childTnLst>
+                    </p:cTn>
+                  </p:par>
+                </p:childTnLst>
+              </p:cTn>
+              <p:prevCondLst>
+                <p:cond evt="onPrev" delay="0">
+                  <p:tgtEl>
+                    <p:sldTgt/>
+                  </p:tgtEl>
+                </p:cond>
+              </p:prevCondLst>
+              <p:nextCondLst>
+                <p:cond evt="onNext" delay="0">
+                  <p:tgtEl>
+                    <p:sldTgt/>
+                  </p:tgtEl>
+                </p:cond>
+              </p:nextCondLst>
+            </p:seq>
+          </p:childTnLst>
+        </p:cTn>
       </p:par>
     </p:tnLst>
   </p:timing>
@@ -6416,6 +6853,605 @@
           <a:lstStyle/>
           <a:p>
             <a:endParaRPr lang="en-US"/>
+          </a:p>
+        </p:txBody>
+      </p:sp>
+      <p:sp>
+        <p:nvSpPr>
+          <p:cNvPr id="4" name="Rectangle 3"/>
+          <p:cNvSpPr/>
+          <p:nvPr/>
+        </p:nvSpPr>
+        <p:spPr>
+          <a:xfrm>
+            <a:off x="1163642" y="1016167"/>
+            <a:ext cx="6415491" cy="4801314"/>
+          </a:xfrm>
+          <a:prstGeom prst="rect">
+            <a:avLst/>
+          </a:prstGeom>
+        </p:spPr>
+        <p:txBody>
+          <a:bodyPr wrap="square">
+            <a:spAutoFit/>
+          </a:bodyPr>
+          <a:lstStyle/>
+          <a:p>
+            <a:pPr marL="285750" indent="-285750" algn="just">
+              <a:spcAft>
+                <a:spcPts val="0"/>
+              </a:spcAft>
+              <a:buFont typeface="Wingdings" panose="05000000000000000000" pitchFamily="2" charset="2"/>
+              <a:buChar char="§"/>
+            </a:pPr>
+            <a:r>
+              <a:rPr lang="en-US" i="1" dirty="0">
+                <a:latin typeface="Hevletica"/>
+                <a:ea typeface="Times New Roman" panose="02020603050405020304" pitchFamily="18" charset="0"/>
+                <a:cs typeface="Helvetica" panose="020B0604020202020204" pitchFamily="34" charset="0"/>
+              </a:rPr>
+              <a:t>Number of series connected modules (n</a:t>
+            </a:r>
+            <a:r>
+              <a:rPr lang="en-US" i="1" baseline="-25000" dirty="0">
+                <a:latin typeface="Hevletica"/>
+                <a:ea typeface="Times New Roman" panose="02020603050405020304" pitchFamily="18" charset="0"/>
+                <a:cs typeface="Helvetica" panose="020B0604020202020204" pitchFamily="34" charset="0"/>
+              </a:rPr>
+              <a:t>s</a:t>
+            </a:r>
+            <a:r>
+              <a:rPr lang="en-US" i="1" dirty="0" smtClean="0">
+                <a:latin typeface="Hevletica"/>
+                <a:ea typeface="Times New Roman" panose="02020603050405020304" pitchFamily="18" charset="0"/>
+                <a:cs typeface="Helvetica" panose="020B0604020202020204" pitchFamily="34" charset="0"/>
+              </a:rPr>
+              <a:t>)</a:t>
+            </a:r>
+            <a:r>
+              <a:rPr lang="tr-TR" dirty="0" smtClean="0">
+                <a:latin typeface="Hevletica"/>
+                <a:ea typeface="Times New Roman" panose="02020603050405020304" pitchFamily="18" charset="0"/>
+                <a:cs typeface="Helvetica" panose="020B0604020202020204" pitchFamily="34" charset="0"/>
+              </a:rPr>
+              <a:t>: </a:t>
+            </a:r>
+            <a:r>
+              <a:rPr lang="tr-TR" b="1" dirty="0" smtClean="0">
+                <a:solidFill>
+                  <a:srgbClr val="002060"/>
+                </a:solidFill>
+                <a:latin typeface="Hevletica"/>
+                <a:ea typeface="Times New Roman" panose="02020603050405020304" pitchFamily="18" charset="0"/>
+                <a:cs typeface="Helvetica" panose="020B0604020202020204" pitchFamily="34" charset="0"/>
+              </a:rPr>
+              <a:t>2</a:t>
+            </a:r>
+          </a:p>
+          <a:p>
+            <a:pPr marL="742950" lvl="1" indent="-285750" algn="just">
+              <a:buFont typeface="Courier New" panose="02070309020205020404" pitchFamily="49" charset="0"/>
+              <a:buChar char="o"/>
+            </a:pPr>
+            <a:r>
+              <a:rPr lang="tr-TR" dirty="0" smtClean="0">
+                <a:latin typeface="Hevletica"/>
+                <a:ea typeface="Times New Roman" panose="02020603050405020304" pitchFamily="18" charset="0"/>
+                <a:cs typeface="Helvetica" panose="020B0604020202020204" pitchFamily="34" charset="0"/>
+              </a:rPr>
+              <a:t>V</a:t>
+            </a:r>
+            <a:r>
+              <a:rPr lang="en-US" dirty="0" err="1" smtClean="0">
+                <a:latin typeface="Hevletica"/>
+                <a:ea typeface="Times New Roman" panose="02020603050405020304" pitchFamily="18" charset="0"/>
+                <a:cs typeface="Helvetica" panose="020B0604020202020204" pitchFamily="34" charset="0"/>
+              </a:rPr>
+              <a:t>oltage</a:t>
+            </a:r>
+            <a:r>
+              <a:rPr lang="en-US" dirty="0" smtClean="0">
+                <a:latin typeface="Hevletica"/>
+                <a:ea typeface="Times New Roman" panose="02020603050405020304" pitchFamily="18" charset="0"/>
+                <a:cs typeface="Helvetica" panose="020B0604020202020204" pitchFamily="34" charset="0"/>
+              </a:rPr>
+              <a:t> </a:t>
+            </a:r>
+            <a:r>
+              <a:rPr lang="en-US" dirty="0">
+                <a:latin typeface="Hevletica"/>
+                <a:ea typeface="Times New Roman" panose="02020603050405020304" pitchFamily="18" charset="0"/>
+                <a:cs typeface="Helvetica" panose="020B0604020202020204" pitchFamily="34" charset="0"/>
+              </a:rPr>
+              <a:t>rating of GaNs </a:t>
+            </a:r>
+            <a:endParaRPr lang="tr-TR" dirty="0" smtClean="0">
+              <a:latin typeface="Hevletica"/>
+              <a:ea typeface="Times New Roman" panose="02020603050405020304" pitchFamily="18" charset="0"/>
+              <a:cs typeface="Helvetica" panose="020B0604020202020204" pitchFamily="34" charset="0"/>
+            </a:endParaRPr>
+          </a:p>
+          <a:p>
+            <a:pPr lvl="1" algn="just"/>
+            <a:endParaRPr lang="tr-TR" dirty="0" smtClean="0">
+              <a:latin typeface="Hevletica"/>
+              <a:ea typeface="Times New Roman" panose="02020603050405020304" pitchFamily="18" charset="0"/>
+              <a:cs typeface="Helvetica" panose="020B0604020202020204" pitchFamily="34" charset="0"/>
+            </a:endParaRPr>
+          </a:p>
+          <a:p>
+            <a:pPr marL="285750" indent="-285750" algn="just">
+              <a:spcAft>
+                <a:spcPts val="0"/>
+              </a:spcAft>
+              <a:buFont typeface="Wingdings" panose="05000000000000000000" pitchFamily="2" charset="2"/>
+              <a:buChar char="§"/>
+            </a:pPr>
+            <a:r>
+              <a:rPr lang="en-US" i="1" dirty="0">
+                <a:latin typeface="Hevletica"/>
+              </a:rPr>
+              <a:t>Modulation index (m</a:t>
+            </a:r>
+            <a:r>
+              <a:rPr lang="en-US" i="1" baseline="-25000" dirty="0">
+                <a:latin typeface="Hevletica"/>
+              </a:rPr>
+              <a:t>a</a:t>
+            </a:r>
+            <a:r>
+              <a:rPr lang="en-US" i="1" dirty="0" smtClean="0">
+                <a:latin typeface="Hevletica"/>
+              </a:rPr>
+              <a:t>)</a:t>
+            </a:r>
+            <a:r>
+              <a:rPr lang="tr-TR" i="1" dirty="0" smtClean="0">
+                <a:latin typeface="Hevletica"/>
+              </a:rPr>
+              <a:t>:  </a:t>
+            </a:r>
+            <a:r>
+              <a:rPr lang="tr-TR" b="1" dirty="0" smtClean="0">
+                <a:solidFill>
+                  <a:srgbClr val="002060"/>
+                </a:solidFill>
+                <a:latin typeface="Hevletica"/>
+              </a:rPr>
+              <a:t>0.9</a:t>
+            </a:r>
+          </a:p>
+          <a:p>
+            <a:pPr marL="742950" lvl="1" indent="-285750" algn="just">
+              <a:buFont typeface="Courier New" panose="02070309020205020404" pitchFamily="49" charset="0"/>
+              <a:buChar char="o"/>
+            </a:pPr>
+            <a:r>
+              <a:rPr lang="tr-TR" dirty="0" err="1" smtClean="0">
+                <a:latin typeface="Hevletica"/>
+                <a:ea typeface="Times New Roman" panose="02020603050405020304" pitchFamily="18" charset="0"/>
+                <a:cs typeface="Helvetica" panose="020B0604020202020204" pitchFamily="34" charset="0"/>
+              </a:rPr>
+              <a:t>Overmodulation</a:t>
+            </a:r>
+            <a:endParaRPr lang="tr-TR" dirty="0" smtClean="0">
+              <a:latin typeface="Hevletica"/>
+              <a:ea typeface="Times New Roman" panose="02020603050405020304" pitchFamily="18" charset="0"/>
+              <a:cs typeface="Helvetica" panose="020B0604020202020204" pitchFamily="34" charset="0"/>
+            </a:endParaRPr>
+          </a:p>
+          <a:p>
+            <a:pPr lvl="1" algn="just"/>
+            <a:endParaRPr lang="tr-TR" dirty="0">
+              <a:latin typeface="Hevletica"/>
+              <a:ea typeface="Times New Roman" panose="02020603050405020304" pitchFamily="18" charset="0"/>
+              <a:cs typeface="Helvetica" panose="020B0604020202020204" pitchFamily="34" charset="0"/>
+            </a:endParaRPr>
+          </a:p>
+          <a:p>
+            <a:pPr marL="285750" indent="-285750" algn="just">
+              <a:spcAft>
+                <a:spcPts val="0"/>
+              </a:spcAft>
+              <a:buFont typeface="Wingdings" panose="05000000000000000000" pitchFamily="2" charset="2"/>
+              <a:buChar char="§"/>
+            </a:pPr>
+            <a:r>
+              <a:rPr lang="en-US" i="1" dirty="0">
+                <a:latin typeface="Hevletica"/>
+              </a:rPr>
+              <a:t>Number of parallel connected modules (n</a:t>
+            </a:r>
+            <a:r>
+              <a:rPr lang="en-US" i="1" baseline="-25000" dirty="0">
+                <a:latin typeface="Hevletica"/>
+              </a:rPr>
+              <a:t>p</a:t>
+            </a:r>
+            <a:r>
+              <a:rPr lang="en-US" i="1" dirty="0">
+                <a:latin typeface="Hevletica"/>
+              </a:rPr>
+              <a:t>)</a:t>
+            </a:r>
+            <a:r>
+              <a:rPr lang="en-US" dirty="0">
+                <a:latin typeface="Hevletica"/>
+              </a:rPr>
+              <a:t> </a:t>
+            </a:r>
+            <a:r>
+              <a:rPr lang="tr-TR" dirty="0" smtClean="0">
+                <a:latin typeface="Hevletica"/>
+              </a:rPr>
+              <a:t>: </a:t>
+            </a:r>
+            <a:r>
+              <a:rPr lang="tr-TR" b="1" dirty="0" smtClean="0">
+                <a:solidFill>
+                  <a:srgbClr val="002060"/>
+                </a:solidFill>
+                <a:latin typeface="Hevletica"/>
+              </a:rPr>
+              <a:t>2</a:t>
+            </a:r>
+          </a:p>
+          <a:p>
+            <a:pPr marL="742950" lvl="1" indent="-285750" algn="just">
+              <a:buFont typeface="Courier New" panose="02070309020205020404" pitchFamily="49" charset="0"/>
+              <a:buChar char="o"/>
+            </a:pPr>
+            <a:r>
+              <a:rPr lang="tr-TR" dirty="0" err="1" smtClean="0">
+                <a:latin typeface="Hevletica"/>
+                <a:ea typeface="Times New Roman" panose="02020603050405020304" pitchFamily="18" charset="0"/>
+                <a:cs typeface="Helvetica" panose="020B0604020202020204" pitchFamily="34" charset="0"/>
+              </a:rPr>
+              <a:t>Efficiency</a:t>
+            </a:r>
+            <a:endParaRPr lang="tr-TR" dirty="0" smtClean="0">
+              <a:latin typeface="Hevletica"/>
+              <a:ea typeface="Times New Roman" panose="02020603050405020304" pitchFamily="18" charset="0"/>
+              <a:cs typeface="Helvetica" panose="020B0604020202020204" pitchFamily="34" charset="0"/>
+            </a:endParaRPr>
+          </a:p>
+          <a:p>
+            <a:pPr marL="742950" lvl="1" indent="-285750" algn="just">
+              <a:buFont typeface="Courier New" panose="02070309020205020404" pitchFamily="49" charset="0"/>
+              <a:buChar char="o"/>
+            </a:pPr>
+            <a:r>
+              <a:rPr lang="tr-TR" dirty="0" err="1" smtClean="0">
+                <a:latin typeface="Hevletica"/>
+                <a:ea typeface="Times New Roman" panose="02020603050405020304" pitchFamily="18" charset="0"/>
+                <a:cs typeface="Helvetica" panose="020B0604020202020204" pitchFamily="34" charset="0"/>
+              </a:rPr>
+              <a:t>Power</a:t>
+            </a:r>
+            <a:r>
+              <a:rPr lang="tr-TR" dirty="0" smtClean="0">
+                <a:latin typeface="Hevletica"/>
+                <a:ea typeface="Times New Roman" panose="02020603050405020304" pitchFamily="18" charset="0"/>
+                <a:cs typeface="Helvetica" panose="020B0604020202020204" pitchFamily="34" charset="0"/>
+              </a:rPr>
+              <a:t> </a:t>
+            </a:r>
+            <a:r>
+              <a:rPr lang="tr-TR" dirty="0" err="1" smtClean="0">
+                <a:latin typeface="Hevletica"/>
+                <a:ea typeface="Times New Roman" panose="02020603050405020304" pitchFamily="18" charset="0"/>
+                <a:cs typeface="Helvetica" panose="020B0604020202020204" pitchFamily="34" charset="0"/>
+              </a:rPr>
+              <a:t>density</a:t>
+            </a:r>
+            <a:endParaRPr lang="tr-TR" dirty="0" smtClean="0">
+              <a:latin typeface="Hevletica"/>
+              <a:ea typeface="Times New Roman" panose="02020603050405020304" pitchFamily="18" charset="0"/>
+              <a:cs typeface="Helvetica" panose="020B0604020202020204" pitchFamily="34" charset="0"/>
+            </a:endParaRPr>
+          </a:p>
+          <a:p>
+            <a:pPr marL="742950" lvl="1" indent="-285750" algn="just">
+              <a:buFont typeface="Courier New" panose="02070309020205020404" pitchFamily="49" charset="0"/>
+              <a:buChar char="o"/>
+            </a:pPr>
+            <a:r>
+              <a:rPr lang="tr-TR" dirty="0" smtClean="0">
+                <a:latin typeface="Hevletica"/>
+                <a:ea typeface="Times New Roman" panose="02020603050405020304" pitchFamily="18" charset="0"/>
+                <a:cs typeface="Helvetica" panose="020B0604020202020204" pitchFamily="34" charset="0"/>
+              </a:rPr>
+              <a:t>Drive </a:t>
+            </a:r>
+            <a:r>
+              <a:rPr lang="tr-TR" dirty="0" err="1" smtClean="0">
+                <a:latin typeface="Hevletica"/>
+                <a:ea typeface="Times New Roman" panose="02020603050405020304" pitchFamily="18" charset="0"/>
+                <a:cs typeface="Helvetica" panose="020B0604020202020204" pitchFamily="34" charset="0"/>
+              </a:rPr>
+              <a:t>cost</a:t>
+            </a:r>
+            <a:endParaRPr lang="tr-TR" dirty="0" smtClean="0">
+              <a:latin typeface="Hevletica"/>
+              <a:ea typeface="Times New Roman" panose="02020603050405020304" pitchFamily="18" charset="0"/>
+              <a:cs typeface="Helvetica" panose="020B0604020202020204" pitchFamily="34" charset="0"/>
+            </a:endParaRPr>
+          </a:p>
+          <a:p>
+            <a:pPr marL="742950" lvl="1" indent="-285750" algn="just">
+              <a:buFont typeface="Courier New" panose="02070309020205020404" pitchFamily="49" charset="0"/>
+              <a:buChar char="o"/>
+            </a:pPr>
+            <a:endParaRPr lang="tr-TR" dirty="0" smtClean="0">
+              <a:latin typeface="Hevletica"/>
+              <a:ea typeface="Times New Roman" panose="02020603050405020304" pitchFamily="18" charset="0"/>
+              <a:cs typeface="Helvetica" panose="020B0604020202020204" pitchFamily="34" charset="0"/>
+            </a:endParaRPr>
+          </a:p>
+          <a:p>
+            <a:pPr marL="285750" indent="-285750" algn="just">
+              <a:spcAft>
+                <a:spcPts val="0"/>
+              </a:spcAft>
+              <a:buFont typeface="Wingdings" panose="05000000000000000000" pitchFamily="2" charset="2"/>
+              <a:buChar char="§"/>
+            </a:pPr>
+            <a:r>
+              <a:rPr lang="tr-TR" i="1" dirty="0" err="1" smtClean="0">
+                <a:latin typeface="Hevletica"/>
+                <a:ea typeface="Times New Roman" panose="02020603050405020304" pitchFamily="18" charset="0"/>
+                <a:cs typeface="Helvetica" panose="020B0604020202020204" pitchFamily="34" charset="0"/>
+              </a:rPr>
+              <a:t>Switching</a:t>
+            </a:r>
+            <a:r>
+              <a:rPr lang="tr-TR" i="1" dirty="0" smtClean="0">
+                <a:latin typeface="Hevletica"/>
+                <a:ea typeface="Times New Roman" panose="02020603050405020304" pitchFamily="18" charset="0"/>
+                <a:cs typeface="Helvetica" panose="020B0604020202020204" pitchFamily="34" charset="0"/>
+              </a:rPr>
+              <a:t> </a:t>
+            </a:r>
+            <a:r>
+              <a:rPr lang="tr-TR" i="1" dirty="0" err="1" smtClean="0">
+                <a:latin typeface="Hevletica"/>
+                <a:ea typeface="Times New Roman" panose="02020603050405020304" pitchFamily="18" charset="0"/>
+                <a:cs typeface="Helvetica" panose="020B0604020202020204" pitchFamily="34" charset="0"/>
+              </a:rPr>
+              <a:t>frequency</a:t>
+            </a:r>
+            <a:r>
+              <a:rPr lang="tr-TR" i="1" dirty="0" smtClean="0">
+                <a:latin typeface="Hevletica"/>
+                <a:ea typeface="Times New Roman" panose="02020603050405020304" pitchFamily="18" charset="0"/>
+                <a:cs typeface="Helvetica" panose="020B0604020202020204" pitchFamily="34" charset="0"/>
+              </a:rPr>
+              <a:t> (fsw): </a:t>
+            </a:r>
+            <a:r>
+              <a:rPr lang="tr-TR" b="1" dirty="0" smtClean="0">
+                <a:solidFill>
+                  <a:srgbClr val="002060"/>
+                </a:solidFill>
+                <a:latin typeface="Hevletica"/>
+                <a:ea typeface="Times New Roman" panose="02020603050405020304" pitchFamily="18" charset="0"/>
+                <a:cs typeface="Helvetica" panose="020B0604020202020204" pitchFamily="34" charset="0"/>
+              </a:rPr>
+              <a:t>50 kHz</a:t>
+            </a:r>
+          </a:p>
+          <a:p>
+            <a:pPr marL="285750" indent="-285750" algn="just">
+              <a:spcAft>
+                <a:spcPts val="0"/>
+              </a:spcAft>
+              <a:buFont typeface="Wingdings" panose="05000000000000000000" pitchFamily="2" charset="2"/>
+              <a:buChar char="§"/>
+            </a:pPr>
+            <a:endParaRPr lang="tr-TR" i="1" dirty="0">
+              <a:latin typeface="Hevletica"/>
+              <a:ea typeface="Times New Roman" panose="02020603050405020304" pitchFamily="18" charset="0"/>
+              <a:cs typeface="Helvetica" panose="020B0604020202020204" pitchFamily="34" charset="0"/>
+            </a:endParaRPr>
+          </a:p>
+          <a:p>
+            <a:pPr marL="285750" indent="-285750" algn="just">
+              <a:spcAft>
+                <a:spcPts val="0"/>
+              </a:spcAft>
+              <a:buFont typeface="Wingdings" panose="05000000000000000000" pitchFamily="2" charset="2"/>
+              <a:buChar char="§"/>
+            </a:pPr>
+            <a:r>
+              <a:rPr lang="tr-TR" i="1" dirty="0" err="1" smtClean="0">
+                <a:latin typeface="Hevletica"/>
+                <a:ea typeface="Times New Roman" panose="02020603050405020304" pitchFamily="18" charset="0"/>
+                <a:cs typeface="Helvetica" panose="020B0604020202020204" pitchFamily="34" charset="0"/>
+              </a:rPr>
+              <a:t>Aspect</a:t>
+            </a:r>
+            <a:r>
+              <a:rPr lang="tr-TR" i="1" dirty="0" smtClean="0">
+                <a:latin typeface="Hevletica"/>
+                <a:ea typeface="Times New Roman" panose="02020603050405020304" pitchFamily="18" charset="0"/>
+                <a:cs typeface="Helvetica" panose="020B0604020202020204" pitchFamily="34" charset="0"/>
+              </a:rPr>
+              <a:t> </a:t>
+            </a:r>
+            <a:r>
+              <a:rPr lang="tr-TR" i="1" dirty="0" err="1" smtClean="0">
+                <a:latin typeface="Hevletica"/>
+                <a:ea typeface="Times New Roman" panose="02020603050405020304" pitchFamily="18" charset="0"/>
+                <a:cs typeface="Helvetica" panose="020B0604020202020204" pitchFamily="34" charset="0"/>
+              </a:rPr>
+              <a:t>ratio</a:t>
+            </a:r>
+            <a:r>
+              <a:rPr lang="tr-TR" i="1" dirty="0" smtClean="0">
+                <a:latin typeface="Hevletica"/>
+                <a:ea typeface="Times New Roman" panose="02020603050405020304" pitchFamily="18" charset="0"/>
+                <a:cs typeface="Helvetica" panose="020B0604020202020204" pitchFamily="34" charset="0"/>
+              </a:rPr>
+              <a:t> (</a:t>
+            </a:r>
+            <a:r>
+              <a:rPr lang="el-GR" i="1" dirty="0" smtClean="0">
+                <a:latin typeface="Times New Roman" panose="02020603050405020304" pitchFamily="18" charset="0"/>
+                <a:ea typeface="Times New Roman" panose="02020603050405020304" pitchFamily="18" charset="0"/>
+                <a:cs typeface="Times New Roman" panose="02020603050405020304" pitchFamily="18" charset="0"/>
+              </a:rPr>
+              <a:t>α</a:t>
+            </a:r>
+            <a:r>
+              <a:rPr lang="tr-TR" i="1" dirty="0" smtClean="0">
+                <a:solidFill>
+                  <a:srgbClr val="002060"/>
+                </a:solidFill>
+                <a:latin typeface="Hevletica"/>
+                <a:ea typeface="Times New Roman" panose="02020603050405020304" pitchFamily="18" charset="0"/>
+                <a:cs typeface="Helvetica" panose="020B0604020202020204" pitchFamily="34" charset="0"/>
+              </a:rPr>
+              <a:t>): </a:t>
+            </a:r>
+            <a:r>
+              <a:rPr lang="tr-TR" b="1" dirty="0" smtClean="0">
+                <a:solidFill>
+                  <a:srgbClr val="002060"/>
+                </a:solidFill>
+                <a:latin typeface="Hevletica"/>
+                <a:ea typeface="Times New Roman" panose="02020603050405020304" pitchFamily="18" charset="0"/>
+                <a:cs typeface="Helvetica" panose="020B0604020202020204" pitchFamily="34" charset="0"/>
+              </a:rPr>
+              <a:t>0.5</a:t>
+            </a:r>
+          </a:p>
+          <a:p>
+            <a:pPr marL="285750" indent="-285750" algn="just">
+              <a:spcAft>
+                <a:spcPts val="0"/>
+              </a:spcAft>
+              <a:buFont typeface="Wingdings" panose="05000000000000000000" pitchFamily="2" charset="2"/>
+              <a:buChar char="§"/>
+            </a:pPr>
+            <a:endParaRPr lang="tr-TR" b="1" dirty="0">
+              <a:solidFill>
+                <a:srgbClr val="002060"/>
+              </a:solidFill>
+              <a:latin typeface="Hevletica"/>
+              <a:ea typeface="Times New Roman" panose="02020603050405020304" pitchFamily="18" charset="0"/>
+              <a:cs typeface="Helvetica" panose="020B0604020202020204" pitchFamily="34" charset="0"/>
+            </a:endParaRPr>
+          </a:p>
+          <a:p>
+            <a:pPr marL="285750" indent="-285750" algn="just">
+              <a:buFont typeface="Wingdings" panose="05000000000000000000" pitchFamily="2" charset="2"/>
+              <a:buChar char="§"/>
+            </a:pPr>
+            <a:r>
+              <a:rPr lang="tr-TR" i="1" dirty="0" err="1" smtClean="0">
+                <a:latin typeface="Hevletica"/>
+                <a:ea typeface="Times New Roman" panose="02020603050405020304" pitchFamily="18" charset="0"/>
+                <a:cs typeface="Helvetica" panose="020B0604020202020204" pitchFamily="34" charset="0"/>
+              </a:rPr>
+              <a:t>Slot</a:t>
+            </a:r>
+            <a:r>
+              <a:rPr lang="tr-TR" i="1" dirty="0" smtClean="0">
+                <a:latin typeface="Hevletica"/>
+                <a:ea typeface="Times New Roman" panose="02020603050405020304" pitchFamily="18" charset="0"/>
+                <a:cs typeface="Helvetica" panose="020B0604020202020204" pitchFamily="34" charset="0"/>
+              </a:rPr>
+              <a:t>/</a:t>
+            </a:r>
+            <a:r>
+              <a:rPr lang="tr-TR" i="1" dirty="0" err="1" smtClean="0">
+                <a:latin typeface="Hevletica"/>
+                <a:ea typeface="Times New Roman" panose="02020603050405020304" pitchFamily="18" charset="0"/>
+                <a:cs typeface="Helvetica" panose="020B0604020202020204" pitchFamily="34" charset="0"/>
+              </a:rPr>
+              <a:t>module</a:t>
+            </a:r>
+            <a:r>
+              <a:rPr lang="tr-TR" i="1" dirty="0" smtClean="0">
+                <a:latin typeface="Hevletica"/>
+                <a:ea typeface="Times New Roman" panose="02020603050405020304" pitchFamily="18" charset="0"/>
+                <a:cs typeface="Helvetica" panose="020B0604020202020204" pitchFamily="34" charset="0"/>
+              </a:rPr>
+              <a:t>/</a:t>
+            </a:r>
+            <a:r>
+              <a:rPr lang="tr-TR" i="1" dirty="0" err="1" smtClean="0">
+                <a:latin typeface="Hevletica"/>
+                <a:ea typeface="Times New Roman" panose="02020603050405020304" pitchFamily="18" charset="0"/>
+                <a:cs typeface="Helvetica" panose="020B0604020202020204" pitchFamily="34" charset="0"/>
+              </a:rPr>
+              <a:t>phase</a:t>
+            </a:r>
+            <a:r>
+              <a:rPr lang="tr-TR" i="1" dirty="0" smtClean="0">
+                <a:latin typeface="Hevletica"/>
+                <a:ea typeface="Times New Roman" panose="02020603050405020304" pitchFamily="18" charset="0"/>
+                <a:cs typeface="Helvetica" panose="020B0604020202020204" pitchFamily="34" charset="0"/>
+              </a:rPr>
+              <a:t> (w</a:t>
+            </a:r>
+            <a:r>
+              <a:rPr lang="tr-TR" i="1" dirty="0" smtClean="0">
+                <a:solidFill>
+                  <a:srgbClr val="002060"/>
+                </a:solidFill>
+                <a:latin typeface="Hevletica"/>
+                <a:ea typeface="Times New Roman" panose="02020603050405020304" pitchFamily="18" charset="0"/>
+                <a:cs typeface="Helvetica" panose="020B0604020202020204" pitchFamily="34" charset="0"/>
+              </a:rPr>
+              <a:t>): </a:t>
+            </a:r>
+            <a:r>
+              <a:rPr lang="tr-TR" b="1" dirty="0">
+                <a:solidFill>
+                  <a:srgbClr val="002060"/>
+                </a:solidFill>
+                <a:latin typeface="Hevletica"/>
+                <a:ea typeface="Times New Roman" panose="02020603050405020304" pitchFamily="18" charset="0"/>
+                <a:cs typeface="Helvetica" panose="020B0604020202020204" pitchFamily="34" charset="0"/>
+              </a:rPr>
+              <a:t>2</a:t>
+            </a:r>
+          </a:p>
+          <a:p>
+            <a:pPr marL="742950" lvl="1" indent="-285750" algn="just">
+              <a:buFont typeface="Courier New" panose="02070309020205020404" pitchFamily="49" charset="0"/>
+              <a:buChar char="o"/>
+            </a:pPr>
+            <a:r>
+              <a:rPr lang="tr-TR" dirty="0" err="1" smtClean="0">
+                <a:latin typeface="Hevletica"/>
+                <a:ea typeface="Times New Roman" panose="02020603050405020304" pitchFamily="18" charset="0"/>
+                <a:cs typeface="Helvetica" panose="020B0604020202020204" pitchFamily="34" charset="0"/>
+              </a:rPr>
+              <a:t>Tooth</a:t>
+            </a:r>
+            <a:r>
+              <a:rPr lang="tr-TR" dirty="0" smtClean="0">
+                <a:latin typeface="Hevletica"/>
+                <a:ea typeface="Times New Roman" panose="02020603050405020304" pitchFamily="18" charset="0"/>
+                <a:cs typeface="Helvetica" panose="020B0604020202020204" pitchFamily="34" charset="0"/>
+              </a:rPr>
+              <a:t> </a:t>
+            </a:r>
+            <a:r>
+              <a:rPr lang="tr-TR" dirty="0" err="1" smtClean="0">
+                <a:latin typeface="Hevletica"/>
+                <a:ea typeface="Times New Roman" panose="02020603050405020304" pitchFamily="18" charset="0"/>
+                <a:cs typeface="Helvetica" panose="020B0604020202020204" pitchFamily="34" charset="0"/>
+              </a:rPr>
+              <a:t>width</a:t>
+            </a:r>
+            <a:endParaRPr lang="tr-TR" dirty="0" smtClean="0">
+              <a:latin typeface="Hevletica"/>
+              <a:ea typeface="Times New Roman" panose="02020603050405020304" pitchFamily="18" charset="0"/>
+              <a:cs typeface="Helvetica" panose="020B0604020202020204" pitchFamily="34" charset="0"/>
+            </a:endParaRPr>
           </a:p>
         </p:txBody>
       </p:sp>
@@ -6555,6 +7591,57 @@
           </a:fontRef>
         </p:style>
       </p:cxnSp>
+      <p:sp>
+        <p:nvSpPr>
+          <p:cNvPr id="13" name="TextBox 12"/>
+          <p:cNvSpPr txBox="1"/>
+          <p:nvPr/>
+        </p:nvSpPr>
+        <p:spPr>
+          <a:xfrm>
+            <a:off x="1386291" y="224135"/>
+            <a:ext cx="7315200" cy="553998"/>
+          </a:xfrm>
+          <a:prstGeom prst="rect">
+            <a:avLst/>
+          </a:prstGeom>
+          <a:noFill/>
+        </p:spPr>
+        <p:txBody>
+          <a:bodyPr wrap="square" rtlCol="0">
+            <a:spAutoFit/>
+          </a:bodyPr>
+          <a:lstStyle/>
+          <a:p>
+            <a:pPr algn="ctr"/>
+            <a:r>
+              <a:rPr lang="tr-TR" sz="3000" dirty="0" err="1" smtClean="0">
+                <a:latin typeface="Times New Roman" panose="02020603050405020304" pitchFamily="18" charset="0"/>
+                <a:cs typeface="Times New Roman" panose="02020603050405020304" pitchFamily="18" charset="0"/>
+              </a:rPr>
+              <a:t>System</a:t>
+            </a:r>
+            <a:r>
+              <a:rPr lang="tr-TR" sz="3000" dirty="0" smtClean="0">
+                <a:latin typeface="Times New Roman" panose="02020603050405020304" pitchFamily="18" charset="0"/>
+                <a:cs typeface="Times New Roman" panose="02020603050405020304" pitchFamily="18" charset="0"/>
+              </a:rPr>
+              <a:t> </a:t>
+            </a:r>
+            <a:r>
+              <a:rPr lang="tr-TR" sz="3000" dirty="0" err="1" smtClean="0">
+                <a:latin typeface="Times New Roman" panose="02020603050405020304" pitchFamily="18" charset="0"/>
+                <a:cs typeface="Times New Roman" panose="02020603050405020304" pitchFamily="18" charset="0"/>
+              </a:rPr>
+              <a:t>Performance</a:t>
+            </a:r>
+            <a:endParaRPr lang="en-US" sz="3000" dirty="0">
+              <a:latin typeface="Times New Roman" panose="02020603050405020304" pitchFamily="18" charset="0"/>
+              <a:cs typeface="Times New Roman" panose="02020603050405020304" pitchFamily="18" charset="0"/>
+            </a:endParaRPr>
+          </a:p>
+        </p:txBody>
+      </p:sp>
       <p:cxnSp>
         <p:nvCxnSpPr>
           <p:cNvPr id="15" name="Straight Connector 14"/>
@@ -6609,6 +7696,1903 @@
               <a:rPr lang="en-US" smtClean="0"/>
               <a:pPr/>
               <a:t>13</a:t>
+            </a:fld>
+            <a:endParaRPr lang="en-US" dirty="0"/>
+          </a:p>
+        </p:txBody>
+      </p:sp>
+      <p:pic>
+        <p:nvPicPr>
+          <p:cNvPr id="12" name="Picture 2" descr="C:\Users\Mesut\Desktop\aselsan sunum\aselsan sunum 10 ekim\aselsan sunum\cezmi bey\ODTU.png"/>
+          <p:cNvPicPr>
+            <a:picLocks noChangeAspect="1" noChangeArrowheads="1"/>
+          </p:cNvPicPr>
+          <p:nvPr/>
+        </p:nvPicPr>
+        <p:blipFill>
+          <a:blip r:embed="rId3" cstate="print">
+            <a:extLst>
+              <a:ext uri="{28A0092B-C50C-407E-A947-70E740481C1C}">
+                <a14:useLocalDpi xmlns:a14="http://schemas.microsoft.com/office/drawing/2010/main" val="0"/>
+              </a:ext>
+            </a:extLst>
+          </a:blip>
+          <a:srcRect/>
+          <a:stretch>
+            <a:fillRect/>
+          </a:stretch>
+        </p:blipFill>
+        <p:spPr bwMode="auto">
+          <a:xfrm>
+            <a:off x="116458" y="163788"/>
+            <a:ext cx="779026" cy="650016"/>
+          </a:xfrm>
+          <a:prstGeom prst="rect">
+            <a:avLst/>
+          </a:prstGeom>
+          <a:noFill/>
+          <a:extLst>
+            <a:ext uri="{909E8E84-426E-40DD-AFC4-6F175D3DCCD1}">
+              <a14:hiddenFill xmlns:a14="http://schemas.microsoft.com/office/drawing/2010/main">
+                <a:solidFill>
+                  <a:srgbClr val="FFFFFF"/>
+                </a:solidFill>
+              </a14:hiddenFill>
+            </a:ext>
+          </a:extLst>
+        </p:spPr>
+      </p:pic>
+      <p:pic>
+        <p:nvPicPr>
+          <p:cNvPr id="14" name="Picture 13"/>
+          <p:cNvPicPr>
+            <a:picLocks noChangeAspect="1"/>
+          </p:cNvPicPr>
+          <p:nvPr/>
+        </p:nvPicPr>
+        <p:blipFill rotWithShape="1">
+          <a:blip r:embed="rId4"/>
+          <a:srcRect t="1741" b="7727"/>
+          <a:stretch/>
+        </p:blipFill>
+        <p:spPr>
+          <a:xfrm rot="16200000">
+            <a:off x="-315548" y="5538698"/>
+            <a:ext cx="1643039" cy="1011942"/>
+          </a:xfrm>
+          <a:prstGeom prst="rect">
+            <a:avLst/>
+          </a:prstGeom>
+        </p:spPr>
+      </p:pic>
+      <p:sp>
+        <p:nvSpPr>
+          <p:cNvPr id="3" name="Rectangle 2"/>
+          <p:cNvSpPr>
+            <a:spLocks noChangeArrowheads="1"/>
+          </p:cNvSpPr>
+          <p:nvPr/>
+        </p:nvSpPr>
+        <p:spPr bwMode="auto">
+          <a:xfrm>
+            <a:off x="0" y="0"/>
+            <a:ext cx="9144000" cy="0"/>
+          </a:xfrm>
+          <a:prstGeom prst="rect">
+            <a:avLst/>
+          </a:prstGeom>
+          <a:noFill/>
+          <a:ln>
+            <a:noFill/>
+          </a:ln>
+          <a:effectLst/>
+          <a:extLst>
+            <a:ext uri="{909E8E84-426E-40DD-AFC4-6F175D3DCCD1}">
+              <a14:hiddenFill xmlns:a14="http://schemas.microsoft.com/office/drawing/2010/main">
+                <a:solidFill>
+                  <a:schemeClr val="accent1"/>
+                </a:solidFill>
+              </a14:hiddenFill>
+            </a:ext>
+            <a:ext uri="{91240B29-F687-4F45-9708-019B960494DF}">
+              <a14:hiddenLine xmlns:a14="http://schemas.microsoft.com/office/drawing/2010/main" w="9525">
+                <a:solidFill>
+                  <a:schemeClr val="tx1"/>
+                </a:solidFill>
+                <a:miter lim="800000"/>
+                <a:headEnd/>
+                <a:tailEnd/>
+              </a14:hiddenLine>
+            </a:ext>
+            <a:ext uri="{AF507438-7753-43E0-B8FC-AC1667EBCBE1}">
+              <a14:hiddenEffects xmlns:a14="http://schemas.microsoft.com/office/drawing/2010/main">
+                <a:effectLst>
+                  <a:outerShdw dist="35921" dir="2700000" algn="ctr" rotWithShape="0">
+                    <a:schemeClr val="bg2"/>
+                  </a:outerShdw>
+                </a:effectLst>
+              </a14:hiddenEffects>
+            </a:ext>
+          </a:extLst>
+        </p:spPr>
+        <p:txBody>
+          <a:bodyPr vert="horz" wrap="none" lIns="91440" tIns="45720" rIns="91440" bIns="45720" numCol="1" anchor="ctr" anchorCtr="0" compatLnSpc="1">
+            <a:prstTxWarp prst="textNoShape">
+              <a:avLst/>
+            </a:prstTxWarp>
+            <a:spAutoFit/>
+          </a:bodyPr>
+          <a:lstStyle/>
+          <a:p>
+            <a:endParaRPr lang="en-US"/>
+          </a:p>
+        </p:txBody>
+      </p:sp>
+      <p:sp>
+        <p:nvSpPr>
+          <p:cNvPr id="7" name="Rectangle 4"/>
+          <p:cNvSpPr>
+            <a:spLocks noChangeArrowheads="1"/>
+          </p:cNvSpPr>
+          <p:nvPr/>
+        </p:nvSpPr>
+        <p:spPr bwMode="auto">
+          <a:xfrm>
+            <a:off x="0" y="0"/>
+            <a:ext cx="9144000" cy="0"/>
+          </a:xfrm>
+          <a:prstGeom prst="rect">
+            <a:avLst/>
+          </a:prstGeom>
+          <a:noFill/>
+          <a:ln>
+            <a:noFill/>
+          </a:ln>
+          <a:effectLst/>
+          <a:extLst>
+            <a:ext uri="{909E8E84-426E-40DD-AFC4-6F175D3DCCD1}">
+              <a14:hiddenFill xmlns:a14="http://schemas.microsoft.com/office/drawing/2010/main">
+                <a:solidFill>
+                  <a:schemeClr val="accent1"/>
+                </a:solidFill>
+              </a14:hiddenFill>
+            </a:ext>
+            <a:ext uri="{91240B29-F687-4F45-9708-019B960494DF}">
+              <a14:hiddenLine xmlns:a14="http://schemas.microsoft.com/office/drawing/2010/main" w="9525">
+                <a:solidFill>
+                  <a:schemeClr val="tx1"/>
+                </a:solidFill>
+                <a:miter lim="800000"/>
+                <a:headEnd/>
+                <a:tailEnd/>
+              </a14:hiddenLine>
+            </a:ext>
+            <a:ext uri="{AF507438-7753-43E0-B8FC-AC1667EBCBE1}">
+              <a14:hiddenEffects xmlns:a14="http://schemas.microsoft.com/office/drawing/2010/main">
+                <a:effectLst>
+                  <a:outerShdw dist="35921" dir="2700000" algn="ctr" rotWithShape="0">
+                    <a:schemeClr val="bg2"/>
+                  </a:outerShdw>
+                </a:effectLst>
+              </a14:hiddenEffects>
+            </a:ext>
+          </a:extLst>
+        </p:spPr>
+        <p:txBody>
+          <a:bodyPr vert="horz" wrap="none" lIns="91440" tIns="45720" rIns="91440" bIns="45720" numCol="1" anchor="ctr" anchorCtr="0" compatLnSpc="1">
+            <a:prstTxWarp prst="textNoShape">
+              <a:avLst/>
+            </a:prstTxWarp>
+            <a:spAutoFit/>
+          </a:bodyPr>
+          <a:lstStyle/>
+          <a:p>
+            <a:endParaRPr lang="en-US"/>
+          </a:p>
+        </p:txBody>
+      </p:sp>
+      <p:sp>
+        <p:nvSpPr>
+          <p:cNvPr id="16" name="Rectangle 15"/>
+          <p:cNvSpPr/>
+          <p:nvPr/>
+        </p:nvSpPr>
+        <p:spPr>
+          <a:xfrm>
+            <a:off x="1189918" y="1295400"/>
+            <a:ext cx="6415491" cy="2031325"/>
+          </a:xfrm>
+          <a:prstGeom prst="rect">
+            <a:avLst/>
+          </a:prstGeom>
+        </p:spPr>
+        <p:txBody>
+          <a:bodyPr wrap="square">
+            <a:spAutoFit/>
+          </a:bodyPr>
+          <a:lstStyle/>
+          <a:p>
+            <a:pPr marL="285750" indent="-285750" algn="just">
+              <a:spcAft>
+                <a:spcPts val="0"/>
+              </a:spcAft>
+              <a:buFont typeface="Wingdings" panose="05000000000000000000" pitchFamily="2" charset="2"/>
+              <a:buChar char="§"/>
+            </a:pPr>
+            <a:r>
+              <a:rPr lang="tr-TR" dirty="0" smtClean="0">
+                <a:latin typeface="Hevletica"/>
+                <a:ea typeface="Times New Roman" panose="02020603050405020304" pitchFamily="18" charset="0"/>
+                <a:cs typeface="Helvetica" panose="020B0604020202020204" pitchFamily="34" charset="0"/>
+              </a:rPr>
+              <a:t>Drive </a:t>
+            </a:r>
+            <a:r>
+              <a:rPr lang="tr-TR" dirty="0" err="1" smtClean="0">
+                <a:latin typeface="Hevletica"/>
+                <a:ea typeface="Times New Roman" panose="02020603050405020304" pitchFamily="18" charset="0"/>
+                <a:cs typeface="Helvetica" panose="020B0604020202020204" pitchFamily="34" charset="0"/>
+              </a:rPr>
+              <a:t>efficiency</a:t>
+            </a:r>
+            <a:r>
+              <a:rPr lang="tr-TR" dirty="0" smtClean="0">
+                <a:latin typeface="Hevletica"/>
+                <a:ea typeface="Times New Roman" panose="02020603050405020304" pitchFamily="18" charset="0"/>
+                <a:cs typeface="Helvetica" panose="020B0604020202020204" pitchFamily="34" charset="0"/>
+              </a:rPr>
+              <a:t>: 98.3 %</a:t>
+            </a:r>
+          </a:p>
+          <a:p>
+            <a:pPr marL="285750" indent="-285750" algn="just">
+              <a:spcAft>
+                <a:spcPts val="0"/>
+              </a:spcAft>
+              <a:buFont typeface="Wingdings" panose="05000000000000000000" pitchFamily="2" charset="2"/>
+              <a:buChar char="§"/>
+            </a:pPr>
+            <a:endParaRPr lang="tr-TR" dirty="0">
+              <a:latin typeface="Hevletica"/>
+              <a:ea typeface="Times New Roman" panose="02020603050405020304" pitchFamily="18" charset="0"/>
+              <a:cs typeface="Helvetica" panose="020B0604020202020204" pitchFamily="34" charset="0"/>
+            </a:endParaRPr>
+          </a:p>
+          <a:p>
+            <a:pPr marL="285750" indent="-285750" algn="just">
+              <a:spcAft>
+                <a:spcPts val="0"/>
+              </a:spcAft>
+              <a:buFont typeface="Wingdings" panose="05000000000000000000" pitchFamily="2" charset="2"/>
+              <a:buChar char="§"/>
+            </a:pPr>
+            <a:r>
+              <a:rPr lang="tr-TR" dirty="0" smtClean="0">
+                <a:latin typeface="Hevletica"/>
+                <a:ea typeface="Times New Roman" panose="02020603050405020304" pitchFamily="18" charset="0"/>
+                <a:cs typeface="Helvetica" panose="020B0604020202020204" pitchFamily="34" charset="0"/>
+              </a:rPr>
+              <a:t>Motor </a:t>
+            </a:r>
+            <a:r>
+              <a:rPr lang="tr-TR" dirty="0" err="1" smtClean="0">
+                <a:latin typeface="Hevletica"/>
+                <a:ea typeface="Times New Roman" panose="02020603050405020304" pitchFamily="18" charset="0"/>
+                <a:cs typeface="Helvetica" panose="020B0604020202020204" pitchFamily="34" charset="0"/>
+              </a:rPr>
+              <a:t>efficiency</a:t>
+            </a:r>
+            <a:r>
+              <a:rPr lang="tr-TR" dirty="0" smtClean="0">
+                <a:latin typeface="Hevletica"/>
+                <a:ea typeface="Times New Roman" panose="02020603050405020304" pitchFamily="18" charset="0"/>
+                <a:cs typeface="Helvetica" panose="020B0604020202020204" pitchFamily="34" charset="0"/>
+              </a:rPr>
+              <a:t>: 96.6 %</a:t>
+            </a:r>
+          </a:p>
+          <a:p>
+            <a:pPr marL="285750" indent="-285750" algn="just">
+              <a:spcAft>
+                <a:spcPts val="0"/>
+              </a:spcAft>
+              <a:buFont typeface="Wingdings" panose="05000000000000000000" pitchFamily="2" charset="2"/>
+              <a:buChar char="§"/>
+            </a:pPr>
+            <a:endParaRPr lang="tr-TR" dirty="0">
+              <a:latin typeface="Hevletica"/>
+              <a:ea typeface="Times New Roman" panose="02020603050405020304" pitchFamily="18" charset="0"/>
+              <a:cs typeface="Helvetica" panose="020B0604020202020204" pitchFamily="34" charset="0"/>
+            </a:endParaRPr>
+          </a:p>
+          <a:p>
+            <a:pPr marL="285750" indent="-285750" algn="just">
+              <a:spcAft>
+                <a:spcPts val="0"/>
+              </a:spcAft>
+              <a:buFont typeface="Wingdings" panose="05000000000000000000" pitchFamily="2" charset="2"/>
+              <a:buChar char="§"/>
+            </a:pPr>
+            <a:r>
+              <a:rPr lang="tr-TR" dirty="0" err="1" smtClean="0">
+                <a:latin typeface="Hevletica"/>
+                <a:ea typeface="Times New Roman" panose="02020603050405020304" pitchFamily="18" charset="0"/>
+                <a:cs typeface="Helvetica" panose="020B0604020202020204" pitchFamily="34" charset="0"/>
+              </a:rPr>
+              <a:t>Power</a:t>
+            </a:r>
+            <a:r>
+              <a:rPr lang="tr-TR" dirty="0" smtClean="0">
+                <a:latin typeface="Hevletica"/>
+                <a:ea typeface="Times New Roman" panose="02020603050405020304" pitchFamily="18" charset="0"/>
+                <a:cs typeface="Helvetica" panose="020B0604020202020204" pitchFamily="34" charset="0"/>
+              </a:rPr>
+              <a:t> </a:t>
+            </a:r>
+            <a:r>
+              <a:rPr lang="tr-TR" dirty="0" err="1" smtClean="0">
+                <a:latin typeface="Hevletica"/>
+                <a:ea typeface="Times New Roman" panose="02020603050405020304" pitchFamily="18" charset="0"/>
+                <a:cs typeface="Helvetica" panose="020B0604020202020204" pitchFamily="34" charset="0"/>
+              </a:rPr>
+              <a:t>density</a:t>
+            </a:r>
+            <a:r>
+              <a:rPr lang="tr-TR" dirty="0" smtClean="0">
+                <a:latin typeface="Hevletica"/>
+                <a:ea typeface="Times New Roman" panose="02020603050405020304" pitchFamily="18" charset="0"/>
+                <a:cs typeface="Helvetica" panose="020B0604020202020204" pitchFamily="34" charset="0"/>
+              </a:rPr>
+              <a:t>: 0.71 kW/</a:t>
+            </a:r>
+            <a:r>
+              <a:rPr lang="tr-TR" dirty="0" err="1" smtClean="0">
+                <a:latin typeface="Hevletica"/>
+                <a:ea typeface="Times New Roman" panose="02020603050405020304" pitchFamily="18" charset="0"/>
+                <a:cs typeface="Helvetica" panose="020B0604020202020204" pitchFamily="34" charset="0"/>
+              </a:rPr>
+              <a:t>lt</a:t>
+            </a:r>
+            <a:endParaRPr lang="tr-TR" dirty="0" smtClean="0">
+              <a:latin typeface="Hevletica"/>
+              <a:ea typeface="Times New Roman" panose="02020603050405020304" pitchFamily="18" charset="0"/>
+              <a:cs typeface="Helvetica" panose="020B0604020202020204" pitchFamily="34" charset="0"/>
+            </a:endParaRPr>
+          </a:p>
+          <a:p>
+            <a:pPr lvl="1" algn="just"/>
+            <a:endParaRPr lang="tr-TR" dirty="0" smtClean="0">
+              <a:latin typeface="Hevletica"/>
+              <a:ea typeface="Times New Roman" panose="02020603050405020304" pitchFamily="18" charset="0"/>
+              <a:cs typeface="Helvetica" panose="020B0604020202020204" pitchFamily="34" charset="0"/>
+            </a:endParaRPr>
+          </a:p>
+          <a:p>
+            <a:pPr marL="285750" indent="-285750" algn="just">
+              <a:spcAft>
+                <a:spcPts val="0"/>
+              </a:spcAft>
+              <a:buFont typeface="Wingdings" panose="05000000000000000000" pitchFamily="2" charset="2"/>
+              <a:buChar char="§"/>
+            </a:pPr>
+            <a:r>
+              <a:rPr lang="tr-TR" dirty="0" smtClean="0">
+                <a:latin typeface="Hevletica"/>
+              </a:rPr>
+              <a:t>Motor </a:t>
+            </a:r>
+            <a:r>
+              <a:rPr lang="tr-TR" dirty="0" err="1" smtClean="0">
+                <a:latin typeface="Hevletica"/>
+              </a:rPr>
+              <a:t>material</a:t>
+            </a:r>
+            <a:r>
+              <a:rPr lang="tr-TR" dirty="0" smtClean="0">
+                <a:latin typeface="Hevletica"/>
+              </a:rPr>
+              <a:t> </a:t>
+            </a:r>
+            <a:r>
+              <a:rPr lang="tr-TR" dirty="0" err="1" smtClean="0">
+                <a:latin typeface="Hevletica"/>
+              </a:rPr>
+              <a:t>cost</a:t>
+            </a:r>
+            <a:r>
+              <a:rPr lang="tr-TR" dirty="0" smtClean="0">
+                <a:latin typeface="Hevletica"/>
+              </a:rPr>
+              <a:t>: 249.5 $</a:t>
+            </a:r>
+          </a:p>
+        </p:txBody>
+      </p:sp>
+      <p:sp>
+        <p:nvSpPr>
+          <p:cNvPr id="17" name="Rectangle 16"/>
+          <p:cNvSpPr/>
+          <p:nvPr/>
+        </p:nvSpPr>
+        <p:spPr>
+          <a:xfrm>
+            <a:off x="4418685" y="4279656"/>
+            <a:ext cx="4039516" cy="369332"/>
+          </a:xfrm>
+          <a:prstGeom prst="rect">
+            <a:avLst/>
+          </a:prstGeom>
+        </p:spPr>
+        <p:txBody>
+          <a:bodyPr wrap="square">
+            <a:spAutoFit/>
+          </a:bodyPr>
+          <a:lstStyle/>
+          <a:p>
+            <a:pPr algn="just">
+              <a:spcAft>
+                <a:spcPts val="0"/>
+              </a:spcAft>
+            </a:pPr>
+            <a:r>
+              <a:rPr lang="tr-TR" dirty="0" smtClean="0">
+                <a:latin typeface="Hevletica"/>
+              </a:rPr>
+              <a:t>IMMD</a:t>
+            </a:r>
+          </a:p>
+        </p:txBody>
+      </p:sp>
+    </p:spTree>
+    <p:extLst>
+      <p:ext uri="{BB962C8B-B14F-4D97-AF65-F5344CB8AC3E}">
+        <p14:creationId xmlns:p14="http://schemas.microsoft.com/office/powerpoint/2010/main" val="1661019872"/>
+      </p:ext>
+    </p:extLst>
+  </p:cSld>
+  <p:clrMapOvr>
+    <a:masterClrMapping/>
+  </p:clrMapOvr>
+  <p:timing>
+    <p:tnLst>
+      <p:par>
+        <p:cTn id="1" dur="indefinite" restart="never" nodeType="tmRoot"/>
+      </p:par>
+    </p:tnLst>
+  </p:timing>
+</p:sld>
+</file>
+
+<file path=ppt/slides/slide14.xml><?xml version="1.0" encoding="utf-8"?>
+<p:sld xmlns:a="http://schemas.openxmlformats.org/drawingml/2006/main" xmlns:r="http://schemas.openxmlformats.org/officeDocument/2006/relationships" xmlns:p="http://schemas.openxmlformats.org/presentationml/2006/main">
+  <p:cSld>
+    <p:spTree>
+      <p:nvGrpSpPr>
+        <p:cNvPr id="1" name=""/>
+        <p:cNvGrpSpPr/>
+        <p:nvPr/>
+      </p:nvGrpSpPr>
+      <p:grpSpPr>
+        <a:xfrm>
+          <a:off x="0" y="0"/>
+          <a:ext cx="0" cy="0"/>
+          <a:chOff x="0" y="0"/>
+          <a:chExt cx="0" cy="0"/>
+        </a:xfrm>
+      </p:grpSpPr>
+      <p:sp>
+        <p:nvSpPr>
+          <p:cNvPr id="10" name="Rectangle 9"/>
+          <p:cNvSpPr/>
+          <p:nvPr/>
+        </p:nvSpPr>
+        <p:spPr>
+          <a:xfrm>
+            <a:off x="0" y="12106"/>
+            <a:ext cx="1011942" cy="6854083"/>
+          </a:xfrm>
+          <a:prstGeom prst="rect">
+            <a:avLst/>
+          </a:prstGeom>
+          <a:gradFill flip="none" rotWithShape="1">
+            <a:gsLst>
+              <a:gs pos="50000">
+                <a:srgbClr val="D00000"/>
+              </a:gs>
+              <a:gs pos="0">
+                <a:srgbClr val="FF0000">
+                  <a:shade val="30000"/>
+                  <a:satMod val="115000"/>
+                </a:srgbClr>
+              </a:gs>
+              <a:gs pos="100000">
+                <a:schemeClr val="accent2">
+                  <a:lumMod val="60000"/>
+                  <a:lumOff val="40000"/>
+                </a:schemeClr>
+              </a:gs>
+            </a:gsLst>
+            <a:lin ang="5400000" scaled="1"/>
+            <a:tileRect/>
+          </a:gradFill>
+          <a:ln>
+            <a:noFill/>
+          </a:ln>
+        </p:spPr>
+        <p:style>
+          <a:lnRef idx="2">
+            <a:schemeClr val="accent1">
+              <a:shade val="50000"/>
+            </a:schemeClr>
+          </a:lnRef>
+          <a:fillRef idx="1">
+            <a:schemeClr val="accent1"/>
+          </a:fillRef>
+          <a:effectRef idx="0">
+            <a:schemeClr val="accent1"/>
+          </a:effectRef>
+          <a:fontRef idx="minor">
+            <a:schemeClr val="lt1"/>
+          </a:fontRef>
+        </p:style>
+        <p:txBody>
+          <a:bodyPr rtlCol="0" anchor="ctr"/>
+          <a:lstStyle/>
+          <a:p>
+            <a:pPr algn="ctr"/>
+            <a:endParaRPr lang="tr-TR"/>
+          </a:p>
+        </p:txBody>
+      </p:sp>
+      <p:cxnSp>
+        <p:nvCxnSpPr>
+          <p:cNvPr id="11" name="Straight Connector 10"/>
+          <p:cNvCxnSpPr/>
+          <p:nvPr/>
+        </p:nvCxnSpPr>
+        <p:spPr>
+          <a:xfrm>
+            <a:off x="1189918" y="838200"/>
+            <a:ext cx="7649282" cy="0"/>
+          </a:xfrm>
+          <a:prstGeom prst="line">
+            <a:avLst/>
+          </a:prstGeom>
+          <a:ln w="50800">
+            <a:solidFill>
+              <a:srgbClr val="F20000"/>
+            </a:solidFill>
+          </a:ln>
+        </p:spPr>
+        <p:style>
+          <a:lnRef idx="1">
+            <a:schemeClr val="accent1"/>
+          </a:lnRef>
+          <a:fillRef idx="0">
+            <a:schemeClr val="accent1"/>
+          </a:fillRef>
+          <a:effectRef idx="0">
+            <a:schemeClr val="accent1"/>
+          </a:effectRef>
+          <a:fontRef idx="minor">
+            <a:schemeClr val="tx1"/>
+          </a:fontRef>
+        </p:style>
+      </p:cxnSp>
+      <p:sp>
+        <p:nvSpPr>
+          <p:cNvPr id="13" name="TextBox 12"/>
+          <p:cNvSpPr txBox="1"/>
+          <p:nvPr/>
+        </p:nvSpPr>
+        <p:spPr>
+          <a:xfrm>
+            <a:off x="1386291" y="224135"/>
+            <a:ext cx="7315200" cy="553998"/>
+          </a:xfrm>
+          <a:prstGeom prst="rect">
+            <a:avLst/>
+          </a:prstGeom>
+          <a:noFill/>
+        </p:spPr>
+        <p:txBody>
+          <a:bodyPr wrap="square" rtlCol="0">
+            <a:spAutoFit/>
+          </a:bodyPr>
+          <a:lstStyle/>
+          <a:p>
+            <a:pPr algn="ctr"/>
+            <a:r>
+              <a:rPr lang="tr-TR" sz="3000" dirty="0" err="1" smtClean="0">
+                <a:latin typeface="Times New Roman" panose="02020603050405020304" pitchFamily="18" charset="0"/>
+                <a:cs typeface="Times New Roman" panose="02020603050405020304" pitchFamily="18" charset="0"/>
+              </a:rPr>
+              <a:t>References</a:t>
+            </a:r>
+            <a:endParaRPr lang="en-US" sz="3000" dirty="0">
+              <a:latin typeface="Times New Roman" panose="02020603050405020304" pitchFamily="18" charset="0"/>
+              <a:cs typeface="Times New Roman" panose="02020603050405020304" pitchFamily="18" charset="0"/>
+            </a:endParaRPr>
+          </a:p>
+        </p:txBody>
+      </p:sp>
+      <p:cxnSp>
+        <p:nvCxnSpPr>
+          <p:cNvPr id="15" name="Straight Connector 14"/>
+          <p:cNvCxnSpPr/>
+          <p:nvPr/>
+        </p:nvCxnSpPr>
+        <p:spPr>
+          <a:xfrm>
+            <a:off x="1189918" y="914400"/>
+            <a:ext cx="7649282" cy="0"/>
+          </a:xfrm>
+          <a:prstGeom prst="line">
+            <a:avLst/>
+          </a:prstGeom>
+          <a:ln w="19050">
+            <a:solidFill>
+              <a:srgbClr val="F20000"/>
+            </a:solidFill>
+          </a:ln>
+        </p:spPr>
+        <p:style>
+          <a:lnRef idx="1">
+            <a:schemeClr val="accent1"/>
+          </a:lnRef>
+          <a:fillRef idx="0">
+            <a:schemeClr val="accent1"/>
+          </a:fillRef>
+          <a:effectRef idx="0">
+            <a:schemeClr val="accent1"/>
+          </a:effectRef>
+          <a:fontRef idx="minor">
+            <a:schemeClr val="tx1"/>
+          </a:fontRef>
+        </p:style>
+      </p:cxnSp>
+      <p:sp>
+        <p:nvSpPr>
+          <p:cNvPr id="2" name="Slide Number Placeholder 1"/>
+          <p:cNvSpPr>
+            <a:spLocks noGrp="1"/>
+          </p:cNvSpPr>
+          <p:nvPr>
+            <p:ph type="sldNum" sz="quarter" idx="12"/>
+          </p:nvPr>
+        </p:nvSpPr>
+        <p:spPr/>
+        <p:txBody>
+          <a:bodyPr/>
+          <a:lstStyle/>
+          <a:p>
+            <a:fld id="{B6F15528-21DE-4FAA-801E-634DDDAF4B2B}" type="slidenum">
+              <a:rPr lang="en-US" smtClean="0"/>
+              <a:pPr/>
+              <a:t>14</a:t>
+            </a:fld>
+            <a:endParaRPr lang="en-US" dirty="0"/>
+          </a:p>
+        </p:txBody>
+      </p:sp>
+      <p:pic>
+        <p:nvPicPr>
+          <p:cNvPr id="12" name="Picture 2" descr="C:\Users\Mesut\Desktop\aselsan sunum\aselsan sunum 10 ekim\aselsan sunum\cezmi bey\ODTU.png"/>
+          <p:cNvPicPr>
+            <a:picLocks noChangeAspect="1" noChangeArrowheads="1"/>
+          </p:cNvPicPr>
+          <p:nvPr/>
+        </p:nvPicPr>
+        <p:blipFill>
+          <a:blip r:embed="rId3" cstate="print">
+            <a:extLst>
+              <a:ext uri="{28A0092B-C50C-407E-A947-70E740481C1C}">
+                <a14:useLocalDpi xmlns:a14="http://schemas.microsoft.com/office/drawing/2010/main" val="0"/>
+              </a:ext>
+            </a:extLst>
+          </a:blip>
+          <a:srcRect/>
+          <a:stretch>
+            <a:fillRect/>
+          </a:stretch>
+        </p:blipFill>
+        <p:spPr bwMode="auto">
+          <a:xfrm>
+            <a:off x="116458" y="163788"/>
+            <a:ext cx="779026" cy="650016"/>
+          </a:xfrm>
+          <a:prstGeom prst="rect">
+            <a:avLst/>
+          </a:prstGeom>
+          <a:noFill/>
+          <a:extLst>
+            <a:ext uri="{909E8E84-426E-40DD-AFC4-6F175D3DCCD1}">
+              <a14:hiddenFill xmlns:a14="http://schemas.microsoft.com/office/drawing/2010/main">
+                <a:solidFill>
+                  <a:srgbClr val="FFFFFF"/>
+                </a:solidFill>
+              </a14:hiddenFill>
+            </a:ext>
+          </a:extLst>
+        </p:spPr>
+      </p:pic>
+      <p:pic>
+        <p:nvPicPr>
+          <p:cNvPr id="14" name="Picture 13"/>
+          <p:cNvPicPr>
+            <a:picLocks noChangeAspect="1"/>
+          </p:cNvPicPr>
+          <p:nvPr/>
+        </p:nvPicPr>
+        <p:blipFill rotWithShape="1">
+          <a:blip r:embed="rId4"/>
+          <a:srcRect t="1741" b="7727"/>
+          <a:stretch/>
+        </p:blipFill>
+        <p:spPr>
+          <a:xfrm rot="16200000">
+            <a:off x="-315548" y="5538698"/>
+            <a:ext cx="1643039" cy="1011942"/>
+          </a:xfrm>
+          <a:prstGeom prst="rect">
+            <a:avLst/>
+          </a:prstGeom>
+        </p:spPr>
+      </p:pic>
+      <p:sp>
+        <p:nvSpPr>
+          <p:cNvPr id="3" name="Rectangle 2"/>
+          <p:cNvSpPr>
+            <a:spLocks noChangeArrowheads="1"/>
+          </p:cNvSpPr>
+          <p:nvPr/>
+        </p:nvSpPr>
+        <p:spPr bwMode="auto">
+          <a:xfrm>
+            <a:off x="0" y="0"/>
+            <a:ext cx="9144000" cy="0"/>
+          </a:xfrm>
+          <a:prstGeom prst="rect">
+            <a:avLst/>
+          </a:prstGeom>
+          <a:noFill/>
+          <a:ln>
+            <a:noFill/>
+          </a:ln>
+          <a:effectLst/>
+          <a:extLst>
+            <a:ext uri="{909E8E84-426E-40DD-AFC4-6F175D3DCCD1}">
+              <a14:hiddenFill xmlns:a14="http://schemas.microsoft.com/office/drawing/2010/main">
+                <a:solidFill>
+                  <a:schemeClr val="accent1"/>
+                </a:solidFill>
+              </a14:hiddenFill>
+            </a:ext>
+            <a:ext uri="{91240B29-F687-4F45-9708-019B960494DF}">
+              <a14:hiddenLine xmlns:a14="http://schemas.microsoft.com/office/drawing/2010/main" w="9525">
+                <a:solidFill>
+                  <a:schemeClr val="tx1"/>
+                </a:solidFill>
+                <a:miter lim="800000"/>
+                <a:headEnd/>
+                <a:tailEnd/>
+              </a14:hiddenLine>
+            </a:ext>
+            <a:ext uri="{AF507438-7753-43E0-B8FC-AC1667EBCBE1}">
+              <a14:hiddenEffects xmlns:a14="http://schemas.microsoft.com/office/drawing/2010/main">
+                <a:effectLst>
+                  <a:outerShdw dist="35921" dir="2700000" algn="ctr" rotWithShape="0">
+                    <a:schemeClr val="bg2"/>
+                  </a:outerShdw>
+                </a:effectLst>
+              </a14:hiddenEffects>
+            </a:ext>
+          </a:extLst>
+        </p:spPr>
+        <p:txBody>
+          <a:bodyPr vert="horz" wrap="none" lIns="91440" tIns="45720" rIns="91440" bIns="45720" numCol="1" anchor="ctr" anchorCtr="0" compatLnSpc="1">
+            <a:prstTxWarp prst="textNoShape">
+              <a:avLst/>
+            </a:prstTxWarp>
+            <a:spAutoFit/>
+          </a:bodyPr>
+          <a:lstStyle/>
+          <a:p>
+            <a:endParaRPr lang="en-US"/>
+          </a:p>
+        </p:txBody>
+      </p:sp>
+      <p:sp>
+        <p:nvSpPr>
+          <p:cNvPr id="7" name="Rectangle 4"/>
+          <p:cNvSpPr>
+            <a:spLocks noChangeArrowheads="1"/>
+          </p:cNvSpPr>
+          <p:nvPr/>
+        </p:nvSpPr>
+        <p:spPr bwMode="auto">
+          <a:xfrm>
+            <a:off x="0" y="0"/>
+            <a:ext cx="9144000" cy="0"/>
+          </a:xfrm>
+          <a:prstGeom prst="rect">
+            <a:avLst/>
+          </a:prstGeom>
+          <a:noFill/>
+          <a:ln>
+            <a:noFill/>
+          </a:ln>
+          <a:effectLst/>
+          <a:extLst>
+            <a:ext uri="{909E8E84-426E-40DD-AFC4-6F175D3DCCD1}">
+              <a14:hiddenFill xmlns:a14="http://schemas.microsoft.com/office/drawing/2010/main">
+                <a:solidFill>
+                  <a:schemeClr val="accent1"/>
+                </a:solidFill>
+              </a14:hiddenFill>
+            </a:ext>
+            <a:ext uri="{91240B29-F687-4F45-9708-019B960494DF}">
+              <a14:hiddenLine xmlns:a14="http://schemas.microsoft.com/office/drawing/2010/main" w="9525">
+                <a:solidFill>
+                  <a:schemeClr val="tx1"/>
+                </a:solidFill>
+                <a:miter lim="800000"/>
+                <a:headEnd/>
+                <a:tailEnd/>
+              </a14:hiddenLine>
+            </a:ext>
+            <a:ext uri="{AF507438-7753-43E0-B8FC-AC1667EBCBE1}">
+              <a14:hiddenEffects xmlns:a14="http://schemas.microsoft.com/office/drawing/2010/main">
+                <a:effectLst>
+                  <a:outerShdw dist="35921" dir="2700000" algn="ctr" rotWithShape="0">
+                    <a:schemeClr val="bg2"/>
+                  </a:outerShdw>
+                </a:effectLst>
+              </a14:hiddenEffects>
+            </a:ext>
+          </a:extLst>
+        </p:spPr>
+        <p:txBody>
+          <a:bodyPr vert="horz" wrap="none" lIns="91440" tIns="45720" rIns="91440" bIns="45720" numCol="1" anchor="ctr" anchorCtr="0" compatLnSpc="1">
+            <a:prstTxWarp prst="textNoShape">
+              <a:avLst/>
+            </a:prstTxWarp>
+            <a:spAutoFit/>
+          </a:bodyPr>
+          <a:lstStyle/>
+          <a:p>
+            <a:endParaRPr lang="en-US"/>
+          </a:p>
+        </p:txBody>
+      </p:sp>
+      <p:sp>
+        <p:nvSpPr>
+          <p:cNvPr id="16" name="Rectangle 15"/>
+          <p:cNvSpPr/>
+          <p:nvPr/>
+        </p:nvSpPr>
+        <p:spPr>
+          <a:xfrm>
+            <a:off x="1066800" y="1295400"/>
+            <a:ext cx="8077200" cy="4893647"/>
+          </a:xfrm>
+          <a:prstGeom prst="rect">
+            <a:avLst/>
+          </a:prstGeom>
+        </p:spPr>
+        <p:txBody>
+          <a:bodyPr wrap="square">
+            <a:spAutoFit/>
+          </a:bodyPr>
+          <a:lstStyle/>
+          <a:p>
+            <a:r>
+              <a:rPr lang="en-US" sz="1200" dirty="0">
+                <a:latin typeface="Helvetica" panose="020B0604020202020204" pitchFamily="34" charset="0"/>
+                <a:cs typeface="Helvetica" panose="020B0604020202020204" pitchFamily="34" charset="0"/>
+              </a:rPr>
+              <a:t>[</a:t>
+            </a:r>
+            <a:r>
+              <a:rPr lang="en-US" sz="1200" dirty="0" smtClean="0">
+                <a:latin typeface="Helvetica" panose="020B0604020202020204" pitchFamily="34" charset="0"/>
+                <a:cs typeface="Helvetica" panose="020B0604020202020204" pitchFamily="34" charset="0"/>
+              </a:rPr>
+              <a:t>1]</a:t>
+            </a:r>
+            <a:r>
+              <a:rPr lang="tr-TR" sz="1200" dirty="0" smtClean="0">
+                <a:latin typeface="Helvetica" panose="020B0604020202020204" pitchFamily="34" charset="0"/>
+                <a:cs typeface="Helvetica" panose="020B0604020202020204" pitchFamily="34" charset="0"/>
+              </a:rPr>
+              <a:t> </a:t>
+            </a:r>
+            <a:r>
+              <a:rPr lang="en-US" sz="1200" dirty="0" smtClean="0">
+                <a:latin typeface="Helvetica" panose="020B0604020202020204" pitchFamily="34" charset="0"/>
+                <a:cs typeface="Helvetica" panose="020B0604020202020204" pitchFamily="34" charset="0"/>
+              </a:rPr>
+              <a:t>G</a:t>
+            </a:r>
+            <a:r>
+              <a:rPr lang="en-US" sz="1200" dirty="0">
+                <a:latin typeface="Helvetica" panose="020B0604020202020204" pitchFamily="34" charset="0"/>
+                <a:cs typeface="Helvetica" panose="020B0604020202020204" pitchFamily="34" charset="0"/>
+              </a:rPr>
+              <a:t>. Lo </a:t>
+            </a:r>
+            <a:r>
+              <a:rPr lang="en-US" sz="1200" dirty="0" err="1">
+                <a:latin typeface="Helvetica" panose="020B0604020202020204" pitchFamily="34" charset="0"/>
+                <a:cs typeface="Helvetica" panose="020B0604020202020204" pitchFamily="34" charset="0"/>
+              </a:rPr>
+              <a:t>Calzo</a:t>
+            </a:r>
+            <a:r>
+              <a:rPr lang="en-US" sz="1200" dirty="0">
+                <a:latin typeface="Helvetica" panose="020B0604020202020204" pitchFamily="34" charset="0"/>
+                <a:cs typeface="Helvetica" panose="020B0604020202020204" pitchFamily="34" charset="0"/>
+              </a:rPr>
+              <a:t>, G. </a:t>
+            </a:r>
+            <a:r>
+              <a:rPr lang="en-US" sz="1200" dirty="0" err="1">
+                <a:latin typeface="Helvetica" panose="020B0604020202020204" pitchFamily="34" charset="0"/>
+                <a:cs typeface="Helvetica" panose="020B0604020202020204" pitchFamily="34" charset="0"/>
+              </a:rPr>
+              <a:t>Vakil</a:t>
+            </a:r>
+            <a:r>
+              <a:rPr lang="en-US" sz="1200" dirty="0">
+                <a:latin typeface="Helvetica" panose="020B0604020202020204" pitchFamily="34" charset="0"/>
+                <a:cs typeface="Helvetica" panose="020B0604020202020204" pitchFamily="34" charset="0"/>
+              </a:rPr>
+              <a:t>, B. </a:t>
+            </a:r>
+            <a:r>
+              <a:rPr lang="en-US" sz="1200" dirty="0" err="1">
+                <a:latin typeface="Helvetica" panose="020B0604020202020204" pitchFamily="34" charset="0"/>
+                <a:cs typeface="Helvetica" panose="020B0604020202020204" pitchFamily="34" charset="0"/>
+              </a:rPr>
+              <a:t>Mecrow</a:t>
+            </a:r>
+            <a:r>
+              <a:rPr lang="en-US" sz="1200" dirty="0">
+                <a:latin typeface="Helvetica" panose="020B0604020202020204" pitchFamily="34" charset="0"/>
+                <a:cs typeface="Helvetica" panose="020B0604020202020204" pitchFamily="34" charset="0"/>
+              </a:rPr>
+              <a:t>, S. Lambert, T. Cox, C. </a:t>
+            </a:r>
+            <a:r>
+              <a:rPr lang="en-US" sz="1200" dirty="0" err="1">
+                <a:latin typeface="Helvetica" panose="020B0604020202020204" pitchFamily="34" charset="0"/>
+                <a:cs typeface="Helvetica" panose="020B0604020202020204" pitchFamily="34" charset="0"/>
+              </a:rPr>
+              <a:t>Gerada</a:t>
+            </a:r>
+            <a:r>
+              <a:rPr lang="en-US" sz="1200" dirty="0">
+                <a:latin typeface="Helvetica" panose="020B0604020202020204" pitchFamily="34" charset="0"/>
+                <a:cs typeface="Helvetica" panose="020B0604020202020204" pitchFamily="34" charset="0"/>
+              </a:rPr>
+              <a:t>, M. Johnson, and R. </a:t>
+            </a:r>
+            <a:r>
+              <a:rPr lang="en-US" sz="1200" dirty="0" err="1">
+                <a:latin typeface="Helvetica" panose="020B0604020202020204" pitchFamily="34" charset="0"/>
+                <a:cs typeface="Helvetica" panose="020B0604020202020204" pitchFamily="34" charset="0"/>
+              </a:rPr>
+              <a:t>Abebe</a:t>
+            </a:r>
+            <a:r>
+              <a:rPr lang="en-US" sz="1200" dirty="0">
+                <a:latin typeface="Helvetica" panose="020B0604020202020204" pitchFamily="34" charset="0"/>
+                <a:cs typeface="Helvetica" panose="020B0604020202020204" pitchFamily="34" charset="0"/>
+              </a:rPr>
+              <a:t>, “Integrated motor drives: state of the art and future trends,” </a:t>
+            </a:r>
+            <a:r>
+              <a:rPr lang="en-US" sz="1200" i="1" dirty="0">
+                <a:latin typeface="Helvetica" panose="020B0604020202020204" pitchFamily="34" charset="0"/>
+                <a:cs typeface="Helvetica" panose="020B0604020202020204" pitchFamily="34" charset="0"/>
+              </a:rPr>
+              <a:t>IET </a:t>
+            </a:r>
+            <a:r>
+              <a:rPr lang="en-US" sz="1200" i="1" dirty="0" err="1">
+                <a:latin typeface="Helvetica" panose="020B0604020202020204" pitchFamily="34" charset="0"/>
+                <a:cs typeface="Helvetica" panose="020B0604020202020204" pitchFamily="34" charset="0"/>
+              </a:rPr>
+              <a:t>Electr</a:t>
+            </a:r>
+            <a:r>
+              <a:rPr lang="en-US" sz="1200" i="1" dirty="0">
+                <a:latin typeface="Helvetica" panose="020B0604020202020204" pitchFamily="34" charset="0"/>
+                <a:cs typeface="Helvetica" panose="020B0604020202020204" pitchFamily="34" charset="0"/>
+              </a:rPr>
+              <a:t>. Power Appl.</a:t>
+            </a:r>
+            <a:r>
+              <a:rPr lang="en-US" sz="1200" dirty="0">
+                <a:latin typeface="Helvetica" panose="020B0604020202020204" pitchFamily="34" charset="0"/>
+                <a:cs typeface="Helvetica" panose="020B0604020202020204" pitchFamily="34" charset="0"/>
+              </a:rPr>
+              <a:t>, vol. 10, no. 8, pp. 757–771, Sep. 2016</a:t>
+            </a:r>
+            <a:r>
+              <a:rPr lang="en-US" sz="1200" dirty="0" smtClean="0">
+                <a:latin typeface="Helvetica" panose="020B0604020202020204" pitchFamily="34" charset="0"/>
+                <a:cs typeface="Helvetica" panose="020B0604020202020204" pitchFamily="34" charset="0"/>
+              </a:rPr>
+              <a:t>.</a:t>
+            </a:r>
+            <a:endParaRPr lang="tr-TR" sz="1200" dirty="0" smtClean="0">
+              <a:latin typeface="Helvetica" panose="020B0604020202020204" pitchFamily="34" charset="0"/>
+              <a:cs typeface="Helvetica" panose="020B0604020202020204" pitchFamily="34" charset="0"/>
+            </a:endParaRPr>
+          </a:p>
+          <a:p>
+            <a:endParaRPr lang="en-US" sz="1200" dirty="0">
+              <a:latin typeface="Helvetica" panose="020B0604020202020204" pitchFamily="34" charset="0"/>
+              <a:cs typeface="Helvetica" panose="020B0604020202020204" pitchFamily="34" charset="0"/>
+            </a:endParaRPr>
+          </a:p>
+          <a:p>
+            <a:r>
+              <a:rPr lang="en-US" sz="1200" dirty="0">
+                <a:latin typeface="Helvetica" panose="020B0604020202020204" pitchFamily="34" charset="0"/>
+                <a:cs typeface="Helvetica" panose="020B0604020202020204" pitchFamily="34" charset="0"/>
+              </a:rPr>
+              <a:t>[</a:t>
+            </a:r>
+            <a:r>
+              <a:rPr lang="en-US" sz="1200" dirty="0" smtClean="0">
+                <a:latin typeface="Helvetica" panose="020B0604020202020204" pitchFamily="34" charset="0"/>
+                <a:cs typeface="Helvetica" panose="020B0604020202020204" pitchFamily="34" charset="0"/>
+              </a:rPr>
+              <a:t>2]</a:t>
+            </a:r>
+            <a:r>
+              <a:rPr lang="tr-TR" sz="1200" dirty="0" smtClean="0">
+                <a:latin typeface="Helvetica" panose="020B0604020202020204" pitchFamily="34" charset="0"/>
+                <a:cs typeface="Helvetica" panose="020B0604020202020204" pitchFamily="34" charset="0"/>
+              </a:rPr>
+              <a:t> </a:t>
+            </a:r>
+            <a:r>
+              <a:rPr lang="en-US" sz="1200" dirty="0" smtClean="0">
+                <a:latin typeface="Helvetica" panose="020B0604020202020204" pitchFamily="34" charset="0"/>
+                <a:cs typeface="Helvetica" panose="020B0604020202020204" pitchFamily="34" charset="0"/>
+              </a:rPr>
+              <a:t>M</a:t>
+            </a:r>
+            <a:r>
+              <a:rPr lang="en-US" sz="1200" dirty="0">
+                <a:latin typeface="Helvetica" panose="020B0604020202020204" pitchFamily="34" charset="0"/>
+                <a:cs typeface="Helvetica" panose="020B0604020202020204" pitchFamily="34" charset="0"/>
+              </a:rPr>
+              <a:t>. D. </a:t>
+            </a:r>
+            <a:r>
+              <a:rPr lang="en-US" sz="1200" dirty="0" err="1">
+                <a:latin typeface="Helvetica" panose="020B0604020202020204" pitchFamily="34" charset="0"/>
+                <a:cs typeface="Helvetica" panose="020B0604020202020204" pitchFamily="34" charset="0"/>
+              </a:rPr>
+              <a:t>Hennen</a:t>
+            </a:r>
+            <a:r>
+              <a:rPr lang="en-US" sz="1200" dirty="0">
+                <a:latin typeface="Helvetica" panose="020B0604020202020204" pitchFamily="34" charset="0"/>
+                <a:cs typeface="Helvetica" panose="020B0604020202020204" pitchFamily="34" charset="0"/>
+              </a:rPr>
+              <a:t>, M. </a:t>
+            </a:r>
+            <a:r>
+              <a:rPr lang="en-US" sz="1200" dirty="0" err="1">
+                <a:latin typeface="Helvetica" panose="020B0604020202020204" pitchFamily="34" charset="0"/>
+                <a:cs typeface="Helvetica" panose="020B0604020202020204" pitchFamily="34" charset="0"/>
+              </a:rPr>
+              <a:t>Niessen</a:t>
+            </a:r>
+            <a:r>
+              <a:rPr lang="en-US" sz="1200" dirty="0">
+                <a:latin typeface="Helvetica" panose="020B0604020202020204" pitchFamily="34" charset="0"/>
+                <a:cs typeface="Helvetica" panose="020B0604020202020204" pitchFamily="34" charset="0"/>
+              </a:rPr>
+              <a:t>, C. </a:t>
+            </a:r>
+            <a:r>
+              <a:rPr lang="en-US" sz="1200" dirty="0" err="1">
+                <a:latin typeface="Helvetica" panose="020B0604020202020204" pitchFamily="34" charset="0"/>
+                <a:cs typeface="Helvetica" panose="020B0604020202020204" pitchFamily="34" charset="0"/>
+              </a:rPr>
+              <a:t>Heyers</a:t>
+            </a:r>
+            <a:r>
+              <a:rPr lang="en-US" sz="1200" dirty="0">
+                <a:latin typeface="Helvetica" panose="020B0604020202020204" pitchFamily="34" charset="0"/>
+                <a:cs typeface="Helvetica" panose="020B0604020202020204" pitchFamily="34" charset="0"/>
+              </a:rPr>
+              <a:t>, H. J. </a:t>
+            </a:r>
+            <a:r>
+              <a:rPr lang="en-US" sz="1200" dirty="0" err="1">
+                <a:latin typeface="Helvetica" panose="020B0604020202020204" pitchFamily="34" charset="0"/>
+                <a:cs typeface="Helvetica" panose="020B0604020202020204" pitchFamily="34" charset="0"/>
+              </a:rPr>
+              <a:t>Brauer</a:t>
+            </a:r>
+            <a:r>
+              <a:rPr lang="en-US" sz="1200" dirty="0">
+                <a:latin typeface="Helvetica" panose="020B0604020202020204" pitchFamily="34" charset="0"/>
+                <a:cs typeface="Helvetica" panose="020B0604020202020204" pitchFamily="34" charset="0"/>
+              </a:rPr>
+              <a:t>, and R. W. De </a:t>
+            </a:r>
+            <a:r>
+              <a:rPr lang="en-US" sz="1200" dirty="0" err="1">
+                <a:latin typeface="Helvetica" panose="020B0604020202020204" pitchFamily="34" charset="0"/>
+                <a:cs typeface="Helvetica" panose="020B0604020202020204" pitchFamily="34" charset="0"/>
+              </a:rPr>
+              <a:t>Doncker</a:t>
+            </a:r>
+            <a:r>
+              <a:rPr lang="en-US" sz="1200" dirty="0">
+                <a:latin typeface="Helvetica" panose="020B0604020202020204" pitchFamily="34" charset="0"/>
+                <a:cs typeface="Helvetica" panose="020B0604020202020204" pitchFamily="34" charset="0"/>
+              </a:rPr>
+              <a:t>, “Development and control of an integrated and distributed inverter for a fault tolerant five-phase switched reluctance traction drive,” </a:t>
+            </a:r>
+            <a:r>
+              <a:rPr lang="en-US" sz="1200" i="1" dirty="0">
+                <a:latin typeface="Helvetica" panose="020B0604020202020204" pitchFamily="34" charset="0"/>
+                <a:cs typeface="Helvetica" panose="020B0604020202020204" pitchFamily="34" charset="0"/>
+              </a:rPr>
+              <a:t>IEEE Trans. Power Electron.</a:t>
+            </a:r>
+            <a:r>
+              <a:rPr lang="en-US" sz="1200" dirty="0">
+                <a:latin typeface="Helvetica" panose="020B0604020202020204" pitchFamily="34" charset="0"/>
+                <a:cs typeface="Helvetica" panose="020B0604020202020204" pitchFamily="34" charset="0"/>
+              </a:rPr>
+              <a:t>, vol. 27, no. 2, pp. 547–554, 2012</a:t>
+            </a:r>
+            <a:r>
+              <a:rPr lang="en-US" sz="1200" dirty="0" smtClean="0">
+                <a:latin typeface="Helvetica" panose="020B0604020202020204" pitchFamily="34" charset="0"/>
+                <a:cs typeface="Helvetica" panose="020B0604020202020204" pitchFamily="34" charset="0"/>
+              </a:rPr>
+              <a:t>.</a:t>
+            </a:r>
+            <a:endParaRPr lang="tr-TR" sz="1200" dirty="0" smtClean="0">
+              <a:latin typeface="Helvetica" panose="020B0604020202020204" pitchFamily="34" charset="0"/>
+              <a:cs typeface="Helvetica" panose="020B0604020202020204" pitchFamily="34" charset="0"/>
+            </a:endParaRPr>
+          </a:p>
+          <a:p>
+            <a:endParaRPr lang="en-US" sz="1200" dirty="0">
+              <a:latin typeface="Helvetica" panose="020B0604020202020204" pitchFamily="34" charset="0"/>
+              <a:cs typeface="Helvetica" panose="020B0604020202020204" pitchFamily="34" charset="0"/>
+            </a:endParaRPr>
+          </a:p>
+          <a:p>
+            <a:r>
+              <a:rPr lang="en-US" sz="1200" dirty="0">
+                <a:latin typeface="Helvetica" panose="020B0604020202020204" pitchFamily="34" charset="0"/>
+                <a:cs typeface="Helvetica" panose="020B0604020202020204" pitchFamily="34" charset="0"/>
+              </a:rPr>
+              <a:t>[</a:t>
+            </a:r>
+            <a:r>
+              <a:rPr lang="en-US" sz="1200" dirty="0" smtClean="0">
+                <a:latin typeface="Helvetica" panose="020B0604020202020204" pitchFamily="34" charset="0"/>
+                <a:cs typeface="Helvetica" panose="020B0604020202020204" pitchFamily="34" charset="0"/>
+              </a:rPr>
+              <a:t>3]</a:t>
+            </a:r>
+            <a:r>
+              <a:rPr lang="tr-TR" sz="1200" dirty="0" smtClean="0">
+                <a:latin typeface="Helvetica" panose="020B0604020202020204" pitchFamily="34" charset="0"/>
+                <a:cs typeface="Helvetica" panose="020B0604020202020204" pitchFamily="34" charset="0"/>
+              </a:rPr>
+              <a:t> </a:t>
+            </a:r>
+            <a:r>
+              <a:rPr lang="en-US" sz="1200" dirty="0" smtClean="0">
+                <a:latin typeface="Helvetica" panose="020B0604020202020204" pitchFamily="34" charset="0"/>
+                <a:cs typeface="Helvetica" panose="020B0604020202020204" pitchFamily="34" charset="0"/>
+              </a:rPr>
+              <a:t>J</a:t>
+            </a:r>
+            <a:r>
+              <a:rPr lang="en-US" sz="1200" dirty="0">
+                <a:latin typeface="Helvetica" panose="020B0604020202020204" pitchFamily="34" charset="0"/>
+                <a:cs typeface="Helvetica" panose="020B0604020202020204" pitchFamily="34" charset="0"/>
+              </a:rPr>
+              <a:t>. Wang, Y. Li, and Y. Han, “Integrated Modular Motor Drive Design With GaN Power FETs,” </a:t>
+            </a:r>
+            <a:r>
+              <a:rPr lang="en-US" sz="1200" i="1" dirty="0">
+                <a:latin typeface="Helvetica" panose="020B0604020202020204" pitchFamily="34" charset="0"/>
+                <a:cs typeface="Helvetica" panose="020B0604020202020204" pitchFamily="34" charset="0"/>
+              </a:rPr>
+              <a:t>IEEE Trans. Ind. Appl.</a:t>
+            </a:r>
+            <a:r>
+              <a:rPr lang="en-US" sz="1200" dirty="0">
+                <a:latin typeface="Helvetica" panose="020B0604020202020204" pitchFamily="34" charset="0"/>
+                <a:cs typeface="Helvetica" panose="020B0604020202020204" pitchFamily="34" charset="0"/>
+              </a:rPr>
+              <a:t>, vol. 51, no. c, pp. 3198–3207, 2015</a:t>
+            </a:r>
+            <a:r>
+              <a:rPr lang="en-US" sz="1200" dirty="0" smtClean="0">
+                <a:latin typeface="Helvetica" panose="020B0604020202020204" pitchFamily="34" charset="0"/>
+                <a:cs typeface="Helvetica" panose="020B0604020202020204" pitchFamily="34" charset="0"/>
+              </a:rPr>
+              <a:t>.</a:t>
+            </a:r>
+            <a:endParaRPr lang="tr-TR" sz="1200" dirty="0" smtClean="0">
+              <a:latin typeface="Helvetica" panose="020B0604020202020204" pitchFamily="34" charset="0"/>
+              <a:cs typeface="Helvetica" panose="020B0604020202020204" pitchFamily="34" charset="0"/>
+            </a:endParaRPr>
+          </a:p>
+          <a:p>
+            <a:endParaRPr lang="en-US" sz="1200" dirty="0">
+              <a:latin typeface="Helvetica" panose="020B0604020202020204" pitchFamily="34" charset="0"/>
+              <a:cs typeface="Helvetica" panose="020B0604020202020204" pitchFamily="34" charset="0"/>
+            </a:endParaRPr>
+          </a:p>
+          <a:p>
+            <a:r>
+              <a:rPr lang="en-US" sz="1200" dirty="0">
+                <a:latin typeface="Helvetica" panose="020B0604020202020204" pitchFamily="34" charset="0"/>
+                <a:cs typeface="Helvetica" panose="020B0604020202020204" pitchFamily="34" charset="0"/>
+              </a:rPr>
+              <a:t>[</a:t>
+            </a:r>
+            <a:r>
+              <a:rPr lang="en-US" sz="1200" dirty="0" smtClean="0">
+                <a:latin typeface="Helvetica" panose="020B0604020202020204" pitchFamily="34" charset="0"/>
+                <a:cs typeface="Helvetica" panose="020B0604020202020204" pitchFamily="34" charset="0"/>
+              </a:rPr>
+              <a:t>4]</a:t>
+            </a:r>
+            <a:r>
+              <a:rPr lang="tr-TR" sz="1200" dirty="0" smtClean="0">
+                <a:latin typeface="Helvetica" panose="020B0604020202020204" pitchFamily="34" charset="0"/>
+                <a:cs typeface="Helvetica" panose="020B0604020202020204" pitchFamily="34" charset="0"/>
+              </a:rPr>
+              <a:t> </a:t>
+            </a:r>
+            <a:r>
+              <a:rPr lang="en-US" sz="1200" dirty="0" smtClean="0">
+                <a:latin typeface="Helvetica" panose="020B0604020202020204" pitchFamily="34" charset="0"/>
+                <a:cs typeface="Helvetica" panose="020B0604020202020204" pitchFamily="34" charset="0"/>
+              </a:rPr>
+              <a:t>M</a:t>
+            </a:r>
+            <a:r>
+              <a:rPr lang="en-US" sz="1200" dirty="0">
+                <a:latin typeface="Helvetica" panose="020B0604020202020204" pitchFamily="34" charset="0"/>
+                <a:cs typeface="Helvetica" panose="020B0604020202020204" pitchFamily="34" charset="0"/>
+              </a:rPr>
+              <a:t>. </a:t>
+            </a:r>
+            <a:r>
+              <a:rPr lang="en-US" sz="1200" dirty="0" err="1">
+                <a:latin typeface="Helvetica" panose="020B0604020202020204" pitchFamily="34" charset="0"/>
+                <a:cs typeface="Helvetica" panose="020B0604020202020204" pitchFamily="34" charset="0"/>
+              </a:rPr>
+              <a:t>Ugur</a:t>
+            </a:r>
+            <a:r>
+              <a:rPr lang="en-US" sz="1200" dirty="0">
+                <a:latin typeface="Helvetica" panose="020B0604020202020204" pitchFamily="34" charset="0"/>
+                <a:cs typeface="Helvetica" panose="020B0604020202020204" pitchFamily="34" charset="0"/>
+              </a:rPr>
+              <a:t> and O. Keysan, “DC link capacitor optimization for integrated modular motor drives,” </a:t>
+            </a:r>
+            <a:r>
+              <a:rPr lang="en-US" sz="1200" i="1" dirty="0">
+                <a:latin typeface="Helvetica" panose="020B0604020202020204" pitchFamily="34" charset="0"/>
+                <a:cs typeface="Helvetica" panose="020B0604020202020204" pitchFamily="34" charset="0"/>
+              </a:rPr>
+              <a:t>2017 IEEE 26th Int. </a:t>
+            </a:r>
+            <a:r>
+              <a:rPr lang="en-US" sz="1200" i="1" dirty="0" err="1">
+                <a:latin typeface="Helvetica" panose="020B0604020202020204" pitchFamily="34" charset="0"/>
+                <a:cs typeface="Helvetica" panose="020B0604020202020204" pitchFamily="34" charset="0"/>
+              </a:rPr>
+              <a:t>Symp</a:t>
+            </a:r>
+            <a:r>
+              <a:rPr lang="en-US" sz="1200" i="1" dirty="0">
+                <a:latin typeface="Helvetica" panose="020B0604020202020204" pitchFamily="34" charset="0"/>
+                <a:cs typeface="Helvetica" panose="020B0604020202020204" pitchFamily="34" charset="0"/>
+              </a:rPr>
+              <a:t>. Ind. Electron.</a:t>
+            </a:r>
+            <a:r>
+              <a:rPr lang="en-US" sz="1200" dirty="0">
+                <a:latin typeface="Helvetica" panose="020B0604020202020204" pitchFamily="34" charset="0"/>
+                <a:cs typeface="Helvetica" panose="020B0604020202020204" pitchFamily="34" charset="0"/>
+              </a:rPr>
+              <a:t>, vol. </a:t>
+            </a:r>
+            <a:r>
+              <a:rPr lang="en-US" sz="1200" dirty="0" err="1">
+                <a:latin typeface="Helvetica" panose="020B0604020202020204" pitchFamily="34" charset="0"/>
+                <a:cs typeface="Helvetica" panose="020B0604020202020204" pitchFamily="34" charset="0"/>
+              </a:rPr>
+              <a:t>i</a:t>
+            </a:r>
+            <a:r>
+              <a:rPr lang="en-US" sz="1200" dirty="0">
+                <a:latin typeface="Helvetica" panose="020B0604020202020204" pitchFamily="34" charset="0"/>
+                <a:cs typeface="Helvetica" panose="020B0604020202020204" pitchFamily="34" charset="0"/>
+              </a:rPr>
+              <a:t>, pp. 263–270, 2017</a:t>
+            </a:r>
+            <a:r>
+              <a:rPr lang="en-US" sz="1200" dirty="0" smtClean="0">
+                <a:latin typeface="Helvetica" panose="020B0604020202020204" pitchFamily="34" charset="0"/>
+                <a:cs typeface="Helvetica" panose="020B0604020202020204" pitchFamily="34" charset="0"/>
+              </a:rPr>
+              <a:t>.</a:t>
+            </a:r>
+            <a:endParaRPr lang="tr-TR" sz="1200" dirty="0" smtClean="0">
+              <a:latin typeface="Helvetica" panose="020B0604020202020204" pitchFamily="34" charset="0"/>
+              <a:cs typeface="Helvetica" panose="020B0604020202020204" pitchFamily="34" charset="0"/>
+            </a:endParaRPr>
+          </a:p>
+          <a:p>
+            <a:endParaRPr lang="en-US" sz="1200" dirty="0">
+              <a:latin typeface="Helvetica" panose="020B0604020202020204" pitchFamily="34" charset="0"/>
+              <a:cs typeface="Helvetica" panose="020B0604020202020204" pitchFamily="34" charset="0"/>
+            </a:endParaRPr>
+          </a:p>
+          <a:p>
+            <a:r>
+              <a:rPr lang="en-US" sz="1200" dirty="0">
+                <a:latin typeface="Helvetica" panose="020B0604020202020204" pitchFamily="34" charset="0"/>
+                <a:cs typeface="Helvetica" panose="020B0604020202020204" pitchFamily="34" charset="0"/>
+              </a:rPr>
+              <a:t>[</a:t>
+            </a:r>
+            <a:r>
+              <a:rPr lang="en-US" sz="1200" dirty="0" smtClean="0">
+                <a:latin typeface="Helvetica" panose="020B0604020202020204" pitchFamily="34" charset="0"/>
+                <a:cs typeface="Helvetica" panose="020B0604020202020204" pitchFamily="34" charset="0"/>
+              </a:rPr>
+              <a:t>5]</a:t>
+            </a:r>
+            <a:r>
+              <a:rPr lang="tr-TR" sz="1200" dirty="0" smtClean="0">
+                <a:latin typeface="Helvetica" panose="020B0604020202020204" pitchFamily="34" charset="0"/>
+                <a:cs typeface="Helvetica" panose="020B0604020202020204" pitchFamily="34" charset="0"/>
+              </a:rPr>
+              <a:t> </a:t>
+            </a:r>
+            <a:r>
+              <a:rPr lang="en-US" sz="1200" dirty="0" smtClean="0">
+                <a:latin typeface="Helvetica" panose="020B0604020202020204" pitchFamily="34" charset="0"/>
+                <a:cs typeface="Helvetica" panose="020B0604020202020204" pitchFamily="34" charset="0"/>
+              </a:rPr>
+              <a:t>A</a:t>
+            </a:r>
+            <a:r>
+              <a:rPr lang="en-US" sz="1200" dirty="0">
+                <a:latin typeface="Helvetica" panose="020B0604020202020204" pitchFamily="34" charset="0"/>
+                <a:cs typeface="Helvetica" panose="020B0604020202020204" pitchFamily="34" charset="0"/>
+              </a:rPr>
+              <a:t>. </a:t>
+            </a:r>
+            <a:r>
+              <a:rPr lang="en-US" sz="1200" dirty="0" err="1">
+                <a:latin typeface="Helvetica" panose="020B0604020202020204" pitchFamily="34" charset="0"/>
+                <a:cs typeface="Helvetica" panose="020B0604020202020204" pitchFamily="34" charset="0"/>
+              </a:rPr>
+              <a:t>Shea</a:t>
+            </a:r>
+            <a:r>
+              <a:rPr lang="en-US" sz="1200" dirty="0">
+                <a:latin typeface="Helvetica" panose="020B0604020202020204" pitchFamily="34" charset="0"/>
+                <a:cs typeface="Helvetica" panose="020B0604020202020204" pitchFamily="34" charset="0"/>
+              </a:rPr>
+              <a:t> and T. M. </a:t>
+            </a:r>
+            <a:r>
+              <a:rPr lang="en-US" sz="1200" dirty="0" err="1">
+                <a:latin typeface="Helvetica" panose="020B0604020202020204" pitchFamily="34" charset="0"/>
+                <a:cs typeface="Helvetica" panose="020B0604020202020204" pitchFamily="34" charset="0"/>
+              </a:rPr>
+              <a:t>Jahns</a:t>
+            </a:r>
+            <a:r>
+              <a:rPr lang="en-US" sz="1200" dirty="0">
+                <a:latin typeface="Helvetica" panose="020B0604020202020204" pitchFamily="34" charset="0"/>
+                <a:cs typeface="Helvetica" panose="020B0604020202020204" pitchFamily="34" charset="0"/>
+              </a:rPr>
+              <a:t>, “Hardware integration for an integrated modular motor drive including distributed control,” in </a:t>
+            </a:r>
+            <a:r>
+              <a:rPr lang="en-US" sz="1200" i="1" dirty="0">
+                <a:latin typeface="Helvetica" panose="020B0604020202020204" pitchFamily="34" charset="0"/>
+                <a:cs typeface="Helvetica" panose="020B0604020202020204" pitchFamily="34" charset="0"/>
+              </a:rPr>
+              <a:t>2014 IEEE Energy Conversion Congress and Exposition (ECCE)</a:t>
+            </a:r>
+            <a:r>
+              <a:rPr lang="en-US" sz="1200" dirty="0">
+                <a:latin typeface="Helvetica" panose="020B0604020202020204" pitchFamily="34" charset="0"/>
+                <a:cs typeface="Helvetica" panose="020B0604020202020204" pitchFamily="34" charset="0"/>
+              </a:rPr>
+              <a:t>, 2014, pp. 4881–4887</a:t>
+            </a:r>
+            <a:r>
+              <a:rPr lang="en-US" sz="1200" dirty="0" smtClean="0">
+                <a:latin typeface="Helvetica" panose="020B0604020202020204" pitchFamily="34" charset="0"/>
+                <a:cs typeface="Helvetica" panose="020B0604020202020204" pitchFamily="34" charset="0"/>
+              </a:rPr>
+              <a:t>.</a:t>
+            </a:r>
+            <a:endParaRPr lang="tr-TR" sz="1200" dirty="0" smtClean="0">
+              <a:latin typeface="Helvetica" panose="020B0604020202020204" pitchFamily="34" charset="0"/>
+              <a:cs typeface="Helvetica" panose="020B0604020202020204" pitchFamily="34" charset="0"/>
+            </a:endParaRPr>
+          </a:p>
+          <a:p>
+            <a:endParaRPr lang="en-US" sz="1200" dirty="0">
+              <a:latin typeface="Helvetica" panose="020B0604020202020204" pitchFamily="34" charset="0"/>
+              <a:cs typeface="Helvetica" panose="020B0604020202020204" pitchFamily="34" charset="0"/>
+            </a:endParaRPr>
+          </a:p>
+          <a:p>
+            <a:r>
+              <a:rPr lang="en-US" sz="1200" dirty="0">
+                <a:latin typeface="Helvetica" panose="020B0604020202020204" pitchFamily="34" charset="0"/>
+                <a:cs typeface="Helvetica" panose="020B0604020202020204" pitchFamily="34" charset="0"/>
+              </a:rPr>
+              <a:t>[</a:t>
+            </a:r>
+            <a:r>
+              <a:rPr lang="en-US" sz="1200" dirty="0" smtClean="0">
+                <a:latin typeface="Helvetica" panose="020B0604020202020204" pitchFamily="34" charset="0"/>
+                <a:cs typeface="Helvetica" panose="020B0604020202020204" pitchFamily="34" charset="0"/>
+              </a:rPr>
+              <a:t>6]</a:t>
+            </a:r>
+            <a:r>
+              <a:rPr lang="tr-TR" sz="1200" dirty="0" smtClean="0">
+                <a:latin typeface="Helvetica" panose="020B0604020202020204" pitchFamily="34" charset="0"/>
+                <a:cs typeface="Helvetica" panose="020B0604020202020204" pitchFamily="34" charset="0"/>
+              </a:rPr>
+              <a:t> </a:t>
+            </a:r>
+            <a:r>
+              <a:rPr lang="en-US" sz="1200" dirty="0" smtClean="0">
+                <a:latin typeface="Helvetica" panose="020B0604020202020204" pitchFamily="34" charset="0"/>
+                <a:cs typeface="Helvetica" panose="020B0604020202020204" pitchFamily="34" charset="0"/>
+              </a:rPr>
+              <a:t>N</a:t>
+            </a:r>
+            <a:r>
+              <a:rPr lang="en-US" sz="1200" dirty="0">
+                <a:latin typeface="Helvetica" panose="020B0604020202020204" pitchFamily="34" charset="0"/>
+                <a:cs typeface="Helvetica" panose="020B0604020202020204" pitchFamily="34" charset="0"/>
+              </a:rPr>
+              <a:t>. </a:t>
+            </a:r>
+            <a:r>
+              <a:rPr lang="en-US" sz="1200" dirty="0" err="1">
+                <a:latin typeface="Helvetica" panose="020B0604020202020204" pitchFamily="34" charset="0"/>
+                <a:cs typeface="Helvetica" panose="020B0604020202020204" pitchFamily="34" charset="0"/>
+              </a:rPr>
+              <a:t>Bekka</a:t>
+            </a:r>
+            <a:r>
+              <a:rPr lang="en-US" sz="1200" dirty="0">
+                <a:latin typeface="Helvetica" panose="020B0604020202020204" pitchFamily="34" charset="0"/>
+                <a:cs typeface="Helvetica" panose="020B0604020202020204" pitchFamily="34" charset="0"/>
+              </a:rPr>
+              <a:t>, M. E. H. </a:t>
+            </a:r>
+            <a:r>
+              <a:rPr lang="en-US" sz="1200" dirty="0" err="1">
+                <a:latin typeface="Helvetica" panose="020B0604020202020204" pitchFamily="34" charset="0"/>
+                <a:cs typeface="Helvetica" panose="020B0604020202020204" pitchFamily="34" charset="0"/>
+              </a:rPr>
+              <a:t>Zaim</a:t>
+            </a:r>
+            <a:r>
+              <a:rPr lang="en-US" sz="1200" dirty="0">
+                <a:latin typeface="Helvetica" panose="020B0604020202020204" pitchFamily="34" charset="0"/>
+                <a:cs typeface="Helvetica" panose="020B0604020202020204" pitchFamily="34" charset="0"/>
+              </a:rPr>
+              <a:t>, N. Bernard, and D. Trichet, “A Novel Methodology for Optimal Design of Fractional Slot with Concentrated Windings,” </a:t>
+            </a:r>
+            <a:r>
+              <a:rPr lang="en-US" sz="1200" i="1" dirty="0">
+                <a:latin typeface="Helvetica" panose="020B0604020202020204" pitchFamily="34" charset="0"/>
+                <a:cs typeface="Helvetica" panose="020B0604020202020204" pitchFamily="34" charset="0"/>
+              </a:rPr>
+              <a:t>IEEE Trans. Energy Convers.</a:t>
+            </a:r>
+            <a:r>
+              <a:rPr lang="en-US" sz="1200" dirty="0">
+                <a:latin typeface="Helvetica" panose="020B0604020202020204" pitchFamily="34" charset="0"/>
+                <a:cs typeface="Helvetica" panose="020B0604020202020204" pitchFamily="34" charset="0"/>
+              </a:rPr>
+              <a:t>, vol. 31, no. 3, pp. 1153–1160, 2016</a:t>
+            </a:r>
+            <a:r>
+              <a:rPr lang="en-US" sz="1200" dirty="0" smtClean="0">
+                <a:latin typeface="Helvetica" panose="020B0604020202020204" pitchFamily="34" charset="0"/>
+                <a:cs typeface="Helvetica" panose="020B0604020202020204" pitchFamily="34" charset="0"/>
+              </a:rPr>
+              <a:t>.</a:t>
+            </a:r>
+            <a:endParaRPr lang="tr-TR" sz="1200" dirty="0" smtClean="0">
+              <a:latin typeface="Helvetica" panose="020B0604020202020204" pitchFamily="34" charset="0"/>
+              <a:cs typeface="Helvetica" panose="020B0604020202020204" pitchFamily="34" charset="0"/>
+            </a:endParaRPr>
+          </a:p>
+          <a:p>
+            <a:endParaRPr lang="en-US" sz="1200" dirty="0">
+              <a:latin typeface="Helvetica" panose="020B0604020202020204" pitchFamily="34" charset="0"/>
+              <a:cs typeface="Helvetica" panose="020B0604020202020204" pitchFamily="34" charset="0"/>
+            </a:endParaRPr>
+          </a:p>
+          <a:p>
+            <a:r>
+              <a:rPr lang="en-US" sz="1200" dirty="0">
+                <a:latin typeface="Helvetica" panose="020B0604020202020204" pitchFamily="34" charset="0"/>
+                <a:cs typeface="Helvetica" panose="020B0604020202020204" pitchFamily="34" charset="0"/>
+              </a:rPr>
+              <a:t>[</a:t>
+            </a:r>
+            <a:r>
+              <a:rPr lang="en-US" sz="1200" dirty="0" smtClean="0">
+                <a:latin typeface="Helvetica" panose="020B0604020202020204" pitchFamily="34" charset="0"/>
+                <a:cs typeface="Helvetica" panose="020B0604020202020204" pitchFamily="34" charset="0"/>
+              </a:rPr>
+              <a:t>7]</a:t>
+            </a:r>
+            <a:r>
+              <a:rPr lang="tr-TR" sz="1200" dirty="0" smtClean="0">
+                <a:latin typeface="Helvetica" panose="020B0604020202020204" pitchFamily="34" charset="0"/>
+                <a:cs typeface="Helvetica" panose="020B0604020202020204" pitchFamily="34" charset="0"/>
+              </a:rPr>
+              <a:t> </a:t>
+            </a:r>
+            <a:r>
+              <a:rPr lang="en-US" sz="1200" dirty="0" smtClean="0">
+                <a:latin typeface="Helvetica" panose="020B0604020202020204" pitchFamily="34" charset="0"/>
+                <a:cs typeface="Helvetica" panose="020B0604020202020204" pitchFamily="34" charset="0"/>
+              </a:rPr>
+              <a:t>GaN </a:t>
+            </a:r>
+            <a:r>
+              <a:rPr lang="en-US" sz="1200" dirty="0">
+                <a:latin typeface="Helvetica" panose="020B0604020202020204" pitchFamily="34" charset="0"/>
+                <a:cs typeface="Helvetica" panose="020B0604020202020204" pitchFamily="34" charset="0"/>
+              </a:rPr>
+              <a:t>Systems, “GaN Systems.” [Online]. Available: http://www.gansystems.com/. [Accessed: 15-Jan-2018</a:t>
+            </a:r>
+            <a:r>
+              <a:rPr lang="en-US" sz="1200" dirty="0" smtClean="0">
+                <a:latin typeface="Helvetica" panose="020B0604020202020204" pitchFamily="34" charset="0"/>
+                <a:cs typeface="Helvetica" panose="020B0604020202020204" pitchFamily="34" charset="0"/>
+              </a:rPr>
+              <a:t>].</a:t>
+            </a:r>
+            <a:endParaRPr lang="tr-TR" sz="1200" dirty="0" smtClean="0">
+              <a:latin typeface="Helvetica" panose="020B0604020202020204" pitchFamily="34" charset="0"/>
+              <a:cs typeface="Helvetica" panose="020B0604020202020204" pitchFamily="34" charset="0"/>
+            </a:endParaRPr>
+          </a:p>
+          <a:p>
+            <a:endParaRPr lang="en-US" sz="1200" dirty="0">
+              <a:latin typeface="Helvetica" panose="020B0604020202020204" pitchFamily="34" charset="0"/>
+              <a:cs typeface="Helvetica" panose="020B0604020202020204" pitchFamily="34" charset="0"/>
+            </a:endParaRPr>
+          </a:p>
+          <a:p>
+            <a:r>
+              <a:rPr lang="en-US" sz="1200" dirty="0">
+                <a:latin typeface="Helvetica" panose="020B0604020202020204" pitchFamily="34" charset="0"/>
+                <a:cs typeface="Helvetica" panose="020B0604020202020204" pitchFamily="34" charset="0"/>
+              </a:rPr>
+              <a:t>[</a:t>
+            </a:r>
+            <a:r>
+              <a:rPr lang="en-US" sz="1200" dirty="0" smtClean="0">
+                <a:latin typeface="Helvetica" panose="020B0604020202020204" pitchFamily="34" charset="0"/>
+                <a:cs typeface="Helvetica" panose="020B0604020202020204" pitchFamily="34" charset="0"/>
+              </a:rPr>
+              <a:t>8]</a:t>
+            </a:r>
+            <a:r>
+              <a:rPr lang="tr-TR" sz="1200" dirty="0" smtClean="0">
+                <a:latin typeface="Helvetica" panose="020B0604020202020204" pitchFamily="34" charset="0"/>
+                <a:cs typeface="Helvetica" panose="020B0604020202020204" pitchFamily="34" charset="0"/>
+              </a:rPr>
+              <a:t> </a:t>
+            </a:r>
+            <a:r>
+              <a:rPr lang="en-US" sz="1200" dirty="0" smtClean="0">
+                <a:latin typeface="Helvetica" panose="020B0604020202020204" pitchFamily="34" charset="0"/>
+                <a:cs typeface="Helvetica" panose="020B0604020202020204" pitchFamily="34" charset="0"/>
+              </a:rPr>
+              <a:t>TDK</a:t>
+            </a:r>
+            <a:r>
+              <a:rPr lang="en-US" sz="1200" dirty="0">
+                <a:latin typeface="Helvetica" panose="020B0604020202020204" pitchFamily="34" charset="0"/>
+                <a:cs typeface="Helvetica" panose="020B0604020202020204" pitchFamily="34" charset="0"/>
+              </a:rPr>
+              <a:t>, “Film Capacitors, Metallized Polypropylene Film Capacitors (MKP) - B32674...B32674 Datasheet,” no. May. 2015</a:t>
+            </a:r>
+            <a:r>
+              <a:rPr lang="en-US" sz="1200" dirty="0" smtClean="0">
+                <a:latin typeface="Helvetica" panose="020B0604020202020204" pitchFamily="34" charset="0"/>
+                <a:cs typeface="Helvetica" panose="020B0604020202020204" pitchFamily="34" charset="0"/>
+              </a:rPr>
+              <a:t>.</a:t>
+            </a:r>
+            <a:endParaRPr lang="tr-TR" sz="1200" dirty="0" smtClean="0">
+              <a:latin typeface="Helvetica" panose="020B0604020202020204" pitchFamily="34" charset="0"/>
+              <a:cs typeface="Helvetica" panose="020B0604020202020204" pitchFamily="34" charset="0"/>
+            </a:endParaRPr>
+          </a:p>
+          <a:p>
+            <a:endParaRPr lang="en-US" sz="1200" dirty="0">
+              <a:latin typeface="Helvetica" panose="020B0604020202020204" pitchFamily="34" charset="0"/>
+              <a:cs typeface="Helvetica" panose="020B0604020202020204" pitchFamily="34" charset="0"/>
+            </a:endParaRPr>
+          </a:p>
+          <a:p>
+            <a:r>
+              <a:rPr lang="en-US" sz="1200" dirty="0">
+                <a:latin typeface="Helvetica" panose="020B0604020202020204" pitchFamily="34" charset="0"/>
+                <a:cs typeface="Helvetica" panose="020B0604020202020204" pitchFamily="34" charset="0"/>
+              </a:rPr>
+              <a:t>[</a:t>
+            </a:r>
+            <a:r>
+              <a:rPr lang="en-US" sz="1200" dirty="0" smtClean="0">
+                <a:latin typeface="Helvetica" panose="020B0604020202020204" pitchFamily="34" charset="0"/>
+                <a:cs typeface="Helvetica" panose="020B0604020202020204" pitchFamily="34" charset="0"/>
+              </a:rPr>
+              <a:t>9]</a:t>
+            </a:r>
+            <a:r>
+              <a:rPr lang="tr-TR" sz="1200" dirty="0" smtClean="0">
+                <a:latin typeface="Helvetica" panose="020B0604020202020204" pitchFamily="34" charset="0"/>
+                <a:cs typeface="Helvetica" panose="020B0604020202020204" pitchFamily="34" charset="0"/>
+              </a:rPr>
+              <a:t> </a:t>
+            </a:r>
+            <a:r>
+              <a:rPr lang="en-US" sz="1200" dirty="0" smtClean="0">
+                <a:latin typeface="Helvetica" panose="020B0604020202020204" pitchFamily="34" charset="0"/>
+                <a:cs typeface="Helvetica" panose="020B0604020202020204" pitchFamily="34" charset="0"/>
+              </a:rPr>
+              <a:t>R</a:t>
+            </a:r>
+            <a:r>
+              <a:rPr lang="en-US" sz="1200" dirty="0">
+                <a:latin typeface="Helvetica" panose="020B0604020202020204" pitchFamily="34" charset="0"/>
+                <a:cs typeface="Helvetica" panose="020B0604020202020204" pitchFamily="34" charset="0"/>
+              </a:rPr>
+              <a:t>. E. Simons, “Estimating Parallel Plate-Fin Heat Sink Thermal Resistance.” [Online]. Available: https://www.electronics-cooling.com/2003/02/estimating-parallel-plate-fin-heat-sink-thermal-resistance</a:t>
+            </a:r>
+            <a:r>
+              <a:rPr lang="en-US" sz="1200" dirty="0" smtClean="0">
+                <a:latin typeface="Helvetica" panose="020B0604020202020204" pitchFamily="34" charset="0"/>
+                <a:cs typeface="Helvetica" panose="020B0604020202020204" pitchFamily="34" charset="0"/>
+              </a:rPr>
+              <a:t>/.</a:t>
+            </a:r>
+            <a:endParaRPr lang="en-US" sz="1200" dirty="0">
+              <a:latin typeface="Helvetica" panose="020B0604020202020204" pitchFamily="34" charset="0"/>
+              <a:cs typeface="Helvetica" panose="020B0604020202020204" pitchFamily="34" charset="0"/>
+            </a:endParaRPr>
+          </a:p>
+        </p:txBody>
+      </p:sp>
+    </p:spTree>
+    <p:extLst>
+      <p:ext uri="{BB962C8B-B14F-4D97-AF65-F5344CB8AC3E}">
+        <p14:creationId xmlns:p14="http://schemas.microsoft.com/office/powerpoint/2010/main" val="198061606"/>
+      </p:ext>
+    </p:extLst>
+  </p:cSld>
+  <p:clrMapOvr>
+    <a:masterClrMapping/>
+  </p:clrMapOvr>
+  <p:timing>
+    <p:tnLst>
+      <p:par>
+        <p:cTn id="1" dur="indefinite" restart="never" nodeType="tmRoot"/>
+      </p:par>
+    </p:tnLst>
+  </p:timing>
+</p:sld>
+</file>
+
+<file path=ppt/slides/slide15.xml><?xml version="1.0" encoding="utf-8"?>
+<p:sld xmlns:a="http://schemas.openxmlformats.org/drawingml/2006/main" xmlns:r="http://schemas.openxmlformats.org/officeDocument/2006/relationships" xmlns:p="http://schemas.openxmlformats.org/presentationml/2006/main">
+  <p:cSld>
+    <p:spTree>
+      <p:nvGrpSpPr>
+        <p:cNvPr id="1" name=""/>
+        <p:cNvGrpSpPr/>
+        <p:nvPr/>
+      </p:nvGrpSpPr>
+      <p:grpSpPr>
+        <a:xfrm>
+          <a:off x="0" y="0"/>
+          <a:ext cx="0" cy="0"/>
+          <a:chOff x="0" y="0"/>
+          <a:chExt cx="0" cy="0"/>
+        </a:xfrm>
+      </p:grpSpPr>
+      <p:sp>
+        <p:nvSpPr>
+          <p:cNvPr id="10" name="Rectangle 9"/>
+          <p:cNvSpPr/>
+          <p:nvPr/>
+        </p:nvSpPr>
+        <p:spPr>
+          <a:xfrm>
+            <a:off x="0" y="12106"/>
+            <a:ext cx="1011942" cy="6854083"/>
+          </a:xfrm>
+          <a:prstGeom prst="rect">
+            <a:avLst/>
+          </a:prstGeom>
+          <a:gradFill flip="none" rotWithShape="1">
+            <a:gsLst>
+              <a:gs pos="50000">
+                <a:srgbClr val="D00000"/>
+              </a:gs>
+              <a:gs pos="0">
+                <a:srgbClr val="FF0000">
+                  <a:shade val="30000"/>
+                  <a:satMod val="115000"/>
+                </a:srgbClr>
+              </a:gs>
+              <a:gs pos="100000">
+                <a:schemeClr val="accent2">
+                  <a:lumMod val="60000"/>
+                  <a:lumOff val="40000"/>
+                </a:schemeClr>
+              </a:gs>
+            </a:gsLst>
+            <a:lin ang="5400000" scaled="1"/>
+            <a:tileRect/>
+          </a:gradFill>
+          <a:ln>
+            <a:noFill/>
+          </a:ln>
+        </p:spPr>
+        <p:style>
+          <a:lnRef idx="2">
+            <a:schemeClr val="accent1">
+              <a:shade val="50000"/>
+            </a:schemeClr>
+          </a:lnRef>
+          <a:fillRef idx="1">
+            <a:schemeClr val="accent1"/>
+          </a:fillRef>
+          <a:effectRef idx="0">
+            <a:schemeClr val="accent1"/>
+          </a:effectRef>
+          <a:fontRef idx="minor">
+            <a:schemeClr val="lt1"/>
+          </a:fontRef>
+        </p:style>
+        <p:txBody>
+          <a:bodyPr rtlCol="0" anchor="ctr"/>
+          <a:lstStyle/>
+          <a:p>
+            <a:pPr algn="ctr"/>
+            <a:endParaRPr lang="tr-TR"/>
+          </a:p>
+        </p:txBody>
+      </p:sp>
+      <p:cxnSp>
+        <p:nvCxnSpPr>
+          <p:cNvPr id="11" name="Straight Connector 10"/>
+          <p:cNvCxnSpPr/>
+          <p:nvPr/>
+        </p:nvCxnSpPr>
+        <p:spPr>
+          <a:xfrm>
+            <a:off x="1189918" y="838200"/>
+            <a:ext cx="7649282" cy="0"/>
+          </a:xfrm>
+          <a:prstGeom prst="line">
+            <a:avLst/>
+          </a:prstGeom>
+          <a:ln w="50800">
+            <a:solidFill>
+              <a:srgbClr val="F20000"/>
+            </a:solidFill>
+          </a:ln>
+        </p:spPr>
+        <p:style>
+          <a:lnRef idx="1">
+            <a:schemeClr val="accent1"/>
+          </a:lnRef>
+          <a:fillRef idx="0">
+            <a:schemeClr val="accent1"/>
+          </a:fillRef>
+          <a:effectRef idx="0">
+            <a:schemeClr val="accent1"/>
+          </a:effectRef>
+          <a:fontRef idx="minor">
+            <a:schemeClr val="tx1"/>
+          </a:fontRef>
+        </p:style>
+      </p:cxnSp>
+      <p:cxnSp>
+        <p:nvCxnSpPr>
+          <p:cNvPr id="15" name="Straight Connector 14"/>
+          <p:cNvCxnSpPr/>
+          <p:nvPr/>
+        </p:nvCxnSpPr>
+        <p:spPr>
+          <a:xfrm>
+            <a:off x="1189918" y="914400"/>
+            <a:ext cx="7649282" cy="0"/>
+          </a:xfrm>
+          <a:prstGeom prst="line">
+            <a:avLst/>
+          </a:prstGeom>
+          <a:ln w="19050">
+            <a:solidFill>
+              <a:srgbClr val="F20000"/>
+            </a:solidFill>
+          </a:ln>
+        </p:spPr>
+        <p:style>
+          <a:lnRef idx="1">
+            <a:schemeClr val="accent1"/>
+          </a:lnRef>
+          <a:fillRef idx="0">
+            <a:schemeClr val="accent1"/>
+          </a:fillRef>
+          <a:effectRef idx="0">
+            <a:schemeClr val="accent1"/>
+          </a:effectRef>
+          <a:fontRef idx="minor">
+            <a:schemeClr val="tx1"/>
+          </a:fontRef>
+        </p:style>
+      </p:cxnSp>
+      <p:sp>
+        <p:nvSpPr>
+          <p:cNvPr id="2" name="Slide Number Placeholder 1"/>
+          <p:cNvSpPr>
+            <a:spLocks noGrp="1"/>
+          </p:cNvSpPr>
+          <p:nvPr>
+            <p:ph type="sldNum" sz="quarter" idx="12"/>
+          </p:nvPr>
+        </p:nvSpPr>
+        <p:spPr/>
+        <p:txBody>
+          <a:bodyPr/>
+          <a:lstStyle/>
+          <a:p>
+            <a:fld id="{B6F15528-21DE-4FAA-801E-634DDDAF4B2B}" type="slidenum">
+              <a:rPr lang="en-US" smtClean="0"/>
+              <a:pPr/>
+              <a:t>15</a:t>
             </a:fld>
             <a:endParaRPr lang="en-US" dirty="0"/>
           </a:p>
@@ -7794,7 +10778,7 @@
         <p:spPr>
           <a:xfrm>
             <a:off x="1389895" y="813804"/>
-            <a:ext cx="7282263" cy="553998"/>
+            <a:ext cx="7282263" cy="461665"/>
           </a:xfrm>
           <a:prstGeom prst="rect">
             <a:avLst/>
@@ -7813,62 +10797,62 @@
               </a:spcAft>
             </a:pPr>
             <a:r>
-              <a:rPr lang="tr-TR" sz="3000" b="1" dirty="0" smtClean="0">
+              <a:rPr lang="tr-TR" sz="2400" b="1" dirty="0" smtClean="0">
                 <a:latin typeface="Times New Roman" panose="02020603050405020304" pitchFamily="18" charset="0"/>
                 <a:cs typeface="Times New Roman" panose="02020603050405020304" pitchFamily="18" charset="0"/>
               </a:rPr>
               <a:t>I</a:t>
             </a:r>
             <a:r>
-              <a:rPr lang="tr-TR" sz="3000" dirty="0" smtClean="0">
+              <a:rPr lang="tr-TR" sz="2400" dirty="0" smtClean="0">
                 <a:latin typeface="Times New Roman" panose="02020603050405020304" pitchFamily="18" charset="0"/>
                 <a:cs typeface="Times New Roman" panose="02020603050405020304" pitchFamily="18" charset="0"/>
               </a:rPr>
               <a:t>ntegrated </a:t>
             </a:r>
             <a:r>
-              <a:rPr lang="tr-TR" sz="3000" b="1" dirty="0" smtClean="0">
+              <a:rPr lang="tr-TR" sz="2400" b="1" dirty="0" smtClean="0">
                 <a:latin typeface="Times New Roman" panose="02020603050405020304" pitchFamily="18" charset="0"/>
                 <a:cs typeface="Times New Roman" panose="02020603050405020304" pitchFamily="18" charset="0"/>
               </a:rPr>
               <a:t>M</a:t>
             </a:r>
             <a:r>
-              <a:rPr lang="tr-TR" sz="3000" dirty="0" smtClean="0">
+              <a:rPr lang="tr-TR" sz="2400" dirty="0" smtClean="0">
                 <a:latin typeface="Times New Roman" panose="02020603050405020304" pitchFamily="18" charset="0"/>
                 <a:cs typeface="Times New Roman" panose="02020603050405020304" pitchFamily="18" charset="0"/>
               </a:rPr>
               <a:t>odular </a:t>
             </a:r>
             <a:r>
-              <a:rPr lang="tr-TR" sz="3000" b="1" dirty="0" smtClean="0">
+              <a:rPr lang="tr-TR" sz="2400" b="1" dirty="0" smtClean="0">
                 <a:latin typeface="Times New Roman" panose="02020603050405020304" pitchFamily="18" charset="0"/>
                 <a:cs typeface="Times New Roman" panose="02020603050405020304" pitchFamily="18" charset="0"/>
               </a:rPr>
               <a:t>M</a:t>
             </a:r>
             <a:r>
-              <a:rPr lang="tr-TR" sz="3000" dirty="0" smtClean="0">
+              <a:rPr lang="tr-TR" sz="2400" dirty="0" smtClean="0">
                 <a:latin typeface="Times New Roman" panose="02020603050405020304" pitchFamily="18" charset="0"/>
                 <a:cs typeface="Times New Roman" panose="02020603050405020304" pitchFamily="18" charset="0"/>
               </a:rPr>
               <a:t>otor </a:t>
             </a:r>
             <a:r>
-              <a:rPr lang="tr-TR" sz="3000" b="1" dirty="0" smtClean="0">
+              <a:rPr lang="tr-TR" sz="2400" b="1" dirty="0" smtClean="0">
                 <a:latin typeface="Times New Roman" panose="02020603050405020304" pitchFamily="18" charset="0"/>
                 <a:cs typeface="Times New Roman" panose="02020603050405020304" pitchFamily="18" charset="0"/>
               </a:rPr>
               <a:t>D</a:t>
             </a:r>
             <a:r>
-              <a:rPr lang="tr-TR" sz="3000" dirty="0" smtClean="0">
+              <a:rPr lang="tr-TR" sz="2400" dirty="0" smtClean="0">
                 <a:latin typeface="Times New Roman" panose="02020603050405020304" pitchFamily="18" charset="0"/>
                 <a:cs typeface="Times New Roman" panose="02020603050405020304" pitchFamily="18" charset="0"/>
               </a:rPr>
               <a:t>rive</a:t>
             </a:r>
-            <a:endParaRPr lang="en-US" sz="3000" dirty="0" smtClean="0">
+            <a:endParaRPr lang="en-US" sz="2400" dirty="0" smtClean="0">
               <a:latin typeface="Times New Roman" panose="02020603050405020304" pitchFamily="18" charset="0"/>
               <a:cs typeface="Times New Roman" panose="02020603050405020304" pitchFamily="18" charset="0"/>
             </a:endParaRPr>
@@ -7929,7 +10913,7 @@
         <p:spPr>
           <a:xfrm>
             <a:off x="1189917" y="4623533"/>
-            <a:ext cx="3839283" cy="1415772"/>
+            <a:ext cx="3839283" cy="1231106"/>
           </a:xfrm>
           <a:prstGeom prst="rect">
             <a:avLst/>
@@ -7950,24 +10934,14 @@
               <a:buChar char="ü"/>
             </a:pPr>
             <a:r>
-              <a:rPr lang="tr-TR" sz="2200" dirty="0" smtClean="0">
+              <a:rPr lang="tr-TR" dirty="0" smtClean="0">
                 <a:solidFill>
                   <a:srgbClr val="002060"/>
                 </a:solidFill>
                 <a:latin typeface="Helvetica" panose="020B0604020202020204" pitchFamily="34" charset="0"/>
                 <a:cs typeface="Helvetica" panose="020B0604020202020204" pitchFamily="34" charset="0"/>
               </a:rPr>
-              <a:t>Increased p</a:t>
-            </a:r>
-            <a:r>
-              <a:rPr lang="tr-TR" sz="2200" dirty="0" smtClean="0">
-                <a:solidFill>
-                  <a:srgbClr val="002060"/>
-                </a:solidFill>
-                <a:latin typeface="Helvetica" panose="020B0604020202020204" pitchFamily="34" charset="0"/>
-                <a:cs typeface="Helvetica" panose="020B0604020202020204" pitchFamily="34" charset="0"/>
-              </a:rPr>
-              <a:t>ower density</a:t>
+              <a:t>Increased power density</a:t>
             </a:r>
           </a:p>
           <a:p>
@@ -7979,7 +10953,7 @@
               <a:buChar char="ü"/>
             </a:pPr>
             <a:r>
-              <a:rPr lang="tr-TR" sz="2200" dirty="0" smtClean="0">
+              <a:rPr lang="tr-TR" dirty="0" smtClean="0">
                 <a:solidFill>
                   <a:srgbClr val="002060"/>
                 </a:solidFill>
@@ -7998,7 +10972,7 @@
               <a:buChar char="ü"/>
             </a:pPr>
             <a:r>
-              <a:rPr lang="tr-TR" sz="2200" dirty="0" smtClean="0">
+              <a:rPr lang="tr-TR" dirty="0" smtClean="0">
                 <a:solidFill>
                   <a:srgbClr val="002060"/>
                 </a:solidFill>
@@ -8019,7 +10993,7 @@
         <p:spPr>
           <a:xfrm>
             <a:off x="5029200" y="4623532"/>
-            <a:ext cx="3809999" cy="1415772"/>
+            <a:ext cx="3809999" cy="1231106"/>
           </a:xfrm>
           <a:prstGeom prst="rect">
             <a:avLst/>
@@ -8040,7 +11014,7 @@
               <a:buChar char="ü"/>
             </a:pPr>
             <a:r>
-              <a:rPr lang="tr-TR" sz="2200" dirty="0" smtClean="0">
+              <a:rPr lang="tr-TR" dirty="0" smtClean="0">
                 <a:solidFill>
                   <a:srgbClr val="C00000"/>
                 </a:solidFill>
@@ -8059,7 +11033,7 @@
               <a:buChar char="ü"/>
             </a:pPr>
             <a:r>
-              <a:rPr lang="tr-TR" sz="2200" dirty="0" smtClean="0">
+              <a:rPr lang="tr-TR" dirty="0" smtClean="0">
                 <a:solidFill>
                   <a:srgbClr val="C00000"/>
                 </a:solidFill>
@@ -8078,7 +11052,7 @@
               <a:buChar char="ü"/>
             </a:pPr>
             <a:r>
-              <a:rPr lang="tr-TR" sz="2200" dirty="0" smtClean="0">
+              <a:rPr lang="tr-TR" dirty="0" smtClean="0">
                 <a:solidFill>
                   <a:srgbClr val="C00000"/>
                 </a:solidFill>
@@ -8087,7 +11061,7 @@
               </a:rPr>
               <a:t>Reduced stress</a:t>
             </a:r>
-            <a:endParaRPr lang="en-US" sz="2200" dirty="0" smtClean="0">
+            <a:endParaRPr lang="en-US" dirty="0" smtClean="0">
               <a:solidFill>
                 <a:srgbClr val="C00000"/>
               </a:solidFill>
@@ -8794,7 +11768,7 @@
         <p:spPr>
           <a:xfrm>
             <a:off x="1373425" y="1145841"/>
-            <a:ext cx="7282263" cy="553998"/>
+            <a:ext cx="7282263" cy="461665"/>
           </a:xfrm>
           <a:prstGeom prst="rect">
             <a:avLst/>
@@ -8813,13 +11787,13 @@
               </a:spcAft>
             </a:pPr>
             <a:r>
-              <a:rPr lang="tr-TR" sz="3000" dirty="0" smtClean="0">
+              <a:rPr lang="tr-TR" sz="2400" dirty="0" smtClean="0">
                 <a:latin typeface="Times New Roman" panose="02020603050405020304" pitchFamily="18" charset="0"/>
                 <a:cs typeface="Times New Roman" panose="02020603050405020304" pitchFamily="18" charset="0"/>
               </a:rPr>
               <a:t>Design Challenges</a:t>
             </a:r>
-            <a:endParaRPr lang="en-US" sz="3000" dirty="0" smtClean="0">
+            <a:endParaRPr lang="en-US" sz="2400" dirty="0" smtClean="0">
               <a:latin typeface="Times New Roman" panose="02020603050405020304" pitchFamily="18" charset="0"/>
               <a:cs typeface="Times New Roman" panose="02020603050405020304" pitchFamily="18" charset="0"/>
             </a:endParaRPr>
@@ -8835,7 +11809,7 @@
         <p:spPr>
           <a:xfrm>
             <a:off x="1189918" y="1913891"/>
-            <a:ext cx="7115883" cy="3385542"/>
+            <a:ext cx="7115883" cy="2954655"/>
           </a:xfrm>
           <a:prstGeom prst="rect">
             <a:avLst/>
@@ -8856,7 +11830,7 @@
               <a:buChar char="§"/>
             </a:pPr>
             <a:r>
-              <a:rPr lang="tr-TR" sz="2200" dirty="0" smtClean="0">
+              <a:rPr lang="tr-TR" dirty="0" smtClean="0">
                 <a:solidFill>
                   <a:schemeClr val="tx1">
                     <a:lumMod val="95000"/>
@@ -8878,7 +11852,7 @@
               <a:buChar char="§"/>
             </a:pPr>
             <a:r>
-              <a:rPr lang="tr-TR" sz="2200" dirty="0" smtClean="0">
+              <a:rPr lang="tr-TR" dirty="0" smtClean="0">
                 <a:solidFill>
                   <a:schemeClr val="tx1">
                     <a:lumMod val="95000"/>
@@ -8900,7 +11874,7 @@
               <a:buChar char="§"/>
             </a:pPr>
             <a:r>
-              <a:rPr lang="tr-TR" sz="2200" dirty="0" smtClean="0">
+              <a:rPr lang="tr-TR" dirty="0" smtClean="0">
                 <a:solidFill>
                   <a:schemeClr val="tx1">
                     <a:lumMod val="95000"/>
@@ -8912,7 +11886,16 @@
               </a:rPr>
               <a:t>Thermal management</a:t>
             </a:r>
-            <a:endParaRPr lang="tr-TR" sz="2200" dirty="0" smtClean="0">
+          </a:p>
+          <a:p>
+            <a:pPr marL="342900" indent="-342900">
+              <a:spcAft>
+                <a:spcPts val="1200"/>
+              </a:spcAft>
+              <a:buFont typeface="Wingdings" panose="05000000000000000000" pitchFamily="2" charset="2"/>
+              <a:buChar char="§"/>
+            </a:pPr>
+            <a:endParaRPr lang="tr-TR" dirty="0" smtClean="0">
               <a:solidFill>
                 <a:schemeClr val="tx1">
                   <a:lumMod val="95000"/>
@@ -8929,29 +11912,10 @@
                 <a:spcPts val="1200"/>
               </a:spcAft>
               <a:buFont typeface="Wingdings" panose="05000000000000000000" pitchFamily="2" charset="2"/>
-              <a:buChar char="§"/>
-            </a:pPr>
-            <a:endParaRPr lang="tr-TR" sz="2200" dirty="0" smtClean="0">
-              <a:solidFill>
-                <a:schemeClr val="tx1">
-                  <a:lumMod val="95000"/>
-                  <a:lumOff val="5000"/>
-                </a:schemeClr>
-              </a:solidFill>
-              <a:latin typeface="Helvetica" panose="020B0604020202020204" pitchFamily="34" charset="0"/>
-              <a:cs typeface="Helvetica" panose="020B0604020202020204" pitchFamily="34" charset="0"/>
-            </a:endParaRPr>
-          </a:p>
-          <a:p>
-            <a:pPr marL="342900" indent="-342900">
-              <a:spcAft>
-                <a:spcPts val="1200"/>
-              </a:spcAft>
-              <a:buFont typeface="Wingdings" panose="05000000000000000000" pitchFamily="2" charset="2"/>
               <a:buChar char="ü"/>
             </a:pPr>
             <a:r>
-              <a:rPr lang="tr-TR" sz="2200" dirty="0" smtClean="0">
+              <a:rPr lang="tr-TR" dirty="0" smtClean="0">
                 <a:solidFill>
                   <a:schemeClr val="tx1">
                     <a:lumMod val="95000"/>
@@ -8973,7 +11937,7 @@
               <a:buChar char="ü"/>
             </a:pPr>
             <a:r>
-              <a:rPr lang="tr-TR" sz="2200" dirty="0" smtClean="0">
+              <a:rPr lang="tr-TR" dirty="0" smtClean="0">
                 <a:solidFill>
                   <a:schemeClr val="tx1">
                     <a:lumMod val="95000"/>
@@ -8995,7 +11959,7 @@
               <a:buChar char="ü"/>
             </a:pPr>
             <a:r>
-              <a:rPr lang="tr-TR" sz="2200" dirty="0" smtClean="0">
+              <a:rPr lang="tr-TR" dirty="0" smtClean="0">
                 <a:solidFill>
                   <a:schemeClr val="tx1">
                     <a:lumMod val="95000"/>
@@ -9810,7 +12774,7 @@
           <a:graphicData uri="http://schemas.openxmlformats.org/presentationml/2006/ole">
             <mc:AlternateContent xmlns:mc="http://schemas.openxmlformats.org/markup-compatibility/2006">
               <mc:Choice xmlns:v="urn:schemas-microsoft-com:vml" Requires="v">
-                <p:oleObj spid="_x0000_s1032" name="Visio" r:id="rId6" imgW="3457411" imgH="4505258" progId="Visio.Drawing.15">
+                <p:oleObj spid="_x0000_s1036" name="Visio" r:id="rId6" imgW="3457411" imgH="4505258" progId="Visio.Drawing.15">
                   <p:embed/>
                 </p:oleObj>
               </mc:Choice>
@@ -10555,20 +13519,20 @@
           <p:nvPr>
             <p:extLst>
               <p:ext uri="{D42A27DB-BD31-4B8C-83A1-F6EECF244321}">
-                <p14:modId xmlns:p14="http://schemas.microsoft.com/office/powerpoint/2010/main" val="3103266625"/>
+                <p14:modId xmlns:p14="http://schemas.microsoft.com/office/powerpoint/2010/main" val="1134259593"/>
               </p:ext>
             </p:extLst>
           </p:nvPr>
         </p:nvGraphicFramePr>
         <p:xfrm>
-          <a:off x="1189919" y="1371600"/>
+          <a:off x="1189919" y="1147550"/>
           <a:ext cx="3623246" cy="2720905"/>
         </p:xfrm>
         <a:graphic>
           <a:graphicData uri="http://schemas.openxmlformats.org/presentationml/2006/ole">
             <mc:AlternateContent xmlns:mc="http://schemas.openxmlformats.org/markup-compatibility/2006">
               <mc:Choice xmlns:v="urn:schemas-microsoft-com:vml" Requires="v">
-                <p:oleObj spid="_x0000_s2052" name="Visio" r:id="rId6" imgW="2486025" imgH="1866900" progId="Visio.Drawing.15">
+                <p:oleObj spid="_x0000_s2056" name="Visio" r:id="rId6" imgW="2486025" imgH="1866900" progId="Visio.Drawing.15">
                   <p:embed/>
                 </p:oleObj>
               </mc:Choice>
@@ -10598,7 +13562,7 @@
                     </p:blipFill>
                     <p:spPr bwMode="auto">
                       <a:xfrm>
-                        <a:off x="1189919" y="1371600"/>
+                        <a:off x="1189919" y="1147550"/>
                         <a:ext cx="3623246" cy="2720905"/>
                       </a:xfrm>
                       <a:prstGeom prst="rect">
@@ -10634,7 +13598,7 @@
         </p:blipFill>
         <p:spPr bwMode="auto">
           <a:xfrm>
-            <a:off x="4813165" y="1371600"/>
+            <a:off x="4813165" y="1348109"/>
             <a:ext cx="4292735" cy="2211066"/>
           </a:xfrm>
           <a:prstGeom prst="rect">
@@ -10646,54 +13610,73 @@
           </a:ln>
         </p:spPr>
       </p:pic>
-      <p:pic>
-        <p:nvPicPr>
-          <p:cNvPr id="4" name="Picture 3"/>
-          <p:cNvPicPr>
-            <a:picLocks noChangeAspect="1"/>
-          </p:cNvPicPr>
+      <p:sp>
+        <p:nvSpPr>
+          <p:cNvPr id="16" name="TextBox 15"/>
+          <p:cNvSpPr txBox="1"/>
           <p:nvPr/>
-        </p:nvPicPr>
-        <p:blipFill>
-          <a:blip r:embed="rId9"/>
-          <a:stretch>
-            <a:fillRect/>
-          </a:stretch>
-        </p:blipFill>
+        </p:nvSpPr>
         <p:spPr>
           <a:xfrm>
-            <a:off x="1189918" y="4087846"/>
-            <a:ext cx="2919201" cy="1779554"/>
+            <a:off x="4813165" y="977663"/>
+            <a:ext cx="4330836" cy="369332"/>
           </a:xfrm>
           <a:prstGeom prst="rect">
             <a:avLst/>
           </a:prstGeom>
-        </p:spPr>
-      </p:pic>
-      <p:pic>
-        <p:nvPicPr>
-          <p:cNvPr id="6" name="Picture 5"/>
-          <p:cNvPicPr>
-            <a:picLocks noChangeAspect="1"/>
-          </p:cNvPicPr>
-          <p:nvPr/>
-        </p:nvPicPr>
-        <p:blipFill>
-          <a:blip r:embed="rId10"/>
-          <a:stretch>
-            <a:fillRect/>
-          </a:stretch>
-        </p:blipFill>
-        <p:spPr>
-          <a:xfrm>
-            <a:off x="4387077" y="4096349"/>
-            <a:ext cx="1861323" cy="1771051"/>
-          </a:xfrm>
-          <a:prstGeom prst="rect">
-            <a:avLst/>
-          </a:prstGeom>
-        </p:spPr>
-      </p:pic>
+          <a:noFill/>
+        </p:spPr>
+        <p:txBody>
+          <a:bodyPr wrap="square" rtlCol="0">
+            <a:spAutoFit/>
+          </a:bodyPr>
+          <a:lstStyle/>
+          <a:p>
+            <a:pPr algn="ctr">
+              <a:spcAft>
+                <a:spcPts val="1200"/>
+              </a:spcAft>
+            </a:pPr>
+            <a:r>
+              <a:rPr lang="tr-TR" dirty="0" err="1" smtClean="0">
+                <a:solidFill>
+                  <a:srgbClr val="C00000"/>
+                </a:solidFill>
+                <a:latin typeface="Times New Roman" panose="02020603050405020304" pitchFamily="18" charset="0"/>
+                <a:cs typeface="Times New Roman" panose="02020603050405020304" pitchFamily="18" charset="0"/>
+              </a:rPr>
+              <a:t>Effect</a:t>
+            </a:r>
+            <a:r>
+              <a:rPr lang="tr-TR" dirty="0" smtClean="0">
+                <a:solidFill>
+                  <a:srgbClr val="C00000"/>
+                </a:solidFill>
+                <a:latin typeface="Times New Roman" panose="02020603050405020304" pitchFamily="18" charset="0"/>
+                <a:cs typeface="Times New Roman" panose="02020603050405020304" pitchFamily="18" charset="0"/>
+              </a:rPr>
+              <a:t> of </a:t>
+            </a:r>
+            <a:r>
+              <a:rPr lang="tr-TR" dirty="0" err="1" smtClean="0">
+                <a:solidFill>
+                  <a:srgbClr val="C00000"/>
+                </a:solidFill>
+                <a:latin typeface="Times New Roman" panose="02020603050405020304" pitchFamily="18" charset="0"/>
+                <a:cs typeface="Times New Roman" panose="02020603050405020304" pitchFamily="18" charset="0"/>
+              </a:rPr>
+              <a:t>interleaving</a:t>
+            </a:r>
+            <a:endParaRPr lang="en-US" dirty="0" smtClean="0">
+              <a:solidFill>
+                <a:srgbClr val="C00000"/>
+              </a:solidFill>
+              <a:latin typeface="Times New Roman" panose="02020603050405020304" pitchFamily="18" charset="0"/>
+              <a:cs typeface="Times New Roman" panose="02020603050405020304" pitchFamily="18" charset="0"/>
+            </a:endParaRPr>
+          </a:p>
+        </p:txBody>
+      </p:sp>
     </p:spTree>
     <p:extLst>
       <p:ext uri="{BB962C8B-B14F-4D97-AF65-F5344CB8AC3E}">
@@ -10802,27 +13785,631 @@
                       </p:childTnLst>
                     </p:cTn>
                   </p:par>
+                </p:childTnLst>
+              </p:cTn>
+              <p:prevCondLst>
+                <p:cond evt="onPrev" delay="0">
+                  <p:tgtEl>
+                    <p:sldTgt/>
+                  </p:tgtEl>
+                </p:cond>
+              </p:prevCondLst>
+              <p:nextCondLst>
+                <p:cond evt="onNext" delay="0">
+                  <p:tgtEl>
+                    <p:sldTgt/>
+                  </p:tgtEl>
+                </p:cond>
+              </p:nextCondLst>
+            </p:seq>
+          </p:childTnLst>
+        </p:cTn>
+      </p:par>
+    </p:tnLst>
+  </p:timing>
+</p:sld>
+</file>
+
+<file path=ppt/slides/slide7.xml><?xml version="1.0" encoding="utf-8"?>
+<p:sld xmlns:a="http://schemas.openxmlformats.org/drawingml/2006/main" xmlns:r="http://schemas.openxmlformats.org/officeDocument/2006/relationships" xmlns:p="http://schemas.openxmlformats.org/presentationml/2006/main">
+  <p:cSld>
+    <p:spTree>
+      <p:nvGrpSpPr>
+        <p:cNvPr id="1" name=""/>
+        <p:cNvGrpSpPr/>
+        <p:nvPr/>
+      </p:nvGrpSpPr>
+      <p:grpSpPr>
+        <a:xfrm>
+          <a:off x="0" y="0"/>
+          <a:ext cx="0" cy="0"/>
+          <a:chOff x="0" y="0"/>
+          <a:chExt cx="0" cy="0"/>
+        </a:xfrm>
+      </p:grpSpPr>
+      <p:sp>
+        <p:nvSpPr>
+          <p:cNvPr id="10" name="Rectangle 9"/>
+          <p:cNvSpPr/>
+          <p:nvPr/>
+        </p:nvSpPr>
+        <p:spPr>
+          <a:xfrm>
+            <a:off x="0" y="12106"/>
+            <a:ext cx="1011942" cy="6854083"/>
+          </a:xfrm>
+          <a:prstGeom prst="rect">
+            <a:avLst/>
+          </a:prstGeom>
+          <a:gradFill flip="none" rotWithShape="1">
+            <a:gsLst>
+              <a:gs pos="50000">
+                <a:srgbClr val="D00000"/>
+              </a:gs>
+              <a:gs pos="0">
+                <a:srgbClr val="FF0000">
+                  <a:shade val="30000"/>
+                  <a:satMod val="115000"/>
+                </a:srgbClr>
+              </a:gs>
+              <a:gs pos="100000">
+                <a:schemeClr val="accent2">
+                  <a:lumMod val="60000"/>
+                  <a:lumOff val="40000"/>
+                </a:schemeClr>
+              </a:gs>
+            </a:gsLst>
+            <a:lin ang="5400000" scaled="1"/>
+            <a:tileRect/>
+          </a:gradFill>
+          <a:ln>
+            <a:noFill/>
+          </a:ln>
+        </p:spPr>
+        <p:style>
+          <a:lnRef idx="2">
+            <a:schemeClr val="accent1">
+              <a:shade val="50000"/>
+            </a:schemeClr>
+          </a:lnRef>
+          <a:fillRef idx="1">
+            <a:schemeClr val="accent1"/>
+          </a:fillRef>
+          <a:effectRef idx="0">
+            <a:schemeClr val="accent1"/>
+          </a:effectRef>
+          <a:fontRef idx="minor">
+            <a:schemeClr val="lt1"/>
+          </a:fontRef>
+        </p:style>
+        <p:txBody>
+          <a:bodyPr rtlCol="0" anchor="ctr"/>
+          <a:lstStyle/>
+          <a:p>
+            <a:pPr algn="ctr"/>
+            <a:endParaRPr lang="tr-TR"/>
+          </a:p>
+        </p:txBody>
+      </p:sp>
+      <p:cxnSp>
+        <p:nvCxnSpPr>
+          <p:cNvPr id="11" name="Straight Connector 10"/>
+          <p:cNvCxnSpPr/>
+          <p:nvPr/>
+        </p:nvCxnSpPr>
+        <p:spPr>
+          <a:xfrm>
+            <a:off x="1189918" y="838200"/>
+            <a:ext cx="7649282" cy="0"/>
+          </a:xfrm>
+          <a:prstGeom prst="line">
+            <a:avLst/>
+          </a:prstGeom>
+          <a:ln w="50800">
+            <a:solidFill>
+              <a:srgbClr val="F20000"/>
+            </a:solidFill>
+          </a:ln>
+        </p:spPr>
+        <p:style>
+          <a:lnRef idx="1">
+            <a:schemeClr val="accent1"/>
+          </a:lnRef>
+          <a:fillRef idx="0">
+            <a:schemeClr val="accent1"/>
+          </a:fillRef>
+          <a:effectRef idx="0">
+            <a:schemeClr val="accent1"/>
+          </a:effectRef>
+          <a:fontRef idx="minor">
+            <a:schemeClr val="tx1"/>
+          </a:fontRef>
+        </p:style>
+      </p:cxnSp>
+      <p:sp>
+        <p:nvSpPr>
+          <p:cNvPr id="13" name="TextBox 12"/>
+          <p:cNvSpPr txBox="1"/>
+          <p:nvPr/>
+        </p:nvSpPr>
+        <p:spPr>
+          <a:xfrm>
+            <a:off x="1386291" y="224135"/>
+            <a:ext cx="7315200" cy="553998"/>
+          </a:xfrm>
+          <a:prstGeom prst="rect">
+            <a:avLst/>
+          </a:prstGeom>
+          <a:noFill/>
+        </p:spPr>
+        <p:txBody>
+          <a:bodyPr wrap="square" rtlCol="0">
+            <a:spAutoFit/>
+          </a:bodyPr>
+          <a:lstStyle/>
+          <a:p>
+            <a:pPr algn="ctr"/>
+            <a:r>
+              <a:rPr lang="tr-TR" sz="3000" dirty="0" smtClean="0">
+                <a:latin typeface="Times New Roman" panose="02020603050405020304" pitchFamily="18" charset="0"/>
+                <a:cs typeface="Times New Roman" panose="02020603050405020304" pitchFamily="18" charset="0"/>
+              </a:rPr>
+              <a:t>System Model</a:t>
+            </a:r>
+            <a:endParaRPr lang="en-US" sz="3000" dirty="0">
+              <a:latin typeface="Times New Roman" panose="02020603050405020304" pitchFamily="18" charset="0"/>
+              <a:cs typeface="Times New Roman" panose="02020603050405020304" pitchFamily="18" charset="0"/>
+            </a:endParaRPr>
+          </a:p>
+        </p:txBody>
+      </p:sp>
+      <p:cxnSp>
+        <p:nvCxnSpPr>
+          <p:cNvPr id="15" name="Straight Connector 14"/>
+          <p:cNvCxnSpPr/>
+          <p:nvPr/>
+        </p:nvCxnSpPr>
+        <p:spPr>
+          <a:xfrm>
+            <a:off x="1189918" y="914400"/>
+            <a:ext cx="7649282" cy="0"/>
+          </a:xfrm>
+          <a:prstGeom prst="line">
+            <a:avLst/>
+          </a:prstGeom>
+          <a:ln w="19050">
+            <a:solidFill>
+              <a:srgbClr val="F20000"/>
+            </a:solidFill>
+          </a:ln>
+        </p:spPr>
+        <p:style>
+          <a:lnRef idx="1">
+            <a:schemeClr val="accent1"/>
+          </a:lnRef>
+          <a:fillRef idx="0">
+            <a:schemeClr val="accent1"/>
+          </a:fillRef>
+          <a:effectRef idx="0">
+            <a:schemeClr val="accent1"/>
+          </a:effectRef>
+          <a:fontRef idx="minor">
+            <a:schemeClr val="tx1"/>
+          </a:fontRef>
+        </p:style>
+      </p:cxnSp>
+      <p:sp>
+        <p:nvSpPr>
+          <p:cNvPr id="2" name="Slide Number Placeholder 1"/>
+          <p:cNvSpPr>
+            <a:spLocks noGrp="1"/>
+          </p:cNvSpPr>
+          <p:nvPr>
+            <p:ph type="sldNum" sz="quarter" idx="12"/>
+          </p:nvPr>
+        </p:nvSpPr>
+        <p:spPr/>
+        <p:txBody>
+          <a:bodyPr/>
+          <a:lstStyle/>
+          <a:p>
+            <a:fld id="{B6F15528-21DE-4FAA-801E-634DDDAF4B2B}" type="slidenum">
+              <a:rPr lang="en-US" smtClean="0"/>
+              <a:pPr/>
+              <a:t>7</a:t>
+            </a:fld>
+            <a:endParaRPr lang="en-US" dirty="0"/>
+          </a:p>
+        </p:txBody>
+      </p:sp>
+      <p:pic>
+        <p:nvPicPr>
+          <p:cNvPr id="12" name="Picture 2" descr="C:\Users\Mesut\Desktop\aselsan sunum\aselsan sunum 10 ekim\aselsan sunum\cezmi bey\ODTU.png"/>
+          <p:cNvPicPr>
+            <a:picLocks noChangeAspect="1" noChangeArrowheads="1"/>
+          </p:cNvPicPr>
+          <p:nvPr/>
+        </p:nvPicPr>
+        <p:blipFill>
+          <a:blip r:embed="rId3" cstate="print">
+            <a:extLst>
+              <a:ext uri="{28A0092B-C50C-407E-A947-70E740481C1C}">
+                <a14:useLocalDpi xmlns:a14="http://schemas.microsoft.com/office/drawing/2010/main" val="0"/>
+              </a:ext>
+            </a:extLst>
+          </a:blip>
+          <a:srcRect/>
+          <a:stretch>
+            <a:fillRect/>
+          </a:stretch>
+        </p:blipFill>
+        <p:spPr bwMode="auto">
+          <a:xfrm>
+            <a:off x="116458" y="163788"/>
+            <a:ext cx="779026" cy="650016"/>
+          </a:xfrm>
+          <a:prstGeom prst="rect">
+            <a:avLst/>
+          </a:prstGeom>
+          <a:noFill/>
+          <a:extLst>
+            <a:ext uri="{909E8E84-426E-40DD-AFC4-6F175D3DCCD1}">
+              <a14:hiddenFill xmlns:a14="http://schemas.microsoft.com/office/drawing/2010/main">
+                <a:solidFill>
+                  <a:srgbClr val="FFFFFF"/>
+                </a:solidFill>
+              </a14:hiddenFill>
+            </a:ext>
+          </a:extLst>
+        </p:spPr>
+      </p:pic>
+      <p:pic>
+        <p:nvPicPr>
+          <p:cNvPr id="14" name="Picture 13"/>
+          <p:cNvPicPr>
+            <a:picLocks noChangeAspect="1"/>
+          </p:cNvPicPr>
+          <p:nvPr/>
+        </p:nvPicPr>
+        <p:blipFill rotWithShape="1">
+          <a:blip r:embed="rId4"/>
+          <a:srcRect t="1741" b="7727"/>
+          <a:stretch/>
+        </p:blipFill>
+        <p:spPr>
+          <a:xfrm rot="16200000">
+            <a:off x="-315548" y="5538698"/>
+            <a:ext cx="1643039" cy="1011942"/>
+          </a:xfrm>
+          <a:prstGeom prst="rect">
+            <a:avLst/>
+          </a:prstGeom>
+        </p:spPr>
+      </p:pic>
+      <p:sp>
+        <p:nvSpPr>
+          <p:cNvPr id="3" name="Rectangle 2"/>
+          <p:cNvSpPr>
+            <a:spLocks noChangeArrowheads="1"/>
+          </p:cNvSpPr>
+          <p:nvPr/>
+        </p:nvSpPr>
+        <p:spPr bwMode="auto">
+          <a:xfrm>
+            <a:off x="0" y="0"/>
+            <a:ext cx="9144000" cy="0"/>
+          </a:xfrm>
+          <a:prstGeom prst="rect">
+            <a:avLst/>
+          </a:prstGeom>
+          <a:noFill/>
+          <a:ln>
+            <a:noFill/>
+          </a:ln>
+          <a:effectLst/>
+          <a:extLst>
+            <a:ext uri="{909E8E84-426E-40DD-AFC4-6F175D3DCCD1}">
+              <a14:hiddenFill xmlns:a14="http://schemas.microsoft.com/office/drawing/2010/main">
+                <a:solidFill>
+                  <a:schemeClr val="accent1"/>
+                </a:solidFill>
+              </a14:hiddenFill>
+            </a:ext>
+            <a:ext uri="{91240B29-F687-4F45-9708-019B960494DF}">
+              <a14:hiddenLine xmlns:a14="http://schemas.microsoft.com/office/drawing/2010/main" w="9525">
+                <a:solidFill>
+                  <a:schemeClr val="tx1"/>
+                </a:solidFill>
+                <a:miter lim="800000"/>
+                <a:headEnd/>
+                <a:tailEnd/>
+              </a14:hiddenLine>
+            </a:ext>
+            <a:ext uri="{AF507438-7753-43E0-B8FC-AC1667EBCBE1}">
+              <a14:hiddenEffects xmlns:a14="http://schemas.microsoft.com/office/drawing/2010/main">
+                <a:effectLst>
+                  <a:outerShdw dist="35921" dir="2700000" algn="ctr" rotWithShape="0">
+                    <a:schemeClr val="bg2"/>
+                  </a:outerShdw>
+                </a:effectLst>
+              </a14:hiddenEffects>
+            </a:ext>
+          </a:extLst>
+        </p:spPr>
+        <p:txBody>
+          <a:bodyPr vert="horz" wrap="none" lIns="91440" tIns="45720" rIns="91440" bIns="45720" numCol="1" anchor="ctr" anchorCtr="0" compatLnSpc="1">
+            <a:prstTxWarp prst="textNoShape">
+              <a:avLst/>
+            </a:prstTxWarp>
+            <a:spAutoFit/>
+          </a:bodyPr>
+          <a:lstStyle/>
+          <a:p>
+            <a:endParaRPr lang="en-US"/>
+          </a:p>
+        </p:txBody>
+      </p:sp>
+      <p:sp>
+        <p:nvSpPr>
+          <p:cNvPr id="7" name="Rectangle 4"/>
+          <p:cNvSpPr>
+            <a:spLocks noChangeArrowheads="1"/>
+          </p:cNvSpPr>
+          <p:nvPr/>
+        </p:nvSpPr>
+        <p:spPr bwMode="auto">
+          <a:xfrm>
+            <a:off x="0" y="0"/>
+            <a:ext cx="9144000" cy="0"/>
+          </a:xfrm>
+          <a:prstGeom prst="rect">
+            <a:avLst/>
+          </a:prstGeom>
+          <a:noFill/>
+          <a:ln>
+            <a:noFill/>
+          </a:ln>
+          <a:effectLst/>
+          <a:extLst>
+            <a:ext uri="{909E8E84-426E-40DD-AFC4-6F175D3DCCD1}">
+              <a14:hiddenFill xmlns:a14="http://schemas.microsoft.com/office/drawing/2010/main">
+                <a:solidFill>
+                  <a:schemeClr val="accent1"/>
+                </a:solidFill>
+              </a14:hiddenFill>
+            </a:ext>
+            <a:ext uri="{91240B29-F687-4F45-9708-019B960494DF}">
+              <a14:hiddenLine xmlns:a14="http://schemas.microsoft.com/office/drawing/2010/main" w="9525">
+                <a:solidFill>
+                  <a:schemeClr val="tx1"/>
+                </a:solidFill>
+                <a:miter lim="800000"/>
+                <a:headEnd/>
+                <a:tailEnd/>
+              </a14:hiddenLine>
+            </a:ext>
+            <a:ext uri="{AF507438-7753-43E0-B8FC-AC1667EBCBE1}">
+              <a14:hiddenEffects xmlns:a14="http://schemas.microsoft.com/office/drawing/2010/main">
+                <a:effectLst>
+                  <a:outerShdw dist="35921" dir="2700000" algn="ctr" rotWithShape="0">
+                    <a:schemeClr val="bg2"/>
+                  </a:outerShdw>
+                </a:effectLst>
+              </a14:hiddenEffects>
+            </a:ext>
+          </a:extLst>
+        </p:spPr>
+        <p:txBody>
+          <a:bodyPr vert="horz" wrap="none" lIns="91440" tIns="45720" rIns="91440" bIns="45720" numCol="1" anchor="ctr" anchorCtr="0" compatLnSpc="1">
+            <a:prstTxWarp prst="textNoShape">
+              <a:avLst/>
+            </a:prstTxWarp>
+            <a:spAutoFit/>
+          </a:bodyPr>
+          <a:lstStyle/>
+          <a:p>
+            <a:endParaRPr lang="en-US"/>
+          </a:p>
+        </p:txBody>
+      </p:sp>
+      <p:pic>
+        <p:nvPicPr>
+          <p:cNvPr id="4" name="Picture 3"/>
+          <p:cNvPicPr>
+            <a:picLocks noChangeAspect="1"/>
+          </p:cNvPicPr>
+          <p:nvPr/>
+        </p:nvPicPr>
+        <p:blipFill>
+          <a:blip r:embed="rId5"/>
+          <a:stretch>
+            <a:fillRect/>
+          </a:stretch>
+        </p:blipFill>
+        <p:spPr>
+          <a:xfrm>
+            <a:off x="1386291" y="1138207"/>
+            <a:ext cx="2919201" cy="1779554"/>
+          </a:xfrm>
+          <a:prstGeom prst="rect">
+            <a:avLst/>
+          </a:prstGeom>
+        </p:spPr>
+      </p:pic>
+      <p:pic>
+        <p:nvPicPr>
+          <p:cNvPr id="6" name="Picture 5"/>
+          <p:cNvPicPr>
+            <a:picLocks noChangeAspect="1"/>
+          </p:cNvPicPr>
+          <p:nvPr/>
+        </p:nvPicPr>
+        <p:blipFill>
+          <a:blip r:embed="rId6"/>
+          <a:stretch>
+            <a:fillRect/>
+          </a:stretch>
+        </p:blipFill>
+        <p:spPr>
+          <a:xfrm>
+            <a:off x="5460223" y="975784"/>
+            <a:ext cx="2159777" cy="2055030"/>
+          </a:xfrm>
+          <a:prstGeom prst="rect">
+            <a:avLst/>
+          </a:prstGeom>
+        </p:spPr>
+      </p:pic>
+      <p:pic>
+        <p:nvPicPr>
+          <p:cNvPr id="19" name="Picture 2" descr="thermal"/>
+          <p:cNvPicPr>
+            <a:picLocks noChangeAspect="1" noChangeArrowheads="1"/>
+          </p:cNvPicPr>
+          <p:nvPr/>
+        </p:nvPicPr>
+        <p:blipFill>
+          <a:blip r:embed="rId7" cstate="print">
+            <a:extLst>
+              <a:ext uri="{28A0092B-C50C-407E-A947-70E740481C1C}">
+                <a14:useLocalDpi xmlns:a14="http://schemas.microsoft.com/office/drawing/2010/main" val="0"/>
+              </a:ext>
+            </a:extLst>
+          </a:blip>
+          <a:srcRect/>
+          <a:stretch>
+            <a:fillRect/>
+          </a:stretch>
+        </p:blipFill>
+        <p:spPr bwMode="auto">
+          <a:xfrm>
+            <a:off x="4886025" y="2876857"/>
+            <a:ext cx="3812838" cy="1956833"/>
+          </a:xfrm>
+          <a:prstGeom prst="rect">
+            <a:avLst/>
+          </a:prstGeom>
+          <a:noFill/>
+          <a:ln>
+            <a:noFill/>
+          </a:ln>
+          <a:extLst>
+            <a:ext uri="{909E8E84-426E-40DD-AFC4-6F175D3DCCD1}">
+              <a14:hiddenFill xmlns:a14="http://schemas.microsoft.com/office/drawing/2010/main">
+                <a:solidFill>
+                  <a:srgbClr val="FFFFFF"/>
+                </a:solidFill>
+              </a14:hiddenFill>
+            </a:ext>
+            <a:ext uri="{91240B29-F687-4F45-9708-019B960494DF}">
+              <a14:hiddenLine xmlns:a14="http://schemas.microsoft.com/office/drawing/2010/main" w="9525">
+                <a:solidFill>
+                  <a:srgbClr val="000000"/>
+                </a:solidFill>
+                <a:miter lim="800000"/>
+                <a:headEnd/>
+                <a:tailEnd/>
+              </a14:hiddenLine>
+            </a:ext>
+          </a:extLst>
+        </p:spPr>
+      </p:pic>
+      <p:pic>
+        <p:nvPicPr>
+          <p:cNvPr id="20" name="Picture 19"/>
+          <p:cNvPicPr>
+            <a:picLocks noChangeAspect="1"/>
+          </p:cNvPicPr>
+          <p:nvPr/>
+        </p:nvPicPr>
+        <p:blipFill>
+          <a:blip r:embed="rId8"/>
+          <a:stretch>
+            <a:fillRect/>
+          </a:stretch>
+        </p:blipFill>
+        <p:spPr>
+          <a:xfrm>
+            <a:off x="1192790" y="3198921"/>
+            <a:ext cx="3458282" cy="1513188"/>
+          </a:xfrm>
+          <a:prstGeom prst="rect">
+            <a:avLst/>
+          </a:prstGeom>
+        </p:spPr>
+      </p:pic>
+      <p:pic>
+        <p:nvPicPr>
+          <p:cNvPr id="22" name="Picture 21"/>
+          <p:cNvPicPr/>
+          <p:nvPr/>
+        </p:nvPicPr>
+        <p:blipFill>
+          <a:blip r:embed="rId9" cstate="print">
+            <a:extLst>
+              <a:ext uri="{28A0092B-C50C-407E-A947-70E740481C1C}">
+                <a14:useLocalDpi xmlns:a14="http://schemas.microsoft.com/office/drawing/2010/main" val="0"/>
+              </a:ext>
+            </a:extLst>
+          </a:blip>
+          <a:srcRect/>
+          <a:stretch>
+            <a:fillRect/>
+          </a:stretch>
+        </p:blipFill>
+        <p:spPr bwMode="auto">
+          <a:xfrm>
+            <a:off x="3124200" y="4993270"/>
+            <a:ext cx="2682955" cy="1652834"/>
+          </a:xfrm>
+          <a:prstGeom prst="rect">
+            <a:avLst/>
+          </a:prstGeom>
+          <a:noFill/>
+          <a:ln>
+            <a:noFill/>
+          </a:ln>
+        </p:spPr>
+      </p:pic>
+    </p:spTree>
+    <p:extLst>
+      <p:ext uri="{BB962C8B-B14F-4D97-AF65-F5344CB8AC3E}">
+        <p14:creationId xmlns:p14="http://schemas.microsoft.com/office/powerpoint/2010/main" val="1974799434"/>
+      </p:ext>
+    </p:extLst>
+  </p:cSld>
+  <p:clrMapOvr>
+    <a:masterClrMapping/>
+  </p:clrMapOvr>
+  <p:timing>
+    <p:tnLst>
+      <p:par>
+        <p:cTn id="1" dur="indefinite" restart="never" nodeType="tmRoot">
+          <p:childTnLst>
+            <p:seq concurrent="1" nextAc="seek">
+              <p:cTn id="2" dur="indefinite" nodeType="mainSeq">
+                <p:childTnLst>
                   <p:par>
-                    <p:cTn id="11" fill="hold">
+                    <p:cTn id="3" fill="hold">
                       <p:stCondLst>
                         <p:cond delay="indefinite"/>
                       </p:stCondLst>
                       <p:childTnLst>
                         <p:par>
-                          <p:cTn id="12" fill="hold">
+                          <p:cTn id="4" fill="hold">
                             <p:stCondLst>
                               <p:cond delay="0"/>
                             </p:stCondLst>
                             <p:childTnLst>
                               <p:par>
-                                <p:cTn id="13" presetID="1" presetClass="entr" presetSubtype="0" fill="hold" nodeType="clickEffect">
+                                <p:cTn id="5" presetID="1" presetClass="entr" presetSubtype="0" fill="hold" nodeType="clickEffect">
                                   <p:stCondLst>
                                     <p:cond delay="0"/>
                                   </p:stCondLst>
                                   <p:childTnLst>
                                     <p:set>
                                       <p:cBhvr>
-                                        <p:cTn id="14" dur="1" fill="hold">
+                                        <p:cTn id="6" dur="1" fill="hold">
                                           <p:stCondLst>
                                             <p:cond delay="0"/>
                                           </p:stCondLst>
@@ -10848,26 +14435,26 @@
                     </p:cTn>
                   </p:par>
                   <p:par>
-                    <p:cTn id="15" fill="hold">
+                    <p:cTn id="7" fill="hold">
                       <p:stCondLst>
                         <p:cond delay="indefinite"/>
                       </p:stCondLst>
                       <p:childTnLst>
                         <p:par>
-                          <p:cTn id="16" fill="hold">
+                          <p:cTn id="8" fill="hold">
                             <p:stCondLst>
                               <p:cond delay="0"/>
                             </p:stCondLst>
                             <p:childTnLst>
                               <p:par>
-                                <p:cTn id="17" presetID="1" presetClass="entr" presetSubtype="0" fill="hold" nodeType="clickEffect">
+                                <p:cTn id="9" presetID="1" presetClass="entr" presetSubtype="0" fill="hold" nodeType="clickEffect">
                                   <p:stCondLst>
                                     <p:cond delay="0"/>
                                   </p:stCondLst>
                                   <p:childTnLst>
                                     <p:set>
                                       <p:cBhvr>
-                                        <p:cTn id="18" dur="1" fill="hold">
+                                        <p:cTn id="10" dur="1" fill="hold">
                                           <p:stCondLst>
                                             <p:cond delay="0"/>
                                           </p:stCondLst>
@@ -10917,7 +14504,7 @@
 </p:sld>
 </file>
 
-<file path=ppt/slides/slide7.xml><?xml version="1.0" encoding="utf-8"?>
+<file path=ppt/slides/slide8.xml><?xml version="1.0" encoding="utf-8"?>
 <p:sld xmlns:a="http://schemas.openxmlformats.org/drawingml/2006/main" xmlns:r="http://schemas.openxmlformats.org/officeDocument/2006/relationships" xmlns:p="http://schemas.openxmlformats.org/presentationml/2006/main">
   <p:cSld>
     <p:spTree>
@@ -11061,7 +14648,7 @@
                 <a:latin typeface="Times New Roman" panose="02020603050405020304" pitchFamily="18" charset="0"/>
                 <a:cs typeface="Times New Roman" panose="02020603050405020304" pitchFamily="18" charset="0"/>
               </a:rPr>
-              <a:t>System Model</a:t>
+              <a:t>System Evaluation</a:t>
             </a:r>
             <a:endParaRPr lang="en-US" sz="3000" dirty="0">
               <a:latin typeface="Times New Roman" panose="02020603050405020304" pitchFamily="18" charset="0"/>
@@ -11123,7 +14710,7 @@
             <a:fld id="{B6F15528-21DE-4FAA-801E-634DDDAF4B2B}" type="slidenum">
               <a:rPr lang="en-US" smtClean="0"/>
               <a:pPr/>
-              <a:t>7</a:t>
+              <a:t>8</a:t>
             </a:fld>
             <a:endParaRPr lang="en-US" dirty="0"/>
           </a:p>
@@ -11321,13 +14908,11 @@
       </p:sp>
       <p:pic>
         <p:nvPicPr>
-          <p:cNvPr id="3074" name="Picture 2" descr="thermal"/>
-          <p:cNvPicPr>
-            <a:picLocks noChangeAspect="1" noChangeArrowheads="1"/>
-          </p:cNvPicPr>
+          <p:cNvPr id="17" name="Picture 16"/>
+          <p:cNvPicPr/>
           <p:nvPr/>
         </p:nvPicPr>
-        <p:blipFill>
+        <p:blipFill rotWithShape="1">
           <a:blip r:embed="rId5" cstate="print">
             <a:extLst>
               <a:ext uri="{28A0092B-C50C-407E-A947-70E740481C1C}">
@@ -11335,15 +14920,13 @@
               </a:ext>
             </a:extLst>
           </a:blip>
-          <a:srcRect/>
-          <a:stretch>
-            <a:fillRect/>
-          </a:stretch>
+          <a:srcRect l="951" r="8789"/>
+          <a:stretch/>
         </p:blipFill>
         <p:spPr bwMode="auto">
           <a:xfrm>
-            <a:off x="1075440" y="2584981"/>
-            <a:ext cx="3812838" cy="1956833"/>
+            <a:off x="1170215" y="1087575"/>
+            <a:ext cx="3610682" cy="3048000"/>
           </a:xfrm>
           <a:prstGeom prst="rect">
             <a:avLst/>
@@ -11353,57 +14936,55 @@
             <a:noFill/>
           </a:ln>
           <a:extLst>
-            <a:ext uri="{909E8E84-426E-40DD-AFC4-6F175D3DCCD1}">
-              <a14:hiddenFill xmlns:a14="http://schemas.microsoft.com/office/drawing/2010/main">
-                <a:solidFill>
-                  <a:srgbClr val="FFFFFF"/>
-                </a:solidFill>
-              </a14:hiddenFill>
-            </a:ext>
-            <a:ext uri="{91240B29-F687-4F45-9708-019B960494DF}">
-              <a14:hiddenLine xmlns:a14="http://schemas.microsoft.com/office/drawing/2010/main" w="9525">
-                <a:solidFill>
-                  <a:srgbClr val="000000"/>
-                </a:solidFill>
-                <a:miter lim="800000"/>
-                <a:headEnd/>
-                <a:tailEnd/>
-              </a14:hiddenLine>
+            <a:ext uri="{53640926-AAD7-44D8-BBD7-CCE9431645EC}">
+              <a14:shadowObscured xmlns:a14="http://schemas.microsoft.com/office/drawing/2010/main"/>
             </a:ext>
           </a:extLst>
         </p:spPr>
       </p:pic>
       <p:pic>
         <p:nvPicPr>
-          <p:cNvPr id="5" name="Picture 4"/>
-          <p:cNvPicPr>
-            <a:picLocks noChangeAspect="1"/>
-          </p:cNvPicPr>
+          <p:cNvPr id="19" name="Picture 18"/>
+          <p:cNvPicPr/>
           <p:nvPr/>
         </p:nvPicPr>
-        <p:blipFill>
-          <a:blip r:embed="rId6"/>
-          <a:stretch>
-            <a:fillRect/>
-          </a:stretch>
+        <p:blipFill rotWithShape="1">
+          <a:blip r:embed="rId6" cstate="print">
+            <a:extLst>
+              <a:ext uri="{28A0092B-C50C-407E-A947-70E740481C1C}">
+                <a14:useLocalDpi xmlns:a14="http://schemas.microsoft.com/office/drawing/2010/main" val="0"/>
+              </a:ext>
+            </a:extLst>
+          </a:blip>
+          <a:srcRect l="694" r="6251"/>
+          <a:stretch/>
         </p:blipFill>
-        <p:spPr>
+        <p:spPr bwMode="auto">
           <a:xfrm>
-            <a:off x="5014559" y="2474019"/>
-            <a:ext cx="3995978" cy="1748460"/>
+            <a:off x="4901070" y="1341575"/>
+            <a:ext cx="3886200" cy="2540000"/>
           </a:xfrm>
           <a:prstGeom prst="rect">
             <a:avLst/>
           </a:prstGeom>
+          <a:noFill/>
+          <a:ln>
+            <a:noFill/>
+          </a:ln>
+          <a:extLst>
+            <a:ext uri="{53640926-AAD7-44D8-BBD7-CCE9431645EC}">
+              <a14:shadowObscured xmlns:a14="http://schemas.microsoft.com/office/drawing/2010/main"/>
+            </a:ext>
+          </a:extLst>
         </p:spPr>
       </p:pic>
       <p:pic>
         <p:nvPicPr>
-          <p:cNvPr id="18" name="Picture 17"/>
+          <p:cNvPr id="20" name="Picture 19"/>
           <p:cNvPicPr/>
           <p:nvPr/>
         </p:nvPicPr>
-        <p:blipFill>
+        <p:blipFill rotWithShape="1">
           <a:blip r:embed="rId7" cstate="print">
             <a:extLst>
               <a:ext uri="{28A0092B-C50C-407E-A947-70E740481C1C}">
@@ -11411,15 +14992,13 @@
               </a:ext>
             </a:extLst>
           </a:blip>
-          <a:srcRect/>
-          <a:stretch>
-            <a:fillRect/>
-          </a:stretch>
+          <a:srcRect l="1699" r="8564"/>
+          <a:stretch/>
         </p:blipFill>
         <p:spPr bwMode="auto">
           <a:xfrm>
-            <a:off x="1075440" y="4800600"/>
-            <a:ext cx="3039360" cy="1920875"/>
+            <a:off x="1157038" y="4308749"/>
+            <a:ext cx="3642909" cy="2549251"/>
           </a:xfrm>
           <a:prstGeom prst="rect">
             <a:avLst/>
@@ -11428,598 +15007,53 @@
           <a:ln>
             <a:noFill/>
           </a:ln>
+          <a:extLst>
+            <a:ext uri="{53640926-AAD7-44D8-BBD7-CCE9431645EC}">
+              <a14:shadowObscured xmlns:a14="http://schemas.microsoft.com/office/drawing/2010/main"/>
+            </a:ext>
+          </a:extLst>
         </p:spPr>
       </p:pic>
-      <mc:AlternateContent xmlns:mc="http://schemas.openxmlformats.org/markup-compatibility/2006">
-        <mc:Choice xmlns:a14="http://schemas.microsoft.com/office/drawing/2010/main" Requires="a14">
-          <p:sp>
-            <p:nvSpPr>
-              <p:cNvPr id="9" name="Rectangle 8"/>
-              <p:cNvSpPr/>
-              <p:nvPr/>
-            </p:nvSpPr>
-            <p:spPr>
-              <a:xfrm>
-                <a:off x="3802654" y="5316617"/>
-                <a:ext cx="5341345" cy="437043"/>
-              </a:xfrm>
-              <a:prstGeom prst="rect">
-                <a:avLst/>
-              </a:prstGeom>
-            </p:spPr>
-            <p:txBody>
-              <a:bodyPr wrap="square">
-                <a:spAutoFit/>
-              </a:bodyPr>
-              <a:lstStyle/>
-              <a:p>
-                <a:pPr>
-                  <a:spcBef>
-                    <a:spcPts val="200"/>
-                  </a:spcBef>
-                  <a:spcAft>
-                    <a:spcPts val="200"/>
-                  </a:spcAft>
-                </a:pPr>
-                <a14:m>
-                  <m:oMathPara xmlns:m="http://schemas.openxmlformats.org/officeDocument/2006/math">
-                    <m:oMathParaPr>
-                      <m:jc m:val="centerGroup"/>
-                    </m:oMathParaPr>
-                    <m:oMath xmlns:m="http://schemas.openxmlformats.org/officeDocument/2006/math">
-                      <m:sSub>
-                        <m:sSubPr>
-                          <m:ctrlPr>
-                            <a:rPr lang="tr-TR" i="1">
-                              <a:latin typeface="Cambria Math" panose="02040503050406030204" pitchFamily="18" charset="0"/>
-                            </a:rPr>
-                          </m:ctrlPr>
-                        </m:sSubPr>
-                        <m:e>
-                          <m:r>
-                            <a:rPr lang="en-US">
-                              <a:latin typeface="Cambria Math" panose="02040503050406030204" pitchFamily="18" charset="0"/>
-                            </a:rPr>
-                            <m:t>𝑅</m:t>
-                          </m:r>
-                        </m:e>
-                        <m:sub>
-                          <m:r>
-                            <a:rPr lang="en-US">
-                              <a:latin typeface="Cambria Math" panose="02040503050406030204" pitchFamily="18" charset="0"/>
-                            </a:rPr>
-                            <m:t>𝑡h</m:t>
-                          </m:r>
-                          <m:r>
-                            <a:rPr lang="en-US">
-                              <a:latin typeface="Cambria Math" panose="02040503050406030204" pitchFamily="18" charset="0"/>
-                            </a:rPr>
-                            <m:t>−</m:t>
-                          </m:r>
-                          <m:r>
-                            <a:rPr lang="en-US">
-                              <a:latin typeface="Cambria Math" panose="02040503050406030204" pitchFamily="18" charset="0"/>
-                            </a:rPr>
-                            <m:t>𝑠𝑎</m:t>
-                          </m:r>
-                          <m:r>
-                            <a:rPr lang="en-US">
-                              <a:latin typeface="Cambria Math" panose="02040503050406030204" pitchFamily="18" charset="0"/>
-                            </a:rPr>
-                            <m:t>−</m:t>
-                          </m:r>
-                          <m:r>
-                            <a:rPr lang="en-US">
-                              <a:latin typeface="Cambria Math" panose="02040503050406030204" pitchFamily="18" charset="0"/>
-                            </a:rPr>
-                            <m:t>𝑚𝑖𝑛</m:t>
-                          </m:r>
-                        </m:sub>
-                      </m:sSub>
-                      <m:r>
-                        <a:rPr lang="en-US">
-                          <a:latin typeface="Cambria Math" panose="02040503050406030204" pitchFamily="18" charset="0"/>
-                        </a:rPr>
-                        <m:t>=</m:t>
-                      </m:r>
-                      <m:d>
-                        <m:dPr>
-                          <m:ctrlPr>
-                            <a:rPr lang="tr-TR" i="1">
-                              <a:latin typeface="Cambria Math" panose="02040503050406030204" pitchFamily="18" charset="0"/>
-                            </a:rPr>
-                          </m:ctrlPr>
-                        </m:dPr>
-                        <m:e>
-                          <m:sSub>
-                            <m:sSubPr>
-                              <m:ctrlPr>
-                                <a:rPr lang="tr-TR" i="1">
-                                  <a:latin typeface="Cambria Math" panose="02040503050406030204" pitchFamily="18" charset="0"/>
-                                </a:rPr>
-                              </m:ctrlPr>
-                            </m:sSubPr>
-                            <m:e>
-                              <m:r>
-                                <a:rPr lang="en-US">
-                                  <a:latin typeface="Cambria Math" panose="02040503050406030204" pitchFamily="18" charset="0"/>
-                                </a:rPr>
-                                <m:t>𝑇</m:t>
-                              </m:r>
-                            </m:e>
-                            <m:sub>
-                              <m:r>
-                                <a:rPr lang="en-US">
-                                  <a:latin typeface="Cambria Math" panose="02040503050406030204" pitchFamily="18" charset="0"/>
-                                </a:rPr>
-                                <m:t>𝑗𝑚𝑎𝑥</m:t>
-                              </m:r>
-                            </m:sub>
-                          </m:sSub>
-                          <m:r>
-                            <a:rPr lang="en-US">
-                              <a:latin typeface="Cambria Math" panose="02040503050406030204" pitchFamily="18" charset="0"/>
-                            </a:rPr>
-                            <m:t>−</m:t>
-                          </m:r>
-                          <m:sSub>
-                            <m:sSubPr>
-                              <m:ctrlPr>
-                                <a:rPr lang="tr-TR" i="1">
-                                  <a:latin typeface="Cambria Math" panose="02040503050406030204" pitchFamily="18" charset="0"/>
-                                </a:rPr>
-                              </m:ctrlPr>
-                            </m:sSubPr>
-                            <m:e>
-                              <m:r>
-                                <a:rPr lang="en-US">
-                                  <a:latin typeface="Cambria Math" panose="02040503050406030204" pitchFamily="18" charset="0"/>
-                                </a:rPr>
-                                <m:t>𝑇</m:t>
-                              </m:r>
-                            </m:e>
-                            <m:sub>
-                              <m:r>
-                                <a:rPr lang="en-US">
-                                  <a:latin typeface="Cambria Math" panose="02040503050406030204" pitchFamily="18" charset="0"/>
-                                </a:rPr>
-                                <m:t>𝑎𝑚𝑏</m:t>
-                              </m:r>
-                            </m:sub>
-                          </m:sSub>
-                        </m:e>
-                      </m:d>
-                      <m:r>
-                        <a:rPr lang="en-US">
-                          <a:latin typeface="Cambria Math" panose="02040503050406030204" pitchFamily="18" charset="0"/>
-                        </a:rPr>
-                        <m:t>/</m:t>
-                      </m:r>
-                      <m:d>
-                        <m:dPr>
-                          <m:ctrlPr>
-                            <a:rPr lang="tr-TR" i="1">
-                              <a:latin typeface="Cambria Math" panose="02040503050406030204" pitchFamily="18" charset="0"/>
-                            </a:rPr>
-                          </m:ctrlPr>
-                        </m:dPr>
-                        <m:e>
-                          <m:r>
-                            <a:rPr lang="en-US">
-                              <a:latin typeface="Cambria Math" panose="02040503050406030204" pitchFamily="18" charset="0"/>
-                            </a:rPr>
-                            <m:t>𝑛</m:t>
-                          </m:r>
-                          <m:sSub>
-                            <m:sSubPr>
-                              <m:ctrlPr>
-                                <a:rPr lang="tr-TR" i="1">
-                                  <a:latin typeface="Cambria Math" panose="02040503050406030204" pitchFamily="18" charset="0"/>
-                                </a:rPr>
-                              </m:ctrlPr>
-                            </m:sSubPr>
-                            <m:e>
-                              <m:r>
-                                <a:rPr lang="en-US">
-                                  <a:latin typeface="Cambria Math" panose="02040503050406030204" pitchFamily="18" charset="0"/>
-                                </a:rPr>
-                                <m:t>𝑃</m:t>
-                              </m:r>
-                            </m:e>
-                            <m:sub>
-                              <m:r>
-                                <a:rPr lang="en-US">
-                                  <a:latin typeface="Cambria Math" panose="02040503050406030204" pitchFamily="18" charset="0"/>
-                                </a:rPr>
-                                <m:t>𝑙𝑜𝑠𝑠</m:t>
-                              </m:r>
-                            </m:sub>
-                          </m:sSub>
-                        </m:e>
-                      </m:d>
-                      <m:r>
-                        <a:rPr lang="en-US">
-                          <a:latin typeface="Cambria Math" panose="02040503050406030204" pitchFamily="18" charset="0"/>
-                        </a:rPr>
-                        <m:t>−</m:t>
-                      </m:r>
-                      <m:sSub>
-                        <m:sSubPr>
-                          <m:ctrlPr>
-                            <a:rPr lang="tr-TR" i="1">
-                              <a:latin typeface="Cambria Math" panose="02040503050406030204" pitchFamily="18" charset="0"/>
-                            </a:rPr>
-                          </m:ctrlPr>
-                        </m:sSubPr>
-                        <m:e>
-                          <m:r>
-                            <a:rPr lang="en-US">
-                              <a:latin typeface="Cambria Math" panose="02040503050406030204" pitchFamily="18" charset="0"/>
-                            </a:rPr>
-                            <m:t>𝑅</m:t>
-                          </m:r>
-                        </m:e>
-                        <m:sub>
-                          <m:r>
-                            <a:rPr lang="en-US">
-                              <a:latin typeface="Cambria Math" panose="02040503050406030204" pitchFamily="18" charset="0"/>
-                            </a:rPr>
-                            <m:t>𝑡h</m:t>
-                          </m:r>
-                          <m:r>
-                            <a:rPr lang="en-US">
-                              <a:latin typeface="Cambria Math" panose="02040503050406030204" pitchFamily="18" charset="0"/>
-                            </a:rPr>
-                            <m:t>1</m:t>
-                          </m:r>
-                        </m:sub>
-                      </m:sSub>
-                      <m:r>
-                        <a:rPr lang="en-US">
-                          <a:latin typeface="Cambria Math" panose="02040503050406030204" pitchFamily="18" charset="0"/>
-                        </a:rPr>
-                        <m:t>/</m:t>
-                      </m:r>
-                      <m:r>
-                        <a:rPr lang="en-US">
-                          <a:latin typeface="Cambria Math" panose="02040503050406030204" pitchFamily="18" charset="0"/>
-                        </a:rPr>
-                        <m:t>𝑛</m:t>
-                      </m:r>
-                    </m:oMath>
-                  </m:oMathPara>
-                </a14:m>
-                <a:endParaRPr lang="tr-TR" sz="2000" dirty="0">
-                  <a:latin typeface="Times New Roman" panose="02020603050405020304" pitchFamily="18" charset="0"/>
-                  <a:ea typeface="Times New Roman" panose="02020603050405020304" pitchFamily="18" charset="0"/>
-                </a:endParaRPr>
-              </a:p>
-            </p:txBody>
-          </p:sp>
-        </mc:Choice>
-        <mc:Fallback>
-          <p:sp>
-            <p:nvSpPr>
-              <p:cNvPr id="9" name="Rectangle 8"/>
-              <p:cNvSpPr>
-                <a:spLocks noRot="1" noChangeAspect="1" noMove="1" noResize="1" noEditPoints="1" noAdjustHandles="1" noChangeArrowheads="1" noChangeShapeType="1" noTextEdit="1"/>
-              </p:cNvSpPr>
-              <p:nvPr/>
-            </p:nvSpPr>
-            <p:spPr>
-              <a:xfrm>
-                <a:off x="3802654" y="5316617"/>
-                <a:ext cx="5341345" cy="437043"/>
-              </a:xfrm>
-              <a:prstGeom prst="rect">
-                <a:avLst/>
-              </a:prstGeom>
-              <a:blipFill rotWithShape="0">
-                <a:blip r:embed="rId8"/>
-                <a:stretch>
-                  <a:fillRect b="-1389"/>
-                </a:stretch>
-              </a:blipFill>
-            </p:spPr>
-            <p:txBody>
-              <a:bodyPr/>
-              <a:lstStyle/>
-              <a:p>
-                <a:r>
-                  <a:rPr lang="en-US">
-                    <a:noFill/>
-                  </a:rPr>
-                  <a:t> </a:t>
-                </a:r>
-              </a:p>
-            </p:txBody>
-          </p:sp>
-        </mc:Fallback>
-      </mc:AlternateContent>
-      <mc:AlternateContent xmlns:mc="http://schemas.openxmlformats.org/markup-compatibility/2006">
-        <mc:Choice xmlns:a14="http://schemas.microsoft.com/office/drawing/2010/main" Requires="a14">
-          <p:sp>
-            <p:nvSpPr>
-              <p:cNvPr id="16" name="Rectangle 15"/>
-              <p:cNvSpPr/>
-              <p:nvPr/>
-            </p:nvSpPr>
-            <p:spPr>
-              <a:xfrm>
-                <a:off x="3828052" y="5753660"/>
-                <a:ext cx="5315947" cy="465448"/>
-              </a:xfrm>
-              <a:prstGeom prst="rect">
-                <a:avLst/>
-              </a:prstGeom>
-            </p:spPr>
-            <p:txBody>
-              <a:bodyPr wrap="square">
-                <a:spAutoFit/>
-              </a:bodyPr>
-              <a:lstStyle/>
-              <a:p>
-                <a14:m>
-                  <m:oMathPara xmlns:m="http://schemas.openxmlformats.org/officeDocument/2006/math">
-                    <m:oMathParaPr>
-                      <m:jc m:val="centerGroup"/>
-                    </m:oMathParaPr>
-                    <m:oMath xmlns:m="http://schemas.openxmlformats.org/officeDocument/2006/math">
-                      <m:sSub>
-                        <m:sSubPr>
-                          <m:ctrlPr>
-                            <a:rPr lang="en-US">
-                              <a:latin typeface="Cambria Math" panose="02040503050406030204" pitchFamily="18" charset="0"/>
-                            </a:rPr>
-                          </m:ctrlPr>
-                        </m:sSubPr>
-                        <m:e>
-                          <m:r>
-                            <a:rPr lang="en-US" i="1">
-                              <a:latin typeface="Cambria Math" panose="02040503050406030204" pitchFamily="18" charset="0"/>
-                            </a:rPr>
-                            <m:t>𝑅</m:t>
-                          </m:r>
-                        </m:e>
-                        <m:sub>
-                          <m:r>
-                            <a:rPr lang="en-US" i="1">
-                              <a:latin typeface="Cambria Math" panose="02040503050406030204" pitchFamily="18" charset="0"/>
-                            </a:rPr>
-                            <m:t>𝑡h</m:t>
-                          </m:r>
-                          <m:r>
-                            <a:rPr lang="en-US" i="0">
-                              <a:latin typeface="Cambria Math" panose="02040503050406030204" pitchFamily="18" charset="0"/>
-                            </a:rPr>
-                            <m:t>−</m:t>
-                          </m:r>
-                          <m:r>
-                            <a:rPr lang="en-US" i="1">
-                              <a:latin typeface="Cambria Math" panose="02040503050406030204" pitchFamily="18" charset="0"/>
-                            </a:rPr>
-                            <m:t>𝑠𝑎</m:t>
-                          </m:r>
-                        </m:sub>
-                      </m:sSub>
-                      <m:r>
-                        <a:rPr lang="en-US" i="0">
-                          <a:latin typeface="Cambria Math" panose="02040503050406030204" pitchFamily="18" charset="0"/>
-                        </a:rPr>
-                        <m:t>=</m:t>
-                      </m:r>
-                      <m:sSup>
-                        <m:sSupPr>
-                          <m:ctrlPr>
-                            <a:rPr lang="en-US" i="1">
-                              <a:latin typeface="Cambria Math" panose="02040503050406030204" pitchFamily="18" charset="0"/>
-                            </a:rPr>
-                          </m:ctrlPr>
-                        </m:sSupPr>
-                        <m:e>
-                          <m:d>
-                            <m:dPr>
-                              <m:begChr m:val="["/>
-                              <m:endChr m:val="]"/>
-                              <m:ctrlPr>
-                                <a:rPr lang="en-US" i="1">
-                                  <a:latin typeface="Cambria Math" panose="02040503050406030204" pitchFamily="18" charset="0"/>
-                                </a:rPr>
-                              </m:ctrlPr>
-                            </m:dPr>
-                            <m:e>
-                              <m:r>
-                                <a:rPr lang="en-US" i="1">
-                                  <a:latin typeface="Cambria Math" panose="02040503050406030204" pitchFamily="18" charset="0"/>
-                                </a:rPr>
-                                <m:t>h</m:t>
-                              </m:r>
-                              <m:r>
-                                <a:rPr lang="en-US" i="0">
-                                  <a:latin typeface="Cambria Math" panose="02040503050406030204" pitchFamily="18" charset="0"/>
-                                </a:rPr>
-                                <m:t> </m:t>
-                              </m:r>
-                              <m:d>
-                                <m:dPr>
-                                  <m:ctrlPr>
-                                    <a:rPr lang="en-US" i="1">
-                                      <a:latin typeface="Cambria Math" panose="02040503050406030204" pitchFamily="18" charset="0"/>
-                                    </a:rPr>
-                                  </m:ctrlPr>
-                                </m:dPr>
-                                <m:e>
-                                  <m:sSub>
-                                    <m:sSubPr>
-                                      <m:ctrlPr>
-                                        <a:rPr lang="en-US" i="1">
-                                          <a:latin typeface="Cambria Math" panose="02040503050406030204" pitchFamily="18" charset="0"/>
-                                        </a:rPr>
-                                      </m:ctrlPr>
-                                    </m:sSubPr>
-                                    <m:e>
-                                      <m:r>
-                                        <a:rPr lang="en-US" i="1">
-                                          <a:latin typeface="Cambria Math" panose="02040503050406030204" pitchFamily="18" charset="0"/>
-                                        </a:rPr>
-                                        <m:t>𝐴</m:t>
-                                      </m:r>
-                                    </m:e>
-                                    <m:sub>
-                                      <m:r>
-                                        <a:rPr lang="en-US" i="1">
-                                          <a:latin typeface="Cambria Math" panose="02040503050406030204" pitchFamily="18" charset="0"/>
-                                        </a:rPr>
-                                        <m:t>𝑏𝑎𝑠𝑒</m:t>
-                                      </m:r>
-                                    </m:sub>
-                                  </m:sSub>
-                                  <m:r>
-                                    <a:rPr lang="en-US" i="0">
-                                      <a:latin typeface="Cambria Math" panose="02040503050406030204" pitchFamily="18" charset="0"/>
-                                    </a:rPr>
-                                    <m:t>+</m:t>
-                                  </m:r>
-                                  <m:sSub>
-                                    <m:sSubPr>
-                                      <m:ctrlPr>
-                                        <a:rPr lang="en-US" i="1">
-                                          <a:latin typeface="Cambria Math" panose="02040503050406030204" pitchFamily="18" charset="0"/>
-                                        </a:rPr>
-                                      </m:ctrlPr>
-                                    </m:sSubPr>
-                                    <m:e>
-                                      <m:r>
-                                        <a:rPr lang="en-US" i="1">
-                                          <a:latin typeface="Cambria Math" panose="02040503050406030204" pitchFamily="18" charset="0"/>
-                                        </a:rPr>
-                                        <m:t>𝑁</m:t>
-                                      </m:r>
-                                    </m:e>
-                                    <m:sub>
-                                      <m:r>
-                                        <a:rPr lang="en-US" i="1">
-                                          <a:latin typeface="Cambria Math" panose="02040503050406030204" pitchFamily="18" charset="0"/>
-                                        </a:rPr>
-                                        <m:t>𝑓𝑖𝑛</m:t>
-                                      </m:r>
-                                    </m:sub>
-                                  </m:sSub>
-                                  <m:sSub>
-                                    <m:sSubPr>
-                                      <m:ctrlPr>
-                                        <a:rPr lang="en-US" i="1">
-                                          <a:latin typeface="Cambria Math" panose="02040503050406030204" pitchFamily="18" charset="0"/>
-                                        </a:rPr>
-                                      </m:ctrlPr>
-                                    </m:sSubPr>
-                                    <m:e>
-                                      <m:r>
-                                        <a:rPr lang="en-US" i="1">
-                                          <a:latin typeface="Cambria Math" panose="02040503050406030204" pitchFamily="18" charset="0"/>
-                                        </a:rPr>
-                                        <m:t>𝜂</m:t>
-                                      </m:r>
-                                    </m:e>
-                                    <m:sub>
-                                      <m:r>
-                                        <a:rPr lang="en-US" i="1">
-                                          <a:latin typeface="Cambria Math" panose="02040503050406030204" pitchFamily="18" charset="0"/>
-                                        </a:rPr>
-                                        <m:t>𝑓𝑖𝑛</m:t>
-                                      </m:r>
-                                    </m:sub>
-                                  </m:sSub>
-                                  <m:sSub>
-                                    <m:sSubPr>
-                                      <m:ctrlPr>
-                                        <a:rPr lang="en-US" i="1">
-                                          <a:latin typeface="Cambria Math" panose="02040503050406030204" pitchFamily="18" charset="0"/>
-                                        </a:rPr>
-                                      </m:ctrlPr>
-                                    </m:sSubPr>
-                                    <m:e>
-                                      <m:r>
-                                        <a:rPr lang="en-US" i="1">
-                                          <a:latin typeface="Cambria Math" panose="02040503050406030204" pitchFamily="18" charset="0"/>
-                                        </a:rPr>
-                                        <m:t>𝐴</m:t>
-                                      </m:r>
-                                    </m:e>
-                                    <m:sub>
-                                      <m:r>
-                                        <a:rPr lang="en-US" i="1">
-                                          <a:latin typeface="Cambria Math" panose="02040503050406030204" pitchFamily="18" charset="0"/>
-                                        </a:rPr>
-                                        <m:t>𝑓𝑖𝑛</m:t>
-                                      </m:r>
-                                    </m:sub>
-                                  </m:sSub>
-                                </m:e>
-                              </m:d>
-                            </m:e>
-                          </m:d>
-                        </m:e>
-                        <m:sup>
-                          <m:r>
-                            <a:rPr lang="en-US" i="0">
-                              <a:latin typeface="Cambria Math" panose="02040503050406030204" pitchFamily="18" charset="0"/>
-                            </a:rPr>
-                            <m:t>−1</m:t>
-                          </m:r>
-                        </m:sup>
-                      </m:sSup>
-                    </m:oMath>
-                  </m:oMathPara>
-                </a14:m>
-                <a:endParaRPr lang="en-US" dirty="0"/>
-              </a:p>
-            </p:txBody>
-          </p:sp>
-        </mc:Choice>
-        <mc:Fallback>
-          <p:sp>
-            <p:nvSpPr>
-              <p:cNvPr id="16" name="Rectangle 15"/>
-              <p:cNvSpPr>
-                <a:spLocks noRot="1" noChangeAspect="1" noMove="1" noResize="1" noEditPoints="1" noAdjustHandles="1" noChangeArrowheads="1" noChangeShapeType="1" noTextEdit="1"/>
-              </p:cNvSpPr>
-              <p:nvPr/>
-            </p:nvSpPr>
-            <p:spPr>
-              <a:xfrm>
-                <a:off x="3828052" y="5753660"/>
-                <a:ext cx="5315947" cy="465448"/>
-              </a:xfrm>
-              <a:prstGeom prst="rect">
-                <a:avLst/>
-              </a:prstGeom>
-              <a:blipFill rotWithShape="0">
-                <a:blip r:embed="rId9"/>
-                <a:stretch>
-                  <a:fillRect b="-9211"/>
-                </a:stretch>
-              </a:blipFill>
-            </p:spPr>
-            <p:txBody>
-              <a:bodyPr/>
-              <a:lstStyle/>
-              <a:p>
-                <a:r>
-                  <a:rPr lang="en-US">
-                    <a:noFill/>
-                  </a:rPr>
-                  <a:t> </a:t>
-                </a:r>
-              </a:p>
-            </p:txBody>
-          </p:sp>
-        </mc:Fallback>
-      </mc:AlternateContent>
+      <p:pic>
+        <p:nvPicPr>
+          <p:cNvPr id="21" name="Picture 20"/>
+          <p:cNvPicPr/>
+          <p:nvPr/>
+        </p:nvPicPr>
+        <p:blipFill rotWithShape="1">
+          <a:blip r:embed="rId8" cstate="print">
+            <a:extLst>
+              <a:ext uri="{28A0092B-C50C-407E-A947-70E740481C1C}">
+                <a14:useLocalDpi xmlns:a14="http://schemas.microsoft.com/office/drawing/2010/main" val="0"/>
+              </a:ext>
+            </a:extLst>
+          </a:blip>
+          <a:srcRect l="3326" r="7219"/>
+          <a:stretch/>
+        </p:blipFill>
+        <p:spPr bwMode="auto">
+          <a:xfrm>
+            <a:off x="4945042" y="4308749"/>
+            <a:ext cx="3756449" cy="2465639"/>
+          </a:xfrm>
+          <a:prstGeom prst="rect">
+            <a:avLst/>
+          </a:prstGeom>
+          <a:noFill/>
+          <a:ln>
+            <a:noFill/>
+          </a:ln>
+          <a:extLst>
+            <a:ext uri="{53640926-AAD7-44D8-BBD7-CCE9431645EC}">
+              <a14:shadowObscured xmlns:a14="http://schemas.microsoft.com/office/drawing/2010/main"/>
+            </a:ext>
+          </a:extLst>
+        </p:spPr>
+      </p:pic>
     </p:spTree>
     <p:extLst>
       <p:ext uri="{BB962C8B-B14F-4D97-AF65-F5344CB8AC3E}">
-        <p14:creationId xmlns:p14="http://schemas.microsoft.com/office/powerpoint/2010/main" val="4142938396"/>
+        <p14:creationId xmlns:p14="http://schemas.microsoft.com/office/powerpoint/2010/main" val="2000974033"/>
       </p:ext>
     </p:extLst>
   </p:cSld>
@@ -12029,14 +15063,217 @@
   <p:timing>
     <p:tnLst>
       <p:par>
-        <p:cTn id="1" dur="indefinite" restart="never" nodeType="tmRoot"/>
+        <p:cTn id="1" dur="indefinite" restart="never" nodeType="tmRoot">
+          <p:childTnLst>
+            <p:seq concurrent="1" nextAc="seek">
+              <p:cTn id="2" dur="indefinite" nodeType="mainSeq">
+                <p:childTnLst>
+                  <p:par>
+                    <p:cTn id="3" fill="hold">
+                      <p:stCondLst>
+                        <p:cond delay="indefinite"/>
+                      </p:stCondLst>
+                      <p:childTnLst>
+                        <p:par>
+                          <p:cTn id="4" fill="hold">
+                            <p:stCondLst>
+                              <p:cond delay="0"/>
+                            </p:stCondLst>
+                            <p:childTnLst>
+                              <p:par>
+                                <p:cTn id="5" presetID="1" presetClass="entr" presetSubtype="0" fill="hold" nodeType="clickEffect">
+                                  <p:stCondLst>
+                                    <p:cond delay="0"/>
+                                  </p:stCondLst>
+                                  <p:childTnLst>
+                                    <p:set>
+                                      <p:cBhvr>
+                                        <p:cTn id="6" dur="1" fill="hold">
+                                          <p:stCondLst>
+                                            <p:cond delay="0"/>
+                                          </p:stCondLst>
+                                        </p:cTn>
+                                        <p:tgtEl>
+                                          <p:spTgt spid="17"/>
+                                        </p:tgtEl>
+                                        <p:attrNameLst>
+                                          <p:attrName>style.visibility</p:attrName>
+                                        </p:attrNameLst>
+                                      </p:cBhvr>
+                                      <p:to>
+                                        <p:strVal val="visible"/>
+                                      </p:to>
+                                    </p:set>
+                                  </p:childTnLst>
+                                </p:cTn>
+                              </p:par>
+                            </p:childTnLst>
+                          </p:cTn>
+                        </p:par>
+                      </p:childTnLst>
+                    </p:cTn>
+                  </p:par>
+                  <p:par>
+                    <p:cTn id="7" fill="hold">
+                      <p:stCondLst>
+                        <p:cond delay="indefinite"/>
+                      </p:stCondLst>
+                      <p:childTnLst>
+                        <p:par>
+                          <p:cTn id="8" fill="hold">
+                            <p:stCondLst>
+                              <p:cond delay="0"/>
+                            </p:stCondLst>
+                            <p:childTnLst>
+                              <p:par>
+                                <p:cTn id="9" presetID="1" presetClass="entr" presetSubtype="0" fill="hold" nodeType="clickEffect">
+                                  <p:stCondLst>
+                                    <p:cond delay="0"/>
+                                  </p:stCondLst>
+                                  <p:childTnLst>
+                                    <p:set>
+                                      <p:cBhvr>
+                                        <p:cTn id="10" dur="1" fill="hold">
+                                          <p:stCondLst>
+                                            <p:cond delay="0"/>
+                                          </p:stCondLst>
+                                        </p:cTn>
+                                        <p:tgtEl>
+                                          <p:spTgt spid="19"/>
+                                        </p:tgtEl>
+                                        <p:attrNameLst>
+                                          <p:attrName>style.visibility</p:attrName>
+                                        </p:attrNameLst>
+                                      </p:cBhvr>
+                                      <p:to>
+                                        <p:strVal val="visible"/>
+                                      </p:to>
+                                    </p:set>
+                                  </p:childTnLst>
+                                </p:cTn>
+                              </p:par>
+                            </p:childTnLst>
+                          </p:cTn>
+                        </p:par>
+                      </p:childTnLst>
+                    </p:cTn>
+                  </p:par>
+                  <p:par>
+                    <p:cTn id="11" fill="hold">
+                      <p:stCondLst>
+                        <p:cond delay="indefinite"/>
+                      </p:stCondLst>
+                      <p:childTnLst>
+                        <p:par>
+                          <p:cTn id="12" fill="hold">
+                            <p:stCondLst>
+                              <p:cond delay="0"/>
+                            </p:stCondLst>
+                            <p:childTnLst>
+                              <p:par>
+                                <p:cTn id="13" presetID="1" presetClass="entr" presetSubtype="0" fill="hold" nodeType="clickEffect">
+                                  <p:stCondLst>
+                                    <p:cond delay="0"/>
+                                  </p:stCondLst>
+                                  <p:childTnLst>
+                                    <p:set>
+                                      <p:cBhvr>
+                                        <p:cTn id="14" dur="1" fill="hold">
+                                          <p:stCondLst>
+                                            <p:cond delay="0"/>
+                                          </p:stCondLst>
+                                        </p:cTn>
+                                        <p:tgtEl>
+                                          <p:spTgt spid="21"/>
+                                        </p:tgtEl>
+                                        <p:attrNameLst>
+                                          <p:attrName>style.visibility</p:attrName>
+                                        </p:attrNameLst>
+                                      </p:cBhvr>
+                                      <p:to>
+                                        <p:strVal val="visible"/>
+                                      </p:to>
+                                    </p:set>
+                                  </p:childTnLst>
+                                </p:cTn>
+                              </p:par>
+                            </p:childTnLst>
+                          </p:cTn>
+                        </p:par>
+                      </p:childTnLst>
+                    </p:cTn>
+                  </p:par>
+                  <p:par>
+                    <p:cTn id="15" fill="hold">
+                      <p:stCondLst>
+                        <p:cond delay="indefinite"/>
+                      </p:stCondLst>
+                      <p:childTnLst>
+                        <p:par>
+                          <p:cTn id="16" fill="hold">
+                            <p:stCondLst>
+                              <p:cond delay="0"/>
+                            </p:stCondLst>
+                            <p:childTnLst>
+                              <p:par>
+                                <p:cTn id="17" presetID="1" presetClass="entr" presetSubtype="0" fill="hold" nodeType="clickEffect">
+                                  <p:stCondLst>
+                                    <p:cond delay="0"/>
+                                  </p:stCondLst>
+                                  <p:childTnLst>
+                                    <p:set>
+                                      <p:cBhvr>
+                                        <p:cTn id="18" dur="1" fill="hold">
+                                          <p:stCondLst>
+                                            <p:cond delay="0"/>
+                                          </p:stCondLst>
+                                        </p:cTn>
+                                        <p:tgtEl>
+                                          <p:spTgt spid="20"/>
+                                        </p:tgtEl>
+                                        <p:attrNameLst>
+                                          <p:attrName>style.visibility</p:attrName>
+                                        </p:attrNameLst>
+                                      </p:cBhvr>
+                                      <p:to>
+                                        <p:strVal val="visible"/>
+                                      </p:to>
+                                    </p:set>
+                                  </p:childTnLst>
+                                </p:cTn>
+                              </p:par>
+                            </p:childTnLst>
+                          </p:cTn>
+                        </p:par>
+                      </p:childTnLst>
+                    </p:cTn>
+                  </p:par>
+                </p:childTnLst>
+              </p:cTn>
+              <p:prevCondLst>
+                <p:cond evt="onPrev" delay="0">
+                  <p:tgtEl>
+                    <p:sldTgt/>
+                  </p:tgtEl>
+                </p:cond>
+              </p:prevCondLst>
+              <p:nextCondLst>
+                <p:cond evt="onNext" delay="0">
+                  <p:tgtEl>
+                    <p:sldTgt/>
+                  </p:tgtEl>
+                </p:cond>
+              </p:nextCondLst>
+            </p:seq>
+          </p:childTnLst>
+        </p:cTn>
       </p:par>
     </p:tnLst>
   </p:timing>
 </p:sld>
 </file>
 
-<file path=ppt/slides/slide8.xml><?xml version="1.0" encoding="utf-8"?>
+<file path=ppt/slides/slide9.xml><?xml version="1.0" encoding="utf-8"?>
 <p:sld xmlns:a="http://schemas.openxmlformats.org/drawingml/2006/main" xmlns:r="http://schemas.openxmlformats.org/officeDocument/2006/relationships" xmlns:p="http://schemas.openxmlformats.org/presentationml/2006/main">
   <p:cSld>
     <p:spTree>
@@ -12242,7 +15479,7 @@
             <a:fld id="{B6F15528-21DE-4FAA-801E-634DDDAF4B2B}" type="slidenum">
               <a:rPr lang="en-US" smtClean="0"/>
               <a:pPr/>
-              <a:t>8</a:t>
+              <a:t>9</a:t>
             </a:fld>
             <a:endParaRPr lang="en-US" dirty="0"/>
           </a:p>
@@ -12440,572 +15677,6 @@
       </p:sp>
       <p:pic>
         <p:nvPicPr>
-          <p:cNvPr id="17" name="Picture 16"/>
-          <p:cNvPicPr/>
-          <p:nvPr/>
-        </p:nvPicPr>
-        <p:blipFill rotWithShape="1">
-          <a:blip r:embed="rId5" cstate="print">
-            <a:extLst>
-              <a:ext uri="{28A0092B-C50C-407E-A947-70E740481C1C}">
-                <a14:useLocalDpi xmlns:a14="http://schemas.microsoft.com/office/drawing/2010/main" val="0"/>
-              </a:ext>
-            </a:extLst>
-          </a:blip>
-          <a:srcRect l="951" r="8789"/>
-          <a:stretch/>
-        </p:blipFill>
-        <p:spPr bwMode="auto">
-          <a:xfrm>
-            <a:off x="1170215" y="1087575"/>
-            <a:ext cx="3610682" cy="3048000"/>
-          </a:xfrm>
-          <a:prstGeom prst="rect">
-            <a:avLst/>
-          </a:prstGeom>
-          <a:noFill/>
-          <a:ln>
-            <a:noFill/>
-          </a:ln>
-          <a:extLst>
-            <a:ext uri="{53640926-AAD7-44D8-BBD7-CCE9431645EC}">
-              <a14:shadowObscured xmlns:a14="http://schemas.microsoft.com/office/drawing/2010/main"/>
-            </a:ext>
-          </a:extLst>
-        </p:spPr>
-      </p:pic>
-      <p:pic>
-        <p:nvPicPr>
-          <p:cNvPr id="19" name="Picture 18"/>
-          <p:cNvPicPr/>
-          <p:nvPr/>
-        </p:nvPicPr>
-        <p:blipFill rotWithShape="1">
-          <a:blip r:embed="rId6" cstate="print">
-            <a:extLst>
-              <a:ext uri="{28A0092B-C50C-407E-A947-70E740481C1C}">
-                <a14:useLocalDpi xmlns:a14="http://schemas.microsoft.com/office/drawing/2010/main" val="0"/>
-              </a:ext>
-            </a:extLst>
-          </a:blip>
-          <a:srcRect l="694" r="6251"/>
-          <a:stretch/>
-        </p:blipFill>
-        <p:spPr bwMode="auto">
-          <a:xfrm>
-            <a:off x="4901070" y="1341575"/>
-            <a:ext cx="3886200" cy="2540000"/>
-          </a:xfrm>
-          <a:prstGeom prst="rect">
-            <a:avLst/>
-          </a:prstGeom>
-          <a:noFill/>
-          <a:ln>
-            <a:noFill/>
-          </a:ln>
-          <a:extLst>
-            <a:ext uri="{53640926-AAD7-44D8-BBD7-CCE9431645EC}">
-              <a14:shadowObscured xmlns:a14="http://schemas.microsoft.com/office/drawing/2010/main"/>
-            </a:ext>
-          </a:extLst>
-        </p:spPr>
-      </p:pic>
-      <p:pic>
-        <p:nvPicPr>
-          <p:cNvPr id="20" name="Picture 19"/>
-          <p:cNvPicPr/>
-          <p:nvPr/>
-        </p:nvPicPr>
-        <p:blipFill rotWithShape="1">
-          <a:blip r:embed="rId7" cstate="print">
-            <a:extLst>
-              <a:ext uri="{28A0092B-C50C-407E-A947-70E740481C1C}">
-                <a14:useLocalDpi xmlns:a14="http://schemas.microsoft.com/office/drawing/2010/main" val="0"/>
-              </a:ext>
-            </a:extLst>
-          </a:blip>
-          <a:srcRect l="1699" r="8564"/>
-          <a:stretch/>
-        </p:blipFill>
-        <p:spPr bwMode="auto">
-          <a:xfrm>
-            <a:off x="1157038" y="4308749"/>
-            <a:ext cx="3642909" cy="2549251"/>
-          </a:xfrm>
-          <a:prstGeom prst="rect">
-            <a:avLst/>
-          </a:prstGeom>
-          <a:noFill/>
-          <a:ln>
-            <a:noFill/>
-          </a:ln>
-          <a:extLst>
-            <a:ext uri="{53640926-AAD7-44D8-BBD7-CCE9431645EC}">
-              <a14:shadowObscured xmlns:a14="http://schemas.microsoft.com/office/drawing/2010/main"/>
-            </a:ext>
-          </a:extLst>
-        </p:spPr>
-      </p:pic>
-      <p:pic>
-        <p:nvPicPr>
-          <p:cNvPr id="21" name="Picture 20"/>
-          <p:cNvPicPr/>
-          <p:nvPr/>
-        </p:nvPicPr>
-        <p:blipFill rotWithShape="1">
-          <a:blip r:embed="rId8" cstate="print">
-            <a:extLst>
-              <a:ext uri="{28A0092B-C50C-407E-A947-70E740481C1C}">
-                <a14:useLocalDpi xmlns:a14="http://schemas.microsoft.com/office/drawing/2010/main" val="0"/>
-              </a:ext>
-            </a:extLst>
-          </a:blip>
-          <a:srcRect l="3326" r="7219"/>
-          <a:stretch/>
-        </p:blipFill>
-        <p:spPr bwMode="auto">
-          <a:xfrm>
-            <a:off x="4945042" y="4308749"/>
-            <a:ext cx="3756449" cy="2465639"/>
-          </a:xfrm>
-          <a:prstGeom prst="rect">
-            <a:avLst/>
-          </a:prstGeom>
-          <a:noFill/>
-          <a:ln>
-            <a:noFill/>
-          </a:ln>
-          <a:extLst>
-            <a:ext uri="{53640926-AAD7-44D8-BBD7-CCE9431645EC}">
-              <a14:shadowObscured xmlns:a14="http://schemas.microsoft.com/office/drawing/2010/main"/>
-            </a:ext>
-          </a:extLst>
-        </p:spPr>
-      </p:pic>
-    </p:spTree>
-    <p:extLst>
-      <p:ext uri="{BB962C8B-B14F-4D97-AF65-F5344CB8AC3E}">
-        <p14:creationId xmlns:p14="http://schemas.microsoft.com/office/powerpoint/2010/main" val="2000974033"/>
-      </p:ext>
-    </p:extLst>
-  </p:cSld>
-  <p:clrMapOvr>
-    <a:masterClrMapping/>
-  </p:clrMapOvr>
-  <p:timing>
-    <p:tnLst>
-      <p:par>
-        <p:cTn id="1" dur="indefinite" restart="never" nodeType="tmRoot"/>
-      </p:par>
-    </p:tnLst>
-  </p:timing>
-</p:sld>
-</file>
-
-<file path=ppt/slides/slide9.xml><?xml version="1.0" encoding="utf-8"?>
-<p:sld xmlns:a="http://schemas.openxmlformats.org/drawingml/2006/main" xmlns:r="http://schemas.openxmlformats.org/officeDocument/2006/relationships" xmlns:p="http://schemas.openxmlformats.org/presentationml/2006/main">
-  <p:cSld>
-    <p:spTree>
-      <p:nvGrpSpPr>
-        <p:cNvPr id="1" name=""/>
-        <p:cNvGrpSpPr/>
-        <p:nvPr/>
-      </p:nvGrpSpPr>
-      <p:grpSpPr>
-        <a:xfrm>
-          <a:off x="0" y="0"/>
-          <a:ext cx="0" cy="0"/>
-          <a:chOff x="0" y="0"/>
-          <a:chExt cx="0" cy="0"/>
-        </a:xfrm>
-      </p:grpSpPr>
-      <p:sp>
-        <p:nvSpPr>
-          <p:cNvPr id="10" name="Rectangle 9"/>
-          <p:cNvSpPr/>
-          <p:nvPr/>
-        </p:nvSpPr>
-        <p:spPr>
-          <a:xfrm>
-            <a:off x="0" y="12106"/>
-            <a:ext cx="1011942" cy="6854083"/>
-          </a:xfrm>
-          <a:prstGeom prst="rect">
-            <a:avLst/>
-          </a:prstGeom>
-          <a:gradFill flip="none" rotWithShape="1">
-            <a:gsLst>
-              <a:gs pos="50000">
-                <a:srgbClr val="D00000"/>
-              </a:gs>
-              <a:gs pos="0">
-                <a:srgbClr val="FF0000">
-                  <a:shade val="30000"/>
-                  <a:satMod val="115000"/>
-                </a:srgbClr>
-              </a:gs>
-              <a:gs pos="100000">
-                <a:schemeClr val="accent2">
-                  <a:lumMod val="60000"/>
-                  <a:lumOff val="40000"/>
-                </a:schemeClr>
-              </a:gs>
-            </a:gsLst>
-            <a:lin ang="5400000" scaled="1"/>
-            <a:tileRect/>
-          </a:gradFill>
-          <a:ln>
-            <a:noFill/>
-          </a:ln>
-        </p:spPr>
-        <p:style>
-          <a:lnRef idx="2">
-            <a:schemeClr val="accent1">
-              <a:shade val="50000"/>
-            </a:schemeClr>
-          </a:lnRef>
-          <a:fillRef idx="1">
-            <a:schemeClr val="accent1"/>
-          </a:fillRef>
-          <a:effectRef idx="0">
-            <a:schemeClr val="accent1"/>
-          </a:effectRef>
-          <a:fontRef idx="minor">
-            <a:schemeClr val="lt1"/>
-          </a:fontRef>
-        </p:style>
-        <p:txBody>
-          <a:bodyPr rtlCol="0" anchor="ctr"/>
-          <a:lstStyle/>
-          <a:p>
-            <a:pPr algn="ctr"/>
-            <a:endParaRPr lang="tr-TR"/>
-          </a:p>
-        </p:txBody>
-      </p:sp>
-      <p:cxnSp>
-        <p:nvCxnSpPr>
-          <p:cNvPr id="11" name="Straight Connector 10"/>
-          <p:cNvCxnSpPr/>
-          <p:nvPr/>
-        </p:nvCxnSpPr>
-        <p:spPr>
-          <a:xfrm>
-            <a:off x="1189918" y="838200"/>
-            <a:ext cx="7649282" cy="0"/>
-          </a:xfrm>
-          <a:prstGeom prst="line">
-            <a:avLst/>
-          </a:prstGeom>
-          <a:ln w="50800">
-            <a:solidFill>
-              <a:srgbClr val="F20000"/>
-            </a:solidFill>
-          </a:ln>
-        </p:spPr>
-        <p:style>
-          <a:lnRef idx="1">
-            <a:schemeClr val="accent1"/>
-          </a:lnRef>
-          <a:fillRef idx="0">
-            <a:schemeClr val="accent1"/>
-          </a:fillRef>
-          <a:effectRef idx="0">
-            <a:schemeClr val="accent1"/>
-          </a:effectRef>
-          <a:fontRef idx="minor">
-            <a:schemeClr val="tx1"/>
-          </a:fontRef>
-        </p:style>
-      </p:cxnSp>
-      <p:sp>
-        <p:nvSpPr>
-          <p:cNvPr id="13" name="TextBox 12"/>
-          <p:cNvSpPr txBox="1"/>
-          <p:nvPr/>
-        </p:nvSpPr>
-        <p:spPr>
-          <a:xfrm>
-            <a:off x="1386291" y="224135"/>
-            <a:ext cx="7315200" cy="553998"/>
-          </a:xfrm>
-          <a:prstGeom prst="rect">
-            <a:avLst/>
-          </a:prstGeom>
-          <a:noFill/>
-        </p:spPr>
-        <p:txBody>
-          <a:bodyPr wrap="square" rtlCol="0">
-            <a:spAutoFit/>
-          </a:bodyPr>
-          <a:lstStyle/>
-          <a:p>
-            <a:pPr algn="ctr"/>
-            <a:r>
-              <a:rPr lang="tr-TR" sz="3000" dirty="0" smtClean="0">
-                <a:latin typeface="Times New Roman" panose="02020603050405020304" pitchFamily="18" charset="0"/>
-                <a:cs typeface="Times New Roman" panose="02020603050405020304" pitchFamily="18" charset="0"/>
-              </a:rPr>
-              <a:t>System Evaluation</a:t>
-            </a:r>
-            <a:endParaRPr lang="en-US" sz="3000" dirty="0">
-              <a:latin typeface="Times New Roman" panose="02020603050405020304" pitchFamily="18" charset="0"/>
-              <a:cs typeface="Times New Roman" panose="02020603050405020304" pitchFamily="18" charset="0"/>
-            </a:endParaRPr>
-          </a:p>
-        </p:txBody>
-      </p:sp>
-      <p:cxnSp>
-        <p:nvCxnSpPr>
-          <p:cNvPr id="15" name="Straight Connector 14"/>
-          <p:cNvCxnSpPr/>
-          <p:nvPr/>
-        </p:nvCxnSpPr>
-        <p:spPr>
-          <a:xfrm>
-            <a:off x="1189918" y="914400"/>
-            <a:ext cx="7649282" cy="0"/>
-          </a:xfrm>
-          <a:prstGeom prst="line">
-            <a:avLst/>
-          </a:prstGeom>
-          <a:ln w="19050">
-            <a:solidFill>
-              <a:srgbClr val="F20000"/>
-            </a:solidFill>
-          </a:ln>
-        </p:spPr>
-        <p:style>
-          <a:lnRef idx="1">
-            <a:schemeClr val="accent1"/>
-          </a:lnRef>
-          <a:fillRef idx="0">
-            <a:schemeClr val="accent1"/>
-          </a:fillRef>
-          <a:effectRef idx="0">
-            <a:schemeClr val="accent1"/>
-          </a:effectRef>
-          <a:fontRef idx="minor">
-            <a:schemeClr val="tx1"/>
-          </a:fontRef>
-        </p:style>
-      </p:cxnSp>
-      <p:sp>
-        <p:nvSpPr>
-          <p:cNvPr id="2" name="Slide Number Placeholder 1"/>
-          <p:cNvSpPr>
-            <a:spLocks noGrp="1"/>
-          </p:cNvSpPr>
-          <p:nvPr>
-            <p:ph type="sldNum" sz="quarter" idx="12"/>
-          </p:nvPr>
-        </p:nvSpPr>
-        <p:spPr/>
-        <p:txBody>
-          <a:bodyPr/>
-          <a:lstStyle/>
-          <a:p>
-            <a:fld id="{B6F15528-21DE-4FAA-801E-634DDDAF4B2B}" type="slidenum">
-              <a:rPr lang="en-US" smtClean="0"/>
-              <a:pPr/>
-              <a:t>9</a:t>
-            </a:fld>
-            <a:endParaRPr lang="en-US" dirty="0"/>
-          </a:p>
-        </p:txBody>
-      </p:sp>
-      <p:pic>
-        <p:nvPicPr>
-          <p:cNvPr id="12" name="Picture 2" descr="C:\Users\Mesut\Desktop\aselsan sunum\aselsan sunum 10 ekim\aselsan sunum\cezmi bey\ODTU.png"/>
-          <p:cNvPicPr>
-            <a:picLocks noChangeAspect="1" noChangeArrowheads="1"/>
-          </p:cNvPicPr>
-          <p:nvPr/>
-        </p:nvPicPr>
-        <p:blipFill>
-          <a:blip r:embed="rId3" cstate="print">
-            <a:extLst>
-              <a:ext uri="{28A0092B-C50C-407E-A947-70E740481C1C}">
-                <a14:useLocalDpi xmlns:a14="http://schemas.microsoft.com/office/drawing/2010/main" val="0"/>
-              </a:ext>
-            </a:extLst>
-          </a:blip>
-          <a:srcRect/>
-          <a:stretch>
-            <a:fillRect/>
-          </a:stretch>
-        </p:blipFill>
-        <p:spPr bwMode="auto">
-          <a:xfrm>
-            <a:off x="116458" y="163788"/>
-            <a:ext cx="779026" cy="650016"/>
-          </a:xfrm>
-          <a:prstGeom prst="rect">
-            <a:avLst/>
-          </a:prstGeom>
-          <a:noFill/>
-          <a:extLst>
-            <a:ext uri="{909E8E84-426E-40DD-AFC4-6F175D3DCCD1}">
-              <a14:hiddenFill xmlns:a14="http://schemas.microsoft.com/office/drawing/2010/main">
-                <a:solidFill>
-                  <a:srgbClr val="FFFFFF"/>
-                </a:solidFill>
-              </a14:hiddenFill>
-            </a:ext>
-          </a:extLst>
-        </p:spPr>
-      </p:pic>
-      <p:pic>
-        <p:nvPicPr>
-          <p:cNvPr id="14" name="Picture 13"/>
-          <p:cNvPicPr>
-            <a:picLocks noChangeAspect="1"/>
-          </p:cNvPicPr>
-          <p:nvPr/>
-        </p:nvPicPr>
-        <p:blipFill rotWithShape="1">
-          <a:blip r:embed="rId4"/>
-          <a:srcRect t="1741" b="7727"/>
-          <a:stretch/>
-        </p:blipFill>
-        <p:spPr>
-          <a:xfrm rot="16200000">
-            <a:off x="-315548" y="5538698"/>
-            <a:ext cx="1643039" cy="1011942"/>
-          </a:xfrm>
-          <a:prstGeom prst="rect">
-            <a:avLst/>
-          </a:prstGeom>
-        </p:spPr>
-      </p:pic>
-      <p:sp>
-        <p:nvSpPr>
-          <p:cNvPr id="3" name="Rectangle 2"/>
-          <p:cNvSpPr>
-            <a:spLocks noChangeArrowheads="1"/>
-          </p:cNvSpPr>
-          <p:nvPr/>
-        </p:nvSpPr>
-        <p:spPr bwMode="auto">
-          <a:xfrm>
-            <a:off x="0" y="0"/>
-            <a:ext cx="9144000" cy="0"/>
-          </a:xfrm>
-          <a:prstGeom prst="rect">
-            <a:avLst/>
-          </a:prstGeom>
-          <a:noFill/>
-          <a:ln>
-            <a:noFill/>
-          </a:ln>
-          <a:effectLst/>
-          <a:extLst>
-            <a:ext uri="{909E8E84-426E-40DD-AFC4-6F175D3DCCD1}">
-              <a14:hiddenFill xmlns:a14="http://schemas.microsoft.com/office/drawing/2010/main">
-                <a:solidFill>
-                  <a:schemeClr val="accent1"/>
-                </a:solidFill>
-              </a14:hiddenFill>
-            </a:ext>
-            <a:ext uri="{91240B29-F687-4F45-9708-019B960494DF}">
-              <a14:hiddenLine xmlns:a14="http://schemas.microsoft.com/office/drawing/2010/main" w="9525">
-                <a:solidFill>
-                  <a:schemeClr val="tx1"/>
-                </a:solidFill>
-                <a:miter lim="800000"/>
-                <a:headEnd/>
-                <a:tailEnd/>
-              </a14:hiddenLine>
-            </a:ext>
-            <a:ext uri="{AF507438-7753-43E0-B8FC-AC1667EBCBE1}">
-              <a14:hiddenEffects xmlns:a14="http://schemas.microsoft.com/office/drawing/2010/main">
-                <a:effectLst>
-                  <a:outerShdw dist="35921" dir="2700000" algn="ctr" rotWithShape="0">
-                    <a:schemeClr val="bg2"/>
-                  </a:outerShdw>
-                </a:effectLst>
-              </a14:hiddenEffects>
-            </a:ext>
-          </a:extLst>
-        </p:spPr>
-        <p:txBody>
-          <a:bodyPr vert="horz" wrap="none" lIns="91440" tIns="45720" rIns="91440" bIns="45720" numCol="1" anchor="ctr" anchorCtr="0" compatLnSpc="1">
-            <a:prstTxWarp prst="textNoShape">
-              <a:avLst/>
-            </a:prstTxWarp>
-            <a:spAutoFit/>
-          </a:bodyPr>
-          <a:lstStyle/>
-          <a:p>
-            <a:endParaRPr lang="en-US"/>
-          </a:p>
-        </p:txBody>
-      </p:sp>
-      <p:sp>
-        <p:nvSpPr>
-          <p:cNvPr id="7" name="Rectangle 4"/>
-          <p:cNvSpPr>
-            <a:spLocks noChangeArrowheads="1"/>
-          </p:cNvSpPr>
-          <p:nvPr/>
-        </p:nvSpPr>
-        <p:spPr bwMode="auto">
-          <a:xfrm>
-            <a:off x="0" y="0"/>
-            <a:ext cx="9144000" cy="0"/>
-          </a:xfrm>
-          <a:prstGeom prst="rect">
-            <a:avLst/>
-          </a:prstGeom>
-          <a:noFill/>
-          <a:ln>
-            <a:noFill/>
-          </a:ln>
-          <a:effectLst/>
-          <a:extLst>
-            <a:ext uri="{909E8E84-426E-40DD-AFC4-6F175D3DCCD1}">
-              <a14:hiddenFill xmlns:a14="http://schemas.microsoft.com/office/drawing/2010/main">
-                <a:solidFill>
-                  <a:schemeClr val="accent1"/>
-                </a:solidFill>
-              </a14:hiddenFill>
-            </a:ext>
-            <a:ext uri="{91240B29-F687-4F45-9708-019B960494DF}">
-              <a14:hiddenLine xmlns:a14="http://schemas.microsoft.com/office/drawing/2010/main" w="9525">
-                <a:solidFill>
-                  <a:schemeClr val="tx1"/>
-                </a:solidFill>
-                <a:miter lim="800000"/>
-                <a:headEnd/>
-                <a:tailEnd/>
-              </a14:hiddenLine>
-            </a:ext>
-            <a:ext uri="{AF507438-7753-43E0-B8FC-AC1667EBCBE1}">
-              <a14:hiddenEffects xmlns:a14="http://schemas.microsoft.com/office/drawing/2010/main">
-                <a:effectLst>
-                  <a:outerShdw dist="35921" dir="2700000" algn="ctr" rotWithShape="0">
-                    <a:schemeClr val="bg2"/>
-                  </a:outerShdw>
-                </a:effectLst>
-              </a14:hiddenEffects>
-            </a:ext>
-          </a:extLst>
-        </p:spPr>
-        <p:txBody>
-          <a:bodyPr vert="horz" wrap="none" lIns="91440" tIns="45720" rIns="91440" bIns="45720" numCol="1" anchor="ctr" anchorCtr="0" compatLnSpc="1">
-            <a:prstTxWarp prst="textNoShape">
-              <a:avLst/>
-            </a:prstTxWarp>
-            <a:spAutoFit/>
-          </a:bodyPr>
-          <a:lstStyle/>
-          <a:p>
-            <a:endParaRPr lang="en-US"/>
-          </a:p>
-        </p:txBody>
-      </p:sp>
-      <p:pic>
-        <p:nvPicPr>
           <p:cNvPr id="16" name="Picture 15"/>
           <p:cNvPicPr/>
           <p:nvPr/>
@@ -13059,8 +15730,8 @@
         </p:blipFill>
         <p:spPr bwMode="auto">
           <a:xfrm>
-            <a:off x="5139424" y="1234837"/>
-            <a:ext cx="3936824" cy="2635723"/>
+            <a:off x="5139424" y="1046163"/>
+            <a:ext cx="3936824" cy="2824398"/>
           </a:xfrm>
           <a:prstGeom prst="rect">
             <a:avLst/>
@@ -13096,7 +15767,7 @@
         <p:spPr bwMode="auto">
           <a:xfrm>
             <a:off x="1189918" y="4090987"/>
-            <a:ext cx="3949506" cy="2630488"/>
+            <a:ext cx="3839282" cy="2630488"/>
           </a:xfrm>
           <a:prstGeom prst="rect">
             <a:avLst/>
@@ -13131,7 +15802,7 @@
         </p:blipFill>
         <p:spPr bwMode="auto">
           <a:xfrm>
-            <a:off x="5317398" y="4190996"/>
+            <a:off x="5207175" y="4090987"/>
             <a:ext cx="3758849" cy="2667004"/>
           </a:xfrm>
           <a:prstGeom prst="rect">
@@ -13161,7 +15832,210 @@
   <p:timing>
     <p:tnLst>
       <p:par>
-        <p:cTn id="1" dur="indefinite" restart="never" nodeType="tmRoot"/>
+        <p:cTn id="1" dur="indefinite" restart="never" nodeType="tmRoot">
+          <p:childTnLst>
+            <p:seq concurrent="1" nextAc="seek">
+              <p:cTn id="2" dur="indefinite" nodeType="mainSeq">
+                <p:childTnLst>
+                  <p:par>
+                    <p:cTn id="3" fill="hold">
+                      <p:stCondLst>
+                        <p:cond delay="indefinite"/>
+                      </p:stCondLst>
+                      <p:childTnLst>
+                        <p:par>
+                          <p:cTn id="4" fill="hold">
+                            <p:stCondLst>
+                              <p:cond delay="0"/>
+                            </p:stCondLst>
+                            <p:childTnLst>
+                              <p:par>
+                                <p:cTn id="5" presetID="1" presetClass="entr" presetSubtype="0" fill="hold" nodeType="clickEffect">
+                                  <p:stCondLst>
+                                    <p:cond delay="0"/>
+                                  </p:stCondLst>
+                                  <p:childTnLst>
+                                    <p:set>
+                                      <p:cBhvr>
+                                        <p:cTn id="6" dur="1" fill="hold">
+                                          <p:stCondLst>
+                                            <p:cond delay="0"/>
+                                          </p:stCondLst>
+                                        </p:cTn>
+                                        <p:tgtEl>
+                                          <p:spTgt spid="16"/>
+                                        </p:tgtEl>
+                                        <p:attrNameLst>
+                                          <p:attrName>style.visibility</p:attrName>
+                                        </p:attrNameLst>
+                                      </p:cBhvr>
+                                      <p:to>
+                                        <p:strVal val="visible"/>
+                                      </p:to>
+                                    </p:set>
+                                  </p:childTnLst>
+                                </p:cTn>
+                              </p:par>
+                            </p:childTnLst>
+                          </p:cTn>
+                        </p:par>
+                      </p:childTnLst>
+                    </p:cTn>
+                  </p:par>
+                  <p:par>
+                    <p:cTn id="7" fill="hold">
+                      <p:stCondLst>
+                        <p:cond delay="indefinite"/>
+                      </p:stCondLst>
+                      <p:childTnLst>
+                        <p:par>
+                          <p:cTn id="8" fill="hold">
+                            <p:stCondLst>
+                              <p:cond delay="0"/>
+                            </p:stCondLst>
+                            <p:childTnLst>
+                              <p:par>
+                                <p:cTn id="9" presetID="1" presetClass="entr" presetSubtype="0" fill="hold" nodeType="clickEffect">
+                                  <p:stCondLst>
+                                    <p:cond delay="0"/>
+                                  </p:stCondLst>
+                                  <p:childTnLst>
+                                    <p:set>
+                                      <p:cBhvr>
+                                        <p:cTn id="10" dur="1" fill="hold">
+                                          <p:stCondLst>
+                                            <p:cond delay="0"/>
+                                          </p:stCondLst>
+                                        </p:cTn>
+                                        <p:tgtEl>
+                                          <p:spTgt spid="18"/>
+                                        </p:tgtEl>
+                                        <p:attrNameLst>
+                                          <p:attrName>style.visibility</p:attrName>
+                                        </p:attrNameLst>
+                                      </p:cBhvr>
+                                      <p:to>
+                                        <p:strVal val="visible"/>
+                                      </p:to>
+                                    </p:set>
+                                  </p:childTnLst>
+                                </p:cTn>
+                              </p:par>
+                            </p:childTnLst>
+                          </p:cTn>
+                        </p:par>
+                      </p:childTnLst>
+                    </p:cTn>
+                  </p:par>
+                  <p:par>
+                    <p:cTn id="11" fill="hold">
+                      <p:stCondLst>
+                        <p:cond delay="indefinite"/>
+                      </p:stCondLst>
+                      <p:childTnLst>
+                        <p:par>
+                          <p:cTn id="12" fill="hold">
+                            <p:stCondLst>
+                              <p:cond delay="0"/>
+                            </p:stCondLst>
+                            <p:childTnLst>
+                              <p:par>
+                                <p:cTn id="13" presetID="1" presetClass="entr" presetSubtype="0" fill="hold" nodeType="clickEffect">
+                                  <p:stCondLst>
+                                    <p:cond delay="0"/>
+                                  </p:stCondLst>
+                                  <p:childTnLst>
+                                    <p:set>
+                                      <p:cBhvr>
+                                        <p:cTn id="14" dur="1" fill="hold">
+                                          <p:stCondLst>
+                                            <p:cond delay="0"/>
+                                          </p:stCondLst>
+                                        </p:cTn>
+                                        <p:tgtEl>
+                                          <p:spTgt spid="22"/>
+                                        </p:tgtEl>
+                                        <p:attrNameLst>
+                                          <p:attrName>style.visibility</p:attrName>
+                                        </p:attrNameLst>
+                                      </p:cBhvr>
+                                      <p:to>
+                                        <p:strVal val="visible"/>
+                                      </p:to>
+                                    </p:set>
+                                  </p:childTnLst>
+                                </p:cTn>
+                              </p:par>
+                            </p:childTnLst>
+                          </p:cTn>
+                        </p:par>
+                      </p:childTnLst>
+                    </p:cTn>
+                  </p:par>
+                  <p:par>
+                    <p:cTn id="15" fill="hold">
+                      <p:stCondLst>
+                        <p:cond delay="indefinite"/>
+                      </p:stCondLst>
+                      <p:childTnLst>
+                        <p:par>
+                          <p:cTn id="16" fill="hold">
+                            <p:stCondLst>
+                              <p:cond delay="0"/>
+                            </p:stCondLst>
+                            <p:childTnLst>
+                              <p:par>
+                                <p:cTn id="17" presetID="1" presetClass="entr" presetSubtype="0" fill="hold" nodeType="clickEffect">
+                                  <p:stCondLst>
+                                    <p:cond delay="0"/>
+                                  </p:stCondLst>
+                                  <p:childTnLst>
+                                    <p:set>
+                                      <p:cBhvr>
+                                        <p:cTn id="18" dur="1" fill="hold">
+                                          <p:stCondLst>
+                                            <p:cond delay="0"/>
+                                          </p:stCondLst>
+                                        </p:cTn>
+                                        <p:tgtEl>
+                                          <p:spTgt spid="23"/>
+                                        </p:tgtEl>
+                                        <p:attrNameLst>
+                                          <p:attrName>style.visibility</p:attrName>
+                                        </p:attrNameLst>
+                                      </p:cBhvr>
+                                      <p:to>
+                                        <p:strVal val="visible"/>
+                                      </p:to>
+                                    </p:set>
+                                  </p:childTnLst>
+                                </p:cTn>
+                              </p:par>
+                            </p:childTnLst>
+                          </p:cTn>
+                        </p:par>
+                      </p:childTnLst>
+                    </p:cTn>
+                  </p:par>
+                </p:childTnLst>
+              </p:cTn>
+              <p:prevCondLst>
+                <p:cond evt="onPrev" delay="0">
+                  <p:tgtEl>
+                    <p:sldTgt/>
+                  </p:tgtEl>
+                </p:cond>
+              </p:prevCondLst>
+              <p:nextCondLst>
+                <p:cond evt="onNext" delay="0">
+                  <p:tgtEl>
+                    <p:sldTgt/>
+                  </p:tgtEl>
+                </p:cond>
+              </p:nextCondLst>
+            </p:seq>
+          </p:childTnLst>
+        </p:cTn>
       </p:par>
     </p:tnLst>
   </p:timing>

--- a/Paper/PEMD 2018/Presentation/PEMD2018_OralPres_Mesut_Uğur.pptx
+++ b/Paper/PEMD 2018/Presentation/PEMD2018_OralPres_Mesut_Uğur.pptx
@@ -12774,7 +12774,7 @@
           <a:graphicData uri="http://schemas.openxmlformats.org/presentationml/2006/ole">
             <mc:AlternateContent xmlns:mc="http://schemas.openxmlformats.org/markup-compatibility/2006">
               <mc:Choice xmlns:v="urn:schemas-microsoft-com:vml" Requires="v">
-                <p:oleObj spid="_x0000_s1036" name="Visio" r:id="rId6" imgW="3457411" imgH="4505258" progId="Visio.Drawing.15">
+                <p:oleObj spid="_x0000_s1037" name="Visio" r:id="rId6" imgW="3457411" imgH="4505258" progId="Visio.Drawing.15">
                   <p:embed/>
                 </p:oleObj>
               </mc:Choice>
@@ -13532,7 +13532,7 @@
           <a:graphicData uri="http://schemas.openxmlformats.org/presentationml/2006/ole">
             <mc:AlternateContent xmlns:mc="http://schemas.openxmlformats.org/markup-compatibility/2006">
               <mc:Choice xmlns:v="urn:schemas-microsoft-com:vml" Requires="v">
-                <p:oleObj spid="_x0000_s2056" name="Visio" r:id="rId6" imgW="2486025" imgH="1866900" progId="Visio.Drawing.15">
+                <p:oleObj spid="_x0000_s2057" name="Visio" r:id="rId6" imgW="2486025" imgH="1866900" progId="Visio.Drawing.15">
                   <p:embed/>
                 </p:oleObj>
               </mc:Choice>

--- a/Paper/PEMD 2018/Presentation/PEMD2018_OralPres_Mesut_Uğur.pptx
+++ b/Paper/PEMD 2018/Presentation/PEMD2018_OralPres_Mesut_Uğur.pptx
@@ -222,7 +222,7 @@
           <a:p>
             <a:fld id="{D1C008C1-D970-43BD-9678-58985B84B3B0}" type="datetimeFigureOut">
               <a:rPr lang="tr-TR" smtClean="0"/>
-              <a:t>25.03.2018</a:t>
+              <a:t>26.03.2018</a:t>
             </a:fld>
             <a:endParaRPr lang="tr-TR"/>
           </a:p>
@@ -1847,7 +1847,7 @@
           <a:p>
             <a:fld id="{D275723C-A363-4114-BE18-3E9589C2B9C2}" type="datetime1">
               <a:rPr lang="en-US" smtClean="0"/>
-              <a:t>3/25/2018</a:t>
+              <a:t>3/26/2018</a:t>
             </a:fld>
             <a:endParaRPr lang="en-US" dirty="0"/>
           </a:p>
@@ -2018,7 +2018,7 @@
           <a:p>
             <a:fld id="{C5592633-93A2-4DB7-B3D8-5F6714E7EFEC}" type="datetime1">
               <a:rPr lang="en-US" smtClean="0"/>
-              <a:t>3/25/2018</a:t>
+              <a:t>3/26/2018</a:t>
             </a:fld>
             <a:endParaRPr lang="en-US" dirty="0"/>
           </a:p>
@@ -2199,7 +2199,7 @@
           <a:p>
             <a:fld id="{6F760D8D-AE05-4AF5-8666-75C48EA7B609}" type="datetime1">
               <a:rPr lang="en-US" smtClean="0"/>
-              <a:t>3/25/2018</a:t>
+              <a:t>3/26/2018</a:t>
             </a:fld>
             <a:endParaRPr lang="en-US" dirty="0"/>
           </a:p>
@@ -2370,7 +2370,7 @@
           <a:p>
             <a:fld id="{6D87B8C0-62AE-47C8-A8EF-FC863B0F06E5}" type="datetime1">
               <a:rPr lang="en-US" smtClean="0"/>
-              <a:t>3/25/2018</a:t>
+              <a:t>3/26/2018</a:t>
             </a:fld>
             <a:endParaRPr lang="en-US" dirty="0"/>
           </a:p>
@@ -2617,7 +2617,7 @@
           <a:p>
             <a:fld id="{A76C8472-C309-40FA-8240-FF6234B7F0D0}" type="datetime1">
               <a:rPr lang="en-US" smtClean="0"/>
-              <a:t>3/25/2018</a:t>
+              <a:t>3/26/2018</a:t>
             </a:fld>
             <a:endParaRPr lang="en-US" dirty="0"/>
           </a:p>
@@ -2906,7 +2906,7 @@
           <a:p>
             <a:fld id="{33196F6B-6F2E-418E-A1A6-2F06576F6EF7}" type="datetime1">
               <a:rPr lang="en-US" smtClean="0"/>
-              <a:t>3/25/2018</a:t>
+              <a:t>3/26/2018</a:t>
             </a:fld>
             <a:endParaRPr lang="en-US" dirty="0"/>
           </a:p>
@@ -3329,7 +3329,7 @@
           <a:p>
             <a:fld id="{D09CD6EC-2E00-46F1-9BD2-E1865A200410}" type="datetime1">
               <a:rPr lang="en-US" smtClean="0"/>
-              <a:t>3/25/2018</a:t>
+              <a:t>3/26/2018</a:t>
             </a:fld>
             <a:endParaRPr lang="en-US" dirty="0"/>
           </a:p>
@@ -3448,7 +3448,7 @@
           <a:p>
             <a:fld id="{C40B9E5A-6330-4749-ACDB-FB892FCFE6A5}" type="datetime1">
               <a:rPr lang="en-US" smtClean="0"/>
-              <a:t>3/25/2018</a:t>
+              <a:t>3/26/2018</a:t>
             </a:fld>
             <a:endParaRPr lang="en-US" dirty="0"/>
           </a:p>
@@ -3544,7 +3544,7 @@
           <a:p>
             <a:fld id="{1C181CB3-A768-4AD8-A97F-12E47CC1200D}" type="datetime1">
               <a:rPr lang="en-US" smtClean="0"/>
-              <a:t>3/25/2018</a:t>
+              <a:t>3/26/2018</a:t>
             </a:fld>
             <a:endParaRPr lang="en-US" dirty="0"/>
           </a:p>
@@ -3822,7 +3822,7 @@
           <a:p>
             <a:fld id="{AF3D8106-484C-46C6-8BE9-348BFA7F2DCB}" type="datetime1">
               <a:rPr lang="en-US" smtClean="0"/>
-              <a:t>3/25/2018</a:t>
+              <a:t>3/26/2018</a:t>
             </a:fld>
             <a:endParaRPr lang="en-US" dirty="0"/>
           </a:p>
@@ -4076,7 +4076,7 @@
           <a:p>
             <a:fld id="{F2A57B0D-110E-4AAD-9411-DA6CB39E8776}" type="datetime1">
               <a:rPr lang="en-US" smtClean="0"/>
-              <a:t>3/25/2018</a:t>
+              <a:t>3/26/2018</a:t>
             </a:fld>
             <a:endParaRPr lang="en-US" dirty="0"/>
           </a:p>
@@ -4309,7 +4309,7 @@
           <a:p>
             <a:fld id="{FB4B5B0E-55D6-4DAA-879D-58BBFFC7379B}" type="datetime1">
               <a:rPr lang="en-US" smtClean="0"/>
-              <a:t>3/25/2018</a:t>
+              <a:t>3/26/2018</a:t>
             </a:fld>
             <a:endParaRPr lang="en-US" dirty="0"/>
           </a:p>
@@ -4819,18 +4819,47 @@
                 <a:latin typeface="Times New Roman" panose="02020603050405020304" pitchFamily="18" charset="0"/>
                 <a:cs typeface="Times New Roman" panose="02020603050405020304" pitchFamily="18" charset="0"/>
               </a:rPr>
-              <a:t>Department of Electrical and Electronics Engineering</a:t>
-            </a:r>
-          </a:p>
-          <a:p>
-            <a:pPr algn="ctr"/>
+              <a:t>Middle </a:t>
+            </a:r>
             <a:r>
               <a:rPr lang="en-US" sz="2000" i="1" dirty="0" smtClean="0">
                 <a:latin typeface="Times New Roman" panose="02020603050405020304" pitchFamily="18" charset="0"/>
                 <a:cs typeface="Times New Roman" panose="02020603050405020304" pitchFamily="18" charset="0"/>
               </a:rPr>
-              <a:t>Middle East Technical University</a:t>
-            </a:r>
+              <a:t>East Technical </a:t>
+            </a:r>
+            <a:r>
+              <a:rPr lang="en-US" sz="2000" i="1" dirty="0" smtClean="0">
+                <a:latin typeface="Times New Roman" panose="02020603050405020304" pitchFamily="18" charset="0"/>
+                <a:cs typeface="Times New Roman" panose="02020603050405020304" pitchFamily="18" charset="0"/>
+              </a:rPr>
+              <a:t>University</a:t>
+            </a:r>
+            <a:endParaRPr lang="tr-TR" sz="2000" i="1" dirty="0" smtClean="0">
+              <a:latin typeface="Times New Roman" panose="02020603050405020304" pitchFamily="18" charset="0"/>
+              <a:cs typeface="Times New Roman" panose="02020603050405020304" pitchFamily="18" charset="0"/>
+            </a:endParaRPr>
+          </a:p>
+          <a:p>
+            <a:pPr algn="ctr"/>
+            <a:r>
+              <a:rPr lang="tr-TR" sz="2000" i="1" dirty="0" smtClean="0">
+                <a:latin typeface="Times New Roman" panose="02020603050405020304" pitchFamily="18" charset="0"/>
+                <a:cs typeface="Times New Roman" panose="02020603050405020304" pitchFamily="18" charset="0"/>
+              </a:rPr>
+              <a:t>Ankara, </a:t>
+            </a:r>
+            <a:r>
+              <a:rPr lang="tr-TR" sz="2000" i="1" dirty="0" err="1" smtClean="0">
+                <a:latin typeface="Times New Roman" panose="02020603050405020304" pitchFamily="18" charset="0"/>
+                <a:cs typeface="Times New Roman" panose="02020603050405020304" pitchFamily="18" charset="0"/>
+              </a:rPr>
+              <a:t>Turkey</a:t>
+            </a:r>
+            <a:endParaRPr lang="en-US" sz="2000" i="1" dirty="0" smtClean="0">
+              <a:latin typeface="Times New Roman" panose="02020603050405020304" pitchFamily="18" charset="0"/>
+              <a:cs typeface="Times New Roman" panose="02020603050405020304" pitchFamily="18" charset="0"/>
+            </a:endParaRPr>
           </a:p>
         </p:txBody>
       </p:sp>
@@ -7782,7 +7811,7 @@
           <a:graphicData uri="http://schemas.openxmlformats.org/presentationml/2006/ole">
             <mc:AlternateContent xmlns:mc="http://schemas.openxmlformats.org/markup-compatibility/2006">
               <mc:Choice xmlns:v="urn:schemas-microsoft-com:vml" Requires="v">
-                <p:oleObj spid="_x0000_s5125" name="Visio" r:id="rId6" imgW="2485904" imgH="1866757" progId="Visio.Drawing.15">
+                <p:oleObj spid="_x0000_s5128" name="Visio" r:id="rId6" imgW="2485904" imgH="1866757" progId="Visio.Drawing.15">
                   <p:embed/>
                 </p:oleObj>
               </mc:Choice>
@@ -8296,15 +8325,7 @@
                 <a:ea typeface="Times New Roman" panose="02020603050405020304" pitchFamily="18" charset="0"/>
                 <a:cs typeface="Helvetica" panose="020B0604020202020204" pitchFamily="34" charset="0"/>
               </a:rPr>
-              <a:t>: 0.71 </a:t>
-            </a:r>
-            <a:r>
-              <a:rPr lang="tr-TR" dirty="0" smtClean="0">
-                <a:latin typeface="Hevletica"/>
-                <a:ea typeface="Times New Roman" panose="02020603050405020304" pitchFamily="18" charset="0"/>
-                <a:cs typeface="Helvetica" panose="020B0604020202020204" pitchFamily="34" charset="0"/>
-              </a:rPr>
-              <a:t>kW/</a:t>
+              <a:t>: 0.71 kW/</a:t>
             </a:r>
             <a:r>
               <a:rPr lang="tr-TR" dirty="0" err="1" smtClean="0">
@@ -9225,11 +9246,6 @@
               </a:rPr>
               <a:t>a</a:t>
             </a:r>
-            <a:endParaRPr lang="tr-TR" dirty="0" smtClean="0">
-              <a:latin typeface="Hevletica"/>
-              <a:ea typeface="Times New Roman" panose="02020603050405020304" pitchFamily="18" charset="0"/>
-              <a:cs typeface="Helvetica" panose="020B0604020202020204" pitchFamily="34" charset="0"/>
-            </a:endParaRPr>
           </a:p>
           <a:p>
             <a:pPr marL="285750" indent="-285750" algn="just">
@@ -9261,11 +9277,6 @@
               </a:rPr>
               <a:t>b</a:t>
             </a:r>
-            <a:endParaRPr lang="tr-TR" dirty="0" smtClean="0">
-              <a:latin typeface="Hevletica"/>
-              <a:ea typeface="Times New Roman" panose="02020603050405020304" pitchFamily="18" charset="0"/>
-              <a:cs typeface="Helvetica" panose="020B0604020202020204" pitchFamily="34" charset="0"/>
-            </a:endParaRPr>
           </a:p>
           <a:p>
             <a:pPr marL="285750" indent="-285750" algn="just">
@@ -9289,14 +9300,6 @@
               <a:buFont typeface="Wingdings" panose="05000000000000000000" pitchFamily="2" charset="2"/>
               <a:buChar char="ü"/>
             </a:pPr>
-            <a:r>
-              <a:rPr lang="tr-TR" dirty="0" smtClean="0">
-                <a:latin typeface="Hevletica"/>
-                <a:ea typeface="Times New Roman" panose="02020603050405020304" pitchFamily="18" charset="0"/>
-                <a:cs typeface="Helvetica" panose="020B0604020202020204" pitchFamily="34" charset="0"/>
-              </a:rPr>
-              <a:t>c</a:t>
-            </a:r>
             <a:endParaRPr lang="tr-TR" dirty="0" smtClean="0">
               <a:latin typeface="Hevletica"/>
               <a:ea typeface="Times New Roman" panose="02020603050405020304" pitchFamily="18" charset="0"/>
@@ -9401,55 +9404,6 @@
                                           <p:spTgt spid="24">
                                             <p:txEl>
                                               <p:pRg st="2" end="2"/>
-                                            </p:txEl>
-                                          </p:spTgt>
-                                        </p:tgtEl>
-                                        <p:attrNameLst>
-                                          <p:attrName>style.visibility</p:attrName>
-                                        </p:attrNameLst>
-                                      </p:cBhvr>
-                                      <p:to>
-                                        <p:strVal val="visible"/>
-                                      </p:to>
-                                    </p:set>
-                                  </p:childTnLst>
-                                </p:cTn>
-                              </p:par>
-                            </p:childTnLst>
-                          </p:cTn>
-                        </p:par>
-                      </p:childTnLst>
-                    </p:cTn>
-                  </p:par>
-                  <p:par>
-                    <p:cTn id="11" fill="hold">
-                      <p:stCondLst>
-                        <p:cond delay="indefinite"/>
-                      </p:stCondLst>
-                      <p:childTnLst>
-                        <p:par>
-                          <p:cTn id="12" fill="hold">
-                            <p:stCondLst>
-                              <p:cond delay="0"/>
-                            </p:stCondLst>
-                            <p:childTnLst>
-                              <p:par>
-                                <p:cTn id="13" presetID="1" presetClass="entr" presetSubtype="0" fill="hold" nodeType="clickEffect">
-                                  <p:stCondLst>
-                                    <p:cond delay="0"/>
-                                  </p:stCondLst>
-                                  <p:childTnLst>
-                                    <p:set>
-                                      <p:cBhvr>
-                                        <p:cTn id="14" dur="1" fill="hold">
-                                          <p:stCondLst>
-                                            <p:cond delay="0"/>
-                                          </p:stCondLst>
-                                        </p:cTn>
-                                        <p:tgtEl>
-                                          <p:spTgt spid="24">
-                                            <p:txEl>
-                                              <p:pRg st="4" end="4"/>
                                             </p:txEl>
                                           </p:spTgt>
                                         </p:tgtEl>
@@ -11641,14 +11595,7 @@
                 <a:latin typeface="Times New Roman" panose="02020603050405020304" pitchFamily="18" charset="0"/>
                 <a:cs typeface="Times New Roman" panose="02020603050405020304" pitchFamily="18" charset="0"/>
               </a:rPr>
-              <a:t> </a:t>
-            </a:r>
-            <a:r>
-              <a:rPr lang="tr-TR" sz="2400" dirty="0" smtClean="0">
-                <a:latin typeface="Times New Roman" panose="02020603050405020304" pitchFamily="18" charset="0"/>
-                <a:cs typeface="Times New Roman" panose="02020603050405020304" pitchFamily="18" charset="0"/>
-              </a:rPr>
-              <a:t>model (3’)</a:t>
+              <a:t> model (3’)</a:t>
             </a:r>
             <a:endParaRPr lang="en-US" sz="2400" dirty="0" smtClean="0">
               <a:latin typeface="Times New Roman" panose="02020603050405020304" pitchFamily="18" charset="0"/>
@@ -11793,10 +11740,6 @@
               </a:rPr>
               <a:t>References</a:t>
             </a:r>
-            <a:endParaRPr lang="en-US" sz="2400" dirty="0" smtClean="0">
-              <a:latin typeface="Times New Roman" panose="02020603050405020304" pitchFamily="18" charset="0"/>
-              <a:cs typeface="Times New Roman" panose="02020603050405020304" pitchFamily="18" charset="0"/>
-            </a:endParaRPr>
           </a:p>
         </p:txBody>
       </p:sp>
@@ -12166,7 +12109,7 @@
           <p:cNvPicPr/>
           <p:nvPr/>
         </p:nvPicPr>
-        <p:blipFill>
+        <p:blipFill rotWithShape="1">
           <a:blip r:embed="rId5">
             <a:extLst>
               <a:ext uri="{28A0092B-C50C-407E-A947-70E740481C1C}">
@@ -12174,15 +12117,13 @@
               </a:ext>
             </a:extLst>
           </a:blip>
-          <a:srcRect/>
-          <a:stretch>
-            <a:fillRect/>
-          </a:stretch>
+          <a:srcRect l="1340" r="-1"/>
+          <a:stretch/>
         </p:blipFill>
         <p:spPr bwMode="auto">
           <a:xfrm>
-            <a:off x="2288685" y="1439170"/>
-            <a:ext cx="5484681" cy="2895600"/>
+            <a:off x="2362199" y="1439170"/>
+            <a:ext cx="5411167" cy="2895600"/>
           </a:xfrm>
           <a:prstGeom prst="rect">
             <a:avLst/>
@@ -13562,20 +13503,7 @@
                 <a:latin typeface="Helvetica" panose="020B0604020202020204" pitchFamily="34" charset="0"/>
                 <a:cs typeface="Helvetica" panose="020B0604020202020204" pitchFamily="34" charset="0"/>
               </a:rPr>
-              <a:t>v</a:t>
-            </a:r>
-            <a:r>
-              <a:rPr lang="tr-TR" dirty="0" err="1" smtClean="0">
-                <a:solidFill>
-                  <a:schemeClr val="tx1">
-                    <a:lumMod val="95000"/>
-                    <a:lumOff val="5000"/>
-                  </a:schemeClr>
-                </a:solidFill>
-                <a:latin typeface="Helvetica" panose="020B0604020202020204" pitchFamily="34" charset="0"/>
-                <a:cs typeface="Helvetica" panose="020B0604020202020204" pitchFamily="34" charset="0"/>
-              </a:rPr>
-              <a:t>ibration</a:t>
+              <a:t>vibration</a:t>
             </a:r>
             <a:r>
               <a:rPr lang="tr-TR" dirty="0" smtClean="0">
@@ -14803,7 +14731,7 @@
           <a:graphicData uri="http://schemas.openxmlformats.org/presentationml/2006/ole">
             <mc:AlternateContent xmlns:mc="http://schemas.openxmlformats.org/markup-compatibility/2006">
               <mc:Choice xmlns:v="urn:schemas-microsoft-com:vml" Requires="v">
-                <p:oleObj spid="_x0000_s1068" name="Visio" r:id="rId7" imgW="2485904" imgH="1866757" progId="Visio.Drawing.15">
+                <p:oleObj spid="_x0000_s1071" name="Visio" r:id="rId7" imgW="2485904" imgH="1866757" progId="Visio.Drawing.15">
                   <p:embed/>
                 </p:oleObj>
               </mc:Choice>
@@ -21367,8 +21295,8 @@
           </a:p>
         </p:txBody>
       </p:sp>
-      <mc:AlternateContent xmlns:mc="http://schemas.openxmlformats.org/markup-compatibility/2006">
-        <mc:Choice xmlns:a14="http://schemas.microsoft.com/office/drawing/2010/main" Requires="a14">
+      <mc:AlternateContent xmlns:mc="http://schemas.openxmlformats.org/markup-compatibility/2006" xmlns:a14="http://schemas.microsoft.com/office/drawing/2010/main">
+        <mc:Choice Requires="a14">
           <p:sp>
             <p:nvSpPr>
               <p:cNvPr id="5" name="TextBox 4"/>
@@ -21391,6 +21319,7 @@
               </a:bodyPr>
               <a:lstStyle/>
               <a:p>
+                <a:pPr/>
                 <a14:m>
                   <m:oMathPara xmlns:m="http://schemas.openxmlformats.org/officeDocument/2006/math">
                     <m:oMathParaPr>
@@ -21470,7 +21399,7 @@
             </p:txBody>
           </p:sp>
         </mc:Choice>
-        <mc:Fallback>
+        <mc:Fallback xmlns="">
           <p:sp>
             <p:nvSpPr>
               <p:cNvPr id="5" name="TextBox 4"/>
@@ -21509,8 +21438,8 @@
           </p:sp>
         </mc:Fallback>
       </mc:AlternateContent>
-      <mc:AlternateContent xmlns:mc="http://schemas.openxmlformats.org/markup-compatibility/2006">
-        <mc:Choice xmlns:a14="http://schemas.microsoft.com/office/drawing/2010/main" Requires="a14">
+      <mc:AlternateContent xmlns:mc="http://schemas.openxmlformats.org/markup-compatibility/2006" xmlns:a14="http://schemas.microsoft.com/office/drawing/2010/main">
+        <mc:Choice Requires="a14">
           <p:sp>
             <p:nvSpPr>
               <p:cNvPr id="32" name="TextBox 31"/>
@@ -21533,6 +21462,7 @@
               </a:bodyPr>
               <a:lstStyle/>
               <a:p>
+                <a:pPr/>
                 <a14:m>
                   <m:oMathPara xmlns:m="http://schemas.openxmlformats.org/officeDocument/2006/math">
                     <m:oMathParaPr>
@@ -21750,7 +21680,7 @@
             </p:txBody>
           </p:sp>
         </mc:Choice>
-        <mc:Fallback>
+        <mc:Fallback xmlns="">
           <p:sp>
             <p:nvSpPr>
               <p:cNvPr id="32" name="TextBox 31"/>
@@ -22513,14 +22443,7 @@
                 <a:latin typeface="Times New Roman" panose="02020603050405020304" pitchFamily="18" charset="0"/>
                 <a:cs typeface="Times New Roman" panose="02020603050405020304" pitchFamily="18" charset="0"/>
               </a:rPr>
-              <a:t> </a:t>
-            </a:r>
-            <a:r>
-              <a:rPr lang="tr-TR" sz="3000" dirty="0" smtClean="0">
-                <a:latin typeface="Times New Roman" panose="02020603050405020304" pitchFamily="18" charset="0"/>
-                <a:cs typeface="Times New Roman" panose="02020603050405020304" pitchFamily="18" charset="0"/>
-              </a:rPr>
-              <a:t>Evaluation</a:t>
+              <a:t> Evaluation</a:t>
             </a:r>
             <a:endParaRPr lang="en-US" sz="3000" dirty="0">
               <a:latin typeface="Times New Roman" panose="02020603050405020304" pitchFamily="18" charset="0"/>
@@ -24247,14 +24170,7 @@
                 <a:latin typeface="Times New Roman" panose="02020603050405020304" pitchFamily="18" charset="0"/>
                 <a:cs typeface="Times New Roman" panose="02020603050405020304" pitchFamily="18" charset="0"/>
               </a:rPr>
-              <a:t> </a:t>
-            </a:r>
-            <a:r>
-              <a:rPr lang="tr-TR" sz="3000" dirty="0" smtClean="0">
-                <a:latin typeface="Times New Roman" panose="02020603050405020304" pitchFamily="18" charset="0"/>
-                <a:cs typeface="Times New Roman" panose="02020603050405020304" pitchFamily="18" charset="0"/>
-              </a:rPr>
-              <a:t>Evaluation</a:t>
+              <a:t> Evaluation</a:t>
             </a:r>
             <a:endParaRPr lang="en-US" sz="3000" dirty="0">
               <a:latin typeface="Times New Roman" panose="02020603050405020304" pitchFamily="18" charset="0"/>

--- a/Paper/PEMD 2018/Presentation/PEMD2018_OralPres_Mesut_Uğur.pptx
+++ b/Paper/PEMD 2018/Presentation/PEMD2018_OralPres_Mesut_Uğur.pptx
@@ -5,7 +5,7 @@
     <p:sldMasterId id="2147483804" r:id="rId1"/>
   </p:sldMasterIdLst>
   <p:notesMasterIdLst>
-    <p:notesMasterId r:id="rId17"/>
+    <p:notesMasterId r:id="rId18"/>
   </p:notesMasterIdLst>
   <p:sldIdLst>
     <p:sldId id="290" r:id="rId2"/>
@@ -15,14 +15,15 @@
     <p:sldId id="525" r:id="rId6"/>
     <p:sldId id="536" r:id="rId7"/>
     <p:sldId id="526" r:id="rId8"/>
-    <p:sldId id="528" r:id="rId9"/>
-    <p:sldId id="537" r:id="rId10"/>
-    <p:sldId id="529" r:id="rId11"/>
-    <p:sldId id="538" r:id="rId12"/>
-    <p:sldId id="532" r:id="rId13"/>
-    <p:sldId id="539" r:id="rId14"/>
-    <p:sldId id="535" r:id="rId15"/>
-    <p:sldId id="523" r:id="rId16"/>
+    <p:sldId id="540" r:id="rId9"/>
+    <p:sldId id="528" r:id="rId10"/>
+    <p:sldId id="537" r:id="rId11"/>
+    <p:sldId id="529" r:id="rId12"/>
+    <p:sldId id="538" r:id="rId13"/>
+    <p:sldId id="532" r:id="rId14"/>
+    <p:sldId id="539" r:id="rId15"/>
+    <p:sldId id="535" r:id="rId16"/>
+    <p:sldId id="523" r:id="rId17"/>
   </p:sldIdLst>
   <p:sldSz cx="9144000" cy="6858000" type="screen4x3"/>
   <p:notesSz cx="6858000" cy="9144000"/>
@@ -648,7 +649,7 @@
     </p:spTree>
     <p:extLst>
       <p:ext uri="{BB962C8B-B14F-4D97-AF65-F5344CB8AC3E}">
-        <p14:creationId xmlns:p14="http://schemas.microsoft.com/office/powerpoint/2010/main" val="3344517523"/>
+        <p14:creationId xmlns:p14="http://schemas.microsoft.com/office/powerpoint/2010/main" val="400517438"/>
       </p:ext>
     </p:extLst>
   </p:cSld>
@@ -732,7 +733,7 @@
     </p:spTree>
     <p:extLst>
       <p:ext uri="{BB962C8B-B14F-4D97-AF65-F5344CB8AC3E}">
-        <p14:creationId xmlns:p14="http://schemas.microsoft.com/office/powerpoint/2010/main" val="2288372946"/>
+        <p14:creationId xmlns:p14="http://schemas.microsoft.com/office/powerpoint/2010/main" val="3344517523"/>
       </p:ext>
     </p:extLst>
   </p:cSld>
@@ -816,7 +817,7 @@
     </p:spTree>
     <p:extLst>
       <p:ext uri="{BB962C8B-B14F-4D97-AF65-F5344CB8AC3E}">
-        <p14:creationId xmlns:p14="http://schemas.microsoft.com/office/powerpoint/2010/main" val="1303995721"/>
+        <p14:creationId xmlns:p14="http://schemas.microsoft.com/office/powerpoint/2010/main" val="2288372946"/>
       </p:ext>
     </p:extLst>
   </p:cSld>
@@ -900,7 +901,7 @@
     </p:spTree>
     <p:extLst>
       <p:ext uri="{BB962C8B-B14F-4D97-AF65-F5344CB8AC3E}">
-        <p14:creationId xmlns:p14="http://schemas.microsoft.com/office/powerpoint/2010/main" val="2338195712"/>
+        <p14:creationId xmlns:p14="http://schemas.microsoft.com/office/powerpoint/2010/main" val="1303995721"/>
       </p:ext>
     </p:extLst>
   </p:cSld>
@@ -976,6 +977,90 @@
             <a:fld id="{A891BBEF-D461-4390-BF4B-2B69E06247B2}" type="slidenum">
               <a:rPr lang="tr-TR" smtClean="0"/>
               <a:t>15</a:t>
+            </a:fld>
+            <a:endParaRPr lang="tr-TR"/>
+          </a:p>
+        </p:txBody>
+      </p:sp>
+    </p:spTree>
+    <p:extLst>
+      <p:ext uri="{BB962C8B-B14F-4D97-AF65-F5344CB8AC3E}">
+        <p14:creationId xmlns:p14="http://schemas.microsoft.com/office/powerpoint/2010/main" val="2338195712"/>
+      </p:ext>
+    </p:extLst>
+  </p:cSld>
+  <p:clrMapOvr>
+    <a:masterClrMapping/>
+  </p:clrMapOvr>
+</p:notes>
+</file>
+
+<file path=ppt/notesSlides/notesSlide15.xml><?xml version="1.0" encoding="utf-8"?>
+<p:notes xmlns:a="http://schemas.openxmlformats.org/drawingml/2006/main" xmlns:r="http://schemas.openxmlformats.org/officeDocument/2006/relationships" xmlns:p="http://schemas.openxmlformats.org/presentationml/2006/main">
+  <p:cSld>
+    <p:spTree>
+      <p:nvGrpSpPr>
+        <p:cNvPr id="1" name=""/>
+        <p:cNvGrpSpPr/>
+        <p:nvPr/>
+      </p:nvGrpSpPr>
+      <p:grpSpPr>
+        <a:xfrm>
+          <a:off x="0" y="0"/>
+          <a:ext cx="0" cy="0"/>
+          <a:chOff x="0" y="0"/>
+          <a:chExt cx="0" cy="0"/>
+        </a:xfrm>
+      </p:grpSpPr>
+      <p:sp>
+        <p:nvSpPr>
+          <p:cNvPr id="2" name="Slide Image Placeholder 1"/>
+          <p:cNvSpPr>
+            <a:spLocks noGrp="1" noRot="1" noChangeAspect="1"/>
+          </p:cNvSpPr>
+          <p:nvPr>
+            <p:ph type="sldImg"/>
+          </p:nvPr>
+        </p:nvSpPr>
+        <p:spPr/>
+      </p:sp>
+      <p:sp>
+        <p:nvSpPr>
+          <p:cNvPr id="3" name="Notes Placeholder 2"/>
+          <p:cNvSpPr>
+            <a:spLocks noGrp="1"/>
+          </p:cNvSpPr>
+          <p:nvPr>
+            <p:ph type="body" idx="1"/>
+          </p:nvPr>
+        </p:nvSpPr>
+        <p:spPr/>
+        <p:txBody>
+          <a:bodyPr/>
+          <a:lstStyle/>
+          <a:p>
+            <a:endParaRPr lang="en-US"/>
+          </a:p>
+        </p:txBody>
+      </p:sp>
+      <p:sp>
+        <p:nvSpPr>
+          <p:cNvPr id="4" name="Slide Number Placeholder 3"/>
+          <p:cNvSpPr>
+            <a:spLocks noGrp="1"/>
+          </p:cNvSpPr>
+          <p:nvPr>
+            <p:ph type="sldNum" sz="quarter" idx="10"/>
+          </p:nvPr>
+        </p:nvSpPr>
+        <p:spPr/>
+        <p:txBody>
+          <a:bodyPr/>
+          <a:lstStyle/>
+          <a:p>
+            <a:fld id="{A891BBEF-D461-4390-BF4B-2B69E06247B2}" type="slidenum">
+              <a:rPr lang="tr-TR" smtClean="0"/>
+              <a:t>16</a:t>
             </a:fld>
             <a:endParaRPr lang="tr-TR"/>
           </a:p>
@@ -1488,7 +1573,7 @@
     </p:spTree>
     <p:extLst>
       <p:ext uri="{BB962C8B-B14F-4D97-AF65-F5344CB8AC3E}">
-        <p14:creationId xmlns:p14="http://schemas.microsoft.com/office/powerpoint/2010/main" val="3357738277"/>
+        <p14:creationId xmlns:p14="http://schemas.microsoft.com/office/powerpoint/2010/main" val="1067306096"/>
       </p:ext>
     </p:extLst>
   </p:cSld>
@@ -1572,7 +1657,7 @@
     </p:spTree>
     <p:extLst>
       <p:ext uri="{BB962C8B-B14F-4D97-AF65-F5344CB8AC3E}">
-        <p14:creationId xmlns:p14="http://schemas.microsoft.com/office/powerpoint/2010/main" val="30670380"/>
+        <p14:creationId xmlns:p14="http://schemas.microsoft.com/office/powerpoint/2010/main" val="3357738277"/>
       </p:ext>
     </p:extLst>
   </p:cSld>
@@ -1656,7 +1741,7 @@
     </p:spTree>
     <p:extLst>
       <p:ext uri="{BB962C8B-B14F-4D97-AF65-F5344CB8AC3E}">
-        <p14:creationId xmlns:p14="http://schemas.microsoft.com/office/powerpoint/2010/main" val="400517438"/>
+        <p14:creationId xmlns:p14="http://schemas.microsoft.com/office/powerpoint/2010/main" val="30670380"/>
       </p:ext>
     </p:extLst>
   </p:cSld>
@@ -4819,21 +4904,7 @@
                 <a:latin typeface="Times New Roman" panose="02020603050405020304" pitchFamily="18" charset="0"/>
                 <a:cs typeface="Times New Roman" panose="02020603050405020304" pitchFamily="18" charset="0"/>
               </a:rPr>
-              <a:t>Middle </a:t>
-            </a:r>
-            <a:r>
-              <a:rPr lang="en-US" sz="2000" i="1" dirty="0" smtClean="0">
-                <a:latin typeface="Times New Roman" panose="02020603050405020304" pitchFamily="18" charset="0"/>
-                <a:cs typeface="Times New Roman" panose="02020603050405020304" pitchFamily="18" charset="0"/>
-              </a:rPr>
-              <a:t>East Technical </a:t>
-            </a:r>
-            <a:r>
-              <a:rPr lang="en-US" sz="2000" i="1" dirty="0" smtClean="0">
-                <a:latin typeface="Times New Roman" panose="02020603050405020304" pitchFamily="18" charset="0"/>
-                <a:cs typeface="Times New Roman" panose="02020603050405020304" pitchFamily="18" charset="0"/>
-              </a:rPr>
-              <a:t>University</a:t>
+              <a:t>Middle East Technical University</a:t>
             </a:r>
             <a:endParaRPr lang="tr-TR" sz="2000" i="1" dirty="0" smtClean="0">
               <a:latin typeface="Times New Roman" panose="02020603050405020304" pitchFamily="18" charset="0"/>
@@ -5369,6 +5440,1399 @@
           <a:p>
             <a:pPr algn="ctr"/>
             <a:r>
+              <a:rPr lang="tr-TR" sz="3000" dirty="0" smtClean="0">
+                <a:latin typeface="Times New Roman" panose="02020603050405020304" pitchFamily="18" charset="0"/>
+                <a:cs typeface="Times New Roman" panose="02020603050405020304" pitchFamily="18" charset="0"/>
+              </a:rPr>
+              <a:t>Design </a:t>
+            </a:r>
+            <a:r>
+              <a:rPr lang="tr-TR" sz="3000" dirty="0" err="1" smtClean="0">
+                <a:latin typeface="Times New Roman" panose="02020603050405020304" pitchFamily="18" charset="0"/>
+                <a:cs typeface="Times New Roman" panose="02020603050405020304" pitchFamily="18" charset="0"/>
+              </a:rPr>
+              <a:t>Parameter</a:t>
+            </a:r>
+            <a:r>
+              <a:rPr lang="tr-TR" sz="3000" dirty="0" smtClean="0">
+                <a:latin typeface="Times New Roman" panose="02020603050405020304" pitchFamily="18" charset="0"/>
+                <a:cs typeface="Times New Roman" panose="02020603050405020304" pitchFamily="18" charset="0"/>
+              </a:rPr>
+              <a:t> Evaluation</a:t>
+            </a:r>
+            <a:endParaRPr lang="en-US" sz="3000" dirty="0">
+              <a:latin typeface="Times New Roman" panose="02020603050405020304" pitchFamily="18" charset="0"/>
+              <a:cs typeface="Times New Roman" panose="02020603050405020304" pitchFamily="18" charset="0"/>
+            </a:endParaRPr>
+          </a:p>
+        </p:txBody>
+      </p:sp>
+      <p:cxnSp>
+        <p:nvCxnSpPr>
+          <p:cNvPr id="15" name="Straight Connector 14"/>
+          <p:cNvCxnSpPr/>
+          <p:nvPr/>
+        </p:nvCxnSpPr>
+        <p:spPr>
+          <a:xfrm>
+            <a:off x="1189918" y="914400"/>
+            <a:ext cx="7649282" cy="0"/>
+          </a:xfrm>
+          <a:prstGeom prst="line">
+            <a:avLst/>
+          </a:prstGeom>
+          <a:ln w="19050">
+            <a:solidFill>
+              <a:srgbClr val="F20000"/>
+            </a:solidFill>
+          </a:ln>
+        </p:spPr>
+        <p:style>
+          <a:lnRef idx="1">
+            <a:schemeClr val="accent1"/>
+          </a:lnRef>
+          <a:fillRef idx="0">
+            <a:schemeClr val="accent1"/>
+          </a:fillRef>
+          <a:effectRef idx="0">
+            <a:schemeClr val="accent1"/>
+          </a:effectRef>
+          <a:fontRef idx="minor">
+            <a:schemeClr val="tx1"/>
+          </a:fontRef>
+        </p:style>
+      </p:cxnSp>
+      <p:sp>
+        <p:nvSpPr>
+          <p:cNvPr id="2" name="Slide Number Placeholder 1"/>
+          <p:cNvSpPr>
+            <a:spLocks noGrp="1"/>
+          </p:cNvSpPr>
+          <p:nvPr>
+            <p:ph type="sldNum" sz="quarter" idx="12"/>
+          </p:nvPr>
+        </p:nvSpPr>
+        <p:spPr>
+          <a:xfrm>
+            <a:off x="6583199" y="5873320"/>
+            <a:ext cx="2133600" cy="365125"/>
+          </a:xfrm>
+        </p:spPr>
+        <p:txBody>
+          <a:bodyPr/>
+          <a:lstStyle/>
+          <a:p>
+            <a:fld id="{B6F15528-21DE-4FAA-801E-634DDDAF4B2B}" type="slidenum">
+              <a:rPr lang="en-US" smtClean="0"/>
+              <a:pPr/>
+              <a:t>10</a:t>
+            </a:fld>
+            <a:endParaRPr lang="en-US" dirty="0"/>
+          </a:p>
+        </p:txBody>
+      </p:sp>
+      <p:pic>
+        <p:nvPicPr>
+          <p:cNvPr id="12" name="Picture 2" descr="C:\Users\Mesut\Desktop\aselsan sunum\aselsan sunum 10 ekim\aselsan sunum\cezmi bey\ODTU.png"/>
+          <p:cNvPicPr>
+            <a:picLocks noChangeAspect="1" noChangeArrowheads="1"/>
+          </p:cNvPicPr>
+          <p:nvPr/>
+        </p:nvPicPr>
+        <p:blipFill>
+          <a:blip r:embed="rId3" cstate="print">
+            <a:extLst>
+              <a:ext uri="{28A0092B-C50C-407E-A947-70E740481C1C}">
+                <a14:useLocalDpi xmlns:a14="http://schemas.microsoft.com/office/drawing/2010/main" val="0"/>
+              </a:ext>
+            </a:extLst>
+          </a:blip>
+          <a:srcRect/>
+          <a:stretch>
+            <a:fillRect/>
+          </a:stretch>
+        </p:blipFill>
+        <p:spPr bwMode="auto">
+          <a:xfrm>
+            <a:off x="116458" y="163788"/>
+            <a:ext cx="779026" cy="650016"/>
+          </a:xfrm>
+          <a:prstGeom prst="rect">
+            <a:avLst/>
+          </a:prstGeom>
+          <a:noFill/>
+          <a:extLst>
+            <a:ext uri="{909E8E84-426E-40DD-AFC4-6F175D3DCCD1}">
+              <a14:hiddenFill xmlns:a14="http://schemas.microsoft.com/office/drawing/2010/main">
+                <a:solidFill>
+                  <a:srgbClr val="FFFFFF"/>
+                </a:solidFill>
+              </a14:hiddenFill>
+            </a:ext>
+          </a:extLst>
+        </p:spPr>
+      </p:pic>
+      <p:pic>
+        <p:nvPicPr>
+          <p:cNvPr id="14" name="Picture 13"/>
+          <p:cNvPicPr>
+            <a:picLocks noChangeAspect="1"/>
+          </p:cNvPicPr>
+          <p:nvPr/>
+        </p:nvPicPr>
+        <p:blipFill rotWithShape="1">
+          <a:blip r:embed="rId4"/>
+          <a:srcRect t="1741" b="7727"/>
+          <a:stretch/>
+        </p:blipFill>
+        <p:spPr>
+          <a:xfrm rot="16200000">
+            <a:off x="-315548" y="5538698"/>
+            <a:ext cx="1643039" cy="1011942"/>
+          </a:xfrm>
+          <a:prstGeom prst="rect">
+            <a:avLst/>
+          </a:prstGeom>
+        </p:spPr>
+      </p:pic>
+      <p:sp>
+        <p:nvSpPr>
+          <p:cNvPr id="3" name="Rectangle 2"/>
+          <p:cNvSpPr>
+            <a:spLocks noChangeArrowheads="1"/>
+          </p:cNvSpPr>
+          <p:nvPr/>
+        </p:nvSpPr>
+        <p:spPr bwMode="auto">
+          <a:xfrm>
+            <a:off x="0" y="0"/>
+            <a:ext cx="9144000" cy="0"/>
+          </a:xfrm>
+          <a:prstGeom prst="rect">
+            <a:avLst/>
+          </a:prstGeom>
+          <a:noFill/>
+          <a:ln>
+            <a:noFill/>
+          </a:ln>
+          <a:effectLst/>
+          <a:extLst>
+            <a:ext uri="{909E8E84-426E-40DD-AFC4-6F175D3DCCD1}">
+              <a14:hiddenFill xmlns:a14="http://schemas.microsoft.com/office/drawing/2010/main">
+                <a:solidFill>
+                  <a:schemeClr val="accent1"/>
+                </a:solidFill>
+              </a14:hiddenFill>
+            </a:ext>
+            <a:ext uri="{91240B29-F687-4F45-9708-019B960494DF}">
+              <a14:hiddenLine xmlns:a14="http://schemas.microsoft.com/office/drawing/2010/main" w="9525">
+                <a:solidFill>
+                  <a:schemeClr val="tx1"/>
+                </a:solidFill>
+                <a:miter lim="800000"/>
+                <a:headEnd/>
+                <a:tailEnd/>
+              </a14:hiddenLine>
+            </a:ext>
+            <a:ext uri="{AF507438-7753-43E0-B8FC-AC1667EBCBE1}">
+              <a14:hiddenEffects xmlns:a14="http://schemas.microsoft.com/office/drawing/2010/main">
+                <a:effectLst>
+                  <a:outerShdw dist="35921" dir="2700000" algn="ctr" rotWithShape="0">
+                    <a:schemeClr val="bg2"/>
+                  </a:outerShdw>
+                </a:effectLst>
+              </a14:hiddenEffects>
+            </a:ext>
+          </a:extLst>
+        </p:spPr>
+        <p:txBody>
+          <a:bodyPr vert="horz" wrap="none" lIns="91440" tIns="45720" rIns="91440" bIns="45720" numCol="1" anchor="ctr" anchorCtr="0" compatLnSpc="1">
+            <a:prstTxWarp prst="textNoShape">
+              <a:avLst/>
+            </a:prstTxWarp>
+            <a:spAutoFit/>
+          </a:bodyPr>
+          <a:lstStyle/>
+          <a:p>
+            <a:endParaRPr lang="en-US"/>
+          </a:p>
+        </p:txBody>
+      </p:sp>
+      <p:sp>
+        <p:nvSpPr>
+          <p:cNvPr id="7" name="Rectangle 4"/>
+          <p:cNvSpPr>
+            <a:spLocks noChangeArrowheads="1"/>
+          </p:cNvSpPr>
+          <p:nvPr/>
+        </p:nvSpPr>
+        <p:spPr bwMode="auto">
+          <a:xfrm>
+            <a:off x="0" y="0"/>
+            <a:ext cx="9144000" cy="0"/>
+          </a:xfrm>
+          <a:prstGeom prst="rect">
+            <a:avLst/>
+          </a:prstGeom>
+          <a:noFill/>
+          <a:ln>
+            <a:noFill/>
+          </a:ln>
+          <a:effectLst/>
+          <a:extLst>
+            <a:ext uri="{909E8E84-426E-40DD-AFC4-6F175D3DCCD1}">
+              <a14:hiddenFill xmlns:a14="http://schemas.microsoft.com/office/drawing/2010/main">
+                <a:solidFill>
+                  <a:schemeClr val="accent1"/>
+                </a:solidFill>
+              </a14:hiddenFill>
+            </a:ext>
+            <a:ext uri="{91240B29-F687-4F45-9708-019B960494DF}">
+              <a14:hiddenLine xmlns:a14="http://schemas.microsoft.com/office/drawing/2010/main" w="9525">
+                <a:solidFill>
+                  <a:schemeClr val="tx1"/>
+                </a:solidFill>
+                <a:miter lim="800000"/>
+                <a:headEnd/>
+                <a:tailEnd/>
+              </a14:hiddenLine>
+            </a:ext>
+            <a:ext uri="{AF507438-7753-43E0-B8FC-AC1667EBCBE1}">
+              <a14:hiddenEffects xmlns:a14="http://schemas.microsoft.com/office/drawing/2010/main">
+                <a:effectLst>
+                  <a:outerShdw dist="35921" dir="2700000" algn="ctr" rotWithShape="0">
+                    <a:schemeClr val="bg2"/>
+                  </a:outerShdw>
+                </a:effectLst>
+              </a14:hiddenEffects>
+            </a:ext>
+          </a:extLst>
+        </p:spPr>
+        <p:txBody>
+          <a:bodyPr vert="horz" wrap="none" lIns="91440" tIns="45720" rIns="91440" bIns="45720" numCol="1" anchor="ctr" anchorCtr="0" compatLnSpc="1">
+            <a:prstTxWarp prst="textNoShape">
+              <a:avLst/>
+            </a:prstTxWarp>
+            <a:spAutoFit/>
+          </a:bodyPr>
+          <a:lstStyle/>
+          <a:p>
+            <a:endParaRPr lang="en-US"/>
+          </a:p>
+        </p:txBody>
+      </p:sp>
+      <p:sp>
+        <p:nvSpPr>
+          <p:cNvPr id="16" name="TextBox 15"/>
+          <p:cNvSpPr txBox="1"/>
+          <p:nvPr/>
+        </p:nvSpPr>
+        <p:spPr>
+          <a:xfrm>
+            <a:off x="1227444" y="957837"/>
+            <a:ext cx="7619376" cy="369332"/>
+          </a:xfrm>
+          <a:prstGeom prst="rect">
+            <a:avLst/>
+          </a:prstGeom>
+          <a:noFill/>
+        </p:spPr>
+        <p:txBody>
+          <a:bodyPr wrap="square" rtlCol="0">
+            <a:spAutoFit/>
+          </a:bodyPr>
+          <a:lstStyle/>
+          <a:p>
+            <a:pPr algn="ctr">
+              <a:spcAft>
+                <a:spcPts val="1200"/>
+              </a:spcAft>
+            </a:pPr>
+            <a:r>
+              <a:rPr lang="tr-TR" dirty="0" err="1" smtClean="0">
+                <a:latin typeface="Helvetica" panose="020B0604020202020204" pitchFamily="34" charset="0"/>
+                <a:cs typeface="Helvetica" panose="020B0604020202020204" pitchFamily="34" charset="0"/>
+              </a:rPr>
+              <a:t>Modulation</a:t>
+            </a:r>
+            <a:r>
+              <a:rPr lang="tr-TR" dirty="0" smtClean="0">
+                <a:latin typeface="Helvetica" panose="020B0604020202020204" pitchFamily="34" charset="0"/>
+                <a:cs typeface="Helvetica" panose="020B0604020202020204" pitchFamily="34" charset="0"/>
+              </a:rPr>
+              <a:t> </a:t>
+            </a:r>
+            <a:r>
+              <a:rPr lang="tr-TR" dirty="0" err="1" smtClean="0">
+                <a:latin typeface="Helvetica" panose="020B0604020202020204" pitchFamily="34" charset="0"/>
+                <a:cs typeface="Helvetica" panose="020B0604020202020204" pitchFamily="34" charset="0"/>
+              </a:rPr>
+              <a:t>index</a:t>
+            </a:r>
+            <a:r>
+              <a:rPr lang="tr-TR" dirty="0" smtClean="0">
+                <a:latin typeface="Helvetica" panose="020B0604020202020204" pitchFamily="34" charset="0"/>
+                <a:cs typeface="Helvetica" panose="020B0604020202020204" pitchFamily="34" charset="0"/>
+              </a:rPr>
+              <a:t> &amp; </a:t>
+            </a:r>
+            <a:r>
+              <a:rPr lang="tr-TR" dirty="0" err="1" smtClean="0">
+                <a:latin typeface="Helvetica" panose="020B0604020202020204" pitchFamily="34" charset="0"/>
+                <a:cs typeface="Helvetica" panose="020B0604020202020204" pitchFamily="34" charset="0"/>
+              </a:rPr>
+              <a:t>Number</a:t>
+            </a:r>
+            <a:r>
+              <a:rPr lang="tr-TR" dirty="0" smtClean="0">
+                <a:latin typeface="Helvetica" panose="020B0604020202020204" pitchFamily="34" charset="0"/>
+                <a:cs typeface="Helvetica" panose="020B0604020202020204" pitchFamily="34" charset="0"/>
+              </a:rPr>
+              <a:t> of </a:t>
+            </a:r>
+            <a:r>
+              <a:rPr lang="tr-TR" dirty="0" err="1" smtClean="0">
+                <a:latin typeface="Helvetica" panose="020B0604020202020204" pitchFamily="34" charset="0"/>
+                <a:cs typeface="Helvetica" panose="020B0604020202020204" pitchFamily="34" charset="0"/>
+              </a:rPr>
+              <a:t>modules</a:t>
+            </a:r>
+            <a:endParaRPr lang="en-US" dirty="0" smtClean="0">
+              <a:latin typeface="Helvetica" panose="020B0604020202020204" pitchFamily="34" charset="0"/>
+              <a:cs typeface="Helvetica" panose="020B0604020202020204" pitchFamily="34" charset="0"/>
+            </a:endParaRPr>
+          </a:p>
+        </p:txBody>
+      </p:sp>
+      <p:pic>
+        <p:nvPicPr>
+          <p:cNvPr id="33" name="Picture 32"/>
+          <p:cNvPicPr/>
+          <p:nvPr/>
+        </p:nvPicPr>
+        <p:blipFill rotWithShape="1">
+          <a:blip r:embed="rId5" cstate="print">
+            <a:extLst>
+              <a:ext uri="{28A0092B-C50C-407E-A947-70E740481C1C}">
+                <a14:useLocalDpi xmlns:a14="http://schemas.microsoft.com/office/drawing/2010/main" val="0"/>
+              </a:ext>
+            </a:extLst>
+          </a:blip>
+          <a:srcRect r="8333"/>
+          <a:stretch/>
+        </p:blipFill>
+        <p:spPr bwMode="auto">
+          <a:xfrm>
+            <a:off x="1227444" y="1370605"/>
+            <a:ext cx="3352800" cy="2535237"/>
+          </a:xfrm>
+          <a:prstGeom prst="rect">
+            <a:avLst/>
+          </a:prstGeom>
+          <a:noFill/>
+          <a:ln>
+            <a:noFill/>
+          </a:ln>
+          <a:extLst>
+            <a:ext uri="{53640926-AAD7-44D8-BBD7-CCE9431645EC}">
+              <a14:shadowObscured xmlns:a14="http://schemas.microsoft.com/office/drawing/2010/main"/>
+            </a:ext>
+          </a:extLst>
+        </p:spPr>
+      </p:pic>
+      <p:pic>
+        <p:nvPicPr>
+          <p:cNvPr id="34" name="Picture 33"/>
+          <p:cNvPicPr/>
+          <p:nvPr/>
+        </p:nvPicPr>
+        <p:blipFill rotWithShape="1">
+          <a:blip r:embed="rId6" cstate="print">
+            <a:extLst>
+              <a:ext uri="{28A0092B-C50C-407E-A947-70E740481C1C}">
+                <a14:useLocalDpi xmlns:a14="http://schemas.microsoft.com/office/drawing/2010/main" val="0"/>
+              </a:ext>
+            </a:extLst>
+          </a:blip>
+          <a:srcRect r="8914"/>
+          <a:stretch/>
+        </p:blipFill>
+        <p:spPr bwMode="auto">
+          <a:xfrm>
+            <a:off x="5043891" y="1415274"/>
+            <a:ext cx="3437982" cy="2376482"/>
+          </a:xfrm>
+          <a:prstGeom prst="rect">
+            <a:avLst/>
+          </a:prstGeom>
+          <a:noFill/>
+          <a:ln>
+            <a:noFill/>
+          </a:ln>
+          <a:extLst>
+            <a:ext uri="{53640926-AAD7-44D8-BBD7-CCE9431645EC}">
+              <a14:shadowObscured xmlns:a14="http://schemas.microsoft.com/office/drawing/2010/main"/>
+            </a:ext>
+          </a:extLst>
+        </p:spPr>
+      </p:pic>
+      <p:pic>
+        <p:nvPicPr>
+          <p:cNvPr id="35" name="Picture 34"/>
+          <p:cNvPicPr/>
+          <p:nvPr/>
+        </p:nvPicPr>
+        <p:blipFill rotWithShape="1">
+          <a:blip r:embed="rId7" cstate="print">
+            <a:extLst>
+              <a:ext uri="{28A0092B-C50C-407E-A947-70E740481C1C}">
+                <a14:useLocalDpi xmlns:a14="http://schemas.microsoft.com/office/drawing/2010/main" val="0"/>
+              </a:ext>
+            </a:extLst>
+          </a:blip>
+          <a:srcRect l="2063" r="8949"/>
+          <a:stretch/>
+        </p:blipFill>
+        <p:spPr bwMode="auto">
+          <a:xfrm>
+            <a:off x="1261603" y="4038600"/>
+            <a:ext cx="3352800" cy="2582038"/>
+          </a:xfrm>
+          <a:prstGeom prst="rect">
+            <a:avLst/>
+          </a:prstGeom>
+          <a:noFill/>
+          <a:ln>
+            <a:noFill/>
+          </a:ln>
+          <a:extLst>
+            <a:ext uri="{53640926-AAD7-44D8-BBD7-CCE9431645EC}">
+              <a14:shadowObscured xmlns:a14="http://schemas.microsoft.com/office/drawing/2010/main"/>
+            </a:ext>
+          </a:extLst>
+        </p:spPr>
+      </p:pic>
+      <p:pic>
+        <p:nvPicPr>
+          <p:cNvPr id="36" name="Picture 35"/>
+          <p:cNvPicPr/>
+          <p:nvPr/>
+        </p:nvPicPr>
+        <p:blipFill rotWithShape="1">
+          <a:blip r:embed="rId8" cstate="print">
+            <a:extLst>
+              <a:ext uri="{28A0092B-C50C-407E-A947-70E740481C1C}">
+                <a14:useLocalDpi xmlns:a14="http://schemas.microsoft.com/office/drawing/2010/main" val="0"/>
+              </a:ext>
+            </a:extLst>
+          </a:blip>
+          <a:srcRect r="8789"/>
+          <a:stretch/>
+        </p:blipFill>
+        <p:spPr bwMode="auto">
+          <a:xfrm>
+            <a:off x="5038207" y="4016483"/>
+            <a:ext cx="3434959" cy="2622548"/>
+          </a:xfrm>
+          <a:prstGeom prst="rect">
+            <a:avLst/>
+          </a:prstGeom>
+          <a:noFill/>
+          <a:ln>
+            <a:noFill/>
+          </a:ln>
+          <a:extLst>
+            <a:ext uri="{53640926-AAD7-44D8-BBD7-CCE9431645EC}">
+              <a14:shadowObscured xmlns:a14="http://schemas.microsoft.com/office/drawing/2010/main"/>
+            </a:ext>
+          </a:extLst>
+        </p:spPr>
+      </p:pic>
+      <p:sp>
+        <p:nvSpPr>
+          <p:cNvPr id="37" name="Oval 36"/>
+          <p:cNvSpPr/>
+          <p:nvPr/>
+        </p:nvSpPr>
+        <p:spPr>
+          <a:xfrm>
+            <a:off x="2286000" y="2057400"/>
+            <a:ext cx="304800" cy="304800"/>
+          </a:xfrm>
+          <a:prstGeom prst="ellipse">
+            <a:avLst/>
+          </a:prstGeom>
+          <a:noFill/>
+          <a:ln>
+            <a:solidFill>
+              <a:schemeClr val="tx1"/>
+            </a:solidFill>
+          </a:ln>
+        </p:spPr>
+        <p:style>
+          <a:lnRef idx="2">
+            <a:schemeClr val="accent1">
+              <a:shade val="50000"/>
+            </a:schemeClr>
+          </a:lnRef>
+          <a:fillRef idx="1">
+            <a:schemeClr val="accent1"/>
+          </a:fillRef>
+          <a:effectRef idx="0">
+            <a:schemeClr val="accent1"/>
+          </a:effectRef>
+          <a:fontRef idx="minor">
+            <a:schemeClr val="lt1"/>
+          </a:fontRef>
+        </p:style>
+        <p:txBody>
+          <a:bodyPr rtlCol="0" anchor="ctr"/>
+          <a:lstStyle/>
+          <a:p>
+            <a:pPr algn="ctr"/>
+            <a:endParaRPr lang="en-US"/>
+          </a:p>
+        </p:txBody>
+      </p:sp>
+      <p:sp>
+        <p:nvSpPr>
+          <p:cNvPr id="38" name="Oval 37"/>
+          <p:cNvSpPr/>
+          <p:nvPr/>
+        </p:nvSpPr>
+        <p:spPr>
+          <a:xfrm>
+            <a:off x="3338159" y="1870366"/>
+            <a:ext cx="304800" cy="304800"/>
+          </a:xfrm>
+          <a:prstGeom prst="ellipse">
+            <a:avLst/>
+          </a:prstGeom>
+          <a:noFill/>
+          <a:ln>
+            <a:solidFill>
+              <a:schemeClr val="tx1"/>
+            </a:solidFill>
+          </a:ln>
+        </p:spPr>
+        <p:style>
+          <a:lnRef idx="2">
+            <a:schemeClr val="accent1">
+              <a:shade val="50000"/>
+            </a:schemeClr>
+          </a:lnRef>
+          <a:fillRef idx="1">
+            <a:schemeClr val="accent1"/>
+          </a:fillRef>
+          <a:effectRef idx="0">
+            <a:schemeClr val="accent1"/>
+          </a:effectRef>
+          <a:fontRef idx="minor">
+            <a:schemeClr val="lt1"/>
+          </a:fontRef>
+        </p:style>
+        <p:txBody>
+          <a:bodyPr rtlCol="0" anchor="ctr"/>
+          <a:lstStyle/>
+          <a:p>
+            <a:pPr algn="ctr"/>
+            <a:endParaRPr lang="en-US"/>
+          </a:p>
+        </p:txBody>
+      </p:sp>
+      <p:cxnSp>
+        <p:nvCxnSpPr>
+          <p:cNvPr id="39" name="Straight Connector 38"/>
+          <p:cNvCxnSpPr/>
+          <p:nvPr/>
+        </p:nvCxnSpPr>
+        <p:spPr>
+          <a:xfrm>
+            <a:off x="3886200" y="1447800"/>
+            <a:ext cx="0" cy="990600"/>
+          </a:xfrm>
+          <a:prstGeom prst="line">
+            <a:avLst/>
+          </a:prstGeom>
+          <a:ln w="38100">
+            <a:solidFill>
+              <a:schemeClr val="tx1"/>
+            </a:solidFill>
+          </a:ln>
+        </p:spPr>
+        <p:style>
+          <a:lnRef idx="1">
+            <a:schemeClr val="accent1"/>
+          </a:lnRef>
+          <a:fillRef idx="0">
+            <a:schemeClr val="accent1"/>
+          </a:fillRef>
+          <a:effectRef idx="0">
+            <a:schemeClr val="accent1"/>
+          </a:effectRef>
+          <a:fontRef idx="minor">
+            <a:schemeClr val="tx1"/>
+          </a:fontRef>
+        </p:style>
+      </p:cxnSp>
+      <p:cxnSp>
+        <p:nvCxnSpPr>
+          <p:cNvPr id="40" name="Straight Connector 39"/>
+          <p:cNvCxnSpPr/>
+          <p:nvPr/>
+        </p:nvCxnSpPr>
+        <p:spPr>
+          <a:xfrm flipH="1">
+            <a:off x="5470069" y="2713462"/>
+            <a:ext cx="3246730" cy="10088"/>
+          </a:xfrm>
+          <a:prstGeom prst="line">
+            <a:avLst/>
+          </a:prstGeom>
+          <a:ln w="38100">
+            <a:solidFill>
+              <a:schemeClr val="tx1"/>
+            </a:solidFill>
+          </a:ln>
+        </p:spPr>
+        <p:style>
+          <a:lnRef idx="1">
+            <a:schemeClr val="accent1"/>
+          </a:lnRef>
+          <a:fillRef idx="0">
+            <a:schemeClr val="accent1"/>
+          </a:fillRef>
+          <a:effectRef idx="0">
+            <a:schemeClr val="accent1"/>
+          </a:effectRef>
+          <a:fontRef idx="minor">
+            <a:schemeClr val="tx1"/>
+          </a:fontRef>
+        </p:style>
+      </p:cxnSp>
+      <p:sp>
+        <p:nvSpPr>
+          <p:cNvPr id="41" name="Oval 40"/>
+          <p:cNvSpPr/>
+          <p:nvPr/>
+        </p:nvSpPr>
+        <p:spPr>
+          <a:xfrm>
+            <a:off x="6019800" y="5327757"/>
+            <a:ext cx="304800" cy="304800"/>
+          </a:xfrm>
+          <a:prstGeom prst="ellipse">
+            <a:avLst/>
+          </a:prstGeom>
+          <a:noFill/>
+          <a:ln>
+            <a:solidFill>
+              <a:schemeClr val="tx1"/>
+            </a:solidFill>
+          </a:ln>
+        </p:spPr>
+        <p:style>
+          <a:lnRef idx="2">
+            <a:schemeClr val="accent1">
+              <a:shade val="50000"/>
+            </a:schemeClr>
+          </a:lnRef>
+          <a:fillRef idx="1">
+            <a:schemeClr val="accent1"/>
+          </a:fillRef>
+          <a:effectRef idx="0">
+            <a:schemeClr val="accent1"/>
+          </a:effectRef>
+          <a:fontRef idx="minor">
+            <a:schemeClr val="lt1"/>
+          </a:fontRef>
+        </p:style>
+        <p:txBody>
+          <a:bodyPr rtlCol="0" anchor="ctr"/>
+          <a:lstStyle/>
+          <a:p>
+            <a:pPr algn="ctr"/>
+            <a:endParaRPr lang="en-US"/>
+          </a:p>
+        </p:txBody>
+      </p:sp>
+      <p:sp>
+        <p:nvSpPr>
+          <p:cNvPr id="42" name="Oval 41"/>
+          <p:cNvSpPr/>
+          <p:nvPr/>
+        </p:nvSpPr>
+        <p:spPr>
+          <a:xfrm>
+            <a:off x="6941683" y="5389216"/>
+            <a:ext cx="304800" cy="304800"/>
+          </a:xfrm>
+          <a:prstGeom prst="ellipse">
+            <a:avLst/>
+          </a:prstGeom>
+          <a:noFill/>
+          <a:ln>
+            <a:solidFill>
+              <a:schemeClr val="tx1"/>
+            </a:solidFill>
+          </a:ln>
+        </p:spPr>
+        <p:style>
+          <a:lnRef idx="2">
+            <a:schemeClr val="accent1">
+              <a:shade val="50000"/>
+            </a:schemeClr>
+          </a:lnRef>
+          <a:fillRef idx="1">
+            <a:schemeClr val="accent1"/>
+          </a:fillRef>
+          <a:effectRef idx="0">
+            <a:schemeClr val="accent1"/>
+          </a:effectRef>
+          <a:fontRef idx="minor">
+            <a:schemeClr val="lt1"/>
+          </a:fontRef>
+        </p:style>
+        <p:txBody>
+          <a:bodyPr rtlCol="0" anchor="ctr"/>
+          <a:lstStyle/>
+          <a:p>
+            <a:pPr algn="ctr"/>
+            <a:endParaRPr lang="en-US"/>
+          </a:p>
+        </p:txBody>
+      </p:sp>
+    </p:spTree>
+    <p:extLst>
+      <p:ext uri="{BB962C8B-B14F-4D97-AF65-F5344CB8AC3E}">
+        <p14:creationId xmlns:p14="http://schemas.microsoft.com/office/powerpoint/2010/main" val="989810116"/>
+      </p:ext>
+    </p:extLst>
+  </p:cSld>
+  <p:clrMapOvr>
+    <a:masterClrMapping/>
+  </p:clrMapOvr>
+  <p:timing>
+    <p:tnLst>
+      <p:par>
+        <p:cTn id="1" dur="indefinite" restart="never" nodeType="tmRoot">
+          <p:childTnLst>
+            <p:seq concurrent="1" nextAc="seek">
+              <p:cTn id="2" dur="indefinite" nodeType="mainSeq">
+                <p:childTnLst>
+                  <p:par>
+                    <p:cTn id="3" fill="hold">
+                      <p:stCondLst>
+                        <p:cond delay="indefinite"/>
+                      </p:stCondLst>
+                      <p:childTnLst>
+                        <p:par>
+                          <p:cTn id="4" fill="hold">
+                            <p:stCondLst>
+                              <p:cond delay="0"/>
+                            </p:stCondLst>
+                            <p:childTnLst>
+                              <p:par>
+                                <p:cTn id="5" presetID="1" presetClass="entr" presetSubtype="0" fill="hold" grpId="0" nodeType="clickEffect">
+                                  <p:stCondLst>
+                                    <p:cond delay="0"/>
+                                  </p:stCondLst>
+                                  <p:childTnLst>
+                                    <p:set>
+                                      <p:cBhvr>
+                                        <p:cTn id="6" dur="1" fill="hold">
+                                          <p:stCondLst>
+                                            <p:cond delay="0"/>
+                                          </p:stCondLst>
+                                        </p:cTn>
+                                        <p:tgtEl>
+                                          <p:spTgt spid="16"/>
+                                        </p:tgtEl>
+                                        <p:attrNameLst>
+                                          <p:attrName>style.visibility</p:attrName>
+                                        </p:attrNameLst>
+                                      </p:cBhvr>
+                                      <p:to>
+                                        <p:strVal val="visible"/>
+                                      </p:to>
+                                    </p:set>
+                                  </p:childTnLst>
+                                </p:cTn>
+                              </p:par>
+                            </p:childTnLst>
+                          </p:cTn>
+                        </p:par>
+                      </p:childTnLst>
+                    </p:cTn>
+                  </p:par>
+                  <p:par>
+                    <p:cTn id="7" fill="hold">
+                      <p:stCondLst>
+                        <p:cond delay="indefinite"/>
+                      </p:stCondLst>
+                      <p:childTnLst>
+                        <p:par>
+                          <p:cTn id="8" fill="hold">
+                            <p:stCondLst>
+                              <p:cond delay="0"/>
+                            </p:stCondLst>
+                            <p:childTnLst>
+                              <p:par>
+                                <p:cTn id="9" presetID="1" presetClass="entr" presetSubtype="0" fill="hold" nodeType="clickEffect">
+                                  <p:stCondLst>
+                                    <p:cond delay="0"/>
+                                  </p:stCondLst>
+                                  <p:childTnLst>
+                                    <p:set>
+                                      <p:cBhvr>
+                                        <p:cTn id="10" dur="1" fill="hold">
+                                          <p:stCondLst>
+                                            <p:cond delay="0"/>
+                                          </p:stCondLst>
+                                        </p:cTn>
+                                        <p:tgtEl>
+                                          <p:spTgt spid="33"/>
+                                        </p:tgtEl>
+                                        <p:attrNameLst>
+                                          <p:attrName>style.visibility</p:attrName>
+                                        </p:attrNameLst>
+                                      </p:cBhvr>
+                                      <p:to>
+                                        <p:strVal val="visible"/>
+                                      </p:to>
+                                    </p:set>
+                                  </p:childTnLst>
+                                </p:cTn>
+                              </p:par>
+                            </p:childTnLst>
+                          </p:cTn>
+                        </p:par>
+                      </p:childTnLst>
+                    </p:cTn>
+                  </p:par>
+                  <p:par>
+                    <p:cTn id="11" fill="hold">
+                      <p:stCondLst>
+                        <p:cond delay="indefinite"/>
+                      </p:stCondLst>
+                      <p:childTnLst>
+                        <p:par>
+                          <p:cTn id="12" fill="hold">
+                            <p:stCondLst>
+                              <p:cond delay="0"/>
+                            </p:stCondLst>
+                            <p:childTnLst>
+                              <p:par>
+                                <p:cTn id="13" presetID="1" presetClass="entr" presetSubtype="0" fill="hold" grpId="0" nodeType="clickEffect">
+                                  <p:stCondLst>
+                                    <p:cond delay="0"/>
+                                  </p:stCondLst>
+                                  <p:childTnLst>
+                                    <p:set>
+                                      <p:cBhvr>
+                                        <p:cTn id="14" dur="1" fill="hold">
+                                          <p:stCondLst>
+                                            <p:cond delay="0"/>
+                                          </p:stCondLst>
+                                        </p:cTn>
+                                        <p:tgtEl>
+                                          <p:spTgt spid="37"/>
+                                        </p:tgtEl>
+                                        <p:attrNameLst>
+                                          <p:attrName>style.visibility</p:attrName>
+                                        </p:attrNameLst>
+                                      </p:cBhvr>
+                                      <p:to>
+                                        <p:strVal val="visible"/>
+                                      </p:to>
+                                    </p:set>
+                                  </p:childTnLst>
+                                </p:cTn>
+                              </p:par>
+                              <p:par>
+                                <p:cTn id="15" presetID="1" presetClass="entr" presetSubtype="0" fill="hold" grpId="0" nodeType="withEffect">
+                                  <p:stCondLst>
+                                    <p:cond delay="0"/>
+                                  </p:stCondLst>
+                                  <p:childTnLst>
+                                    <p:set>
+                                      <p:cBhvr>
+                                        <p:cTn id="16" dur="1" fill="hold">
+                                          <p:stCondLst>
+                                            <p:cond delay="0"/>
+                                          </p:stCondLst>
+                                        </p:cTn>
+                                        <p:tgtEl>
+                                          <p:spTgt spid="38"/>
+                                        </p:tgtEl>
+                                        <p:attrNameLst>
+                                          <p:attrName>style.visibility</p:attrName>
+                                        </p:attrNameLst>
+                                      </p:cBhvr>
+                                      <p:to>
+                                        <p:strVal val="visible"/>
+                                      </p:to>
+                                    </p:set>
+                                  </p:childTnLst>
+                                </p:cTn>
+                              </p:par>
+                              <p:par>
+                                <p:cTn id="17" presetID="1" presetClass="entr" presetSubtype="0" fill="hold" nodeType="withEffect">
+                                  <p:stCondLst>
+                                    <p:cond delay="0"/>
+                                  </p:stCondLst>
+                                  <p:childTnLst>
+                                    <p:set>
+                                      <p:cBhvr>
+                                        <p:cTn id="18" dur="1" fill="hold">
+                                          <p:stCondLst>
+                                            <p:cond delay="0"/>
+                                          </p:stCondLst>
+                                        </p:cTn>
+                                        <p:tgtEl>
+                                          <p:spTgt spid="39"/>
+                                        </p:tgtEl>
+                                        <p:attrNameLst>
+                                          <p:attrName>style.visibility</p:attrName>
+                                        </p:attrNameLst>
+                                      </p:cBhvr>
+                                      <p:to>
+                                        <p:strVal val="visible"/>
+                                      </p:to>
+                                    </p:set>
+                                  </p:childTnLst>
+                                </p:cTn>
+                              </p:par>
+                            </p:childTnLst>
+                          </p:cTn>
+                        </p:par>
+                      </p:childTnLst>
+                    </p:cTn>
+                  </p:par>
+                  <p:par>
+                    <p:cTn id="19" fill="hold">
+                      <p:stCondLst>
+                        <p:cond delay="indefinite"/>
+                      </p:stCondLst>
+                      <p:childTnLst>
+                        <p:par>
+                          <p:cTn id="20" fill="hold">
+                            <p:stCondLst>
+                              <p:cond delay="0"/>
+                            </p:stCondLst>
+                            <p:childTnLst>
+                              <p:par>
+                                <p:cTn id="21" presetID="1" presetClass="entr" presetSubtype="0" fill="hold" nodeType="clickEffect">
+                                  <p:stCondLst>
+                                    <p:cond delay="0"/>
+                                  </p:stCondLst>
+                                  <p:childTnLst>
+                                    <p:set>
+                                      <p:cBhvr>
+                                        <p:cTn id="22" dur="1" fill="hold">
+                                          <p:stCondLst>
+                                            <p:cond delay="0"/>
+                                          </p:stCondLst>
+                                        </p:cTn>
+                                        <p:tgtEl>
+                                          <p:spTgt spid="34"/>
+                                        </p:tgtEl>
+                                        <p:attrNameLst>
+                                          <p:attrName>style.visibility</p:attrName>
+                                        </p:attrNameLst>
+                                      </p:cBhvr>
+                                      <p:to>
+                                        <p:strVal val="visible"/>
+                                      </p:to>
+                                    </p:set>
+                                  </p:childTnLst>
+                                </p:cTn>
+                              </p:par>
+                            </p:childTnLst>
+                          </p:cTn>
+                        </p:par>
+                      </p:childTnLst>
+                    </p:cTn>
+                  </p:par>
+                  <p:par>
+                    <p:cTn id="23" fill="hold">
+                      <p:stCondLst>
+                        <p:cond delay="indefinite"/>
+                      </p:stCondLst>
+                      <p:childTnLst>
+                        <p:par>
+                          <p:cTn id="24" fill="hold">
+                            <p:stCondLst>
+                              <p:cond delay="0"/>
+                            </p:stCondLst>
+                            <p:childTnLst>
+                              <p:par>
+                                <p:cTn id="25" presetID="1" presetClass="entr" presetSubtype="0" fill="hold" nodeType="clickEffect">
+                                  <p:stCondLst>
+                                    <p:cond delay="0"/>
+                                  </p:stCondLst>
+                                  <p:childTnLst>
+                                    <p:set>
+                                      <p:cBhvr>
+                                        <p:cTn id="26" dur="1" fill="hold">
+                                          <p:stCondLst>
+                                            <p:cond delay="0"/>
+                                          </p:stCondLst>
+                                        </p:cTn>
+                                        <p:tgtEl>
+                                          <p:spTgt spid="40"/>
+                                        </p:tgtEl>
+                                        <p:attrNameLst>
+                                          <p:attrName>style.visibility</p:attrName>
+                                        </p:attrNameLst>
+                                      </p:cBhvr>
+                                      <p:to>
+                                        <p:strVal val="visible"/>
+                                      </p:to>
+                                    </p:set>
+                                  </p:childTnLst>
+                                </p:cTn>
+                              </p:par>
+                            </p:childTnLst>
+                          </p:cTn>
+                        </p:par>
+                      </p:childTnLst>
+                    </p:cTn>
+                  </p:par>
+                  <p:par>
+                    <p:cTn id="27" fill="hold">
+                      <p:stCondLst>
+                        <p:cond delay="indefinite"/>
+                      </p:stCondLst>
+                      <p:childTnLst>
+                        <p:par>
+                          <p:cTn id="28" fill="hold">
+                            <p:stCondLst>
+                              <p:cond delay="0"/>
+                            </p:stCondLst>
+                            <p:childTnLst>
+                              <p:par>
+                                <p:cTn id="29" presetID="1" presetClass="entr" presetSubtype="0" fill="hold" nodeType="clickEffect">
+                                  <p:stCondLst>
+                                    <p:cond delay="0"/>
+                                  </p:stCondLst>
+                                  <p:childTnLst>
+                                    <p:set>
+                                      <p:cBhvr>
+                                        <p:cTn id="30" dur="1" fill="hold">
+                                          <p:stCondLst>
+                                            <p:cond delay="0"/>
+                                          </p:stCondLst>
+                                        </p:cTn>
+                                        <p:tgtEl>
+                                          <p:spTgt spid="35"/>
+                                        </p:tgtEl>
+                                        <p:attrNameLst>
+                                          <p:attrName>style.visibility</p:attrName>
+                                        </p:attrNameLst>
+                                      </p:cBhvr>
+                                      <p:to>
+                                        <p:strVal val="visible"/>
+                                      </p:to>
+                                    </p:set>
+                                  </p:childTnLst>
+                                </p:cTn>
+                              </p:par>
+                            </p:childTnLst>
+                          </p:cTn>
+                        </p:par>
+                      </p:childTnLst>
+                    </p:cTn>
+                  </p:par>
+                  <p:par>
+                    <p:cTn id="31" fill="hold">
+                      <p:stCondLst>
+                        <p:cond delay="indefinite"/>
+                      </p:stCondLst>
+                      <p:childTnLst>
+                        <p:par>
+                          <p:cTn id="32" fill="hold">
+                            <p:stCondLst>
+                              <p:cond delay="0"/>
+                            </p:stCondLst>
+                            <p:childTnLst>
+                              <p:par>
+                                <p:cTn id="33" presetID="1" presetClass="entr" presetSubtype="0" fill="hold" nodeType="clickEffect">
+                                  <p:stCondLst>
+                                    <p:cond delay="0"/>
+                                  </p:stCondLst>
+                                  <p:childTnLst>
+                                    <p:set>
+                                      <p:cBhvr>
+                                        <p:cTn id="34" dur="1" fill="hold">
+                                          <p:stCondLst>
+                                            <p:cond delay="0"/>
+                                          </p:stCondLst>
+                                        </p:cTn>
+                                        <p:tgtEl>
+                                          <p:spTgt spid="36"/>
+                                        </p:tgtEl>
+                                        <p:attrNameLst>
+                                          <p:attrName>style.visibility</p:attrName>
+                                        </p:attrNameLst>
+                                      </p:cBhvr>
+                                      <p:to>
+                                        <p:strVal val="visible"/>
+                                      </p:to>
+                                    </p:set>
+                                  </p:childTnLst>
+                                </p:cTn>
+                              </p:par>
+                            </p:childTnLst>
+                          </p:cTn>
+                        </p:par>
+                      </p:childTnLst>
+                    </p:cTn>
+                  </p:par>
+                  <p:par>
+                    <p:cTn id="35" fill="hold">
+                      <p:stCondLst>
+                        <p:cond delay="indefinite"/>
+                      </p:stCondLst>
+                      <p:childTnLst>
+                        <p:par>
+                          <p:cTn id="36" fill="hold">
+                            <p:stCondLst>
+                              <p:cond delay="0"/>
+                            </p:stCondLst>
+                            <p:childTnLst>
+                              <p:par>
+                                <p:cTn id="37" presetID="1" presetClass="entr" presetSubtype="0" fill="hold" grpId="0" nodeType="clickEffect">
+                                  <p:stCondLst>
+                                    <p:cond delay="0"/>
+                                  </p:stCondLst>
+                                  <p:childTnLst>
+                                    <p:set>
+                                      <p:cBhvr>
+                                        <p:cTn id="38" dur="1" fill="hold">
+                                          <p:stCondLst>
+                                            <p:cond delay="0"/>
+                                          </p:stCondLst>
+                                        </p:cTn>
+                                        <p:tgtEl>
+                                          <p:spTgt spid="41"/>
+                                        </p:tgtEl>
+                                        <p:attrNameLst>
+                                          <p:attrName>style.visibility</p:attrName>
+                                        </p:attrNameLst>
+                                      </p:cBhvr>
+                                      <p:to>
+                                        <p:strVal val="visible"/>
+                                      </p:to>
+                                    </p:set>
+                                  </p:childTnLst>
+                                </p:cTn>
+                              </p:par>
+                              <p:par>
+                                <p:cTn id="39" presetID="1" presetClass="entr" presetSubtype="0" fill="hold" grpId="0" nodeType="withEffect">
+                                  <p:stCondLst>
+                                    <p:cond delay="0"/>
+                                  </p:stCondLst>
+                                  <p:childTnLst>
+                                    <p:set>
+                                      <p:cBhvr>
+                                        <p:cTn id="40" dur="1" fill="hold">
+                                          <p:stCondLst>
+                                            <p:cond delay="0"/>
+                                          </p:stCondLst>
+                                        </p:cTn>
+                                        <p:tgtEl>
+                                          <p:spTgt spid="42"/>
+                                        </p:tgtEl>
+                                        <p:attrNameLst>
+                                          <p:attrName>style.visibility</p:attrName>
+                                        </p:attrNameLst>
+                                      </p:cBhvr>
+                                      <p:to>
+                                        <p:strVal val="visible"/>
+                                      </p:to>
+                                    </p:set>
+                                  </p:childTnLst>
+                                </p:cTn>
+                              </p:par>
+                            </p:childTnLst>
+                          </p:cTn>
+                        </p:par>
+                      </p:childTnLst>
+                    </p:cTn>
+                  </p:par>
+                </p:childTnLst>
+              </p:cTn>
+              <p:prevCondLst>
+                <p:cond evt="onPrev" delay="0">
+                  <p:tgtEl>
+                    <p:sldTgt/>
+                  </p:tgtEl>
+                </p:cond>
+              </p:prevCondLst>
+              <p:nextCondLst>
+                <p:cond evt="onNext" delay="0">
+                  <p:tgtEl>
+                    <p:sldTgt/>
+                  </p:tgtEl>
+                </p:cond>
+              </p:nextCondLst>
+            </p:seq>
+          </p:childTnLst>
+        </p:cTn>
+      </p:par>
+    </p:tnLst>
+    <p:bldLst>
+      <p:bldP spid="16" grpId="0"/>
+      <p:bldP spid="37" grpId="0" animBg="1"/>
+      <p:bldP spid="38" grpId="0" animBg="1"/>
+      <p:bldP spid="41" grpId="0" animBg="1"/>
+      <p:bldP spid="42" grpId="0" animBg="1"/>
+    </p:bldLst>
+  </p:timing>
+</p:sld>
+</file>
+
+<file path=ppt/slides/slide11.xml><?xml version="1.0" encoding="utf-8"?>
+<p:sld xmlns:a="http://schemas.openxmlformats.org/drawingml/2006/main" xmlns:r="http://schemas.openxmlformats.org/officeDocument/2006/relationships" xmlns:p="http://schemas.openxmlformats.org/presentationml/2006/main">
+  <p:cSld>
+    <p:spTree>
+      <p:nvGrpSpPr>
+        <p:cNvPr id="1" name=""/>
+        <p:cNvGrpSpPr/>
+        <p:nvPr/>
+      </p:nvGrpSpPr>
+      <p:grpSpPr>
+        <a:xfrm>
+          <a:off x="0" y="0"/>
+          <a:ext cx="0" cy="0"/>
+          <a:chOff x="0" y="0"/>
+          <a:chExt cx="0" cy="0"/>
+        </a:xfrm>
+      </p:grpSpPr>
+      <p:sp>
+        <p:nvSpPr>
+          <p:cNvPr id="10" name="Rectangle 9"/>
+          <p:cNvSpPr/>
+          <p:nvPr/>
+        </p:nvSpPr>
+        <p:spPr>
+          <a:xfrm>
+            <a:off x="0" y="12106"/>
+            <a:ext cx="1011942" cy="6854083"/>
+          </a:xfrm>
+          <a:prstGeom prst="rect">
+            <a:avLst/>
+          </a:prstGeom>
+          <a:gradFill flip="none" rotWithShape="1">
+            <a:gsLst>
+              <a:gs pos="50000">
+                <a:srgbClr val="D00000"/>
+              </a:gs>
+              <a:gs pos="0">
+                <a:srgbClr val="FF0000">
+                  <a:shade val="30000"/>
+                  <a:satMod val="115000"/>
+                </a:srgbClr>
+              </a:gs>
+              <a:gs pos="100000">
+                <a:schemeClr val="accent2">
+                  <a:lumMod val="60000"/>
+                  <a:lumOff val="40000"/>
+                </a:schemeClr>
+              </a:gs>
+            </a:gsLst>
+            <a:lin ang="5400000" scaled="1"/>
+            <a:tileRect/>
+          </a:gradFill>
+          <a:ln>
+            <a:noFill/>
+          </a:ln>
+        </p:spPr>
+        <p:style>
+          <a:lnRef idx="2">
+            <a:schemeClr val="accent1">
+              <a:shade val="50000"/>
+            </a:schemeClr>
+          </a:lnRef>
+          <a:fillRef idx="1">
+            <a:schemeClr val="accent1"/>
+          </a:fillRef>
+          <a:effectRef idx="0">
+            <a:schemeClr val="accent1"/>
+          </a:effectRef>
+          <a:fontRef idx="minor">
+            <a:schemeClr val="lt1"/>
+          </a:fontRef>
+        </p:style>
+        <p:txBody>
+          <a:bodyPr rtlCol="0" anchor="ctr"/>
+          <a:lstStyle/>
+          <a:p>
+            <a:pPr algn="ctr"/>
+            <a:endParaRPr lang="tr-TR"/>
+          </a:p>
+        </p:txBody>
+      </p:sp>
+      <p:cxnSp>
+        <p:nvCxnSpPr>
+          <p:cNvPr id="11" name="Straight Connector 10"/>
+          <p:cNvCxnSpPr/>
+          <p:nvPr/>
+        </p:nvCxnSpPr>
+        <p:spPr>
+          <a:xfrm>
+            <a:off x="1189918" y="838200"/>
+            <a:ext cx="7649282" cy="0"/>
+          </a:xfrm>
+          <a:prstGeom prst="line">
+            <a:avLst/>
+          </a:prstGeom>
+          <a:ln w="50800">
+            <a:solidFill>
+              <a:srgbClr val="F20000"/>
+            </a:solidFill>
+          </a:ln>
+        </p:spPr>
+        <p:style>
+          <a:lnRef idx="1">
+            <a:schemeClr val="accent1"/>
+          </a:lnRef>
+          <a:fillRef idx="0">
+            <a:schemeClr val="accent1"/>
+          </a:fillRef>
+          <a:effectRef idx="0">
+            <a:schemeClr val="accent1"/>
+          </a:effectRef>
+          <a:fontRef idx="minor">
+            <a:schemeClr val="tx1"/>
+          </a:fontRef>
+        </p:style>
+      </p:cxnSp>
+      <p:sp>
+        <p:nvSpPr>
+          <p:cNvPr id="13" name="TextBox 12"/>
+          <p:cNvSpPr txBox="1"/>
+          <p:nvPr/>
+        </p:nvSpPr>
+        <p:spPr>
+          <a:xfrm>
+            <a:off x="1386291" y="224135"/>
+            <a:ext cx="7315200" cy="553998"/>
+          </a:xfrm>
+          <a:prstGeom prst="rect">
+            <a:avLst/>
+          </a:prstGeom>
+          <a:noFill/>
+        </p:spPr>
+        <p:txBody>
+          <a:bodyPr wrap="square" rtlCol="0">
+            <a:spAutoFit/>
+          </a:bodyPr>
+          <a:lstStyle/>
+          <a:p>
+            <a:pPr algn="ctr"/>
+            <a:r>
               <a:rPr lang="tr-TR" sz="3000" dirty="0">
                 <a:latin typeface="Times New Roman" panose="02020603050405020304" pitchFamily="18" charset="0"/>
                 <a:cs typeface="Times New Roman" panose="02020603050405020304" pitchFamily="18" charset="0"/>
@@ -5449,7 +6913,7 @@
             <a:fld id="{B6F15528-21DE-4FAA-801E-634DDDAF4B2B}" type="slidenum">
               <a:rPr lang="en-US" smtClean="0"/>
               <a:pPr/>
-              <a:t>10</a:t>
+              <a:t>11</a:t>
             </a:fld>
             <a:endParaRPr lang="en-US" dirty="0"/>
           </a:p>
@@ -6217,7 +7681,7 @@
 </p:sld>
 </file>
 
-<file path=ppt/slides/slide11.xml><?xml version="1.0" encoding="utf-8"?>
+<file path=ppt/slides/slide12.xml><?xml version="1.0" encoding="utf-8"?>
 <p:sld xmlns:a="http://schemas.openxmlformats.org/drawingml/2006/main" xmlns:r="http://schemas.openxmlformats.org/officeDocument/2006/relationships" xmlns:p="http://schemas.openxmlformats.org/presentationml/2006/main">
   <p:cSld>
     <p:spTree>
@@ -6437,7 +7901,7 @@
             <a:fld id="{B6F15528-21DE-4FAA-801E-634DDDAF4B2B}" type="slidenum">
               <a:rPr lang="en-US" smtClean="0"/>
               <a:pPr/>
-              <a:t>11</a:t>
+              <a:t>12</a:t>
             </a:fld>
             <a:endParaRPr lang="en-US" dirty="0"/>
           </a:p>
@@ -7387,7 +8851,7 @@
 </p:sld>
 </file>
 
-<file path=ppt/slides/slide12.xml><?xml version="1.0" encoding="utf-8"?>
+<file path=ppt/slides/slide13.xml><?xml version="1.0" encoding="utf-8"?>
 <p:sld xmlns:a="http://schemas.openxmlformats.org/drawingml/2006/main" xmlns:r="http://schemas.openxmlformats.org/officeDocument/2006/relationships" xmlns:p="http://schemas.openxmlformats.org/presentationml/2006/main">
   <p:cSld>
     <p:spTree>
@@ -7593,7 +9057,7 @@
             <a:fld id="{B6F15528-21DE-4FAA-801E-634DDDAF4B2B}" type="slidenum">
               <a:rPr lang="en-US" smtClean="0"/>
               <a:pPr/>
-              <a:t>12</a:t>
+              <a:t>13</a:t>
             </a:fld>
             <a:endParaRPr lang="en-US" dirty="0"/>
           </a:p>
@@ -7811,7 +9275,7 @@
           <a:graphicData uri="http://schemas.openxmlformats.org/presentationml/2006/ole">
             <mc:AlternateContent xmlns:mc="http://schemas.openxmlformats.org/markup-compatibility/2006">
               <mc:Choice xmlns:v="urn:schemas-microsoft-com:vml" Requires="v">
-                <p:oleObj spid="_x0000_s5128" name="Visio" r:id="rId6" imgW="2485904" imgH="1866757" progId="Visio.Drawing.15">
+                <p:oleObj spid="_x0000_s5131" name="Visio" r:id="rId6" imgW="2485904" imgH="1866757" progId="Visio.Drawing.15">
                   <p:embed/>
                 </p:oleObj>
               </mc:Choice>
@@ -8808,7 +10272,7 @@
 </p:sld>
 </file>
 
-<file path=ppt/slides/slide13.xml><?xml version="1.0" encoding="utf-8"?>
+<file path=ppt/slides/slide14.xml><?xml version="1.0" encoding="utf-8"?>
 <p:sld xmlns:a="http://schemas.openxmlformats.org/drawingml/2006/main" xmlns:r="http://schemas.openxmlformats.org/officeDocument/2006/relationships" xmlns:p="http://schemas.openxmlformats.org/presentationml/2006/main">
   <p:cSld>
     <p:spTree>
@@ -9014,7 +10478,7 @@
             <a:fld id="{B6F15528-21DE-4FAA-801E-634DDDAF4B2B}" type="slidenum">
               <a:rPr lang="en-US" smtClean="0"/>
               <a:pPr/>
-              <a:t>13</a:t>
+              <a:t>14</a:t>
             </a:fld>
             <a:endParaRPr lang="en-US" dirty="0"/>
           </a:p>
@@ -9449,7 +10913,7 @@
 </p:sld>
 </file>
 
-<file path=ppt/slides/slide14.xml><?xml version="1.0" encoding="utf-8"?>
+<file path=ppt/slides/slide15.xml><?xml version="1.0" encoding="utf-8"?>
 <p:sld xmlns:a="http://schemas.openxmlformats.org/drawingml/2006/main" xmlns:r="http://schemas.openxmlformats.org/officeDocument/2006/relationships" xmlns:p="http://schemas.openxmlformats.org/presentationml/2006/main">
   <p:cSld>
     <p:spTree>
@@ -9655,7 +11119,7 @@
             <a:fld id="{B6F15528-21DE-4FAA-801E-634DDDAF4B2B}" type="slidenum">
               <a:rPr lang="en-US" smtClean="0"/>
               <a:pPr/>
-              <a:t>14</a:t>
+              <a:t>15</a:t>
             </a:fld>
             <a:endParaRPr lang="en-US" dirty="0"/>
           </a:p>
@@ -10709,7 +12173,7 @@
 </p:sld>
 </file>
 
-<file path=ppt/slides/slide15.xml><?xml version="1.0" encoding="utf-8"?>
+<file path=ppt/slides/slide16.xml><?xml version="1.0" encoding="utf-8"?>
 <p:sld xmlns:a="http://schemas.openxmlformats.org/drawingml/2006/main" xmlns:r="http://schemas.openxmlformats.org/officeDocument/2006/relationships" xmlns:p="http://schemas.openxmlformats.org/presentationml/2006/main">
   <p:cSld>
     <p:spTree>
@@ -10878,7 +12342,7 @@
             <a:fld id="{B6F15528-21DE-4FAA-801E-634DDDAF4B2B}" type="slidenum">
               <a:rPr lang="en-US" smtClean="0"/>
               <a:pPr/>
-              <a:t>15</a:t>
+              <a:t>16</a:t>
             </a:fld>
             <a:endParaRPr lang="en-US" dirty="0"/>
           </a:p>
@@ -11563,14 +13027,7 @@
               </a:rPr>
               <a:t>Motivation</a:t>
             </a:r>
-            <a:r>
-              <a:rPr lang="tr-TR" sz="2400" dirty="0" smtClean="0">
-                <a:latin typeface="Times New Roman" panose="02020603050405020304" pitchFamily="18" charset="0"/>
-                <a:cs typeface="Times New Roman" panose="02020603050405020304" pitchFamily="18" charset="0"/>
-              </a:rPr>
-              <a:t> (2’)</a:t>
-            </a:r>
-            <a:endParaRPr lang="en-US" sz="2400" dirty="0" smtClean="0">
+            <a:endParaRPr lang="tr-TR" sz="2400" dirty="0">
               <a:latin typeface="Times New Roman" panose="02020603050405020304" pitchFamily="18" charset="0"/>
               <a:cs typeface="Times New Roman" panose="02020603050405020304" pitchFamily="18" charset="0"/>
             </a:endParaRPr>
@@ -11595,7 +13052,7 @@
                 <a:latin typeface="Times New Roman" panose="02020603050405020304" pitchFamily="18" charset="0"/>
                 <a:cs typeface="Times New Roman" panose="02020603050405020304" pitchFamily="18" charset="0"/>
               </a:rPr>
-              <a:t> model (3’)</a:t>
+              <a:t> model</a:t>
             </a:r>
             <a:endParaRPr lang="en-US" sz="2400" dirty="0" smtClean="0">
               <a:latin typeface="Times New Roman" panose="02020603050405020304" pitchFamily="18" charset="0"/>
@@ -11638,13 +13095,6 @@
               </a:rPr>
               <a:t>parameters</a:t>
             </a:r>
-            <a:r>
-              <a:rPr lang="tr-TR" sz="2400" dirty="0" smtClean="0">
-                <a:latin typeface="Times New Roman" panose="02020603050405020304" pitchFamily="18" charset="0"/>
-                <a:cs typeface="Times New Roman" panose="02020603050405020304" pitchFamily="18" charset="0"/>
-              </a:rPr>
-              <a:t> (5’)</a:t>
-            </a:r>
             <a:endParaRPr lang="en-US" sz="2400" dirty="0" smtClean="0">
               <a:latin typeface="Times New Roman" panose="02020603050405020304" pitchFamily="18" charset="0"/>
               <a:cs typeface="Times New Roman" panose="02020603050405020304" pitchFamily="18" charset="0"/>
@@ -11686,13 +13136,6 @@
               </a:rPr>
               <a:t>design</a:t>
             </a:r>
-            <a:r>
-              <a:rPr lang="tr-TR" sz="2400" dirty="0" smtClean="0">
-                <a:latin typeface="Times New Roman" panose="02020603050405020304" pitchFamily="18" charset="0"/>
-                <a:cs typeface="Times New Roman" panose="02020603050405020304" pitchFamily="18" charset="0"/>
-              </a:rPr>
-              <a:t> (2’)</a:t>
-            </a:r>
             <a:endParaRPr lang="en-US" sz="2400" dirty="0" smtClean="0">
               <a:latin typeface="Times New Roman" panose="02020603050405020304" pitchFamily="18" charset="0"/>
               <a:cs typeface="Times New Roman" panose="02020603050405020304" pitchFamily="18" charset="0"/>
@@ -11713,17 +13156,6 @@
               </a:rPr>
               <a:t>Conclusions</a:t>
             </a:r>
-            <a:r>
-              <a:rPr lang="tr-TR" sz="2400" dirty="0" smtClean="0">
-                <a:latin typeface="Times New Roman" panose="02020603050405020304" pitchFamily="18" charset="0"/>
-                <a:cs typeface="Times New Roman" panose="02020603050405020304" pitchFamily="18" charset="0"/>
-              </a:rPr>
-              <a:t> (2’)</a:t>
-            </a:r>
-            <a:endParaRPr lang="en-US" sz="2400" dirty="0" smtClean="0">
-              <a:latin typeface="Times New Roman" panose="02020603050405020304" pitchFamily="18" charset="0"/>
-              <a:cs typeface="Times New Roman" panose="02020603050405020304" pitchFamily="18" charset="0"/>
-            </a:endParaRPr>
           </a:p>
           <a:p>
             <a:pPr marL="342900" indent="-342900">
@@ -14701,8 +16133,8 @@
         </p:blipFill>
         <p:spPr>
           <a:xfrm>
-            <a:off x="1924403" y="986103"/>
-            <a:ext cx="6180311" cy="2250375"/>
+            <a:off x="1924404" y="986104"/>
+            <a:ext cx="5343870" cy="1945810"/>
           </a:xfrm>
           <a:prstGeom prst="rect">
             <a:avLst/>
@@ -14718,20 +16150,20 @@
           <p:nvPr>
             <p:extLst>
               <p:ext uri="{D42A27DB-BD31-4B8C-83A1-F6EECF244321}">
-                <p14:modId xmlns:p14="http://schemas.microsoft.com/office/powerpoint/2010/main" val="4094026679"/>
+                <p14:modId xmlns:p14="http://schemas.microsoft.com/office/powerpoint/2010/main" val="2300065837"/>
               </p:ext>
             </p:extLst>
           </p:nvPr>
         </p:nvGraphicFramePr>
         <p:xfrm>
-          <a:off x="1066800" y="3439147"/>
-          <a:ext cx="4439197" cy="3333650"/>
+          <a:off x="1066800" y="3003617"/>
+          <a:ext cx="5019163" cy="3769180"/>
         </p:xfrm>
         <a:graphic>
           <a:graphicData uri="http://schemas.openxmlformats.org/presentationml/2006/ole">
             <mc:AlternateContent xmlns:mc="http://schemas.openxmlformats.org/markup-compatibility/2006">
               <mc:Choice xmlns:v="urn:schemas-microsoft-com:vml" Requires="v">
-                <p:oleObj spid="_x0000_s1071" name="Visio" r:id="rId7" imgW="2485904" imgH="1866757" progId="Visio.Drawing.15">
+                <p:oleObj spid="_x0000_s1074" name="Visio" r:id="rId7" imgW="2485904" imgH="1866757" progId="Visio.Drawing.15">
                   <p:embed/>
                 </p:oleObj>
               </mc:Choice>
@@ -14755,8 +16187,8 @@
                     </p:blipFill>
                     <p:spPr bwMode="auto">
                       <a:xfrm>
-                        <a:off x="1066800" y="3439147"/>
-                        <a:ext cx="4439197" cy="3333650"/>
+                        <a:off x="1066800" y="3003617"/>
+                        <a:ext cx="5019163" cy="3769180"/>
                       </a:xfrm>
                       <a:prstGeom prst="rect">
                         <a:avLst/>
@@ -14786,8 +16218,8 @@
         </p:blipFill>
         <p:spPr>
           <a:xfrm>
-            <a:off x="5730397" y="3724508"/>
-            <a:ext cx="3333203" cy="2223307"/>
+            <a:off x="5661617" y="3724509"/>
+            <a:ext cx="3401983" cy="2269184"/>
           </a:xfrm>
           <a:prstGeom prst="rect">
             <a:avLst/>
@@ -14802,7 +16234,7 @@
         </p:nvSpPr>
         <p:spPr>
           <a:xfrm>
-            <a:off x="7907743" y="1150857"/>
+            <a:off x="7218015" y="1032051"/>
             <a:ext cx="393942" cy="369332"/>
           </a:xfrm>
           <a:prstGeom prst="rect">
@@ -14840,7 +16272,7 @@
         </p:nvCxnSpPr>
         <p:spPr>
           <a:xfrm flipV="1">
-            <a:off x="7620000" y="1363266"/>
+            <a:off x="6938316" y="1320826"/>
             <a:ext cx="329958" cy="267791"/>
           </a:xfrm>
           <a:prstGeom prst="straightConnector1">
@@ -14876,7 +16308,7 @@
         </p:nvSpPr>
         <p:spPr>
           <a:xfrm>
-            <a:off x="3733800" y="3254481"/>
+            <a:off x="1752851" y="6232475"/>
             <a:ext cx="393942" cy="369332"/>
           </a:xfrm>
           <a:prstGeom prst="rect">
@@ -14921,9 +16353,9 @@
           <p:nvPr/>
         </p:nvCxnSpPr>
         <p:spPr>
-          <a:xfrm flipV="1">
-            <a:off x="3446057" y="3466890"/>
-            <a:ext cx="329958" cy="267791"/>
+          <a:xfrm flipH="1">
+            <a:off x="2070537" y="6063387"/>
+            <a:ext cx="483646" cy="331895"/>
           </a:xfrm>
           <a:prstGeom prst="straightConnector1">
             <a:avLst/>
@@ -14958,7 +16390,7 @@
         </p:nvSpPr>
         <p:spPr>
           <a:xfrm>
-            <a:off x="1660907" y="3984215"/>
+            <a:off x="1884557" y="3841817"/>
             <a:ext cx="393942" cy="369332"/>
           </a:xfrm>
           <a:prstGeom prst="rect">
@@ -15004,7 +16436,7 @@
         </p:nvCxnSpPr>
         <p:spPr>
           <a:xfrm flipH="1" flipV="1">
-            <a:off x="1885307" y="4353547"/>
+            <a:off x="2130494" y="4238501"/>
             <a:ext cx="322586" cy="370854"/>
           </a:xfrm>
           <a:prstGeom prst="straightConnector1">
@@ -15040,8 +16472,8 @@
         </p:nvSpPr>
         <p:spPr>
           <a:xfrm>
-            <a:off x="2950459" y="6354246"/>
-            <a:ext cx="838200" cy="369332"/>
+            <a:off x="3520924" y="6271786"/>
+            <a:ext cx="2244516" cy="646331"/>
           </a:xfrm>
           <a:prstGeom prst="rect">
             <a:avLst/>
@@ -15055,27 +16487,19 @@
           <a:lstStyle/>
           <a:p>
             <a:r>
+              <a:rPr lang="tr-TR" dirty="0" err="1" smtClean="0">
+                <a:solidFill>
+                  <a:srgbClr val="2515F7"/>
+                </a:solidFill>
+              </a:rPr>
+              <a:t>Switching</a:t>
+            </a:r>
+            <a:r>
               <a:rPr lang="tr-TR" dirty="0" smtClean="0">
                 <a:solidFill>
                   <a:srgbClr val="2515F7"/>
                 </a:solidFill>
               </a:rPr>
-              <a:t>f</a:t>
-            </a:r>
-            <a:r>
-              <a:rPr lang="tr-TR" baseline="-25000" dirty="0" smtClean="0">
-                <a:solidFill>
-                  <a:srgbClr val="2515F7"/>
-                </a:solidFill>
-              </a:rPr>
-              <a:t>sw</a:t>
-            </a:r>
-            <a:r>
-              <a:rPr lang="tr-TR" dirty="0">
-                <a:solidFill>
-                  <a:srgbClr val="2515F7"/>
-                </a:solidFill>
-              </a:rPr>
               <a:t> </a:t>
             </a:r>
             <a:r>
@@ -15084,15 +16508,38 @@
                   <a:srgbClr val="2515F7"/>
                 </a:solidFill>
               </a:rPr>
-              <a:t>m</a:t>
-            </a:r>
-            <a:r>
-              <a:rPr lang="tr-TR" baseline="-25000" dirty="0" err="1" smtClean="0">
+              <a:t>frequency</a:t>
+            </a:r>
+            <a:endParaRPr lang="tr-TR" dirty="0" smtClean="0">
+              <a:solidFill>
+                <a:srgbClr val="2515F7"/>
+              </a:solidFill>
+            </a:endParaRPr>
+          </a:p>
+          <a:p>
+            <a:r>
+              <a:rPr lang="tr-TR" dirty="0" err="1" smtClean="0">
                 <a:solidFill>
                   <a:srgbClr val="2515F7"/>
                 </a:solidFill>
               </a:rPr>
-              <a:t>a</a:t>
+              <a:t>Modulation</a:t>
+            </a:r>
+            <a:r>
+              <a:rPr lang="tr-TR" dirty="0" smtClean="0">
+                <a:solidFill>
+                  <a:srgbClr val="2515F7"/>
+                </a:solidFill>
+              </a:rPr>
+              <a:t> </a:t>
+            </a:r>
+            <a:r>
+              <a:rPr lang="tr-TR" dirty="0" err="1" smtClean="0">
+                <a:solidFill>
+                  <a:srgbClr val="2515F7"/>
+                </a:solidFill>
+              </a:rPr>
+              <a:t>depth</a:t>
             </a:r>
             <a:endParaRPr lang="en-US" baseline="-25000" dirty="0">
               <a:solidFill>
@@ -15110,7 +16557,7 @@
         </p:nvCxnSpPr>
         <p:spPr>
           <a:xfrm flipV="1">
-            <a:off x="2895601" y="6341927"/>
+            <a:off x="3505200" y="6365333"/>
             <a:ext cx="0" cy="356142"/>
           </a:xfrm>
           <a:prstGeom prst="straightConnector1">
@@ -15146,8 +16593,8 @@
         </p:nvSpPr>
         <p:spPr>
           <a:xfrm>
-            <a:off x="8227855" y="3371695"/>
-            <a:ext cx="393942" cy="369332"/>
+            <a:off x="7822505" y="3087676"/>
+            <a:ext cx="916145" cy="646331"/>
           </a:xfrm>
           <a:prstGeom prst="rect">
             <a:avLst/>
@@ -15160,15 +16607,36 @@
           </a:bodyPr>
           <a:lstStyle/>
           <a:p>
-            <a:r>
-              <a:rPr lang="el-GR" dirty="0" smtClean="0">
+            <a:pPr algn="ctr"/>
+            <a:r>
+              <a:rPr lang="tr-TR" dirty="0" err="1" smtClean="0">
                 <a:solidFill>
                   <a:srgbClr val="2515F7"/>
                 </a:solidFill>
                 <a:latin typeface="Times New Roman" panose="02020603050405020304" pitchFamily="18" charset="0"/>
                 <a:cs typeface="Times New Roman" panose="02020603050405020304" pitchFamily="18" charset="0"/>
               </a:rPr>
-              <a:t>α</a:t>
+              <a:t>Aspect</a:t>
+            </a:r>
+            <a:endParaRPr lang="tr-TR" dirty="0" smtClean="0">
+              <a:solidFill>
+                <a:srgbClr val="2515F7"/>
+              </a:solidFill>
+              <a:latin typeface="Times New Roman" panose="02020603050405020304" pitchFamily="18" charset="0"/>
+              <a:cs typeface="Times New Roman" panose="02020603050405020304" pitchFamily="18" charset="0"/>
+            </a:endParaRPr>
+          </a:p>
+          <a:p>
+            <a:pPr algn="ctr"/>
+            <a:r>
+              <a:rPr lang="tr-TR" dirty="0" err="1" smtClean="0">
+                <a:solidFill>
+                  <a:srgbClr val="2515F7"/>
+                </a:solidFill>
+                <a:latin typeface="Times New Roman" panose="02020603050405020304" pitchFamily="18" charset="0"/>
+                <a:cs typeface="Times New Roman" panose="02020603050405020304" pitchFamily="18" charset="0"/>
+              </a:rPr>
+              <a:t>ratio</a:t>
             </a:r>
             <a:endParaRPr lang="en-US" dirty="0">
               <a:solidFill>
@@ -15186,8 +16654,8 @@
         </p:nvCxnSpPr>
         <p:spPr>
           <a:xfrm flipV="1">
-            <a:off x="7940112" y="3584104"/>
-            <a:ext cx="329958" cy="267791"/>
+            <a:off x="7796827" y="3554721"/>
+            <a:ext cx="153131" cy="345006"/>
           </a:xfrm>
           <a:prstGeom prst="straightConnector1">
             <a:avLst/>
@@ -15222,8 +16690,8 @@
         </p:nvSpPr>
         <p:spPr>
           <a:xfrm>
-            <a:off x="8606058" y="5624360"/>
-            <a:ext cx="537942" cy="369332"/>
+            <a:off x="7086600" y="6044669"/>
+            <a:ext cx="2057400" cy="369332"/>
           </a:xfrm>
           <a:prstGeom prst="rect">
             <a:avLst/>
@@ -15241,18 +16709,8 @@
                 <a:solidFill>
                   <a:srgbClr val="2515F7"/>
                 </a:solidFill>
-                <a:latin typeface="Times New Roman" panose="02020603050405020304" pitchFamily="18" charset="0"/>
-                <a:cs typeface="Times New Roman" panose="02020603050405020304" pitchFamily="18" charset="0"/>
-              </a:rPr>
-              <a:t>w</a:t>
-            </a:r>
-            <a:r>
-              <a:rPr lang="tr-TR" baseline="-25000" dirty="0" err="1" smtClean="0">
-                <a:solidFill>
-                  <a:srgbClr val="2515F7"/>
-                </a:solidFill>
-              </a:rPr>
-              <a:t>s</a:t>
+              </a:rPr>
+              <a:t>Slot</a:t>
             </a:r>
             <a:r>
               <a:rPr lang="tr-TR" dirty="0" smtClean="0">
@@ -15260,7 +16718,31 @@
                   <a:srgbClr val="2515F7"/>
                 </a:solidFill>
               </a:rPr>
-              <a:t> </a:t>
+              <a:t>/</a:t>
+            </a:r>
+            <a:r>
+              <a:rPr lang="tr-TR" dirty="0" err="1" smtClean="0">
+                <a:solidFill>
+                  <a:srgbClr val="2515F7"/>
+                </a:solidFill>
+              </a:rPr>
+              <a:t>module</a:t>
+            </a:r>
+            <a:r>
+              <a:rPr lang="tr-TR" dirty="0" smtClean="0">
+                <a:solidFill>
+                  <a:srgbClr val="2515F7"/>
+                </a:solidFill>
+              </a:rPr>
+              <a:t>/</a:t>
+            </a:r>
+            <a:r>
+              <a:rPr lang="tr-TR" dirty="0" err="1" smtClean="0">
+                <a:solidFill>
+                  <a:srgbClr val="2515F7"/>
+                </a:solidFill>
+              </a:rPr>
+              <a:t>phase</a:t>
             </a:r>
             <a:endParaRPr lang="en-US" baseline="-25000" dirty="0">
               <a:solidFill>
@@ -15277,9 +16759,9 @@
           <p:nvPr/>
         </p:nvCxnSpPr>
         <p:spPr>
-          <a:xfrm>
-            <a:off x="8557619" y="5363951"/>
-            <a:ext cx="205381" cy="351049"/>
+          <a:xfrm flipH="1">
+            <a:off x="8454928" y="5363951"/>
+            <a:ext cx="102691" cy="637198"/>
           </a:xfrm>
           <a:prstGeom prst="straightConnector1">
             <a:avLst/>
@@ -15364,6 +16846,42 @@
           <a:xfrm flipV="1">
             <a:off x="8454928" y="4238501"/>
             <a:ext cx="246563" cy="86795"/>
+          </a:xfrm>
+          <a:prstGeom prst="straightConnector1">
+            <a:avLst/>
+          </a:prstGeom>
+          <a:ln w="28575">
+            <a:solidFill>
+              <a:srgbClr val="0A35EC"/>
+            </a:solidFill>
+            <a:tailEnd type="triangle"/>
+          </a:ln>
+        </p:spPr>
+        <p:style>
+          <a:lnRef idx="1">
+            <a:schemeClr val="dk1"/>
+          </a:lnRef>
+          <a:fillRef idx="0">
+            <a:schemeClr val="dk1"/>
+          </a:fillRef>
+          <a:effectRef idx="0">
+            <a:schemeClr val="dk1"/>
+          </a:effectRef>
+          <a:fontRef idx="minor">
+            <a:schemeClr val="tx1"/>
+          </a:fontRef>
+        </p:style>
+      </p:cxnSp>
+      <p:cxnSp>
+        <p:nvCxnSpPr>
+          <p:cNvPr id="35" name="Straight Arrow Connector 34"/>
+          <p:cNvCxnSpPr/>
+          <p:nvPr/>
+        </p:nvCxnSpPr>
+        <p:spPr>
+          <a:xfrm flipV="1">
+            <a:off x="3352800" y="6360841"/>
+            <a:ext cx="0" cy="356142"/>
           </a:xfrm>
           <a:prstGeom prst="straightConnector1">
             <a:avLst/>
@@ -16029,6 +17547,51 @@
                                         </p:cTn>
                                         <p:tgtEl>
                                           <p:spTgt spid="37"/>
+                                        </p:tgtEl>
+                                        <p:attrNameLst>
+                                          <p:attrName>style.visibility</p:attrName>
+                                        </p:attrNameLst>
+                                      </p:cBhvr>
+                                      <p:to>
+                                        <p:strVal val="visible"/>
+                                      </p:to>
+                                    </p:set>
+                                  </p:childTnLst>
+                                </p:cTn>
+                              </p:par>
+                            </p:childTnLst>
+                          </p:cTn>
+                        </p:par>
+                      </p:childTnLst>
+                    </p:cTn>
+                  </p:par>
+                  <p:par>
+                    <p:cTn id="57" fill="hold">
+                      <p:stCondLst>
+                        <p:cond delay="indefinite"/>
+                      </p:stCondLst>
+                      <p:childTnLst>
+                        <p:par>
+                          <p:cTn id="58" fill="hold">
+                            <p:stCondLst>
+                              <p:cond delay="0"/>
+                            </p:stCondLst>
+                            <p:childTnLst>
+                              <p:par>
+                                <p:cTn id="59" presetID="1" presetClass="entr" presetSubtype="0" fill="hold" nodeType="clickEffect">
+                                  <p:stCondLst>
+                                    <p:cond delay="0"/>
+                                  </p:stCondLst>
+                                  <p:childTnLst>
+                                    <p:set>
+                                      <p:cBhvr>
+                                        <p:cTn id="60" dur="1" fill="hold">
+                                          <p:stCondLst>
+                                            <p:cond delay="0"/>
+                                          </p:stCondLst>
+                                        </p:cTn>
+                                        <p:tgtEl>
+                                          <p:spTgt spid="35"/>
                                         </p:tgtEl>
                                         <p:attrNameLst>
                                           <p:attrName>style.visibility</p:attrName>
@@ -20688,6 +22251,1092 @@
           </a:p>
         </p:txBody>
       </p:sp>
+      <mc:AlternateContent xmlns:mc="http://schemas.openxmlformats.org/markup-compatibility/2006">
+        <mc:Choice xmlns:a14="http://schemas.microsoft.com/office/drawing/2010/main" Requires="a14">
+          <p:sp>
+            <p:nvSpPr>
+              <p:cNvPr id="31" name="TextBox 30"/>
+              <p:cNvSpPr txBox="1"/>
+              <p:nvPr/>
+            </p:nvSpPr>
+            <p:spPr>
+              <a:xfrm>
+                <a:off x="1219824" y="994564"/>
+                <a:ext cx="3885576" cy="861774"/>
+              </a:xfrm>
+              <a:prstGeom prst="rect">
+                <a:avLst/>
+              </a:prstGeom>
+              <a:noFill/>
+            </p:spPr>
+            <p:txBody>
+              <a:bodyPr wrap="square" rtlCol="0">
+                <a:spAutoFit/>
+              </a:bodyPr>
+              <a:lstStyle/>
+              <a:p>
+                <a:pPr>
+                  <a:spcAft>
+                    <a:spcPts val="1200"/>
+                  </a:spcAft>
+                </a:pPr>
+                <a:r>
+                  <a:rPr lang="tr-TR" dirty="0" smtClean="0">
+                    <a:solidFill>
+                      <a:srgbClr val="002060"/>
+                    </a:solidFill>
+                    <a:latin typeface="Times New Roman" panose="02020603050405020304" pitchFamily="18" charset="0"/>
+                    <a:cs typeface="Times New Roman" panose="02020603050405020304" pitchFamily="18" charset="0"/>
+                  </a:rPr>
+                  <a:t>Main </a:t>
+                </a:r>
+                <a:r>
+                  <a:rPr lang="tr-TR" dirty="0" err="1" smtClean="0">
+                    <a:solidFill>
+                      <a:srgbClr val="002060"/>
+                    </a:solidFill>
+                    <a:latin typeface="Times New Roman" panose="02020603050405020304" pitchFamily="18" charset="0"/>
+                    <a:cs typeface="Times New Roman" panose="02020603050405020304" pitchFamily="18" charset="0"/>
+                  </a:rPr>
+                  <a:t>dimensions</a:t>
+                </a:r>
+                <a:r>
+                  <a:rPr lang="tr-TR" dirty="0" smtClean="0">
+                    <a:solidFill>
+                      <a:srgbClr val="002060"/>
+                    </a:solidFill>
+                    <a:latin typeface="Times New Roman" panose="02020603050405020304" pitchFamily="18" charset="0"/>
+                    <a:cs typeface="Times New Roman" panose="02020603050405020304" pitchFamily="18" charset="0"/>
+                  </a:rPr>
+                  <a:t>: </a:t>
+                </a:r>
+                <a14:m>
+                  <m:oMath xmlns:m="http://schemas.openxmlformats.org/officeDocument/2006/math">
+                    <m:r>
+                      <m:rPr>
+                        <m:sty m:val="p"/>
+                      </m:rPr>
+                      <a:rPr lang="el-GR" sz="2200" i="1">
+                        <a:latin typeface="Cambria Math" panose="02040503050406030204" pitchFamily="18" charset="0"/>
+                      </a:rPr>
+                      <m:t>σ</m:t>
+                    </m:r>
+                    <m:r>
+                      <a:rPr lang="en-US" sz="2200" i="1">
+                        <a:latin typeface="Cambria Math" panose="02040503050406030204" pitchFamily="18" charset="0"/>
+                      </a:rPr>
+                      <m:t>=</m:t>
+                    </m:r>
+                    <m:sSub>
+                      <m:sSubPr>
+                        <m:ctrlPr>
+                          <a:rPr lang="en-US" sz="2200" i="1">
+                            <a:latin typeface="Cambria Math" panose="02040503050406030204" pitchFamily="18" charset="0"/>
+                          </a:rPr>
+                        </m:ctrlPr>
+                      </m:sSubPr>
+                      <m:e>
+                        <m:r>
+                          <a:rPr lang="tr-TR" sz="2200" i="1">
+                            <a:latin typeface="Cambria Math" panose="02040503050406030204" pitchFamily="18" charset="0"/>
+                          </a:rPr>
+                          <m:t>𝐵</m:t>
+                        </m:r>
+                      </m:e>
+                      <m:sub>
+                        <m:r>
+                          <a:rPr lang="tr-TR" sz="2200" i="1">
+                            <a:latin typeface="Cambria Math" panose="02040503050406030204" pitchFamily="18" charset="0"/>
+                          </a:rPr>
+                          <m:t> </m:t>
+                        </m:r>
+                      </m:sub>
+                    </m:sSub>
+                    <m:sSub>
+                      <m:sSubPr>
+                        <m:ctrlPr>
+                          <a:rPr lang="en-US" sz="2200" i="1">
+                            <a:latin typeface="Cambria Math" panose="02040503050406030204" pitchFamily="18" charset="0"/>
+                          </a:rPr>
+                        </m:ctrlPr>
+                      </m:sSubPr>
+                      <m:e>
+                        <m:r>
+                          <a:rPr lang="tr-TR" sz="2200" i="1">
+                            <a:latin typeface="Cambria Math" panose="02040503050406030204" pitchFamily="18" charset="0"/>
+                          </a:rPr>
+                          <m:t>𝐴</m:t>
+                        </m:r>
+                      </m:e>
+                      <m:sub>
+                        <m:r>
+                          <a:rPr lang="tr-TR" sz="2200" i="1">
+                            <a:latin typeface="Cambria Math" panose="02040503050406030204" pitchFamily="18" charset="0"/>
+                          </a:rPr>
+                          <m:t>𝑟𝑚𝑠</m:t>
+                        </m:r>
+                      </m:sub>
+                    </m:sSub>
+                  </m:oMath>
+                </a14:m>
+                <a:endParaRPr lang="en-US" sz="2200" dirty="0"/>
+              </a:p>
+              <a:p>
+                <a:pPr>
+                  <a:spcAft>
+                    <a:spcPts val="1200"/>
+                  </a:spcAft>
+                </a:pPr>
+                <a:endParaRPr lang="en-US" dirty="0" smtClean="0">
+                  <a:solidFill>
+                    <a:srgbClr val="002060"/>
+                  </a:solidFill>
+                  <a:latin typeface="Times New Roman" panose="02020603050405020304" pitchFamily="18" charset="0"/>
+                  <a:cs typeface="Times New Roman" panose="02020603050405020304" pitchFamily="18" charset="0"/>
+                </a:endParaRPr>
+              </a:p>
+            </p:txBody>
+          </p:sp>
+        </mc:Choice>
+        <mc:Fallback>
+          <p:sp>
+            <p:nvSpPr>
+              <p:cNvPr id="31" name="TextBox 30"/>
+              <p:cNvSpPr txBox="1">
+                <a:spLocks noRot="1" noChangeAspect="1" noMove="1" noResize="1" noEditPoints="1" noAdjustHandles="1" noChangeArrowheads="1" noChangeShapeType="1" noTextEdit="1"/>
+              </p:cNvSpPr>
+              <p:nvPr/>
+            </p:nvSpPr>
+            <p:spPr>
+              <a:xfrm>
+                <a:off x="1219824" y="994564"/>
+                <a:ext cx="3885576" cy="861774"/>
+              </a:xfrm>
+              <a:prstGeom prst="rect">
+                <a:avLst/>
+              </a:prstGeom>
+              <a:blipFill>
+                <a:blip r:embed="rId5"/>
+                <a:stretch>
+                  <a:fillRect l="-1254"/>
+                </a:stretch>
+              </a:blipFill>
+            </p:spPr>
+            <p:txBody>
+              <a:bodyPr/>
+              <a:lstStyle/>
+              <a:p>
+                <a:r>
+                  <a:rPr lang="en-US">
+                    <a:noFill/>
+                  </a:rPr>
+                  <a:t> </a:t>
+                </a:r>
+              </a:p>
+            </p:txBody>
+          </p:sp>
+        </mc:Fallback>
+      </mc:AlternateContent>
+      <mc:AlternateContent xmlns:mc="http://schemas.openxmlformats.org/markup-compatibility/2006">
+        <mc:Choice xmlns:a14="http://schemas.microsoft.com/office/drawing/2010/main" Requires="a14">
+          <p:sp>
+            <p:nvSpPr>
+              <p:cNvPr id="29" name="TextBox 28"/>
+              <p:cNvSpPr txBox="1"/>
+              <p:nvPr/>
+            </p:nvSpPr>
+            <p:spPr>
+              <a:xfrm>
+                <a:off x="1224077" y="2697401"/>
+                <a:ext cx="3885576" cy="1723549"/>
+              </a:xfrm>
+              <a:prstGeom prst="rect">
+                <a:avLst/>
+              </a:prstGeom>
+              <a:noFill/>
+            </p:spPr>
+            <p:txBody>
+              <a:bodyPr wrap="square" rtlCol="0">
+                <a:spAutoFit/>
+              </a:bodyPr>
+              <a:lstStyle/>
+              <a:p>
+                <a:pPr>
+                  <a:spcAft>
+                    <a:spcPts val="1200"/>
+                  </a:spcAft>
+                </a:pPr>
+                <a:r>
+                  <a:rPr lang="tr-TR" dirty="0" smtClean="0">
+                    <a:solidFill>
+                      <a:srgbClr val="002060"/>
+                    </a:solidFill>
+                    <a:latin typeface="Times New Roman" panose="02020603050405020304" pitchFamily="18" charset="0"/>
+                    <a:cs typeface="Times New Roman" panose="02020603050405020304" pitchFamily="18" charset="0"/>
+                  </a:rPr>
+                  <a:t>Main </a:t>
+                </a:r>
+                <a:r>
+                  <a:rPr lang="tr-TR" dirty="0" err="1" smtClean="0">
+                    <a:solidFill>
+                      <a:srgbClr val="002060"/>
+                    </a:solidFill>
+                    <a:latin typeface="Times New Roman" panose="02020603050405020304" pitchFamily="18" charset="0"/>
+                    <a:cs typeface="Times New Roman" panose="02020603050405020304" pitchFamily="18" charset="0"/>
+                  </a:rPr>
+                  <a:t>dimensions</a:t>
+                </a:r>
+                <a:r>
+                  <a:rPr lang="tr-TR" dirty="0" smtClean="0">
+                    <a:solidFill>
+                      <a:srgbClr val="002060"/>
+                    </a:solidFill>
+                    <a:latin typeface="Times New Roman" panose="02020603050405020304" pitchFamily="18" charset="0"/>
+                    <a:cs typeface="Times New Roman" panose="02020603050405020304" pitchFamily="18" charset="0"/>
+                  </a:rPr>
+                  <a:t>: </a:t>
+                </a:r>
+                <a14:m>
+                  <m:oMath xmlns:m="http://schemas.openxmlformats.org/officeDocument/2006/math">
+                    <m:r>
+                      <m:rPr>
+                        <m:sty m:val="p"/>
+                      </m:rPr>
+                      <a:rPr lang="el-GR" sz="2200" i="1">
+                        <a:latin typeface="Cambria Math" panose="02040503050406030204" pitchFamily="18" charset="0"/>
+                      </a:rPr>
+                      <m:t>σ</m:t>
+                    </m:r>
+                    <m:r>
+                      <a:rPr lang="en-US" sz="2200" i="1">
+                        <a:latin typeface="Cambria Math" panose="02040503050406030204" pitchFamily="18" charset="0"/>
+                      </a:rPr>
+                      <m:t>=</m:t>
+                    </m:r>
+                    <m:sSub>
+                      <m:sSubPr>
+                        <m:ctrlPr>
+                          <a:rPr lang="en-US" sz="2200" i="1">
+                            <a:latin typeface="Cambria Math" panose="02040503050406030204" pitchFamily="18" charset="0"/>
+                          </a:rPr>
+                        </m:ctrlPr>
+                      </m:sSubPr>
+                      <m:e>
+                        <m:r>
+                          <a:rPr lang="tr-TR" sz="2200" i="1">
+                            <a:latin typeface="Cambria Math" panose="02040503050406030204" pitchFamily="18" charset="0"/>
+                          </a:rPr>
+                          <m:t>𝐵</m:t>
+                        </m:r>
+                      </m:e>
+                      <m:sub>
+                        <m:r>
+                          <a:rPr lang="tr-TR" sz="2200" i="1">
+                            <a:latin typeface="Cambria Math" panose="02040503050406030204" pitchFamily="18" charset="0"/>
+                          </a:rPr>
+                          <m:t> </m:t>
+                        </m:r>
+                      </m:sub>
+                    </m:sSub>
+                    <m:sSub>
+                      <m:sSubPr>
+                        <m:ctrlPr>
+                          <a:rPr lang="en-US" sz="2200" i="1">
+                            <a:latin typeface="Cambria Math" panose="02040503050406030204" pitchFamily="18" charset="0"/>
+                          </a:rPr>
+                        </m:ctrlPr>
+                      </m:sSubPr>
+                      <m:e>
+                        <m:r>
+                          <a:rPr lang="tr-TR" sz="2200" i="1">
+                            <a:latin typeface="Cambria Math" panose="02040503050406030204" pitchFamily="18" charset="0"/>
+                          </a:rPr>
+                          <m:t>𝐴</m:t>
+                        </m:r>
+                      </m:e>
+                      <m:sub>
+                        <m:r>
+                          <a:rPr lang="tr-TR" sz="2200" i="1">
+                            <a:latin typeface="Cambria Math" panose="02040503050406030204" pitchFamily="18" charset="0"/>
+                          </a:rPr>
+                          <m:t>𝑟𝑚𝑠</m:t>
+                        </m:r>
+                      </m:sub>
+                    </m:sSub>
+                  </m:oMath>
+                </a14:m>
+                <a:endParaRPr lang="en-US" sz="2200" dirty="0"/>
+              </a:p>
+              <a:p>
+                <a:pPr>
+                  <a:spcAft>
+                    <a:spcPts val="1200"/>
+                  </a:spcAft>
+                </a:pPr>
+                <a:r>
+                  <a:rPr lang="tr-TR" dirty="0" err="1" smtClean="0">
+                    <a:solidFill>
+                      <a:srgbClr val="002060"/>
+                    </a:solidFill>
+                    <a:latin typeface="Times New Roman" panose="02020603050405020304" pitchFamily="18" charset="0"/>
+                    <a:cs typeface="Times New Roman" panose="02020603050405020304" pitchFamily="18" charset="0"/>
+                  </a:rPr>
+                  <a:t>Electrical</a:t>
+                </a:r>
+                <a:r>
+                  <a:rPr lang="tr-TR" dirty="0" smtClean="0">
+                    <a:solidFill>
+                      <a:srgbClr val="002060"/>
+                    </a:solidFill>
+                    <a:latin typeface="Times New Roman" panose="02020603050405020304" pitchFamily="18" charset="0"/>
+                    <a:cs typeface="Times New Roman" panose="02020603050405020304" pitchFamily="18" charset="0"/>
+                  </a:rPr>
+                  <a:t> </a:t>
+                </a:r>
+                <a:r>
+                  <a:rPr lang="tr-TR" dirty="0" err="1" smtClean="0">
+                    <a:solidFill>
+                      <a:srgbClr val="002060"/>
+                    </a:solidFill>
+                    <a:latin typeface="Times New Roman" panose="02020603050405020304" pitchFamily="18" charset="0"/>
+                    <a:cs typeface="Times New Roman" panose="02020603050405020304" pitchFamily="18" charset="0"/>
+                  </a:rPr>
+                  <a:t>loss</a:t>
+                </a:r>
+                <a:r>
+                  <a:rPr lang="tr-TR" dirty="0" smtClean="0">
+                    <a:solidFill>
+                      <a:srgbClr val="002060"/>
+                    </a:solidFill>
+                    <a:latin typeface="Times New Roman" panose="02020603050405020304" pitchFamily="18" charset="0"/>
+                    <a:cs typeface="Times New Roman" panose="02020603050405020304" pitchFamily="18" charset="0"/>
+                  </a:rPr>
+                  <a:t> model</a:t>
+                </a:r>
+              </a:p>
+              <a:p>
+                <a:pPr>
+                  <a:spcAft>
+                    <a:spcPts val="1200"/>
+                  </a:spcAft>
+                </a:pPr>
+                <a:r>
+                  <a:rPr lang="tr-TR" dirty="0" smtClean="0">
+                    <a:solidFill>
+                      <a:srgbClr val="002060"/>
+                    </a:solidFill>
+                    <a:latin typeface="Times New Roman" panose="02020603050405020304" pitchFamily="18" charset="0"/>
+                    <a:cs typeface="Times New Roman" panose="02020603050405020304" pitchFamily="18" charset="0"/>
+                  </a:rPr>
+                  <a:t>DC link model</a:t>
+                </a:r>
+              </a:p>
+              <a:p>
+                <a:pPr>
+                  <a:spcAft>
+                    <a:spcPts val="1200"/>
+                  </a:spcAft>
+                </a:pPr>
+                <a:r>
+                  <a:rPr lang="tr-TR" dirty="0" err="1" smtClean="0">
+                    <a:solidFill>
+                      <a:srgbClr val="002060"/>
+                    </a:solidFill>
+                    <a:latin typeface="Times New Roman" panose="02020603050405020304" pitchFamily="18" charset="0"/>
+                    <a:cs typeface="Times New Roman" panose="02020603050405020304" pitchFamily="18" charset="0"/>
+                  </a:rPr>
+                  <a:t>Magnetic</a:t>
+                </a:r>
+                <a:r>
+                  <a:rPr lang="tr-TR" dirty="0" smtClean="0">
+                    <a:solidFill>
+                      <a:srgbClr val="002060"/>
+                    </a:solidFill>
+                    <a:latin typeface="Times New Roman" panose="02020603050405020304" pitchFamily="18" charset="0"/>
+                    <a:cs typeface="Times New Roman" panose="02020603050405020304" pitchFamily="18" charset="0"/>
+                  </a:rPr>
+                  <a:t> </a:t>
+                </a:r>
+                <a:r>
+                  <a:rPr lang="tr-TR" dirty="0" err="1" smtClean="0">
+                    <a:solidFill>
+                      <a:srgbClr val="002060"/>
+                    </a:solidFill>
+                    <a:latin typeface="Times New Roman" panose="02020603050405020304" pitchFamily="18" charset="0"/>
+                    <a:cs typeface="Times New Roman" panose="02020603050405020304" pitchFamily="18" charset="0"/>
+                  </a:rPr>
+                  <a:t>equivalent</a:t>
+                </a:r>
+                <a:r>
+                  <a:rPr lang="tr-TR" dirty="0" smtClean="0">
+                    <a:solidFill>
+                      <a:srgbClr val="002060"/>
+                    </a:solidFill>
+                    <a:latin typeface="Times New Roman" panose="02020603050405020304" pitchFamily="18" charset="0"/>
+                    <a:cs typeface="Times New Roman" panose="02020603050405020304" pitchFamily="18" charset="0"/>
+                  </a:rPr>
+                  <a:t> </a:t>
+                </a:r>
+                <a:r>
+                  <a:rPr lang="tr-TR" dirty="0" err="1" smtClean="0">
+                    <a:solidFill>
+                      <a:srgbClr val="002060"/>
+                    </a:solidFill>
+                    <a:latin typeface="Times New Roman" panose="02020603050405020304" pitchFamily="18" charset="0"/>
+                    <a:cs typeface="Times New Roman" panose="02020603050405020304" pitchFamily="18" charset="0"/>
+                  </a:rPr>
+                  <a:t>circuit</a:t>
+                </a:r>
+                <a:r>
+                  <a:rPr lang="tr-TR" dirty="0" smtClean="0">
+                    <a:solidFill>
+                      <a:srgbClr val="002060"/>
+                    </a:solidFill>
+                    <a:latin typeface="Times New Roman" panose="02020603050405020304" pitchFamily="18" charset="0"/>
+                    <a:cs typeface="Times New Roman" panose="02020603050405020304" pitchFamily="18" charset="0"/>
+                  </a:rPr>
+                  <a:t>  </a:t>
+                </a:r>
+                <a:endParaRPr lang="en-US" dirty="0" smtClean="0">
+                  <a:solidFill>
+                    <a:srgbClr val="002060"/>
+                  </a:solidFill>
+                  <a:latin typeface="Times New Roman" panose="02020603050405020304" pitchFamily="18" charset="0"/>
+                  <a:cs typeface="Times New Roman" panose="02020603050405020304" pitchFamily="18" charset="0"/>
+                </a:endParaRPr>
+              </a:p>
+            </p:txBody>
+          </p:sp>
+        </mc:Choice>
+        <mc:Fallback>
+          <p:sp>
+            <p:nvSpPr>
+              <p:cNvPr id="29" name="TextBox 28"/>
+              <p:cNvSpPr txBox="1">
+                <a:spLocks noRot="1" noChangeAspect="1" noMove="1" noResize="1" noEditPoints="1" noAdjustHandles="1" noChangeArrowheads="1" noChangeShapeType="1" noTextEdit="1"/>
+              </p:cNvSpPr>
+              <p:nvPr/>
+            </p:nvSpPr>
+            <p:spPr>
+              <a:xfrm>
+                <a:off x="1224077" y="2697401"/>
+                <a:ext cx="3885576" cy="1723549"/>
+              </a:xfrm>
+              <a:prstGeom prst="rect">
+                <a:avLst/>
+              </a:prstGeom>
+              <a:blipFill>
+                <a:blip r:embed="rId6"/>
+                <a:stretch>
+                  <a:fillRect l="-1413" b="-4594"/>
+                </a:stretch>
+              </a:blipFill>
+            </p:spPr>
+            <p:txBody>
+              <a:bodyPr/>
+              <a:lstStyle/>
+              <a:p>
+                <a:r>
+                  <a:rPr lang="en-US">
+                    <a:noFill/>
+                  </a:rPr>
+                  <a:t> </a:t>
+                </a:r>
+              </a:p>
+            </p:txBody>
+          </p:sp>
+        </mc:Fallback>
+      </mc:AlternateContent>
+      <p:pic>
+        <p:nvPicPr>
+          <p:cNvPr id="33" name="Picture 32"/>
+          <p:cNvPicPr>
+            <a:picLocks noChangeAspect="1"/>
+          </p:cNvPicPr>
+          <p:nvPr/>
+        </p:nvPicPr>
+        <p:blipFill>
+          <a:blip r:embed="rId7"/>
+          <a:stretch>
+            <a:fillRect/>
+          </a:stretch>
+        </p:blipFill>
+        <p:spPr>
+          <a:xfrm>
+            <a:off x="2438400" y="5029200"/>
+            <a:ext cx="2036058" cy="1241187"/>
+          </a:xfrm>
+          <a:prstGeom prst="rect">
+            <a:avLst/>
+          </a:prstGeom>
+        </p:spPr>
+      </p:pic>
+    </p:spTree>
+    <p:extLst>
+      <p:ext uri="{BB962C8B-B14F-4D97-AF65-F5344CB8AC3E}">
+        <p14:creationId xmlns:p14="http://schemas.microsoft.com/office/powerpoint/2010/main" val="3599139495"/>
+      </p:ext>
+    </p:extLst>
+  </p:cSld>
+  <p:clrMapOvr>
+    <a:masterClrMapping/>
+  </p:clrMapOvr>
+  <p:timing>
+    <p:tnLst>
+      <p:par>
+        <p:cTn id="1" dur="indefinite" restart="never" nodeType="tmRoot">
+          <p:childTnLst>
+            <p:seq concurrent="1" nextAc="seek">
+              <p:cTn id="2" dur="indefinite" nodeType="mainSeq">
+                <p:childTnLst>
+                  <p:par>
+                    <p:cTn id="3" fill="hold">
+                      <p:stCondLst>
+                        <p:cond delay="indefinite"/>
+                      </p:stCondLst>
+                      <p:childTnLst>
+                        <p:par>
+                          <p:cTn id="4" fill="hold">
+                            <p:stCondLst>
+                              <p:cond delay="0"/>
+                            </p:stCondLst>
+                            <p:childTnLst>
+                              <p:par>
+                                <p:cTn id="5" presetID="1" presetClass="entr" presetSubtype="0" fill="hold" grpId="0" nodeType="clickEffect">
+                                  <p:stCondLst>
+                                    <p:cond delay="0"/>
+                                  </p:stCondLst>
+                                  <p:childTnLst>
+                                    <p:set>
+                                      <p:cBhvr>
+                                        <p:cTn id="6" dur="1" fill="hold">
+                                          <p:stCondLst>
+                                            <p:cond delay="0"/>
+                                          </p:stCondLst>
+                                        </p:cTn>
+                                        <p:tgtEl>
+                                          <p:spTgt spid="31"/>
+                                        </p:tgtEl>
+                                        <p:attrNameLst>
+                                          <p:attrName>style.visibility</p:attrName>
+                                        </p:attrNameLst>
+                                      </p:cBhvr>
+                                      <p:to>
+                                        <p:strVal val="visible"/>
+                                      </p:to>
+                                    </p:set>
+                                  </p:childTnLst>
+                                </p:cTn>
+                              </p:par>
+                            </p:childTnLst>
+                          </p:cTn>
+                        </p:par>
+                      </p:childTnLst>
+                    </p:cTn>
+                  </p:par>
+                  <p:par>
+                    <p:cTn id="7" fill="hold">
+                      <p:stCondLst>
+                        <p:cond delay="indefinite"/>
+                      </p:stCondLst>
+                      <p:childTnLst>
+                        <p:par>
+                          <p:cTn id="8" fill="hold">
+                            <p:stCondLst>
+                              <p:cond delay="0"/>
+                            </p:stCondLst>
+                            <p:childTnLst>
+                              <p:par>
+                                <p:cTn id="9" presetID="1" presetClass="entr" presetSubtype="0" fill="hold" grpId="0" nodeType="clickEffect">
+                                  <p:stCondLst>
+                                    <p:cond delay="0"/>
+                                  </p:stCondLst>
+                                  <p:childTnLst>
+                                    <p:set>
+                                      <p:cBhvr>
+                                        <p:cTn id="10" dur="1" fill="hold">
+                                          <p:stCondLst>
+                                            <p:cond delay="0"/>
+                                          </p:stCondLst>
+                                        </p:cTn>
+                                        <p:tgtEl>
+                                          <p:spTgt spid="29"/>
+                                        </p:tgtEl>
+                                        <p:attrNameLst>
+                                          <p:attrName>style.visibility</p:attrName>
+                                        </p:attrNameLst>
+                                      </p:cBhvr>
+                                      <p:to>
+                                        <p:strVal val="visible"/>
+                                      </p:to>
+                                    </p:set>
+                                  </p:childTnLst>
+                                </p:cTn>
+                              </p:par>
+                              <p:par>
+                                <p:cTn id="11" presetID="1" presetClass="entr" presetSubtype="0" fill="hold" nodeType="withEffect">
+                                  <p:stCondLst>
+                                    <p:cond delay="0"/>
+                                  </p:stCondLst>
+                                  <p:childTnLst>
+                                    <p:set>
+                                      <p:cBhvr>
+                                        <p:cTn id="12" dur="1" fill="hold">
+                                          <p:stCondLst>
+                                            <p:cond delay="0"/>
+                                          </p:stCondLst>
+                                        </p:cTn>
+                                        <p:tgtEl>
+                                          <p:spTgt spid="33"/>
+                                        </p:tgtEl>
+                                        <p:attrNameLst>
+                                          <p:attrName>style.visibility</p:attrName>
+                                        </p:attrNameLst>
+                                      </p:cBhvr>
+                                      <p:to>
+                                        <p:strVal val="visible"/>
+                                      </p:to>
+                                    </p:set>
+                                  </p:childTnLst>
+                                </p:cTn>
+                              </p:par>
+                            </p:childTnLst>
+                          </p:cTn>
+                        </p:par>
+                      </p:childTnLst>
+                    </p:cTn>
+                  </p:par>
+                </p:childTnLst>
+              </p:cTn>
+              <p:prevCondLst>
+                <p:cond evt="onPrev" delay="0">
+                  <p:tgtEl>
+                    <p:sldTgt/>
+                  </p:tgtEl>
+                </p:cond>
+              </p:prevCondLst>
+              <p:nextCondLst>
+                <p:cond evt="onNext" delay="0">
+                  <p:tgtEl>
+                    <p:sldTgt/>
+                  </p:tgtEl>
+                </p:cond>
+              </p:nextCondLst>
+            </p:seq>
+          </p:childTnLst>
+        </p:cTn>
+      </p:par>
+    </p:tnLst>
+    <p:bldLst>
+      <p:bldP spid="31" grpId="0"/>
+      <p:bldP spid="29" grpId="0"/>
+    </p:bldLst>
+  </p:timing>
+</p:sld>
+</file>
+
+<file path=ppt/slides/slide8.xml><?xml version="1.0" encoding="utf-8"?>
+<p:sld xmlns:a="http://schemas.openxmlformats.org/drawingml/2006/main" xmlns:r="http://schemas.openxmlformats.org/officeDocument/2006/relationships" xmlns:p="http://schemas.openxmlformats.org/presentationml/2006/main">
+  <p:cSld>
+    <p:spTree>
+      <p:nvGrpSpPr>
+        <p:cNvPr id="1" name=""/>
+        <p:cNvGrpSpPr/>
+        <p:nvPr/>
+      </p:nvGrpSpPr>
+      <p:grpSpPr>
+        <a:xfrm>
+          <a:off x="0" y="0"/>
+          <a:ext cx="0" cy="0"/>
+          <a:chOff x="0" y="0"/>
+          <a:chExt cx="0" cy="0"/>
+        </a:xfrm>
+      </p:grpSpPr>
+      <p:sp>
+        <p:nvSpPr>
+          <p:cNvPr id="10" name="Rectangle 9"/>
+          <p:cNvSpPr/>
+          <p:nvPr/>
+        </p:nvSpPr>
+        <p:spPr>
+          <a:xfrm>
+            <a:off x="0" y="12106"/>
+            <a:ext cx="1011942" cy="6854083"/>
+          </a:xfrm>
+          <a:prstGeom prst="rect">
+            <a:avLst/>
+          </a:prstGeom>
+          <a:gradFill flip="none" rotWithShape="1">
+            <a:gsLst>
+              <a:gs pos="50000">
+                <a:srgbClr val="D00000"/>
+              </a:gs>
+              <a:gs pos="0">
+                <a:srgbClr val="FF0000">
+                  <a:shade val="30000"/>
+                  <a:satMod val="115000"/>
+                </a:srgbClr>
+              </a:gs>
+              <a:gs pos="100000">
+                <a:schemeClr val="accent2">
+                  <a:lumMod val="60000"/>
+                  <a:lumOff val="40000"/>
+                </a:schemeClr>
+              </a:gs>
+            </a:gsLst>
+            <a:lin ang="5400000" scaled="1"/>
+            <a:tileRect/>
+          </a:gradFill>
+          <a:ln>
+            <a:noFill/>
+          </a:ln>
+        </p:spPr>
+        <p:style>
+          <a:lnRef idx="2">
+            <a:schemeClr val="accent1">
+              <a:shade val="50000"/>
+            </a:schemeClr>
+          </a:lnRef>
+          <a:fillRef idx="1">
+            <a:schemeClr val="accent1"/>
+          </a:fillRef>
+          <a:effectRef idx="0">
+            <a:schemeClr val="accent1"/>
+          </a:effectRef>
+          <a:fontRef idx="minor">
+            <a:schemeClr val="lt1"/>
+          </a:fontRef>
+        </p:style>
+        <p:txBody>
+          <a:bodyPr rtlCol="0" anchor="ctr"/>
+          <a:lstStyle/>
+          <a:p>
+            <a:pPr algn="ctr"/>
+            <a:endParaRPr lang="tr-TR"/>
+          </a:p>
+        </p:txBody>
+      </p:sp>
+      <p:cxnSp>
+        <p:nvCxnSpPr>
+          <p:cNvPr id="11" name="Straight Connector 10"/>
+          <p:cNvCxnSpPr/>
+          <p:nvPr/>
+        </p:nvCxnSpPr>
+        <p:spPr>
+          <a:xfrm>
+            <a:off x="1189918" y="838200"/>
+            <a:ext cx="7649282" cy="0"/>
+          </a:xfrm>
+          <a:prstGeom prst="line">
+            <a:avLst/>
+          </a:prstGeom>
+          <a:ln w="50800">
+            <a:solidFill>
+              <a:srgbClr val="F20000"/>
+            </a:solidFill>
+          </a:ln>
+        </p:spPr>
+        <p:style>
+          <a:lnRef idx="1">
+            <a:schemeClr val="accent1"/>
+          </a:lnRef>
+          <a:fillRef idx="0">
+            <a:schemeClr val="accent1"/>
+          </a:fillRef>
+          <a:effectRef idx="0">
+            <a:schemeClr val="accent1"/>
+          </a:effectRef>
+          <a:fontRef idx="minor">
+            <a:schemeClr val="tx1"/>
+          </a:fontRef>
+        </p:style>
+      </p:cxnSp>
+      <p:sp>
+        <p:nvSpPr>
+          <p:cNvPr id="13" name="TextBox 12"/>
+          <p:cNvSpPr txBox="1"/>
+          <p:nvPr/>
+        </p:nvSpPr>
+        <p:spPr>
+          <a:xfrm>
+            <a:off x="1386291" y="224135"/>
+            <a:ext cx="7315200" cy="553998"/>
+          </a:xfrm>
+          <a:prstGeom prst="rect">
+            <a:avLst/>
+          </a:prstGeom>
+          <a:noFill/>
+        </p:spPr>
+        <p:txBody>
+          <a:bodyPr wrap="square" rtlCol="0">
+            <a:spAutoFit/>
+          </a:bodyPr>
+          <a:lstStyle/>
+          <a:p>
+            <a:pPr algn="ctr"/>
+            <a:r>
+              <a:rPr lang="tr-TR" sz="3000" dirty="0" smtClean="0">
+                <a:latin typeface="Times New Roman" panose="02020603050405020304" pitchFamily="18" charset="0"/>
+                <a:cs typeface="Times New Roman" panose="02020603050405020304" pitchFamily="18" charset="0"/>
+              </a:rPr>
+              <a:t>System Model</a:t>
+            </a:r>
+            <a:endParaRPr lang="en-US" sz="3000" dirty="0">
+              <a:latin typeface="Times New Roman" panose="02020603050405020304" pitchFamily="18" charset="0"/>
+              <a:cs typeface="Times New Roman" panose="02020603050405020304" pitchFamily="18" charset="0"/>
+            </a:endParaRPr>
+          </a:p>
+        </p:txBody>
+      </p:sp>
+      <p:cxnSp>
+        <p:nvCxnSpPr>
+          <p:cNvPr id="15" name="Straight Connector 14"/>
+          <p:cNvCxnSpPr/>
+          <p:nvPr/>
+        </p:nvCxnSpPr>
+        <p:spPr>
+          <a:xfrm>
+            <a:off x="1189918" y="914400"/>
+            <a:ext cx="7649282" cy="0"/>
+          </a:xfrm>
+          <a:prstGeom prst="line">
+            <a:avLst/>
+          </a:prstGeom>
+          <a:ln w="19050">
+            <a:solidFill>
+              <a:srgbClr val="F20000"/>
+            </a:solidFill>
+          </a:ln>
+        </p:spPr>
+        <p:style>
+          <a:lnRef idx="1">
+            <a:schemeClr val="accent1"/>
+          </a:lnRef>
+          <a:fillRef idx="0">
+            <a:schemeClr val="accent1"/>
+          </a:fillRef>
+          <a:effectRef idx="0">
+            <a:schemeClr val="accent1"/>
+          </a:effectRef>
+          <a:fontRef idx="minor">
+            <a:schemeClr val="tx1"/>
+          </a:fontRef>
+        </p:style>
+      </p:cxnSp>
+      <p:sp>
+        <p:nvSpPr>
+          <p:cNvPr id="2" name="Slide Number Placeholder 1"/>
+          <p:cNvSpPr>
+            <a:spLocks noGrp="1"/>
+          </p:cNvSpPr>
+          <p:nvPr>
+            <p:ph type="sldNum" sz="quarter" idx="12"/>
+          </p:nvPr>
+        </p:nvSpPr>
+        <p:spPr/>
+        <p:txBody>
+          <a:bodyPr/>
+          <a:lstStyle/>
+          <a:p>
+            <a:fld id="{B6F15528-21DE-4FAA-801E-634DDDAF4B2B}" type="slidenum">
+              <a:rPr lang="en-US" smtClean="0"/>
+              <a:pPr/>
+              <a:t>8</a:t>
+            </a:fld>
+            <a:endParaRPr lang="en-US" dirty="0"/>
+          </a:p>
+        </p:txBody>
+      </p:sp>
+      <p:pic>
+        <p:nvPicPr>
+          <p:cNvPr id="12" name="Picture 2" descr="C:\Users\Mesut\Desktop\aselsan sunum\aselsan sunum 10 ekim\aselsan sunum\cezmi bey\ODTU.png"/>
+          <p:cNvPicPr>
+            <a:picLocks noChangeAspect="1" noChangeArrowheads="1"/>
+          </p:cNvPicPr>
+          <p:nvPr/>
+        </p:nvPicPr>
+        <p:blipFill>
+          <a:blip r:embed="rId3" cstate="print">
+            <a:extLst>
+              <a:ext uri="{28A0092B-C50C-407E-A947-70E740481C1C}">
+                <a14:useLocalDpi xmlns:a14="http://schemas.microsoft.com/office/drawing/2010/main" val="0"/>
+              </a:ext>
+            </a:extLst>
+          </a:blip>
+          <a:srcRect/>
+          <a:stretch>
+            <a:fillRect/>
+          </a:stretch>
+        </p:blipFill>
+        <p:spPr bwMode="auto">
+          <a:xfrm>
+            <a:off x="116458" y="163788"/>
+            <a:ext cx="779026" cy="650016"/>
+          </a:xfrm>
+          <a:prstGeom prst="rect">
+            <a:avLst/>
+          </a:prstGeom>
+          <a:noFill/>
+          <a:extLst>
+            <a:ext uri="{909E8E84-426E-40DD-AFC4-6F175D3DCCD1}">
+              <a14:hiddenFill xmlns:a14="http://schemas.microsoft.com/office/drawing/2010/main">
+                <a:solidFill>
+                  <a:srgbClr val="FFFFFF"/>
+                </a:solidFill>
+              </a14:hiddenFill>
+            </a:ext>
+          </a:extLst>
+        </p:spPr>
+      </p:pic>
+      <p:pic>
+        <p:nvPicPr>
+          <p:cNvPr id="14" name="Picture 13"/>
+          <p:cNvPicPr>
+            <a:picLocks noChangeAspect="1"/>
+          </p:cNvPicPr>
+          <p:nvPr/>
+        </p:nvPicPr>
+        <p:blipFill rotWithShape="1">
+          <a:blip r:embed="rId4"/>
+          <a:srcRect t="1741" b="7727"/>
+          <a:stretch/>
+        </p:blipFill>
+        <p:spPr>
+          <a:xfrm rot="16200000">
+            <a:off x="-315548" y="5538698"/>
+            <a:ext cx="1643039" cy="1011942"/>
+          </a:xfrm>
+          <a:prstGeom prst="rect">
+            <a:avLst/>
+          </a:prstGeom>
+        </p:spPr>
+      </p:pic>
+      <p:sp>
+        <p:nvSpPr>
+          <p:cNvPr id="3" name="Rectangle 2"/>
+          <p:cNvSpPr>
+            <a:spLocks noChangeArrowheads="1"/>
+          </p:cNvSpPr>
+          <p:nvPr/>
+        </p:nvSpPr>
+        <p:spPr bwMode="auto">
+          <a:xfrm>
+            <a:off x="0" y="0"/>
+            <a:ext cx="9144000" cy="0"/>
+          </a:xfrm>
+          <a:prstGeom prst="rect">
+            <a:avLst/>
+          </a:prstGeom>
+          <a:noFill/>
+          <a:ln>
+            <a:noFill/>
+          </a:ln>
+          <a:effectLst/>
+          <a:extLst>
+            <a:ext uri="{909E8E84-426E-40DD-AFC4-6F175D3DCCD1}">
+              <a14:hiddenFill xmlns:a14="http://schemas.microsoft.com/office/drawing/2010/main">
+                <a:solidFill>
+                  <a:schemeClr val="accent1"/>
+                </a:solidFill>
+              </a14:hiddenFill>
+            </a:ext>
+            <a:ext uri="{91240B29-F687-4F45-9708-019B960494DF}">
+              <a14:hiddenLine xmlns:a14="http://schemas.microsoft.com/office/drawing/2010/main" w="9525">
+                <a:solidFill>
+                  <a:schemeClr val="tx1"/>
+                </a:solidFill>
+                <a:miter lim="800000"/>
+                <a:headEnd/>
+                <a:tailEnd/>
+              </a14:hiddenLine>
+            </a:ext>
+            <a:ext uri="{AF507438-7753-43E0-B8FC-AC1667EBCBE1}">
+              <a14:hiddenEffects xmlns:a14="http://schemas.microsoft.com/office/drawing/2010/main">
+                <a:effectLst>
+                  <a:outerShdw dist="35921" dir="2700000" algn="ctr" rotWithShape="0">
+                    <a:schemeClr val="bg2"/>
+                  </a:outerShdw>
+                </a:effectLst>
+              </a14:hiddenEffects>
+            </a:ext>
+          </a:extLst>
+        </p:spPr>
+        <p:txBody>
+          <a:bodyPr vert="horz" wrap="none" lIns="91440" tIns="45720" rIns="91440" bIns="45720" numCol="1" anchor="ctr" anchorCtr="0" compatLnSpc="1">
+            <a:prstTxWarp prst="textNoShape">
+              <a:avLst/>
+            </a:prstTxWarp>
+            <a:spAutoFit/>
+          </a:bodyPr>
+          <a:lstStyle/>
+          <a:p>
+            <a:endParaRPr lang="en-US"/>
+          </a:p>
+        </p:txBody>
+      </p:sp>
+      <p:sp>
+        <p:nvSpPr>
+          <p:cNvPr id="7" name="Rectangle 4"/>
+          <p:cNvSpPr>
+            <a:spLocks noChangeArrowheads="1"/>
+          </p:cNvSpPr>
+          <p:nvPr/>
+        </p:nvSpPr>
+        <p:spPr bwMode="auto">
+          <a:xfrm>
+            <a:off x="0" y="0"/>
+            <a:ext cx="9144000" cy="0"/>
+          </a:xfrm>
+          <a:prstGeom prst="rect">
+            <a:avLst/>
+          </a:prstGeom>
+          <a:noFill/>
+          <a:ln>
+            <a:noFill/>
+          </a:ln>
+          <a:effectLst/>
+          <a:extLst>
+            <a:ext uri="{909E8E84-426E-40DD-AFC4-6F175D3DCCD1}">
+              <a14:hiddenFill xmlns:a14="http://schemas.microsoft.com/office/drawing/2010/main">
+                <a:solidFill>
+                  <a:schemeClr val="accent1"/>
+                </a:solidFill>
+              </a14:hiddenFill>
+            </a:ext>
+            <a:ext uri="{91240B29-F687-4F45-9708-019B960494DF}">
+              <a14:hiddenLine xmlns:a14="http://schemas.microsoft.com/office/drawing/2010/main" w="9525">
+                <a:solidFill>
+                  <a:schemeClr val="tx1"/>
+                </a:solidFill>
+                <a:miter lim="800000"/>
+                <a:headEnd/>
+                <a:tailEnd/>
+              </a14:hiddenLine>
+            </a:ext>
+            <a:ext uri="{AF507438-7753-43E0-B8FC-AC1667EBCBE1}">
+              <a14:hiddenEffects xmlns:a14="http://schemas.microsoft.com/office/drawing/2010/main">
+                <a:effectLst>
+                  <a:outerShdw dist="35921" dir="2700000" algn="ctr" rotWithShape="0">
+                    <a:schemeClr val="bg2"/>
+                  </a:outerShdw>
+                </a:effectLst>
+              </a14:hiddenEffects>
+            </a:ext>
+          </a:extLst>
+        </p:spPr>
+        <p:txBody>
+          <a:bodyPr vert="horz" wrap="none" lIns="91440" tIns="45720" rIns="91440" bIns="45720" numCol="1" anchor="ctr" anchorCtr="0" compatLnSpc="1">
+            <a:prstTxWarp prst="textNoShape">
+              <a:avLst/>
+            </a:prstTxWarp>
+            <a:spAutoFit/>
+          </a:bodyPr>
+          <a:lstStyle/>
+          <a:p>
+            <a:endParaRPr lang="en-US"/>
+          </a:p>
+        </p:txBody>
+      </p:sp>
       <p:pic>
         <p:nvPicPr>
           <p:cNvPr id="17" name="Picture 16"/>
@@ -21246,7 +23895,7 @@
         </p:nvSpPr>
         <p:spPr>
           <a:xfrm>
-            <a:off x="1219824" y="1003451"/>
+            <a:off x="1219824" y="994564"/>
             <a:ext cx="2000724" cy="338554"/>
           </a:xfrm>
           <a:prstGeom prst="rect">
@@ -21295,8 +23944,8 @@
           </a:p>
         </p:txBody>
       </p:sp>
-      <mc:AlternateContent xmlns:mc="http://schemas.openxmlformats.org/markup-compatibility/2006" xmlns:a14="http://schemas.microsoft.com/office/drawing/2010/main">
-        <mc:Choice Requires="a14">
+      <mc:AlternateContent xmlns:mc="http://schemas.openxmlformats.org/markup-compatibility/2006">
+        <mc:Choice xmlns:a14="http://schemas.microsoft.com/office/drawing/2010/main" Requires="a14">
           <p:sp>
             <p:nvSpPr>
               <p:cNvPr id="5" name="TextBox 4"/>
@@ -21305,8 +23954,8 @@
             </p:nvSpPr>
             <p:spPr>
               <a:xfrm>
-                <a:off x="1644355" y="1528843"/>
-                <a:ext cx="1151662" cy="276999"/>
+                <a:off x="1517622" y="1497491"/>
+                <a:ext cx="1405128" cy="338554"/>
               </a:xfrm>
               <a:prstGeom prst="rect">
                 <a:avLst/>
@@ -21330,13 +23979,13 @@
                         <m:rPr>
                           <m:sty m:val="p"/>
                         </m:rPr>
-                        <a:rPr lang="el-GR" i="1" smtClean="0">
+                        <a:rPr lang="el-GR" sz="2200" i="1" smtClean="0">
                           <a:latin typeface="Cambria Math" panose="02040503050406030204" pitchFamily="18" charset="0"/>
                         </a:rPr>
                         <m:t>σ</m:t>
                       </m:r>
                       <m:r>
-                        <a:rPr lang="en-US" i="1" smtClean="0">
+                        <a:rPr lang="en-US" sz="2200" i="1" smtClean="0">
                           <a:latin typeface="Cambria Math" panose="02040503050406030204" pitchFamily="18" charset="0"/>
                         </a:rPr>
                         <m:t>=</m:t>
@@ -21344,14 +23993,14 @@
                       <m:sSub>
                         <m:sSubPr>
                           <m:ctrlPr>
-                            <a:rPr lang="en-US" i="1" smtClean="0">
+                            <a:rPr lang="en-US" sz="2200" i="1" smtClean="0">
                               <a:latin typeface="Cambria Math" panose="02040503050406030204" pitchFamily="18" charset="0"/>
                             </a:rPr>
                           </m:ctrlPr>
                         </m:sSubPr>
                         <m:e>
                           <m:r>
-                            <a:rPr lang="tr-TR" b="0" i="1" smtClean="0">
+                            <a:rPr lang="tr-TR" sz="2200" b="0" i="1" smtClean="0">
                               <a:latin typeface="Cambria Math" panose="02040503050406030204" pitchFamily="18" charset="0"/>
                             </a:rPr>
                             <m:t>𝐵</m:t>
@@ -21359,7 +24008,7 @@
                         </m:e>
                         <m:sub>
                           <m:r>
-                            <a:rPr lang="tr-TR" b="0" i="1" smtClean="0">
+                            <a:rPr lang="tr-TR" sz="2200" b="0" i="1" smtClean="0">
                               <a:latin typeface="Cambria Math" panose="02040503050406030204" pitchFamily="18" charset="0"/>
                             </a:rPr>
                             <m:t> </m:t>
@@ -21369,14 +24018,14 @@
                       <m:sSub>
                         <m:sSubPr>
                           <m:ctrlPr>
-                            <a:rPr lang="en-US" i="1">
+                            <a:rPr lang="en-US" sz="2200" i="1">
                               <a:latin typeface="Cambria Math" panose="02040503050406030204" pitchFamily="18" charset="0"/>
                             </a:rPr>
                           </m:ctrlPr>
                         </m:sSubPr>
                         <m:e>
                           <m:r>
-                            <a:rPr lang="tr-TR" b="0" i="1" smtClean="0">
+                            <a:rPr lang="tr-TR" sz="2200" b="0" i="1" smtClean="0">
                               <a:latin typeface="Cambria Math" panose="02040503050406030204" pitchFamily="18" charset="0"/>
                             </a:rPr>
                             <m:t>𝐴</m:t>
@@ -21384,7 +24033,7 @@
                         </m:e>
                         <m:sub>
                           <m:r>
-                            <a:rPr lang="tr-TR" b="0" i="1" smtClean="0">
+                            <a:rPr lang="tr-TR" sz="2200" b="0" i="1" smtClean="0">
                               <a:latin typeface="Cambria Math" panose="02040503050406030204" pitchFamily="18" charset="0"/>
                             </a:rPr>
                             <m:t>𝑟𝑚𝑠</m:t>
@@ -21394,12 +24043,12 @@
                     </m:oMath>
                   </m:oMathPara>
                 </a14:m>
-                <a:endParaRPr lang="en-US" dirty="0"/>
+                <a:endParaRPr lang="en-US" sz="2200" dirty="0"/>
               </a:p>
             </p:txBody>
           </p:sp>
         </mc:Choice>
-        <mc:Fallback xmlns="">
+        <mc:Fallback>
           <p:sp>
             <p:nvSpPr>
               <p:cNvPr id="5" name="TextBox 4"/>
@@ -21410,8 +24059,8 @@
             </p:nvSpPr>
             <p:spPr>
               <a:xfrm>
-                <a:off x="1644355" y="1528843"/>
-                <a:ext cx="1151662" cy="276999"/>
+                <a:off x="1517622" y="1497491"/>
+                <a:ext cx="1405128" cy="338554"/>
               </a:xfrm>
               <a:prstGeom prst="rect">
                 <a:avLst/>
@@ -21419,288 +24068,7 @@
               <a:blipFill>
                 <a:blip r:embed="rId12"/>
                 <a:stretch>
-                  <a:fillRect l="-2646" r="-529" b="-11111"/>
-                </a:stretch>
-              </a:blipFill>
-            </p:spPr>
-            <p:txBody>
-              <a:bodyPr/>
-              <a:lstStyle/>
-              <a:p>
-                <a:r>
-                  <a:rPr lang="en-US">
-                    <a:noFill/>
-                  </a:rPr>
-                  <a:t> </a:t>
-                </a:r>
-              </a:p>
-            </p:txBody>
-          </p:sp>
-        </mc:Fallback>
-      </mc:AlternateContent>
-      <mc:AlternateContent xmlns:mc="http://schemas.openxmlformats.org/markup-compatibility/2006" xmlns:a14="http://schemas.microsoft.com/office/drawing/2010/main">
-        <mc:Choice Requires="a14">
-          <p:sp>
-            <p:nvSpPr>
-              <p:cNvPr id="32" name="TextBox 31"/>
-              <p:cNvSpPr txBox="1"/>
-              <p:nvPr/>
-            </p:nvSpPr>
-            <p:spPr>
-              <a:xfrm>
-                <a:off x="1130821" y="2005736"/>
-                <a:ext cx="2137572" cy="547394"/>
-              </a:xfrm>
-              <a:prstGeom prst="rect">
-                <a:avLst/>
-              </a:prstGeom>
-              <a:noFill/>
-            </p:spPr>
-            <p:txBody>
-              <a:bodyPr wrap="none" lIns="0" tIns="0" rIns="0" bIns="0" rtlCol="0">
-                <a:spAutoFit/>
-              </a:bodyPr>
-              <a:lstStyle/>
-              <a:p>
-                <a:pPr/>
-                <a14:m>
-                  <m:oMathPara xmlns:m="http://schemas.openxmlformats.org/officeDocument/2006/math">
-                    <m:oMathParaPr>
-                      <m:jc m:val="centerGroup"/>
-                    </m:oMathParaPr>
-                    <m:oMath xmlns:m="http://schemas.openxmlformats.org/officeDocument/2006/math">
-                      <m:sSub>
-                        <m:sSubPr>
-                          <m:ctrlPr>
-                            <a:rPr lang="en-US" sz="1600" i="1" smtClean="0">
-                              <a:latin typeface="Cambria Math" panose="02040503050406030204" pitchFamily="18" charset="0"/>
-                            </a:rPr>
-                          </m:ctrlPr>
-                        </m:sSubPr>
-                        <m:e>
-                          <m:r>
-                            <a:rPr lang="tr-TR" sz="1600" b="0" i="1" smtClean="0">
-                              <a:latin typeface="Cambria Math" panose="02040503050406030204" pitchFamily="18" charset="0"/>
-                            </a:rPr>
-                            <m:t>𝑇</m:t>
-                          </m:r>
-                        </m:e>
-                        <m:sub>
-                          <m:r>
-                            <a:rPr lang="tr-TR" sz="1600" b="0" i="1" smtClean="0">
-                              <a:latin typeface="Cambria Math" panose="02040503050406030204" pitchFamily="18" charset="0"/>
-                            </a:rPr>
-                            <m:t>𝑚</m:t>
-                          </m:r>
-                        </m:sub>
-                      </m:sSub>
-                      <m:r>
-                        <a:rPr lang="en-US" sz="1600" i="1" smtClean="0">
-                          <a:latin typeface="Cambria Math" panose="02040503050406030204" pitchFamily="18" charset="0"/>
-                        </a:rPr>
-                        <m:t>=</m:t>
-                      </m:r>
-                      <m:sSub>
-                        <m:sSubPr>
-                          <m:ctrlPr>
-                            <a:rPr lang="en-US" sz="1600" i="1" smtClean="0">
-                              <a:latin typeface="Cambria Math" panose="02040503050406030204" pitchFamily="18" charset="0"/>
-                            </a:rPr>
-                          </m:ctrlPr>
-                        </m:sSubPr>
-                        <m:e>
-                          <m:f>
-                            <m:fPr>
-                              <m:ctrlPr>
-                                <a:rPr lang="en-US" sz="1600" i="1" smtClean="0">
-                                  <a:latin typeface="Cambria Math" panose="02040503050406030204" pitchFamily="18" charset="0"/>
-                                </a:rPr>
-                              </m:ctrlPr>
-                            </m:fPr>
-                            <m:num>
-                              <m:r>
-                                <m:rPr>
-                                  <m:sty m:val="p"/>
-                                </m:rPr>
-                                <a:rPr lang="el-GR" sz="1600" i="1" smtClean="0">
-                                  <a:latin typeface="Cambria Math" panose="02040503050406030204" pitchFamily="18" charset="0"/>
-                                </a:rPr>
-                                <m:t>π</m:t>
-                              </m:r>
-                              <m:sSup>
-                                <m:sSupPr>
-                                  <m:ctrlPr>
-                                    <a:rPr lang="el-GR" sz="1600" i="1" smtClean="0">
-                                      <a:latin typeface="Cambria Math" panose="02040503050406030204" pitchFamily="18" charset="0"/>
-                                    </a:rPr>
-                                  </m:ctrlPr>
-                                </m:sSupPr>
-                                <m:e>
-                                  <m:sSub>
-                                    <m:sSubPr>
-                                      <m:ctrlPr>
-                                        <a:rPr lang="el-GR" sz="1600" i="1" smtClean="0">
-                                          <a:latin typeface="Cambria Math" panose="02040503050406030204" pitchFamily="18" charset="0"/>
-                                        </a:rPr>
-                                      </m:ctrlPr>
-                                    </m:sSubPr>
-                                    <m:e>
-                                      <m:r>
-                                        <a:rPr lang="tr-TR" sz="1600" b="0" i="1" smtClean="0">
-                                          <a:latin typeface="Cambria Math" panose="02040503050406030204" pitchFamily="18" charset="0"/>
-                                        </a:rPr>
-                                        <m:t>𝐷</m:t>
-                                      </m:r>
-                                    </m:e>
-                                    <m:sub>
-                                      <m:r>
-                                        <a:rPr lang="tr-TR" sz="1600" b="0" i="1" smtClean="0">
-                                          <a:latin typeface="Cambria Math" panose="02040503050406030204" pitchFamily="18" charset="0"/>
-                                        </a:rPr>
-                                        <m:t>𝑖𝑠</m:t>
-                                      </m:r>
-                                    </m:sub>
-                                  </m:sSub>
-                                </m:e>
-                                <m:sup>
-                                  <m:r>
-                                    <a:rPr lang="tr-TR" sz="1600" b="0" i="1" smtClean="0">
-                                      <a:latin typeface="Cambria Math" panose="02040503050406030204" pitchFamily="18" charset="0"/>
-                                    </a:rPr>
-                                    <m:t>2</m:t>
-                                  </m:r>
-                                </m:sup>
-                              </m:sSup>
-                              <m:sSub>
-                                <m:sSubPr>
-                                  <m:ctrlPr>
-                                    <a:rPr lang="el-GR" sz="1600" i="1" smtClean="0">
-                                      <a:latin typeface="Cambria Math" panose="02040503050406030204" pitchFamily="18" charset="0"/>
-                                    </a:rPr>
-                                  </m:ctrlPr>
-                                </m:sSubPr>
-                                <m:e>
-                                  <m:r>
-                                    <a:rPr lang="tr-TR" sz="1600" b="0" i="1" smtClean="0">
-                                      <a:latin typeface="Cambria Math" panose="02040503050406030204" pitchFamily="18" charset="0"/>
-                                    </a:rPr>
-                                    <m:t>𝐿</m:t>
-                                  </m:r>
-                                </m:e>
-                                <m:sub>
-                                  <m:r>
-                                    <a:rPr lang="tr-TR" sz="1600" b="0" i="1" smtClean="0">
-                                      <a:latin typeface="Cambria Math" panose="02040503050406030204" pitchFamily="18" charset="0"/>
-                                    </a:rPr>
-                                    <m:t>𝑎</m:t>
-                                  </m:r>
-                                </m:sub>
-                              </m:sSub>
-                              <m:sSub>
-                                <m:sSubPr>
-                                  <m:ctrlPr>
-                                    <a:rPr lang="el-GR" sz="1600" i="1">
-                                      <a:latin typeface="Cambria Math" panose="02040503050406030204" pitchFamily="18" charset="0"/>
-                                    </a:rPr>
-                                  </m:ctrlPr>
-                                </m:sSubPr>
-                                <m:e>
-                                  <m:r>
-                                    <a:rPr lang="tr-TR" sz="1600" b="0" i="1" smtClean="0">
-                                      <a:latin typeface="Cambria Math" panose="02040503050406030204" pitchFamily="18" charset="0"/>
-                                    </a:rPr>
-                                    <m:t>𝐵</m:t>
-                                  </m:r>
-                                </m:e>
-                                <m:sub>
-                                  <m:r>
-                                    <a:rPr lang="tr-TR" sz="1600" i="1">
-                                      <a:latin typeface="Cambria Math" panose="02040503050406030204" pitchFamily="18" charset="0"/>
-                                    </a:rPr>
-                                    <m:t>𝑎</m:t>
-                                  </m:r>
-                                  <m:r>
-                                    <a:rPr lang="tr-TR" sz="1600" b="0" i="1" smtClean="0">
-                                      <a:latin typeface="Cambria Math" panose="02040503050406030204" pitchFamily="18" charset="0"/>
-                                    </a:rPr>
-                                    <m:t>𝑣𝑔</m:t>
-                                  </m:r>
-                                </m:sub>
-                              </m:sSub>
-                              <m:sSub>
-                                <m:sSubPr>
-                                  <m:ctrlPr>
-                                    <a:rPr lang="el-GR" sz="1600" i="1">
-                                      <a:latin typeface="Cambria Math" panose="02040503050406030204" pitchFamily="18" charset="0"/>
-                                    </a:rPr>
-                                  </m:ctrlPr>
-                                </m:sSubPr>
-                                <m:e>
-                                  <m:r>
-                                    <a:rPr lang="tr-TR" sz="1600" b="0" i="1" smtClean="0">
-                                      <a:latin typeface="Cambria Math" panose="02040503050406030204" pitchFamily="18" charset="0"/>
-                                    </a:rPr>
-                                    <m:t>𝐴</m:t>
-                                  </m:r>
-                                </m:e>
-                                <m:sub>
-                                  <m:r>
-                                    <a:rPr lang="tr-TR" sz="1600" b="0" i="1" smtClean="0">
-                                      <a:latin typeface="Cambria Math" panose="02040503050406030204" pitchFamily="18" charset="0"/>
-                                    </a:rPr>
-                                    <m:t>𝑟𝑚𝑠</m:t>
-                                  </m:r>
-                                </m:sub>
-                              </m:sSub>
-                            </m:num>
-                            <m:den>
-                              <m:r>
-                                <a:rPr lang="tr-TR" sz="1600" b="0" i="1" smtClean="0">
-                                  <a:latin typeface="Cambria Math" panose="02040503050406030204" pitchFamily="18" charset="0"/>
-                                </a:rPr>
-                                <m:t>2</m:t>
-                              </m:r>
-                            </m:den>
-                          </m:f>
-                        </m:e>
-                        <m:sub>
-                          <m:r>
-                            <a:rPr lang="tr-TR" sz="1600" b="0" i="1" smtClean="0">
-                              <a:latin typeface="Cambria Math" panose="02040503050406030204" pitchFamily="18" charset="0"/>
-                            </a:rPr>
-                            <m:t> </m:t>
-                          </m:r>
-                        </m:sub>
-                      </m:sSub>
-                    </m:oMath>
-                  </m:oMathPara>
-                </a14:m>
-                <a:endParaRPr lang="en-US" sz="1600" dirty="0"/>
-              </a:p>
-            </p:txBody>
-          </p:sp>
-        </mc:Choice>
-        <mc:Fallback xmlns="">
-          <p:sp>
-            <p:nvSpPr>
-              <p:cNvPr id="32" name="TextBox 31"/>
-              <p:cNvSpPr txBox="1">
-                <a:spLocks noRot="1" noChangeAspect="1" noMove="1" noResize="1" noEditPoints="1" noAdjustHandles="1" noChangeArrowheads="1" noChangeShapeType="1" noTextEdit="1"/>
-              </p:cNvSpPr>
-              <p:nvPr/>
-            </p:nvSpPr>
-            <p:spPr>
-              <a:xfrm>
-                <a:off x="1130821" y="2005736"/>
-                <a:ext cx="2137572" cy="547394"/>
-              </a:xfrm>
-              <a:prstGeom prst="rect">
-                <a:avLst/>
-              </a:prstGeom>
-              <a:blipFill>
-                <a:blip r:embed="rId13"/>
-                <a:stretch>
-                  <a:fillRect/>
+                  <a:fillRect l="-2609" r="-435" b="-10909"/>
                 </a:stretch>
               </a:blipFill>
             </p:spPr>
@@ -21722,7 +24090,7 @@
     </p:spTree>
     <p:extLst>
       <p:ext uri="{BB962C8B-B14F-4D97-AF65-F5344CB8AC3E}">
-        <p14:creationId xmlns:p14="http://schemas.microsoft.com/office/powerpoint/2010/main" val="3599139495"/>
+        <p14:creationId xmlns:p14="http://schemas.microsoft.com/office/powerpoint/2010/main" val="1206226486"/>
       </p:ext>
     </p:extLst>
   </p:cSld>
@@ -21803,33 +24171,6 @@
                                   </p:childTnLst>
                                 </p:cTn>
                               </p:par>
-                              <p:par>
-                                <p:cTn id="9" presetID="1" presetClass="entr" presetSubtype="0" fill="hold" grpId="0" nodeType="withEffect">
-                                  <p:stCondLst>
-                                    <p:cond delay="0"/>
-                                  </p:stCondLst>
-                                  <p:childTnLst>
-                                    <p:set>
-                                      <p:cBhvr>
-                                        <p:cTn id="10" dur="1" fill="hold">
-                                          <p:stCondLst>
-                                            <p:cond delay="0"/>
-                                          </p:stCondLst>
-                                        </p:cTn>
-                                        <p:tgtEl>
-                                          <p:spTgt spid="32"/>
-                                        </p:tgtEl>
-                                        <p:attrNameLst>
-                                          <p:attrName>style.visibility</p:attrName>
-                                        </p:attrNameLst>
-                                      </p:cBhvr>
-                                      <p:to>
-                                        <p:strVal val="visible"/>
-                                      </p:to>
-                                    </p:set>
-                                  </p:childTnLst>
-                                </p:cTn>
-                              </p:par>
                             </p:childTnLst>
                           </p:cTn>
                         </p:par>
@@ -21837,26 +24178,26 @@
                     </p:cTn>
                   </p:par>
                   <p:par>
-                    <p:cTn id="11" fill="hold">
+                    <p:cTn id="9" fill="hold">
                       <p:stCondLst>
                         <p:cond delay="indefinite"/>
                       </p:stCondLst>
                       <p:childTnLst>
                         <p:par>
-                          <p:cTn id="12" fill="hold">
+                          <p:cTn id="10" fill="hold">
                             <p:stCondLst>
                               <p:cond delay="0"/>
                             </p:stCondLst>
                             <p:childTnLst>
                               <p:par>
-                                <p:cTn id="13" presetID="1" presetClass="entr" presetSubtype="0" fill="hold" grpId="0" nodeType="clickEffect">
+                                <p:cTn id="11" presetID="1" presetClass="entr" presetSubtype="0" fill="hold" grpId="0" nodeType="clickEffect">
                                   <p:stCondLst>
                                     <p:cond delay="0"/>
                                   </p:stCondLst>
                                   <p:childTnLst>
                                     <p:set>
                                       <p:cBhvr>
-                                        <p:cTn id="14" dur="1" fill="hold">
+                                        <p:cTn id="12" dur="1" fill="hold">
                                           <p:stCondLst>
                                             <p:cond delay="0"/>
                                           </p:stCondLst>
@@ -21876,14 +24217,14 @@
                                 </p:cTn>
                               </p:par>
                               <p:par>
-                                <p:cTn id="15" presetID="1" presetClass="entr" presetSubtype="0" fill="hold" nodeType="withEffect">
+                                <p:cTn id="13" presetID="1" presetClass="entr" presetSubtype="0" fill="hold" nodeType="withEffect">
                                   <p:stCondLst>
                                     <p:cond delay="0"/>
                                   </p:stCondLst>
                                   <p:childTnLst>
                                     <p:set>
                                       <p:cBhvr>
-                                        <p:cTn id="16" dur="1" fill="hold">
+                                        <p:cTn id="14" dur="1" fill="hold">
                                           <p:stCondLst>
                                             <p:cond delay="0"/>
                                           </p:stCondLst>
@@ -21909,26 +24250,26 @@
                     </p:cTn>
                   </p:par>
                   <p:par>
-                    <p:cTn id="17" fill="hold">
+                    <p:cTn id="15" fill="hold">
                       <p:stCondLst>
                         <p:cond delay="indefinite"/>
                       </p:stCondLst>
                       <p:childTnLst>
                         <p:par>
-                          <p:cTn id="18" fill="hold">
+                          <p:cTn id="16" fill="hold">
                             <p:stCondLst>
                               <p:cond delay="0"/>
                             </p:stCondLst>
                             <p:childTnLst>
                               <p:par>
-                                <p:cTn id="19" presetID="1" presetClass="entr" presetSubtype="0" fill="hold" grpId="0" nodeType="clickEffect">
+                                <p:cTn id="17" presetID="1" presetClass="entr" presetSubtype="0" fill="hold" grpId="0" nodeType="clickEffect">
                                   <p:stCondLst>
                                     <p:cond delay="0"/>
                                   </p:stCondLst>
                                   <p:childTnLst>
                                     <p:set>
                                       <p:cBhvr>
-                                        <p:cTn id="20" dur="1" fill="hold">
+                                        <p:cTn id="18" dur="1" fill="hold">
                                           <p:stCondLst>
                                             <p:cond delay="0"/>
                                           </p:stCondLst>
@@ -21948,14 +24289,14 @@
                                 </p:cTn>
                               </p:par>
                               <p:par>
-                                <p:cTn id="21" presetID="1" presetClass="entr" presetSubtype="0" fill="hold" nodeType="withEffect">
+                                <p:cTn id="19" presetID="1" presetClass="entr" presetSubtype="0" fill="hold" nodeType="withEffect">
                                   <p:stCondLst>
                                     <p:cond delay="0"/>
                                   </p:stCondLst>
                                   <p:childTnLst>
                                     <p:set>
                                       <p:cBhvr>
-                                        <p:cTn id="22" dur="1" fill="hold">
+                                        <p:cTn id="20" dur="1" fill="hold">
                                           <p:stCondLst>
                                             <p:cond delay="0"/>
                                           </p:stCondLst>
@@ -21981,19 +24322,46 @@
                     </p:cTn>
                   </p:par>
                   <p:par>
-                    <p:cTn id="23" fill="hold">
+                    <p:cTn id="21" fill="hold">
                       <p:stCondLst>
                         <p:cond delay="indefinite"/>
                       </p:stCondLst>
                       <p:childTnLst>
                         <p:par>
-                          <p:cTn id="24" fill="hold">
+                          <p:cTn id="22" fill="hold">
                             <p:stCondLst>
                               <p:cond delay="0"/>
                             </p:stCondLst>
                             <p:childTnLst>
                               <p:par>
-                                <p:cTn id="25" presetID="1" presetClass="entr" presetSubtype="0" fill="hold" grpId="0" nodeType="clickEffect">
+                                <p:cTn id="23" presetID="1" presetClass="entr" presetSubtype="0" fill="hold" grpId="0" nodeType="clickEffect">
+                                  <p:stCondLst>
+                                    <p:cond delay="0"/>
+                                  </p:stCondLst>
+                                  <p:childTnLst>
+                                    <p:set>
+                                      <p:cBhvr>
+                                        <p:cTn id="24" dur="1" fill="hold">
+                                          <p:stCondLst>
+                                            <p:cond delay="0"/>
+                                          </p:stCondLst>
+                                        </p:cTn>
+                                        <p:tgtEl>
+                                          <p:spTgt spid="23"/>
+                                        </p:tgtEl>
+                                        <p:attrNameLst>
+                                          <p:attrName>style.visibility</p:attrName>
+                                        </p:attrNameLst>
+                                      </p:cBhvr>
+                                      <p:to>
+                                        <p:strVal val="visible"/>
+                                      </p:to>
+                                    </p:set>
+                                  </p:childTnLst>
+                                </p:cTn>
+                              </p:par>
+                              <p:par>
+                                <p:cTn id="25" presetID="1" presetClass="entr" presetSubtype="0" fill="hold" nodeType="withEffect">
                                   <p:stCondLst>
                                     <p:cond delay="0"/>
                                   </p:stCondLst>
@@ -22006,7 +24374,7 @@
                                           </p:stCondLst>
                                         </p:cTn>
                                         <p:tgtEl>
-                                          <p:spTgt spid="23"/>
+                                          <p:spTgt spid="24"/>
                                         </p:tgtEl>
                                         <p:attrNameLst>
                                           <p:attrName>style.visibility</p:attrName>
@@ -22033,33 +24401,6 @@
                                           </p:stCondLst>
                                         </p:cTn>
                                         <p:tgtEl>
-                                          <p:spTgt spid="24"/>
-                                        </p:tgtEl>
-                                        <p:attrNameLst>
-                                          <p:attrName>style.visibility</p:attrName>
-                                        </p:attrNameLst>
-                                      </p:cBhvr>
-                                      <p:to>
-                                        <p:strVal val="visible"/>
-                                      </p:to>
-                                    </p:set>
-                                  </p:childTnLst>
-                                </p:cTn>
-                              </p:par>
-                              <p:par>
-                                <p:cTn id="29" presetID="1" presetClass="entr" presetSubtype="0" fill="hold" nodeType="withEffect">
-                                  <p:stCondLst>
-                                    <p:cond delay="0"/>
-                                  </p:stCondLst>
-                                  <p:childTnLst>
-                                    <p:set>
-                                      <p:cBhvr>
-                                        <p:cTn id="30" dur="1" fill="hold">
-                                          <p:stCondLst>
-                                            <p:cond delay="0"/>
-                                          </p:stCondLst>
-                                        </p:cTn>
-                                        <p:tgtEl>
                                           <p:spTgt spid="25"/>
                                         </p:tgtEl>
                                         <p:attrNameLst>
@@ -22080,19 +24421,46 @@
                     </p:cTn>
                   </p:par>
                   <p:par>
-                    <p:cTn id="31" fill="hold">
+                    <p:cTn id="29" fill="hold">
                       <p:stCondLst>
                         <p:cond delay="indefinite"/>
                       </p:stCondLst>
                       <p:childTnLst>
                         <p:par>
-                          <p:cTn id="32" fill="hold">
+                          <p:cTn id="30" fill="hold">
                             <p:stCondLst>
                               <p:cond delay="0"/>
                             </p:stCondLst>
                             <p:childTnLst>
                               <p:par>
-                                <p:cTn id="33" presetID="1" presetClass="entr" presetSubtype="0" fill="hold" grpId="0" nodeType="clickEffect">
+                                <p:cTn id="31" presetID="1" presetClass="entr" presetSubtype="0" fill="hold" grpId="0" nodeType="clickEffect">
+                                  <p:stCondLst>
+                                    <p:cond delay="0"/>
+                                  </p:stCondLst>
+                                  <p:childTnLst>
+                                    <p:set>
+                                      <p:cBhvr>
+                                        <p:cTn id="32" dur="1" fill="hold">
+                                          <p:stCondLst>
+                                            <p:cond delay="0"/>
+                                          </p:stCondLst>
+                                        </p:cTn>
+                                        <p:tgtEl>
+                                          <p:spTgt spid="26"/>
+                                        </p:tgtEl>
+                                        <p:attrNameLst>
+                                          <p:attrName>style.visibility</p:attrName>
+                                        </p:attrNameLst>
+                                      </p:cBhvr>
+                                      <p:to>
+                                        <p:strVal val="visible"/>
+                                      </p:to>
+                                    </p:set>
+                                  </p:childTnLst>
+                                </p:cTn>
+                              </p:par>
+                              <p:par>
+                                <p:cTn id="33" presetID="1" presetClass="entr" presetSubtype="0" fill="hold" nodeType="withEffect">
                                   <p:stCondLst>
                                     <p:cond delay="0"/>
                                   </p:stCondLst>
@@ -22105,7 +24473,7 @@
                                           </p:stCondLst>
                                         </p:cTn>
                                         <p:tgtEl>
-                                          <p:spTgt spid="26"/>
+                                          <p:spTgt spid="28"/>
                                         </p:tgtEl>
                                         <p:attrNameLst>
                                           <p:attrName>style.visibility</p:attrName>
@@ -22132,33 +24500,6 @@
                                           </p:stCondLst>
                                         </p:cTn>
                                         <p:tgtEl>
-                                          <p:spTgt spid="28"/>
-                                        </p:tgtEl>
-                                        <p:attrNameLst>
-                                          <p:attrName>style.visibility</p:attrName>
-                                        </p:attrNameLst>
-                                      </p:cBhvr>
-                                      <p:to>
-                                        <p:strVal val="visible"/>
-                                      </p:to>
-                                    </p:set>
-                                  </p:childTnLst>
-                                </p:cTn>
-                              </p:par>
-                              <p:par>
-                                <p:cTn id="37" presetID="1" presetClass="entr" presetSubtype="0" fill="hold" nodeType="withEffect">
-                                  <p:stCondLst>
-                                    <p:cond delay="0"/>
-                                  </p:stCondLst>
-                                  <p:childTnLst>
-                                    <p:set>
-                                      <p:cBhvr>
-                                        <p:cTn id="38" dur="1" fill="hold">
-                                          <p:stCondLst>
-                                            <p:cond delay="0"/>
-                                          </p:stCondLst>
-                                        </p:cTn>
-                                        <p:tgtEl>
                                           <p:spTgt spid="27"/>
                                         </p:tgtEl>
                                         <p:attrNameLst>
@@ -22179,26 +24520,26 @@
                     </p:cTn>
                   </p:par>
                   <p:par>
-                    <p:cTn id="39" fill="hold">
+                    <p:cTn id="37" fill="hold">
                       <p:stCondLst>
                         <p:cond delay="indefinite"/>
                       </p:stCondLst>
                       <p:childTnLst>
                         <p:par>
-                          <p:cTn id="40" fill="hold">
+                          <p:cTn id="38" fill="hold">
                             <p:stCondLst>
                               <p:cond delay="0"/>
                             </p:stCondLst>
                             <p:childTnLst>
                               <p:par>
-                                <p:cTn id="41" presetID="1" presetClass="entr" presetSubtype="0" fill="hold" grpId="0" nodeType="clickEffect">
+                                <p:cTn id="39" presetID="1" presetClass="entr" presetSubtype="0" fill="hold" grpId="0" nodeType="clickEffect">
                                   <p:stCondLst>
                                     <p:cond delay="0"/>
                                   </p:stCondLst>
                                   <p:childTnLst>
                                     <p:set>
                                       <p:cBhvr>
-                                        <p:cTn id="42" dur="1" fill="hold">
+                                        <p:cTn id="40" dur="1" fill="hold">
                                           <p:stCondLst>
                                             <p:cond delay="0"/>
                                           </p:stCondLst>
@@ -22218,14 +24559,14 @@
                                 </p:cTn>
                               </p:par>
                               <p:par>
-                                <p:cTn id="43" presetID="1" presetClass="entr" presetSubtype="0" fill="hold" nodeType="withEffect">
+                                <p:cTn id="41" presetID="1" presetClass="entr" presetSubtype="0" fill="hold" nodeType="withEffect">
                                   <p:stCondLst>
                                     <p:cond delay="0"/>
                                   </p:stCondLst>
                                   <p:childTnLst>
                                     <p:set>
                                       <p:cBhvr>
-                                        <p:cTn id="44" dur="1" fill="hold">
+                                        <p:cTn id="42" dur="1" fill="hold">
                                           <p:stCondLst>
                                             <p:cond delay="0"/>
                                           </p:stCondLst>
@@ -22279,13 +24620,12 @@
       <p:bldP spid="30" grpId="0"/>
       <p:bldP spid="31" grpId="0"/>
       <p:bldP spid="5" grpId="0"/>
-      <p:bldP spid="32" grpId="0"/>
     </p:bldLst>
   </p:timing>
 </p:sld>
 </file>
 
-<file path=ppt/slides/slide8.xml><?xml version="1.0" encoding="utf-8"?>
+<file path=ppt/slides/slide9.xml><?xml version="1.0" encoding="utf-8"?>
 <p:sld xmlns:a="http://schemas.openxmlformats.org/drawingml/2006/main" xmlns:r="http://schemas.openxmlformats.org/officeDocument/2006/relationships" xmlns:p="http://schemas.openxmlformats.org/presentationml/2006/main">
   <p:cSld>
     <p:spTree>
@@ -22510,7 +24850,7 @@
             <a:fld id="{B6F15528-21DE-4FAA-801E-634DDDAF4B2B}" type="slidenum">
               <a:rPr lang="en-US" smtClean="0"/>
               <a:pPr/>
-              <a:t>8</a:t>
+              <a:t>9</a:t>
             </a:fld>
             <a:endParaRPr lang="en-US" dirty="0"/>
           </a:p>
@@ -24012,1399 +26352,6 @@
 </p:sld>
 </file>
 
-<file path=ppt/slides/slide9.xml><?xml version="1.0" encoding="utf-8"?>
-<p:sld xmlns:a="http://schemas.openxmlformats.org/drawingml/2006/main" xmlns:r="http://schemas.openxmlformats.org/officeDocument/2006/relationships" xmlns:p="http://schemas.openxmlformats.org/presentationml/2006/main">
-  <p:cSld>
-    <p:spTree>
-      <p:nvGrpSpPr>
-        <p:cNvPr id="1" name=""/>
-        <p:cNvGrpSpPr/>
-        <p:nvPr/>
-      </p:nvGrpSpPr>
-      <p:grpSpPr>
-        <a:xfrm>
-          <a:off x="0" y="0"/>
-          <a:ext cx="0" cy="0"/>
-          <a:chOff x="0" y="0"/>
-          <a:chExt cx="0" cy="0"/>
-        </a:xfrm>
-      </p:grpSpPr>
-      <p:sp>
-        <p:nvSpPr>
-          <p:cNvPr id="10" name="Rectangle 9"/>
-          <p:cNvSpPr/>
-          <p:nvPr/>
-        </p:nvSpPr>
-        <p:spPr>
-          <a:xfrm>
-            <a:off x="0" y="12106"/>
-            <a:ext cx="1011942" cy="6854083"/>
-          </a:xfrm>
-          <a:prstGeom prst="rect">
-            <a:avLst/>
-          </a:prstGeom>
-          <a:gradFill flip="none" rotWithShape="1">
-            <a:gsLst>
-              <a:gs pos="50000">
-                <a:srgbClr val="D00000"/>
-              </a:gs>
-              <a:gs pos="0">
-                <a:srgbClr val="FF0000">
-                  <a:shade val="30000"/>
-                  <a:satMod val="115000"/>
-                </a:srgbClr>
-              </a:gs>
-              <a:gs pos="100000">
-                <a:schemeClr val="accent2">
-                  <a:lumMod val="60000"/>
-                  <a:lumOff val="40000"/>
-                </a:schemeClr>
-              </a:gs>
-            </a:gsLst>
-            <a:lin ang="5400000" scaled="1"/>
-            <a:tileRect/>
-          </a:gradFill>
-          <a:ln>
-            <a:noFill/>
-          </a:ln>
-        </p:spPr>
-        <p:style>
-          <a:lnRef idx="2">
-            <a:schemeClr val="accent1">
-              <a:shade val="50000"/>
-            </a:schemeClr>
-          </a:lnRef>
-          <a:fillRef idx="1">
-            <a:schemeClr val="accent1"/>
-          </a:fillRef>
-          <a:effectRef idx="0">
-            <a:schemeClr val="accent1"/>
-          </a:effectRef>
-          <a:fontRef idx="minor">
-            <a:schemeClr val="lt1"/>
-          </a:fontRef>
-        </p:style>
-        <p:txBody>
-          <a:bodyPr rtlCol="0" anchor="ctr"/>
-          <a:lstStyle/>
-          <a:p>
-            <a:pPr algn="ctr"/>
-            <a:endParaRPr lang="tr-TR"/>
-          </a:p>
-        </p:txBody>
-      </p:sp>
-      <p:cxnSp>
-        <p:nvCxnSpPr>
-          <p:cNvPr id="11" name="Straight Connector 10"/>
-          <p:cNvCxnSpPr/>
-          <p:nvPr/>
-        </p:nvCxnSpPr>
-        <p:spPr>
-          <a:xfrm>
-            <a:off x="1189918" y="838200"/>
-            <a:ext cx="7649282" cy="0"/>
-          </a:xfrm>
-          <a:prstGeom prst="line">
-            <a:avLst/>
-          </a:prstGeom>
-          <a:ln w="50800">
-            <a:solidFill>
-              <a:srgbClr val="F20000"/>
-            </a:solidFill>
-          </a:ln>
-        </p:spPr>
-        <p:style>
-          <a:lnRef idx="1">
-            <a:schemeClr val="accent1"/>
-          </a:lnRef>
-          <a:fillRef idx="0">
-            <a:schemeClr val="accent1"/>
-          </a:fillRef>
-          <a:effectRef idx="0">
-            <a:schemeClr val="accent1"/>
-          </a:effectRef>
-          <a:fontRef idx="minor">
-            <a:schemeClr val="tx1"/>
-          </a:fontRef>
-        </p:style>
-      </p:cxnSp>
-      <p:sp>
-        <p:nvSpPr>
-          <p:cNvPr id="13" name="TextBox 12"/>
-          <p:cNvSpPr txBox="1"/>
-          <p:nvPr/>
-        </p:nvSpPr>
-        <p:spPr>
-          <a:xfrm>
-            <a:off x="1386291" y="224135"/>
-            <a:ext cx="7315200" cy="553998"/>
-          </a:xfrm>
-          <a:prstGeom prst="rect">
-            <a:avLst/>
-          </a:prstGeom>
-          <a:noFill/>
-        </p:spPr>
-        <p:txBody>
-          <a:bodyPr wrap="square" rtlCol="0">
-            <a:spAutoFit/>
-          </a:bodyPr>
-          <a:lstStyle/>
-          <a:p>
-            <a:pPr algn="ctr"/>
-            <a:r>
-              <a:rPr lang="tr-TR" sz="3000" dirty="0" smtClean="0">
-                <a:latin typeface="Times New Roman" panose="02020603050405020304" pitchFamily="18" charset="0"/>
-                <a:cs typeface="Times New Roman" panose="02020603050405020304" pitchFamily="18" charset="0"/>
-              </a:rPr>
-              <a:t>Design </a:t>
-            </a:r>
-            <a:r>
-              <a:rPr lang="tr-TR" sz="3000" dirty="0" err="1" smtClean="0">
-                <a:latin typeface="Times New Roman" panose="02020603050405020304" pitchFamily="18" charset="0"/>
-                <a:cs typeface="Times New Roman" panose="02020603050405020304" pitchFamily="18" charset="0"/>
-              </a:rPr>
-              <a:t>Parameter</a:t>
-            </a:r>
-            <a:r>
-              <a:rPr lang="tr-TR" sz="3000" dirty="0" smtClean="0">
-                <a:latin typeface="Times New Roman" panose="02020603050405020304" pitchFamily="18" charset="0"/>
-                <a:cs typeface="Times New Roman" panose="02020603050405020304" pitchFamily="18" charset="0"/>
-              </a:rPr>
-              <a:t> Evaluation</a:t>
-            </a:r>
-            <a:endParaRPr lang="en-US" sz="3000" dirty="0">
-              <a:latin typeface="Times New Roman" panose="02020603050405020304" pitchFamily="18" charset="0"/>
-              <a:cs typeface="Times New Roman" panose="02020603050405020304" pitchFamily="18" charset="0"/>
-            </a:endParaRPr>
-          </a:p>
-        </p:txBody>
-      </p:sp>
-      <p:cxnSp>
-        <p:nvCxnSpPr>
-          <p:cNvPr id="15" name="Straight Connector 14"/>
-          <p:cNvCxnSpPr/>
-          <p:nvPr/>
-        </p:nvCxnSpPr>
-        <p:spPr>
-          <a:xfrm>
-            <a:off x="1189918" y="914400"/>
-            <a:ext cx="7649282" cy="0"/>
-          </a:xfrm>
-          <a:prstGeom prst="line">
-            <a:avLst/>
-          </a:prstGeom>
-          <a:ln w="19050">
-            <a:solidFill>
-              <a:srgbClr val="F20000"/>
-            </a:solidFill>
-          </a:ln>
-        </p:spPr>
-        <p:style>
-          <a:lnRef idx="1">
-            <a:schemeClr val="accent1"/>
-          </a:lnRef>
-          <a:fillRef idx="0">
-            <a:schemeClr val="accent1"/>
-          </a:fillRef>
-          <a:effectRef idx="0">
-            <a:schemeClr val="accent1"/>
-          </a:effectRef>
-          <a:fontRef idx="minor">
-            <a:schemeClr val="tx1"/>
-          </a:fontRef>
-        </p:style>
-      </p:cxnSp>
-      <p:sp>
-        <p:nvSpPr>
-          <p:cNvPr id="2" name="Slide Number Placeholder 1"/>
-          <p:cNvSpPr>
-            <a:spLocks noGrp="1"/>
-          </p:cNvSpPr>
-          <p:nvPr>
-            <p:ph type="sldNum" sz="quarter" idx="12"/>
-          </p:nvPr>
-        </p:nvSpPr>
-        <p:spPr>
-          <a:xfrm>
-            <a:off x="6583199" y="5873320"/>
-            <a:ext cx="2133600" cy="365125"/>
-          </a:xfrm>
-        </p:spPr>
-        <p:txBody>
-          <a:bodyPr/>
-          <a:lstStyle/>
-          <a:p>
-            <a:fld id="{B6F15528-21DE-4FAA-801E-634DDDAF4B2B}" type="slidenum">
-              <a:rPr lang="en-US" smtClean="0"/>
-              <a:pPr/>
-              <a:t>9</a:t>
-            </a:fld>
-            <a:endParaRPr lang="en-US" dirty="0"/>
-          </a:p>
-        </p:txBody>
-      </p:sp>
-      <p:pic>
-        <p:nvPicPr>
-          <p:cNvPr id="12" name="Picture 2" descr="C:\Users\Mesut\Desktop\aselsan sunum\aselsan sunum 10 ekim\aselsan sunum\cezmi bey\ODTU.png"/>
-          <p:cNvPicPr>
-            <a:picLocks noChangeAspect="1" noChangeArrowheads="1"/>
-          </p:cNvPicPr>
-          <p:nvPr/>
-        </p:nvPicPr>
-        <p:blipFill>
-          <a:blip r:embed="rId3" cstate="print">
-            <a:extLst>
-              <a:ext uri="{28A0092B-C50C-407E-A947-70E740481C1C}">
-                <a14:useLocalDpi xmlns:a14="http://schemas.microsoft.com/office/drawing/2010/main" val="0"/>
-              </a:ext>
-            </a:extLst>
-          </a:blip>
-          <a:srcRect/>
-          <a:stretch>
-            <a:fillRect/>
-          </a:stretch>
-        </p:blipFill>
-        <p:spPr bwMode="auto">
-          <a:xfrm>
-            <a:off x="116458" y="163788"/>
-            <a:ext cx="779026" cy="650016"/>
-          </a:xfrm>
-          <a:prstGeom prst="rect">
-            <a:avLst/>
-          </a:prstGeom>
-          <a:noFill/>
-          <a:extLst>
-            <a:ext uri="{909E8E84-426E-40DD-AFC4-6F175D3DCCD1}">
-              <a14:hiddenFill xmlns:a14="http://schemas.microsoft.com/office/drawing/2010/main">
-                <a:solidFill>
-                  <a:srgbClr val="FFFFFF"/>
-                </a:solidFill>
-              </a14:hiddenFill>
-            </a:ext>
-          </a:extLst>
-        </p:spPr>
-      </p:pic>
-      <p:pic>
-        <p:nvPicPr>
-          <p:cNvPr id="14" name="Picture 13"/>
-          <p:cNvPicPr>
-            <a:picLocks noChangeAspect="1"/>
-          </p:cNvPicPr>
-          <p:nvPr/>
-        </p:nvPicPr>
-        <p:blipFill rotWithShape="1">
-          <a:blip r:embed="rId4"/>
-          <a:srcRect t="1741" b="7727"/>
-          <a:stretch/>
-        </p:blipFill>
-        <p:spPr>
-          <a:xfrm rot="16200000">
-            <a:off x="-315548" y="5538698"/>
-            <a:ext cx="1643039" cy="1011942"/>
-          </a:xfrm>
-          <a:prstGeom prst="rect">
-            <a:avLst/>
-          </a:prstGeom>
-        </p:spPr>
-      </p:pic>
-      <p:sp>
-        <p:nvSpPr>
-          <p:cNvPr id="3" name="Rectangle 2"/>
-          <p:cNvSpPr>
-            <a:spLocks noChangeArrowheads="1"/>
-          </p:cNvSpPr>
-          <p:nvPr/>
-        </p:nvSpPr>
-        <p:spPr bwMode="auto">
-          <a:xfrm>
-            <a:off x="0" y="0"/>
-            <a:ext cx="9144000" cy="0"/>
-          </a:xfrm>
-          <a:prstGeom prst="rect">
-            <a:avLst/>
-          </a:prstGeom>
-          <a:noFill/>
-          <a:ln>
-            <a:noFill/>
-          </a:ln>
-          <a:effectLst/>
-          <a:extLst>
-            <a:ext uri="{909E8E84-426E-40DD-AFC4-6F175D3DCCD1}">
-              <a14:hiddenFill xmlns:a14="http://schemas.microsoft.com/office/drawing/2010/main">
-                <a:solidFill>
-                  <a:schemeClr val="accent1"/>
-                </a:solidFill>
-              </a14:hiddenFill>
-            </a:ext>
-            <a:ext uri="{91240B29-F687-4F45-9708-019B960494DF}">
-              <a14:hiddenLine xmlns:a14="http://schemas.microsoft.com/office/drawing/2010/main" w="9525">
-                <a:solidFill>
-                  <a:schemeClr val="tx1"/>
-                </a:solidFill>
-                <a:miter lim="800000"/>
-                <a:headEnd/>
-                <a:tailEnd/>
-              </a14:hiddenLine>
-            </a:ext>
-            <a:ext uri="{AF507438-7753-43E0-B8FC-AC1667EBCBE1}">
-              <a14:hiddenEffects xmlns:a14="http://schemas.microsoft.com/office/drawing/2010/main">
-                <a:effectLst>
-                  <a:outerShdw dist="35921" dir="2700000" algn="ctr" rotWithShape="0">
-                    <a:schemeClr val="bg2"/>
-                  </a:outerShdw>
-                </a:effectLst>
-              </a14:hiddenEffects>
-            </a:ext>
-          </a:extLst>
-        </p:spPr>
-        <p:txBody>
-          <a:bodyPr vert="horz" wrap="none" lIns="91440" tIns="45720" rIns="91440" bIns="45720" numCol="1" anchor="ctr" anchorCtr="0" compatLnSpc="1">
-            <a:prstTxWarp prst="textNoShape">
-              <a:avLst/>
-            </a:prstTxWarp>
-            <a:spAutoFit/>
-          </a:bodyPr>
-          <a:lstStyle/>
-          <a:p>
-            <a:endParaRPr lang="en-US"/>
-          </a:p>
-        </p:txBody>
-      </p:sp>
-      <p:sp>
-        <p:nvSpPr>
-          <p:cNvPr id="7" name="Rectangle 4"/>
-          <p:cNvSpPr>
-            <a:spLocks noChangeArrowheads="1"/>
-          </p:cNvSpPr>
-          <p:nvPr/>
-        </p:nvSpPr>
-        <p:spPr bwMode="auto">
-          <a:xfrm>
-            <a:off x="0" y="0"/>
-            <a:ext cx="9144000" cy="0"/>
-          </a:xfrm>
-          <a:prstGeom prst="rect">
-            <a:avLst/>
-          </a:prstGeom>
-          <a:noFill/>
-          <a:ln>
-            <a:noFill/>
-          </a:ln>
-          <a:effectLst/>
-          <a:extLst>
-            <a:ext uri="{909E8E84-426E-40DD-AFC4-6F175D3DCCD1}">
-              <a14:hiddenFill xmlns:a14="http://schemas.microsoft.com/office/drawing/2010/main">
-                <a:solidFill>
-                  <a:schemeClr val="accent1"/>
-                </a:solidFill>
-              </a14:hiddenFill>
-            </a:ext>
-            <a:ext uri="{91240B29-F687-4F45-9708-019B960494DF}">
-              <a14:hiddenLine xmlns:a14="http://schemas.microsoft.com/office/drawing/2010/main" w="9525">
-                <a:solidFill>
-                  <a:schemeClr val="tx1"/>
-                </a:solidFill>
-                <a:miter lim="800000"/>
-                <a:headEnd/>
-                <a:tailEnd/>
-              </a14:hiddenLine>
-            </a:ext>
-            <a:ext uri="{AF507438-7753-43E0-B8FC-AC1667EBCBE1}">
-              <a14:hiddenEffects xmlns:a14="http://schemas.microsoft.com/office/drawing/2010/main">
-                <a:effectLst>
-                  <a:outerShdw dist="35921" dir="2700000" algn="ctr" rotWithShape="0">
-                    <a:schemeClr val="bg2"/>
-                  </a:outerShdw>
-                </a:effectLst>
-              </a14:hiddenEffects>
-            </a:ext>
-          </a:extLst>
-        </p:spPr>
-        <p:txBody>
-          <a:bodyPr vert="horz" wrap="none" lIns="91440" tIns="45720" rIns="91440" bIns="45720" numCol="1" anchor="ctr" anchorCtr="0" compatLnSpc="1">
-            <a:prstTxWarp prst="textNoShape">
-              <a:avLst/>
-            </a:prstTxWarp>
-            <a:spAutoFit/>
-          </a:bodyPr>
-          <a:lstStyle/>
-          <a:p>
-            <a:endParaRPr lang="en-US"/>
-          </a:p>
-        </p:txBody>
-      </p:sp>
-      <p:sp>
-        <p:nvSpPr>
-          <p:cNvPr id="16" name="TextBox 15"/>
-          <p:cNvSpPr txBox="1"/>
-          <p:nvPr/>
-        </p:nvSpPr>
-        <p:spPr>
-          <a:xfrm>
-            <a:off x="1227444" y="957837"/>
-            <a:ext cx="7619376" cy="369332"/>
-          </a:xfrm>
-          <a:prstGeom prst="rect">
-            <a:avLst/>
-          </a:prstGeom>
-          <a:noFill/>
-        </p:spPr>
-        <p:txBody>
-          <a:bodyPr wrap="square" rtlCol="0">
-            <a:spAutoFit/>
-          </a:bodyPr>
-          <a:lstStyle/>
-          <a:p>
-            <a:pPr algn="ctr">
-              <a:spcAft>
-                <a:spcPts val="1200"/>
-              </a:spcAft>
-            </a:pPr>
-            <a:r>
-              <a:rPr lang="tr-TR" dirty="0" err="1" smtClean="0">
-                <a:latin typeface="Helvetica" panose="020B0604020202020204" pitchFamily="34" charset="0"/>
-                <a:cs typeface="Helvetica" panose="020B0604020202020204" pitchFamily="34" charset="0"/>
-              </a:rPr>
-              <a:t>Modulation</a:t>
-            </a:r>
-            <a:r>
-              <a:rPr lang="tr-TR" dirty="0" smtClean="0">
-                <a:latin typeface="Helvetica" panose="020B0604020202020204" pitchFamily="34" charset="0"/>
-                <a:cs typeface="Helvetica" panose="020B0604020202020204" pitchFamily="34" charset="0"/>
-              </a:rPr>
-              <a:t> </a:t>
-            </a:r>
-            <a:r>
-              <a:rPr lang="tr-TR" dirty="0" err="1" smtClean="0">
-                <a:latin typeface="Helvetica" panose="020B0604020202020204" pitchFamily="34" charset="0"/>
-                <a:cs typeface="Helvetica" panose="020B0604020202020204" pitchFamily="34" charset="0"/>
-              </a:rPr>
-              <a:t>index</a:t>
-            </a:r>
-            <a:r>
-              <a:rPr lang="tr-TR" dirty="0" smtClean="0">
-                <a:latin typeface="Helvetica" panose="020B0604020202020204" pitchFamily="34" charset="0"/>
-                <a:cs typeface="Helvetica" panose="020B0604020202020204" pitchFamily="34" charset="0"/>
-              </a:rPr>
-              <a:t> &amp; </a:t>
-            </a:r>
-            <a:r>
-              <a:rPr lang="tr-TR" dirty="0" err="1" smtClean="0">
-                <a:latin typeface="Helvetica" panose="020B0604020202020204" pitchFamily="34" charset="0"/>
-                <a:cs typeface="Helvetica" panose="020B0604020202020204" pitchFamily="34" charset="0"/>
-              </a:rPr>
-              <a:t>Number</a:t>
-            </a:r>
-            <a:r>
-              <a:rPr lang="tr-TR" dirty="0" smtClean="0">
-                <a:latin typeface="Helvetica" panose="020B0604020202020204" pitchFamily="34" charset="0"/>
-                <a:cs typeface="Helvetica" panose="020B0604020202020204" pitchFamily="34" charset="0"/>
-              </a:rPr>
-              <a:t> of </a:t>
-            </a:r>
-            <a:r>
-              <a:rPr lang="tr-TR" dirty="0" err="1" smtClean="0">
-                <a:latin typeface="Helvetica" panose="020B0604020202020204" pitchFamily="34" charset="0"/>
-                <a:cs typeface="Helvetica" panose="020B0604020202020204" pitchFamily="34" charset="0"/>
-              </a:rPr>
-              <a:t>modules</a:t>
-            </a:r>
-            <a:endParaRPr lang="en-US" dirty="0" smtClean="0">
-              <a:latin typeface="Helvetica" panose="020B0604020202020204" pitchFamily="34" charset="0"/>
-              <a:cs typeface="Helvetica" panose="020B0604020202020204" pitchFamily="34" charset="0"/>
-            </a:endParaRPr>
-          </a:p>
-        </p:txBody>
-      </p:sp>
-      <p:pic>
-        <p:nvPicPr>
-          <p:cNvPr id="33" name="Picture 32"/>
-          <p:cNvPicPr/>
-          <p:nvPr/>
-        </p:nvPicPr>
-        <p:blipFill rotWithShape="1">
-          <a:blip r:embed="rId5" cstate="print">
-            <a:extLst>
-              <a:ext uri="{28A0092B-C50C-407E-A947-70E740481C1C}">
-                <a14:useLocalDpi xmlns:a14="http://schemas.microsoft.com/office/drawing/2010/main" val="0"/>
-              </a:ext>
-            </a:extLst>
-          </a:blip>
-          <a:srcRect r="8333"/>
-          <a:stretch/>
-        </p:blipFill>
-        <p:spPr bwMode="auto">
-          <a:xfrm>
-            <a:off x="1227444" y="1370605"/>
-            <a:ext cx="3352800" cy="2535237"/>
-          </a:xfrm>
-          <a:prstGeom prst="rect">
-            <a:avLst/>
-          </a:prstGeom>
-          <a:noFill/>
-          <a:ln>
-            <a:noFill/>
-          </a:ln>
-          <a:extLst>
-            <a:ext uri="{53640926-AAD7-44D8-BBD7-CCE9431645EC}">
-              <a14:shadowObscured xmlns:a14="http://schemas.microsoft.com/office/drawing/2010/main"/>
-            </a:ext>
-          </a:extLst>
-        </p:spPr>
-      </p:pic>
-      <p:pic>
-        <p:nvPicPr>
-          <p:cNvPr id="34" name="Picture 33"/>
-          <p:cNvPicPr/>
-          <p:nvPr/>
-        </p:nvPicPr>
-        <p:blipFill rotWithShape="1">
-          <a:blip r:embed="rId6" cstate="print">
-            <a:extLst>
-              <a:ext uri="{28A0092B-C50C-407E-A947-70E740481C1C}">
-                <a14:useLocalDpi xmlns:a14="http://schemas.microsoft.com/office/drawing/2010/main" val="0"/>
-              </a:ext>
-            </a:extLst>
-          </a:blip>
-          <a:srcRect r="8914"/>
-          <a:stretch/>
-        </p:blipFill>
-        <p:spPr bwMode="auto">
-          <a:xfrm>
-            <a:off x="5043891" y="1415274"/>
-            <a:ext cx="3437982" cy="2376482"/>
-          </a:xfrm>
-          <a:prstGeom prst="rect">
-            <a:avLst/>
-          </a:prstGeom>
-          <a:noFill/>
-          <a:ln>
-            <a:noFill/>
-          </a:ln>
-          <a:extLst>
-            <a:ext uri="{53640926-AAD7-44D8-BBD7-CCE9431645EC}">
-              <a14:shadowObscured xmlns:a14="http://schemas.microsoft.com/office/drawing/2010/main"/>
-            </a:ext>
-          </a:extLst>
-        </p:spPr>
-      </p:pic>
-      <p:pic>
-        <p:nvPicPr>
-          <p:cNvPr id="35" name="Picture 34"/>
-          <p:cNvPicPr/>
-          <p:nvPr/>
-        </p:nvPicPr>
-        <p:blipFill rotWithShape="1">
-          <a:blip r:embed="rId7" cstate="print">
-            <a:extLst>
-              <a:ext uri="{28A0092B-C50C-407E-A947-70E740481C1C}">
-                <a14:useLocalDpi xmlns:a14="http://schemas.microsoft.com/office/drawing/2010/main" val="0"/>
-              </a:ext>
-            </a:extLst>
-          </a:blip>
-          <a:srcRect l="2063" r="8949"/>
-          <a:stretch/>
-        </p:blipFill>
-        <p:spPr bwMode="auto">
-          <a:xfrm>
-            <a:off x="1261603" y="4038600"/>
-            <a:ext cx="3352800" cy="2582038"/>
-          </a:xfrm>
-          <a:prstGeom prst="rect">
-            <a:avLst/>
-          </a:prstGeom>
-          <a:noFill/>
-          <a:ln>
-            <a:noFill/>
-          </a:ln>
-          <a:extLst>
-            <a:ext uri="{53640926-AAD7-44D8-BBD7-CCE9431645EC}">
-              <a14:shadowObscured xmlns:a14="http://schemas.microsoft.com/office/drawing/2010/main"/>
-            </a:ext>
-          </a:extLst>
-        </p:spPr>
-      </p:pic>
-      <p:pic>
-        <p:nvPicPr>
-          <p:cNvPr id="36" name="Picture 35"/>
-          <p:cNvPicPr/>
-          <p:nvPr/>
-        </p:nvPicPr>
-        <p:blipFill rotWithShape="1">
-          <a:blip r:embed="rId8" cstate="print">
-            <a:extLst>
-              <a:ext uri="{28A0092B-C50C-407E-A947-70E740481C1C}">
-                <a14:useLocalDpi xmlns:a14="http://schemas.microsoft.com/office/drawing/2010/main" val="0"/>
-              </a:ext>
-            </a:extLst>
-          </a:blip>
-          <a:srcRect r="8789"/>
-          <a:stretch/>
-        </p:blipFill>
-        <p:spPr bwMode="auto">
-          <a:xfrm>
-            <a:off x="5038207" y="4016483"/>
-            <a:ext cx="3434959" cy="2622548"/>
-          </a:xfrm>
-          <a:prstGeom prst="rect">
-            <a:avLst/>
-          </a:prstGeom>
-          <a:noFill/>
-          <a:ln>
-            <a:noFill/>
-          </a:ln>
-          <a:extLst>
-            <a:ext uri="{53640926-AAD7-44D8-BBD7-CCE9431645EC}">
-              <a14:shadowObscured xmlns:a14="http://schemas.microsoft.com/office/drawing/2010/main"/>
-            </a:ext>
-          </a:extLst>
-        </p:spPr>
-      </p:pic>
-      <p:sp>
-        <p:nvSpPr>
-          <p:cNvPr id="37" name="Oval 36"/>
-          <p:cNvSpPr/>
-          <p:nvPr/>
-        </p:nvSpPr>
-        <p:spPr>
-          <a:xfrm>
-            <a:off x="2286000" y="2057400"/>
-            <a:ext cx="304800" cy="304800"/>
-          </a:xfrm>
-          <a:prstGeom prst="ellipse">
-            <a:avLst/>
-          </a:prstGeom>
-          <a:noFill/>
-          <a:ln>
-            <a:solidFill>
-              <a:schemeClr val="tx1"/>
-            </a:solidFill>
-          </a:ln>
-        </p:spPr>
-        <p:style>
-          <a:lnRef idx="2">
-            <a:schemeClr val="accent1">
-              <a:shade val="50000"/>
-            </a:schemeClr>
-          </a:lnRef>
-          <a:fillRef idx="1">
-            <a:schemeClr val="accent1"/>
-          </a:fillRef>
-          <a:effectRef idx="0">
-            <a:schemeClr val="accent1"/>
-          </a:effectRef>
-          <a:fontRef idx="minor">
-            <a:schemeClr val="lt1"/>
-          </a:fontRef>
-        </p:style>
-        <p:txBody>
-          <a:bodyPr rtlCol="0" anchor="ctr"/>
-          <a:lstStyle/>
-          <a:p>
-            <a:pPr algn="ctr"/>
-            <a:endParaRPr lang="en-US"/>
-          </a:p>
-        </p:txBody>
-      </p:sp>
-      <p:sp>
-        <p:nvSpPr>
-          <p:cNvPr id="38" name="Oval 37"/>
-          <p:cNvSpPr/>
-          <p:nvPr/>
-        </p:nvSpPr>
-        <p:spPr>
-          <a:xfrm>
-            <a:off x="3338159" y="1870366"/>
-            <a:ext cx="304800" cy="304800"/>
-          </a:xfrm>
-          <a:prstGeom prst="ellipse">
-            <a:avLst/>
-          </a:prstGeom>
-          <a:noFill/>
-          <a:ln>
-            <a:solidFill>
-              <a:schemeClr val="tx1"/>
-            </a:solidFill>
-          </a:ln>
-        </p:spPr>
-        <p:style>
-          <a:lnRef idx="2">
-            <a:schemeClr val="accent1">
-              <a:shade val="50000"/>
-            </a:schemeClr>
-          </a:lnRef>
-          <a:fillRef idx="1">
-            <a:schemeClr val="accent1"/>
-          </a:fillRef>
-          <a:effectRef idx="0">
-            <a:schemeClr val="accent1"/>
-          </a:effectRef>
-          <a:fontRef idx="minor">
-            <a:schemeClr val="lt1"/>
-          </a:fontRef>
-        </p:style>
-        <p:txBody>
-          <a:bodyPr rtlCol="0" anchor="ctr"/>
-          <a:lstStyle/>
-          <a:p>
-            <a:pPr algn="ctr"/>
-            <a:endParaRPr lang="en-US"/>
-          </a:p>
-        </p:txBody>
-      </p:sp>
-      <p:cxnSp>
-        <p:nvCxnSpPr>
-          <p:cNvPr id="39" name="Straight Connector 38"/>
-          <p:cNvCxnSpPr/>
-          <p:nvPr/>
-        </p:nvCxnSpPr>
-        <p:spPr>
-          <a:xfrm>
-            <a:off x="3886200" y="1447800"/>
-            <a:ext cx="0" cy="990600"/>
-          </a:xfrm>
-          <a:prstGeom prst="line">
-            <a:avLst/>
-          </a:prstGeom>
-          <a:ln w="38100">
-            <a:solidFill>
-              <a:schemeClr val="tx1"/>
-            </a:solidFill>
-          </a:ln>
-        </p:spPr>
-        <p:style>
-          <a:lnRef idx="1">
-            <a:schemeClr val="accent1"/>
-          </a:lnRef>
-          <a:fillRef idx="0">
-            <a:schemeClr val="accent1"/>
-          </a:fillRef>
-          <a:effectRef idx="0">
-            <a:schemeClr val="accent1"/>
-          </a:effectRef>
-          <a:fontRef idx="minor">
-            <a:schemeClr val="tx1"/>
-          </a:fontRef>
-        </p:style>
-      </p:cxnSp>
-      <p:cxnSp>
-        <p:nvCxnSpPr>
-          <p:cNvPr id="40" name="Straight Connector 39"/>
-          <p:cNvCxnSpPr/>
-          <p:nvPr/>
-        </p:nvCxnSpPr>
-        <p:spPr>
-          <a:xfrm flipH="1">
-            <a:off x="5470069" y="2713462"/>
-            <a:ext cx="3246730" cy="10088"/>
-          </a:xfrm>
-          <a:prstGeom prst="line">
-            <a:avLst/>
-          </a:prstGeom>
-          <a:ln w="38100">
-            <a:solidFill>
-              <a:schemeClr val="tx1"/>
-            </a:solidFill>
-          </a:ln>
-        </p:spPr>
-        <p:style>
-          <a:lnRef idx="1">
-            <a:schemeClr val="accent1"/>
-          </a:lnRef>
-          <a:fillRef idx="0">
-            <a:schemeClr val="accent1"/>
-          </a:fillRef>
-          <a:effectRef idx="0">
-            <a:schemeClr val="accent1"/>
-          </a:effectRef>
-          <a:fontRef idx="minor">
-            <a:schemeClr val="tx1"/>
-          </a:fontRef>
-        </p:style>
-      </p:cxnSp>
-      <p:sp>
-        <p:nvSpPr>
-          <p:cNvPr id="41" name="Oval 40"/>
-          <p:cNvSpPr/>
-          <p:nvPr/>
-        </p:nvSpPr>
-        <p:spPr>
-          <a:xfrm>
-            <a:off x="6019800" y="5327757"/>
-            <a:ext cx="304800" cy="304800"/>
-          </a:xfrm>
-          <a:prstGeom prst="ellipse">
-            <a:avLst/>
-          </a:prstGeom>
-          <a:noFill/>
-          <a:ln>
-            <a:solidFill>
-              <a:schemeClr val="tx1"/>
-            </a:solidFill>
-          </a:ln>
-        </p:spPr>
-        <p:style>
-          <a:lnRef idx="2">
-            <a:schemeClr val="accent1">
-              <a:shade val="50000"/>
-            </a:schemeClr>
-          </a:lnRef>
-          <a:fillRef idx="1">
-            <a:schemeClr val="accent1"/>
-          </a:fillRef>
-          <a:effectRef idx="0">
-            <a:schemeClr val="accent1"/>
-          </a:effectRef>
-          <a:fontRef idx="minor">
-            <a:schemeClr val="lt1"/>
-          </a:fontRef>
-        </p:style>
-        <p:txBody>
-          <a:bodyPr rtlCol="0" anchor="ctr"/>
-          <a:lstStyle/>
-          <a:p>
-            <a:pPr algn="ctr"/>
-            <a:endParaRPr lang="en-US"/>
-          </a:p>
-        </p:txBody>
-      </p:sp>
-      <p:sp>
-        <p:nvSpPr>
-          <p:cNvPr id="42" name="Oval 41"/>
-          <p:cNvSpPr/>
-          <p:nvPr/>
-        </p:nvSpPr>
-        <p:spPr>
-          <a:xfrm>
-            <a:off x="6941683" y="5389216"/>
-            <a:ext cx="304800" cy="304800"/>
-          </a:xfrm>
-          <a:prstGeom prst="ellipse">
-            <a:avLst/>
-          </a:prstGeom>
-          <a:noFill/>
-          <a:ln>
-            <a:solidFill>
-              <a:schemeClr val="tx1"/>
-            </a:solidFill>
-          </a:ln>
-        </p:spPr>
-        <p:style>
-          <a:lnRef idx="2">
-            <a:schemeClr val="accent1">
-              <a:shade val="50000"/>
-            </a:schemeClr>
-          </a:lnRef>
-          <a:fillRef idx="1">
-            <a:schemeClr val="accent1"/>
-          </a:fillRef>
-          <a:effectRef idx="0">
-            <a:schemeClr val="accent1"/>
-          </a:effectRef>
-          <a:fontRef idx="minor">
-            <a:schemeClr val="lt1"/>
-          </a:fontRef>
-        </p:style>
-        <p:txBody>
-          <a:bodyPr rtlCol="0" anchor="ctr"/>
-          <a:lstStyle/>
-          <a:p>
-            <a:pPr algn="ctr"/>
-            <a:endParaRPr lang="en-US"/>
-          </a:p>
-        </p:txBody>
-      </p:sp>
-    </p:spTree>
-    <p:extLst>
-      <p:ext uri="{BB962C8B-B14F-4D97-AF65-F5344CB8AC3E}">
-        <p14:creationId xmlns:p14="http://schemas.microsoft.com/office/powerpoint/2010/main" val="989810116"/>
-      </p:ext>
-    </p:extLst>
-  </p:cSld>
-  <p:clrMapOvr>
-    <a:masterClrMapping/>
-  </p:clrMapOvr>
-  <p:timing>
-    <p:tnLst>
-      <p:par>
-        <p:cTn id="1" dur="indefinite" restart="never" nodeType="tmRoot">
-          <p:childTnLst>
-            <p:seq concurrent="1" nextAc="seek">
-              <p:cTn id="2" dur="indefinite" nodeType="mainSeq">
-                <p:childTnLst>
-                  <p:par>
-                    <p:cTn id="3" fill="hold">
-                      <p:stCondLst>
-                        <p:cond delay="indefinite"/>
-                      </p:stCondLst>
-                      <p:childTnLst>
-                        <p:par>
-                          <p:cTn id="4" fill="hold">
-                            <p:stCondLst>
-                              <p:cond delay="0"/>
-                            </p:stCondLst>
-                            <p:childTnLst>
-                              <p:par>
-                                <p:cTn id="5" presetID="1" presetClass="entr" presetSubtype="0" fill="hold" grpId="0" nodeType="clickEffect">
-                                  <p:stCondLst>
-                                    <p:cond delay="0"/>
-                                  </p:stCondLst>
-                                  <p:childTnLst>
-                                    <p:set>
-                                      <p:cBhvr>
-                                        <p:cTn id="6" dur="1" fill="hold">
-                                          <p:stCondLst>
-                                            <p:cond delay="0"/>
-                                          </p:stCondLst>
-                                        </p:cTn>
-                                        <p:tgtEl>
-                                          <p:spTgt spid="16"/>
-                                        </p:tgtEl>
-                                        <p:attrNameLst>
-                                          <p:attrName>style.visibility</p:attrName>
-                                        </p:attrNameLst>
-                                      </p:cBhvr>
-                                      <p:to>
-                                        <p:strVal val="visible"/>
-                                      </p:to>
-                                    </p:set>
-                                  </p:childTnLst>
-                                </p:cTn>
-                              </p:par>
-                            </p:childTnLst>
-                          </p:cTn>
-                        </p:par>
-                      </p:childTnLst>
-                    </p:cTn>
-                  </p:par>
-                  <p:par>
-                    <p:cTn id="7" fill="hold">
-                      <p:stCondLst>
-                        <p:cond delay="indefinite"/>
-                      </p:stCondLst>
-                      <p:childTnLst>
-                        <p:par>
-                          <p:cTn id="8" fill="hold">
-                            <p:stCondLst>
-                              <p:cond delay="0"/>
-                            </p:stCondLst>
-                            <p:childTnLst>
-                              <p:par>
-                                <p:cTn id="9" presetID="1" presetClass="entr" presetSubtype="0" fill="hold" nodeType="clickEffect">
-                                  <p:stCondLst>
-                                    <p:cond delay="0"/>
-                                  </p:stCondLst>
-                                  <p:childTnLst>
-                                    <p:set>
-                                      <p:cBhvr>
-                                        <p:cTn id="10" dur="1" fill="hold">
-                                          <p:stCondLst>
-                                            <p:cond delay="0"/>
-                                          </p:stCondLst>
-                                        </p:cTn>
-                                        <p:tgtEl>
-                                          <p:spTgt spid="33"/>
-                                        </p:tgtEl>
-                                        <p:attrNameLst>
-                                          <p:attrName>style.visibility</p:attrName>
-                                        </p:attrNameLst>
-                                      </p:cBhvr>
-                                      <p:to>
-                                        <p:strVal val="visible"/>
-                                      </p:to>
-                                    </p:set>
-                                  </p:childTnLst>
-                                </p:cTn>
-                              </p:par>
-                            </p:childTnLst>
-                          </p:cTn>
-                        </p:par>
-                      </p:childTnLst>
-                    </p:cTn>
-                  </p:par>
-                  <p:par>
-                    <p:cTn id="11" fill="hold">
-                      <p:stCondLst>
-                        <p:cond delay="indefinite"/>
-                      </p:stCondLst>
-                      <p:childTnLst>
-                        <p:par>
-                          <p:cTn id="12" fill="hold">
-                            <p:stCondLst>
-                              <p:cond delay="0"/>
-                            </p:stCondLst>
-                            <p:childTnLst>
-                              <p:par>
-                                <p:cTn id="13" presetID="1" presetClass="entr" presetSubtype="0" fill="hold" grpId="0" nodeType="clickEffect">
-                                  <p:stCondLst>
-                                    <p:cond delay="0"/>
-                                  </p:stCondLst>
-                                  <p:childTnLst>
-                                    <p:set>
-                                      <p:cBhvr>
-                                        <p:cTn id="14" dur="1" fill="hold">
-                                          <p:stCondLst>
-                                            <p:cond delay="0"/>
-                                          </p:stCondLst>
-                                        </p:cTn>
-                                        <p:tgtEl>
-                                          <p:spTgt spid="37"/>
-                                        </p:tgtEl>
-                                        <p:attrNameLst>
-                                          <p:attrName>style.visibility</p:attrName>
-                                        </p:attrNameLst>
-                                      </p:cBhvr>
-                                      <p:to>
-                                        <p:strVal val="visible"/>
-                                      </p:to>
-                                    </p:set>
-                                  </p:childTnLst>
-                                </p:cTn>
-                              </p:par>
-                              <p:par>
-                                <p:cTn id="15" presetID="1" presetClass="entr" presetSubtype="0" fill="hold" grpId="0" nodeType="withEffect">
-                                  <p:stCondLst>
-                                    <p:cond delay="0"/>
-                                  </p:stCondLst>
-                                  <p:childTnLst>
-                                    <p:set>
-                                      <p:cBhvr>
-                                        <p:cTn id="16" dur="1" fill="hold">
-                                          <p:stCondLst>
-                                            <p:cond delay="0"/>
-                                          </p:stCondLst>
-                                        </p:cTn>
-                                        <p:tgtEl>
-                                          <p:spTgt spid="38"/>
-                                        </p:tgtEl>
-                                        <p:attrNameLst>
-                                          <p:attrName>style.visibility</p:attrName>
-                                        </p:attrNameLst>
-                                      </p:cBhvr>
-                                      <p:to>
-                                        <p:strVal val="visible"/>
-                                      </p:to>
-                                    </p:set>
-                                  </p:childTnLst>
-                                </p:cTn>
-                              </p:par>
-                              <p:par>
-                                <p:cTn id="17" presetID="1" presetClass="entr" presetSubtype="0" fill="hold" nodeType="withEffect">
-                                  <p:stCondLst>
-                                    <p:cond delay="0"/>
-                                  </p:stCondLst>
-                                  <p:childTnLst>
-                                    <p:set>
-                                      <p:cBhvr>
-                                        <p:cTn id="18" dur="1" fill="hold">
-                                          <p:stCondLst>
-                                            <p:cond delay="0"/>
-                                          </p:stCondLst>
-                                        </p:cTn>
-                                        <p:tgtEl>
-                                          <p:spTgt spid="39"/>
-                                        </p:tgtEl>
-                                        <p:attrNameLst>
-                                          <p:attrName>style.visibility</p:attrName>
-                                        </p:attrNameLst>
-                                      </p:cBhvr>
-                                      <p:to>
-                                        <p:strVal val="visible"/>
-                                      </p:to>
-                                    </p:set>
-                                  </p:childTnLst>
-                                </p:cTn>
-                              </p:par>
-                            </p:childTnLst>
-                          </p:cTn>
-                        </p:par>
-                      </p:childTnLst>
-                    </p:cTn>
-                  </p:par>
-                  <p:par>
-                    <p:cTn id="19" fill="hold">
-                      <p:stCondLst>
-                        <p:cond delay="indefinite"/>
-                      </p:stCondLst>
-                      <p:childTnLst>
-                        <p:par>
-                          <p:cTn id="20" fill="hold">
-                            <p:stCondLst>
-                              <p:cond delay="0"/>
-                            </p:stCondLst>
-                            <p:childTnLst>
-                              <p:par>
-                                <p:cTn id="21" presetID="1" presetClass="entr" presetSubtype="0" fill="hold" nodeType="clickEffect">
-                                  <p:stCondLst>
-                                    <p:cond delay="0"/>
-                                  </p:stCondLst>
-                                  <p:childTnLst>
-                                    <p:set>
-                                      <p:cBhvr>
-                                        <p:cTn id="22" dur="1" fill="hold">
-                                          <p:stCondLst>
-                                            <p:cond delay="0"/>
-                                          </p:stCondLst>
-                                        </p:cTn>
-                                        <p:tgtEl>
-                                          <p:spTgt spid="34"/>
-                                        </p:tgtEl>
-                                        <p:attrNameLst>
-                                          <p:attrName>style.visibility</p:attrName>
-                                        </p:attrNameLst>
-                                      </p:cBhvr>
-                                      <p:to>
-                                        <p:strVal val="visible"/>
-                                      </p:to>
-                                    </p:set>
-                                  </p:childTnLst>
-                                </p:cTn>
-                              </p:par>
-                            </p:childTnLst>
-                          </p:cTn>
-                        </p:par>
-                      </p:childTnLst>
-                    </p:cTn>
-                  </p:par>
-                  <p:par>
-                    <p:cTn id="23" fill="hold">
-                      <p:stCondLst>
-                        <p:cond delay="indefinite"/>
-                      </p:stCondLst>
-                      <p:childTnLst>
-                        <p:par>
-                          <p:cTn id="24" fill="hold">
-                            <p:stCondLst>
-                              <p:cond delay="0"/>
-                            </p:stCondLst>
-                            <p:childTnLst>
-                              <p:par>
-                                <p:cTn id="25" presetID="1" presetClass="entr" presetSubtype="0" fill="hold" nodeType="clickEffect">
-                                  <p:stCondLst>
-                                    <p:cond delay="0"/>
-                                  </p:stCondLst>
-                                  <p:childTnLst>
-                                    <p:set>
-                                      <p:cBhvr>
-                                        <p:cTn id="26" dur="1" fill="hold">
-                                          <p:stCondLst>
-                                            <p:cond delay="0"/>
-                                          </p:stCondLst>
-                                        </p:cTn>
-                                        <p:tgtEl>
-                                          <p:spTgt spid="40"/>
-                                        </p:tgtEl>
-                                        <p:attrNameLst>
-                                          <p:attrName>style.visibility</p:attrName>
-                                        </p:attrNameLst>
-                                      </p:cBhvr>
-                                      <p:to>
-                                        <p:strVal val="visible"/>
-                                      </p:to>
-                                    </p:set>
-                                  </p:childTnLst>
-                                </p:cTn>
-                              </p:par>
-                            </p:childTnLst>
-                          </p:cTn>
-                        </p:par>
-                      </p:childTnLst>
-                    </p:cTn>
-                  </p:par>
-                  <p:par>
-                    <p:cTn id="27" fill="hold">
-                      <p:stCondLst>
-                        <p:cond delay="indefinite"/>
-                      </p:stCondLst>
-                      <p:childTnLst>
-                        <p:par>
-                          <p:cTn id="28" fill="hold">
-                            <p:stCondLst>
-                              <p:cond delay="0"/>
-                            </p:stCondLst>
-                            <p:childTnLst>
-                              <p:par>
-                                <p:cTn id="29" presetID="1" presetClass="entr" presetSubtype="0" fill="hold" nodeType="clickEffect">
-                                  <p:stCondLst>
-                                    <p:cond delay="0"/>
-                                  </p:stCondLst>
-                                  <p:childTnLst>
-                                    <p:set>
-                                      <p:cBhvr>
-                                        <p:cTn id="30" dur="1" fill="hold">
-                                          <p:stCondLst>
-                                            <p:cond delay="0"/>
-                                          </p:stCondLst>
-                                        </p:cTn>
-                                        <p:tgtEl>
-                                          <p:spTgt spid="35"/>
-                                        </p:tgtEl>
-                                        <p:attrNameLst>
-                                          <p:attrName>style.visibility</p:attrName>
-                                        </p:attrNameLst>
-                                      </p:cBhvr>
-                                      <p:to>
-                                        <p:strVal val="visible"/>
-                                      </p:to>
-                                    </p:set>
-                                  </p:childTnLst>
-                                </p:cTn>
-                              </p:par>
-                            </p:childTnLst>
-                          </p:cTn>
-                        </p:par>
-                      </p:childTnLst>
-                    </p:cTn>
-                  </p:par>
-                  <p:par>
-                    <p:cTn id="31" fill="hold">
-                      <p:stCondLst>
-                        <p:cond delay="indefinite"/>
-                      </p:stCondLst>
-                      <p:childTnLst>
-                        <p:par>
-                          <p:cTn id="32" fill="hold">
-                            <p:stCondLst>
-                              <p:cond delay="0"/>
-                            </p:stCondLst>
-                            <p:childTnLst>
-                              <p:par>
-                                <p:cTn id="33" presetID="1" presetClass="entr" presetSubtype="0" fill="hold" nodeType="clickEffect">
-                                  <p:stCondLst>
-                                    <p:cond delay="0"/>
-                                  </p:stCondLst>
-                                  <p:childTnLst>
-                                    <p:set>
-                                      <p:cBhvr>
-                                        <p:cTn id="34" dur="1" fill="hold">
-                                          <p:stCondLst>
-                                            <p:cond delay="0"/>
-                                          </p:stCondLst>
-                                        </p:cTn>
-                                        <p:tgtEl>
-                                          <p:spTgt spid="36"/>
-                                        </p:tgtEl>
-                                        <p:attrNameLst>
-                                          <p:attrName>style.visibility</p:attrName>
-                                        </p:attrNameLst>
-                                      </p:cBhvr>
-                                      <p:to>
-                                        <p:strVal val="visible"/>
-                                      </p:to>
-                                    </p:set>
-                                  </p:childTnLst>
-                                </p:cTn>
-                              </p:par>
-                            </p:childTnLst>
-                          </p:cTn>
-                        </p:par>
-                      </p:childTnLst>
-                    </p:cTn>
-                  </p:par>
-                  <p:par>
-                    <p:cTn id="35" fill="hold">
-                      <p:stCondLst>
-                        <p:cond delay="indefinite"/>
-                      </p:stCondLst>
-                      <p:childTnLst>
-                        <p:par>
-                          <p:cTn id="36" fill="hold">
-                            <p:stCondLst>
-                              <p:cond delay="0"/>
-                            </p:stCondLst>
-                            <p:childTnLst>
-                              <p:par>
-                                <p:cTn id="37" presetID="1" presetClass="entr" presetSubtype="0" fill="hold" grpId="0" nodeType="clickEffect">
-                                  <p:stCondLst>
-                                    <p:cond delay="0"/>
-                                  </p:stCondLst>
-                                  <p:childTnLst>
-                                    <p:set>
-                                      <p:cBhvr>
-                                        <p:cTn id="38" dur="1" fill="hold">
-                                          <p:stCondLst>
-                                            <p:cond delay="0"/>
-                                          </p:stCondLst>
-                                        </p:cTn>
-                                        <p:tgtEl>
-                                          <p:spTgt spid="41"/>
-                                        </p:tgtEl>
-                                        <p:attrNameLst>
-                                          <p:attrName>style.visibility</p:attrName>
-                                        </p:attrNameLst>
-                                      </p:cBhvr>
-                                      <p:to>
-                                        <p:strVal val="visible"/>
-                                      </p:to>
-                                    </p:set>
-                                  </p:childTnLst>
-                                </p:cTn>
-                              </p:par>
-                              <p:par>
-                                <p:cTn id="39" presetID="1" presetClass="entr" presetSubtype="0" fill="hold" grpId="0" nodeType="withEffect">
-                                  <p:stCondLst>
-                                    <p:cond delay="0"/>
-                                  </p:stCondLst>
-                                  <p:childTnLst>
-                                    <p:set>
-                                      <p:cBhvr>
-                                        <p:cTn id="40" dur="1" fill="hold">
-                                          <p:stCondLst>
-                                            <p:cond delay="0"/>
-                                          </p:stCondLst>
-                                        </p:cTn>
-                                        <p:tgtEl>
-                                          <p:spTgt spid="42"/>
-                                        </p:tgtEl>
-                                        <p:attrNameLst>
-                                          <p:attrName>style.visibility</p:attrName>
-                                        </p:attrNameLst>
-                                      </p:cBhvr>
-                                      <p:to>
-                                        <p:strVal val="visible"/>
-                                      </p:to>
-                                    </p:set>
-                                  </p:childTnLst>
-                                </p:cTn>
-                              </p:par>
-                            </p:childTnLst>
-                          </p:cTn>
-                        </p:par>
-                      </p:childTnLst>
-                    </p:cTn>
-                  </p:par>
-                </p:childTnLst>
-              </p:cTn>
-              <p:prevCondLst>
-                <p:cond evt="onPrev" delay="0">
-                  <p:tgtEl>
-                    <p:sldTgt/>
-                  </p:tgtEl>
-                </p:cond>
-              </p:prevCondLst>
-              <p:nextCondLst>
-                <p:cond evt="onNext" delay="0">
-                  <p:tgtEl>
-                    <p:sldTgt/>
-                  </p:tgtEl>
-                </p:cond>
-              </p:nextCondLst>
-            </p:seq>
-          </p:childTnLst>
-        </p:cTn>
-      </p:par>
-    </p:tnLst>
-    <p:bldLst>
-      <p:bldP spid="16" grpId="0"/>
-      <p:bldP spid="37" grpId="0" animBg="1"/>
-      <p:bldP spid="38" grpId="0" animBg="1"/>
-      <p:bldP spid="41" grpId="0" animBg="1"/>
-      <p:bldP spid="42" grpId="0" animBg="1"/>
-    </p:bldLst>
-  </p:timing>
-</p:sld>
-</file>
-
 <file path=ppt/theme/theme1.xml><?xml version="1.0" encoding="utf-8"?>
 <a:theme xmlns:a="http://schemas.openxmlformats.org/drawingml/2006/main" name="Office Theme">
   <a:themeElements>

--- a/Paper/PEMD 2018/Presentation/PEMD2018_OralPres_Mesut_Uğur.pptx
+++ b/Paper/PEMD 2018/Presentation/PEMD2018_OralPres_Mesut_Uğur.pptx
@@ -5,7 +5,7 @@
     <p:sldMasterId id="2147483804" r:id="rId1"/>
   </p:sldMasterIdLst>
   <p:notesMasterIdLst>
-    <p:notesMasterId r:id="rId18"/>
+    <p:notesMasterId r:id="rId17"/>
   </p:notesMasterIdLst>
   <p:sldIdLst>
     <p:sldId id="290" r:id="rId2"/>
@@ -13,17 +13,16 @@
     <p:sldId id="524" r:id="rId4"/>
     <p:sldId id="522" r:id="rId5"/>
     <p:sldId id="525" r:id="rId6"/>
-    <p:sldId id="536" r:id="rId7"/>
-    <p:sldId id="526" r:id="rId8"/>
-    <p:sldId id="540" r:id="rId9"/>
-    <p:sldId id="528" r:id="rId10"/>
-    <p:sldId id="537" r:id="rId11"/>
-    <p:sldId id="529" r:id="rId12"/>
-    <p:sldId id="538" r:id="rId13"/>
-    <p:sldId id="532" r:id="rId14"/>
-    <p:sldId id="539" r:id="rId15"/>
-    <p:sldId id="535" r:id="rId16"/>
-    <p:sldId id="523" r:id="rId17"/>
+    <p:sldId id="541" r:id="rId7"/>
+    <p:sldId id="540" r:id="rId8"/>
+    <p:sldId id="528" r:id="rId9"/>
+    <p:sldId id="537" r:id="rId10"/>
+    <p:sldId id="529" r:id="rId11"/>
+    <p:sldId id="538" r:id="rId12"/>
+    <p:sldId id="532" r:id="rId13"/>
+    <p:sldId id="539" r:id="rId14"/>
+    <p:sldId id="535" r:id="rId15"/>
+    <p:sldId id="523" r:id="rId16"/>
   </p:sldIdLst>
   <p:sldSz cx="9144000" cy="6858000" type="screen4x3"/>
   <p:notesSz cx="6858000" cy="9144000"/>
@@ -223,7 +222,7 @@
           <a:p>
             <a:fld id="{D1C008C1-D970-43BD-9678-58985B84B3B0}" type="datetimeFigureOut">
               <a:rPr lang="tr-TR" smtClean="0"/>
-              <a:t>26.03.2018</a:t>
+              <a:t>30.03.2018</a:t>
             </a:fld>
             <a:endParaRPr lang="tr-TR"/>
           </a:p>
@@ -649,7 +648,7 @@
     </p:spTree>
     <p:extLst>
       <p:ext uri="{BB962C8B-B14F-4D97-AF65-F5344CB8AC3E}">
-        <p14:creationId xmlns:p14="http://schemas.microsoft.com/office/powerpoint/2010/main" val="400517438"/>
+        <p14:creationId xmlns:p14="http://schemas.microsoft.com/office/powerpoint/2010/main" val="3344517523"/>
       </p:ext>
     </p:extLst>
   </p:cSld>
@@ -733,7 +732,7 @@
     </p:spTree>
     <p:extLst>
       <p:ext uri="{BB962C8B-B14F-4D97-AF65-F5344CB8AC3E}">
-        <p14:creationId xmlns:p14="http://schemas.microsoft.com/office/powerpoint/2010/main" val="3344517523"/>
+        <p14:creationId xmlns:p14="http://schemas.microsoft.com/office/powerpoint/2010/main" val="2288372946"/>
       </p:ext>
     </p:extLst>
   </p:cSld>
@@ -817,7 +816,7 @@
     </p:spTree>
     <p:extLst>
       <p:ext uri="{BB962C8B-B14F-4D97-AF65-F5344CB8AC3E}">
-        <p14:creationId xmlns:p14="http://schemas.microsoft.com/office/powerpoint/2010/main" val="2288372946"/>
+        <p14:creationId xmlns:p14="http://schemas.microsoft.com/office/powerpoint/2010/main" val="1303995721"/>
       </p:ext>
     </p:extLst>
   </p:cSld>
@@ -901,7 +900,7 @@
     </p:spTree>
     <p:extLst>
       <p:ext uri="{BB962C8B-B14F-4D97-AF65-F5344CB8AC3E}">
-        <p14:creationId xmlns:p14="http://schemas.microsoft.com/office/powerpoint/2010/main" val="1303995721"/>
+        <p14:creationId xmlns:p14="http://schemas.microsoft.com/office/powerpoint/2010/main" val="2338195712"/>
       </p:ext>
     </p:extLst>
   </p:cSld>
@@ -977,90 +976,6 @@
             <a:fld id="{A891BBEF-D461-4390-BF4B-2B69E06247B2}" type="slidenum">
               <a:rPr lang="tr-TR" smtClean="0"/>
               <a:t>15</a:t>
-            </a:fld>
-            <a:endParaRPr lang="tr-TR"/>
-          </a:p>
-        </p:txBody>
-      </p:sp>
-    </p:spTree>
-    <p:extLst>
-      <p:ext uri="{BB962C8B-B14F-4D97-AF65-F5344CB8AC3E}">
-        <p14:creationId xmlns:p14="http://schemas.microsoft.com/office/powerpoint/2010/main" val="2338195712"/>
-      </p:ext>
-    </p:extLst>
-  </p:cSld>
-  <p:clrMapOvr>
-    <a:masterClrMapping/>
-  </p:clrMapOvr>
-</p:notes>
-</file>
-
-<file path=ppt/notesSlides/notesSlide15.xml><?xml version="1.0" encoding="utf-8"?>
-<p:notes xmlns:a="http://schemas.openxmlformats.org/drawingml/2006/main" xmlns:r="http://schemas.openxmlformats.org/officeDocument/2006/relationships" xmlns:p="http://schemas.openxmlformats.org/presentationml/2006/main">
-  <p:cSld>
-    <p:spTree>
-      <p:nvGrpSpPr>
-        <p:cNvPr id="1" name=""/>
-        <p:cNvGrpSpPr/>
-        <p:nvPr/>
-      </p:nvGrpSpPr>
-      <p:grpSpPr>
-        <a:xfrm>
-          <a:off x="0" y="0"/>
-          <a:ext cx="0" cy="0"/>
-          <a:chOff x="0" y="0"/>
-          <a:chExt cx="0" cy="0"/>
-        </a:xfrm>
-      </p:grpSpPr>
-      <p:sp>
-        <p:nvSpPr>
-          <p:cNvPr id="2" name="Slide Image Placeholder 1"/>
-          <p:cNvSpPr>
-            <a:spLocks noGrp="1" noRot="1" noChangeAspect="1"/>
-          </p:cNvSpPr>
-          <p:nvPr>
-            <p:ph type="sldImg"/>
-          </p:nvPr>
-        </p:nvSpPr>
-        <p:spPr/>
-      </p:sp>
-      <p:sp>
-        <p:nvSpPr>
-          <p:cNvPr id="3" name="Notes Placeholder 2"/>
-          <p:cNvSpPr>
-            <a:spLocks noGrp="1"/>
-          </p:cNvSpPr>
-          <p:nvPr>
-            <p:ph type="body" idx="1"/>
-          </p:nvPr>
-        </p:nvSpPr>
-        <p:spPr/>
-        <p:txBody>
-          <a:bodyPr/>
-          <a:lstStyle/>
-          <a:p>
-            <a:endParaRPr lang="en-US"/>
-          </a:p>
-        </p:txBody>
-      </p:sp>
-      <p:sp>
-        <p:nvSpPr>
-          <p:cNvPr id="4" name="Slide Number Placeholder 3"/>
-          <p:cNvSpPr>
-            <a:spLocks noGrp="1"/>
-          </p:cNvSpPr>
-          <p:nvPr>
-            <p:ph type="sldNum" sz="quarter" idx="10"/>
-          </p:nvPr>
-        </p:nvSpPr>
-        <p:spPr/>
-        <p:txBody>
-          <a:bodyPr/>
-          <a:lstStyle/>
-          <a:p>
-            <a:fld id="{A891BBEF-D461-4390-BF4B-2B69E06247B2}" type="slidenum">
-              <a:rPr lang="tr-TR" smtClean="0"/>
-              <a:t>16</a:t>
             </a:fld>
             <a:endParaRPr lang="tr-TR"/>
           </a:p>
@@ -1405,7 +1320,7 @@
     </p:spTree>
     <p:extLst>
       <p:ext uri="{BB962C8B-B14F-4D97-AF65-F5344CB8AC3E}">
-        <p14:creationId xmlns:p14="http://schemas.microsoft.com/office/powerpoint/2010/main" val="3880661783"/>
+        <p14:creationId xmlns:p14="http://schemas.microsoft.com/office/powerpoint/2010/main" val="2528959596"/>
       </p:ext>
     </p:extLst>
   </p:cSld>
@@ -1489,7 +1404,7 @@
     </p:spTree>
     <p:extLst>
       <p:ext uri="{BB962C8B-B14F-4D97-AF65-F5344CB8AC3E}">
-        <p14:creationId xmlns:p14="http://schemas.microsoft.com/office/powerpoint/2010/main" val="1320151197"/>
+        <p14:creationId xmlns:p14="http://schemas.microsoft.com/office/powerpoint/2010/main" val="1067306096"/>
       </p:ext>
     </p:extLst>
   </p:cSld>
@@ -1573,7 +1488,7 @@
     </p:spTree>
     <p:extLst>
       <p:ext uri="{BB962C8B-B14F-4D97-AF65-F5344CB8AC3E}">
-        <p14:creationId xmlns:p14="http://schemas.microsoft.com/office/powerpoint/2010/main" val="1067306096"/>
+        <p14:creationId xmlns:p14="http://schemas.microsoft.com/office/powerpoint/2010/main" val="3357738277"/>
       </p:ext>
     </p:extLst>
   </p:cSld>
@@ -1657,7 +1572,7 @@
     </p:spTree>
     <p:extLst>
       <p:ext uri="{BB962C8B-B14F-4D97-AF65-F5344CB8AC3E}">
-        <p14:creationId xmlns:p14="http://schemas.microsoft.com/office/powerpoint/2010/main" val="3357738277"/>
+        <p14:creationId xmlns:p14="http://schemas.microsoft.com/office/powerpoint/2010/main" val="30670380"/>
       </p:ext>
     </p:extLst>
   </p:cSld>
@@ -1741,7 +1656,7 @@
     </p:spTree>
     <p:extLst>
       <p:ext uri="{BB962C8B-B14F-4D97-AF65-F5344CB8AC3E}">
-        <p14:creationId xmlns:p14="http://schemas.microsoft.com/office/powerpoint/2010/main" val="30670380"/>
+        <p14:creationId xmlns:p14="http://schemas.microsoft.com/office/powerpoint/2010/main" val="400517438"/>
       </p:ext>
     </p:extLst>
   </p:cSld>
@@ -1932,7 +1847,7 @@
           <a:p>
             <a:fld id="{D275723C-A363-4114-BE18-3E9589C2B9C2}" type="datetime1">
               <a:rPr lang="en-US" smtClean="0"/>
-              <a:t>3/26/2018</a:t>
+              <a:t>3/30/2018</a:t>
             </a:fld>
             <a:endParaRPr lang="en-US" dirty="0"/>
           </a:p>
@@ -2103,7 +2018,7 @@
           <a:p>
             <a:fld id="{C5592633-93A2-4DB7-B3D8-5F6714E7EFEC}" type="datetime1">
               <a:rPr lang="en-US" smtClean="0"/>
-              <a:t>3/26/2018</a:t>
+              <a:t>3/30/2018</a:t>
             </a:fld>
             <a:endParaRPr lang="en-US" dirty="0"/>
           </a:p>
@@ -2284,7 +2199,7 @@
           <a:p>
             <a:fld id="{6F760D8D-AE05-4AF5-8666-75C48EA7B609}" type="datetime1">
               <a:rPr lang="en-US" smtClean="0"/>
-              <a:t>3/26/2018</a:t>
+              <a:t>3/30/2018</a:t>
             </a:fld>
             <a:endParaRPr lang="en-US" dirty="0"/>
           </a:p>
@@ -2455,7 +2370,7 @@
           <a:p>
             <a:fld id="{6D87B8C0-62AE-47C8-A8EF-FC863B0F06E5}" type="datetime1">
               <a:rPr lang="en-US" smtClean="0"/>
-              <a:t>3/26/2018</a:t>
+              <a:t>3/30/2018</a:t>
             </a:fld>
             <a:endParaRPr lang="en-US" dirty="0"/>
           </a:p>
@@ -2702,7 +2617,7 @@
           <a:p>
             <a:fld id="{A76C8472-C309-40FA-8240-FF6234B7F0D0}" type="datetime1">
               <a:rPr lang="en-US" smtClean="0"/>
-              <a:t>3/26/2018</a:t>
+              <a:t>3/30/2018</a:t>
             </a:fld>
             <a:endParaRPr lang="en-US" dirty="0"/>
           </a:p>
@@ -2991,7 +2906,7 @@
           <a:p>
             <a:fld id="{33196F6B-6F2E-418E-A1A6-2F06576F6EF7}" type="datetime1">
               <a:rPr lang="en-US" smtClean="0"/>
-              <a:t>3/26/2018</a:t>
+              <a:t>3/30/2018</a:t>
             </a:fld>
             <a:endParaRPr lang="en-US" dirty="0"/>
           </a:p>
@@ -3414,7 +3329,7 @@
           <a:p>
             <a:fld id="{D09CD6EC-2E00-46F1-9BD2-E1865A200410}" type="datetime1">
               <a:rPr lang="en-US" smtClean="0"/>
-              <a:t>3/26/2018</a:t>
+              <a:t>3/30/2018</a:t>
             </a:fld>
             <a:endParaRPr lang="en-US" dirty="0"/>
           </a:p>
@@ -3533,7 +3448,7 @@
           <a:p>
             <a:fld id="{C40B9E5A-6330-4749-ACDB-FB892FCFE6A5}" type="datetime1">
               <a:rPr lang="en-US" smtClean="0"/>
-              <a:t>3/26/2018</a:t>
+              <a:t>3/30/2018</a:t>
             </a:fld>
             <a:endParaRPr lang="en-US" dirty="0"/>
           </a:p>
@@ -3629,7 +3544,7 @@
           <a:p>
             <a:fld id="{1C181CB3-A768-4AD8-A97F-12E47CC1200D}" type="datetime1">
               <a:rPr lang="en-US" smtClean="0"/>
-              <a:t>3/26/2018</a:t>
+              <a:t>3/30/2018</a:t>
             </a:fld>
             <a:endParaRPr lang="en-US" dirty="0"/>
           </a:p>
@@ -3907,7 +3822,7 @@
           <a:p>
             <a:fld id="{AF3D8106-484C-46C6-8BE9-348BFA7F2DCB}" type="datetime1">
               <a:rPr lang="en-US" smtClean="0"/>
-              <a:t>3/26/2018</a:t>
+              <a:t>3/30/2018</a:t>
             </a:fld>
             <a:endParaRPr lang="en-US" dirty="0"/>
           </a:p>
@@ -4161,7 +4076,7 @@
           <a:p>
             <a:fld id="{F2A57B0D-110E-4AAD-9411-DA6CB39E8776}" type="datetime1">
               <a:rPr lang="en-US" smtClean="0"/>
-              <a:t>3/26/2018</a:t>
+              <a:t>3/30/2018</a:t>
             </a:fld>
             <a:endParaRPr lang="en-US" dirty="0"/>
           </a:p>
@@ -4394,7 +4309,7 @@
           <a:p>
             <a:fld id="{FB4B5B0E-55D6-4DAA-879D-58BBFFC7379B}" type="datetime1">
               <a:rPr lang="en-US" smtClean="0"/>
-              <a:t>3/26/2018</a:t>
+              <a:t>3/30/2018</a:t>
             </a:fld>
             <a:endParaRPr lang="en-US" dirty="0"/>
           </a:p>
@@ -5440,21 +5355,21 @@
           <a:p>
             <a:pPr algn="ctr"/>
             <a:r>
-              <a:rPr lang="tr-TR" sz="3000" dirty="0" smtClean="0">
+              <a:rPr lang="tr-TR" sz="3000" dirty="0">
                 <a:latin typeface="Times New Roman" panose="02020603050405020304" pitchFamily="18" charset="0"/>
                 <a:cs typeface="Times New Roman" panose="02020603050405020304" pitchFamily="18" charset="0"/>
               </a:rPr>
               <a:t>Design </a:t>
             </a:r>
             <a:r>
-              <a:rPr lang="tr-TR" sz="3000" dirty="0" err="1" smtClean="0">
+              <a:rPr lang="tr-TR" sz="3000" dirty="0" err="1">
                 <a:latin typeface="Times New Roman" panose="02020603050405020304" pitchFamily="18" charset="0"/>
                 <a:cs typeface="Times New Roman" panose="02020603050405020304" pitchFamily="18" charset="0"/>
               </a:rPr>
               <a:t>Parameter</a:t>
             </a:r>
             <a:r>
-              <a:rPr lang="tr-TR" sz="3000" dirty="0" smtClean="0">
+              <a:rPr lang="tr-TR" sz="3000" dirty="0">
                 <a:latin typeface="Times New Roman" panose="02020603050405020304" pitchFamily="18" charset="0"/>
                 <a:cs typeface="Times New Roman" panose="02020603050405020304" pitchFamily="18" charset="0"/>
               </a:rPr>
@@ -5512,12 +5427,7 @@
             <p:ph type="sldNum" sz="quarter" idx="12"/>
           </p:nvPr>
         </p:nvSpPr>
-        <p:spPr>
-          <a:xfrm>
-            <a:off x="6583199" y="5873320"/>
-            <a:ext cx="2133600" cy="365125"/>
-          </a:xfrm>
-        </p:spPr>
+        <p:spPr/>
         <p:txBody>
           <a:bodyPr/>
           <a:lstStyle/>
@@ -5723,1394 +5633,6 @@
       </p:sp>
       <p:sp>
         <p:nvSpPr>
-          <p:cNvPr id="16" name="TextBox 15"/>
-          <p:cNvSpPr txBox="1"/>
-          <p:nvPr/>
-        </p:nvSpPr>
-        <p:spPr>
-          <a:xfrm>
-            <a:off x="1227444" y="957837"/>
-            <a:ext cx="7619376" cy="369332"/>
-          </a:xfrm>
-          <a:prstGeom prst="rect">
-            <a:avLst/>
-          </a:prstGeom>
-          <a:noFill/>
-        </p:spPr>
-        <p:txBody>
-          <a:bodyPr wrap="square" rtlCol="0">
-            <a:spAutoFit/>
-          </a:bodyPr>
-          <a:lstStyle/>
-          <a:p>
-            <a:pPr algn="ctr">
-              <a:spcAft>
-                <a:spcPts val="1200"/>
-              </a:spcAft>
-            </a:pPr>
-            <a:r>
-              <a:rPr lang="tr-TR" dirty="0" err="1" smtClean="0">
-                <a:latin typeface="Helvetica" panose="020B0604020202020204" pitchFamily="34" charset="0"/>
-                <a:cs typeface="Helvetica" panose="020B0604020202020204" pitchFamily="34" charset="0"/>
-              </a:rPr>
-              <a:t>Modulation</a:t>
-            </a:r>
-            <a:r>
-              <a:rPr lang="tr-TR" dirty="0" smtClean="0">
-                <a:latin typeface="Helvetica" panose="020B0604020202020204" pitchFamily="34" charset="0"/>
-                <a:cs typeface="Helvetica" panose="020B0604020202020204" pitchFamily="34" charset="0"/>
-              </a:rPr>
-              <a:t> </a:t>
-            </a:r>
-            <a:r>
-              <a:rPr lang="tr-TR" dirty="0" err="1" smtClean="0">
-                <a:latin typeface="Helvetica" panose="020B0604020202020204" pitchFamily="34" charset="0"/>
-                <a:cs typeface="Helvetica" panose="020B0604020202020204" pitchFamily="34" charset="0"/>
-              </a:rPr>
-              <a:t>index</a:t>
-            </a:r>
-            <a:r>
-              <a:rPr lang="tr-TR" dirty="0" smtClean="0">
-                <a:latin typeface="Helvetica" panose="020B0604020202020204" pitchFamily="34" charset="0"/>
-                <a:cs typeface="Helvetica" panose="020B0604020202020204" pitchFamily="34" charset="0"/>
-              </a:rPr>
-              <a:t> &amp; </a:t>
-            </a:r>
-            <a:r>
-              <a:rPr lang="tr-TR" dirty="0" err="1" smtClean="0">
-                <a:latin typeface="Helvetica" panose="020B0604020202020204" pitchFamily="34" charset="0"/>
-                <a:cs typeface="Helvetica" panose="020B0604020202020204" pitchFamily="34" charset="0"/>
-              </a:rPr>
-              <a:t>Number</a:t>
-            </a:r>
-            <a:r>
-              <a:rPr lang="tr-TR" dirty="0" smtClean="0">
-                <a:latin typeface="Helvetica" panose="020B0604020202020204" pitchFamily="34" charset="0"/>
-                <a:cs typeface="Helvetica" panose="020B0604020202020204" pitchFamily="34" charset="0"/>
-              </a:rPr>
-              <a:t> of </a:t>
-            </a:r>
-            <a:r>
-              <a:rPr lang="tr-TR" dirty="0" err="1" smtClean="0">
-                <a:latin typeface="Helvetica" panose="020B0604020202020204" pitchFamily="34" charset="0"/>
-                <a:cs typeface="Helvetica" panose="020B0604020202020204" pitchFamily="34" charset="0"/>
-              </a:rPr>
-              <a:t>modules</a:t>
-            </a:r>
-            <a:endParaRPr lang="en-US" dirty="0" smtClean="0">
-              <a:latin typeface="Helvetica" panose="020B0604020202020204" pitchFamily="34" charset="0"/>
-              <a:cs typeface="Helvetica" panose="020B0604020202020204" pitchFamily="34" charset="0"/>
-            </a:endParaRPr>
-          </a:p>
-        </p:txBody>
-      </p:sp>
-      <p:pic>
-        <p:nvPicPr>
-          <p:cNvPr id="33" name="Picture 32"/>
-          <p:cNvPicPr/>
-          <p:nvPr/>
-        </p:nvPicPr>
-        <p:blipFill rotWithShape="1">
-          <a:blip r:embed="rId5" cstate="print">
-            <a:extLst>
-              <a:ext uri="{28A0092B-C50C-407E-A947-70E740481C1C}">
-                <a14:useLocalDpi xmlns:a14="http://schemas.microsoft.com/office/drawing/2010/main" val="0"/>
-              </a:ext>
-            </a:extLst>
-          </a:blip>
-          <a:srcRect r="8333"/>
-          <a:stretch/>
-        </p:blipFill>
-        <p:spPr bwMode="auto">
-          <a:xfrm>
-            <a:off x="1227444" y="1370605"/>
-            <a:ext cx="3352800" cy="2535237"/>
-          </a:xfrm>
-          <a:prstGeom prst="rect">
-            <a:avLst/>
-          </a:prstGeom>
-          <a:noFill/>
-          <a:ln>
-            <a:noFill/>
-          </a:ln>
-          <a:extLst>
-            <a:ext uri="{53640926-AAD7-44D8-BBD7-CCE9431645EC}">
-              <a14:shadowObscured xmlns:a14="http://schemas.microsoft.com/office/drawing/2010/main"/>
-            </a:ext>
-          </a:extLst>
-        </p:spPr>
-      </p:pic>
-      <p:pic>
-        <p:nvPicPr>
-          <p:cNvPr id="34" name="Picture 33"/>
-          <p:cNvPicPr/>
-          <p:nvPr/>
-        </p:nvPicPr>
-        <p:blipFill rotWithShape="1">
-          <a:blip r:embed="rId6" cstate="print">
-            <a:extLst>
-              <a:ext uri="{28A0092B-C50C-407E-A947-70E740481C1C}">
-                <a14:useLocalDpi xmlns:a14="http://schemas.microsoft.com/office/drawing/2010/main" val="0"/>
-              </a:ext>
-            </a:extLst>
-          </a:blip>
-          <a:srcRect r="8914"/>
-          <a:stretch/>
-        </p:blipFill>
-        <p:spPr bwMode="auto">
-          <a:xfrm>
-            <a:off x="5043891" y="1415274"/>
-            <a:ext cx="3437982" cy="2376482"/>
-          </a:xfrm>
-          <a:prstGeom prst="rect">
-            <a:avLst/>
-          </a:prstGeom>
-          <a:noFill/>
-          <a:ln>
-            <a:noFill/>
-          </a:ln>
-          <a:extLst>
-            <a:ext uri="{53640926-AAD7-44D8-BBD7-CCE9431645EC}">
-              <a14:shadowObscured xmlns:a14="http://schemas.microsoft.com/office/drawing/2010/main"/>
-            </a:ext>
-          </a:extLst>
-        </p:spPr>
-      </p:pic>
-      <p:pic>
-        <p:nvPicPr>
-          <p:cNvPr id="35" name="Picture 34"/>
-          <p:cNvPicPr/>
-          <p:nvPr/>
-        </p:nvPicPr>
-        <p:blipFill rotWithShape="1">
-          <a:blip r:embed="rId7" cstate="print">
-            <a:extLst>
-              <a:ext uri="{28A0092B-C50C-407E-A947-70E740481C1C}">
-                <a14:useLocalDpi xmlns:a14="http://schemas.microsoft.com/office/drawing/2010/main" val="0"/>
-              </a:ext>
-            </a:extLst>
-          </a:blip>
-          <a:srcRect l="2063" r="8949"/>
-          <a:stretch/>
-        </p:blipFill>
-        <p:spPr bwMode="auto">
-          <a:xfrm>
-            <a:off x="1261603" y="4038600"/>
-            <a:ext cx="3352800" cy="2582038"/>
-          </a:xfrm>
-          <a:prstGeom prst="rect">
-            <a:avLst/>
-          </a:prstGeom>
-          <a:noFill/>
-          <a:ln>
-            <a:noFill/>
-          </a:ln>
-          <a:extLst>
-            <a:ext uri="{53640926-AAD7-44D8-BBD7-CCE9431645EC}">
-              <a14:shadowObscured xmlns:a14="http://schemas.microsoft.com/office/drawing/2010/main"/>
-            </a:ext>
-          </a:extLst>
-        </p:spPr>
-      </p:pic>
-      <p:pic>
-        <p:nvPicPr>
-          <p:cNvPr id="36" name="Picture 35"/>
-          <p:cNvPicPr/>
-          <p:nvPr/>
-        </p:nvPicPr>
-        <p:blipFill rotWithShape="1">
-          <a:blip r:embed="rId8" cstate="print">
-            <a:extLst>
-              <a:ext uri="{28A0092B-C50C-407E-A947-70E740481C1C}">
-                <a14:useLocalDpi xmlns:a14="http://schemas.microsoft.com/office/drawing/2010/main" val="0"/>
-              </a:ext>
-            </a:extLst>
-          </a:blip>
-          <a:srcRect r="8789"/>
-          <a:stretch/>
-        </p:blipFill>
-        <p:spPr bwMode="auto">
-          <a:xfrm>
-            <a:off x="5038207" y="4016483"/>
-            <a:ext cx="3434959" cy="2622548"/>
-          </a:xfrm>
-          <a:prstGeom prst="rect">
-            <a:avLst/>
-          </a:prstGeom>
-          <a:noFill/>
-          <a:ln>
-            <a:noFill/>
-          </a:ln>
-          <a:extLst>
-            <a:ext uri="{53640926-AAD7-44D8-BBD7-CCE9431645EC}">
-              <a14:shadowObscured xmlns:a14="http://schemas.microsoft.com/office/drawing/2010/main"/>
-            </a:ext>
-          </a:extLst>
-        </p:spPr>
-      </p:pic>
-      <p:sp>
-        <p:nvSpPr>
-          <p:cNvPr id="37" name="Oval 36"/>
-          <p:cNvSpPr/>
-          <p:nvPr/>
-        </p:nvSpPr>
-        <p:spPr>
-          <a:xfrm>
-            <a:off x="2286000" y="2057400"/>
-            <a:ext cx="304800" cy="304800"/>
-          </a:xfrm>
-          <a:prstGeom prst="ellipse">
-            <a:avLst/>
-          </a:prstGeom>
-          <a:noFill/>
-          <a:ln>
-            <a:solidFill>
-              <a:schemeClr val="tx1"/>
-            </a:solidFill>
-          </a:ln>
-        </p:spPr>
-        <p:style>
-          <a:lnRef idx="2">
-            <a:schemeClr val="accent1">
-              <a:shade val="50000"/>
-            </a:schemeClr>
-          </a:lnRef>
-          <a:fillRef idx="1">
-            <a:schemeClr val="accent1"/>
-          </a:fillRef>
-          <a:effectRef idx="0">
-            <a:schemeClr val="accent1"/>
-          </a:effectRef>
-          <a:fontRef idx="minor">
-            <a:schemeClr val="lt1"/>
-          </a:fontRef>
-        </p:style>
-        <p:txBody>
-          <a:bodyPr rtlCol="0" anchor="ctr"/>
-          <a:lstStyle/>
-          <a:p>
-            <a:pPr algn="ctr"/>
-            <a:endParaRPr lang="en-US"/>
-          </a:p>
-        </p:txBody>
-      </p:sp>
-      <p:sp>
-        <p:nvSpPr>
-          <p:cNvPr id="38" name="Oval 37"/>
-          <p:cNvSpPr/>
-          <p:nvPr/>
-        </p:nvSpPr>
-        <p:spPr>
-          <a:xfrm>
-            <a:off x="3338159" y="1870366"/>
-            <a:ext cx="304800" cy="304800"/>
-          </a:xfrm>
-          <a:prstGeom prst="ellipse">
-            <a:avLst/>
-          </a:prstGeom>
-          <a:noFill/>
-          <a:ln>
-            <a:solidFill>
-              <a:schemeClr val="tx1"/>
-            </a:solidFill>
-          </a:ln>
-        </p:spPr>
-        <p:style>
-          <a:lnRef idx="2">
-            <a:schemeClr val="accent1">
-              <a:shade val="50000"/>
-            </a:schemeClr>
-          </a:lnRef>
-          <a:fillRef idx="1">
-            <a:schemeClr val="accent1"/>
-          </a:fillRef>
-          <a:effectRef idx="0">
-            <a:schemeClr val="accent1"/>
-          </a:effectRef>
-          <a:fontRef idx="minor">
-            <a:schemeClr val="lt1"/>
-          </a:fontRef>
-        </p:style>
-        <p:txBody>
-          <a:bodyPr rtlCol="0" anchor="ctr"/>
-          <a:lstStyle/>
-          <a:p>
-            <a:pPr algn="ctr"/>
-            <a:endParaRPr lang="en-US"/>
-          </a:p>
-        </p:txBody>
-      </p:sp>
-      <p:cxnSp>
-        <p:nvCxnSpPr>
-          <p:cNvPr id="39" name="Straight Connector 38"/>
-          <p:cNvCxnSpPr/>
-          <p:nvPr/>
-        </p:nvCxnSpPr>
-        <p:spPr>
-          <a:xfrm>
-            <a:off x="3886200" y="1447800"/>
-            <a:ext cx="0" cy="990600"/>
-          </a:xfrm>
-          <a:prstGeom prst="line">
-            <a:avLst/>
-          </a:prstGeom>
-          <a:ln w="38100">
-            <a:solidFill>
-              <a:schemeClr val="tx1"/>
-            </a:solidFill>
-          </a:ln>
-        </p:spPr>
-        <p:style>
-          <a:lnRef idx="1">
-            <a:schemeClr val="accent1"/>
-          </a:lnRef>
-          <a:fillRef idx="0">
-            <a:schemeClr val="accent1"/>
-          </a:fillRef>
-          <a:effectRef idx="0">
-            <a:schemeClr val="accent1"/>
-          </a:effectRef>
-          <a:fontRef idx="minor">
-            <a:schemeClr val="tx1"/>
-          </a:fontRef>
-        </p:style>
-      </p:cxnSp>
-      <p:cxnSp>
-        <p:nvCxnSpPr>
-          <p:cNvPr id="40" name="Straight Connector 39"/>
-          <p:cNvCxnSpPr/>
-          <p:nvPr/>
-        </p:nvCxnSpPr>
-        <p:spPr>
-          <a:xfrm flipH="1">
-            <a:off x="5470069" y="2713462"/>
-            <a:ext cx="3246730" cy="10088"/>
-          </a:xfrm>
-          <a:prstGeom prst="line">
-            <a:avLst/>
-          </a:prstGeom>
-          <a:ln w="38100">
-            <a:solidFill>
-              <a:schemeClr val="tx1"/>
-            </a:solidFill>
-          </a:ln>
-        </p:spPr>
-        <p:style>
-          <a:lnRef idx="1">
-            <a:schemeClr val="accent1"/>
-          </a:lnRef>
-          <a:fillRef idx="0">
-            <a:schemeClr val="accent1"/>
-          </a:fillRef>
-          <a:effectRef idx="0">
-            <a:schemeClr val="accent1"/>
-          </a:effectRef>
-          <a:fontRef idx="minor">
-            <a:schemeClr val="tx1"/>
-          </a:fontRef>
-        </p:style>
-      </p:cxnSp>
-      <p:sp>
-        <p:nvSpPr>
-          <p:cNvPr id="41" name="Oval 40"/>
-          <p:cNvSpPr/>
-          <p:nvPr/>
-        </p:nvSpPr>
-        <p:spPr>
-          <a:xfrm>
-            <a:off x="6019800" y="5327757"/>
-            <a:ext cx="304800" cy="304800"/>
-          </a:xfrm>
-          <a:prstGeom prst="ellipse">
-            <a:avLst/>
-          </a:prstGeom>
-          <a:noFill/>
-          <a:ln>
-            <a:solidFill>
-              <a:schemeClr val="tx1"/>
-            </a:solidFill>
-          </a:ln>
-        </p:spPr>
-        <p:style>
-          <a:lnRef idx="2">
-            <a:schemeClr val="accent1">
-              <a:shade val="50000"/>
-            </a:schemeClr>
-          </a:lnRef>
-          <a:fillRef idx="1">
-            <a:schemeClr val="accent1"/>
-          </a:fillRef>
-          <a:effectRef idx="0">
-            <a:schemeClr val="accent1"/>
-          </a:effectRef>
-          <a:fontRef idx="minor">
-            <a:schemeClr val="lt1"/>
-          </a:fontRef>
-        </p:style>
-        <p:txBody>
-          <a:bodyPr rtlCol="0" anchor="ctr"/>
-          <a:lstStyle/>
-          <a:p>
-            <a:pPr algn="ctr"/>
-            <a:endParaRPr lang="en-US"/>
-          </a:p>
-        </p:txBody>
-      </p:sp>
-      <p:sp>
-        <p:nvSpPr>
-          <p:cNvPr id="42" name="Oval 41"/>
-          <p:cNvSpPr/>
-          <p:nvPr/>
-        </p:nvSpPr>
-        <p:spPr>
-          <a:xfrm>
-            <a:off x="6941683" y="5389216"/>
-            <a:ext cx="304800" cy="304800"/>
-          </a:xfrm>
-          <a:prstGeom prst="ellipse">
-            <a:avLst/>
-          </a:prstGeom>
-          <a:noFill/>
-          <a:ln>
-            <a:solidFill>
-              <a:schemeClr val="tx1"/>
-            </a:solidFill>
-          </a:ln>
-        </p:spPr>
-        <p:style>
-          <a:lnRef idx="2">
-            <a:schemeClr val="accent1">
-              <a:shade val="50000"/>
-            </a:schemeClr>
-          </a:lnRef>
-          <a:fillRef idx="1">
-            <a:schemeClr val="accent1"/>
-          </a:fillRef>
-          <a:effectRef idx="0">
-            <a:schemeClr val="accent1"/>
-          </a:effectRef>
-          <a:fontRef idx="minor">
-            <a:schemeClr val="lt1"/>
-          </a:fontRef>
-        </p:style>
-        <p:txBody>
-          <a:bodyPr rtlCol="0" anchor="ctr"/>
-          <a:lstStyle/>
-          <a:p>
-            <a:pPr algn="ctr"/>
-            <a:endParaRPr lang="en-US"/>
-          </a:p>
-        </p:txBody>
-      </p:sp>
-    </p:spTree>
-    <p:extLst>
-      <p:ext uri="{BB962C8B-B14F-4D97-AF65-F5344CB8AC3E}">
-        <p14:creationId xmlns:p14="http://schemas.microsoft.com/office/powerpoint/2010/main" val="989810116"/>
-      </p:ext>
-    </p:extLst>
-  </p:cSld>
-  <p:clrMapOvr>
-    <a:masterClrMapping/>
-  </p:clrMapOvr>
-  <p:timing>
-    <p:tnLst>
-      <p:par>
-        <p:cTn id="1" dur="indefinite" restart="never" nodeType="tmRoot">
-          <p:childTnLst>
-            <p:seq concurrent="1" nextAc="seek">
-              <p:cTn id="2" dur="indefinite" nodeType="mainSeq">
-                <p:childTnLst>
-                  <p:par>
-                    <p:cTn id="3" fill="hold">
-                      <p:stCondLst>
-                        <p:cond delay="indefinite"/>
-                      </p:stCondLst>
-                      <p:childTnLst>
-                        <p:par>
-                          <p:cTn id="4" fill="hold">
-                            <p:stCondLst>
-                              <p:cond delay="0"/>
-                            </p:stCondLst>
-                            <p:childTnLst>
-                              <p:par>
-                                <p:cTn id="5" presetID="1" presetClass="entr" presetSubtype="0" fill="hold" grpId="0" nodeType="clickEffect">
-                                  <p:stCondLst>
-                                    <p:cond delay="0"/>
-                                  </p:stCondLst>
-                                  <p:childTnLst>
-                                    <p:set>
-                                      <p:cBhvr>
-                                        <p:cTn id="6" dur="1" fill="hold">
-                                          <p:stCondLst>
-                                            <p:cond delay="0"/>
-                                          </p:stCondLst>
-                                        </p:cTn>
-                                        <p:tgtEl>
-                                          <p:spTgt spid="16"/>
-                                        </p:tgtEl>
-                                        <p:attrNameLst>
-                                          <p:attrName>style.visibility</p:attrName>
-                                        </p:attrNameLst>
-                                      </p:cBhvr>
-                                      <p:to>
-                                        <p:strVal val="visible"/>
-                                      </p:to>
-                                    </p:set>
-                                  </p:childTnLst>
-                                </p:cTn>
-                              </p:par>
-                            </p:childTnLst>
-                          </p:cTn>
-                        </p:par>
-                      </p:childTnLst>
-                    </p:cTn>
-                  </p:par>
-                  <p:par>
-                    <p:cTn id="7" fill="hold">
-                      <p:stCondLst>
-                        <p:cond delay="indefinite"/>
-                      </p:stCondLst>
-                      <p:childTnLst>
-                        <p:par>
-                          <p:cTn id="8" fill="hold">
-                            <p:stCondLst>
-                              <p:cond delay="0"/>
-                            </p:stCondLst>
-                            <p:childTnLst>
-                              <p:par>
-                                <p:cTn id="9" presetID="1" presetClass="entr" presetSubtype="0" fill="hold" nodeType="clickEffect">
-                                  <p:stCondLst>
-                                    <p:cond delay="0"/>
-                                  </p:stCondLst>
-                                  <p:childTnLst>
-                                    <p:set>
-                                      <p:cBhvr>
-                                        <p:cTn id="10" dur="1" fill="hold">
-                                          <p:stCondLst>
-                                            <p:cond delay="0"/>
-                                          </p:stCondLst>
-                                        </p:cTn>
-                                        <p:tgtEl>
-                                          <p:spTgt spid="33"/>
-                                        </p:tgtEl>
-                                        <p:attrNameLst>
-                                          <p:attrName>style.visibility</p:attrName>
-                                        </p:attrNameLst>
-                                      </p:cBhvr>
-                                      <p:to>
-                                        <p:strVal val="visible"/>
-                                      </p:to>
-                                    </p:set>
-                                  </p:childTnLst>
-                                </p:cTn>
-                              </p:par>
-                            </p:childTnLst>
-                          </p:cTn>
-                        </p:par>
-                      </p:childTnLst>
-                    </p:cTn>
-                  </p:par>
-                  <p:par>
-                    <p:cTn id="11" fill="hold">
-                      <p:stCondLst>
-                        <p:cond delay="indefinite"/>
-                      </p:stCondLst>
-                      <p:childTnLst>
-                        <p:par>
-                          <p:cTn id="12" fill="hold">
-                            <p:stCondLst>
-                              <p:cond delay="0"/>
-                            </p:stCondLst>
-                            <p:childTnLst>
-                              <p:par>
-                                <p:cTn id="13" presetID="1" presetClass="entr" presetSubtype="0" fill="hold" grpId="0" nodeType="clickEffect">
-                                  <p:stCondLst>
-                                    <p:cond delay="0"/>
-                                  </p:stCondLst>
-                                  <p:childTnLst>
-                                    <p:set>
-                                      <p:cBhvr>
-                                        <p:cTn id="14" dur="1" fill="hold">
-                                          <p:stCondLst>
-                                            <p:cond delay="0"/>
-                                          </p:stCondLst>
-                                        </p:cTn>
-                                        <p:tgtEl>
-                                          <p:spTgt spid="37"/>
-                                        </p:tgtEl>
-                                        <p:attrNameLst>
-                                          <p:attrName>style.visibility</p:attrName>
-                                        </p:attrNameLst>
-                                      </p:cBhvr>
-                                      <p:to>
-                                        <p:strVal val="visible"/>
-                                      </p:to>
-                                    </p:set>
-                                  </p:childTnLst>
-                                </p:cTn>
-                              </p:par>
-                              <p:par>
-                                <p:cTn id="15" presetID="1" presetClass="entr" presetSubtype="0" fill="hold" grpId="0" nodeType="withEffect">
-                                  <p:stCondLst>
-                                    <p:cond delay="0"/>
-                                  </p:stCondLst>
-                                  <p:childTnLst>
-                                    <p:set>
-                                      <p:cBhvr>
-                                        <p:cTn id="16" dur="1" fill="hold">
-                                          <p:stCondLst>
-                                            <p:cond delay="0"/>
-                                          </p:stCondLst>
-                                        </p:cTn>
-                                        <p:tgtEl>
-                                          <p:spTgt spid="38"/>
-                                        </p:tgtEl>
-                                        <p:attrNameLst>
-                                          <p:attrName>style.visibility</p:attrName>
-                                        </p:attrNameLst>
-                                      </p:cBhvr>
-                                      <p:to>
-                                        <p:strVal val="visible"/>
-                                      </p:to>
-                                    </p:set>
-                                  </p:childTnLst>
-                                </p:cTn>
-                              </p:par>
-                              <p:par>
-                                <p:cTn id="17" presetID="1" presetClass="entr" presetSubtype="0" fill="hold" nodeType="withEffect">
-                                  <p:stCondLst>
-                                    <p:cond delay="0"/>
-                                  </p:stCondLst>
-                                  <p:childTnLst>
-                                    <p:set>
-                                      <p:cBhvr>
-                                        <p:cTn id="18" dur="1" fill="hold">
-                                          <p:stCondLst>
-                                            <p:cond delay="0"/>
-                                          </p:stCondLst>
-                                        </p:cTn>
-                                        <p:tgtEl>
-                                          <p:spTgt spid="39"/>
-                                        </p:tgtEl>
-                                        <p:attrNameLst>
-                                          <p:attrName>style.visibility</p:attrName>
-                                        </p:attrNameLst>
-                                      </p:cBhvr>
-                                      <p:to>
-                                        <p:strVal val="visible"/>
-                                      </p:to>
-                                    </p:set>
-                                  </p:childTnLst>
-                                </p:cTn>
-                              </p:par>
-                            </p:childTnLst>
-                          </p:cTn>
-                        </p:par>
-                      </p:childTnLst>
-                    </p:cTn>
-                  </p:par>
-                  <p:par>
-                    <p:cTn id="19" fill="hold">
-                      <p:stCondLst>
-                        <p:cond delay="indefinite"/>
-                      </p:stCondLst>
-                      <p:childTnLst>
-                        <p:par>
-                          <p:cTn id="20" fill="hold">
-                            <p:stCondLst>
-                              <p:cond delay="0"/>
-                            </p:stCondLst>
-                            <p:childTnLst>
-                              <p:par>
-                                <p:cTn id="21" presetID="1" presetClass="entr" presetSubtype="0" fill="hold" nodeType="clickEffect">
-                                  <p:stCondLst>
-                                    <p:cond delay="0"/>
-                                  </p:stCondLst>
-                                  <p:childTnLst>
-                                    <p:set>
-                                      <p:cBhvr>
-                                        <p:cTn id="22" dur="1" fill="hold">
-                                          <p:stCondLst>
-                                            <p:cond delay="0"/>
-                                          </p:stCondLst>
-                                        </p:cTn>
-                                        <p:tgtEl>
-                                          <p:spTgt spid="34"/>
-                                        </p:tgtEl>
-                                        <p:attrNameLst>
-                                          <p:attrName>style.visibility</p:attrName>
-                                        </p:attrNameLst>
-                                      </p:cBhvr>
-                                      <p:to>
-                                        <p:strVal val="visible"/>
-                                      </p:to>
-                                    </p:set>
-                                  </p:childTnLst>
-                                </p:cTn>
-                              </p:par>
-                            </p:childTnLst>
-                          </p:cTn>
-                        </p:par>
-                      </p:childTnLst>
-                    </p:cTn>
-                  </p:par>
-                  <p:par>
-                    <p:cTn id="23" fill="hold">
-                      <p:stCondLst>
-                        <p:cond delay="indefinite"/>
-                      </p:stCondLst>
-                      <p:childTnLst>
-                        <p:par>
-                          <p:cTn id="24" fill="hold">
-                            <p:stCondLst>
-                              <p:cond delay="0"/>
-                            </p:stCondLst>
-                            <p:childTnLst>
-                              <p:par>
-                                <p:cTn id="25" presetID="1" presetClass="entr" presetSubtype="0" fill="hold" nodeType="clickEffect">
-                                  <p:stCondLst>
-                                    <p:cond delay="0"/>
-                                  </p:stCondLst>
-                                  <p:childTnLst>
-                                    <p:set>
-                                      <p:cBhvr>
-                                        <p:cTn id="26" dur="1" fill="hold">
-                                          <p:stCondLst>
-                                            <p:cond delay="0"/>
-                                          </p:stCondLst>
-                                        </p:cTn>
-                                        <p:tgtEl>
-                                          <p:spTgt spid="40"/>
-                                        </p:tgtEl>
-                                        <p:attrNameLst>
-                                          <p:attrName>style.visibility</p:attrName>
-                                        </p:attrNameLst>
-                                      </p:cBhvr>
-                                      <p:to>
-                                        <p:strVal val="visible"/>
-                                      </p:to>
-                                    </p:set>
-                                  </p:childTnLst>
-                                </p:cTn>
-                              </p:par>
-                            </p:childTnLst>
-                          </p:cTn>
-                        </p:par>
-                      </p:childTnLst>
-                    </p:cTn>
-                  </p:par>
-                  <p:par>
-                    <p:cTn id="27" fill="hold">
-                      <p:stCondLst>
-                        <p:cond delay="indefinite"/>
-                      </p:stCondLst>
-                      <p:childTnLst>
-                        <p:par>
-                          <p:cTn id="28" fill="hold">
-                            <p:stCondLst>
-                              <p:cond delay="0"/>
-                            </p:stCondLst>
-                            <p:childTnLst>
-                              <p:par>
-                                <p:cTn id="29" presetID="1" presetClass="entr" presetSubtype="0" fill="hold" nodeType="clickEffect">
-                                  <p:stCondLst>
-                                    <p:cond delay="0"/>
-                                  </p:stCondLst>
-                                  <p:childTnLst>
-                                    <p:set>
-                                      <p:cBhvr>
-                                        <p:cTn id="30" dur="1" fill="hold">
-                                          <p:stCondLst>
-                                            <p:cond delay="0"/>
-                                          </p:stCondLst>
-                                        </p:cTn>
-                                        <p:tgtEl>
-                                          <p:spTgt spid="35"/>
-                                        </p:tgtEl>
-                                        <p:attrNameLst>
-                                          <p:attrName>style.visibility</p:attrName>
-                                        </p:attrNameLst>
-                                      </p:cBhvr>
-                                      <p:to>
-                                        <p:strVal val="visible"/>
-                                      </p:to>
-                                    </p:set>
-                                  </p:childTnLst>
-                                </p:cTn>
-                              </p:par>
-                            </p:childTnLst>
-                          </p:cTn>
-                        </p:par>
-                      </p:childTnLst>
-                    </p:cTn>
-                  </p:par>
-                  <p:par>
-                    <p:cTn id="31" fill="hold">
-                      <p:stCondLst>
-                        <p:cond delay="indefinite"/>
-                      </p:stCondLst>
-                      <p:childTnLst>
-                        <p:par>
-                          <p:cTn id="32" fill="hold">
-                            <p:stCondLst>
-                              <p:cond delay="0"/>
-                            </p:stCondLst>
-                            <p:childTnLst>
-                              <p:par>
-                                <p:cTn id="33" presetID="1" presetClass="entr" presetSubtype="0" fill="hold" nodeType="clickEffect">
-                                  <p:stCondLst>
-                                    <p:cond delay="0"/>
-                                  </p:stCondLst>
-                                  <p:childTnLst>
-                                    <p:set>
-                                      <p:cBhvr>
-                                        <p:cTn id="34" dur="1" fill="hold">
-                                          <p:stCondLst>
-                                            <p:cond delay="0"/>
-                                          </p:stCondLst>
-                                        </p:cTn>
-                                        <p:tgtEl>
-                                          <p:spTgt spid="36"/>
-                                        </p:tgtEl>
-                                        <p:attrNameLst>
-                                          <p:attrName>style.visibility</p:attrName>
-                                        </p:attrNameLst>
-                                      </p:cBhvr>
-                                      <p:to>
-                                        <p:strVal val="visible"/>
-                                      </p:to>
-                                    </p:set>
-                                  </p:childTnLst>
-                                </p:cTn>
-                              </p:par>
-                            </p:childTnLst>
-                          </p:cTn>
-                        </p:par>
-                      </p:childTnLst>
-                    </p:cTn>
-                  </p:par>
-                  <p:par>
-                    <p:cTn id="35" fill="hold">
-                      <p:stCondLst>
-                        <p:cond delay="indefinite"/>
-                      </p:stCondLst>
-                      <p:childTnLst>
-                        <p:par>
-                          <p:cTn id="36" fill="hold">
-                            <p:stCondLst>
-                              <p:cond delay="0"/>
-                            </p:stCondLst>
-                            <p:childTnLst>
-                              <p:par>
-                                <p:cTn id="37" presetID="1" presetClass="entr" presetSubtype="0" fill="hold" grpId="0" nodeType="clickEffect">
-                                  <p:stCondLst>
-                                    <p:cond delay="0"/>
-                                  </p:stCondLst>
-                                  <p:childTnLst>
-                                    <p:set>
-                                      <p:cBhvr>
-                                        <p:cTn id="38" dur="1" fill="hold">
-                                          <p:stCondLst>
-                                            <p:cond delay="0"/>
-                                          </p:stCondLst>
-                                        </p:cTn>
-                                        <p:tgtEl>
-                                          <p:spTgt spid="41"/>
-                                        </p:tgtEl>
-                                        <p:attrNameLst>
-                                          <p:attrName>style.visibility</p:attrName>
-                                        </p:attrNameLst>
-                                      </p:cBhvr>
-                                      <p:to>
-                                        <p:strVal val="visible"/>
-                                      </p:to>
-                                    </p:set>
-                                  </p:childTnLst>
-                                </p:cTn>
-                              </p:par>
-                              <p:par>
-                                <p:cTn id="39" presetID="1" presetClass="entr" presetSubtype="0" fill="hold" grpId="0" nodeType="withEffect">
-                                  <p:stCondLst>
-                                    <p:cond delay="0"/>
-                                  </p:stCondLst>
-                                  <p:childTnLst>
-                                    <p:set>
-                                      <p:cBhvr>
-                                        <p:cTn id="40" dur="1" fill="hold">
-                                          <p:stCondLst>
-                                            <p:cond delay="0"/>
-                                          </p:stCondLst>
-                                        </p:cTn>
-                                        <p:tgtEl>
-                                          <p:spTgt spid="42"/>
-                                        </p:tgtEl>
-                                        <p:attrNameLst>
-                                          <p:attrName>style.visibility</p:attrName>
-                                        </p:attrNameLst>
-                                      </p:cBhvr>
-                                      <p:to>
-                                        <p:strVal val="visible"/>
-                                      </p:to>
-                                    </p:set>
-                                  </p:childTnLst>
-                                </p:cTn>
-                              </p:par>
-                            </p:childTnLst>
-                          </p:cTn>
-                        </p:par>
-                      </p:childTnLst>
-                    </p:cTn>
-                  </p:par>
-                </p:childTnLst>
-              </p:cTn>
-              <p:prevCondLst>
-                <p:cond evt="onPrev" delay="0">
-                  <p:tgtEl>
-                    <p:sldTgt/>
-                  </p:tgtEl>
-                </p:cond>
-              </p:prevCondLst>
-              <p:nextCondLst>
-                <p:cond evt="onNext" delay="0">
-                  <p:tgtEl>
-                    <p:sldTgt/>
-                  </p:tgtEl>
-                </p:cond>
-              </p:nextCondLst>
-            </p:seq>
-          </p:childTnLst>
-        </p:cTn>
-      </p:par>
-    </p:tnLst>
-    <p:bldLst>
-      <p:bldP spid="16" grpId="0"/>
-      <p:bldP spid="37" grpId="0" animBg="1"/>
-      <p:bldP spid="38" grpId="0" animBg="1"/>
-      <p:bldP spid="41" grpId="0" animBg="1"/>
-      <p:bldP spid="42" grpId="0" animBg="1"/>
-    </p:bldLst>
-  </p:timing>
-</p:sld>
-</file>
-
-<file path=ppt/slides/slide11.xml><?xml version="1.0" encoding="utf-8"?>
-<p:sld xmlns:a="http://schemas.openxmlformats.org/drawingml/2006/main" xmlns:r="http://schemas.openxmlformats.org/officeDocument/2006/relationships" xmlns:p="http://schemas.openxmlformats.org/presentationml/2006/main">
-  <p:cSld>
-    <p:spTree>
-      <p:nvGrpSpPr>
-        <p:cNvPr id="1" name=""/>
-        <p:cNvGrpSpPr/>
-        <p:nvPr/>
-      </p:nvGrpSpPr>
-      <p:grpSpPr>
-        <a:xfrm>
-          <a:off x="0" y="0"/>
-          <a:ext cx="0" cy="0"/>
-          <a:chOff x="0" y="0"/>
-          <a:chExt cx="0" cy="0"/>
-        </a:xfrm>
-      </p:grpSpPr>
-      <p:sp>
-        <p:nvSpPr>
-          <p:cNvPr id="10" name="Rectangle 9"/>
-          <p:cNvSpPr/>
-          <p:nvPr/>
-        </p:nvSpPr>
-        <p:spPr>
-          <a:xfrm>
-            <a:off x="0" y="12106"/>
-            <a:ext cx="1011942" cy="6854083"/>
-          </a:xfrm>
-          <a:prstGeom prst="rect">
-            <a:avLst/>
-          </a:prstGeom>
-          <a:gradFill flip="none" rotWithShape="1">
-            <a:gsLst>
-              <a:gs pos="50000">
-                <a:srgbClr val="D00000"/>
-              </a:gs>
-              <a:gs pos="0">
-                <a:srgbClr val="FF0000">
-                  <a:shade val="30000"/>
-                  <a:satMod val="115000"/>
-                </a:srgbClr>
-              </a:gs>
-              <a:gs pos="100000">
-                <a:schemeClr val="accent2">
-                  <a:lumMod val="60000"/>
-                  <a:lumOff val="40000"/>
-                </a:schemeClr>
-              </a:gs>
-            </a:gsLst>
-            <a:lin ang="5400000" scaled="1"/>
-            <a:tileRect/>
-          </a:gradFill>
-          <a:ln>
-            <a:noFill/>
-          </a:ln>
-        </p:spPr>
-        <p:style>
-          <a:lnRef idx="2">
-            <a:schemeClr val="accent1">
-              <a:shade val="50000"/>
-            </a:schemeClr>
-          </a:lnRef>
-          <a:fillRef idx="1">
-            <a:schemeClr val="accent1"/>
-          </a:fillRef>
-          <a:effectRef idx="0">
-            <a:schemeClr val="accent1"/>
-          </a:effectRef>
-          <a:fontRef idx="minor">
-            <a:schemeClr val="lt1"/>
-          </a:fontRef>
-        </p:style>
-        <p:txBody>
-          <a:bodyPr rtlCol="0" anchor="ctr"/>
-          <a:lstStyle/>
-          <a:p>
-            <a:pPr algn="ctr"/>
-            <a:endParaRPr lang="tr-TR"/>
-          </a:p>
-        </p:txBody>
-      </p:sp>
-      <p:cxnSp>
-        <p:nvCxnSpPr>
-          <p:cNvPr id="11" name="Straight Connector 10"/>
-          <p:cNvCxnSpPr/>
-          <p:nvPr/>
-        </p:nvCxnSpPr>
-        <p:spPr>
-          <a:xfrm>
-            <a:off x="1189918" y="838200"/>
-            <a:ext cx="7649282" cy="0"/>
-          </a:xfrm>
-          <a:prstGeom prst="line">
-            <a:avLst/>
-          </a:prstGeom>
-          <a:ln w="50800">
-            <a:solidFill>
-              <a:srgbClr val="F20000"/>
-            </a:solidFill>
-          </a:ln>
-        </p:spPr>
-        <p:style>
-          <a:lnRef idx="1">
-            <a:schemeClr val="accent1"/>
-          </a:lnRef>
-          <a:fillRef idx="0">
-            <a:schemeClr val="accent1"/>
-          </a:fillRef>
-          <a:effectRef idx="0">
-            <a:schemeClr val="accent1"/>
-          </a:effectRef>
-          <a:fontRef idx="minor">
-            <a:schemeClr val="tx1"/>
-          </a:fontRef>
-        </p:style>
-      </p:cxnSp>
-      <p:sp>
-        <p:nvSpPr>
-          <p:cNvPr id="13" name="TextBox 12"/>
-          <p:cNvSpPr txBox="1"/>
-          <p:nvPr/>
-        </p:nvSpPr>
-        <p:spPr>
-          <a:xfrm>
-            <a:off x="1386291" y="224135"/>
-            <a:ext cx="7315200" cy="553998"/>
-          </a:xfrm>
-          <a:prstGeom prst="rect">
-            <a:avLst/>
-          </a:prstGeom>
-          <a:noFill/>
-        </p:spPr>
-        <p:txBody>
-          <a:bodyPr wrap="square" rtlCol="0">
-            <a:spAutoFit/>
-          </a:bodyPr>
-          <a:lstStyle/>
-          <a:p>
-            <a:pPr algn="ctr"/>
-            <a:r>
-              <a:rPr lang="tr-TR" sz="3000" dirty="0">
-                <a:latin typeface="Times New Roman" panose="02020603050405020304" pitchFamily="18" charset="0"/>
-                <a:cs typeface="Times New Roman" panose="02020603050405020304" pitchFamily="18" charset="0"/>
-              </a:rPr>
-              <a:t>Design </a:t>
-            </a:r>
-            <a:r>
-              <a:rPr lang="tr-TR" sz="3000" dirty="0" err="1">
-                <a:latin typeface="Times New Roman" panose="02020603050405020304" pitchFamily="18" charset="0"/>
-                <a:cs typeface="Times New Roman" panose="02020603050405020304" pitchFamily="18" charset="0"/>
-              </a:rPr>
-              <a:t>Parameter</a:t>
-            </a:r>
-            <a:r>
-              <a:rPr lang="tr-TR" sz="3000" dirty="0">
-                <a:latin typeface="Times New Roman" panose="02020603050405020304" pitchFamily="18" charset="0"/>
-                <a:cs typeface="Times New Roman" panose="02020603050405020304" pitchFamily="18" charset="0"/>
-              </a:rPr>
-              <a:t> Evaluation</a:t>
-            </a:r>
-            <a:endParaRPr lang="en-US" sz="3000" dirty="0">
-              <a:latin typeface="Times New Roman" panose="02020603050405020304" pitchFamily="18" charset="0"/>
-              <a:cs typeface="Times New Roman" panose="02020603050405020304" pitchFamily="18" charset="0"/>
-            </a:endParaRPr>
-          </a:p>
-        </p:txBody>
-      </p:sp>
-      <p:cxnSp>
-        <p:nvCxnSpPr>
-          <p:cNvPr id="15" name="Straight Connector 14"/>
-          <p:cNvCxnSpPr/>
-          <p:nvPr/>
-        </p:nvCxnSpPr>
-        <p:spPr>
-          <a:xfrm>
-            <a:off x="1189918" y="914400"/>
-            <a:ext cx="7649282" cy="0"/>
-          </a:xfrm>
-          <a:prstGeom prst="line">
-            <a:avLst/>
-          </a:prstGeom>
-          <a:ln w="19050">
-            <a:solidFill>
-              <a:srgbClr val="F20000"/>
-            </a:solidFill>
-          </a:ln>
-        </p:spPr>
-        <p:style>
-          <a:lnRef idx="1">
-            <a:schemeClr val="accent1"/>
-          </a:lnRef>
-          <a:fillRef idx="0">
-            <a:schemeClr val="accent1"/>
-          </a:fillRef>
-          <a:effectRef idx="0">
-            <a:schemeClr val="accent1"/>
-          </a:effectRef>
-          <a:fontRef idx="minor">
-            <a:schemeClr val="tx1"/>
-          </a:fontRef>
-        </p:style>
-      </p:cxnSp>
-      <p:sp>
-        <p:nvSpPr>
-          <p:cNvPr id="2" name="Slide Number Placeholder 1"/>
-          <p:cNvSpPr>
-            <a:spLocks noGrp="1"/>
-          </p:cNvSpPr>
-          <p:nvPr>
-            <p:ph type="sldNum" sz="quarter" idx="12"/>
-          </p:nvPr>
-        </p:nvSpPr>
-        <p:spPr/>
-        <p:txBody>
-          <a:bodyPr/>
-          <a:lstStyle/>
-          <a:p>
-            <a:fld id="{B6F15528-21DE-4FAA-801E-634DDDAF4B2B}" type="slidenum">
-              <a:rPr lang="en-US" smtClean="0"/>
-              <a:pPr/>
-              <a:t>11</a:t>
-            </a:fld>
-            <a:endParaRPr lang="en-US" dirty="0"/>
-          </a:p>
-        </p:txBody>
-      </p:sp>
-      <p:pic>
-        <p:nvPicPr>
-          <p:cNvPr id="12" name="Picture 2" descr="C:\Users\Mesut\Desktop\aselsan sunum\aselsan sunum 10 ekim\aselsan sunum\cezmi bey\ODTU.png"/>
-          <p:cNvPicPr>
-            <a:picLocks noChangeAspect="1" noChangeArrowheads="1"/>
-          </p:cNvPicPr>
-          <p:nvPr/>
-        </p:nvPicPr>
-        <p:blipFill>
-          <a:blip r:embed="rId3" cstate="print">
-            <a:extLst>
-              <a:ext uri="{28A0092B-C50C-407E-A947-70E740481C1C}">
-                <a14:useLocalDpi xmlns:a14="http://schemas.microsoft.com/office/drawing/2010/main" val="0"/>
-              </a:ext>
-            </a:extLst>
-          </a:blip>
-          <a:srcRect/>
-          <a:stretch>
-            <a:fillRect/>
-          </a:stretch>
-        </p:blipFill>
-        <p:spPr bwMode="auto">
-          <a:xfrm>
-            <a:off x="116458" y="163788"/>
-            <a:ext cx="779026" cy="650016"/>
-          </a:xfrm>
-          <a:prstGeom prst="rect">
-            <a:avLst/>
-          </a:prstGeom>
-          <a:noFill/>
-          <a:extLst>
-            <a:ext uri="{909E8E84-426E-40DD-AFC4-6F175D3DCCD1}">
-              <a14:hiddenFill xmlns:a14="http://schemas.microsoft.com/office/drawing/2010/main">
-                <a:solidFill>
-                  <a:srgbClr val="FFFFFF"/>
-                </a:solidFill>
-              </a14:hiddenFill>
-            </a:ext>
-          </a:extLst>
-        </p:spPr>
-      </p:pic>
-      <p:pic>
-        <p:nvPicPr>
-          <p:cNvPr id="14" name="Picture 13"/>
-          <p:cNvPicPr>
-            <a:picLocks noChangeAspect="1"/>
-          </p:cNvPicPr>
-          <p:nvPr/>
-        </p:nvPicPr>
-        <p:blipFill rotWithShape="1">
-          <a:blip r:embed="rId4"/>
-          <a:srcRect t="1741" b="7727"/>
-          <a:stretch/>
-        </p:blipFill>
-        <p:spPr>
-          <a:xfrm rot="16200000">
-            <a:off x="-315548" y="5538698"/>
-            <a:ext cx="1643039" cy="1011942"/>
-          </a:xfrm>
-          <a:prstGeom prst="rect">
-            <a:avLst/>
-          </a:prstGeom>
-        </p:spPr>
-      </p:pic>
-      <p:sp>
-        <p:nvSpPr>
-          <p:cNvPr id="3" name="Rectangle 2"/>
-          <p:cNvSpPr>
-            <a:spLocks noChangeArrowheads="1"/>
-          </p:cNvSpPr>
-          <p:nvPr/>
-        </p:nvSpPr>
-        <p:spPr bwMode="auto">
-          <a:xfrm>
-            <a:off x="0" y="0"/>
-            <a:ext cx="9144000" cy="0"/>
-          </a:xfrm>
-          <a:prstGeom prst="rect">
-            <a:avLst/>
-          </a:prstGeom>
-          <a:noFill/>
-          <a:ln>
-            <a:noFill/>
-          </a:ln>
-          <a:effectLst/>
-          <a:extLst>
-            <a:ext uri="{909E8E84-426E-40DD-AFC4-6F175D3DCCD1}">
-              <a14:hiddenFill xmlns:a14="http://schemas.microsoft.com/office/drawing/2010/main">
-                <a:solidFill>
-                  <a:schemeClr val="accent1"/>
-                </a:solidFill>
-              </a14:hiddenFill>
-            </a:ext>
-            <a:ext uri="{91240B29-F687-4F45-9708-019B960494DF}">
-              <a14:hiddenLine xmlns:a14="http://schemas.microsoft.com/office/drawing/2010/main" w="9525">
-                <a:solidFill>
-                  <a:schemeClr val="tx1"/>
-                </a:solidFill>
-                <a:miter lim="800000"/>
-                <a:headEnd/>
-                <a:tailEnd/>
-              </a14:hiddenLine>
-            </a:ext>
-            <a:ext uri="{AF507438-7753-43E0-B8FC-AC1667EBCBE1}">
-              <a14:hiddenEffects xmlns:a14="http://schemas.microsoft.com/office/drawing/2010/main">
-                <a:effectLst>
-                  <a:outerShdw dist="35921" dir="2700000" algn="ctr" rotWithShape="0">
-                    <a:schemeClr val="bg2"/>
-                  </a:outerShdw>
-                </a:effectLst>
-              </a14:hiddenEffects>
-            </a:ext>
-          </a:extLst>
-        </p:spPr>
-        <p:txBody>
-          <a:bodyPr vert="horz" wrap="none" lIns="91440" tIns="45720" rIns="91440" bIns="45720" numCol="1" anchor="ctr" anchorCtr="0" compatLnSpc="1">
-            <a:prstTxWarp prst="textNoShape">
-              <a:avLst/>
-            </a:prstTxWarp>
-            <a:spAutoFit/>
-          </a:bodyPr>
-          <a:lstStyle/>
-          <a:p>
-            <a:endParaRPr lang="en-US"/>
-          </a:p>
-        </p:txBody>
-      </p:sp>
-      <p:sp>
-        <p:nvSpPr>
-          <p:cNvPr id="7" name="Rectangle 4"/>
-          <p:cNvSpPr>
-            <a:spLocks noChangeArrowheads="1"/>
-          </p:cNvSpPr>
-          <p:nvPr/>
-        </p:nvSpPr>
-        <p:spPr bwMode="auto">
-          <a:xfrm>
-            <a:off x="0" y="0"/>
-            <a:ext cx="9144000" cy="0"/>
-          </a:xfrm>
-          <a:prstGeom prst="rect">
-            <a:avLst/>
-          </a:prstGeom>
-          <a:noFill/>
-          <a:ln>
-            <a:noFill/>
-          </a:ln>
-          <a:effectLst/>
-          <a:extLst>
-            <a:ext uri="{909E8E84-426E-40DD-AFC4-6F175D3DCCD1}">
-              <a14:hiddenFill xmlns:a14="http://schemas.microsoft.com/office/drawing/2010/main">
-                <a:solidFill>
-                  <a:schemeClr val="accent1"/>
-                </a:solidFill>
-              </a14:hiddenFill>
-            </a:ext>
-            <a:ext uri="{91240B29-F687-4F45-9708-019B960494DF}">
-              <a14:hiddenLine xmlns:a14="http://schemas.microsoft.com/office/drawing/2010/main" w="9525">
-                <a:solidFill>
-                  <a:schemeClr val="tx1"/>
-                </a:solidFill>
-                <a:miter lim="800000"/>
-                <a:headEnd/>
-                <a:tailEnd/>
-              </a14:hiddenLine>
-            </a:ext>
-            <a:ext uri="{AF507438-7753-43E0-B8FC-AC1667EBCBE1}">
-              <a14:hiddenEffects xmlns:a14="http://schemas.microsoft.com/office/drawing/2010/main">
-                <a:effectLst>
-                  <a:outerShdw dist="35921" dir="2700000" algn="ctr" rotWithShape="0">
-                    <a:schemeClr val="bg2"/>
-                  </a:outerShdw>
-                </a:effectLst>
-              </a14:hiddenEffects>
-            </a:ext>
-          </a:extLst>
-        </p:spPr>
-        <p:txBody>
-          <a:bodyPr vert="horz" wrap="none" lIns="91440" tIns="45720" rIns="91440" bIns="45720" numCol="1" anchor="ctr" anchorCtr="0" compatLnSpc="1">
-            <a:prstTxWarp prst="textNoShape">
-              <a:avLst/>
-            </a:prstTxWarp>
-            <a:spAutoFit/>
-          </a:bodyPr>
-          <a:lstStyle/>
-          <a:p>
-            <a:endParaRPr lang="en-US"/>
-          </a:p>
-        </p:txBody>
-      </p:sp>
-      <p:sp>
-        <p:nvSpPr>
           <p:cNvPr id="17" name="TextBox 16"/>
           <p:cNvSpPr txBox="1"/>
           <p:nvPr/>
@@ -7257,114 +5779,6 @@
           </a:extLst>
         </p:spPr>
       </p:pic>
-      <p:cxnSp>
-        <p:nvCxnSpPr>
-          <p:cNvPr id="5" name="Straight Arrow Connector 4"/>
-          <p:cNvCxnSpPr/>
-          <p:nvPr/>
-        </p:nvCxnSpPr>
-        <p:spPr>
-          <a:xfrm flipV="1">
-            <a:off x="2895600" y="3352801"/>
-            <a:ext cx="0" cy="761999"/>
-          </a:xfrm>
-          <a:prstGeom prst="straightConnector1">
-            <a:avLst/>
-          </a:prstGeom>
-          <a:ln w="38100">
-            <a:solidFill>
-              <a:srgbClr val="002060"/>
-            </a:solidFill>
-            <a:tailEnd type="triangle"/>
-          </a:ln>
-        </p:spPr>
-        <p:style>
-          <a:lnRef idx="1">
-            <a:schemeClr val="accent1"/>
-          </a:lnRef>
-          <a:fillRef idx="0">
-            <a:schemeClr val="accent1"/>
-          </a:fillRef>
-          <a:effectRef idx="0">
-            <a:schemeClr val="accent1"/>
-          </a:effectRef>
-          <a:fontRef idx="minor">
-            <a:schemeClr val="tx1"/>
-          </a:fontRef>
-        </p:style>
-      </p:cxnSp>
-      <p:cxnSp>
-        <p:nvCxnSpPr>
-          <p:cNvPr id="24" name="Straight Arrow Connector 23"/>
-          <p:cNvCxnSpPr/>
-          <p:nvPr/>
-        </p:nvCxnSpPr>
-        <p:spPr>
-          <a:xfrm>
-            <a:off x="7239000" y="1981200"/>
-            <a:ext cx="0" cy="762000"/>
-          </a:xfrm>
-          <a:prstGeom prst="straightConnector1">
-            <a:avLst/>
-          </a:prstGeom>
-          <a:ln w="38100">
-            <a:solidFill>
-              <a:srgbClr val="002060"/>
-            </a:solidFill>
-            <a:tailEnd type="triangle"/>
-          </a:ln>
-        </p:spPr>
-        <p:style>
-          <a:lnRef idx="1">
-            <a:schemeClr val="accent1"/>
-          </a:lnRef>
-          <a:fillRef idx="0">
-            <a:schemeClr val="accent1"/>
-          </a:fillRef>
-          <a:effectRef idx="0">
-            <a:schemeClr val="accent1"/>
-          </a:effectRef>
-          <a:fontRef idx="minor">
-            <a:schemeClr val="tx1"/>
-          </a:fontRef>
-        </p:style>
-      </p:cxnSp>
-      <p:cxnSp>
-        <p:nvCxnSpPr>
-          <p:cNvPr id="28" name="Straight Arrow Connector 27"/>
-          <p:cNvCxnSpPr/>
-          <p:nvPr/>
-        </p:nvCxnSpPr>
-        <p:spPr>
-          <a:xfrm flipV="1">
-            <a:off x="5867400" y="2702162"/>
-            <a:ext cx="269381" cy="803038"/>
-          </a:xfrm>
-          <a:prstGeom prst="straightConnector1">
-            <a:avLst/>
-          </a:prstGeom>
-          <a:ln w="38100">
-            <a:solidFill>
-              <a:srgbClr val="002060"/>
-            </a:solidFill>
-            <a:tailEnd type="triangle"/>
-          </a:ln>
-        </p:spPr>
-        <p:style>
-          <a:lnRef idx="1">
-            <a:schemeClr val="accent1"/>
-          </a:lnRef>
-          <a:fillRef idx="0">
-            <a:schemeClr val="accent1"/>
-          </a:fillRef>
-          <a:effectRef idx="0">
-            <a:schemeClr val="accent1"/>
-          </a:effectRef>
-          <a:fontRef idx="minor">
-            <a:schemeClr val="tx1"/>
-          </a:fontRef>
-        </p:style>
-      </p:cxnSp>
     </p:spTree>
     <p:extLst>
       <p:ext uri="{BB962C8B-B14F-4D97-AF65-F5344CB8AC3E}">
@@ -7499,142 +5913,7 @@
                                           </p:stCondLst>
                                         </p:cTn>
                                         <p:tgtEl>
-                                          <p:spTgt spid="5"/>
-                                        </p:tgtEl>
-                                        <p:attrNameLst>
-                                          <p:attrName>style.visibility</p:attrName>
-                                        </p:attrNameLst>
-                                      </p:cBhvr>
-                                      <p:to>
-                                        <p:strVal val="visible"/>
-                                      </p:to>
-                                    </p:set>
-                                  </p:childTnLst>
-                                </p:cTn>
-                              </p:par>
-                            </p:childTnLst>
-                          </p:cTn>
-                        </p:par>
-                      </p:childTnLst>
-                    </p:cTn>
-                  </p:par>
-                  <p:par>
-                    <p:cTn id="15" fill="hold">
-                      <p:stCondLst>
-                        <p:cond delay="indefinite"/>
-                      </p:stCondLst>
-                      <p:childTnLst>
-                        <p:par>
-                          <p:cTn id="16" fill="hold">
-                            <p:stCondLst>
-                              <p:cond delay="0"/>
-                            </p:stCondLst>
-                            <p:childTnLst>
-                              <p:par>
-                                <p:cTn id="17" presetID="1" presetClass="entr" presetSubtype="0" fill="hold" nodeType="clickEffect">
-                                  <p:stCondLst>
-                                    <p:cond delay="0"/>
-                                  </p:stCondLst>
-                                  <p:childTnLst>
-                                    <p:set>
-                                      <p:cBhvr>
-                                        <p:cTn id="18" dur="1" fill="hold">
-                                          <p:stCondLst>
-                                            <p:cond delay="0"/>
-                                          </p:stCondLst>
-                                        </p:cTn>
-                                        <p:tgtEl>
                                           <p:spTgt spid="20"/>
-                                        </p:tgtEl>
-                                        <p:attrNameLst>
-                                          <p:attrName>style.visibility</p:attrName>
-                                        </p:attrNameLst>
-                                      </p:cBhvr>
-                                      <p:to>
-                                        <p:strVal val="visible"/>
-                                      </p:to>
-                                    </p:set>
-                                  </p:childTnLst>
-                                </p:cTn>
-                              </p:par>
-                            </p:childTnLst>
-                          </p:cTn>
-                        </p:par>
-                      </p:childTnLst>
-                    </p:cTn>
-                  </p:par>
-                  <p:par>
-                    <p:cTn id="19" fill="hold">
-                      <p:stCondLst>
-                        <p:cond delay="indefinite"/>
-                      </p:stCondLst>
-                      <p:childTnLst>
-                        <p:par>
-                          <p:cTn id="20" fill="hold">
-                            <p:stCondLst>
-                              <p:cond delay="0"/>
-                            </p:stCondLst>
-                            <p:childTnLst>
-                              <p:par>
-                                <p:cTn id="21" presetID="1" presetClass="entr" presetSubtype="0" fill="hold" nodeType="clickEffect">
-                                  <p:stCondLst>
-                                    <p:cond delay="0"/>
-                                  </p:stCondLst>
-                                  <p:childTnLst>
-                                    <p:set>
-                                      <p:cBhvr>
-                                        <p:cTn id="22" dur="1" fill="hold">
-                                          <p:stCondLst>
-                                            <p:cond delay="0"/>
-                                          </p:stCondLst>
-                                        </p:cTn>
-                                        <p:tgtEl>
-                                          <p:spTgt spid="24"/>
-                                        </p:tgtEl>
-                                        <p:attrNameLst>
-                                          <p:attrName>style.visibility</p:attrName>
-                                        </p:attrNameLst>
-                                      </p:cBhvr>
-                                      <p:to>
-                                        <p:strVal val="visible"/>
-                                      </p:to>
-                                    </p:set>
-                                  </p:childTnLst>
-                                </p:cTn>
-                              </p:par>
-                            </p:childTnLst>
-                          </p:cTn>
-                        </p:par>
-                      </p:childTnLst>
-                    </p:cTn>
-                  </p:par>
-                  <p:par>
-                    <p:cTn id="23" fill="hold">
-                      <p:stCondLst>
-                        <p:cond delay="indefinite"/>
-                      </p:stCondLst>
-                      <p:childTnLst>
-                        <p:par>
-                          <p:cTn id="24" fill="hold">
-                            <p:stCondLst>
-                              <p:cond delay="0"/>
-                            </p:stCondLst>
-                            <p:childTnLst>
-                              <p:par>
-                                <p:cTn id="25" presetID="1" presetClass="entr" presetSubtype="0" fill="hold" nodeType="clickEffect">
-                                  <p:stCondLst>
-                                    <p:cond delay="0"/>
-                                  </p:stCondLst>
-                                  <p:childTnLst>
-                                    <p:set>
-                                      <p:cBhvr>
-                                        <p:cTn id="26" dur="1" fill="hold">
-                                          <p:stCondLst>
-                                            <p:cond delay="0"/>
-                                          </p:stCondLst>
-                                        </p:cTn>
-                                        <p:tgtEl>
-                                          <p:spTgt spid="28"/>
                                         </p:tgtEl>
                                         <p:attrNameLst>
                                           <p:attrName>style.visibility</p:attrName>
@@ -7681,7 +5960,7 @@
 </p:sld>
 </file>
 
-<file path=ppt/slides/slide12.xml><?xml version="1.0" encoding="utf-8"?>
+<file path=ppt/slides/slide11.xml><?xml version="1.0" encoding="utf-8"?>
 <p:sld xmlns:a="http://schemas.openxmlformats.org/drawingml/2006/main" xmlns:r="http://schemas.openxmlformats.org/officeDocument/2006/relationships" xmlns:p="http://schemas.openxmlformats.org/presentationml/2006/main">
   <p:cSld>
     <p:spTree>
@@ -7901,7 +6180,7 @@
             <a:fld id="{B6F15528-21DE-4FAA-801E-634DDDAF4B2B}" type="slidenum">
               <a:rPr lang="en-US" smtClean="0"/>
               <a:pPr/>
-              <a:t>12</a:t>
+              <a:t>11</a:t>
             </a:fld>
             <a:endParaRPr lang="en-US" dirty="0"/>
           </a:p>
@@ -8302,149 +6581,6 @@
           </a:extLst>
         </p:spPr>
       </p:pic>
-      <p:cxnSp>
-        <p:nvCxnSpPr>
-          <p:cNvPr id="23" name="Straight Arrow Connector 22"/>
-          <p:cNvCxnSpPr/>
-          <p:nvPr/>
-        </p:nvCxnSpPr>
-        <p:spPr>
-          <a:xfrm>
-            <a:off x="2931949" y="2132605"/>
-            <a:ext cx="609600" cy="304800"/>
-          </a:xfrm>
-          <a:prstGeom prst="straightConnector1">
-            <a:avLst/>
-          </a:prstGeom>
-          <a:ln w="38100">
-            <a:solidFill>
-              <a:srgbClr val="002060"/>
-            </a:solidFill>
-            <a:tailEnd type="triangle"/>
-          </a:ln>
-        </p:spPr>
-        <p:style>
-          <a:lnRef idx="1">
-            <a:schemeClr val="accent1"/>
-          </a:lnRef>
-          <a:fillRef idx="0">
-            <a:schemeClr val="accent1"/>
-          </a:fillRef>
-          <a:effectRef idx="0">
-            <a:schemeClr val="accent1"/>
-          </a:effectRef>
-          <a:fontRef idx="minor">
-            <a:schemeClr val="tx1"/>
-          </a:fontRef>
-        </p:style>
-      </p:cxnSp>
-      <p:cxnSp>
-        <p:nvCxnSpPr>
-          <p:cNvPr id="29" name="Straight Arrow Connector 28"/>
-          <p:cNvCxnSpPr/>
-          <p:nvPr/>
-        </p:nvCxnSpPr>
-        <p:spPr>
-          <a:xfrm flipV="1">
-            <a:off x="6127449" y="2299954"/>
-            <a:ext cx="516642" cy="501491"/>
-          </a:xfrm>
-          <a:prstGeom prst="straightConnector1">
-            <a:avLst/>
-          </a:prstGeom>
-          <a:ln w="38100">
-            <a:solidFill>
-              <a:srgbClr val="002060"/>
-            </a:solidFill>
-            <a:tailEnd type="triangle"/>
-          </a:ln>
-        </p:spPr>
-        <p:style>
-          <a:lnRef idx="1">
-            <a:schemeClr val="accent1"/>
-          </a:lnRef>
-          <a:fillRef idx="0">
-            <a:schemeClr val="accent1"/>
-          </a:fillRef>
-          <a:effectRef idx="0">
-            <a:schemeClr val="accent1"/>
-          </a:effectRef>
-          <a:fontRef idx="minor">
-            <a:schemeClr val="tx1"/>
-          </a:fontRef>
-        </p:style>
-      </p:cxnSp>
-      <p:cxnSp>
-        <p:nvCxnSpPr>
-          <p:cNvPr id="30" name="Straight Connector 29"/>
-          <p:cNvCxnSpPr/>
-          <p:nvPr/>
-        </p:nvCxnSpPr>
-        <p:spPr>
-          <a:xfrm>
-            <a:off x="7010400" y="1619977"/>
-            <a:ext cx="0" cy="1230488"/>
-          </a:xfrm>
-          <a:prstGeom prst="line">
-            <a:avLst/>
-          </a:prstGeom>
-          <a:ln w="38100">
-            <a:solidFill>
-              <a:schemeClr val="tx1"/>
-            </a:solidFill>
-          </a:ln>
-        </p:spPr>
-        <p:style>
-          <a:lnRef idx="1">
-            <a:schemeClr val="accent1"/>
-          </a:lnRef>
-          <a:fillRef idx="0">
-            <a:schemeClr val="accent1"/>
-          </a:fillRef>
-          <a:effectRef idx="0">
-            <a:schemeClr val="accent1"/>
-          </a:effectRef>
-          <a:fontRef idx="minor">
-            <a:schemeClr val="tx1"/>
-          </a:fontRef>
-        </p:style>
-      </p:cxnSp>
-      <p:cxnSp>
-        <p:nvCxnSpPr>
-          <p:cNvPr id="32" name="Straight Arrow Connector 31"/>
-          <p:cNvCxnSpPr/>
-          <p:nvPr/>
-        </p:nvCxnSpPr>
-        <p:spPr>
-          <a:xfrm flipV="1">
-            <a:off x="4572210" y="4876800"/>
-            <a:ext cx="837990" cy="468367"/>
-          </a:xfrm>
-          <a:prstGeom prst="straightConnector1">
-            <a:avLst/>
-          </a:prstGeom>
-          <a:ln w="38100">
-            <a:solidFill>
-              <a:srgbClr val="002060"/>
-            </a:solidFill>
-            <a:tailEnd type="triangle"/>
-          </a:ln>
-        </p:spPr>
-        <p:style>
-          <a:lnRef idx="1">
-            <a:schemeClr val="accent1"/>
-          </a:lnRef>
-          <a:fillRef idx="0">
-            <a:schemeClr val="accent1"/>
-          </a:fillRef>
-          <a:effectRef idx="0">
-            <a:schemeClr val="accent1"/>
-          </a:effectRef>
-          <a:fontRef idx="minor">
-            <a:schemeClr val="tx1"/>
-          </a:fontRef>
-        </p:style>
-      </p:cxnSp>
     </p:spTree>
     <p:extLst>
       <p:ext uri="{BB962C8B-B14F-4D97-AF65-F5344CB8AC3E}">
@@ -8579,7 +6715,7 @@
                                           </p:stCondLst>
                                         </p:cTn>
                                         <p:tgtEl>
-                                          <p:spTgt spid="23"/>
+                                          <p:spTgt spid="21"/>
                                         </p:tgtEl>
                                         <p:attrNameLst>
                                           <p:attrName>style.visibility</p:attrName>
@@ -8624,187 +6760,7 @@
                                           </p:stCondLst>
                                         </p:cTn>
                                         <p:tgtEl>
-                                          <p:spTgt spid="21"/>
-                                        </p:tgtEl>
-                                        <p:attrNameLst>
-                                          <p:attrName>style.visibility</p:attrName>
-                                        </p:attrNameLst>
-                                      </p:cBhvr>
-                                      <p:to>
-                                        <p:strVal val="visible"/>
-                                      </p:to>
-                                    </p:set>
-                                  </p:childTnLst>
-                                </p:cTn>
-                              </p:par>
-                            </p:childTnLst>
-                          </p:cTn>
-                        </p:par>
-                      </p:childTnLst>
-                    </p:cTn>
-                  </p:par>
-                  <p:par>
-                    <p:cTn id="19" fill="hold">
-                      <p:stCondLst>
-                        <p:cond delay="indefinite"/>
-                      </p:stCondLst>
-                      <p:childTnLst>
-                        <p:par>
-                          <p:cTn id="20" fill="hold">
-                            <p:stCondLst>
-                              <p:cond delay="0"/>
-                            </p:stCondLst>
-                            <p:childTnLst>
-                              <p:par>
-                                <p:cTn id="21" presetID="1" presetClass="entr" presetSubtype="0" fill="hold" nodeType="clickEffect">
-                                  <p:stCondLst>
-                                    <p:cond delay="0"/>
-                                  </p:stCondLst>
-                                  <p:childTnLst>
-                                    <p:set>
-                                      <p:cBhvr>
-                                        <p:cTn id="22" dur="1" fill="hold">
-                                          <p:stCondLst>
-                                            <p:cond delay="0"/>
-                                          </p:stCondLst>
-                                        </p:cTn>
-                                        <p:tgtEl>
-                                          <p:spTgt spid="29"/>
-                                        </p:tgtEl>
-                                        <p:attrNameLst>
-                                          <p:attrName>style.visibility</p:attrName>
-                                        </p:attrNameLst>
-                                      </p:cBhvr>
-                                      <p:to>
-                                        <p:strVal val="visible"/>
-                                      </p:to>
-                                    </p:set>
-                                  </p:childTnLst>
-                                </p:cTn>
-                              </p:par>
-                            </p:childTnLst>
-                          </p:cTn>
-                        </p:par>
-                      </p:childTnLst>
-                    </p:cTn>
-                  </p:par>
-                  <p:par>
-                    <p:cTn id="23" fill="hold">
-                      <p:stCondLst>
-                        <p:cond delay="indefinite"/>
-                      </p:stCondLst>
-                      <p:childTnLst>
-                        <p:par>
-                          <p:cTn id="24" fill="hold">
-                            <p:stCondLst>
-                              <p:cond delay="0"/>
-                            </p:stCondLst>
-                            <p:childTnLst>
-                              <p:par>
-                                <p:cTn id="25" presetID="1" presetClass="entr" presetSubtype="0" fill="hold" nodeType="clickEffect">
-                                  <p:stCondLst>
-                                    <p:cond delay="0"/>
-                                  </p:stCondLst>
-                                  <p:childTnLst>
-                                    <p:set>
-                                      <p:cBhvr>
-                                        <p:cTn id="26" dur="1" fill="hold">
-                                          <p:stCondLst>
-                                            <p:cond delay="0"/>
-                                          </p:stCondLst>
-                                        </p:cTn>
-                                        <p:tgtEl>
-                                          <p:spTgt spid="30"/>
-                                        </p:tgtEl>
-                                        <p:attrNameLst>
-                                          <p:attrName>style.visibility</p:attrName>
-                                        </p:attrNameLst>
-                                      </p:cBhvr>
-                                      <p:to>
-                                        <p:strVal val="visible"/>
-                                      </p:to>
-                                    </p:set>
-                                  </p:childTnLst>
-                                </p:cTn>
-                              </p:par>
-                            </p:childTnLst>
-                          </p:cTn>
-                        </p:par>
-                      </p:childTnLst>
-                    </p:cTn>
-                  </p:par>
-                  <p:par>
-                    <p:cTn id="27" fill="hold">
-                      <p:stCondLst>
-                        <p:cond delay="indefinite"/>
-                      </p:stCondLst>
-                      <p:childTnLst>
-                        <p:par>
-                          <p:cTn id="28" fill="hold">
-                            <p:stCondLst>
-                              <p:cond delay="0"/>
-                            </p:stCondLst>
-                            <p:childTnLst>
-                              <p:par>
-                                <p:cTn id="29" presetID="1" presetClass="entr" presetSubtype="0" fill="hold" nodeType="clickEffect">
-                                  <p:stCondLst>
-                                    <p:cond delay="0"/>
-                                  </p:stCondLst>
-                                  <p:childTnLst>
-                                    <p:set>
-                                      <p:cBhvr>
-                                        <p:cTn id="30" dur="1" fill="hold">
-                                          <p:stCondLst>
-                                            <p:cond delay="0"/>
-                                          </p:stCondLst>
-                                        </p:cTn>
-                                        <p:tgtEl>
                                           <p:spTgt spid="22"/>
-                                        </p:tgtEl>
-                                        <p:attrNameLst>
-                                          <p:attrName>style.visibility</p:attrName>
-                                        </p:attrNameLst>
-                                      </p:cBhvr>
-                                      <p:to>
-                                        <p:strVal val="visible"/>
-                                      </p:to>
-                                    </p:set>
-                                  </p:childTnLst>
-                                </p:cTn>
-                              </p:par>
-                            </p:childTnLst>
-                          </p:cTn>
-                        </p:par>
-                      </p:childTnLst>
-                    </p:cTn>
-                  </p:par>
-                  <p:par>
-                    <p:cTn id="31" fill="hold">
-                      <p:stCondLst>
-                        <p:cond delay="indefinite"/>
-                      </p:stCondLst>
-                      <p:childTnLst>
-                        <p:par>
-                          <p:cTn id="32" fill="hold">
-                            <p:stCondLst>
-                              <p:cond delay="0"/>
-                            </p:stCondLst>
-                            <p:childTnLst>
-                              <p:par>
-                                <p:cTn id="33" presetID="1" presetClass="entr" presetSubtype="0" fill="hold" nodeType="clickEffect">
-                                  <p:stCondLst>
-                                    <p:cond delay="0"/>
-                                  </p:stCondLst>
-                                  <p:childTnLst>
-                                    <p:set>
-                                      <p:cBhvr>
-                                        <p:cTn id="34" dur="1" fill="hold">
-                                          <p:stCondLst>
-                                            <p:cond delay="0"/>
-                                          </p:stCondLst>
-                                        </p:cTn>
-                                        <p:tgtEl>
-                                          <p:spTgt spid="32"/>
                                         </p:tgtEl>
                                         <p:attrNameLst>
                                           <p:attrName>style.visibility</p:attrName>
@@ -8851,7 +6807,7 @@
 </p:sld>
 </file>
 
-<file path=ppt/slides/slide13.xml><?xml version="1.0" encoding="utf-8"?>
+<file path=ppt/slides/slide12.xml><?xml version="1.0" encoding="utf-8"?>
 <p:sld xmlns:a="http://schemas.openxmlformats.org/drawingml/2006/main" xmlns:r="http://schemas.openxmlformats.org/officeDocument/2006/relationships" xmlns:p="http://schemas.openxmlformats.org/presentationml/2006/main">
   <p:cSld>
     <p:spTree>
@@ -9057,7 +7013,7 @@
             <a:fld id="{B6F15528-21DE-4FAA-801E-634DDDAF4B2B}" type="slidenum">
               <a:rPr lang="en-US" smtClean="0"/>
               <a:pPr/>
-              <a:t>13</a:t>
+              <a:t>12</a:t>
             </a:fld>
             <a:endParaRPr lang="en-US" dirty="0"/>
           </a:p>
@@ -9262,20 +7218,20 @@
           <p:nvPr>
             <p:extLst>
               <p:ext uri="{D42A27DB-BD31-4B8C-83A1-F6EECF244321}">
-                <p14:modId xmlns:p14="http://schemas.microsoft.com/office/powerpoint/2010/main" val="4028221678"/>
+                <p14:modId xmlns:p14="http://schemas.microsoft.com/office/powerpoint/2010/main" val="3117036130"/>
               </p:ext>
             </p:extLst>
           </p:nvPr>
         </p:nvGraphicFramePr>
         <p:xfrm>
-          <a:off x="1360057" y="1002267"/>
-          <a:ext cx="3650640" cy="2741477"/>
+          <a:off x="997858" y="1002267"/>
+          <a:ext cx="4012839" cy="3013473"/>
         </p:xfrm>
         <a:graphic>
           <a:graphicData uri="http://schemas.openxmlformats.org/presentationml/2006/ole">
             <mc:AlternateContent xmlns:mc="http://schemas.openxmlformats.org/markup-compatibility/2006">
               <mc:Choice xmlns:v="urn:schemas-microsoft-com:vml" Requires="v">
-                <p:oleObj spid="_x0000_s5131" name="Visio" r:id="rId6" imgW="2485904" imgH="1866757" progId="Visio.Drawing.15">
+                <p:oleObj spid="_x0000_s5146" name="Visio" r:id="rId6" imgW="2485904" imgH="1866757" progId="Visio.Drawing.15">
                   <p:embed/>
                 </p:oleObj>
               </mc:Choice>
@@ -9299,8 +7255,8 @@
                     </p:blipFill>
                     <p:spPr bwMode="auto">
                       <a:xfrm>
-                        <a:off x="1360057" y="1002267"/>
-                        <a:ext cx="3650640" cy="2741477"/>
+                        <a:off x="997858" y="1002267"/>
+                        <a:ext cx="4012839" cy="3013473"/>
                       </a:xfrm>
                       <a:prstGeom prst="rect">
                         <a:avLst/>
@@ -9322,7 +7278,7 @@
         </p:nvSpPr>
         <p:spPr>
           <a:xfrm>
-            <a:off x="3124200" y="3430965"/>
+            <a:off x="3004277" y="3655097"/>
             <a:ext cx="1280160" cy="584775"/>
           </a:xfrm>
           <a:prstGeom prst="rect">
@@ -9382,7 +7338,7 @@
         </p:nvCxnSpPr>
         <p:spPr>
           <a:xfrm flipV="1">
-            <a:off x="3048000" y="3497606"/>
+            <a:off x="2895600" y="3721739"/>
             <a:ext cx="0" cy="451492"/>
           </a:xfrm>
           <a:prstGeom prst="straightConnector1">
@@ -9547,30 +7503,6 @@
           </a:p>
         </p:txBody>
       </p:sp>
-      <p:pic>
-        <p:nvPicPr>
-          <p:cNvPr id="8" name="Picture 7"/>
-          <p:cNvPicPr>
-            <a:picLocks noChangeAspect="1"/>
-          </p:cNvPicPr>
-          <p:nvPr/>
-        </p:nvPicPr>
-        <p:blipFill>
-          <a:blip r:embed="rId8"/>
-          <a:stretch>
-            <a:fillRect/>
-          </a:stretch>
-        </p:blipFill>
-        <p:spPr>
-          <a:xfrm>
-            <a:off x="5056629" y="1002267"/>
-            <a:ext cx="2993142" cy="2992501"/>
-          </a:xfrm>
-          <a:prstGeom prst="rect">
-            <a:avLst/>
-          </a:prstGeom>
-        </p:spPr>
-      </p:pic>
       <p:sp>
         <p:nvSpPr>
           <p:cNvPr id="22" name="TextBox 21"/>
@@ -9579,8 +7511,8 @@
         </p:nvSpPr>
         <p:spPr>
           <a:xfrm>
-            <a:off x="7924800" y="1218029"/>
-            <a:ext cx="1219200" cy="1077218"/>
+            <a:off x="8013581" y="1828800"/>
+            <a:ext cx="1166009" cy="1323439"/>
           </a:xfrm>
           <a:prstGeom prst="rect">
             <a:avLst/>
@@ -9594,27 +7526,27 @@
           <a:lstStyle/>
           <a:p>
             <a:r>
-              <a:rPr lang="tr-TR" sz="1600" dirty="0" err="1" smtClean="0"/>
+              <a:rPr lang="tr-TR" sz="2000" dirty="0" err="1" smtClean="0"/>
               <a:t>Qs</a:t>
             </a:r>
             <a:r>
-              <a:rPr lang="tr-TR" sz="1600" dirty="0" smtClean="0"/>
+              <a:rPr lang="tr-TR" sz="2000" dirty="0" smtClean="0"/>
               <a:t> = 24</a:t>
             </a:r>
           </a:p>
           <a:p>
             <a:r>
-              <a:rPr lang="tr-TR" sz="1600" dirty="0"/>
+              <a:rPr lang="tr-TR" sz="2000" dirty="0"/>
               <a:t>p</a:t>
             </a:r>
             <a:r>
-              <a:rPr lang="tr-TR" sz="1600" dirty="0" smtClean="0"/>
+              <a:rPr lang="tr-TR" sz="2000" dirty="0" smtClean="0"/>
               <a:t> = 20</a:t>
             </a:r>
           </a:p>
           <a:p>
             <a:r>
-              <a:rPr lang="tr-TR" sz="1600" dirty="0" smtClean="0">
+              <a:rPr lang="tr-TR" sz="2000" dirty="0" smtClean="0">
                 <a:latin typeface="Times New Roman" panose="02020603050405020304" pitchFamily="18" charset="0"/>
                 <a:cs typeface="Times New Roman" panose="02020603050405020304" pitchFamily="18" charset="0"/>
               </a:rPr>
@@ -9623,15 +7555,15 @@
           </a:p>
           <a:p>
             <a:r>
-              <a:rPr lang="tr-TR" sz="1600" dirty="0" err="1"/>
+              <a:rPr lang="tr-TR" sz="2000" dirty="0" err="1"/>
               <a:t>w</a:t>
             </a:r>
             <a:r>
-              <a:rPr lang="tr-TR" sz="1600" baseline="-25000" dirty="0" err="1" smtClean="0"/>
+              <a:rPr lang="tr-TR" sz="2000" baseline="-25000" dirty="0" err="1" smtClean="0"/>
               <a:t>s</a:t>
             </a:r>
             <a:r>
-              <a:rPr lang="tr-TR" sz="1600" dirty="0" smtClean="0"/>
+              <a:rPr lang="tr-TR" sz="2000" dirty="0" smtClean="0"/>
               <a:t> = 2</a:t>
             </a:r>
           </a:p>
@@ -9807,6 +7739,36 @@
           </a:p>
         </p:txBody>
       </p:sp>
+      <p:pic>
+        <p:nvPicPr>
+          <p:cNvPr id="4" name="Picture 3"/>
+          <p:cNvPicPr>
+            <a:picLocks noChangeAspect="1"/>
+          </p:cNvPicPr>
+          <p:nvPr/>
+        </p:nvPicPr>
+        <p:blipFill>
+          <a:blip r:embed="rId8">
+            <a:extLst>
+              <a:ext uri="{28A0092B-C50C-407E-A947-70E740481C1C}">
+                <a14:useLocalDpi xmlns:a14="http://schemas.microsoft.com/office/drawing/2010/main" val="0"/>
+              </a:ext>
+            </a:extLst>
+          </a:blip>
+          <a:stretch>
+            <a:fillRect/>
+          </a:stretch>
+        </p:blipFill>
+        <p:spPr>
+          <a:xfrm>
+            <a:off x="5092054" y="1139367"/>
+            <a:ext cx="2849127" cy="2944415"/>
+          </a:xfrm>
+          <a:prstGeom prst="rect">
+            <a:avLst/>
+          </a:prstGeom>
+        </p:spPr>
+      </p:pic>
     </p:spTree>
     <p:extLst>
       <p:ext uri="{BB962C8B-B14F-4D97-AF65-F5344CB8AC3E}">
@@ -9973,7 +7935,7 @@
                             </p:stCondLst>
                             <p:childTnLst>
                               <p:par>
-                                <p:cTn id="17" presetID="1" presetClass="entr" presetSubtype="0" fill="hold" nodeType="clickEffect">
+                                <p:cTn id="17" presetID="1" presetClass="entr" presetSubtype="0" fill="hold" grpId="0" nodeType="clickEffect">
                                   <p:stCondLst>
                                     <p:cond delay="0"/>
                                   </p:stCondLst>
@@ -9986,7 +7948,34 @@
                                           </p:stCondLst>
                                         </p:cTn>
                                         <p:tgtEl>
-                                          <p:spTgt spid="8"/>
+                                          <p:spTgt spid="22"/>
+                                        </p:tgtEl>
+                                        <p:attrNameLst>
+                                          <p:attrName>style.visibility</p:attrName>
+                                        </p:attrNameLst>
+                                      </p:cBhvr>
+                                      <p:to>
+                                        <p:strVal val="visible"/>
+                                      </p:to>
+                                    </p:set>
+                                  </p:childTnLst>
+                                </p:cTn>
+                              </p:par>
+                              <p:par>
+                                <p:cTn id="19" presetID="1" presetClass="entr" presetSubtype="0" fill="hold" nodeType="withEffect">
+                                  <p:stCondLst>
+                                    <p:cond delay="0"/>
+                                  </p:stCondLst>
+                                  <p:childTnLst>
+                                    <p:set>
+                                      <p:cBhvr>
+                                        <p:cTn id="20" dur="1" fill="hold">
+                                          <p:stCondLst>
+                                            <p:cond delay="0"/>
+                                          </p:stCondLst>
+                                        </p:cTn>
+                                        <p:tgtEl>
+                                          <p:spTgt spid="4"/>
                                         </p:tgtEl>
                                         <p:attrNameLst>
                                           <p:attrName>style.visibility</p:attrName>
@@ -10006,71 +7995,26 @@
                     </p:cTn>
                   </p:par>
                   <p:par>
-                    <p:cTn id="19" fill="hold">
+                    <p:cTn id="21" fill="hold">
                       <p:stCondLst>
                         <p:cond delay="indefinite"/>
                       </p:stCondLst>
                       <p:childTnLst>
                         <p:par>
-                          <p:cTn id="20" fill="hold">
+                          <p:cTn id="22" fill="hold">
                             <p:stCondLst>
                               <p:cond delay="0"/>
                             </p:stCondLst>
                             <p:childTnLst>
                               <p:par>
-                                <p:cTn id="21" presetID="1" presetClass="entr" presetSubtype="0" fill="hold" grpId="0" nodeType="clickEffect">
+                                <p:cTn id="23" presetID="1" presetClass="entr" presetSubtype="0" fill="hold" grpId="0" nodeType="clickEffect">
                                   <p:stCondLst>
                                     <p:cond delay="0"/>
                                   </p:stCondLst>
                                   <p:childTnLst>
                                     <p:set>
                                       <p:cBhvr>
-                                        <p:cTn id="22" dur="1" fill="hold">
-                                          <p:stCondLst>
-                                            <p:cond delay="0"/>
-                                          </p:stCondLst>
-                                        </p:cTn>
-                                        <p:tgtEl>
-                                          <p:spTgt spid="22"/>
-                                        </p:tgtEl>
-                                        <p:attrNameLst>
-                                          <p:attrName>style.visibility</p:attrName>
-                                        </p:attrNameLst>
-                                      </p:cBhvr>
-                                      <p:to>
-                                        <p:strVal val="visible"/>
-                                      </p:to>
-                                    </p:set>
-                                  </p:childTnLst>
-                                </p:cTn>
-                              </p:par>
-                            </p:childTnLst>
-                          </p:cTn>
-                        </p:par>
-                      </p:childTnLst>
-                    </p:cTn>
-                  </p:par>
-                  <p:par>
-                    <p:cTn id="23" fill="hold">
-                      <p:stCondLst>
-                        <p:cond delay="indefinite"/>
-                      </p:stCondLst>
-                      <p:childTnLst>
-                        <p:par>
-                          <p:cTn id="24" fill="hold">
-                            <p:stCondLst>
-                              <p:cond delay="0"/>
-                            </p:stCondLst>
-                            <p:childTnLst>
-                              <p:par>
-                                <p:cTn id="25" presetID="1" presetClass="entr" presetSubtype="0" fill="hold" grpId="0" nodeType="clickEffect">
-                                  <p:stCondLst>
-                                    <p:cond delay="0"/>
-                                  </p:stCondLst>
-                                  <p:childTnLst>
-                                    <p:set>
-                                      <p:cBhvr>
-                                        <p:cTn id="26" dur="1" fill="hold">
+                                        <p:cTn id="24" dur="1" fill="hold">
                                           <p:stCondLst>
                                             <p:cond delay="0"/>
                                           </p:stCondLst>
@@ -10096,26 +8040,26 @@
                     </p:cTn>
                   </p:par>
                   <p:par>
-                    <p:cTn id="27" fill="hold">
+                    <p:cTn id="25" fill="hold">
                       <p:stCondLst>
                         <p:cond delay="indefinite"/>
                       </p:stCondLst>
                       <p:childTnLst>
                         <p:par>
-                          <p:cTn id="28" fill="hold">
+                          <p:cTn id="26" fill="hold">
                             <p:stCondLst>
                               <p:cond delay="0"/>
                             </p:stCondLst>
                             <p:childTnLst>
                               <p:par>
-                                <p:cTn id="29" presetID="1" presetClass="entr" presetSubtype="0" fill="hold" nodeType="clickEffect">
+                                <p:cTn id="27" presetID="1" presetClass="entr" presetSubtype="0" fill="hold" nodeType="clickEffect">
                                   <p:stCondLst>
                                     <p:cond delay="0"/>
                                   </p:stCondLst>
                                   <p:childTnLst>
                                     <p:set>
                                       <p:cBhvr>
-                                        <p:cTn id="30" dur="1" fill="hold">
+                                        <p:cTn id="28" dur="1" fill="hold">
                                           <p:stCondLst>
                                             <p:cond delay="0"/>
                                           </p:stCondLst>
@@ -10145,26 +8089,26 @@
                     </p:cTn>
                   </p:par>
                   <p:par>
-                    <p:cTn id="31" fill="hold">
+                    <p:cTn id="29" fill="hold">
                       <p:stCondLst>
                         <p:cond delay="indefinite"/>
                       </p:stCondLst>
                       <p:childTnLst>
                         <p:par>
-                          <p:cTn id="32" fill="hold">
+                          <p:cTn id="30" fill="hold">
                             <p:stCondLst>
                               <p:cond delay="0"/>
                             </p:stCondLst>
                             <p:childTnLst>
                               <p:par>
-                                <p:cTn id="33" presetID="1" presetClass="entr" presetSubtype="0" fill="hold" nodeType="clickEffect">
+                                <p:cTn id="31" presetID="1" presetClass="entr" presetSubtype="0" fill="hold" nodeType="clickEffect">
                                   <p:stCondLst>
                                     <p:cond delay="0"/>
                                   </p:stCondLst>
                                   <p:childTnLst>
                                     <p:set>
                                       <p:cBhvr>
-                                        <p:cTn id="34" dur="1" fill="hold">
+                                        <p:cTn id="32" dur="1" fill="hold">
                                           <p:stCondLst>
                                             <p:cond delay="0"/>
                                           </p:stCondLst>
@@ -10194,26 +8138,26 @@
                     </p:cTn>
                   </p:par>
                   <p:par>
-                    <p:cTn id="35" fill="hold">
+                    <p:cTn id="33" fill="hold">
                       <p:stCondLst>
                         <p:cond delay="indefinite"/>
                       </p:stCondLst>
                       <p:childTnLst>
                         <p:par>
-                          <p:cTn id="36" fill="hold">
+                          <p:cTn id="34" fill="hold">
                             <p:stCondLst>
                               <p:cond delay="0"/>
                             </p:stCondLst>
                             <p:childTnLst>
                               <p:par>
-                                <p:cTn id="37" presetID="1" presetClass="entr" presetSubtype="0" fill="hold" nodeType="clickEffect">
+                                <p:cTn id="35" presetID="1" presetClass="entr" presetSubtype="0" fill="hold" nodeType="clickEffect">
                                   <p:stCondLst>
                                     <p:cond delay="0"/>
                                   </p:stCondLst>
                                   <p:childTnLst>
                                     <p:set>
                                       <p:cBhvr>
-                                        <p:cTn id="38" dur="1" fill="hold">
+                                        <p:cTn id="36" dur="1" fill="hold">
                                           <p:stCondLst>
                                             <p:cond delay="0"/>
                                           </p:stCondLst>
@@ -10272,7 +8216,7 @@
 </p:sld>
 </file>
 
-<file path=ppt/slides/slide14.xml><?xml version="1.0" encoding="utf-8"?>
+<file path=ppt/slides/slide13.xml><?xml version="1.0" encoding="utf-8"?>
 <p:sld xmlns:a="http://schemas.openxmlformats.org/drawingml/2006/main" xmlns:r="http://schemas.openxmlformats.org/officeDocument/2006/relationships" xmlns:p="http://schemas.openxmlformats.org/presentationml/2006/main">
   <p:cSld>
     <p:spTree>
@@ -10478,7 +8422,7 @@
             <a:fld id="{B6F15528-21DE-4FAA-801E-634DDDAF4B2B}" type="slidenum">
               <a:rPr lang="en-US" smtClean="0"/>
               <a:pPr/>
-              <a:t>14</a:t>
+              <a:t>13</a:t>
             </a:fld>
             <a:endParaRPr lang="en-US" dirty="0"/>
           </a:p>
@@ -10683,7 +8627,7 @@
         <p:spPr>
           <a:xfrm>
             <a:off x="1386291" y="1243647"/>
-            <a:ext cx="3672291" cy="1477328"/>
+            <a:ext cx="7681509" cy="5109091"/>
           </a:xfrm>
           <a:prstGeom prst="rect">
             <a:avLst/>
@@ -10697,28 +8641,41 @@
           <a:p>
             <a:pPr marL="285750" indent="-285750" algn="just">
               <a:spcAft>
-                <a:spcPts val="0"/>
+                <a:spcPts val="1200"/>
               </a:spcAft>
               <a:buFont typeface="Wingdings" panose="05000000000000000000" pitchFamily="2" charset="2"/>
               <a:buChar char="ü"/>
             </a:pPr>
             <a:r>
-              <a:rPr lang="tr-TR" dirty="0" smtClean="0">
+              <a:rPr lang="en-US" dirty="0" smtClean="0">
                 <a:latin typeface="Hevletica"/>
                 <a:ea typeface="Times New Roman" panose="02020603050405020304" pitchFamily="18" charset="0"/>
                 <a:cs typeface="Helvetica" panose="020B0604020202020204" pitchFamily="34" charset="0"/>
               </a:rPr>
-              <a:t>a</a:t>
-            </a:r>
+              <a:t>Integration and modularization of motor drives</a:t>
+            </a:r>
+            <a:endParaRPr lang="tr-TR" dirty="0" smtClean="0">
+              <a:latin typeface="Hevletica"/>
+              <a:ea typeface="Times New Roman" panose="02020603050405020304" pitchFamily="18" charset="0"/>
+              <a:cs typeface="Helvetica" panose="020B0604020202020204" pitchFamily="34" charset="0"/>
+            </a:endParaRPr>
           </a:p>
           <a:p>
             <a:pPr marL="285750" indent="-285750" algn="just">
               <a:spcAft>
-                <a:spcPts val="0"/>
+                <a:spcPts val="1200"/>
               </a:spcAft>
               <a:buFont typeface="Wingdings" panose="05000000000000000000" pitchFamily="2" charset="2"/>
               <a:buChar char="ü"/>
             </a:pPr>
+            <a:r>
+              <a:rPr lang="en-US" dirty="0" smtClean="0">
+                <a:latin typeface="Hevletica"/>
+                <a:ea typeface="Times New Roman" panose="02020603050405020304" pitchFamily="18" charset="0"/>
+                <a:cs typeface="Helvetica" panose="020B0604020202020204" pitchFamily="34" charset="0"/>
+              </a:rPr>
+              <a:t>Design challenges: Wide Band-Gap Devices</a:t>
+            </a:r>
             <a:endParaRPr lang="tr-TR" dirty="0">
               <a:latin typeface="Hevletica"/>
               <a:ea typeface="Times New Roman" panose="02020603050405020304" pitchFamily="18" charset="0"/>
@@ -10728,28 +8685,36 @@
           <a:p>
             <a:pPr marL="285750" indent="-285750" algn="just">
               <a:spcAft>
-                <a:spcPts val="0"/>
+                <a:spcPts val="1200"/>
               </a:spcAft>
               <a:buFont typeface="Wingdings" panose="05000000000000000000" pitchFamily="2" charset="2"/>
               <a:buChar char="ü"/>
             </a:pPr>
             <a:r>
-              <a:rPr lang="tr-TR" dirty="0" smtClean="0">
+              <a:rPr lang="en-US" dirty="0" smtClean="0">
                 <a:latin typeface="Hevletica"/>
                 <a:ea typeface="Times New Roman" panose="02020603050405020304" pitchFamily="18" charset="0"/>
                 <a:cs typeface="Helvetica" panose="020B0604020202020204" pitchFamily="34" charset="0"/>
               </a:rPr>
-              <a:t>b</a:t>
+              <a:t>Inter-dependencies between parts</a:t>
             </a:r>
           </a:p>
           <a:p>
             <a:pPr marL="285750" indent="-285750" algn="just">
               <a:spcAft>
-                <a:spcPts val="0"/>
+                <a:spcPts val="1200"/>
               </a:spcAft>
               <a:buFont typeface="Wingdings" panose="05000000000000000000" pitchFamily="2" charset="2"/>
               <a:buChar char="ü"/>
             </a:pPr>
+            <a:r>
+              <a:rPr lang="en-US" dirty="0" smtClean="0">
+                <a:latin typeface="Hevletica"/>
+                <a:ea typeface="Times New Roman" panose="02020603050405020304" pitchFamily="18" charset="0"/>
+                <a:cs typeface="Helvetica" panose="020B0604020202020204" pitchFamily="34" charset="0"/>
+              </a:rPr>
+              <a:t>Complete model of an IMMD &amp; Design optimization</a:t>
+            </a:r>
             <a:endParaRPr lang="tr-TR" dirty="0">
               <a:latin typeface="Hevletica"/>
               <a:ea typeface="Times New Roman" panose="02020603050405020304" pitchFamily="18" charset="0"/>
@@ -10759,12 +8724,164 @@
           <a:p>
             <a:pPr marL="285750" indent="-285750" algn="just">
               <a:spcAft>
-                <a:spcPts val="0"/>
+                <a:spcPts val="1200"/>
               </a:spcAft>
               <a:buFont typeface="Wingdings" panose="05000000000000000000" pitchFamily="2" charset="2"/>
               <a:buChar char="ü"/>
             </a:pPr>
+            <a:r>
+              <a:rPr lang="en-US" dirty="0" smtClean="0">
+                <a:latin typeface="Hevletica"/>
+                <a:ea typeface="Times New Roman" panose="02020603050405020304" pitchFamily="18" charset="0"/>
+                <a:cs typeface="Helvetica" panose="020B0604020202020204" pitchFamily="34" charset="0"/>
+              </a:rPr>
+              <a:t>New possibilities: interleaving</a:t>
+            </a:r>
+          </a:p>
+          <a:p>
+            <a:pPr marL="285750" indent="-285750" algn="just">
+              <a:spcAft>
+                <a:spcPts val="1200"/>
+              </a:spcAft>
+              <a:buFont typeface="Wingdings" panose="05000000000000000000" pitchFamily="2" charset="2"/>
+              <a:buChar char="ü"/>
+            </a:pPr>
+            <a:r>
+              <a:rPr lang="en-US" dirty="0" smtClean="0">
+                <a:latin typeface="Hevletica"/>
+                <a:ea typeface="Times New Roman" panose="02020603050405020304" pitchFamily="18" charset="0"/>
+                <a:cs typeface="Helvetica" panose="020B0604020202020204" pitchFamily="34" charset="0"/>
+              </a:rPr>
+              <a:t>Discrete nature of components</a:t>
+            </a:r>
+          </a:p>
+          <a:p>
+            <a:pPr marL="285750" indent="-285750" algn="just">
+              <a:spcAft>
+                <a:spcPts val="1200"/>
+              </a:spcAft>
+              <a:buFont typeface="Wingdings" panose="05000000000000000000" pitchFamily="2" charset="2"/>
+              <a:buChar char="ü"/>
+            </a:pPr>
+            <a:r>
+              <a:rPr lang="en-US" dirty="0" smtClean="0">
+                <a:latin typeface="Hevletica"/>
+                <a:ea typeface="Times New Roman" panose="02020603050405020304" pitchFamily="18" charset="0"/>
+                <a:cs typeface="Helvetica" panose="020B0604020202020204" pitchFamily="34" charset="0"/>
+              </a:rPr>
+              <a:t>Switching frequency trade-off</a:t>
+            </a:r>
+          </a:p>
+          <a:p>
+            <a:pPr marL="285750" indent="-285750" algn="just">
+              <a:spcAft>
+                <a:spcPts val="1200"/>
+              </a:spcAft>
+              <a:buFont typeface="Wingdings" panose="05000000000000000000" pitchFamily="2" charset="2"/>
+              <a:buChar char="ü"/>
+            </a:pPr>
+            <a:r>
+              <a:rPr lang="en-US" dirty="0" smtClean="0">
+                <a:latin typeface="Hevletica"/>
+                <a:ea typeface="Times New Roman" panose="02020603050405020304" pitchFamily="18" charset="0"/>
+                <a:cs typeface="Helvetica" panose="020B0604020202020204" pitchFamily="34" charset="0"/>
+              </a:rPr>
+              <a:t>Cost limitations, m</a:t>
+            </a:r>
+            <a:r>
+              <a:rPr lang="en-US" dirty="0" smtClean="0">
+                <a:latin typeface="Hevletica"/>
+                <a:ea typeface="Times New Roman" panose="02020603050405020304" pitchFamily="18" charset="0"/>
+                <a:cs typeface="Helvetica" panose="020B0604020202020204" pitchFamily="34" charset="0"/>
+              </a:rPr>
+              <a:t>anufacturability and f</a:t>
+            </a:r>
+            <a:r>
+              <a:rPr lang="en-US" dirty="0" smtClean="0">
+                <a:latin typeface="Hevletica"/>
+                <a:ea typeface="Times New Roman" panose="02020603050405020304" pitchFamily="18" charset="0"/>
+                <a:cs typeface="Helvetica" panose="020B0604020202020204" pitchFamily="34" charset="0"/>
+              </a:rPr>
+              <a:t>ault tolerance</a:t>
+            </a:r>
+          </a:p>
+          <a:p>
+            <a:pPr marL="285750" indent="-285750" algn="just">
+              <a:spcAft>
+                <a:spcPts val="1200"/>
+              </a:spcAft>
+              <a:buFont typeface="Wingdings" panose="05000000000000000000" pitchFamily="2" charset="2"/>
+              <a:buChar char="ü"/>
+            </a:pPr>
+            <a:endParaRPr lang="en-US" dirty="0">
+              <a:latin typeface="Hevletica"/>
+              <a:ea typeface="Times New Roman" panose="02020603050405020304" pitchFamily="18" charset="0"/>
+              <a:cs typeface="Helvetica" panose="020B0604020202020204" pitchFamily="34" charset="0"/>
+            </a:endParaRPr>
+          </a:p>
+          <a:p>
+            <a:pPr marL="285750" indent="-285750" algn="just">
+              <a:spcAft>
+                <a:spcPts val="1200"/>
+              </a:spcAft>
+              <a:buFont typeface="Wingdings" panose="05000000000000000000" pitchFamily="2" charset="2"/>
+              <a:buChar char="ü"/>
+            </a:pPr>
+            <a:r>
+              <a:rPr lang="en-US" dirty="0" smtClean="0">
+                <a:solidFill>
+                  <a:srgbClr val="2515F7"/>
+                </a:solidFill>
+                <a:latin typeface="Hevletica"/>
+                <a:ea typeface="Times New Roman" panose="02020603050405020304" pitchFamily="18" charset="0"/>
+                <a:cs typeface="Helvetica" panose="020B0604020202020204" pitchFamily="34" charset="0"/>
+              </a:rPr>
+              <a:t>Inclusion of torque ripple, cogging torque, vibration effects</a:t>
+            </a:r>
+          </a:p>
+          <a:p>
+            <a:pPr marL="285750" indent="-285750" algn="just">
+              <a:spcAft>
+                <a:spcPts val="1200"/>
+              </a:spcAft>
+              <a:buFont typeface="Wingdings" panose="05000000000000000000" pitchFamily="2" charset="2"/>
+              <a:buChar char="ü"/>
+            </a:pPr>
+            <a:r>
+              <a:rPr lang="en-US" dirty="0" smtClean="0">
+                <a:solidFill>
+                  <a:srgbClr val="2515F7"/>
+                </a:solidFill>
+                <a:latin typeface="Hevletica"/>
+                <a:ea typeface="Times New Roman" panose="02020603050405020304" pitchFamily="18" charset="0"/>
+                <a:cs typeface="Helvetica" panose="020B0604020202020204" pitchFamily="34" charset="0"/>
+              </a:rPr>
+              <a:t>Inclusion of motor thermal model and EMI effects</a:t>
+            </a:r>
+          </a:p>
+          <a:p>
+            <a:pPr marL="285750" indent="-285750" algn="just">
+              <a:spcAft>
+                <a:spcPts val="1200"/>
+              </a:spcAft>
+              <a:buFont typeface="Wingdings" panose="05000000000000000000" pitchFamily="2" charset="2"/>
+              <a:buChar char="ü"/>
+            </a:pPr>
+            <a:r>
+              <a:rPr lang="en-US" dirty="0" smtClean="0">
+                <a:solidFill>
+                  <a:srgbClr val="2515F7"/>
+                </a:solidFill>
+                <a:latin typeface="Hevletica"/>
+                <a:ea typeface="Times New Roman" panose="02020603050405020304" pitchFamily="18" charset="0"/>
+                <a:cs typeface="Helvetica" panose="020B0604020202020204" pitchFamily="34" charset="0"/>
+              </a:rPr>
+              <a:t>A prototype is under construction with the optimum design parameters </a:t>
+            </a:r>
             <a:endParaRPr lang="tr-TR" dirty="0" smtClean="0">
+              <a:solidFill>
+                <a:srgbClr val="2515F7"/>
+              </a:solidFill>
               <a:latin typeface="Hevletica"/>
               <a:ea typeface="Times New Roman" panose="02020603050405020304" pitchFamily="18" charset="0"/>
               <a:cs typeface="Helvetica" panose="020B0604020202020204" pitchFamily="34" charset="0"/>
@@ -10867,7 +8984,448 @@
                                         <p:tgtEl>
                                           <p:spTgt spid="24">
                                             <p:txEl>
+                                              <p:pRg st="1" end="1"/>
+                                            </p:txEl>
+                                          </p:spTgt>
+                                        </p:tgtEl>
+                                        <p:attrNameLst>
+                                          <p:attrName>style.visibility</p:attrName>
+                                        </p:attrNameLst>
+                                      </p:cBhvr>
+                                      <p:to>
+                                        <p:strVal val="visible"/>
+                                      </p:to>
+                                    </p:set>
+                                  </p:childTnLst>
+                                </p:cTn>
+                              </p:par>
+                            </p:childTnLst>
+                          </p:cTn>
+                        </p:par>
+                      </p:childTnLst>
+                    </p:cTn>
+                  </p:par>
+                  <p:par>
+                    <p:cTn id="11" fill="hold">
+                      <p:stCondLst>
+                        <p:cond delay="indefinite"/>
+                      </p:stCondLst>
+                      <p:childTnLst>
+                        <p:par>
+                          <p:cTn id="12" fill="hold">
+                            <p:stCondLst>
+                              <p:cond delay="0"/>
+                            </p:stCondLst>
+                            <p:childTnLst>
+                              <p:par>
+                                <p:cTn id="13" presetID="1" presetClass="entr" presetSubtype="0" fill="hold" nodeType="clickEffect">
+                                  <p:stCondLst>
+                                    <p:cond delay="0"/>
+                                  </p:stCondLst>
+                                  <p:childTnLst>
+                                    <p:set>
+                                      <p:cBhvr>
+                                        <p:cTn id="14" dur="1" fill="hold">
+                                          <p:stCondLst>
+                                            <p:cond delay="0"/>
+                                          </p:stCondLst>
+                                        </p:cTn>
+                                        <p:tgtEl>
+                                          <p:spTgt spid="24">
+                                            <p:txEl>
                                               <p:pRg st="2" end="2"/>
+                                            </p:txEl>
+                                          </p:spTgt>
+                                        </p:tgtEl>
+                                        <p:attrNameLst>
+                                          <p:attrName>style.visibility</p:attrName>
+                                        </p:attrNameLst>
+                                      </p:cBhvr>
+                                      <p:to>
+                                        <p:strVal val="visible"/>
+                                      </p:to>
+                                    </p:set>
+                                  </p:childTnLst>
+                                </p:cTn>
+                              </p:par>
+                            </p:childTnLst>
+                          </p:cTn>
+                        </p:par>
+                      </p:childTnLst>
+                    </p:cTn>
+                  </p:par>
+                  <p:par>
+                    <p:cTn id="15" fill="hold">
+                      <p:stCondLst>
+                        <p:cond delay="indefinite"/>
+                      </p:stCondLst>
+                      <p:childTnLst>
+                        <p:par>
+                          <p:cTn id="16" fill="hold">
+                            <p:stCondLst>
+                              <p:cond delay="0"/>
+                            </p:stCondLst>
+                            <p:childTnLst>
+                              <p:par>
+                                <p:cTn id="17" presetID="1" presetClass="entr" presetSubtype="0" fill="hold" nodeType="clickEffect">
+                                  <p:stCondLst>
+                                    <p:cond delay="0"/>
+                                  </p:stCondLst>
+                                  <p:childTnLst>
+                                    <p:set>
+                                      <p:cBhvr>
+                                        <p:cTn id="18" dur="1" fill="hold">
+                                          <p:stCondLst>
+                                            <p:cond delay="0"/>
+                                          </p:stCondLst>
+                                        </p:cTn>
+                                        <p:tgtEl>
+                                          <p:spTgt spid="24">
+                                            <p:txEl>
+                                              <p:pRg st="3" end="3"/>
+                                            </p:txEl>
+                                          </p:spTgt>
+                                        </p:tgtEl>
+                                        <p:attrNameLst>
+                                          <p:attrName>style.visibility</p:attrName>
+                                        </p:attrNameLst>
+                                      </p:cBhvr>
+                                      <p:to>
+                                        <p:strVal val="visible"/>
+                                      </p:to>
+                                    </p:set>
+                                  </p:childTnLst>
+                                </p:cTn>
+                              </p:par>
+                            </p:childTnLst>
+                          </p:cTn>
+                        </p:par>
+                      </p:childTnLst>
+                    </p:cTn>
+                  </p:par>
+                  <p:par>
+                    <p:cTn id="19" fill="hold">
+                      <p:stCondLst>
+                        <p:cond delay="indefinite"/>
+                      </p:stCondLst>
+                      <p:childTnLst>
+                        <p:par>
+                          <p:cTn id="20" fill="hold">
+                            <p:stCondLst>
+                              <p:cond delay="0"/>
+                            </p:stCondLst>
+                            <p:childTnLst>
+                              <p:par>
+                                <p:cTn id="21" presetID="1" presetClass="entr" presetSubtype="0" fill="hold" nodeType="clickEffect">
+                                  <p:stCondLst>
+                                    <p:cond delay="0"/>
+                                  </p:stCondLst>
+                                  <p:childTnLst>
+                                    <p:set>
+                                      <p:cBhvr>
+                                        <p:cTn id="22" dur="1" fill="hold">
+                                          <p:stCondLst>
+                                            <p:cond delay="0"/>
+                                          </p:stCondLst>
+                                        </p:cTn>
+                                        <p:tgtEl>
+                                          <p:spTgt spid="24">
+                                            <p:txEl>
+                                              <p:pRg st="4" end="4"/>
+                                            </p:txEl>
+                                          </p:spTgt>
+                                        </p:tgtEl>
+                                        <p:attrNameLst>
+                                          <p:attrName>style.visibility</p:attrName>
+                                        </p:attrNameLst>
+                                      </p:cBhvr>
+                                      <p:to>
+                                        <p:strVal val="visible"/>
+                                      </p:to>
+                                    </p:set>
+                                  </p:childTnLst>
+                                </p:cTn>
+                              </p:par>
+                            </p:childTnLst>
+                          </p:cTn>
+                        </p:par>
+                      </p:childTnLst>
+                    </p:cTn>
+                  </p:par>
+                  <p:par>
+                    <p:cTn id="23" fill="hold">
+                      <p:stCondLst>
+                        <p:cond delay="indefinite"/>
+                      </p:stCondLst>
+                      <p:childTnLst>
+                        <p:par>
+                          <p:cTn id="24" fill="hold">
+                            <p:stCondLst>
+                              <p:cond delay="0"/>
+                            </p:stCondLst>
+                            <p:childTnLst>
+                              <p:par>
+                                <p:cTn id="25" presetID="1" presetClass="entr" presetSubtype="0" fill="hold" nodeType="clickEffect">
+                                  <p:stCondLst>
+                                    <p:cond delay="0"/>
+                                  </p:stCondLst>
+                                  <p:childTnLst>
+                                    <p:set>
+                                      <p:cBhvr>
+                                        <p:cTn id="26" dur="1" fill="hold">
+                                          <p:stCondLst>
+                                            <p:cond delay="0"/>
+                                          </p:stCondLst>
+                                        </p:cTn>
+                                        <p:tgtEl>
+                                          <p:spTgt spid="24">
+                                            <p:txEl>
+                                              <p:pRg st="5" end="5"/>
+                                            </p:txEl>
+                                          </p:spTgt>
+                                        </p:tgtEl>
+                                        <p:attrNameLst>
+                                          <p:attrName>style.visibility</p:attrName>
+                                        </p:attrNameLst>
+                                      </p:cBhvr>
+                                      <p:to>
+                                        <p:strVal val="visible"/>
+                                      </p:to>
+                                    </p:set>
+                                  </p:childTnLst>
+                                </p:cTn>
+                              </p:par>
+                            </p:childTnLst>
+                          </p:cTn>
+                        </p:par>
+                      </p:childTnLst>
+                    </p:cTn>
+                  </p:par>
+                  <p:par>
+                    <p:cTn id="27" fill="hold">
+                      <p:stCondLst>
+                        <p:cond delay="indefinite"/>
+                      </p:stCondLst>
+                      <p:childTnLst>
+                        <p:par>
+                          <p:cTn id="28" fill="hold">
+                            <p:stCondLst>
+                              <p:cond delay="0"/>
+                            </p:stCondLst>
+                            <p:childTnLst>
+                              <p:par>
+                                <p:cTn id="29" presetID="1" presetClass="entr" presetSubtype="0" fill="hold" nodeType="clickEffect">
+                                  <p:stCondLst>
+                                    <p:cond delay="0"/>
+                                  </p:stCondLst>
+                                  <p:childTnLst>
+                                    <p:set>
+                                      <p:cBhvr>
+                                        <p:cTn id="30" dur="1" fill="hold">
+                                          <p:stCondLst>
+                                            <p:cond delay="0"/>
+                                          </p:stCondLst>
+                                        </p:cTn>
+                                        <p:tgtEl>
+                                          <p:spTgt spid="24">
+                                            <p:txEl>
+                                              <p:pRg st="6" end="6"/>
+                                            </p:txEl>
+                                          </p:spTgt>
+                                        </p:tgtEl>
+                                        <p:attrNameLst>
+                                          <p:attrName>style.visibility</p:attrName>
+                                        </p:attrNameLst>
+                                      </p:cBhvr>
+                                      <p:to>
+                                        <p:strVal val="visible"/>
+                                      </p:to>
+                                    </p:set>
+                                  </p:childTnLst>
+                                </p:cTn>
+                              </p:par>
+                            </p:childTnLst>
+                          </p:cTn>
+                        </p:par>
+                      </p:childTnLst>
+                    </p:cTn>
+                  </p:par>
+                  <p:par>
+                    <p:cTn id="31" fill="hold">
+                      <p:stCondLst>
+                        <p:cond delay="indefinite"/>
+                      </p:stCondLst>
+                      <p:childTnLst>
+                        <p:par>
+                          <p:cTn id="32" fill="hold">
+                            <p:stCondLst>
+                              <p:cond delay="0"/>
+                            </p:stCondLst>
+                            <p:childTnLst>
+                              <p:par>
+                                <p:cTn id="33" presetID="1" presetClass="entr" presetSubtype="0" fill="hold" nodeType="clickEffect">
+                                  <p:stCondLst>
+                                    <p:cond delay="0"/>
+                                  </p:stCondLst>
+                                  <p:childTnLst>
+                                    <p:set>
+                                      <p:cBhvr>
+                                        <p:cTn id="34" dur="1" fill="hold">
+                                          <p:stCondLst>
+                                            <p:cond delay="0"/>
+                                          </p:stCondLst>
+                                        </p:cTn>
+                                        <p:tgtEl>
+                                          <p:spTgt spid="24">
+                                            <p:txEl>
+                                              <p:pRg st="7" end="7"/>
+                                            </p:txEl>
+                                          </p:spTgt>
+                                        </p:tgtEl>
+                                        <p:attrNameLst>
+                                          <p:attrName>style.visibility</p:attrName>
+                                        </p:attrNameLst>
+                                      </p:cBhvr>
+                                      <p:to>
+                                        <p:strVal val="visible"/>
+                                      </p:to>
+                                    </p:set>
+                                  </p:childTnLst>
+                                </p:cTn>
+                              </p:par>
+                            </p:childTnLst>
+                          </p:cTn>
+                        </p:par>
+                      </p:childTnLst>
+                    </p:cTn>
+                  </p:par>
+                  <p:par>
+                    <p:cTn id="35" fill="hold">
+                      <p:stCondLst>
+                        <p:cond delay="indefinite"/>
+                      </p:stCondLst>
+                      <p:childTnLst>
+                        <p:par>
+                          <p:cTn id="36" fill="hold">
+                            <p:stCondLst>
+                              <p:cond delay="0"/>
+                            </p:stCondLst>
+                            <p:childTnLst>
+                              <p:par>
+                                <p:cTn id="37" presetID="1" presetClass="entr" presetSubtype="0" fill="hold" nodeType="clickEffect">
+                                  <p:stCondLst>
+                                    <p:cond delay="0"/>
+                                  </p:stCondLst>
+                                  <p:childTnLst>
+                                    <p:set>
+                                      <p:cBhvr>
+                                        <p:cTn id="38" dur="1" fill="hold">
+                                          <p:stCondLst>
+                                            <p:cond delay="0"/>
+                                          </p:stCondLst>
+                                        </p:cTn>
+                                        <p:tgtEl>
+                                          <p:spTgt spid="24">
+                                            <p:txEl>
+                                              <p:pRg st="9" end="9"/>
+                                            </p:txEl>
+                                          </p:spTgt>
+                                        </p:tgtEl>
+                                        <p:attrNameLst>
+                                          <p:attrName>style.visibility</p:attrName>
+                                        </p:attrNameLst>
+                                      </p:cBhvr>
+                                      <p:to>
+                                        <p:strVal val="visible"/>
+                                      </p:to>
+                                    </p:set>
+                                  </p:childTnLst>
+                                </p:cTn>
+                              </p:par>
+                            </p:childTnLst>
+                          </p:cTn>
+                        </p:par>
+                      </p:childTnLst>
+                    </p:cTn>
+                  </p:par>
+                  <p:par>
+                    <p:cTn id="39" fill="hold">
+                      <p:stCondLst>
+                        <p:cond delay="indefinite"/>
+                      </p:stCondLst>
+                      <p:childTnLst>
+                        <p:par>
+                          <p:cTn id="40" fill="hold">
+                            <p:stCondLst>
+                              <p:cond delay="0"/>
+                            </p:stCondLst>
+                            <p:childTnLst>
+                              <p:par>
+                                <p:cTn id="41" presetID="1" presetClass="entr" presetSubtype="0" fill="hold" nodeType="clickEffect">
+                                  <p:stCondLst>
+                                    <p:cond delay="0"/>
+                                  </p:stCondLst>
+                                  <p:childTnLst>
+                                    <p:set>
+                                      <p:cBhvr>
+                                        <p:cTn id="42" dur="1" fill="hold">
+                                          <p:stCondLst>
+                                            <p:cond delay="0"/>
+                                          </p:stCondLst>
+                                        </p:cTn>
+                                        <p:tgtEl>
+                                          <p:spTgt spid="24">
+                                            <p:txEl>
+                                              <p:pRg st="10" end="10"/>
+                                            </p:txEl>
+                                          </p:spTgt>
+                                        </p:tgtEl>
+                                        <p:attrNameLst>
+                                          <p:attrName>style.visibility</p:attrName>
+                                        </p:attrNameLst>
+                                      </p:cBhvr>
+                                      <p:to>
+                                        <p:strVal val="visible"/>
+                                      </p:to>
+                                    </p:set>
+                                  </p:childTnLst>
+                                </p:cTn>
+                              </p:par>
+                            </p:childTnLst>
+                          </p:cTn>
+                        </p:par>
+                      </p:childTnLst>
+                    </p:cTn>
+                  </p:par>
+                  <p:par>
+                    <p:cTn id="43" fill="hold">
+                      <p:stCondLst>
+                        <p:cond delay="indefinite"/>
+                      </p:stCondLst>
+                      <p:childTnLst>
+                        <p:par>
+                          <p:cTn id="44" fill="hold">
+                            <p:stCondLst>
+                              <p:cond delay="0"/>
+                            </p:stCondLst>
+                            <p:childTnLst>
+                              <p:par>
+                                <p:cTn id="45" presetID="1" presetClass="entr" presetSubtype="0" fill="hold" nodeType="clickEffect">
+                                  <p:stCondLst>
+                                    <p:cond delay="0"/>
+                                  </p:stCondLst>
+                                  <p:childTnLst>
+                                    <p:set>
+                                      <p:cBhvr>
+                                        <p:cTn id="46" dur="1" fill="hold">
+                                          <p:stCondLst>
+                                            <p:cond delay="0"/>
+                                          </p:stCondLst>
+                                        </p:cTn>
+                                        <p:tgtEl>
+                                          <p:spTgt spid="24">
+                                            <p:txEl>
+                                              <p:pRg st="11" end="11"/>
                                             </p:txEl>
                                           </p:spTgt>
                                         </p:tgtEl>
@@ -10913,7 +9471,7 @@
 </p:sld>
 </file>
 
-<file path=ppt/slides/slide15.xml><?xml version="1.0" encoding="utf-8"?>
+<file path=ppt/slides/slide14.xml><?xml version="1.0" encoding="utf-8"?>
 <p:sld xmlns:a="http://schemas.openxmlformats.org/drawingml/2006/main" xmlns:r="http://schemas.openxmlformats.org/officeDocument/2006/relationships" xmlns:p="http://schemas.openxmlformats.org/presentationml/2006/main">
   <p:cSld>
     <p:spTree>
@@ -11119,7 +9677,7 @@
             <a:fld id="{B6F15528-21DE-4FAA-801E-634DDDAF4B2B}" type="slidenum">
               <a:rPr lang="en-US" smtClean="0"/>
               <a:pPr/>
-              <a:t>15</a:t>
+              <a:t>14</a:t>
             </a:fld>
             <a:endParaRPr lang="en-US" dirty="0"/>
           </a:p>
@@ -12173,7 +10731,7 @@
 </p:sld>
 </file>
 
-<file path=ppt/slides/slide16.xml><?xml version="1.0" encoding="utf-8"?>
+<file path=ppt/slides/slide15.xml><?xml version="1.0" encoding="utf-8"?>
 <p:sld xmlns:a="http://schemas.openxmlformats.org/drawingml/2006/main" xmlns:r="http://schemas.openxmlformats.org/officeDocument/2006/relationships" xmlns:p="http://schemas.openxmlformats.org/presentationml/2006/main">
   <p:cSld>
     <p:spTree>
@@ -12342,7 +10900,7 @@
             <a:fld id="{B6F15528-21DE-4FAA-801E-634DDDAF4B2B}" type="slidenum">
               <a:rPr lang="en-US" smtClean="0"/>
               <a:pPr/>
-              <a:t>16</a:t>
+              <a:t>15</a:t>
             </a:fld>
             <a:endParaRPr lang="en-US" dirty="0"/>
           </a:p>
@@ -16163,7 +14721,7 @@
           <a:graphicData uri="http://schemas.openxmlformats.org/presentationml/2006/ole">
             <mc:AlternateContent xmlns:mc="http://schemas.openxmlformats.org/markup-compatibility/2006">
               <mc:Choice xmlns:v="urn:schemas-microsoft-com:vml" Requires="v">
-                <p:oleObj spid="_x0000_s1074" name="Visio" r:id="rId7" imgW="2485904" imgH="1866757" progId="Visio.Drawing.15">
+                <p:oleObj spid="_x0000_s1089" name="Visio" r:id="rId7" imgW="2485904" imgH="1866757" progId="Visio.Drawing.15">
                   <p:embed/>
                 </p:oleObj>
               </mc:Choice>
@@ -16557,7 +15115,7 @@
         </p:nvCxnSpPr>
         <p:spPr>
           <a:xfrm flipV="1">
-            <a:off x="3505200" y="6365333"/>
+            <a:off x="3429000" y="6365333"/>
             <a:ext cx="0" cy="356142"/>
           </a:xfrm>
           <a:prstGeom prst="straightConnector1">
@@ -16846,42 +15404,6 @@
           <a:xfrm flipV="1">
             <a:off x="8454928" y="4238501"/>
             <a:ext cx="246563" cy="86795"/>
-          </a:xfrm>
-          <a:prstGeom prst="straightConnector1">
-            <a:avLst/>
-          </a:prstGeom>
-          <a:ln w="28575">
-            <a:solidFill>
-              <a:srgbClr val="0A35EC"/>
-            </a:solidFill>
-            <a:tailEnd type="triangle"/>
-          </a:ln>
-        </p:spPr>
-        <p:style>
-          <a:lnRef idx="1">
-            <a:schemeClr val="dk1"/>
-          </a:lnRef>
-          <a:fillRef idx="0">
-            <a:schemeClr val="dk1"/>
-          </a:fillRef>
-          <a:effectRef idx="0">
-            <a:schemeClr val="dk1"/>
-          </a:effectRef>
-          <a:fontRef idx="minor">
-            <a:schemeClr val="tx1"/>
-          </a:fontRef>
-        </p:style>
-      </p:cxnSp>
-      <p:cxnSp>
-        <p:nvCxnSpPr>
-          <p:cNvPr id="35" name="Straight Arrow Connector 34"/>
-          <p:cNvCxnSpPr/>
-          <p:nvPr/>
-        </p:nvCxnSpPr>
-        <p:spPr>
-          <a:xfrm flipV="1">
-            <a:off x="3352800" y="6360841"/>
-            <a:ext cx="0" cy="356142"/>
           </a:xfrm>
           <a:prstGeom prst="straightConnector1">
             <a:avLst/>
@@ -17565,51 +16087,6 @@
                       </p:childTnLst>
                     </p:cTn>
                   </p:par>
-                  <p:par>
-                    <p:cTn id="57" fill="hold">
-                      <p:stCondLst>
-                        <p:cond delay="indefinite"/>
-                      </p:stCondLst>
-                      <p:childTnLst>
-                        <p:par>
-                          <p:cTn id="58" fill="hold">
-                            <p:stCondLst>
-                              <p:cond delay="0"/>
-                            </p:stCondLst>
-                            <p:childTnLst>
-                              <p:par>
-                                <p:cTn id="59" presetID="1" presetClass="entr" presetSubtype="0" fill="hold" nodeType="clickEffect">
-                                  <p:stCondLst>
-                                    <p:cond delay="0"/>
-                                  </p:stCondLst>
-                                  <p:childTnLst>
-                                    <p:set>
-                                      <p:cBhvr>
-                                        <p:cTn id="60" dur="1" fill="hold">
-                                          <p:stCondLst>
-                                            <p:cond delay="0"/>
-                                          </p:stCondLst>
-                                        </p:cTn>
-                                        <p:tgtEl>
-                                          <p:spTgt spid="35"/>
-                                        </p:tgtEl>
-                                        <p:attrNameLst>
-                                          <p:attrName>style.visibility</p:attrName>
-                                        </p:attrNameLst>
-                                      </p:cBhvr>
-                                      <p:to>
-                                        <p:strVal val="visible"/>
-                                      </p:to>
-                                    </p:set>
-                                  </p:childTnLst>
-                                </p:cTn>
-                              </p:par>
-                            </p:childTnLst>
-                          </p:cTn>
-                        </p:par>
-                      </p:childTnLst>
-                    </p:cTn>
-                  </p:par>
                 </p:childTnLst>
               </p:cTn>
               <p:prevCondLst>
@@ -18151,8 +16628,8 @@
         </p:nvSpPr>
         <p:spPr>
           <a:xfrm>
-            <a:off x="1169908" y="989625"/>
-            <a:ext cx="1432919" cy="954107"/>
+            <a:off x="1318459" y="1041333"/>
+            <a:ext cx="1618275" cy="369332"/>
           </a:xfrm>
           <a:prstGeom prst="rect">
             <a:avLst/>
@@ -18169,103 +16646,26 @@
           <a:lstStyle/>
           <a:p>
             <a:r>
-              <a:rPr lang="tr-TR" sz="1400" dirty="0" err="1" smtClean="0">
+              <a:rPr lang="tr-TR" dirty="0" err="1" smtClean="0">
                 <a:latin typeface="Helvetica" panose="020B0604020202020204" pitchFamily="34" charset="0"/>
                 <a:cs typeface="Helvetica" panose="020B0604020202020204" pitchFamily="34" charset="0"/>
               </a:rPr>
               <a:t>P</a:t>
             </a:r>
             <a:r>
-              <a:rPr lang="tr-TR" sz="1400" baseline="-25000" dirty="0" err="1" smtClean="0">
+              <a:rPr lang="tr-TR" baseline="-25000" dirty="0" err="1" smtClean="0">
                 <a:latin typeface="Helvetica" panose="020B0604020202020204" pitchFamily="34" charset="0"/>
                 <a:cs typeface="Helvetica" panose="020B0604020202020204" pitchFamily="34" charset="0"/>
               </a:rPr>
               <a:t>out</a:t>
             </a:r>
             <a:r>
-              <a:rPr lang="tr-TR" sz="1400" dirty="0" smtClean="0">
+              <a:rPr lang="tr-TR" dirty="0" smtClean="0">
                 <a:latin typeface="Helvetica" panose="020B0604020202020204" pitchFamily="34" charset="0"/>
                 <a:cs typeface="Helvetica" panose="020B0604020202020204" pitchFamily="34" charset="0"/>
               </a:rPr>
-              <a:t> = 8 kW</a:t>
-            </a:r>
-          </a:p>
-          <a:p>
-            <a:r>
-              <a:rPr lang="tr-TR" sz="1400" dirty="0" smtClean="0">
-                <a:latin typeface="Helvetica" panose="020B0604020202020204" pitchFamily="34" charset="0"/>
-                <a:cs typeface="Helvetica" panose="020B0604020202020204" pitchFamily="34" charset="0"/>
-              </a:rPr>
-              <a:t>V</a:t>
-            </a:r>
-            <a:r>
-              <a:rPr lang="tr-TR" sz="1400" baseline="-25000" dirty="0" smtClean="0">
-                <a:latin typeface="Helvetica" panose="020B0604020202020204" pitchFamily="34" charset="0"/>
-                <a:cs typeface="Helvetica" panose="020B0604020202020204" pitchFamily="34" charset="0"/>
-              </a:rPr>
-              <a:t>dc</a:t>
-            </a:r>
-            <a:r>
-              <a:rPr lang="tr-TR" sz="1400" dirty="0" smtClean="0">
-                <a:latin typeface="Helvetica" panose="020B0604020202020204" pitchFamily="34" charset="0"/>
-                <a:cs typeface="Helvetica" panose="020B0604020202020204" pitchFamily="34" charset="0"/>
-              </a:rPr>
-              <a:t> = 540 V</a:t>
-            </a:r>
-          </a:p>
-          <a:p>
-            <a:r>
-              <a:rPr lang="tr-TR" sz="1400" dirty="0" smtClean="0">
-                <a:latin typeface="Helvetica" panose="020B0604020202020204" pitchFamily="34" charset="0"/>
-                <a:cs typeface="Helvetica" panose="020B0604020202020204" pitchFamily="34" charset="0"/>
-              </a:rPr>
-              <a:t>N</a:t>
-            </a:r>
-            <a:r>
-              <a:rPr lang="tr-TR" sz="1400" baseline="-25000" dirty="0" smtClean="0">
-                <a:latin typeface="Helvetica" panose="020B0604020202020204" pitchFamily="34" charset="0"/>
-                <a:cs typeface="Helvetica" panose="020B0604020202020204" pitchFamily="34" charset="0"/>
-              </a:rPr>
-              <a:t>r</a:t>
-            </a:r>
-            <a:r>
-              <a:rPr lang="tr-TR" sz="1400" dirty="0" smtClean="0">
-                <a:latin typeface="Helvetica" panose="020B0604020202020204" pitchFamily="34" charset="0"/>
-                <a:cs typeface="Helvetica" panose="020B0604020202020204" pitchFamily="34" charset="0"/>
-              </a:rPr>
-              <a:t> = 600 </a:t>
-            </a:r>
-            <a:r>
-              <a:rPr lang="tr-TR" sz="1400" dirty="0" err="1" smtClean="0">
-                <a:latin typeface="Helvetica" panose="020B0604020202020204" pitchFamily="34" charset="0"/>
-                <a:cs typeface="Helvetica" panose="020B0604020202020204" pitchFamily="34" charset="0"/>
-              </a:rPr>
-              <a:t>rpm</a:t>
-            </a:r>
-            <a:endParaRPr lang="tr-TR" sz="1400" dirty="0" smtClean="0">
-              <a:latin typeface="Helvetica" panose="020B0604020202020204" pitchFamily="34" charset="0"/>
-              <a:cs typeface="Helvetica" panose="020B0604020202020204" pitchFamily="34" charset="0"/>
-            </a:endParaRPr>
-          </a:p>
-          <a:p>
-            <a:r>
-              <a:rPr lang="tr-TR" sz="1400" dirty="0" smtClean="0">
-                <a:latin typeface="Helvetica" panose="020B0604020202020204" pitchFamily="34" charset="0"/>
-                <a:cs typeface="Helvetica" panose="020B0604020202020204" pitchFamily="34" charset="0"/>
-              </a:rPr>
-              <a:t>m = 3 </a:t>
-            </a:r>
-            <a:r>
-              <a:rPr lang="tr-TR" sz="1400" dirty="0" err="1" smtClean="0">
-                <a:latin typeface="Helvetica" panose="020B0604020202020204" pitchFamily="34" charset="0"/>
-                <a:cs typeface="Helvetica" panose="020B0604020202020204" pitchFamily="34" charset="0"/>
-              </a:rPr>
-              <a:t>phases</a:t>
-            </a:r>
-            <a:endParaRPr lang="en-US" sz="1400" dirty="0" smtClean="0">
-              <a:latin typeface="Helvetica" panose="020B0604020202020204" pitchFamily="34" charset="0"/>
-              <a:cs typeface="Helvetica" panose="020B0604020202020204" pitchFamily="34" charset="0"/>
-            </a:endParaRPr>
+              <a:t>= 8 kW</a:t>
+            </a:r>
           </a:p>
         </p:txBody>
       </p:sp>
@@ -18485,14 +16885,14 @@
       </p:sp>
       <p:sp>
         <p:nvSpPr>
-          <p:cNvPr id="23" name="TextBox 22"/>
+          <p:cNvPr id="24" name="TextBox 23"/>
           <p:cNvSpPr txBox="1"/>
           <p:nvPr/>
         </p:nvSpPr>
         <p:spPr>
           <a:xfrm>
-            <a:off x="6922463" y="1047259"/>
-            <a:ext cx="1963191" cy="738664"/>
+            <a:off x="1189918" y="1642539"/>
+            <a:ext cx="1913392" cy="369332"/>
           </a:xfrm>
           <a:prstGeom prst="rect">
             <a:avLst/>
@@ -18506,274 +16906,14 @@
           <a:bodyPr wrap="square" rtlCol="0">
             <a:spAutoFit/>
           </a:bodyPr>
-          <a:lstStyle>
-            <a:defPPr>
-              <a:defRPr lang="en-US"/>
-            </a:defPPr>
-            <a:lvl1pPr>
-              <a:defRPr sz="1400">
+          <a:lstStyle/>
+          <a:p>
+            <a:r>
+              <a:rPr lang="tr-TR" dirty="0" smtClean="0">
                 <a:latin typeface="Helvetica" panose="020B0604020202020204" pitchFamily="34" charset="0"/>
                 <a:cs typeface="Helvetica" panose="020B0604020202020204" pitchFamily="34" charset="0"/>
-              </a:defRPr>
-            </a:lvl1pPr>
-          </a:lstStyle>
-          <a:p>
-            <a:r>
-              <a:rPr lang="tr-TR" dirty="0" err="1" smtClean="0"/>
-              <a:t>Copper</a:t>
-            </a:r>
-            <a:r>
-              <a:rPr lang="tr-TR" dirty="0" smtClean="0"/>
-              <a:t>: AWG </a:t>
-            </a:r>
-            <a:r>
-              <a:rPr lang="tr-TR" dirty="0" err="1" smtClean="0"/>
-              <a:t>wire</a:t>
-            </a:r>
-            <a:endParaRPr lang="tr-TR" dirty="0" smtClean="0"/>
-          </a:p>
-          <a:p>
-            <a:r>
-              <a:rPr lang="tr-TR" dirty="0" err="1" smtClean="0"/>
-              <a:t>Magnet</a:t>
-            </a:r>
-            <a:r>
-              <a:rPr lang="tr-TR" dirty="0" smtClean="0"/>
-              <a:t>: NdFe45H</a:t>
-            </a:r>
-          </a:p>
-          <a:p>
-            <a:r>
-              <a:rPr lang="tr-TR" dirty="0" smtClean="0"/>
-              <a:t>Steel: M25035A</a:t>
-            </a:r>
-            <a:endParaRPr lang="en-US" dirty="0"/>
-          </a:p>
-        </p:txBody>
-      </p:sp>
-      <p:sp>
-        <p:nvSpPr>
-          <p:cNvPr id="24" name="TextBox 23"/>
-          <p:cNvSpPr txBox="1"/>
-          <p:nvPr/>
-        </p:nvSpPr>
-        <p:spPr>
-          <a:xfrm>
-            <a:off x="1189940" y="2073389"/>
-            <a:ext cx="1666748" cy="1569660"/>
-          </a:xfrm>
-          <a:prstGeom prst="rect">
-            <a:avLst/>
-          </a:prstGeom>
-          <a:noFill/>
-          <a:ln w="12700">
-            <a:noFill/>
-          </a:ln>
-        </p:spPr>
-        <p:txBody>
-          <a:bodyPr wrap="square" rtlCol="0">
-            <a:spAutoFit/>
-          </a:bodyPr>
-          <a:lstStyle/>
-          <a:p>
-            <a:r>
-              <a:rPr lang="tr-TR" sz="1600" dirty="0" err="1" smtClean="0">
-                <a:latin typeface="Helvetica" panose="020B0604020202020204" pitchFamily="34" charset="0"/>
-                <a:cs typeface="Helvetica" panose="020B0604020202020204" pitchFamily="34" charset="0"/>
-              </a:rPr>
-              <a:t>A</a:t>
-            </a:r>
-            <a:r>
-              <a:rPr lang="tr-TR" sz="1600" baseline="-25000" dirty="0" err="1" smtClean="0">
-                <a:latin typeface="Helvetica" panose="020B0604020202020204" pitchFamily="34" charset="0"/>
-                <a:cs typeface="Helvetica" panose="020B0604020202020204" pitchFamily="34" charset="0"/>
-              </a:rPr>
-              <a:t>rms</a:t>
-            </a:r>
-            <a:r>
-              <a:rPr lang="tr-TR" sz="1600" dirty="0" smtClean="0">
-                <a:latin typeface="Helvetica" panose="020B0604020202020204" pitchFamily="34" charset="0"/>
-                <a:cs typeface="Helvetica" panose="020B0604020202020204" pitchFamily="34" charset="0"/>
-              </a:rPr>
-              <a:t> = 35 </a:t>
-            </a:r>
-            <a:r>
-              <a:rPr lang="tr-TR" sz="1600" dirty="0" err="1" smtClean="0">
-                <a:latin typeface="Helvetica" panose="020B0604020202020204" pitchFamily="34" charset="0"/>
-                <a:cs typeface="Helvetica" panose="020B0604020202020204" pitchFamily="34" charset="0"/>
-              </a:rPr>
-              <a:t>kA</a:t>
-            </a:r>
-            <a:r>
-              <a:rPr lang="tr-TR" sz="1600" dirty="0" smtClean="0">
-                <a:latin typeface="Helvetica" panose="020B0604020202020204" pitchFamily="34" charset="0"/>
-                <a:cs typeface="Helvetica" panose="020B0604020202020204" pitchFamily="34" charset="0"/>
-              </a:rPr>
-              <a:t>/m</a:t>
-            </a:r>
-          </a:p>
-          <a:p>
-            <a:r>
-              <a:rPr lang="tr-TR" sz="1600" dirty="0" smtClean="0">
-                <a:latin typeface="Helvetica" panose="020B0604020202020204" pitchFamily="34" charset="0"/>
-                <a:cs typeface="Helvetica" panose="020B0604020202020204" pitchFamily="34" charset="0"/>
-              </a:rPr>
-              <a:t>B</a:t>
-            </a:r>
-            <a:r>
-              <a:rPr lang="tr-TR" sz="1600" baseline="-25000" dirty="0" smtClean="0">
-                <a:latin typeface="Helvetica" panose="020B0604020202020204" pitchFamily="34" charset="0"/>
-                <a:cs typeface="Helvetica" panose="020B0604020202020204" pitchFamily="34" charset="0"/>
-              </a:rPr>
-              <a:t>avg </a:t>
-            </a:r>
-            <a:r>
-              <a:rPr lang="tr-TR" sz="1600" dirty="0" smtClean="0">
-                <a:latin typeface="Helvetica" panose="020B0604020202020204" pitchFamily="34" charset="0"/>
-                <a:cs typeface="Helvetica" panose="020B0604020202020204" pitchFamily="34" charset="0"/>
-              </a:rPr>
-              <a:t>= 0.6 T</a:t>
-            </a:r>
-          </a:p>
-          <a:p>
-            <a:r>
-              <a:rPr lang="tr-TR" sz="1600" dirty="0" smtClean="0">
-                <a:latin typeface="Helvetica" panose="020B0604020202020204" pitchFamily="34" charset="0"/>
-                <a:cs typeface="Helvetica" panose="020B0604020202020204" pitchFamily="34" charset="0"/>
-              </a:rPr>
-              <a:t>J</a:t>
-            </a:r>
-            <a:r>
-              <a:rPr lang="tr-TR" sz="1600" baseline="-25000" dirty="0" smtClean="0">
-                <a:latin typeface="Helvetica" panose="020B0604020202020204" pitchFamily="34" charset="0"/>
-                <a:cs typeface="Helvetica" panose="020B0604020202020204" pitchFamily="34" charset="0"/>
-              </a:rPr>
-              <a:t>rms</a:t>
-            </a:r>
-            <a:r>
-              <a:rPr lang="tr-TR" sz="1600" dirty="0" smtClean="0">
-                <a:latin typeface="Helvetica" panose="020B0604020202020204" pitchFamily="34" charset="0"/>
-                <a:cs typeface="Helvetica" panose="020B0604020202020204" pitchFamily="34" charset="0"/>
-              </a:rPr>
-              <a:t> =  4 A/mm</a:t>
-            </a:r>
-            <a:r>
-              <a:rPr lang="tr-TR" sz="1600" baseline="30000" dirty="0" smtClean="0">
-                <a:latin typeface="Helvetica" panose="020B0604020202020204" pitchFamily="34" charset="0"/>
-                <a:cs typeface="Helvetica" panose="020B0604020202020204" pitchFamily="34" charset="0"/>
-              </a:rPr>
-              <a:t>2</a:t>
-            </a:r>
-          </a:p>
-          <a:p>
-            <a:r>
-              <a:rPr lang="el-GR" sz="1600" dirty="0" smtClean="0">
-                <a:latin typeface="Helvetica" panose="020B0604020202020204" pitchFamily="34" charset="0"/>
-                <a:cs typeface="Helvetica" panose="020B0604020202020204" pitchFamily="34" charset="0"/>
-              </a:rPr>
-              <a:t>η</a:t>
-            </a:r>
-            <a:r>
-              <a:rPr lang="tr-TR" sz="1600" baseline="-25000" dirty="0" smtClean="0">
-                <a:latin typeface="Helvetica" panose="020B0604020202020204" pitchFamily="34" charset="0"/>
-                <a:cs typeface="Helvetica" panose="020B0604020202020204" pitchFamily="34" charset="0"/>
-              </a:rPr>
-              <a:t>m</a:t>
-            </a:r>
-            <a:r>
-              <a:rPr lang="tr-TR" sz="1600" dirty="0" smtClean="0">
-                <a:latin typeface="Helvetica" panose="020B0604020202020204" pitchFamily="34" charset="0"/>
-                <a:cs typeface="Helvetica" panose="020B0604020202020204" pitchFamily="34" charset="0"/>
-              </a:rPr>
-              <a:t> </a:t>
-            </a:r>
-            <a:r>
-              <a:rPr lang="tr-TR" sz="1600" dirty="0">
-                <a:latin typeface="Helvetica" panose="020B0604020202020204" pitchFamily="34" charset="0"/>
-                <a:cs typeface="Helvetica" panose="020B0604020202020204" pitchFamily="34" charset="0"/>
-              </a:rPr>
-              <a:t>= </a:t>
-            </a:r>
-            <a:r>
-              <a:rPr lang="tr-TR" sz="1600" dirty="0" smtClean="0">
-                <a:latin typeface="Helvetica" panose="020B0604020202020204" pitchFamily="34" charset="0"/>
-                <a:cs typeface="Helvetica" panose="020B0604020202020204" pitchFamily="34" charset="0"/>
-              </a:rPr>
-              <a:t>96 %</a:t>
-            </a:r>
-          </a:p>
-          <a:p>
-            <a:r>
-              <a:rPr lang="el-GR" sz="1600" dirty="0" smtClean="0">
-                <a:latin typeface="Helvetica" panose="020B0604020202020204" pitchFamily="34" charset="0"/>
-                <a:cs typeface="Helvetica" panose="020B0604020202020204" pitchFamily="34" charset="0"/>
-              </a:rPr>
-              <a:t>η</a:t>
-            </a:r>
-            <a:r>
-              <a:rPr lang="tr-TR" sz="1600" baseline="-25000" dirty="0" smtClean="0">
-                <a:latin typeface="Helvetica" panose="020B0604020202020204" pitchFamily="34" charset="0"/>
-                <a:cs typeface="Helvetica" panose="020B0604020202020204" pitchFamily="34" charset="0"/>
-              </a:rPr>
-              <a:t>d</a:t>
-            </a:r>
-            <a:r>
-              <a:rPr lang="tr-TR" sz="1600" dirty="0" smtClean="0">
-                <a:latin typeface="Helvetica" panose="020B0604020202020204" pitchFamily="34" charset="0"/>
-                <a:cs typeface="Helvetica" panose="020B0604020202020204" pitchFamily="34" charset="0"/>
-              </a:rPr>
-              <a:t> </a:t>
-            </a:r>
-            <a:r>
-              <a:rPr lang="tr-TR" sz="1600" dirty="0">
-                <a:latin typeface="Helvetica" panose="020B0604020202020204" pitchFamily="34" charset="0"/>
-                <a:cs typeface="Helvetica" panose="020B0604020202020204" pitchFamily="34" charset="0"/>
-              </a:rPr>
-              <a:t>= </a:t>
-            </a:r>
-            <a:r>
-              <a:rPr lang="tr-TR" sz="1600" dirty="0" smtClean="0">
-                <a:latin typeface="Helvetica" panose="020B0604020202020204" pitchFamily="34" charset="0"/>
-                <a:cs typeface="Helvetica" panose="020B0604020202020204" pitchFamily="34" charset="0"/>
-              </a:rPr>
-              <a:t>98 </a:t>
-            </a:r>
-            <a:r>
-              <a:rPr lang="tr-TR" sz="1600" dirty="0">
-                <a:latin typeface="Helvetica" panose="020B0604020202020204" pitchFamily="34" charset="0"/>
-                <a:cs typeface="Helvetica" panose="020B0604020202020204" pitchFamily="34" charset="0"/>
-              </a:rPr>
-              <a:t>%</a:t>
-            </a:r>
-          </a:p>
-          <a:p>
-            <a:r>
-              <a:rPr lang="tr-TR" sz="1600" dirty="0" smtClean="0">
-                <a:latin typeface="Helvetica" panose="020B0604020202020204" pitchFamily="34" charset="0"/>
-                <a:cs typeface="Helvetica" panose="020B0604020202020204" pitchFamily="34" charset="0"/>
-              </a:rPr>
-              <a:t>V</a:t>
-            </a:r>
-            <a:r>
-              <a:rPr lang="tr-TR" sz="1600" baseline="-25000" dirty="0" smtClean="0">
-                <a:latin typeface="Helvetica" panose="020B0604020202020204" pitchFamily="34" charset="0"/>
-                <a:cs typeface="Helvetica" panose="020B0604020202020204" pitchFamily="34" charset="0"/>
-              </a:rPr>
-              <a:t>dc-r </a:t>
-            </a:r>
-            <a:r>
-              <a:rPr lang="tr-TR" sz="1600" dirty="0">
-                <a:latin typeface="Helvetica" panose="020B0604020202020204" pitchFamily="34" charset="0"/>
-                <a:cs typeface="Helvetica" panose="020B0604020202020204" pitchFamily="34" charset="0"/>
-              </a:rPr>
-              <a:t>= </a:t>
-            </a:r>
-            <a:r>
-              <a:rPr lang="tr-TR" sz="1600" dirty="0" smtClean="0">
-                <a:latin typeface="Helvetica" panose="020B0604020202020204" pitchFamily="34" charset="0"/>
-                <a:cs typeface="Helvetica" panose="020B0604020202020204" pitchFamily="34" charset="0"/>
-              </a:rPr>
-              <a:t>1 %</a:t>
+              </a:rPr>
+              <a:t>           </a:t>
             </a:r>
           </a:p>
         </p:txBody>
@@ -18786,8 +16926,8 @@
         </p:nvCxnSpPr>
         <p:spPr>
           <a:xfrm flipH="1">
-            <a:off x="2438400" y="1204544"/>
-            <a:ext cx="1744083" cy="167056"/>
+            <a:off x="2800290" y="1204544"/>
+            <a:ext cx="1382194" cy="22682"/>
           </a:xfrm>
           <a:prstGeom prst="straightConnector1">
             <a:avLst/>
@@ -18822,8 +16962,8 @@
         </p:nvCxnSpPr>
         <p:spPr>
           <a:xfrm flipH="1">
-            <a:off x="2677080" y="1454650"/>
-            <a:ext cx="1505403" cy="955686"/>
+            <a:off x="3076057" y="1454650"/>
+            <a:ext cx="1106427" cy="575119"/>
           </a:xfrm>
           <a:prstGeom prst="straightConnector1">
             <a:avLst/>
@@ -18858,8 +16998,8 @@
         </p:nvSpPr>
         <p:spPr>
           <a:xfrm>
-            <a:off x="6886678" y="1824043"/>
-            <a:ext cx="2182235" cy="307777"/>
+            <a:off x="6874676" y="1536645"/>
+            <a:ext cx="1636730" cy="369332"/>
           </a:xfrm>
           <a:prstGeom prst="rect">
             <a:avLst/>
@@ -18886,127 +17026,33 @@
           </a:lstStyle>
           <a:p>
             <a:r>
-              <a:rPr lang="tr-TR" dirty="0" smtClean="0"/>
-              <a:t>Tamb </a:t>
-            </a:r>
-            <a:r>
-              <a:rPr lang="tr-TR" dirty="0"/>
+              <a:rPr lang="tr-TR" sz="1800" dirty="0" smtClean="0"/>
+              <a:t>T</a:t>
+            </a:r>
+            <a:r>
+              <a:rPr lang="tr-TR" sz="1800" baseline="-25000" dirty="0" smtClean="0"/>
+              <a:t>amb</a:t>
+            </a:r>
+            <a:r>
+              <a:rPr lang="tr-TR" sz="1800" dirty="0" smtClean="0"/>
+              <a:t> </a:t>
+            </a:r>
+            <a:r>
+              <a:rPr lang="tr-TR" sz="1800" dirty="0"/>
               <a:t>= 50 </a:t>
             </a:r>
             <a:r>
-              <a:rPr lang="tr-TR" baseline="30000" dirty="0" smtClean="0"/>
+              <a:rPr lang="tr-TR" sz="1800" baseline="30000" dirty="0" smtClean="0"/>
               <a:t>0</a:t>
             </a:r>
             <a:r>
-              <a:rPr lang="tr-TR" dirty="0" smtClean="0"/>
+              <a:rPr lang="tr-TR" sz="1800" dirty="0" smtClean="0"/>
               <a:t>C</a:t>
             </a:r>
-            <a:endParaRPr lang="en-US" dirty="0"/>
+            <a:endParaRPr lang="en-US" sz="1800" dirty="0"/>
           </a:p>
         </p:txBody>
       </p:sp>
-      <p:sp>
-        <p:nvSpPr>
-          <p:cNvPr id="35" name="TextBox 34"/>
-          <p:cNvSpPr txBox="1"/>
-          <p:nvPr/>
-        </p:nvSpPr>
-        <p:spPr>
-          <a:xfrm>
-            <a:off x="6862226" y="2259352"/>
-            <a:ext cx="2281774" cy="738664"/>
-          </a:xfrm>
-          <a:prstGeom prst="rect">
-            <a:avLst/>
-          </a:prstGeom>
-          <a:noFill/>
-          <a:ln w="12700">
-            <a:noFill/>
-          </a:ln>
-        </p:spPr>
-        <p:txBody>
-          <a:bodyPr wrap="square" rtlCol="0">
-            <a:spAutoFit/>
-          </a:bodyPr>
-          <a:lstStyle>
-            <a:defPPr>
-              <a:defRPr lang="en-US"/>
-            </a:defPPr>
-            <a:lvl1pPr>
-              <a:defRPr sz="1400">
-                <a:latin typeface="Helvetica" panose="020B0604020202020204" pitchFamily="34" charset="0"/>
-                <a:cs typeface="Helvetica" panose="020B0604020202020204" pitchFamily="34" charset="0"/>
-              </a:defRPr>
-            </a:lvl1pPr>
-          </a:lstStyle>
-          <a:p>
-            <a:r>
-              <a:rPr lang="en-US" dirty="0" smtClean="0"/>
-              <a:t>Metallized </a:t>
-            </a:r>
-            <a:r>
-              <a:rPr lang="en-US" dirty="0"/>
-              <a:t>Polypropylene Film Capacitors (MKP</a:t>
-            </a:r>
-            <a:r>
-              <a:rPr lang="en-US" dirty="0" smtClean="0"/>
-              <a:t>)</a:t>
-            </a:r>
-            <a:endParaRPr lang="tr-TR" dirty="0" smtClean="0"/>
-          </a:p>
-          <a:p>
-            <a:r>
-              <a:rPr lang="tr-TR" dirty="0" smtClean="0"/>
-              <a:t>E-</a:t>
-            </a:r>
-            <a:r>
-              <a:rPr lang="tr-TR" dirty="0" err="1" smtClean="0"/>
-              <a:t>mode</a:t>
-            </a:r>
-            <a:r>
-              <a:rPr lang="tr-TR" dirty="0" smtClean="0"/>
-              <a:t> GaN FETs</a:t>
-            </a:r>
-            <a:endParaRPr lang="en-US" dirty="0"/>
-          </a:p>
-        </p:txBody>
-      </p:sp>
-      <p:cxnSp>
-        <p:nvCxnSpPr>
-          <p:cNvPr id="36" name="Straight Arrow Connector 35"/>
-          <p:cNvCxnSpPr/>
-          <p:nvPr/>
-        </p:nvCxnSpPr>
-        <p:spPr>
-          <a:xfrm flipV="1">
-            <a:off x="5943600" y="1394582"/>
-            <a:ext cx="914400" cy="281818"/>
-          </a:xfrm>
-          <a:prstGeom prst="straightConnector1">
-            <a:avLst/>
-          </a:prstGeom>
-          <a:ln w="38100">
-            <a:solidFill>
-              <a:srgbClr val="002060"/>
-            </a:solidFill>
-            <a:tailEnd type="triangle"/>
-          </a:ln>
-        </p:spPr>
-        <p:style>
-          <a:lnRef idx="1">
-            <a:schemeClr val="accent1"/>
-          </a:lnRef>
-          <a:fillRef idx="0">
-            <a:schemeClr val="accent1"/>
-          </a:fillRef>
-          <a:effectRef idx="0">
-            <a:schemeClr val="accent1"/>
-          </a:effectRef>
-          <a:fontRef idx="minor">
-            <a:schemeClr val="tx1"/>
-          </a:fontRef>
-        </p:style>
-      </p:cxnSp>
       <p:cxnSp>
         <p:nvCxnSpPr>
           <p:cNvPr id="39" name="Straight Arrow Connector 38"/>
@@ -19014,9 +17060,9 @@
           <p:nvPr/>
         </p:nvCxnSpPr>
         <p:spPr>
-          <a:xfrm>
-            <a:off x="5945595" y="1939185"/>
-            <a:ext cx="946632" cy="45439"/>
+          <a:xfrm flipV="1">
+            <a:off x="5945595" y="1710300"/>
+            <a:ext cx="952076" cy="228885"/>
           </a:xfrm>
           <a:prstGeom prst="straightConnector1">
             <a:avLst/>
@@ -19046,15 +17092,13 @@
       <p:cxnSp>
         <p:nvCxnSpPr>
           <p:cNvPr id="41" name="Straight Arrow Connector 40"/>
-          <p:cNvCxnSpPr>
-            <a:endCxn id="35" idx="1"/>
-          </p:cNvCxnSpPr>
+          <p:cNvCxnSpPr/>
           <p:nvPr/>
         </p:nvCxnSpPr>
         <p:spPr>
           <a:xfrm>
             <a:off x="5876196" y="2198692"/>
-            <a:ext cx="986030" cy="429992"/>
+            <a:ext cx="1021475" cy="47960"/>
           </a:xfrm>
           <a:prstGeom prst="straightConnector1">
             <a:avLst/>
@@ -20157,10 +18201,165 @@
           </a:p>
         </p:txBody>
       </p:sp>
+      <p:pic>
+        <p:nvPicPr>
+          <p:cNvPr id="18" name="Picture 17"/>
+          <p:cNvPicPr>
+            <a:picLocks noChangeAspect="1"/>
+          </p:cNvPicPr>
+          <p:nvPr/>
+        </p:nvPicPr>
+        <p:blipFill>
+          <a:blip r:embed="rId5"/>
+          <a:stretch>
+            <a:fillRect/>
+          </a:stretch>
+        </p:blipFill>
+        <p:spPr>
+          <a:xfrm>
+            <a:off x="6956354" y="1892145"/>
+            <a:ext cx="715164" cy="903533"/>
+          </a:xfrm>
+          <a:prstGeom prst="rect">
+            <a:avLst/>
+          </a:prstGeom>
+        </p:spPr>
+      </p:pic>
+      <p:pic>
+        <p:nvPicPr>
+          <p:cNvPr id="22" name="Picture 21"/>
+          <p:cNvPicPr>
+            <a:picLocks noChangeAspect="1"/>
+          </p:cNvPicPr>
+          <p:nvPr/>
+        </p:nvPicPr>
+        <p:blipFill>
+          <a:blip r:embed="rId6"/>
+          <a:stretch>
+            <a:fillRect/>
+          </a:stretch>
+        </p:blipFill>
+        <p:spPr>
+          <a:xfrm>
+            <a:off x="7746557" y="2029769"/>
+            <a:ext cx="1144530" cy="686718"/>
+          </a:xfrm>
+          <a:prstGeom prst="rect">
+            <a:avLst/>
+          </a:prstGeom>
+        </p:spPr>
+      </p:pic>
+      <p:sp>
+        <p:nvSpPr>
+          <p:cNvPr id="58" name="TextBox 57"/>
+          <p:cNvSpPr txBox="1"/>
+          <p:nvPr/>
+        </p:nvSpPr>
+        <p:spPr>
+          <a:xfrm>
+            <a:off x="1085469" y="1785776"/>
+            <a:ext cx="2146110" cy="923330"/>
+          </a:xfrm>
+          <a:prstGeom prst="rect">
+            <a:avLst/>
+          </a:prstGeom>
+          <a:noFill/>
+          <a:ln w="12700">
+            <a:noFill/>
+          </a:ln>
+        </p:spPr>
+        <p:txBody>
+          <a:bodyPr wrap="square" rtlCol="0">
+            <a:spAutoFit/>
+          </a:bodyPr>
+          <a:lstStyle/>
+          <a:p>
+            <a:r>
+              <a:rPr lang="tr-TR" dirty="0" err="1" smtClean="0">
+                <a:latin typeface="Helvetica" panose="020B0604020202020204" pitchFamily="34" charset="0"/>
+                <a:cs typeface="Helvetica" panose="020B0604020202020204" pitchFamily="34" charset="0"/>
+              </a:rPr>
+              <a:t>Electric</a:t>
+            </a:r>
+            <a:r>
+              <a:rPr lang="tr-TR" dirty="0" smtClean="0">
+                <a:latin typeface="Helvetica" panose="020B0604020202020204" pitchFamily="34" charset="0"/>
+                <a:cs typeface="Helvetica" panose="020B0604020202020204" pitchFamily="34" charset="0"/>
+              </a:rPr>
+              <a:t> </a:t>
+            </a:r>
+            <a:r>
+              <a:rPr lang="tr-TR" dirty="0" err="1" smtClean="0">
+                <a:latin typeface="Helvetica" panose="020B0604020202020204" pitchFamily="34" charset="0"/>
+                <a:cs typeface="Helvetica" panose="020B0604020202020204" pitchFamily="34" charset="0"/>
+              </a:rPr>
+              <a:t>loading</a:t>
+            </a:r>
+            <a:endParaRPr lang="tr-TR" dirty="0" smtClean="0">
+              <a:latin typeface="Helvetica" panose="020B0604020202020204" pitchFamily="34" charset="0"/>
+              <a:cs typeface="Helvetica" panose="020B0604020202020204" pitchFamily="34" charset="0"/>
+            </a:endParaRPr>
+          </a:p>
+          <a:p>
+            <a:r>
+              <a:rPr lang="tr-TR" dirty="0" err="1" smtClean="0">
+                <a:latin typeface="Helvetica" panose="020B0604020202020204" pitchFamily="34" charset="0"/>
+                <a:cs typeface="Helvetica" panose="020B0604020202020204" pitchFamily="34" charset="0"/>
+              </a:rPr>
+              <a:t>Magnetic</a:t>
+            </a:r>
+            <a:r>
+              <a:rPr lang="tr-TR" dirty="0" smtClean="0">
+                <a:latin typeface="Helvetica" panose="020B0604020202020204" pitchFamily="34" charset="0"/>
+                <a:cs typeface="Helvetica" panose="020B0604020202020204" pitchFamily="34" charset="0"/>
+              </a:rPr>
+              <a:t> </a:t>
+            </a:r>
+            <a:r>
+              <a:rPr lang="tr-TR" dirty="0" err="1" smtClean="0">
+                <a:latin typeface="Helvetica" panose="020B0604020202020204" pitchFamily="34" charset="0"/>
+                <a:cs typeface="Helvetica" panose="020B0604020202020204" pitchFamily="34" charset="0"/>
+              </a:rPr>
+              <a:t>loading</a:t>
+            </a:r>
+            <a:endParaRPr lang="tr-TR" dirty="0" smtClean="0">
+              <a:latin typeface="Helvetica" panose="020B0604020202020204" pitchFamily="34" charset="0"/>
+              <a:cs typeface="Helvetica" panose="020B0604020202020204" pitchFamily="34" charset="0"/>
+            </a:endParaRPr>
+          </a:p>
+          <a:p>
+            <a:r>
+              <a:rPr lang="tr-TR" dirty="0" err="1" smtClean="0">
+                <a:latin typeface="Helvetica" panose="020B0604020202020204" pitchFamily="34" charset="0"/>
+                <a:cs typeface="Helvetica" panose="020B0604020202020204" pitchFamily="34" charset="0"/>
+              </a:rPr>
+              <a:t>Voltage</a:t>
+            </a:r>
+            <a:r>
+              <a:rPr lang="tr-TR" dirty="0" smtClean="0">
+                <a:latin typeface="Helvetica" panose="020B0604020202020204" pitchFamily="34" charset="0"/>
+                <a:cs typeface="Helvetica" panose="020B0604020202020204" pitchFamily="34" charset="0"/>
+              </a:rPr>
+              <a:t> </a:t>
+            </a:r>
+            <a:r>
+              <a:rPr lang="tr-TR" dirty="0" err="1" smtClean="0">
+                <a:latin typeface="Helvetica" panose="020B0604020202020204" pitchFamily="34" charset="0"/>
+                <a:cs typeface="Helvetica" panose="020B0604020202020204" pitchFamily="34" charset="0"/>
+              </a:rPr>
+              <a:t>ripple</a:t>
+            </a:r>
+            <a:endParaRPr lang="tr-TR" dirty="0" smtClean="0">
+              <a:latin typeface="Helvetica" panose="020B0604020202020204" pitchFamily="34" charset="0"/>
+              <a:cs typeface="Helvetica" panose="020B0604020202020204" pitchFamily="34" charset="0"/>
+            </a:endParaRPr>
+          </a:p>
+        </p:txBody>
+      </p:sp>
     </p:spTree>
     <p:extLst>
       <p:ext uri="{BB962C8B-B14F-4D97-AF65-F5344CB8AC3E}">
-        <p14:creationId xmlns:p14="http://schemas.microsoft.com/office/powerpoint/2010/main" val="3120908500"/>
+        <p14:creationId xmlns:p14="http://schemas.microsoft.com/office/powerpoint/2010/main" val="2306243366"/>
       </p:ext>
     </p:extLst>
   </p:cSld>
@@ -20362,6 +18561,33 @@
                                           </p:stCondLst>
                                         </p:cTn>
                                         <p:tgtEl>
+                                          <p:spTgt spid="58"/>
+                                        </p:tgtEl>
+                                        <p:attrNameLst>
+                                          <p:attrName>style.visibility</p:attrName>
+                                        </p:attrNameLst>
+                                      </p:cBhvr>
+                                      <p:to>
+                                        <p:strVal val="visible"/>
+                                      </p:to>
+                                    </p:set>
+                                  </p:childTnLst>
+                                </p:cTn>
+                              </p:par>
+                              <p:par>
+                                <p:cTn id="19" presetID="1" presetClass="entr" presetSubtype="0" fill="hold" grpId="0" nodeType="withEffect">
+                                  <p:stCondLst>
+                                    <p:cond delay="0"/>
+                                  </p:stCondLst>
+                                  <p:childTnLst>
+                                    <p:set>
+                                      <p:cBhvr>
+                                        <p:cTn id="20" dur="1" fill="hold">
+                                          <p:stCondLst>
+                                            <p:cond delay="0"/>
+                                          </p:stCondLst>
+                                        </p:cTn>
+                                        <p:tgtEl>
                                           <p:spTgt spid="24"/>
                                         </p:tgtEl>
                                         <p:attrNameLst>
@@ -20382,26 +18608,26 @@
                     </p:cTn>
                   </p:par>
                   <p:par>
-                    <p:cTn id="19" fill="hold">
+                    <p:cTn id="21" fill="hold">
                       <p:stCondLst>
                         <p:cond delay="indefinite"/>
                       </p:stCondLst>
                       <p:childTnLst>
                         <p:par>
-                          <p:cTn id="20" fill="hold">
+                          <p:cTn id="22" fill="hold">
                             <p:stCondLst>
                               <p:cond delay="0"/>
                             </p:stCondLst>
                             <p:childTnLst>
                               <p:par>
-                                <p:cTn id="21" presetID="1" presetClass="entr" presetSubtype="0" fill="hold" nodeType="clickEffect">
+                                <p:cTn id="23" presetID="1" presetClass="entr" presetSubtype="0" fill="hold" nodeType="clickEffect">
                                   <p:stCondLst>
                                     <p:cond delay="0"/>
                                   </p:stCondLst>
                                   <p:childTnLst>
                                     <p:set>
                                       <p:cBhvr>
-                                        <p:cTn id="22" dur="1" fill="hold">
+                                        <p:cTn id="24" dur="1" fill="hold">
                                           <p:stCondLst>
                                             <p:cond delay="0"/>
                                           </p:stCondLst>
@@ -20424,60 +18650,6 @@
                                   </p:childTnLst>
                                 </p:cTn>
                               </p:par>
-                              <p:par>
-                                <p:cTn id="23" presetID="1" presetClass="entr" presetSubtype="0" fill="hold" nodeType="withEffect">
-                                  <p:stCondLst>
-                                    <p:cond delay="0"/>
-                                  </p:stCondLst>
-                                  <p:childTnLst>
-                                    <p:set>
-                                      <p:cBhvr>
-                                        <p:cTn id="24" dur="1" fill="hold">
-                                          <p:stCondLst>
-                                            <p:cond delay="0"/>
-                                          </p:stCondLst>
-                                        </p:cTn>
-                                        <p:tgtEl>
-                                          <p:spTgt spid="36"/>
-                                        </p:tgtEl>
-                                        <p:attrNameLst>
-                                          <p:attrName>style.visibility</p:attrName>
-                                        </p:attrNameLst>
-                                      </p:cBhvr>
-                                      <p:to>
-                                        <p:strVal val="visible"/>
-                                      </p:to>
-                                    </p:set>
-                                  </p:childTnLst>
-                                </p:cTn>
-                              </p:par>
-                              <p:par>
-                                <p:cTn id="25" presetID="1" presetClass="entr" presetSubtype="0" fill="hold" grpId="0" nodeType="withEffect">
-                                  <p:stCondLst>
-                                    <p:cond delay="0"/>
-                                  </p:stCondLst>
-                                  <p:childTnLst>
-                                    <p:set>
-                                      <p:cBhvr>
-                                        <p:cTn id="26" dur="1" fill="hold">
-                                          <p:stCondLst>
-                                            <p:cond delay="0"/>
-                                          </p:stCondLst>
-                                        </p:cTn>
-                                        <p:tgtEl>
-                                          <p:spTgt spid="23"/>
-                                        </p:tgtEl>
-                                        <p:attrNameLst>
-                                          <p:attrName>style.visibility</p:attrName>
-                                        </p:attrNameLst>
-                                      </p:cBhvr>
-                                      <p:to>
-                                        <p:strVal val="visible"/>
-                                      </p:to>
-                                    </p:set>
-                                  </p:childTnLst>
-                                </p:cTn>
-                              </p:par>
                             </p:childTnLst>
                           </p:cTn>
                         </p:par>
@@ -20485,26 +18657,26 @@
                     </p:cTn>
                   </p:par>
                   <p:par>
-                    <p:cTn id="27" fill="hold">
+                    <p:cTn id="25" fill="hold">
                       <p:stCondLst>
                         <p:cond delay="indefinite"/>
                       </p:stCondLst>
                       <p:childTnLst>
                         <p:par>
-                          <p:cTn id="28" fill="hold">
+                          <p:cTn id="26" fill="hold">
                             <p:stCondLst>
                               <p:cond delay="0"/>
                             </p:stCondLst>
                             <p:childTnLst>
                               <p:par>
-                                <p:cTn id="29" presetID="1" presetClass="entr" presetSubtype="0" fill="hold" nodeType="clickEffect">
+                                <p:cTn id="27" presetID="1" presetClass="entr" presetSubtype="0" fill="hold" nodeType="clickEffect">
                                   <p:stCondLst>
                                     <p:cond delay="0"/>
                                   </p:stCondLst>
                                   <p:childTnLst>
                                     <p:set>
                                       <p:cBhvr>
-                                        <p:cTn id="30" dur="1" fill="hold">
+                                        <p:cTn id="28" dur="1" fill="hold">
                                           <p:stCondLst>
                                             <p:cond delay="0"/>
                                           </p:stCondLst>
@@ -20528,14 +18700,14 @@
                                 </p:cTn>
                               </p:par>
                               <p:par>
-                                <p:cTn id="31" presetID="1" presetClass="entr" presetSubtype="0" fill="hold" nodeType="withEffect">
+                                <p:cTn id="29" presetID="1" presetClass="entr" presetSubtype="0" fill="hold" nodeType="withEffect">
                                   <p:stCondLst>
                                     <p:cond delay="0"/>
                                   </p:stCondLst>
                                   <p:childTnLst>
                                     <p:set>
                                       <p:cBhvr>
-                                        <p:cTn id="32" dur="1" fill="hold">
+                                        <p:cTn id="30" dur="1" fill="hold">
                                           <p:stCondLst>
                                             <p:cond delay="0"/>
                                           </p:stCondLst>
@@ -20555,14 +18727,14 @@
                                 </p:cTn>
                               </p:par>
                               <p:par>
-                                <p:cTn id="33" presetID="1" presetClass="entr" presetSubtype="0" fill="hold" grpId="0" nodeType="withEffect">
+                                <p:cTn id="31" presetID="1" presetClass="entr" presetSubtype="0" fill="hold" grpId="0" nodeType="withEffect">
                                   <p:stCondLst>
                                     <p:cond delay="0"/>
                                   </p:stCondLst>
                                   <p:childTnLst>
                                     <p:set>
                                       <p:cBhvr>
-                                        <p:cTn id="34" dur="1" fill="hold">
+                                        <p:cTn id="32" dur="1" fill="hold">
                                           <p:stCondLst>
                                             <p:cond delay="0"/>
                                           </p:stCondLst>
@@ -20588,19 +18760,50 @@
                     </p:cTn>
                   </p:par>
                   <p:par>
-                    <p:cTn id="35" fill="hold">
+                    <p:cTn id="33" fill="hold">
                       <p:stCondLst>
                         <p:cond delay="indefinite"/>
                       </p:stCondLst>
                       <p:childTnLst>
                         <p:par>
-                          <p:cTn id="36" fill="hold">
+                          <p:cTn id="34" fill="hold">
                             <p:stCondLst>
                               <p:cond delay="0"/>
                             </p:stCondLst>
                             <p:childTnLst>
                               <p:par>
-                                <p:cTn id="37" presetID="1" presetClass="entr" presetSubtype="0" fill="hold" nodeType="clickEffect">
+                                <p:cTn id="35" presetID="1" presetClass="entr" presetSubtype="0" fill="hold" nodeType="clickEffect">
+                                  <p:stCondLst>
+                                    <p:cond delay="0"/>
+                                  </p:stCondLst>
+                                  <p:childTnLst>
+                                    <p:set>
+                                      <p:cBhvr>
+                                        <p:cTn id="36" dur="1" fill="hold">
+                                          <p:stCondLst>
+                                            <p:cond delay="0"/>
+                                          </p:stCondLst>
+                                        </p:cTn>
+                                        <p:tgtEl>
+                                          <p:spTgt spid="4">
+                                            <p:txEl>
+                                              <p:pRg st="4" end="4"/>
+                                            </p:txEl>
+                                          </p:spTgt>
+                                        </p:tgtEl>
+                                        <p:attrNameLst>
+                                          <p:attrName>style.visibility</p:attrName>
+                                        </p:attrNameLst>
+                                      </p:cBhvr>
+                                      <p:to>
+                                        <p:strVal val="visible"/>
+                                      </p:to>
+                                    </p:set>
+                                  </p:childTnLst>
+                                </p:cTn>
+                              </p:par>
+                              <p:par>
+                                <p:cTn id="37" presetID="1" presetClass="entr" presetSubtype="0" fill="hold" nodeType="withEffect">
                                   <p:stCondLst>
                                     <p:cond delay="0"/>
                                   </p:stCondLst>
@@ -20613,11 +18816,7 @@
                                           </p:stCondLst>
                                         </p:cTn>
                                         <p:tgtEl>
-                                          <p:spTgt spid="4">
-                                            <p:txEl>
-                                              <p:pRg st="4" end="4"/>
-                                            </p:txEl>
-                                          </p:spTgt>
+                                          <p:spTgt spid="41"/>
                                         </p:tgtEl>
                                         <p:attrNameLst>
                                           <p:attrName>style.visibility</p:attrName>
@@ -20644,7 +18843,7 @@
                                           </p:stCondLst>
                                         </p:cTn>
                                         <p:tgtEl>
-                                          <p:spTgt spid="41"/>
+                                          <p:spTgt spid="18"/>
                                         </p:tgtEl>
                                         <p:attrNameLst>
                                           <p:attrName>style.visibility</p:attrName>
@@ -20658,7 +18857,7 @@
                                 </p:cTn>
                               </p:par>
                               <p:par>
-                                <p:cTn id="41" presetID="1" presetClass="entr" presetSubtype="0" fill="hold" grpId="0" nodeType="withEffect">
+                                <p:cTn id="41" presetID="1" presetClass="entr" presetSubtype="0" fill="hold" nodeType="withEffect">
                                   <p:stCondLst>
                                     <p:cond delay="0"/>
                                   </p:stCondLst>
@@ -20671,7 +18870,7 @@
                                           </p:stCondLst>
                                         </p:cTn>
                                         <p:tgtEl>
-                                          <p:spTgt spid="35"/>
+                                          <p:spTgt spid="22"/>
                                         </p:tgtEl>
                                         <p:attrNameLst>
                                           <p:attrName>style.visibility</p:attrName>
@@ -21824,10 +20023,8 @@
       <p:bldP spid="8" grpId="0" animBg="1"/>
       <p:bldP spid="20" grpId="0" animBg="1"/>
       <p:bldP spid="21" grpId="0" animBg="1"/>
-      <p:bldP spid="23" grpId="0"/>
       <p:bldP spid="24" grpId="0"/>
       <p:bldP spid="34" grpId="0"/>
-      <p:bldP spid="35" grpId="0"/>
       <p:bldP spid="43" grpId="0" animBg="1"/>
       <p:bldP spid="45" grpId="0" animBg="1"/>
       <p:bldP spid="46" grpId="0" animBg="1"/>
@@ -21844,6 +20041,7 @@
       <p:bldP spid="86" grpId="0"/>
       <p:bldP spid="87" grpId="0"/>
       <p:bldP spid="88" grpId="0"/>
+      <p:bldP spid="58" grpId="0"/>
     </p:bldLst>
   </p:timing>
 </p:sld>
@@ -22251,1092 +20449,6 @@
           </a:p>
         </p:txBody>
       </p:sp>
-      <mc:AlternateContent xmlns:mc="http://schemas.openxmlformats.org/markup-compatibility/2006">
-        <mc:Choice xmlns:a14="http://schemas.microsoft.com/office/drawing/2010/main" Requires="a14">
-          <p:sp>
-            <p:nvSpPr>
-              <p:cNvPr id="31" name="TextBox 30"/>
-              <p:cNvSpPr txBox="1"/>
-              <p:nvPr/>
-            </p:nvSpPr>
-            <p:spPr>
-              <a:xfrm>
-                <a:off x="1219824" y="994564"/>
-                <a:ext cx="3885576" cy="861774"/>
-              </a:xfrm>
-              <a:prstGeom prst="rect">
-                <a:avLst/>
-              </a:prstGeom>
-              <a:noFill/>
-            </p:spPr>
-            <p:txBody>
-              <a:bodyPr wrap="square" rtlCol="0">
-                <a:spAutoFit/>
-              </a:bodyPr>
-              <a:lstStyle/>
-              <a:p>
-                <a:pPr>
-                  <a:spcAft>
-                    <a:spcPts val="1200"/>
-                  </a:spcAft>
-                </a:pPr>
-                <a:r>
-                  <a:rPr lang="tr-TR" dirty="0" smtClean="0">
-                    <a:solidFill>
-                      <a:srgbClr val="002060"/>
-                    </a:solidFill>
-                    <a:latin typeface="Times New Roman" panose="02020603050405020304" pitchFamily="18" charset="0"/>
-                    <a:cs typeface="Times New Roman" panose="02020603050405020304" pitchFamily="18" charset="0"/>
-                  </a:rPr>
-                  <a:t>Main </a:t>
-                </a:r>
-                <a:r>
-                  <a:rPr lang="tr-TR" dirty="0" err="1" smtClean="0">
-                    <a:solidFill>
-                      <a:srgbClr val="002060"/>
-                    </a:solidFill>
-                    <a:latin typeface="Times New Roman" panose="02020603050405020304" pitchFamily="18" charset="0"/>
-                    <a:cs typeface="Times New Roman" panose="02020603050405020304" pitchFamily="18" charset="0"/>
-                  </a:rPr>
-                  <a:t>dimensions</a:t>
-                </a:r>
-                <a:r>
-                  <a:rPr lang="tr-TR" dirty="0" smtClean="0">
-                    <a:solidFill>
-                      <a:srgbClr val="002060"/>
-                    </a:solidFill>
-                    <a:latin typeface="Times New Roman" panose="02020603050405020304" pitchFamily="18" charset="0"/>
-                    <a:cs typeface="Times New Roman" panose="02020603050405020304" pitchFamily="18" charset="0"/>
-                  </a:rPr>
-                  <a:t>: </a:t>
-                </a:r>
-                <a14:m>
-                  <m:oMath xmlns:m="http://schemas.openxmlformats.org/officeDocument/2006/math">
-                    <m:r>
-                      <m:rPr>
-                        <m:sty m:val="p"/>
-                      </m:rPr>
-                      <a:rPr lang="el-GR" sz="2200" i="1">
-                        <a:latin typeface="Cambria Math" panose="02040503050406030204" pitchFamily="18" charset="0"/>
-                      </a:rPr>
-                      <m:t>σ</m:t>
-                    </m:r>
-                    <m:r>
-                      <a:rPr lang="en-US" sz="2200" i="1">
-                        <a:latin typeface="Cambria Math" panose="02040503050406030204" pitchFamily="18" charset="0"/>
-                      </a:rPr>
-                      <m:t>=</m:t>
-                    </m:r>
-                    <m:sSub>
-                      <m:sSubPr>
-                        <m:ctrlPr>
-                          <a:rPr lang="en-US" sz="2200" i="1">
-                            <a:latin typeface="Cambria Math" panose="02040503050406030204" pitchFamily="18" charset="0"/>
-                          </a:rPr>
-                        </m:ctrlPr>
-                      </m:sSubPr>
-                      <m:e>
-                        <m:r>
-                          <a:rPr lang="tr-TR" sz="2200" i="1">
-                            <a:latin typeface="Cambria Math" panose="02040503050406030204" pitchFamily="18" charset="0"/>
-                          </a:rPr>
-                          <m:t>𝐵</m:t>
-                        </m:r>
-                      </m:e>
-                      <m:sub>
-                        <m:r>
-                          <a:rPr lang="tr-TR" sz="2200" i="1">
-                            <a:latin typeface="Cambria Math" panose="02040503050406030204" pitchFamily="18" charset="0"/>
-                          </a:rPr>
-                          <m:t> </m:t>
-                        </m:r>
-                      </m:sub>
-                    </m:sSub>
-                    <m:sSub>
-                      <m:sSubPr>
-                        <m:ctrlPr>
-                          <a:rPr lang="en-US" sz="2200" i="1">
-                            <a:latin typeface="Cambria Math" panose="02040503050406030204" pitchFamily="18" charset="0"/>
-                          </a:rPr>
-                        </m:ctrlPr>
-                      </m:sSubPr>
-                      <m:e>
-                        <m:r>
-                          <a:rPr lang="tr-TR" sz="2200" i="1">
-                            <a:latin typeface="Cambria Math" panose="02040503050406030204" pitchFamily="18" charset="0"/>
-                          </a:rPr>
-                          <m:t>𝐴</m:t>
-                        </m:r>
-                      </m:e>
-                      <m:sub>
-                        <m:r>
-                          <a:rPr lang="tr-TR" sz="2200" i="1">
-                            <a:latin typeface="Cambria Math" panose="02040503050406030204" pitchFamily="18" charset="0"/>
-                          </a:rPr>
-                          <m:t>𝑟𝑚𝑠</m:t>
-                        </m:r>
-                      </m:sub>
-                    </m:sSub>
-                  </m:oMath>
-                </a14:m>
-                <a:endParaRPr lang="en-US" sz="2200" dirty="0"/>
-              </a:p>
-              <a:p>
-                <a:pPr>
-                  <a:spcAft>
-                    <a:spcPts val="1200"/>
-                  </a:spcAft>
-                </a:pPr>
-                <a:endParaRPr lang="en-US" dirty="0" smtClean="0">
-                  <a:solidFill>
-                    <a:srgbClr val="002060"/>
-                  </a:solidFill>
-                  <a:latin typeface="Times New Roman" panose="02020603050405020304" pitchFamily="18" charset="0"/>
-                  <a:cs typeface="Times New Roman" panose="02020603050405020304" pitchFamily="18" charset="0"/>
-                </a:endParaRPr>
-              </a:p>
-            </p:txBody>
-          </p:sp>
-        </mc:Choice>
-        <mc:Fallback>
-          <p:sp>
-            <p:nvSpPr>
-              <p:cNvPr id="31" name="TextBox 30"/>
-              <p:cNvSpPr txBox="1">
-                <a:spLocks noRot="1" noChangeAspect="1" noMove="1" noResize="1" noEditPoints="1" noAdjustHandles="1" noChangeArrowheads="1" noChangeShapeType="1" noTextEdit="1"/>
-              </p:cNvSpPr>
-              <p:nvPr/>
-            </p:nvSpPr>
-            <p:spPr>
-              <a:xfrm>
-                <a:off x="1219824" y="994564"/>
-                <a:ext cx="3885576" cy="861774"/>
-              </a:xfrm>
-              <a:prstGeom prst="rect">
-                <a:avLst/>
-              </a:prstGeom>
-              <a:blipFill>
-                <a:blip r:embed="rId5"/>
-                <a:stretch>
-                  <a:fillRect l="-1254"/>
-                </a:stretch>
-              </a:blipFill>
-            </p:spPr>
-            <p:txBody>
-              <a:bodyPr/>
-              <a:lstStyle/>
-              <a:p>
-                <a:r>
-                  <a:rPr lang="en-US">
-                    <a:noFill/>
-                  </a:rPr>
-                  <a:t> </a:t>
-                </a:r>
-              </a:p>
-            </p:txBody>
-          </p:sp>
-        </mc:Fallback>
-      </mc:AlternateContent>
-      <mc:AlternateContent xmlns:mc="http://schemas.openxmlformats.org/markup-compatibility/2006">
-        <mc:Choice xmlns:a14="http://schemas.microsoft.com/office/drawing/2010/main" Requires="a14">
-          <p:sp>
-            <p:nvSpPr>
-              <p:cNvPr id="29" name="TextBox 28"/>
-              <p:cNvSpPr txBox="1"/>
-              <p:nvPr/>
-            </p:nvSpPr>
-            <p:spPr>
-              <a:xfrm>
-                <a:off x="1224077" y="2697401"/>
-                <a:ext cx="3885576" cy="1723549"/>
-              </a:xfrm>
-              <a:prstGeom prst="rect">
-                <a:avLst/>
-              </a:prstGeom>
-              <a:noFill/>
-            </p:spPr>
-            <p:txBody>
-              <a:bodyPr wrap="square" rtlCol="0">
-                <a:spAutoFit/>
-              </a:bodyPr>
-              <a:lstStyle/>
-              <a:p>
-                <a:pPr>
-                  <a:spcAft>
-                    <a:spcPts val="1200"/>
-                  </a:spcAft>
-                </a:pPr>
-                <a:r>
-                  <a:rPr lang="tr-TR" dirty="0" smtClean="0">
-                    <a:solidFill>
-                      <a:srgbClr val="002060"/>
-                    </a:solidFill>
-                    <a:latin typeface="Times New Roman" panose="02020603050405020304" pitchFamily="18" charset="0"/>
-                    <a:cs typeface="Times New Roman" panose="02020603050405020304" pitchFamily="18" charset="0"/>
-                  </a:rPr>
-                  <a:t>Main </a:t>
-                </a:r>
-                <a:r>
-                  <a:rPr lang="tr-TR" dirty="0" err="1" smtClean="0">
-                    <a:solidFill>
-                      <a:srgbClr val="002060"/>
-                    </a:solidFill>
-                    <a:latin typeface="Times New Roman" panose="02020603050405020304" pitchFamily="18" charset="0"/>
-                    <a:cs typeface="Times New Roman" panose="02020603050405020304" pitchFamily="18" charset="0"/>
-                  </a:rPr>
-                  <a:t>dimensions</a:t>
-                </a:r>
-                <a:r>
-                  <a:rPr lang="tr-TR" dirty="0" smtClean="0">
-                    <a:solidFill>
-                      <a:srgbClr val="002060"/>
-                    </a:solidFill>
-                    <a:latin typeface="Times New Roman" panose="02020603050405020304" pitchFamily="18" charset="0"/>
-                    <a:cs typeface="Times New Roman" panose="02020603050405020304" pitchFamily="18" charset="0"/>
-                  </a:rPr>
-                  <a:t>: </a:t>
-                </a:r>
-                <a14:m>
-                  <m:oMath xmlns:m="http://schemas.openxmlformats.org/officeDocument/2006/math">
-                    <m:r>
-                      <m:rPr>
-                        <m:sty m:val="p"/>
-                      </m:rPr>
-                      <a:rPr lang="el-GR" sz="2200" i="1">
-                        <a:latin typeface="Cambria Math" panose="02040503050406030204" pitchFamily="18" charset="0"/>
-                      </a:rPr>
-                      <m:t>σ</m:t>
-                    </m:r>
-                    <m:r>
-                      <a:rPr lang="en-US" sz="2200" i="1">
-                        <a:latin typeface="Cambria Math" panose="02040503050406030204" pitchFamily="18" charset="0"/>
-                      </a:rPr>
-                      <m:t>=</m:t>
-                    </m:r>
-                    <m:sSub>
-                      <m:sSubPr>
-                        <m:ctrlPr>
-                          <a:rPr lang="en-US" sz="2200" i="1">
-                            <a:latin typeface="Cambria Math" panose="02040503050406030204" pitchFamily="18" charset="0"/>
-                          </a:rPr>
-                        </m:ctrlPr>
-                      </m:sSubPr>
-                      <m:e>
-                        <m:r>
-                          <a:rPr lang="tr-TR" sz="2200" i="1">
-                            <a:latin typeface="Cambria Math" panose="02040503050406030204" pitchFamily="18" charset="0"/>
-                          </a:rPr>
-                          <m:t>𝐵</m:t>
-                        </m:r>
-                      </m:e>
-                      <m:sub>
-                        <m:r>
-                          <a:rPr lang="tr-TR" sz="2200" i="1">
-                            <a:latin typeface="Cambria Math" panose="02040503050406030204" pitchFamily="18" charset="0"/>
-                          </a:rPr>
-                          <m:t> </m:t>
-                        </m:r>
-                      </m:sub>
-                    </m:sSub>
-                    <m:sSub>
-                      <m:sSubPr>
-                        <m:ctrlPr>
-                          <a:rPr lang="en-US" sz="2200" i="1">
-                            <a:latin typeface="Cambria Math" panose="02040503050406030204" pitchFamily="18" charset="0"/>
-                          </a:rPr>
-                        </m:ctrlPr>
-                      </m:sSubPr>
-                      <m:e>
-                        <m:r>
-                          <a:rPr lang="tr-TR" sz="2200" i="1">
-                            <a:latin typeface="Cambria Math" panose="02040503050406030204" pitchFamily="18" charset="0"/>
-                          </a:rPr>
-                          <m:t>𝐴</m:t>
-                        </m:r>
-                      </m:e>
-                      <m:sub>
-                        <m:r>
-                          <a:rPr lang="tr-TR" sz="2200" i="1">
-                            <a:latin typeface="Cambria Math" panose="02040503050406030204" pitchFamily="18" charset="0"/>
-                          </a:rPr>
-                          <m:t>𝑟𝑚𝑠</m:t>
-                        </m:r>
-                      </m:sub>
-                    </m:sSub>
-                  </m:oMath>
-                </a14:m>
-                <a:endParaRPr lang="en-US" sz="2200" dirty="0"/>
-              </a:p>
-              <a:p>
-                <a:pPr>
-                  <a:spcAft>
-                    <a:spcPts val="1200"/>
-                  </a:spcAft>
-                </a:pPr>
-                <a:r>
-                  <a:rPr lang="tr-TR" dirty="0" err="1" smtClean="0">
-                    <a:solidFill>
-                      <a:srgbClr val="002060"/>
-                    </a:solidFill>
-                    <a:latin typeface="Times New Roman" panose="02020603050405020304" pitchFamily="18" charset="0"/>
-                    <a:cs typeface="Times New Roman" panose="02020603050405020304" pitchFamily="18" charset="0"/>
-                  </a:rPr>
-                  <a:t>Electrical</a:t>
-                </a:r>
-                <a:r>
-                  <a:rPr lang="tr-TR" dirty="0" smtClean="0">
-                    <a:solidFill>
-                      <a:srgbClr val="002060"/>
-                    </a:solidFill>
-                    <a:latin typeface="Times New Roman" panose="02020603050405020304" pitchFamily="18" charset="0"/>
-                    <a:cs typeface="Times New Roman" panose="02020603050405020304" pitchFamily="18" charset="0"/>
-                  </a:rPr>
-                  <a:t> </a:t>
-                </a:r>
-                <a:r>
-                  <a:rPr lang="tr-TR" dirty="0" err="1" smtClean="0">
-                    <a:solidFill>
-                      <a:srgbClr val="002060"/>
-                    </a:solidFill>
-                    <a:latin typeface="Times New Roman" panose="02020603050405020304" pitchFamily="18" charset="0"/>
-                    <a:cs typeface="Times New Roman" panose="02020603050405020304" pitchFamily="18" charset="0"/>
-                  </a:rPr>
-                  <a:t>loss</a:t>
-                </a:r>
-                <a:r>
-                  <a:rPr lang="tr-TR" dirty="0" smtClean="0">
-                    <a:solidFill>
-                      <a:srgbClr val="002060"/>
-                    </a:solidFill>
-                    <a:latin typeface="Times New Roman" panose="02020603050405020304" pitchFamily="18" charset="0"/>
-                    <a:cs typeface="Times New Roman" panose="02020603050405020304" pitchFamily="18" charset="0"/>
-                  </a:rPr>
-                  <a:t> model</a:t>
-                </a:r>
-              </a:p>
-              <a:p>
-                <a:pPr>
-                  <a:spcAft>
-                    <a:spcPts val="1200"/>
-                  </a:spcAft>
-                </a:pPr>
-                <a:r>
-                  <a:rPr lang="tr-TR" dirty="0" smtClean="0">
-                    <a:solidFill>
-                      <a:srgbClr val="002060"/>
-                    </a:solidFill>
-                    <a:latin typeface="Times New Roman" panose="02020603050405020304" pitchFamily="18" charset="0"/>
-                    <a:cs typeface="Times New Roman" panose="02020603050405020304" pitchFamily="18" charset="0"/>
-                  </a:rPr>
-                  <a:t>DC link model</a:t>
-                </a:r>
-              </a:p>
-              <a:p>
-                <a:pPr>
-                  <a:spcAft>
-                    <a:spcPts val="1200"/>
-                  </a:spcAft>
-                </a:pPr>
-                <a:r>
-                  <a:rPr lang="tr-TR" dirty="0" err="1" smtClean="0">
-                    <a:solidFill>
-                      <a:srgbClr val="002060"/>
-                    </a:solidFill>
-                    <a:latin typeface="Times New Roman" panose="02020603050405020304" pitchFamily="18" charset="0"/>
-                    <a:cs typeface="Times New Roman" panose="02020603050405020304" pitchFamily="18" charset="0"/>
-                  </a:rPr>
-                  <a:t>Magnetic</a:t>
-                </a:r>
-                <a:r>
-                  <a:rPr lang="tr-TR" dirty="0" smtClean="0">
-                    <a:solidFill>
-                      <a:srgbClr val="002060"/>
-                    </a:solidFill>
-                    <a:latin typeface="Times New Roman" panose="02020603050405020304" pitchFamily="18" charset="0"/>
-                    <a:cs typeface="Times New Roman" panose="02020603050405020304" pitchFamily="18" charset="0"/>
-                  </a:rPr>
-                  <a:t> </a:t>
-                </a:r>
-                <a:r>
-                  <a:rPr lang="tr-TR" dirty="0" err="1" smtClean="0">
-                    <a:solidFill>
-                      <a:srgbClr val="002060"/>
-                    </a:solidFill>
-                    <a:latin typeface="Times New Roman" panose="02020603050405020304" pitchFamily="18" charset="0"/>
-                    <a:cs typeface="Times New Roman" panose="02020603050405020304" pitchFamily="18" charset="0"/>
-                  </a:rPr>
-                  <a:t>equivalent</a:t>
-                </a:r>
-                <a:r>
-                  <a:rPr lang="tr-TR" dirty="0" smtClean="0">
-                    <a:solidFill>
-                      <a:srgbClr val="002060"/>
-                    </a:solidFill>
-                    <a:latin typeface="Times New Roman" panose="02020603050405020304" pitchFamily="18" charset="0"/>
-                    <a:cs typeface="Times New Roman" panose="02020603050405020304" pitchFamily="18" charset="0"/>
-                  </a:rPr>
-                  <a:t> </a:t>
-                </a:r>
-                <a:r>
-                  <a:rPr lang="tr-TR" dirty="0" err="1" smtClean="0">
-                    <a:solidFill>
-                      <a:srgbClr val="002060"/>
-                    </a:solidFill>
-                    <a:latin typeface="Times New Roman" panose="02020603050405020304" pitchFamily="18" charset="0"/>
-                    <a:cs typeface="Times New Roman" panose="02020603050405020304" pitchFamily="18" charset="0"/>
-                  </a:rPr>
-                  <a:t>circuit</a:t>
-                </a:r>
-                <a:r>
-                  <a:rPr lang="tr-TR" dirty="0" smtClean="0">
-                    <a:solidFill>
-                      <a:srgbClr val="002060"/>
-                    </a:solidFill>
-                    <a:latin typeface="Times New Roman" panose="02020603050405020304" pitchFamily="18" charset="0"/>
-                    <a:cs typeface="Times New Roman" panose="02020603050405020304" pitchFamily="18" charset="0"/>
-                  </a:rPr>
-                  <a:t>  </a:t>
-                </a:r>
-                <a:endParaRPr lang="en-US" dirty="0" smtClean="0">
-                  <a:solidFill>
-                    <a:srgbClr val="002060"/>
-                  </a:solidFill>
-                  <a:latin typeface="Times New Roman" panose="02020603050405020304" pitchFamily="18" charset="0"/>
-                  <a:cs typeface="Times New Roman" panose="02020603050405020304" pitchFamily="18" charset="0"/>
-                </a:endParaRPr>
-              </a:p>
-            </p:txBody>
-          </p:sp>
-        </mc:Choice>
-        <mc:Fallback>
-          <p:sp>
-            <p:nvSpPr>
-              <p:cNvPr id="29" name="TextBox 28"/>
-              <p:cNvSpPr txBox="1">
-                <a:spLocks noRot="1" noChangeAspect="1" noMove="1" noResize="1" noEditPoints="1" noAdjustHandles="1" noChangeArrowheads="1" noChangeShapeType="1" noTextEdit="1"/>
-              </p:cNvSpPr>
-              <p:nvPr/>
-            </p:nvSpPr>
-            <p:spPr>
-              <a:xfrm>
-                <a:off x="1224077" y="2697401"/>
-                <a:ext cx="3885576" cy="1723549"/>
-              </a:xfrm>
-              <a:prstGeom prst="rect">
-                <a:avLst/>
-              </a:prstGeom>
-              <a:blipFill>
-                <a:blip r:embed="rId6"/>
-                <a:stretch>
-                  <a:fillRect l="-1413" b="-4594"/>
-                </a:stretch>
-              </a:blipFill>
-            </p:spPr>
-            <p:txBody>
-              <a:bodyPr/>
-              <a:lstStyle/>
-              <a:p>
-                <a:r>
-                  <a:rPr lang="en-US">
-                    <a:noFill/>
-                  </a:rPr>
-                  <a:t> </a:t>
-                </a:r>
-              </a:p>
-            </p:txBody>
-          </p:sp>
-        </mc:Fallback>
-      </mc:AlternateContent>
-      <p:pic>
-        <p:nvPicPr>
-          <p:cNvPr id="33" name="Picture 32"/>
-          <p:cNvPicPr>
-            <a:picLocks noChangeAspect="1"/>
-          </p:cNvPicPr>
-          <p:nvPr/>
-        </p:nvPicPr>
-        <p:blipFill>
-          <a:blip r:embed="rId7"/>
-          <a:stretch>
-            <a:fillRect/>
-          </a:stretch>
-        </p:blipFill>
-        <p:spPr>
-          <a:xfrm>
-            <a:off x="2438400" y="5029200"/>
-            <a:ext cx="2036058" cy="1241187"/>
-          </a:xfrm>
-          <a:prstGeom prst="rect">
-            <a:avLst/>
-          </a:prstGeom>
-        </p:spPr>
-      </p:pic>
-    </p:spTree>
-    <p:extLst>
-      <p:ext uri="{BB962C8B-B14F-4D97-AF65-F5344CB8AC3E}">
-        <p14:creationId xmlns:p14="http://schemas.microsoft.com/office/powerpoint/2010/main" val="3599139495"/>
-      </p:ext>
-    </p:extLst>
-  </p:cSld>
-  <p:clrMapOvr>
-    <a:masterClrMapping/>
-  </p:clrMapOvr>
-  <p:timing>
-    <p:tnLst>
-      <p:par>
-        <p:cTn id="1" dur="indefinite" restart="never" nodeType="tmRoot">
-          <p:childTnLst>
-            <p:seq concurrent="1" nextAc="seek">
-              <p:cTn id="2" dur="indefinite" nodeType="mainSeq">
-                <p:childTnLst>
-                  <p:par>
-                    <p:cTn id="3" fill="hold">
-                      <p:stCondLst>
-                        <p:cond delay="indefinite"/>
-                      </p:stCondLst>
-                      <p:childTnLst>
-                        <p:par>
-                          <p:cTn id="4" fill="hold">
-                            <p:stCondLst>
-                              <p:cond delay="0"/>
-                            </p:stCondLst>
-                            <p:childTnLst>
-                              <p:par>
-                                <p:cTn id="5" presetID="1" presetClass="entr" presetSubtype="0" fill="hold" grpId="0" nodeType="clickEffect">
-                                  <p:stCondLst>
-                                    <p:cond delay="0"/>
-                                  </p:stCondLst>
-                                  <p:childTnLst>
-                                    <p:set>
-                                      <p:cBhvr>
-                                        <p:cTn id="6" dur="1" fill="hold">
-                                          <p:stCondLst>
-                                            <p:cond delay="0"/>
-                                          </p:stCondLst>
-                                        </p:cTn>
-                                        <p:tgtEl>
-                                          <p:spTgt spid="31"/>
-                                        </p:tgtEl>
-                                        <p:attrNameLst>
-                                          <p:attrName>style.visibility</p:attrName>
-                                        </p:attrNameLst>
-                                      </p:cBhvr>
-                                      <p:to>
-                                        <p:strVal val="visible"/>
-                                      </p:to>
-                                    </p:set>
-                                  </p:childTnLst>
-                                </p:cTn>
-                              </p:par>
-                            </p:childTnLst>
-                          </p:cTn>
-                        </p:par>
-                      </p:childTnLst>
-                    </p:cTn>
-                  </p:par>
-                  <p:par>
-                    <p:cTn id="7" fill="hold">
-                      <p:stCondLst>
-                        <p:cond delay="indefinite"/>
-                      </p:stCondLst>
-                      <p:childTnLst>
-                        <p:par>
-                          <p:cTn id="8" fill="hold">
-                            <p:stCondLst>
-                              <p:cond delay="0"/>
-                            </p:stCondLst>
-                            <p:childTnLst>
-                              <p:par>
-                                <p:cTn id="9" presetID="1" presetClass="entr" presetSubtype="0" fill="hold" grpId="0" nodeType="clickEffect">
-                                  <p:stCondLst>
-                                    <p:cond delay="0"/>
-                                  </p:stCondLst>
-                                  <p:childTnLst>
-                                    <p:set>
-                                      <p:cBhvr>
-                                        <p:cTn id="10" dur="1" fill="hold">
-                                          <p:stCondLst>
-                                            <p:cond delay="0"/>
-                                          </p:stCondLst>
-                                        </p:cTn>
-                                        <p:tgtEl>
-                                          <p:spTgt spid="29"/>
-                                        </p:tgtEl>
-                                        <p:attrNameLst>
-                                          <p:attrName>style.visibility</p:attrName>
-                                        </p:attrNameLst>
-                                      </p:cBhvr>
-                                      <p:to>
-                                        <p:strVal val="visible"/>
-                                      </p:to>
-                                    </p:set>
-                                  </p:childTnLst>
-                                </p:cTn>
-                              </p:par>
-                              <p:par>
-                                <p:cTn id="11" presetID="1" presetClass="entr" presetSubtype="0" fill="hold" nodeType="withEffect">
-                                  <p:stCondLst>
-                                    <p:cond delay="0"/>
-                                  </p:stCondLst>
-                                  <p:childTnLst>
-                                    <p:set>
-                                      <p:cBhvr>
-                                        <p:cTn id="12" dur="1" fill="hold">
-                                          <p:stCondLst>
-                                            <p:cond delay="0"/>
-                                          </p:stCondLst>
-                                        </p:cTn>
-                                        <p:tgtEl>
-                                          <p:spTgt spid="33"/>
-                                        </p:tgtEl>
-                                        <p:attrNameLst>
-                                          <p:attrName>style.visibility</p:attrName>
-                                        </p:attrNameLst>
-                                      </p:cBhvr>
-                                      <p:to>
-                                        <p:strVal val="visible"/>
-                                      </p:to>
-                                    </p:set>
-                                  </p:childTnLst>
-                                </p:cTn>
-                              </p:par>
-                            </p:childTnLst>
-                          </p:cTn>
-                        </p:par>
-                      </p:childTnLst>
-                    </p:cTn>
-                  </p:par>
-                </p:childTnLst>
-              </p:cTn>
-              <p:prevCondLst>
-                <p:cond evt="onPrev" delay="0">
-                  <p:tgtEl>
-                    <p:sldTgt/>
-                  </p:tgtEl>
-                </p:cond>
-              </p:prevCondLst>
-              <p:nextCondLst>
-                <p:cond evt="onNext" delay="0">
-                  <p:tgtEl>
-                    <p:sldTgt/>
-                  </p:tgtEl>
-                </p:cond>
-              </p:nextCondLst>
-            </p:seq>
-          </p:childTnLst>
-        </p:cTn>
-      </p:par>
-    </p:tnLst>
-    <p:bldLst>
-      <p:bldP spid="31" grpId="0"/>
-      <p:bldP spid="29" grpId="0"/>
-    </p:bldLst>
-  </p:timing>
-</p:sld>
-</file>
-
-<file path=ppt/slides/slide8.xml><?xml version="1.0" encoding="utf-8"?>
-<p:sld xmlns:a="http://schemas.openxmlformats.org/drawingml/2006/main" xmlns:r="http://schemas.openxmlformats.org/officeDocument/2006/relationships" xmlns:p="http://schemas.openxmlformats.org/presentationml/2006/main">
-  <p:cSld>
-    <p:spTree>
-      <p:nvGrpSpPr>
-        <p:cNvPr id="1" name=""/>
-        <p:cNvGrpSpPr/>
-        <p:nvPr/>
-      </p:nvGrpSpPr>
-      <p:grpSpPr>
-        <a:xfrm>
-          <a:off x="0" y="0"/>
-          <a:ext cx="0" cy="0"/>
-          <a:chOff x="0" y="0"/>
-          <a:chExt cx="0" cy="0"/>
-        </a:xfrm>
-      </p:grpSpPr>
-      <p:sp>
-        <p:nvSpPr>
-          <p:cNvPr id="10" name="Rectangle 9"/>
-          <p:cNvSpPr/>
-          <p:nvPr/>
-        </p:nvSpPr>
-        <p:spPr>
-          <a:xfrm>
-            <a:off x="0" y="12106"/>
-            <a:ext cx="1011942" cy="6854083"/>
-          </a:xfrm>
-          <a:prstGeom prst="rect">
-            <a:avLst/>
-          </a:prstGeom>
-          <a:gradFill flip="none" rotWithShape="1">
-            <a:gsLst>
-              <a:gs pos="50000">
-                <a:srgbClr val="D00000"/>
-              </a:gs>
-              <a:gs pos="0">
-                <a:srgbClr val="FF0000">
-                  <a:shade val="30000"/>
-                  <a:satMod val="115000"/>
-                </a:srgbClr>
-              </a:gs>
-              <a:gs pos="100000">
-                <a:schemeClr val="accent2">
-                  <a:lumMod val="60000"/>
-                  <a:lumOff val="40000"/>
-                </a:schemeClr>
-              </a:gs>
-            </a:gsLst>
-            <a:lin ang="5400000" scaled="1"/>
-            <a:tileRect/>
-          </a:gradFill>
-          <a:ln>
-            <a:noFill/>
-          </a:ln>
-        </p:spPr>
-        <p:style>
-          <a:lnRef idx="2">
-            <a:schemeClr val="accent1">
-              <a:shade val="50000"/>
-            </a:schemeClr>
-          </a:lnRef>
-          <a:fillRef idx="1">
-            <a:schemeClr val="accent1"/>
-          </a:fillRef>
-          <a:effectRef idx="0">
-            <a:schemeClr val="accent1"/>
-          </a:effectRef>
-          <a:fontRef idx="minor">
-            <a:schemeClr val="lt1"/>
-          </a:fontRef>
-        </p:style>
-        <p:txBody>
-          <a:bodyPr rtlCol="0" anchor="ctr"/>
-          <a:lstStyle/>
-          <a:p>
-            <a:pPr algn="ctr"/>
-            <a:endParaRPr lang="tr-TR"/>
-          </a:p>
-        </p:txBody>
-      </p:sp>
-      <p:cxnSp>
-        <p:nvCxnSpPr>
-          <p:cNvPr id="11" name="Straight Connector 10"/>
-          <p:cNvCxnSpPr/>
-          <p:nvPr/>
-        </p:nvCxnSpPr>
-        <p:spPr>
-          <a:xfrm>
-            <a:off x="1189918" y="838200"/>
-            <a:ext cx="7649282" cy="0"/>
-          </a:xfrm>
-          <a:prstGeom prst="line">
-            <a:avLst/>
-          </a:prstGeom>
-          <a:ln w="50800">
-            <a:solidFill>
-              <a:srgbClr val="F20000"/>
-            </a:solidFill>
-          </a:ln>
-        </p:spPr>
-        <p:style>
-          <a:lnRef idx="1">
-            <a:schemeClr val="accent1"/>
-          </a:lnRef>
-          <a:fillRef idx="0">
-            <a:schemeClr val="accent1"/>
-          </a:fillRef>
-          <a:effectRef idx="0">
-            <a:schemeClr val="accent1"/>
-          </a:effectRef>
-          <a:fontRef idx="minor">
-            <a:schemeClr val="tx1"/>
-          </a:fontRef>
-        </p:style>
-      </p:cxnSp>
-      <p:sp>
-        <p:nvSpPr>
-          <p:cNvPr id="13" name="TextBox 12"/>
-          <p:cNvSpPr txBox="1"/>
-          <p:nvPr/>
-        </p:nvSpPr>
-        <p:spPr>
-          <a:xfrm>
-            <a:off x="1386291" y="224135"/>
-            <a:ext cx="7315200" cy="553998"/>
-          </a:xfrm>
-          <a:prstGeom prst="rect">
-            <a:avLst/>
-          </a:prstGeom>
-          <a:noFill/>
-        </p:spPr>
-        <p:txBody>
-          <a:bodyPr wrap="square" rtlCol="0">
-            <a:spAutoFit/>
-          </a:bodyPr>
-          <a:lstStyle/>
-          <a:p>
-            <a:pPr algn="ctr"/>
-            <a:r>
-              <a:rPr lang="tr-TR" sz="3000" dirty="0" smtClean="0">
-                <a:latin typeface="Times New Roman" panose="02020603050405020304" pitchFamily="18" charset="0"/>
-                <a:cs typeface="Times New Roman" panose="02020603050405020304" pitchFamily="18" charset="0"/>
-              </a:rPr>
-              <a:t>System Model</a:t>
-            </a:r>
-            <a:endParaRPr lang="en-US" sz="3000" dirty="0">
-              <a:latin typeface="Times New Roman" panose="02020603050405020304" pitchFamily="18" charset="0"/>
-              <a:cs typeface="Times New Roman" panose="02020603050405020304" pitchFamily="18" charset="0"/>
-            </a:endParaRPr>
-          </a:p>
-        </p:txBody>
-      </p:sp>
-      <p:cxnSp>
-        <p:nvCxnSpPr>
-          <p:cNvPr id="15" name="Straight Connector 14"/>
-          <p:cNvCxnSpPr/>
-          <p:nvPr/>
-        </p:nvCxnSpPr>
-        <p:spPr>
-          <a:xfrm>
-            <a:off x="1189918" y="914400"/>
-            <a:ext cx="7649282" cy="0"/>
-          </a:xfrm>
-          <a:prstGeom prst="line">
-            <a:avLst/>
-          </a:prstGeom>
-          <a:ln w="19050">
-            <a:solidFill>
-              <a:srgbClr val="F20000"/>
-            </a:solidFill>
-          </a:ln>
-        </p:spPr>
-        <p:style>
-          <a:lnRef idx="1">
-            <a:schemeClr val="accent1"/>
-          </a:lnRef>
-          <a:fillRef idx="0">
-            <a:schemeClr val="accent1"/>
-          </a:fillRef>
-          <a:effectRef idx="0">
-            <a:schemeClr val="accent1"/>
-          </a:effectRef>
-          <a:fontRef idx="minor">
-            <a:schemeClr val="tx1"/>
-          </a:fontRef>
-        </p:style>
-      </p:cxnSp>
-      <p:sp>
-        <p:nvSpPr>
-          <p:cNvPr id="2" name="Slide Number Placeholder 1"/>
-          <p:cNvSpPr>
-            <a:spLocks noGrp="1"/>
-          </p:cNvSpPr>
-          <p:nvPr>
-            <p:ph type="sldNum" sz="quarter" idx="12"/>
-          </p:nvPr>
-        </p:nvSpPr>
-        <p:spPr/>
-        <p:txBody>
-          <a:bodyPr/>
-          <a:lstStyle/>
-          <a:p>
-            <a:fld id="{B6F15528-21DE-4FAA-801E-634DDDAF4B2B}" type="slidenum">
-              <a:rPr lang="en-US" smtClean="0"/>
-              <a:pPr/>
-              <a:t>8</a:t>
-            </a:fld>
-            <a:endParaRPr lang="en-US" dirty="0"/>
-          </a:p>
-        </p:txBody>
-      </p:sp>
-      <p:pic>
-        <p:nvPicPr>
-          <p:cNvPr id="12" name="Picture 2" descr="C:\Users\Mesut\Desktop\aselsan sunum\aselsan sunum 10 ekim\aselsan sunum\cezmi bey\ODTU.png"/>
-          <p:cNvPicPr>
-            <a:picLocks noChangeAspect="1" noChangeArrowheads="1"/>
-          </p:cNvPicPr>
-          <p:nvPr/>
-        </p:nvPicPr>
-        <p:blipFill>
-          <a:blip r:embed="rId3" cstate="print">
-            <a:extLst>
-              <a:ext uri="{28A0092B-C50C-407E-A947-70E740481C1C}">
-                <a14:useLocalDpi xmlns:a14="http://schemas.microsoft.com/office/drawing/2010/main" val="0"/>
-              </a:ext>
-            </a:extLst>
-          </a:blip>
-          <a:srcRect/>
-          <a:stretch>
-            <a:fillRect/>
-          </a:stretch>
-        </p:blipFill>
-        <p:spPr bwMode="auto">
-          <a:xfrm>
-            <a:off x="116458" y="163788"/>
-            <a:ext cx="779026" cy="650016"/>
-          </a:xfrm>
-          <a:prstGeom prst="rect">
-            <a:avLst/>
-          </a:prstGeom>
-          <a:noFill/>
-          <a:extLst>
-            <a:ext uri="{909E8E84-426E-40DD-AFC4-6F175D3DCCD1}">
-              <a14:hiddenFill xmlns:a14="http://schemas.microsoft.com/office/drawing/2010/main">
-                <a:solidFill>
-                  <a:srgbClr val="FFFFFF"/>
-                </a:solidFill>
-              </a14:hiddenFill>
-            </a:ext>
-          </a:extLst>
-        </p:spPr>
-      </p:pic>
-      <p:pic>
-        <p:nvPicPr>
-          <p:cNvPr id="14" name="Picture 13"/>
-          <p:cNvPicPr>
-            <a:picLocks noChangeAspect="1"/>
-          </p:cNvPicPr>
-          <p:nvPr/>
-        </p:nvPicPr>
-        <p:blipFill rotWithShape="1">
-          <a:blip r:embed="rId4"/>
-          <a:srcRect t="1741" b="7727"/>
-          <a:stretch/>
-        </p:blipFill>
-        <p:spPr>
-          <a:xfrm rot="16200000">
-            <a:off x="-315548" y="5538698"/>
-            <a:ext cx="1643039" cy="1011942"/>
-          </a:xfrm>
-          <a:prstGeom prst="rect">
-            <a:avLst/>
-          </a:prstGeom>
-        </p:spPr>
-      </p:pic>
-      <p:sp>
-        <p:nvSpPr>
-          <p:cNvPr id="3" name="Rectangle 2"/>
-          <p:cNvSpPr>
-            <a:spLocks noChangeArrowheads="1"/>
-          </p:cNvSpPr>
-          <p:nvPr/>
-        </p:nvSpPr>
-        <p:spPr bwMode="auto">
-          <a:xfrm>
-            <a:off x="0" y="0"/>
-            <a:ext cx="9144000" cy="0"/>
-          </a:xfrm>
-          <a:prstGeom prst="rect">
-            <a:avLst/>
-          </a:prstGeom>
-          <a:noFill/>
-          <a:ln>
-            <a:noFill/>
-          </a:ln>
-          <a:effectLst/>
-          <a:extLst>
-            <a:ext uri="{909E8E84-426E-40DD-AFC4-6F175D3DCCD1}">
-              <a14:hiddenFill xmlns:a14="http://schemas.microsoft.com/office/drawing/2010/main">
-                <a:solidFill>
-                  <a:schemeClr val="accent1"/>
-                </a:solidFill>
-              </a14:hiddenFill>
-            </a:ext>
-            <a:ext uri="{91240B29-F687-4F45-9708-019B960494DF}">
-              <a14:hiddenLine xmlns:a14="http://schemas.microsoft.com/office/drawing/2010/main" w="9525">
-                <a:solidFill>
-                  <a:schemeClr val="tx1"/>
-                </a:solidFill>
-                <a:miter lim="800000"/>
-                <a:headEnd/>
-                <a:tailEnd/>
-              </a14:hiddenLine>
-            </a:ext>
-            <a:ext uri="{AF507438-7753-43E0-B8FC-AC1667EBCBE1}">
-              <a14:hiddenEffects xmlns:a14="http://schemas.microsoft.com/office/drawing/2010/main">
-                <a:effectLst>
-                  <a:outerShdw dist="35921" dir="2700000" algn="ctr" rotWithShape="0">
-                    <a:schemeClr val="bg2"/>
-                  </a:outerShdw>
-                </a:effectLst>
-              </a14:hiddenEffects>
-            </a:ext>
-          </a:extLst>
-        </p:spPr>
-        <p:txBody>
-          <a:bodyPr vert="horz" wrap="none" lIns="91440" tIns="45720" rIns="91440" bIns="45720" numCol="1" anchor="ctr" anchorCtr="0" compatLnSpc="1">
-            <a:prstTxWarp prst="textNoShape">
-              <a:avLst/>
-            </a:prstTxWarp>
-            <a:spAutoFit/>
-          </a:bodyPr>
-          <a:lstStyle/>
-          <a:p>
-            <a:endParaRPr lang="en-US"/>
-          </a:p>
-        </p:txBody>
-      </p:sp>
-      <p:sp>
-        <p:nvSpPr>
-          <p:cNvPr id="7" name="Rectangle 4"/>
-          <p:cNvSpPr>
-            <a:spLocks noChangeArrowheads="1"/>
-          </p:cNvSpPr>
-          <p:nvPr/>
-        </p:nvSpPr>
-        <p:spPr bwMode="auto">
-          <a:xfrm>
-            <a:off x="0" y="0"/>
-            <a:ext cx="9144000" cy="0"/>
-          </a:xfrm>
-          <a:prstGeom prst="rect">
-            <a:avLst/>
-          </a:prstGeom>
-          <a:noFill/>
-          <a:ln>
-            <a:noFill/>
-          </a:ln>
-          <a:effectLst/>
-          <a:extLst>
-            <a:ext uri="{909E8E84-426E-40DD-AFC4-6F175D3DCCD1}">
-              <a14:hiddenFill xmlns:a14="http://schemas.microsoft.com/office/drawing/2010/main">
-                <a:solidFill>
-                  <a:schemeClr val="accent1"/>
-                </a:solidFill>
-              </a14:hiddenFill>
-            </a:ext>
-            <a:ext uri="{91240B29-F687-4F45-9708-019B960494DF}">
-              <a14:hiddenLine xmlns:a14="http://schemas.microsoft.com/office/drawing/2010/main" w="9525">
-                <a:solidFill>
-                  <a:schemeClr val="tx1"/>
-                </a:solidFill>
-                <a:miter lim="800000"/>
-                <a:headEnd/>
-                <a:tailEnd/>
-              </a14:hiddenLine>
-            </a:ext>
-            <a:ext uri="{AF507438-7753-43E0-B8FC-AC1667EBCBE1}">
-              <a14:hiddenEffects xmlns:a14="http://schemas.microsoft.com/office/drawing/2010/main">
-                <a:effectLst>
-                  <a:outerShdw dist="35921" dir="2700000" algn="ctr" rotWithShape="0">
-                    <a:schemeClr val="bg2"/>
-                  </a:outerShdw>
-                </a:effectLst>
-              </a14:hiddenEffects>
-            </a:ext>
-          </a:extLst>
-        </p:spPr>
-        <p:txBody>
-          <a:bodyPr vert="horz" wrap="none" lIns="91440" tIns="45720" rIns="91440" bIns="45720" numCol="1" anchor="ctr" anchorCtr="0" compatLnSpc="1">
-            <a:prstTxWarp prst="textNoShape">
-              <a:avLst/>
-            </a:prstTxWarp>
-            <a:spAutoFit/>
-          </a:bodyPr>
-          <a:lstStyle/>
-          <a:p>
-            <a:endParaRPr lang="en-US"/>
-          </a:p>
-        </p:txBody>
-      </p:sp>
       <p:pic>
         <p:nvPicPr>
           <p:cNvPr id="17" name="Picture 16"/>
@@ -23356,7 +20468,7 @@
         </p:blipFill>
         <p:spPr bwMode="auto">
           <a:xfrm>
-            <a:off x="3337606" y="1354914"/>
+            <a:off x="5621285" y="1384623"/>
             <a:ext cx="3138842" cy="1651672"/>
           </a:xfrm>
           <a:prstGeom prst="rect">
@@ -23376,7 +20488,7 @@
         </p:nvSpPr>
         <p:spPr>
           <a:xfrm>
-            <a:off x="4230367" y="990600"/>
+            <a:off x="6514046" y="1020309"/>
             <a:ext cx="1568383" cy="338554"/>
           </a:xfrm>
           <a:prstGeom prst="rect">
@@ -23832,7 +20944,7 @@
         </p:blipFill>
         <p:spPr>
           <a:xfrm>
-            <a:off x="6560099" y="1203781"/>
+            <a:off x="3005713" y="1228235"/>
             <a:ext cx="2551002" cy="1554421"/>
           </a:xfrm>
           <a:prstGeom prst="rect">
@@ -23848,7 +20960,7 @@
         </p:nvSpPr>
         <p:spPr>
           <a:xfrm>
-            <a:off x="7051409" y="990600"/>
+            <a:off x="3497023" y="1015054"/>
             <a:ext cx="1568383" cy="338554"/>
           </a:xfrm>
           <a:prstGeom prst="rect">
@@ -23954,7 +21066,7 @@
             </p:nvSpPr>
             <p:spPr>
               <a:xfrm>
-                <a:off x="1517622" y="1497491"/>
+                <a:off x="1410205" y="1986090"/>
                 <a:ext cx="1405128" cy="338554"/>
               </a:xfrm>
               <a:prstGeom prst="rect">
@@ -24059,7 +21171,7 @@
             </p:nvSpPr>
             <p:spPr>
               <a:xfrm>
-                <a:off x="1517622" y="1497491"/>
+                <a:off x="1410205" y="1986090"/>
                 <a:ext cx="1405128" cy="338554"/>
               </a:xfrm>
               <a:prstGeom prst="rect">
@@ -24068,7 +21180,7 @@
               <a:blipFill>
                 <a:blip r:embed="rId12"/>
                 <a:stretch>
-                  <a:fillRect l="-2609" r="-435" b="-10909"/>
+                  <a:fillRect l="-2165" b="-10909"/>
                 </a:stretch>
               </a:blipFill>
             </p:spPr>
@@ -24087,6 +21199,47 @@
           </p:sp>
         </mc:Fallback>
       </mc:AlternateContent>
+      <p:sp>
+        <p:nvSpPr>
+          <p:cNvPr id="32" name="TextBox 31"/>
+          <p:cNvSpPr txBox="1"/>
+          <p:nvPr/>
+        </p:nvSpPr>
+        <p:spPr>
+          <a:xfrm>
+            <a:off x="1250235" y="1416277"/>
+            <a:ext cx="1721319" cy="400110"/>
+          </a:xfrm>
+          <a:prstGeom prst="rect">
+            <a:avLst/>
+          </a:prstGeom>
+          <a:noFill/>
+        </p:spPr>
+        <p:txBody>
+          <a:bodyPr wrap="square" rtlCol="0">
+            <a:spAutoFit/>
+          </a:bodyPr>
+          <a:lstStyle/>
+          <a:p>
+            <a:pPr algn="ctr">
+              <a:spcAft>
+                <a:spcPts val="1200"/>
+              </a:spcAft>
+            </a:pPr>
+            <a:r>
+              <a:rPr lang="en-US" sz="2000" dirty="0" smtClean="0">
+                <a:latin typeface="Times New Roman" panose="02020603050405020304" pitchFamily="18" charset="0"/>
+                <a:cs typeface="Times New Roman" panose="02020603050405020304" pitchFamily="18" charset="0"/>
+              </a:rPr>
+              <a:t>Shear stress</a:t>
+            </a:r>
+            <a:endParaRPr lang="en-US" sz="2000" dirty="0" smtClean="0">
+              <a:latin typeface="Times New Roman" panose="02020603050405020304" pitchFamily="18" charset="0"/>
+              <a:cs typeface="Times New Roman" panose="02020603050405020304" pitchFamily="18" charset="0"/>
+            </a:endParaRPr>
+          </a:p>
+        </p:txBody>
+      </p:sp>
     </p:spTree>
     <p:extLst>
       <p:ext uri="{BB962C8B-B14F-4D97-AF65-F5344CB8AC3E}">
@@ -24171,6 +21324,33 @@
                                   </p:childTnLst>
                                 </p:cTn>
                               </p:par>
+                              <p:par>
+                                <p:cTn id="9" presetID="1" presetClass="entr" presetSubtype="0" fill="hold" grpId="0" nodeType="withEffect">
+                                  <p:stCondLst>
+                                    <p:cond delay="0"/>
+                                  </p:stCondLst>
+                                  <p:childTnLst>
+                                    <p:set>
+                                      <p:cBhvr>
+                                        <p:cTn id="10" dur="1" fill="hold">
+                                          <p:stCondLst>
+                                            <p:cond delay="0"/>
+                                          </p:stCondLst>
+                                        </p:cTn>
+                                        <p:tgtEl>
+                                          <p:spTgt spid="32"/>
+                                        </p:tgtEl>
+                                        <p:attrNameLst>
+                                          <p:attrName>style.visibility</p:attrName>
+                                        </p:attrNameLst>
+                                      </p:cBhvr>
+                                      <p:to>
+                                        <p:strVal val="visible"/>
+                                      </p:to>
+                                    </p:set>
+                                  </p:childTnLst>
+                                </p:cTn>
+                              </p:par>
                             </p:childTnLst>
                           </p:cTn>
                         </p:par>
@@ -24178,26 +21358,26 @@
                     </p:cTn>
                   </p:par>
                   <p:par>
-                    <p:cTn id="9" fill="hold">
+                    <p:cTn id="11" fill="hold">
                       <p:stCondLst>
                         <p:cond delay="indefinite"/>
                       </p:stCondLst>
                       <p:childTnLst>
                         <p:par>
-                          <p:cTn id="10" fill="hold">
+                          <p:cTn id="12" fill="hold">
                             <p:stCondLst>
                               <p:cond delay="0"/>
                             </p:stCondLst>
                             <p:childTnLst>
                               <p:par>
-                                <p:cTn id="11" presetID="1" presetClass="entr" presetSubtype="0" fill="hold" grpId="0" nodeType="clickEffect">
+                                <p:cTn id="13" presetID="1" presetClass="entr" presetSubtype="0" fill="hold" grpId="0" nodeType="clickEffect">
                                   <p:stCondLst>
                                     <p:cond delay="0"/>
                                   </p:stCondLst>
                                   <p:childTnLst>
                                     <p:set>
                                       <p:cBhvr>
-                                        <p:cTn id="12" dur="1" fill="hold">
+                                        <p:cTn id="14" dur="1" fill="hold">
                                           <p:stCondLst>
                                             <p:cond delay="0"/>
                                           </p:stCondLst>
@@ -24217,14 +21397,14 @@
                                 </p:cTn>
                               </p:par>
                               <p:par>
-                                <p:cTn id="13" presetID="1" presetClass="entr" presetSubtype="0" fill="hold" nodeType="withEffect">
+                                <p:cTn id="15" presetID="1" presetClass="entr" presetSubtype="0" fill="hold" nodeType="withEffect">
                                   <p:stCondLst>
                                     <p:cond delay="0"/>
                                   </p:stCondLst>
                                   <p:childTnLst>
                                     <p:set>
                                       <p:cBhvr>
-                                        <p:cTn id="14" dur="1" fill="hold">
+                                        <p:cTn id="16" dur="1" fill="hold">
                                           <p:stCondLst>
                                             <p:cond delay="0"/>
                                           </p:stCondLst>
@@ -24250,26 +21430,26 @@
                     </p:cTn>
                   </p:par>
                   <p:par>
-                    <p:cTn id="15" fill="hold">
+                    <p:cTn id="17" fill="hold">
                       <p:stCondLst>
                         <p:cond delay="indefinite"/>
                       </p:stCondLst>
                       <p:childTnLst>
                         <p:par>
-                          <p:cTn id="16" fill="hold">
+                          <p:cTn id="18" fill="hold">
                             <p:stCondLst>
                               <p:cond delay="0"/>
                             </p:stCondLst>
                             <p:childTnLst>
                               <p:par>
-                                <p:cTn id="17" presetID="1" presetClass="entr" presetSubtype="0" fill="hold" grpId="0" nodeType="clickEffect">
+                                <p:cTn id="19" presetID="1" presetClass="entr" presetSubtype="0" fill="hold" grpId="0" nodeType="clickEffect">
                                   <p:stCondLst>
                                     <p:cond delay="0"/>
                                   </p:stCondLst>
                                   <p:childTnLst>
                                     <p:set>
                                       <p:cBhvr>
-                                        <p:cTn id="18" dur="1" fill="hold">
+                                        <p:cTn id="20" dur="1" fill="hold">
                                           <p:stCondLst>
                                             <p:cond delay="0"/>
                                           </p:stCondLst>
@@ -24289,14 +21469,14 @@
                                 </p:cTn>
                               </p:par>
                               <p:par>
-                                <p:cTn id="19" presetID="1" presetClass="entr" presetSubtype="0" fill="hold" nodeType="withEffect">
+                                <p:cTn id="21" presetID="1" presetClass="entr" presetSubtype="0" fill="hold" nodeType="withEffect">
                                   <p:stCondLst>
                                     <p:cond delay="0"/>
                                   </p:stCondLst>
                                   <p:childTnLst>
                                     <p:set>
                                       <p:cBhvr>
-                                        <p:cTn id="20" dur="1" fill="hold">
+                                        <p:cTn id="22" dur="1" fill="hold">
                                           <p:stCondLst>
                                             <p:cond delay="0"/>
                                           </p:stCondLst>
@@ -24322,46 +21502,19 @@
                     </p:cTn>
                   </p:par>
                   <p:par>
-                    <p:cTn id="21" fill="hold">
+                    <p:cTn id="23" fill="hold">
                       <p:stCondLst>
                         <p:cond delay="indefinite"/>
                       </p:stCondLst>
                       <p:childTnLst>
                         <p:par>
-                          <p:cTn id="22" fill="hold">
+                          <p:cTn id="24" fill="hold">
                             <p:stCondLst>
                               <p:cond delay="0"/>
                             </p:stCondLst>
                             <p:childTnLst>
                               <p:par>
-                                <p:cTn id="23" presetID="1" presetClass="entr" presetSubtype="0" fill="hold" grpId="0" nodeType="clickEffect">
-                                  <p:stCondLst>
-                                    <p:cond delay="0"/>
-                                  </p:stCondLst>
-                                  <p:childTnLst>
-                                    <p:set>
-                                      <p:cBhvr>
-                                        <p:cTn id="24" dur="1" fill="hold">
-                                          <p:stCondLst>
-                                            <p:cond delay="0"/>
-                                          </p:stCondLst>
-                                        </p:cTn>
-                                        <p:tgtEl>
-                                          <p:spTgt spid="23"/>
-                                        </p:tgtEl>
-                                        <p:attrNameLst>
-                                          <p:attrName>style.visibility</p:attrName>
-                                        </p:attrNameLst>
-                                      </p:cBhvr>
-                                      <p:to>
-                                        <p:strVal val="visible"/>
-                                      </p:to>
-                                    </p:set>
-                                  </p:childTnLst>
-                                </p:cTn>
-                              </p:par>
-                              <p:par>
-                                <p:cTn id="25" presetID="1" presetClass="entr" presetSubtype="0" fill="hold" nodeType="withEffect">
+                                <p:cTn id="25" presetID="1" presetClass="entr" presetSubtype="0" fill="hold" grpId="0" nodeType="clickEffect">
                                   <p:stCondLst>
                                     <p:cond delay="0"/>
                                   </p:stCondLst>
@@ -24374,7 +21527,7 @@
                                           </p:stCondLst>
                                         </p:cTn>
                                         <p:tgtEl>
-                                          <p:spTgt spid="24"/>
+                                          <p:spTgt spid="23"/>
                                         </p:tgtEl>
                                         <p:attrNameLst>
                                           <p:attrName>style.visibility</p:attrName>
@@ -24401,6 +21554,33 @@
                                           </p:stCondLst>
                                         </p:cTn>
                                         <p:tgtEl>
+                                          <p:spTgt spid="24"/>
+                                        </p:tgtEl>
+                                        <p:attrNameLst>
+                                          <p:attrName>style.visibility</p:attrName>
+                                        </p:attrNameLst>
+                                      </p:cBhvr>
+                                      <p:to>
+                                        <p:strVal val="visible"/>
+                                      </p:to>
+                                    </p:set>
+                                  </p:childTnLst>
+                                </p:cTn>
+                              </p:par>
+                              <p:par>
+                                <p:cTn id="29" presetID="1" presetClass="entr" presetSubtype="0" fill="hold" nodeType="withEffect">
+                                  <p:stCondLst>
+                                    <p:cond delay="0"/>
+                                  </p:stCondLst>
+                                  <p:childTnLst>
+                                    <p:set>
+                                      <p:cBhvr>
+                                        <p:cTn id="30" dur="1" fill="hold">
+                                          <p:stCondLst>
+                                            <p:cond delay="0"/>
+                                          </p:stCondLst>
+                                        </p:cTn>
+                                        <p:tgtEl>
                                           <p:spTgt spid="25"/>
                                         </p:tgtEl>
                                         <p:attrNameLst>
@@ -24421,46 +21601,19 @@
                     </p:cTn>
                   </p:par>
                   <p:par>
-                    <p:cTn id="29" fill="hold">
+                    <p:cTn id="31" fill="hold">
                       <p:stCondLst>
                         <p:cond delay="indefinite"/>
                       </p:stCondLst>
                       <p:childTnLst>
                         <p:par>
-                          <p:cTn id="30" fill="hold">
+                          <p:cTn id="32" fill="hold">
                             <p:stCondLst>
                               <p:cond delay="0"/>
                             </p:stCondLst>
                             <p:childTnLst>
                               <p:par>
-                                <p:cTn id="31" presetID="1" presetClass="entr" presetSubtype="0" fill="hold" grpId="0" nodeType="clickEffect">
-                                  <p:stCondLst>
-                                    <p:cond delay="0"/>
-                                  </p:stCondLst>
-                                  <p:childTnLst>
-                                    <p:set>
-                                      <p:cBhvr>
-                                        <p:cTn id="32" dur="1" fill="hold">
-                                          <p:stCondLst>
-                                            <p:cond delay="0"/>
-                                          </p:stCondLst>
-                                        </p:cTn>
-                                        <p:tgtEl>
-                                          <p:spTgt spid="26"/>
-                                        </p:tgtEl>
-                                        <p:attrNameLst>
-                                          <p:attrName>style.visibility</p:attrName>
-                                        </p:attrNameLst>
-                                      </p:cBhvr>
-                                      <p:to>
-                                        <p:strVal val="visible"/>
-                                      </p:to>
-                                    </p:set>
-                                  </p:childTnLst>
-                                </p:cTn>
-                              </p:par>
-                              <p:par>
-                                <p:cTn id="33" presetID="1" presetClass="entr" presetSubtype="0" fill="hold" nodeType="withEffect">
+                                <p:cTn id="33" presetID="1" presetClass="entr" presetSubtype="0" fill="hold" grpId="0" nodeType="clickEffect">
                                   <p:stCondLst>
                                     <p:cond delay="0"/>
                                   </p:stCondLst>
@@ -24473,7 +21626,7 @@
                                           </p:stCondLst>
                                         </p:cTn>
                                         <p:tgtEl>
-                                          <p:spTgt spid="28"/>
+                                          <p:spTgt spid="26"/>
                                         </p:tgtEl>
                                         <p:attrNameLst>
                                           <p:attrName>style.visibility</p:attrName>
@@ -24500,6 +21653,33 @@
                                           </p:stCondLst>
                                         </p:cTn>
                                         <p:tgtEl>
+                                          <p:spTgt spid="28"/>
+                                        </p:tgtEl>
+                                        <p:attrNameLst>
+                                          <p:attrName>style.visibility</p:attrName>
+                                        </p:attrNameLst>
+                                      </p:cBhvr>
+                                      <p:to>
+                                        <p:strVal val="visible"/>
+                                      </p:to>
+                                    </p:set>
+                                  </p:childTnLst>
+                                </p:cTn>
+                              </p:par>
+                              <p:par>
+                                <p:cTn id="37" presetID="1" presetClass="entr" presetSubtype="0" fill="hold" nodeType="withEffect">
+                                  <p:stCondLst>
+                                    <p:cond delay="0"/>
+                                  </p:stCondLst>
+                                  <p:childTnLst>
+                                    <p:set>
+                                      <p:cBhvr>
+                                        <p:cTn id="38" dur="1" fill="hold">
+                                          <p:stCondLst>
+                                            <p:cond delay="0"/>
+                                          </p:stCondLst>
+                                        </p:cTn>
+                                        <p:tgtEl>
                                           <p:spTgt spid="27"/>
                                         </p:tgtEl>
                                         <p:attrNameLst>
@@ -24520,26 +21700,26 @@
                     </p:cTn>
                   </p:par>
                   <p:par>
-                    <p:cTn id="37" fill="hold">
+                    <p:cTn id="39" fill="hold">
                       <p:stCondLst>
                         <p:cond delay="indefinite"/>
                       </p:stCondLst>
                       <p:childTnLst>
                         <p:par>
-                          <p:cTn id="38" fill="hold">
+                          <p:cTn id="40" fill="hold">
                             <p:stCondLst>
                               <p:cond delay="0"/>
                             </p:stCondLst>
                             <p:childTnLst>
                               <p:par>
-                                <p:cTn id="39" presetID="1" presetClass="entr" presetSubtype="0" fill="hold" grpId="0" nodeType="clickEffect">
+                                <p:cTn id="41" presetID="1" presetClass="entr" presetSubtype="0" fill="hold" grpId="0" nodeType="clickEffect">
                                   <p:stCondLst>
                                     <p:cond delay="0"/>
                                   </p:stCondLst>
                                   <p:childTnLst>
                                     <p:set>
                                       <p:cBhvr>
-                                        <p:cTn id="40" dur="1" fill="hold">
+                                        <p:cTn id="42" dur="1" fill="hold">
                                           <p:stCondLst>
                                             <p:cond delay="0"/>
                                           </p:stCondLst>
@@ -24559,14 +21739,14 @@
                                 </p:cTn>
                               </p:par>
                               <p:par>
-                                <p:cTn id="41" presetID="1" presetClass="entr" presetSubtype="0" fill="hold" nodeType="withEffect">
+                                <p:cTn id="43" presetID="1" presetClass="entr" presetSubtype="0" fill="hold" nodeType="withEffect">
                                   <p:stCondLst>
                                     <p:cond delay="0"/>
                                   </p:stCondLst>
                                   <p:childTnLst>
                                     <p:set>
                                       <p:cBhvr>
-                                        <p:cTn id="42" dur="1" fill="hold">
+                                        <p:cTn id="44" dur="1" fill="hold">
                                           <p:stCondLst>
                                             <p:cond delay="0"/>
                                           </p:stCondLst>
@@ -24620,12 +21800,13 @@
       <p:bldP spid="30" grpId="0"/>
       <p:bldP spid="31" grpId="0"/>
       <p:bldP spid="5" grpId="0"/>
+      <p:bldP spid="32" grpId="0"/>
     </p:bldLst>
   </p:timing>
 </p:sld>
 </file>
 
-<file path=ppt/slides/slide9.xml><?xml version="1.0" encoding="utf-8"?>
+<file path=ppt/slides/slide8.xml><?xml version="1.0" encoding="utf-8"?>
 <p:sld xmlns:a="http://schemas.openxmlformats.org/drawingml/2006/main" xmlns:r="http://schemas.openxmlformats.org/officeDocument/2006/relationships" xmlns:p="http://schemas.openxmlformats.org/presentationml/2006/main">
   <p:cSld>
     <p:spTree>
@@ -24850,7 +22031,7 @@
             <a:fld id="{B6F15528-21DE-4FAA-801E-634DDDAF4B2B}" type="slidenum">
               <a:rPr lang="en-US" smtClean="0"/>
               <a:pPr/>
-              <a:t>9</a:t>
+              <a:t>8</a:t>
             </a:fld>
             <a:endParaRPr lang="en-US" dirty="0"/>
           </a:p>
@@ -25165,41 +22346,6 @@
           </a:extLst>
         </p:spPr>
       </p:pic>
-      <p:cxnSp>
-        <p:nvCxnSpPr>
-          <p:cNvPr id="5" name="Straight Connector 4"/>
-          <p:cNvCxnSpPr/>
-          <p:nvPr/>
-        </p:nvCxnSpPr>
-        <p:spPr>
-          <a:xfrm>
-            <a:off x="1590862" y="2967711"/>
-            <a:ext cx="2981138" cy="45742"/>
-          </a:xfrm>
-          <a:prstGeom prst="line">
-            <a:avLst/>
-          </a:prstGeom>
-          <a:ln w="38100">
-            <a:solidFill>
-              <a:schemeClr val="tx1"/>
-            </a:solidFill>
-          </a:ln>
-        </p:spPr>
-        <p:style>
-          <a:lnRef idx="1">
-            <a:schemeClr val="accent1"/>
-          </a:lnRef>
-          <a:fillRef idx="0">
-            <a:schemeClr val="accent1"/>
-          </a:fillRef>
-          <a:effectRef idx="0">
-            <a:schemeClr val="accent1"/>
-          </a:effectRef>
-          <a:fontRef idx="minor">
-            <a:schemeClr val="tx1"/>
-          </a:fontRef>
-        </p:style>
-      </p:cxnSp>
       <p:pic>
         <p:nvPicPr>
           <p:cNvPr id="22" name="Picture 21"/>
@@ -25236,137 +22382,6 @@
           </a:extLst>
         </p:spPr>
       </p:pic>
-      <p:cxnSp>
-        <p:nvCxnSpPr>
-          <p:cNvPr id="23" name="Straight Connector 22"/>
-          <p:cNvCxnSpPr/>
-          <p:nvPr/>
-        </p:nvCxnSpPr>
-        <p:spPr>
-          <a:xfrm>
-            <a:off x="5492666" y="3264269"/>
-            <a:ext cx="3222719" cy="45742"/>
-          </a:xfrm>
-          <a:prstGeom prst="line">
-            <a:avLst/>
-          </a:prstGeom>
-          <a:ln w="38100">
-            <a:solidFill>
-              <a:schemeClr val="tx1"/>
-            </a:solidFill>
-          </a:ln>
-        </p:spPr>
-        <p:style>
-          <a:lnRef idx="1">
-            <a:schemeClr val="accent1"/>
-          </a:lnRef>
-          <a:fillRef idx="0">
-            <a:schemeClr val="accent1"/>
-          </a:fillRef>
-          <a:effectRef idx="0">
-            <a:schemeClr val="accent1"/>
-          </a:effectRef>
-          <a:fontRef idx="minor">
-            <a:schemeClr val="tx1"/>
-          </a:fontRef>
-        </p:style>
-      </p:cxnSp>
-      <p:sp>
-        <p:nvSpPr>
-          <p:cNvPr id="24" name="Rounded Rectangle 23"/>
-          <p:cNvSpPr/>
-          <p:nvPr/>
-        </p:nvSpPr>
-        <p:spPr>
-          <a:xfrm>
-            <a:off x="2159563" y="2590708"/>
-            <a:ext cx="1447800" cy="377003"/>
-          </a:xfrm>
-          <a:prstGeom prst="roundRect">
-            <a:avLst>
-              <a:gd name="adj" fmla="val 44997"/>
-            </a:avLst>
-          </a:prstGeom>
-          <a:noFill/>
-          <a:ln>
-            <a:solidFill>
-              <a:schemeClr val="tx1"/>
-            </a:solidFill>
-          </a:ln>
-        </p:spPr>
-        <p:style>
-          <a:lnRef idx="2">
-            <a:schemeClr val="accent1">
-              <a:shade val="50000"/>
-            </a:schemeClr>
-          </a:lnRef>
-          <a:fillRef idx="1">
-            <a:schemeClr val="accent1"/>
-          </a:fillRef>
-          <a:effectRef idx="0">
-            <a:schemeClr val="accent1"/>
-          </a:effectRef>
-          <a:fontRef idx="minor">
-            <a:schemeClr val="lt1"/>
-          </a:fontRef>
-        </p:style>
-        <p:txBody>
-          <a:bodyPr rtlCol="0" anchor="ctr"/>
-          <a:lstStyle/>
-          <a:p>
-            <a:pPr algn="ctr"/>
-            <a:endParaRPr lang="en-US"/>
-          </a:p>
-        </p:txBody>
-      </p:sp>
-      <p:sp>
-        <p:nvSpPr>
-          <p:cNvPr id="25" name="Rounded Rectangle 24"/>
-          <p:cNvSpPr/>
-          <p:nvPr/>
-        </p:nvSpPr>
-        <p:spPr>
-          <a:xfrm>
-            <a:off x="6442862" y="3310011"/>
-            <a:ext cx="1710538" cy="271389"/>
-          </a:xfrm>
-          <a:prstGeom prst="roundRect">
-            <a:avLst>
-              <a:gd name="adj" fmla="val 44997"/>
-            </a:avLst>
-          </a:prstGeom>
-          <a:noFill/>
-          <a:ln>
-            <a:solidFill>
-              <a:schemeClr val="tx1"/>
-            </a:solidFill>
-          </a:ln>
-        </p:spPr>
-        <p:style>
-          <a:lnRef idx="2">
-            <a:schemeClr val="accent1">
-              <a:shade val="50000"/>
-            </a:schemeClr>
-          </a:lnRef>
-          <a:fillRef idx="1">
-            <a:schemeClr val="accent1"/>
-          </a:fillRef>
-          <a:effectRef idx="0">
-            <a:schemeClr val="accent1"/>
-          </a:effectRef>
-          <a:fontRef idx="minor">
-            <a:schemeClr val="lt1"/>
-          </a:fontRef>
-        </p:style>
-        <p:txBody>
-          <a:bodyPr rtlCol="0" anchor="ctr"/>
-          <a:lstStyle/>
-          <a:p>
-            <a:pPr algn="ctr"/>
-            <a:endParaRPr lang="en-US"/>
-          </a:p>
-        </p:txBody>
-      </p:sp>
       <p:pic>
         <p:nvPicPr>
           <p:cNvPr id="26" name="Picture 25"/>
@@ -25439,236 +22454,6 @@
           </a:extLst>
         </p:spPr>
       </p:pic>
-      <p:sp>
-        <p:nvSpPr>
-          <p:cNvPr id="28" name="Oval 27"/>
-          <p:cNvSpPr/>
-          <p:nvPr/>
-        </p:nvSpPr>
-        <p:spPr>
-          <a:xfrm>
-            <a:off x="2095568" y="5422545"/>
-            <a:ext cx="304800" cy="304800"/>
-          </a:xfrm>
-          <a:prstGeom prst="ellipse">
-            <a:avLst/>
-          </a:prstGeom>
-          <a:noFill/>
-          <a:ln>
-            <a:solidFill>
-              <a:srgbClr val="2515F7"/>
-            </a:solidFill>
-          </a:ln>
-        </p:spPr>
-        <p:style>
-          <a:lnRef idx="2">
-            <a:schemeClr val="accent1">
-              <a:shade val="50000"/>
-            </a:schemeClr>
-          </a:lnRef>
-          <a:fillRef idx="1">
-            <a:schemeClr val="accent1"/>
-          </a:fillRef>
-          <a:effectRef idx="0">
-            <a:schemeClr val="accent1"/>
-          </a:effectRef>
-          <a:fontRef idx="minor">
-            <a:schemeClr val="lt1"/>
-          </a:fontRef>
-        </p:style>
-        <p:txBody>
-          <a:bodyPr rtlCol="0" anchor="ctr"/>
-          <a:lstStyle/>
-          <a:p>
-            <a:pPr algn="ctr"/>
-            <a:endParaRPr lang="en-US"/>
-          </a:p>
-        </p:txBody>
-      </p:sp>
-      <p:sp>
-        <p:nvSpPr>
-          <p:cNvPr id="29" name="Oval 28"/>
-          <p:cNvSpPr/>
-          <p:nvPr/>
-        </p:nvSpPr>
-        <p:spPr>
-          <a:xfrm>
-            <a:off x="6134168" y="5217459"/>
-            <a:ext cx="228600" cy="205086"/>
-          </a:xfrm>
-          <a:prstGeom prst="ellipse">
-            <a:avLst/>
-          </a:prstGeom>
-          <a:noFill/>
-          <a:ln>
-            <a:solidFill>
-              <a:srgbClr val="2515F7"/>
-            </a:solidFill>
-          </a:ln>
-        </p:spPr>
-        <p:style>
-          <a:lnRef idx="2">
-            <a:schemeClr val="accent1">
-              <a:shade val="50000"/>
-            </a:schemeClr>
-          </a:lnRef>
-          <a:fillRef idx="1">
-            <a:schemeClr val="accent1"/>
-          </a:fillRef>
-          <a:effectRef idx="0">
-            <a:schemeClr val="accent1"/>
-          </a:effectRef>
-          <a:fontRef idx="minor">
-            <a:schemeClr val="lt1"/>
-          </a:fontRef>
-        </p:style>
-        <p:txBody>
-          <a:bodyPr rtlCol="0" anchor="ctr"/>
-          <a:lstStyle/>
-          <a:p>
-            <a:pPr algn="ctr"/>
-            <a:endParaRPr lang="en-US"/>
-          </a:p>
-        </p:txBody>
-      </p:sp>
-      <p:sp>
-        <p:nvSpPr>
-          <p:cNvPr id="30" name="Oval 29"/>
-          <p:cNvSpPr/>
-          <p:nvPr/>
-        </p:nvSpPr>
-        <p:spPr>
-          <a:xfrm>
-            <a:off x="6857244" y="5029325"/>
-            <a:ext cx="228600" cy="228600"/>
-          </a:xfrm>
-          <a:prstGeom prst="ellipse">
-            <a:avLst/>
-          </a:prstGeom>
-          <a:noFill/>
-          <a:ln>
-            <a:solidFill>
-              <a:srgbClr val="2515F7"/>
-            </a:solidFill>
-          </a:ln>
-        </p:spPr>
-        <p:style>
-          <a:lnRef idx="2">
-            <a:schemeClr val="accent1">
-              <a:shade val="50000"/>
-            </a:schemeClr>
-          </a:lnRef>
-          <a:fillRef idx="1">
-            <a:schemeClr val="accent1"/>
-          </a:fillRef>
-          <a:effectRef idx="0">
-            <a:schemeClr val="accent1"/>
-          </a:effectRef>
-          <a:fontRef idx="minor">
-            <a:schemeClr val="lt1"/>
-          </a:fontRef>
-        </p:style>
-        <p:txBody>
-          <a:bodyPr rtlCol="0" anchor="ctr"/>
-          <a:lstStyle/>
-          <a:p>
-            <a:pPr algn="ctr"/>
-            <a:endParaRPr lang="en-US"/>
-          </a:p>
-        </p:txBody>
-      </p:sp>
-      <p:sp>
-        <p:nvSpPr>
-          <p:cNvPr id="31" name="Oval 30"/>
-          <p:cNvSpPr/>
-          <p:nvPr/>
-        </p:nvSpPr>
-        <p:spPr>
-          <a:xfrm>
-            <a:off x="7658168" y="4590534"/>
-            <a:ext cx="228600" cy="228600"/>
-          </a:xfrm>
-          <a:prstGeom prst="ellipse">
-            <a:avLst/>
-          </a:prstGeom>
-          <a:noFill/>
-          <a:ln>
-            <a:solidFill>
-              <a:srgbClr val="2515F7"/>
-            </a:solidFill>
-          </a:ln>
-        </p:spPr>
-        <p:style>
-          <a:lnRef idx="2">
-            <a:schemeClr val="accent1">
-              <a:shade val="50000"/>
-            </a:schemeClr>
-          </a:lnRef>
-          <a:fillRef idx="1">
-            <a:schemeClr val="accent1"/>
-          </a:fillRef>
-          <a:effectRef idx="0">
-            <a:schemeClr val="accent1"/>
-          </a:effectRef>
-          <a:fontRef idx="minor">
-            <a:schemeClr val="lt1"/>
-          </a:fontRef>
-        </p:style>
-        <p:txBody>
-          <a:bodyPr rtlCol="0" anchor="ctr"/>
-          <a:lstStyle/>
-          <a:p>
-            <a:pPr algn="ctr"/>
-            <a:endParaRPr lang="en-US"/>
-          </a:p>
-        </p:txBody>
-      </p:sp>
-      <p:sp>
-        <p:nvSpPr>
-          <p:cNvPr id="32" name="Oval 31"/>
-          <p:cNvSpPr/>
-          <p:nvPr/>
-        </p:nvSpPr>
-        <p:spPr>
-          <a:xfrm>
-            <a:off x="7148384" y="4704834"/>
-            <a:ext cx="228600" cy="228600"/>
-          </a:xfrm>
-          <a:prstGeom prst="ellipse">
-            <a:avLst/>
-          </a:prstGeom>
-          <a:noFill/>
-          <a:ln>
-            <a:solidFill>
-              <a:srgbClr val="2515F7"/>
-            </a:solidFill>
-          </a:ln>
-        </p:spPr>
-        <p:style>
-          <a:lnRef idx="2">
-            <a:schemeClr val="accent1">
-              <a:shade val="50000"/>
-            </a:schemeClr>
-          </a:lnRef>
-          <a:fillRef idx="1">
-            <a:schemeClr val="accent1"/>
-          </a:fillRef>
-          <a:effectRef idx="0">
-            <a:schemeClr val="accent1"/>
-          </a:effectRef>
-          <a:fontRef idx="minor">
-            <a:schemeClr val="lt1"/>
-          </a:fontRef>
-        </p:style>
-        <p:txBody>
-          <a:bodyPr rtlCol="0" anchor="ctr"/>
-          <a:lstStyle/>
-          <a:p>
-            <a:pPr algn="ctr"/>
-            <a:endParaRPr lang="en-US"/>
-          </a:p>
-        </p:txBody>
-      </p:sp>
     </p:spTree>
     <p:extLst>
       <p:ext uri="{BB962C8B-B14F-4D97-AF65-F5344CB8AC3E}">
@@ -25848,7 +22633,7 @@
                                           </p:stCondLst>
                                         </p:cTn>
                                         <p:tgtEl>
-                                          <p:spTgt spid="5"/>
+                                          <p:spTgt spid="27"/>
                                         </p:tgtEl>
                                         <p:attrNameLst>
                                           <p:attrName>style.visibility</p:attrName>
@@ -25880,7 +22665,7 @@
                             </p:stCondLst>
                             <p:childTnLst>
                               <p:par>
-                                <p:cTn id="21" presetID="1" presetClass="entr" presetSubtype="0" fill="hold" grpId="0" nodeType="clickEffect">
+                                <p:cTn id="21" presetID="1" presetClass="entr" presetSubtype="0" fill="hold" nodeType="clickEffect">
                                   <p:stCondLst>
                                     <p:cond delay="0"/>
                                   </p:stCondLst>
@@ -25893,412 +22678,7 @@
                                           </p:stCondLst>
                                         </p:cTn>
                                         <p:tgtEl>
-                                          <p:spTgt spid="24"/>
-                                        </p:tgtEl>
-                                        <p:attrNameLst>
-                                          <p:attrName>style.visibility</p:attrName>
-                                        </p:attrNameLst>
-                                      </p:cBhvr>
-                                      <p:to>
-                                        <p:strVal val="visible"/>
-                                      </p:to>
-                                    </p:set>
-                                  </p:childTnLst>
-                                </p:cTn>
-                              </p:par>
-                            </p:childTnLst>
-                          </p:cTn>
-                        </p:par>
-                      </p:childTnLst>
-                    </p:cTn>
-                  </p:par>
-                  <p:par>
-                    <p:cTn id="23" fill="hold">
-                      <p:stCondLst>
-                        <p:cond delay="indefinite"/>
-                      </p:stCondLst>
-                      <p:childTnLst>
-                        <p:par>
-                          <p:cTn id="24" fill="hold">
-                            <p:stCondLst>
-                              <p:cond delay="0"/>
-                            </p:stCondLst>
-                            <p:childTnLst>
-                              <p:par>
-                                <p:cTn id="25" presetID="1" presetClass="entr" presetSubtype="0" fill="hold" nodeType="clickEffect">
-                                  <p:stCondLst>
-                                    <p:cond delay="0"/>
-                                  </p:stCondLst>
-                                  <p:childTnLst>
-                                    <p:set>
-                                      <p:cBhvr>
-                                        <p:cTn id="26" dur="1" fill="hold">
-                                          <p:stCondLst>
-                                            <p:cond delay="0"/>
-                                          </p:stCondLst>
-                                        </p:cTn>
-                                        <p:tgtEl>
-                                          <p:spTgt spid="23"/>
-                                        </p:tgtEl>
-                                        <p:attrNameLst>
-                                          <p:attrName>style.visibility</p:attrName>
-                                        </p:attrNameLst>
-                                      </p:cBhvr>
-                                      <p:to>
-                                        <p:strVal val="visible"/>
-                                      </p:to>
-                                    </p:set>
-                                  </p:childTnLst>
-                                </p:cTn>
-                              </p:par>
-                            </p:childTnLst>
-                          </p:cTn>
-                        </p:par>
-                      </p:childTnLst>
-                    </p:cTn>
-                  </p:par>
-                  <p:par>
-                    <p:cTn id="27" fill="hold">
-                      <p:stCondLst>
-                        <p:cond delay="indefinite"/>
-                      </p:stCondLst>
-                      <p:childTnLst>
-                        <p:par>
-                          <p:cTn id="28" fill="hold">
-                            <p:stCondLst>
-                              <p:cond delay="0"/>
-                            </p:stCondLst>
-                            <p:childTnLst>
-                              <p:par>
-                                <p:cTn id="29" presetID="1" presetClass="entr" presetSubtype="0" fill="hold" grpId="0" nodeType="clickEffect">
-                                  <p:stCondLst>
-                                    <p:cond delay="0"/>
-                                  </p:stCondLst>
-                                  <p:childTnLst>
-                                    <p:set>
-                                      <p:cBhvr>
-                                        <p:cTn id="30" dur="1" fill="hold">
-                                          <p:stCondLst>
-                                            <p:cond delay="0"/>
-                                          </p:stCondLst>
-                                        </p:cTn>
-                                        <p:tgtEl>
-                                          <p:spTgt spid="25"/>
-                                        </p:tgtEl>
-                                        <p:attrNameLst>
-                                          <p:attrName>style.visibility</p:attrName>
-                                        </p:attrNameLst>
-                                      </p:cBhvr>
-                                      <p:to>
-                                        <p:strVal val="visible"/>
-                                      </p:to>
-                                    </p:set>
-                                  </p:childTnLst>
-                                </p:cTn>
-                              </p:par>
-                            </p:childTnLst>
-                          </p:cTn>
-                        </p:par>
-                      </p:childTnLst>
-                    </p:cTn>
-                  </p:par>
-                  <p:par>
-                    <p:cTn id="31" fill="hold">
-                      <p:stCondLst>
-                        <p:cond delay="indefinite"/>
-                      </p:stCondLst>
-                      <p:childTnLst>
-                        <p:par>
-                          <p:cTn id="32" fill="hold">
-                            <p:stCondLst>
-                              <p:cond delay="0"/>
-                            </p:stCondLst>
-                            <p:childTnLst>
-                              <p:par>
-                                <p:cTn id="33" presetID="1" presetClass="entr" presetSubtype="0" fill="hold" nodeType="clickEffect">
-                                  <p:stCondLst>
-                                    <p:cond delay="0"/>
-                                  </p:stCondLst>
-                                  <p:childTnLst>
-                                    <p:set>
-                                      <p:cBhvr>
-                                        <p:cTn id="34" dur="1" fill="hold">
-                                          <p:stCondLst>
-                                            <p:cond delay="0"/>
-                                          </p:stCondLst>
-                                        </p:cTn>
-                                        <p:tgtEl>
-                                          <p:spTgt spid="27"/>
-                                        </p:tgtEl>
-                                        <p:attrNameLst>
-                                          <p:attrName>style.visibility</p:attrName>
-                                        </p:attrNameLst>
-                                      </p:cBhvr>
-                                      <p:to>
-                                        <p:strVal val="visible"/>
-                                      </p:to>
-                                    </p:set>
-                                  </p:childTnLst>
-                                </p:cTn>
-                              </p:par>
-                            </p:childTnLst>
-                          </p:cTn>
-                        </p:par>
-                      </p:childTnLst>
-                    </p:cTn>
-                  </p:par>
-                  <p:par>
-                    <p:cTn id="35" fill="hold">
-                      <p:stCondLst>
-                        <p:cond delay="indefinite"/>
-                      </p:stCondLst>
-                      <p:childTnLst>
-                        <p:par>
-                          <p:cTn id="36" fill="hold">
-                            <p:stCondLst>
-                              <p:cond delay="0"/>
-                            </p:stCondLst>
-                            <p:childTnLst>
-                              <p:par>
-                                <p:cTn id="37" presetID="1" presetClass="entr" presetSubtype="0" fill="hold" grpId="0" nodeType="clickEffect">
-                                  <p:stCondLst>
-                                    <p:cond delay="0"/>
-                                  </p:stCondLst>
-                                  <p:childTnLst>
-                                    <p:set>
-                                      <p:cBhvr>
-                                        <p:cTn id="38" dur="1" fill="hold">
-                                          <p:stCondLst>
-                                            <p:cond delay="0"/>
-                                          </p:stCondLst>
-                                        </p:cTn>
-                                        <p:tgtEl>
-                                          <p:spTgt spid="28"/>
-                                        </p:tgtEl>
-                                        <p:attrNameLst>
-                                          <p:attrName>style.visibility</p:attrName>
-                                        </p:attrNameLst>
-                                      </p:cBhvr>
-                                      <p:to>
-                                        <p:strVal val="visible"/>
-                                      </p:to>
-                                    </p:set>
-                                  </p:childTnLst>
-                                </p:cTn>
-                              </p:par>
-                            </p:childTnLst>
-                          </p:cTn>
-                        </p:par>
-                      </p:childTnLst>
-                    </p:cTn>
-                  </p:par>
-                  <p:par>
-                    <p:cTn id="39" fill="hold">
-                      <p:stCondLst>
-                        <p:cond delay="indefinite"/>
-                      </p:stCondLst>
-                      <p:childTnLst>
-                        <p:par>
-                          <p:cTn id="40" fill="hold">
-                            <p:stCondLst>
-                              <p:cond delay="0"/>
-                            </p:stCondLst>
-                            <p:childTnLst>
-                              <p:par>
-                                <p:cTn id="41" presetID="1" presetClass="entr" presetSubtype="0" fill="hold" nodeType="clickEffect">
-                                  <p:stCondLst>
-                                    <p:cond delay="0"/>
-                                  </p:stCondLst>
-                                  <p:childTnLst>
-                                    <p:set>
-                                      <p:cBhvr>
-                                        <p:cTn id="42" dur="1" fill="hold">
-                                          <p:stCondLst>
-                                            <p:cond delay="0"/>
-                                          </p:stCondLst>
-                                        </p:cTn>
-                                        <p:tgtEl>
                                           <p:spTgt spid="26"/>
-                                        </p:tgtEl>
-                                        <p:attrNameLst>
-                                          <p:attrName>style.visibility</p:attrName>
-                                        </p:attrNameLst>
-                                      </p:cBhvr>
-                                      <p:to>
-                                        <p:strVal val="visible"/>
-                                      </p:to>
-                                    </p:set>
-                                  </p:childTnLst>
-                                </p:cTn>
-                              </p:par>
-                            </p:childTnLst>
-                          </p:cTn>
-                        </p:par>
-                      </p:childTnLst>
-                    </p:cTn>
-                  </p:par>
-                  <p:par>
-                    <p:cTn id="43" fill="hold">
-                      <p:stCondLst>
-                        <p:cond delay="indefinite"/>
-                      </p:stCondLst>
-                      <p:childTnLst>
-                        <p:par>
-                          <p:cTn id="44" fill="hold">
-                            <p:stCondLst>
-                              <p:cond delay="0"/>
-                            </p:stCondLst>
-                            <p:childTnLst>
-                              <p:par>
-                                <p:cTn id="45" presetID="1" presetClass="entr" presetSubtype="0" fill="hold" grpId="0" nodeType="clickEffect">
-                                  <p:stCondLst>
-                                    <p:cond delay="0"/>
-                                  </p:stCondLst>
-                                  <p:childTnLst>
-                                    <p:set>
-                                      <p:cBhvr>
-                                        <p:cTn id="46" dur="1" fill="hold">
-                                          <p:stCondLst>
-                                            <p:cond delay="0"/>
-                                          </p:stCondLst>
-                                        </p:cTn>
-                                        <p:tgtEl>
-                                          <p:spTgt spid="29"/>
-                                        </p:tgtEl>
-                                        <p:attrNameLst>
-                                          <p:attrName>style.visibility</p:attrName>
-                                        </p:attrNameLst>
-                                      </p:cBhvr>
-                                      <p:to>
-                                        <p:strVal val="visible"/>
-                                      </p:to>
-                                    </p:set>
-                                  </p:childTnLst>
-                                </p:cTn>
-                              </p:par>
-                            </p:childTnLst>
-                          </p:cTn>
-                        </p:par>
-                      </p:childTnLst>
-                    </p:cTn>
-                  </p:par>
-                  <p:par>
-                    <p:cTn id="47" fill="hold">
-                      <p:stCondLst>
-                        <p:cond delay="indefinite"/>
-                      </p:stCondLst>
-                      <p:childTnLst>
-                        <p:par>
-                          <p:cTn id="48" fill="hold">
-                            <p:stCondLst>
-                              <p:cond delay="0"/>
-                            </p:stCondLst>
-                            <p:childTnLst>
-                              <p:par>
-                                <p:cTn id="49" presetID="1" presetClass="entr" presetSubtype="0" fill="hold" grpId="0" nodeType="clickEffect">
-                                  <p:stCondLst>
-                                    <p:cond delay="0"/>
-                                  </p:stCondLst>
-                                  <p:childTnLst>
-                                    <p:set>
-                                      <p:cBhvr>
-                                        <p:cTn id="50" dur="1" fill="hold">
-                                          <p:stCondLst>
-                                            <p:cond delay="0"/>
-                                          </p:stCondLst>
-                                        </p:cTn>
-                                        <p:tgtEl>
-                                          <p:spTgt spid="30"/>
-                                        </p:tgtEl>
-                                        <p:attrNameLst>
-                                          <p:attrName>style.visibility</p:attrName>
-                                        </p:attrNameLst>
-                                      </p:cBhvr>
-                                      <p:to>
-                                        <p:strVal val="visible"/>
-                                      </p:to>
-                                    </p:set>
-                                  </p:childTnLst>
-                                </p:cTn>
-                              </p:par>
-                            </p:childTnLst>
-                          </p:cTn>
-                        </p:par>
-                      </p:childTnLst>
-                    </p:cTn>
-                  </p:par>
-                  <p:par>
-                    <p:cTn id="51" fill="hold">
-                      <p:stCondLst>
-                        <p:cond delay="indefinite"/>
-                      </p:stCondLst>
-                      <p:childTnLst>
-                        <p:par>
-                          <p:cTn id="52" fill="hold">
-                            <p:stCondLst>
-                              <p:cond delay="0"/>
-                            </p:stCondLst>
-                            <p:childTnLst>
-                              <p:par>
-                                <p:cTn id="53" presetID="1" presetClass="entr" presetSubtype="0" fill="hold" grpId="0" nodeType="clickEffect">
-                                  <p:stCondLst>
-                                    <p:cond delay="0"/>
-                                  </p:stCondLst>
-                                  <p:childTnLst>
-                                    <p:set>
-                                      <p:cBhvr>
-                                        <p:cTn id="54" dur="1" fill="hold">
-                                          <p:stCondLst>
-                                            <p:cond delay="0"/>
-                                          </p:stCondLst>
-                                        </p:cTn>
-                                        <p:tgtEl>
-                                          <p:spTgt spid="32"/>
-                                        </p:tgtEl>
-                                        <p:attrNameLst>
-                                          <p:attrName>style.visibility</p:attrName>
-                                        </p:attrNameLst>
-                                      </p:cBhvr>
-                                      <p:to>
-                                        <p:strVal val="visible"/>
-                                      </p:to>
-                                    </p:set>
-                                  </p:childTnLst>
-                                </p:cTn>
-                              </p:par>
-                            </p:childTnLst>
-                          </p:cTn>
-                        </p:par>
-                      </p:childTnLst>
-                    </p:cTn>
-                  </p:par>
-                  <p:par>
-                    <p:cTn id="55" fill="hold">
-                      <p:stCondLst>
-                        <p:cond delay="indefinite"/>
-                      </p:stCondLst>
-                      <p:childTnLst>
-                        <p:par>
-                          <p:cTn id="56" fill="hold">
-                            <p:stCondLst>
-                              <p:cond delay="0"/>
-                            </p:stCondLst>
-                            <p:childTnLst>
-                              <p:par>
-                                <p:cTn id="57" presetID="1" presetClass="entr" presetSubtype="0" fill="hold" grpId="0" nodeType="clickEffect">
-                                  <p:stCondLst>
-                                    <p:cond delay="0"/>
-                                  </p:stCondLst>
-                                  <p:childTnLst>
-                                    <p:set>
-                                      <p:cBhvr>
-                                        <p:cTn id="58" dur="1" fill="hold">
-                                          <p:stCondLst>
-                                            <p:cond delay="0"/>
-                                          </p:stCondLst>
-                                        </p:cTn>
-                                        <p:tgtEl>
-                                          <p:spTgt spid="31"/>
                                         </p:tgtEl>
                                         <p:attrNameLst>
                                           <p:attrName>style.visibility</p:attrName>
@@ -26340,13 +22720,925 @@
     </p:tnLst>
     <p:bldLst>
       <p:bldP spid="16" grpId="0"/>
-      <p:bldP spid="24" grpId="0" animBg="1"/>
-      <p:bldP spid="25" grpId="0" animBg="1"/>
-      <p:bldP spid="28" grpId="0" animBg="1"/>
-      <p:bldP spid="29" grpId="0" animBg="1"/>
-      <p:bldP spid="30" grpId="0" animBg="1"/>
-      <p:bldP spid="31" grpId="0" animBg="1"/>
-      <p:bldP spid="32" grpId="0" animBg="1"/>
+    </p:bldLst>
+  </p:timing>
+</p:sld>
+</file>
+
+<file path=ppt/slides/slide9.xml><?xml version="1.0" encoding="utf-8"?>
+<p:sld xmlns:a="http://schemas.openxmlformats.org/drawingml/2006/main" xmlns:r="http://schemas.openxmlformats.org/officeDocument/2006/relationships" xmlns:p="http://schemas.openxmlformats.org/presentationml/2006/main">
+  <p:cSld>
+    <p:spTree>
+      <p:nvGrpSpPr>
+        <p:cNvPr id="1" name=""/>
+        <p:cNvGrpSpPr/>
+        <p:nvPr/>
+      </p:nvGrpSpPr>
+      <p:grpSpPr>
+        <a:xfrm>
+          <a:off x="0" y="0"/>
+          <a:ext cx="0" cy="0"/>
+          <a:chOff x="0" y="0"/>
+          <a:chExt cx="0" cy="0"/>
+        </a:xfrm>
+      </p:grpSpPr>
+      <p:sp>
+        <p:nvSpPr>
+          <p:cNvPr id="10" name="Rectangle 9"/>
+          <p:cNvSpPr/>
+          <p:nvPr/>
+        </p:nvSpPr>
+        <p:spPr>
+          <a:xfrm>
+            <a:off x="0" y="12106"/>
+            <a:ext cx="1011942" cy="6854083"/>
+          </a:xfrm>
+          <a:prstGeom prst="rect">
+            <a:avLst/>
+          </a:prstGeom>
+          <a:gradFill flip="none" rotWithShape="1">
+            <a:gsLst>
+              <a:gs pos="50000">
+                <a:srgbClr val="D00000"/>
+              </a:gs>
+              <a:gs pos="0">
+                <a:srgbClr val="FF0000">
+                  <a:shade val="30000"/>
+                  <a:satMod val="115000"/>
+                </a:srgbClr>
+              </a:gs>
+              <a:gs pos="100000">
+                <a:schemeClr val="accent2">
+                  <a:lumMod val="60000"/>
+                  <a:lumOff val="40000"/>
+                </a:schemeClr>
+              </a:gs>
+            </a:gsLst>
+            <a:lin ang="5400000" scaled="1"/>
+            <a:tileRect/>
+          </a:gradFill>
+          <a:ln>
+            <a:noFill/>
+          </a:ln>
+        </p:spPr>
+        <p:style>
+          <a:lnRef idx="2">
+            <a:schemeClr val="accent1">
+              <a:shade val="50000"/>
+            </a:schemeClr>
+          </a:lnRef>
+          <a:fillRef idx="1">
+            <a:schemeClr val="accent1"/>
+          </a:fillRef>
+          <a:effectRef idx="0">
+            <a:schemeClr val="accent1"/>
+          </a:effectRef>
+          <a:fontRef idx="minor">
+            <a:schemeClr val="lt1"/>
+          </a:fontRef>
+        </p:style>
+        <p:txBody>
+          <a:bodyPr rtlCol="0" anchor="ctr"/>
+          <a:lstStyle/>
+          <a:p>
+            <a:pPr algn="ctr"/>
+            <a:endParaRPr lang="tr-TR"/>
+          </a:p>
+        </p:txBody>
+      </p:sp>
+      <p:cxnSp>
+        <p:nvCxnSpPr>
+          <p:cNvPr id="11" name="Straight Connector 10"/>
+          <p:cNvCxnSpPr/>
+          <p:nvPr/>
+        </p:nvCxnSpPr>
+        <p:spPr>
+          <a:xfrm>
+            <a:off x="1189918" y="838200"/>
+            <a:ext cx="7649282" cy="0"/>
+          </a:xfrm>
+          <a:prstGeom prst="line">
+            <a:avLst/>
+          </a:prstGeom>
+          <a:ln w="50800">
+            <a:solidFill>
+              <a:srgbClr val="F20000"/>
+            </a:solidFill>
+          </a:ln>
+        </p:spPr>
+        <p:style>
+          <a:lnRef idx="1">
+            <a:schemeClr val="accent1"/>
+          </a:lnRef>
+          <a:fillRef idx="0">
+            <a:schemeClr val="accent1"/>
+          </a:fillRef>
+          <a:effectRef idx="0">
+            <a:schemeClr val="accent1"/>
+          </a:effectRef>
+          <a:fontRef idx="minor">
+            <a:schemeClr val="tx1"/>
+          </a:fontRef>
+        </p:style>
+      </p:cxnSp>
+      <p:sp>
+        <p:nvSpPr>
+          <p:cNvPr id="13" name="TextBox 12"/>
+          <p:cNvSpPr txBox="1"/>
+          <p:nvPr/>
+        </p:nvSpPr>
+        <p:spPr>
+          <a:xfrm>
+            <a:off x="1386291" y="224135"/>
+            <a:ext cx="7315200" cy="553998"/>
+          </a:xfrm>
+          <a:prstGeom prst="rect">
+            <a:avLst/>
+          </a:prstGeom>
+          <a:noFill/>
+        </p:spPr>
+        <p:txBody>
+          <a:bodyPr wrap="square" rtlCol="0">
+            <a:spAutoFit/>
+          </a:bodyPr>
+          <a:lstStyle/>
+          <a:p>
+            <a:pPr algn="ctr"/>
+            <a:r>
+              <a:rPr lang="tr-TR" sz="3000" dirty="0" smtClean="0">
+                <a:latin typeface="Times New Roman" panose="02020603050405020304" pitchFamily="18" charset="0"/>
+                <a:cs typeface="Times New Roman" panose="02020603050405020304" pitchFamily="18" charset="0"/>
+              </a:rPr>
+              <a:t>Design </a:t>
+            </a:r>
+            <a:r>
+              <a:rPr lang="tr-TR" sz="3000" dirty="0" err="1" smtClean="0">
+                <a:latin typeface="Times New Roman" panose="02020603050405020304" pitchFamily="18" charset="0"/>
+                <a:cs typeface="Times New Roman" panose="02020603050405020304" pitchFamily="18" charset="0"/>
+              </a:rPr>
+              <a:t>Parameter</a:t>
+            </a:r>
+            <a:r>
+              <a:rPr lang="tr-TR" sz="3000" dirty="0" smtClean="0">
+                <a:latin typeface="Times New Roman" panose="02020603050405020304" pitchFamily="18" charset="0"/>
+                <a:cs typeface="Times New Roman" panose="02020603050405020304" pitchFamily="18" charset="0"/>
+              </a:rPr>
+              <a:t> Evaluation</a:t>
+            </a:r>
+            <a:endParaRPr lang="en-US" sz="3000" dirty="0">
+              <a:latin typeface="Times New Roman" panose="02020603050405020304" pitchFamily="18" charset="0"/>
+              <a:cs typeface="Times New Roman" panose="02020603050405020304" pitchFamily="18" charset="0"/>
+            </a:endParaRPr>
+          </a:p>
+        </p:txBody>
+      </p:sp>
+      <p:cxnSp>
+        <p:nvCxnSpPr>
+          <p:cNvPr id="15" name="Straight Connector 14"/>
+          <p:cNvCxnSpPr/>
+          <p:nvPr/>
+        </p:nvCxnSpPr>
+        <p:spPr>
+          <a:xfrm>
+            <a:off x="1189918" y="914400"/>
+            <a:ext cx="7649282" cy="0"/>
+          </a:xfrm>
+          <a:prstGeom prst="line">
+            <a:avLst/>
+          </a:prstGeom>
+          <a:ln w="19050">
+            <a:solidFill>
+              <a:srgbClr val="F20000"/>
+            </a:solidFill>
+          </a:ln>
+        </p:spPr>
+        <p:style>
+          <a:lnRef idx="1">
+            <a:schemeClr val="accent1"/>
+          </a:lnRef>
+          <a:fillRef idx="0">
+            <a:schemeClr val="accent1"/>
+          </a:fillRef>
+          <a:effectRef idx="0">
+            <a:schemeClr val="accent1"/>
+          </a:effectRef>
+          <a:fontRef idx="minor">
+            <a:schemeClr val="tx1"/>
+          </a:fontRef>
+        </p:style>
+      </p:cxnSp>
+      <p:sp>
+        <p:nvSpPr>
+          <p:cNvPr id="2" name="Slide Number Placeholder 1"/>
+          <p:cNvSpPr>
+            <a:spLocks noGrp="1"/>
+          </p:cNvSpPr>
+          <p:nvPr>
+            <p:ph type="sldNum" sz="quarter" idx="12"/>
+          </p:nvPr>
+        </p:nvSpPr>
+        <p:spPr>
+          <a:xfrm>
+            <a:off x="6583199" y="5873320"/>
+            <a:ext cx="2133600" cy="365125"/>
+          </a:xfrm>
+        </p:spPr>
+        <p:txBody>
+          <a:bodyPr/>
+          <a:lstStyle/>
+          <a:p>
+            <a:fld id="{B6F15528-21DE-4FAA-801E-634DDDAF4B2B}" type="slidenum">
+              <a:rPr lang="en-US" smtClean="0"/>
+              <a:pPr/>
+              <a:t>9</a:t>
+            </a:fld>
+            <a:endParaRPr lang="en-US" dirty="0"/>
+          </a:p>
+        </p:txBody>
+      </p:sp>
+      <p:pic>
+        <p:nvPicPr>
+          <p:cNvPr id="12" name="Picture 2" descr="C:\Users\Mesut\Desktop\aselsan sunum\aselsan sunum 10 ekim\aselsan sunum\cezmi bey\ODTU.png"/>
+          <p:cNvPicPr>
+            <a:picLocks noChangeAspect="1" noChangeArrowheads="1"/>
+          </p:cNvPicPr>
+          <p:nvPr/>
+        </p:nvPicPr>
+        <p:blipFill>
+          <a:blip r:embed="rId3" cstate="print">
+            <a:extLst>
+              <a:ext uri="{28A0092B-C50C-407E-A947-70E740481C1C}">
+                <a14:useLocalDpi xmlns:a14="http://schemas.microsoft.com/office/drawing/2010/main" val="0"/>
+              </a:ext>
+            </a:extLst>
+          </a:blip>
+          <a:srcRect/>
+          <a:stretch>
+            <a:fillRect/>
+          </a:stretch>
+        </p:blipFill>
+        <p:spPr bwMode="auto">
+          <a:xfrm>
+            <a:off x="116458" y="163788"/>
+            <a:ext cx="779026" cy="650016"/>
+          </a:xfrm>
+          <a:prstGeom prst="rect">
+            <a:avLst/>
+          </a:prstGeom>
+          <a:noFill/>
+          <a:extLst>
+            <a:ext uri="{909E8E84-426E-40DD-AFC4-6F175D3DCCD1}">
+              <a14:hiddenFill xmlns:a14="http://schemas.microsoft.com/office/drawing/2010/main">
+                <a:solidFill>
+                  <a:srgbClr val="FFFFFF"/>
+                </a:solidFill>
+              </a14:hiddenFill>
+            </a:ext>
+          </a:extLst>
+        </p:spPr>
+      </p:pic>
+      <p:pic>
+        <p:nvPicPr>
+          <p:cNvPr id="14" name="Picture 13"/>
+          <p:cNvPicPr>
+            <a:picLocks noChangeAspect="1"/>
+          </p:cNvPicPr>
+          <p:nvPr/>
+        </p:nvPicPr>
+        <p:blipFill rotWithShape="1">
+          <a:blip r:embed="rId4"/>
+          <a:srcRect t="1741" b="7727"/>
+          <a:stretch/>
+        </p:blipFill>
+        <p:spPr>
+          <a:xfrm rot="16200000">
+            <a:off x="-315548" y="5538698"/>
+            <a:ext cx="1643039" cy="1011942"/>
+          </a:xfrm>
+          <a:prstGeom prst="rect">
+            <a:avLst/>
+          </a:prstGeom>
+        </p:spPr>
+      </p:pic>
+      <p:sp>
+        <p:nvSpPr>
+          <p:cNvPr id="3" name="Rectangle 2"/>
+          <p:cNvSpPr>
+            <a:spLocks noChangeArrowheads="1"/>
+          </p:cNvSpPr>
+          <p:nvPr/>
+        </p:nvSpPr>
+        <p:spPr bwMode="auto">
+          <a:xfrm>
+            <a:off x="0" y="0"/>
+            <a:ext cx="9144000" cy="0"/>
+          </a:xfrm>
+          <a:prstGeom prst="rect">
+            <a:avLst/>
+          </a:prstGeom>
+          <a:noFill/>
+          <a:ln>
+            <a:noFill/>
+          </a:ln>
+          <a:effectLst/>
+          <a:extLst>
+            <a:ext uri="{909E8E84-426E-40DD-AFC4-6F175D3DCCD1}">
+              <a14:hiddenFill xmlns:a14="http://schemas.microsoft.com/office/drawing/2010/main">
+                <a:solidFill>
+                  <a:schemeClr val="accent1"/>
+                </a:solidFill>
+              </a14:hiddenFill>
+            </a:ext>
+            <a:ext uri="{91240B29-F687-4F45-9708-019B960494DF}">
+              <a14:hiddenLine xmlns:a14="http://schemas.microsoft.com/office/drawing/2010/main" w="9525">
+                <a:solidFill>
+                  <a:schemeClr val="tx1"/>
+                </a:solidFill>
+                <a:miter lim="800000"/>
+                <a:headEnd/>
+                <a:tailEnd/>
+              </a14:hiddenLine>
+            </a:ext>
+            <a:ext uri="{AF507438-7753-43E0-B8FC-AC1667EBCBE1}">
+              <a14:hiddenEffects xmlns:a14="http://schemas.microsoft.com/office/drawing/2010/main">
+                <a:effectLst>
+                  <a:outerShdw dist="35921" dir="2700000" algn="ctr" rotWithShape="0">
+                    <a:schemeClr val="bg2"/>
+                  </a:outerShdw>
+                </a:effectLst>
+              </a14:hiddenEffects>
+            </a:ext>
+          </a:extLst>
+        </p:spPr>
+        <p:txBody>
+          <a:bodyPr vert="horz" wrap="none" lIns="91440" tIns="45720" rIns="91440" bIns="45720" numCol="1" anchor="ctr" anchorCtr="0" compatLnSpc="1">
+            <a:prstTxWarp prst="textNoShape">
+              <a:avLst/>
+            </a:prstTxWarp>
+            <a:spAutoFit/>
+          </a:bodyPr>
+          <a:lstStyle/>
+          <a:p>
+            <a:endParaRPr lang="en-US"/>
+          </a:p>
+        </p:txBody>
+      </p:sp>
+      <p:sp>
+        <p:nvSpPr>
+          <p:cNvPr id="7" name="Rectangle 4"/>
+          <p:cNvSpPr>
+            <a:spLocks noChangeArrowheads="1"/>
+          </p:cNvSpPr>
+          <p:nvPr/>
+        </p:nvSpPr>
+        <p:spPr bwMode="auto">
+          <a:xfrm>
+            <a:off x="0" y="0"/>
+            <a:ext cx="9144000" cy="0"/>
+          </a:xfrm>
+          <a:prstGeom prst="rect">
+            <a:avLst/>
+          </a:prstGeom>
+          <a:noFill/>
+          <a:ln>
+            <a:noFill/>
+          </a:ln>
+          <a:effectLst/>
+          <a:extLst>
+            <a:ext uri="{909E8E84-426E-40DD-AFC4-6F175D3DCCD1}">
+              <a14:hiddenFill xmlns:a14="http://schemas.microsoft.com/office/drawing/2010/main">
+                <a:solidFill>
+                  <a:schemeClr val="accent1"/>
+                </a:solidFill>
+              </a14:hiddenFill>
+            </a:ext>
+            <a:ext uri="{91240B29-F687-4F45-9708-019B960494DF}">
+              <a14:hiddenLine xmlns:a14="http://schemas.microsoft.com/office/drawing/2010/main" w="9525">
+                <a:solidFill>
+                  <a:schemeClr val="tx1"/>
+                </a:solidFill>
+                <a:miter lim="800000"/>
+                <a:headEnd/>
+                <a:tailEnd/>
+              </a14:hiddenLine>
+            </a:ext>
+            <a:ext uri="{AF507438-7753-43E0-B8FC-AC1667EBCBE1}">
+              <a14:hiddenEffects xmlns:a14="http://schemas.microsoft.com/office/drawing/2010/main">
+                <a:effectLst>
+                  <a:outerShdw dist="35921" dir="2700000" algn="ctr" rotWithShape="0">
+                    <a:schemeClr val="bg2"/>
+                  </a:outerShdw>
+                </a:effectLst>
+              </a14:hiddenEffects>
+            </a:ext>
+          </a:extLst>
+        </p:spPr>
+        <p:txBody>
+          <a:bodyPr vert="horz" wrap="none" lIns="91440" tIns="45720" rIns="91440" bIns="45720" numCol="1" anchor="ctr" anchorCtr="0" compatLnSpc="1">
+            <a:prstTxWarp prst="textNoShape">
+              <a:avLst/>
+            </a:prstTxWarp>
+            <a:spAutoFit/>
+          </a:bodyPr>
+          <a:lstStyle/>
+          <a:p>
+            <a:endParaRPr lang="en-US"/>
+          </a:p>
+        </p:txBody>
+      </p:sp>
+      <p:sp>
+        <p:nvSpPr>
+          <p:cNvPr id="16" name="TextBox 15"/>
+          <p:cNvSpPr txBox="1"/>
+          <p:nvPr/>
+        </p:nvSpPr>
+        <p:spPr>
+          <a:xfrm>
+            <a:off x="1227444" y="957837"/>
+            <a:ext cx="7619376" cy="369332"/>
+          </a:xfrm>
+          <a:prstGeom prst="rect">
+            <a:avLst/>
+          </a:prstGeom>
+          <a:noFill/>
+        </p:spPr>
+        <p:txBody>
+          <a:bodyPr wrap="square" rtlCol="0">
+            <a:spAutoFit/>
+          </a:bodyPr>
+          <a:lstStyle/>
+          <a:p>
+            <a:pPr algn="ctr">
+              <a:spcAft>
+                <a:spcPts val="1200"/>
+              </a:spcAft>
+            </a:pPr>
+            <a:r>
+              <a:rPr lang="tr-TR" dirty="0" err="1" smtClean="0">
+                <a:latin typeface="Helvetica" panose="020B0604020202020204" pitchFamily="34" charset="0"/>
+                <a:cs typeface="Helvetica" panose="020B0604020202020204" pitchFamily="34" charset="0"/>
+              </a:rPr>
+              <a:t>Modulation</a:t>
+            </a:r>
+            <a:r>
+              <a:rPr lang="tr-TR" dirty="0" smtClean="0">
+                <a:latin typeface="Helvetica" panose="020B0604020202020204" pitchFamily="34" charset="0"/>
+                <a:cs typeface="Helvetica" panose="020B0604020202020204" pitchFamily="34" charset="0"/>
+              </a:rPr>
+              <a:t> </a:t>
+            </a:r>
+            <a:r>
+              <a:rPr lang="tr-TR" dirty="0" err="1" smtClean="0">
+                <a:latin typeface="Helvetica" panose="020B0604020202020204" pitchFamily="34" charset="0"/>
+                <a:cs typeface="Helvetica" panose="020B0604020202020204" pitchFamily="34" charset="0"/>
+              </a:rPr>
+              <a:t>index</a:t>
+            </a:r>
+            <a:r>
+              <a:rPr lang="tr-TR" dirty="0" smtClean="0">
+                <a:latin typeface="Helvetica" panose="020B0604020202020204" pitchFamily="34" charset="0"/>
+                <a:cs typeface="Helvetica" panose="020B0604020202020204" pitchFamily="34" charset="0"/>
+              </a:rPr>
+              <a:t> &amp; </a:t>
+            </a:r>
+            <a:r>
+              <a:rPr lang="tr-TR" dirty="0" err="1" smtClean="0">
+                <a:latin typeface="Helvetica" panose="020B0604020202020204" pitchFamily="34" charset="0"/>
+                <a:cs typeface="Helvetica" panose="020B0604020202020204" pitchFamily="34" charset="0"/>
+              </a:rPr>
+              <a:t>Number</a:t>
+            </a:r>
+            <a:r>
+              <a:rPr lang="tr-TR" dirty="0" smtClean="0">
+                <a:latin typeface="Helvetica" panose="020B0604020202020204" pitchFamily="34" charset="0"/>
+                <a:cs typeface="Helvetica" panose="020B0604020202020204" pitchFamily="34" charset="0"/>
+              </a:rPr>
+              <a:t> of </a:t>
+            </a:r>
+            <a:r>
+              <a:rPr lang="tr-TR" dirty="0" err="1" smtClean="0">
+                <a:latin typeface="Helvetica" panose="020B0604020202020204" pitchFamily="34" charset="0"/>
+                <a:cs typeface="Helvetica" panose="020B0604020202020204" pitchFamily="34" charset="0"/>
+              </a:rPr>
+              <a:t>modules</a:t>
+            </a:r>
+            <a:endParaRPr lang="en-US" dirty="0" smtClean="0">
+              <a:latin typeface="Helvetica" panose="020B0604020202020204" pitchFamily="34" charset="0"/>
+              <a:cs typeface="Helvetica" panose="020B0604020202020204" pitchFamily="34" charset="0"/>
+            </a:endParaRPr>
+          </a:p>
+        </p:txBody>
+      </p:sp>
+      <p:pic>
+        <p:nvPicPr>
+          <p:cNvPr id="33" name="Picture 32"/>
+          <p:cNvPicPr/>
+          <p:nvPr/>
+        </p:nvPicPr>
+        <p:blipFill rotWithShape="1">
+          <a:blip r:embed="rId5" cstate="print">
+            <a:extLst>
+              <a:ext uri="{28A0092B-C50C-407E-A947-70E740481C1C}">
+                <a14:useLocalDpi xmlns:a14="http://schemas.microsoft.com/office/drawing/2010/main" val="0"/>
+              </a:ext>
+            </a:extLst>
+          </a:blip>
+          <a:srcRect r="8333"/>
+          <a:stretch/>
+        </p:blipFill>
+        <p:spPr bwMode="auto">
+          <a:xfrm>
+            <a:off x="1227444" y="1370605"/>
+            <a:ext cx="3352800" cy="2535237"/>
+          </a:xfrm>
+          <a:prstGeom prst="rect">
+            <a:avLst/>
+          </a:prstGeom>
+          <a:noFill/>
+          <a:ln>
+            <a:noFill/>
+          </a:ln>
+          <a:extLst>
+            <a:ext uri="{53640926-AAD7-44D8-BBD7-CCE9431645EC}">
+              <a14:shadowObscured xmlns:a14="http://schemas.microsoft.com/office/drawing/2010/main"/>
+            </a:ext>
+          </a:extLst>
+        </p:spPr>
+      </p:pic>
+      <p:pic>
+        <p:nvPicPr>
+          <p:cNvPr id="34" name="Picture 33"/>
+          <p:cNvPicPr/>
+          <p:nvPr/>
+        </p:nvPicPr>
+        <p:blipFill rotWithShape="1">
+          <a:blip r:embed="rId6" cstate="print">
+            <a:extLst>
+              <a:ext uri="{28A0092B-C50C-407E-A947-70E740481C1C}">
+                <a14:useLocalDpi xmlns:a14="http://schemas.microsoft.com/office/drawing/2010/main" val="0"/>
+              </a:ext>
+            </a:extLst>
+          </a:blip>
+          <a:srcRect r="8914"/>
+          <a:stretch/>
+        </p:blipFill>
+        <p:spPr bwMode="auto">
+          <a:xfrm>
+            <a:off x="5043891" y="1415274"/>
+            <a:ext cx="3437982" cy="2376482"/>
+          </a:xfrm>
+          <a:prstGeom prst="rect">
+            <a:avLst/>
+          </a:prstGeom>
+          <a:noFill/>
+          <a:ln>
+            <a:noFill/>
+          </a:ln>
+          <a:extLst>
+            <a:ext uri="{53640926-AAD7-44D8-BBD7-CCE9431645EC}">
+              <a14:shadowObscured xmlns:a14="http://schemas.microsoft.com/office/drawing/2010/main"/>
+            </a:ext>
+          </a:extLst>
+        </p:spPr>
+      </p:pic>
+      <p:pic>
+        <p:nvPicPr>
+          <p:cNvPr id="35" name="Picture 34"/>
+          <p:cNvPicPr/>
+          <p:nvPr/>
+        </p:nvPicPr>
+        <p:blipFill rotWithShape="1">
+          <a:blip r:embed="rId7" cstate="print">
+            <a:extLst>
+              <a:ext uri="{28A0092B-C50C-407E-A947-70E740481C1C}">
+                <a14:useLocalDpi xmlns:a14="http://schemas.microsoft.com/office/drawing/2010/main" val="0"/>
+              </a:ext>
+            </a:extLst>
+          </a:blip>
+          <a:srcRect l="2063" r="8949"/>
+          <a:stretch/>
+        </p:blipFill>
+        <p:spPr bwMode="auto">
+          <a:xfrm>
+            <a:off x="1261603" y="4038600"/>
+            <a:ext cx="3352800" cy="2582038"/>
+          </a:xfrm>
+          <a:prstGeom prst="rect">
+            <a:avLst/>
+          </a:prstGeom>
+          <a:noFill/>
+          <a:ln>
+            <a:noFill/>
+          </a:ln>
+          <a:extLst>
+            <a:ext uri="{53640926-AAD7-44D8-BBD7-CCE9431645EC}">
+              <a14:shadowObscured xmlns:a14="http://schemas.microsoft.com/office/drawing/2010/main"/>
+            </a:ext>
+          </a:extLst>
+        </p:spPr>
+      </p:pic>
+      <p:pic>
+        <p:nvPicPr>
+          <p:cNvPr id="36" name="Picture 35"/>
+          <p:cNvPicPr/>
+          <p:nvPr/>
+        </p:nvPicPr>
+        <p:blipFill rotWithShape="1">
+          <a:blip r:embed="rId8" cstate="print">
+            <a:extLst>
+              <a:ext uri="{28A0092B-C50C-407E-A947-70E740481C1C}">
+                <a14:useLocalDpi xmlns:a14="http://schemas.microsoft.com/office/drawing/2010/main" val="0"/>
+              </a:ext>
+            </a:extLst>
+          </a:blip>
+          <a:srcRect r="8789"/>
+          <a:stretch/>
+        </p:blipFill>
+        <p:spPr bwMode="auto">
+          <a:xfrm>
+            <a:off x="5038207" y="4016483"/>
+            <a:ext cx="3434959" cy="2622548"/>
+          </a:xfrm>
+          <a:prstGeom prst="rect">
+            <a:avLst/>
+          </a:prstGeom>
+          <a:noFill/>
+          <a:ln>
+            <a:noFill/>
+          </a:ln>
+          <a:extLst>
+            <a:ext uri="{53640926-AAD7-44D8-BBD7-CCE9431645EC}">
+              <a14:shadowObscured xmlns:a14="http://schemas.microsoft.com/office/drawing/2010/main"/>
+            </a:ext>
+          </a:extLst>
+        </p:spPr>
+      </p:pic>
+    </p:spTree>
+    <p:extLst>
+      <p:ext uri="{BB962C8B-B14F-4D97-AF65-F5344CB8AC3E}">
+        <p14:creationId xmlns:p14="http://schemas.microsoft.com/office/powerpoint/2010/main" val="989810116"/>
+      </p:ext>
+    </p:extLst>
+  </p:cSld>
+  <p:clrMapOvr>
+    <a:masterClrMapping/>
+  </p:clrMapOvr>
+  <p:timing>
+    <p:tnLst>
+      <p:par>
+        <p:cTn id="1" dur="indefinite" restart="never" nodeType="tmRoot">
+          <p:childTnLst>
+            <p:seq concurrent="1" nextAc="seek">
+              <p:cTn id="2" dur="indefinite" nodeType="mainSeq">
+                <p:childTnLst>
+                  <p:par>
+                    <p:cTn id="3" fill="hold">
+                      <p:stCondLst>
+                        <p:cond delay="indefinite"/>
+                      </p:stCondLst>
+                      <p:childTnLst>
+                        <p:par>
+                          <p:cTn id="4" fill="hold">
+                            <p:stCondLst>
+                              <p:cond delay="0"/>
+                            </p:stCondLst>
+                            <p:childTnLst>
+                              <p:par>
+                                <p:cTn id="5" presetID="1" presetClass="entr" presetSubtype="0" fill="hold" grpId="0" nodeType="clickEffect">
+                                  <p:stCondLst>
+                                    <p:cond delay="0"/>
+                                  </p:stCondLst>
+                                  <p:childTnLst>
+                                    <p:set>
+                                      <p:cBhvr>
+                                        <p:cTn id="6" dur="1" fill="hold">
+                                          <p:stCondLst>
+                                            <p:cond delay="0"/>
+                                          </p:stCondLst>
+                                        </p:cTn>
+                                        <p:tgtEl>
+                                          <p:spTgt spid="16"/>
+                                        </p:tgtEl>
+                                        <p:attrNameLst>
+                                          <p:attrName>style.visibility</p:attrName>
+                                        </p:attrNameLst>
+                                      </p:cBhvr>
+                                      <p:to>
+                                        <p:strVal val="visible"/>
+                                      </p:to>
+                                    </p:set>
+                                  </p:childTnLst>
+                                </p:cTn>
+                              </p:par>
+                            </p:childTnLst>
+                          </p:cTn>
+                        </p:par>
+                      </p:childTnLst>
+                    </p:cTn>
+                  </p:par>
+                  <p:par>
+                    <p:cTn id="7" fill="hold">
+                      <p:stCondLst>
+                        <p:cond delay="indefinite"/>
+                      </p:stCondLst>
+                      <p:childTnLst>
+                        <p:par>
+                          <p:cTn id="8" fill="hold">
+                            <p:stCondLst>
+                              <p:cond delay="0"/>
+                            </p:stCondLst>
+                            <p:childTnLst>
+                              <p:par>
+                                <p:cTn id="9" presetID="1" presetClass="entr" presetSubtype="0" fill="hold" nodeType="clickEffect">
+                                  <p:stCondLst>
+                                    <p:cond delay="0"/>
+                                  </p:stCondLst>
+                                  <p:childTnLst>
+                                    <p:set>
+                                      <p:cBhvr>
+                                        <p:cTn id="10" dur="1" fill="hold">
+                                          <p:stCondLst>
+                                            <p:cond delay="0"/>
+                                          </p:stCondLst>
+                                        </p:cTn>
+                                        <p:tgtEl>
+                                          <p:spTgt spid="33"/>
+                                        </p:tgtEl>
+                                        <p:attrNameLst>
+                                          <p:attrName>style.visibility</p:attrName>
+                                        </p:attrNameLst>
+                                      </p:cBhvr>
+                                      <p:to>
+                                        <p:strVal val="visible"/>
+                                      </p:to>
+                                    </p:set>
+                                  </p:childTnLst>
+                                </p:cTn>
+                              </p:par>
+                            </p:childTnLst>
+                          </p:cTn>
+                        </p:par>
+                      </p:childTnLst>
+                    </p:cTn>
+                  </p:par>
+                  <p:par>
+                    <p:cTn id="11" fill="hold">
+                      <p:stCondLst>
+                        <p:cond delay="indefinite"/>
+                      </p:stCondLst>
+                      <p:childTnLst>
+                        <p:par>
+                          <p:cTn id="12" fill="hold">
+                            <p:stCondLst>
+                              <p:cond delay="0"/>
+                            </p:stCondLst>
+                            <p:childTnLst>
+                              <p:par>
+                                <p:cTn id="13" presetID="1" presetClass="entr" presetSubtype="0" fill="hold" nodeType="clickEffect">
+                                  <p:stCondLst>
+                                    <p:cond delay="0"/>
+                                  </p:stCondLst>
+                                  <p:childTnLst>
+                                    <p:set>
+                                      <p:cBhvr>
+                                        <p:cTn id="14" dur="1" fill="hold">
+                                          <p:stCondLst>
+                                            <p:cond delay="0"/>
+                                          </p:stCondLst>
+                                        </p:cTn>
+                                        <p:tgtEl>
+                                          <p:spTgt spid="34"/>
+                                        </p:tgtEl>
+                                        <p:attrNameLst>
+                                          <p:attrName>style.visibility</p:attrName>
+                                        </p:attrNameLst>
+                                      </p:cBhvr>
+                                      <p:to>
+                                        <p:strVal val="visible"/>
+                                      </p:to>
+                                    </p:set>
+                                  </p:childTnLst>
+                                </p:cTn>
+                              </p:par>
+                            </p:childTnLst>
+                          </p:cTn>
+                        </p:par>
+                      </p:childTnLst>
+                    </p:cTn>
+                  </p:par>
+                  <p:par>
+                    <p:cTn id="15" fill="hold">
+                      <p:stCondLst>
+                        <p:cond delay="indefinite"/>
+                      </p:stCondLst>
+                      <p:childTnLst>
+                        <p:par>
+                          <p:cTn id="16" fill="hold">
+                            <p:stCondLst>
+                              <p:cond delay="0"/>
+                            </p:stCondLst>
+                            <p:childTnLst>
+                              <p:par>
+                                <p:cTn id="17" presetID="1" presetClass="entr" presetSubtype="0" fill="hold" nodeType="clickEffect">
+                                  <p:stCondLst>
+                                    <p:cond delay="0"/>
+                                  </p:stCondLst>
+                                  <p:childTnLst>
+                                    <p:set>
+                                      <p:cBhvr>
+                                        <p:cTn id="18" dur="1" fill="hold">
+                                          <p:stCondLst>
+                                            <p:cond delay="0"/>
+                                          </p:stCondLst>
+                                        </p:cTn>
+                                        <p:tgtEl>
+                                          <p:spTgt spid="35"/>
+                                        </p:tgtEl>
+                                        <p:attrNameLst>
+                                          <p:attrName>style.visibility</p:attrName>
+                                        </p:attrNameLst>
+                                      </p:cBhvr>
+                                      <p:to>
+                                        <p:strVal val="visible"/>
+                                      </p:to>
+                                    </p:set>
+                                  </p:childTnLst>
+                                </p:cTn>
+                              </p:par>
+                            </p:childTnLst>
+                          </p:cTn>
+                        </p:par>
+                      </p:childTnLst>
+                    </p:cTn>
+                  </p:par>
+                  <p:par>
+                    <p:cTn id="19" fill="hold">
+                      <p:stCondLst>
+                        <p:cond delay="indefinite"/>
+                      </p:stCondLst>
+                      <p:childTnLst>
+                        <p:par>
+                          <p:cTn id="20" fill="hold">
+                            <p:stCondLst>
+                              <p:cond delay="0"/>
+                            </p:stCondLst>
+                            <p:childTnLst>
+                              <p:par>
+                                <p:cTn id="21" presetID="1" presetClass="entr" presetSubtype="0" fill="hold" nodeType="clickEffect">
+                                  <p:stCondLst>
+                                    <p:cond delay="0"/>
+                                  </p:stCondLst>
+                                  <p:childTnLst>
+                                    <p:set>
+                                      <p:cBhvr>
+                                        <p:cTn id="22" dur="1" fill="hold">
+                                          <p:stCondLst>
+                                            <p:cond delay="0"/>
+                                          </p:stCondLst>
+                                        </p:cTn>
+                                        <p:tgtEl>
+                                          <p:spTgt spid="36"/>
+                                        </p:tgtEl>
+                                        <p:attrNameLst>
+                                          <p:attrName>style.visibility</p:attrName>
+                                        </p:attrNameLst>
+                                      </p:cBhvr>
+                                      <p:to>
+                                        <p:strVal val="visible"/>
+                                      </p:to>
+                                    </p:set>
+                                  </p:childTnLst>
+                                </p:cTn>
+                              </p:par>
+                            </p:childTnLst>
+                          </p:cTn>
+                        </p:par>
+                      </p:childTnLst>
+                    </p:cTn>
+                  </p:par>
+                </p:childTnLst>
+              </p:cTn>
+              <p:prevCondLst>
+                <p:cond evt="onPrev" delay="0">
+                  <p:tgtEl>
+                    <p:sldTgt/>
+                  </p:tgtEl>
+                </p:cond>
+              </p:prevCondLst>
+              <p:nextCondLst>
+                <p:cond evt="onNext" delay="0">
+                  <p:tgtEl>
+                    <p:sldTgt/>
+                  </p:tgtEl>
+                </p:cond>
+              </p:nextCondLst>
+            </p:seq>
+          </p:childTnLst>
+        </p:cTn>
+      </p:par>
+    </p:tnLst>
+    <p:bldLst>
+      <p:bldP spid="16" grpId="0"/>
     </p:bldLst>
   </p:timing>
 </p:sld>

--- a/Paper/PEMD 2018/Presentation/PEMD2018_OralPres_Mesut_Uğur.pptx
+++ b/Paper/PEMD 2018/Presentation/PEMD2018_OralPres_Mesut_Uğur.pptx
@@ -5,7 +5,7 @@
     <p:sldMasterId id="2147483804" r:id="rId1"/>
   </p:sldMasterIdLst>
   <p:notesMasterIdLst>
-    <p:notesMasterId r:id="rId17"/>
+    <p:notesMasterId r:id="rId18"/>
   </p:notesMasterIdLst>
   <p:sldIdLst>
     <p:sldId id="290" r:id="rId2"/>
@@ -21,8 +21,9 @@
     <p:sldId id="538" r:id="rId12"/>
     <p:sldId id="532" r:id="rId13"/>
     <p:sldId id="539" r:id="rId14"/>
-    <p:sldId id="535" r:id="rId15"/>
-    <p:sldId id="523" r:id="rId16"/>
+    <p:sldId id="542" r:id="rId15"/>
+    <p:sldId id="535" r:id="rId16"/>
+    <p:sldId id="523" r:id="rId17"/>
   </p:sldIdLst>
   <p:sldSz cx="9144000" cy="6858000" type="screen4x3"/>
   <p:notesSz cx="6858000" cy="9144000"/>
@@ -900,7 +901,7 @@
     </p:spTree>
     <p:extLst>
       <p:ext uri="{BB962C8B-B14F-4D97-AF65-F5344CB8AC3E}">
-        <p14:creationId xmlns:p14="http://schemas.microsoft.com/office/powerpoint/2010/main" val="2338195712"/>
+        <p14:creationId xmlns:p14="http://schemas.microsoft.com/office/powerpoint/2010/main" val="3140249340"/>
       </p:ext>
     </p:extLst>
   </p:cSld>
@@ -976,6 +977,90 @@
             <a:fld id="{A891BBEF-D461-4390-BF4B-2B69E06247B2}" type="slidenum">
               <a:rPr lang="tr-TR" smtClean="0"/>
               <a:t>15</a:t>
+            </a:fld>
+            <a:endParaRPr lang="tr-TR"/>
+          </a:p>
+        </p:txBody>
+      </p:sp>
+    </p:spTree>
+    <p:extLst>
+      <p:ext uri="{BB962C8B-B14F-4D97-AF65-F5344CB8AC3E}">
+        <p14:creationId xmlns:p14="http://schemas.microsoft.com/office/powerpoint/2010/main" val="2338195712"/>
+      </p:ext>
+    </p:extLst>
+  </p:cSld>
+  <p:clrMapOvr>
+    <a:masterClrMapping/>
+  </p:clrMapOvr>
+</p:notes>
+</file>
+
+<file path=ppt/notesSlides/notesSlide15.xml><?xml version="1.0" encoding="utf-8"?>
+<p:notes xmlns:a="http://schemas.openxmlformats.org/drawingml/2006/main" xmlns:r="http://schemas.openxmlformats.org/officeDocument/2006/relationships" xmlns:p="http://schemas.openxmlformats.org/presentationml/2006/main">
+  <p:cSld>
+    <p:spTree>
+      <p:nvGrpSpPr>
+        <p:cNvPr id="1" name=""/>
+        <p:cNvGrpSpPr/>
+        <p:nvPr/>
+      </p:nvGrpSpPr>
+      <p:grpSpPr>
+        <a:xfrm>
+          <a:off x="0" y="0"/>
+          <a:ext cx="0" cy="0"/>
+          <a:chOff x="0" y="0"/>
+          <a:chExt cx="0" cy="0"/>
+        </a:xfrm>
+      </p:grpSpPr>
+      <p:sp>
+        <p:nvSpPr>
+          <p:cNvPr id="2" name="Slide Image Placeholder 1"/>
+          <p:cNvSpPr>
+            <a:spLocks noGrp="1" noRot="1" noChangeAspect="1"/>
+          </p:cNvSpPr>
+          <p:nvPr>
+            <p:ph type="sldImg"/>
+          </p:nvPr>
+        </p:nvSpPr>
+        <p:spPr/>
+      </p:sp>
+      <p:sp>
+        <p:nvSpPr>
+          <p:cNvPr id="3" name="Notes Placeholder 2"/>
+          <p:cNvSpPr>
+            <a:spLocks noGrp="1"/>
+          </p:cNvSpPr>
+          <p:nvPr>
+            <p:ph type="body" idx="1"/>
+          </p:nvPr>
+        </p:nvSpPr>
+        <p:spPr/>
+        <p:txBody>
+          <a:bodyPr/>
+          <a:lstStyle/>
+          <a:p>
+            <a:endParaRPr lang="en-US"/>
+          </a:p>
+        </p:txBody>
+      </p:sp>
+      <p:sp>
+        <p:nvSpPr>
+          <p:cNvPr id="4" name="Slide Number Placeholder 3"/>
+          <p:cNvSpPr>
+            <a:spLocks noGrp="1"/>
+          </p:cNvSpPr>
+          <p:nvPr>
+            <p:ph type="sldNum" sz="quarter" idx="10"/>
+          </p:nvPr>
+        </p:nvSpPr>
+        <p:spPr/>
+        <p:txBody>
+          <a:bodyPr/>
+          <a:lstStyle/>
+          <a:p>
+            <a:fld id="{A891BBEF-D461-4390-BF4B-2B69E06247B2}" type="slidenum">
+              <a:rPr lang="tr-TR" smtClean="0"/>
+              <a:t>16</a:t>
             </a:fld>
             <a:endParaRPr lang="tr-TR"/>
           </a:p>
@@ -6429,7 +6514,21 @@
                 <a:latin typeface="Helvetica" panose="020B0604020202020204" pitchFamily="34" charset="0"/>
                 <a:cs typeface="Helvetica" panose="020B0604020202020204" pitchFamily="34" charset="0"/>
               </a:rPr>
-              <a:t>/modüle/</a:t>
+              <a:t>/</a:t>
+            </a:r>
+            <a:r>
+              <a:rPr lang="tr-TR" dirty="0" err="1" smtClean="0">
+                <a:latin typeface="Helvetica" panose="020B0604020202020204" pitchFamily="34" charset="0"/>
+                <a:cs typeface="Helvetica" panose="020B0604020202020204" pitchFamily="34" charset="0"/>
+              </a:rPr>
+              <a:t>module</a:t>
+            </a:r>
+            <a:r>
+              <a:rPr lang="tr-TR" dirty="0" smtClean="0">
+                <a:latin typeface="Helvetica" panose="020B0604020202020204" pitchFamily="34" charset="0"/>
+                <a:cs typeface="Helvetica" panose="020B0604020202020204" pitchFamily="34" charset="0"/>
+              </a:rPr>
+              <a:t>/</a:t>
             </a:r>
             <a:r>
               <a:rPr lang="tr-TR" dirty="0" err="1" smtClean="0">
@@ -7231,7 +7330,7 @@
           <a:graphicData uri="http://schemas.openxmlformats.org/presentationml/2006/ole">
             <mc:AlternateContent xmlns:mc="http://schemas.openxmlformats.org/markup-compatibility/2006">
               <mc:Choice xmlns:v="urn:schemas-microsoft-com:vml" Requires="v">
-                <p:oleObj spid="_x0000_s5146" name="Visio" r:id="rId6" imgW="2485904" imgH="1866757" progId="Visio.Drawing.15">
+                <p:oleObj spid="_x0000_s5151" name="Visio" r:id="rId6" imgW="2485904" imgH="1866757" progId="Visio.Drawing.15">
                   <p:embed/>
                 </p:oleObj>
               </mc:Choice>
@@ -8627,7 +8726,7 @@
         <p:spPr>
           <a:xfrm>
             <a:off x="1386291" y="1243647"/>
-            <a:ext cx="7681509" cy="5109091"/>
+            <a:ext cx="7681509" cy="3816429"/>
           </a:xfrm>
           <a:prstGeom prst="rect">
             <a:avLst/>
@@ -8786,7 +8885,7 @@
                 <a:ea typeface="Times New Roman" panose="02020603050405020304" pitchFamily="18" charset="0"/>
                 <a:cs typeface="Helvetica" panose="020B0604020202020204" pitchFamily="34" charset="0"/>
               </a:rPr>
-              <a:t>Cost limitations, m</a:t>
+              <a:t>Cost </a:t>
             </a:r>
             <a:r>
               <a:rPr lang="en-US" dirty="0" smtClean="0">
@@ -8794,7 +8893,23 @@
                 <a:ea typeface="Times New Roman" panose="02020603050405020304" pitchFamily="18" charset="0"/>
                 <a:cs typeface="Helvetica" panose="020B0604020202020204" pitchFamily="34" charset="0"/>
               </a:rPr>
-              <a:t>anufacturability and f</a:t>
+              <a:t>limitations</a:t>
+            </a:r>
+            <a:r>
+              <a:rPr lang="tr-TR" dirty="0" smtClean="0">
+                <a:latin typeface="Hevletica"/>
+                <a:ea typeface="Times New Roman" panose="02020603050405020304" pitchFamily="18" charset="0"/>
+                <a:cs typeface="Helvetica" panose="020B0604020202020204" pitchFamily="34" charset="0"/>
+              </a:rPr>
+              <a:t> </a:t>
+            </a:r>
+            <a:r>
+              <a:rPr lang="tr-TR" dirty="0" err="1" smtClean="0">
+                <a:latin typeface="Hevletica"/>
+                <a:ea typeface="Times New Roman" panose="02020603050405020304" pitchFamily="18" charset="0"/>
+                <a:cs typeface="Helvetica" panose="020B0604020202020204" pitchFamily="34" charset="0"/>
+              </a:rPr>
+              <a:t>and</a:t>
             </a:r>
             <a:r>
               <a:rPr lang="en-US" dirty="0" smtClean="0">
@@ -8802,8 +8917,13 @@
                 <a:ea typeface="Times New Roman" panose="02020603050405020304" pitchFamily="18" charset="0"/>
                 <a:cs typeface="Helvetica" panose="020B0604020202020204" pitchFamily="34" charset="0"/>
               </a:rPr>
-              <a:t>ault tolerance</a:t>
-            </a:r>
+              <a:t> manufacturability</a:t>
+            </a:r>
+            <a:endParaRPr lang="tr-TR" dirty="0" smtClean="0">
+              <a:latin typeface="Hevletica"/>
+              <a:ea typeface="Times New Roman" panose="02020603050405020304" pitchFamily="18" charset="0"/>
+              <a:cs typeface="Helvetica" panose="020B0604020202020204" pitchFamily="34" charset="0"/>
+            </a:endParaRPr>
           </a:p>
           <a:p>
             <a:pPr marL="285750" indent="-285750" algn="just">
@@ -8813,79 +8933,38 @@
               <a:buFont typeface="Wingdings" panose="05000000000000000000" pitchFamily="2" charset="2"/>
               <a:buChar char="ü"/>
             </a:pPr>
-            <a:endParaRPr lang="en-US" dirty="0">
-              <a:latin typeface="Hevletica"/>
-              <a:ea typeface="Times New Roman" panose="02020603050405020304" pitchFamily="18" charset="0"/>
-              <a:cs typeface="Helvetica" panose="020B0604020202020204" pitchFamily="34" charset="0"/>
-            </a:endParaRPr>
-          </a:p>
-          <a:p>
-            <a:pPr marL="285750" indent="-285750" algn="just">
-              <a:spcAft>
-                <a:spcPts val="1200"/>
-              </a:spcAft>
-              <a:buFont typeface="Wingdings" panose="05000000000000000000" pitchFamily="2" charset="2"/>
-              <a:buChar char="ü"/>
-            </a:pPr>
-            <a:r>
-              <a:rPr lang="en-US" dirty="0" smtClean="0">
-                <a:solidFill>
-                  <a:srgbClr val="2515F7"/>
-                </a:solidFill>
+            <a:r>
+              <a:rPr lang="tr-TR" smtClean="0">
                 <a:latin typeface="Hevletica"/>
                 <a:ea typeface="Times New Roman" panose="02020603050405020304" pitchFamily="18" charset="0"/>
                 <a:cs typeface="Helvetica" panose="020B0604020202020204" pitchFamily="34" charset="0"/>
               </a:rPr>
-              <a:t>Inclusion of torque ripple, cogging torque, vibration effects</a:t>
-            </a:r>
-          </a:p>
-          <a:p>
-            <a:pPr marL="285750" indent="-285750" algn="just">
-              <a:spcAft>
-                <a:spcPts val="1200"/>
-              </a:spcAft>
-              <a:buFont typeface="Wingdings" panose="05000000000000000000" pitchFamily="2" charset="2"/>
-              <a:buChar char="ü"/>
-            </a:pPr>
-            <a:r>
-              <a:rPr lang="en-US" dirty="0" smtClean="0">
-                <a:solidFill>
-                  <a:srgbClr val="2515F7"/>
-                </a:solidFill>
+              <a:t>F</a:t>
+            </a:r>
+            <a:r>
+              <a:rPr lang="en-US" smtClean="0">
                 <a:latin typeface="Hevletica"/>
                 <a:ea typeface="Times New Roman" panose="02020603050405020304" pitchFamily="18" charset="0"/>
                 <a:cs typeface="Helvetica" panose="020B0604020202020204" pitchFamily="34" charset="0"/>
               </a:rPr>
-              <a:t>Inclusion of motor thermal model and EMI effects</a:t>
-            </a:r>
-          </a:p>
-          <a:p>
-            <a:pPr marL="285750" indent="-285750" algn="just">
-              <a:spcAft>
-                <a:spcPts val="1200"/>
-              </a:spcAft>
-              <a:buFont typeface="Wingdings" panose="05000000000000000000" pitchFamily="2" charset="2"/>
-              <a:buChar char="ü"/>
-            </a:pPr>
+              <a:t>ault</a:t>
+            </a:r>
             <a:r>
               <a:rPr lang="en-US" dirty="0" smtClean="0">
-                <a:solidFill>
-                  <a:srgbClr val="2515F7"/>
-                </a:solidFill>
                 <a:latin typeface="Hevletica"/>
                 <a:ea typeface="Times New Roman" panose="02020603050405020304" pitchFamily="18" charset="0"/>
                 <a:cs typeface="Helvetica" panose="020B0604020202020204" pitchFamily="34" charset="0"/>
               </a:rPr>
-              <a:t>A prototype is under construction with the optimum design parameters </a:t>
-            </a:r>
-            <a:endParaRPr lang="tr-TR" dirty="0" smtClean="0">
-              <a:solidFill>
-                <a:srgbClr val="2515F7"/>
-              </a:solidFill>
-              <a:latin typeface="Hevletica"/>
-              <a:ea typeface="Times New Roman" panose="02020603050405020304" pitchFamily="18" charset="0"/>
-              <a:cs typeface="Helvetica" panose="020B0604020202020204" pitchFamily="34" charset="0"/>
-            </a:endParaRPr>
+              <a:t> </a:t>
+            </a:r>
+            <a:r>
+              <a:rPr lang="en-US" dirty="0" smtClean="0">
+                <a:latin typeface="Hevletica"/>
+                <a:ea typeface="Times New Roman" panose="02020603050405020304" pitchFamily="18" charset="0"/>
+                <a:cs typeface="Helvetica" panose="020B0604020202020204" pitchFamily="34" charset="0"/>
+              </a:rPr>
+              <a:t>tolerance</a:t>
+            </a:r>
           </a:p>
         </p:txBody>
       </p:sp>
@@ -9327,105 +9406,7 @@
                                         <p:tgtEl>
                                           <p:spTgt spid="24">
                                             <p:txEl>
-                                              <p:pRg st="9" end="9"/>
-                                            </p:txEl>
-                                          </p:spTgt>
-                                        </p:tgtEl>
-                                        <p:attrNameLst>
-                                          <p:attrName>style.visibility</p:attrName>
-                                        </p:attrNameLst>
-                                      </p:cBhvr>
-                                      <p:to>
-                                        <p:strVal val="visible"/>
-                                      </p:to>
-                                    </p:set>
-                                  </p:childTnLst>
-                                </p:cTn>
-                              </p:par>
-                            </p:childTnLst>
-                          </p:cTn>
-                        </p:par>
-                      </p:childTnLst>
-                    </p:cTn>
-                  </p:par>
-                  <p:par>
-                    <p:cTn id="39" fill="hold">
-                      <p:stCondLst>
-                        <p:cond delay="indefinite"/>
-                      </p:stCondLst>
-                      <p:childTnLst>
-                        <p:par>
-                          <p:cTn id="40" fill="hold">
-                            <p:stCondLst>
-                              <p:cond delay="0"/>
-                            </p:stCondLst>
-                            <p:childTnLst>
-                              <p:par>
-                                <p:cTn id="41" presetID="1" presetClass="entr" presetSubtype="0" fill="hold" nodeType="clickEffect">
-                                  <p:stCondLst>
-                                    <p:cond delay="0"/>
-                                  </p:stCondLst>
-                                  <p:childTnLst>
-                                    <p:set>
-                                      <p:cBhvr>
-                                        <p:cTn id="42" dur="1" fill="hold">
-                                          <p:stCondLst>
-                                            <p:cond delay="0"/>
-                                          </p:stCondLst>
-                                        </p:cTn>
-                                        <p:tgtEl>
-                                          <p:spTgt spid="24">
-                                            <p:txEl>
-                                              <p:pRg st="10" end="10"/>
-                                            </p:txEl>
-                                          </p:spTgt>
-                                        </p:tgtEl>
-                                        <p:attrNameLst>
-                                          <p:attrName>style.visibility</p:attrName>
-                                        </p:attrNameLst>
-                                      </p:cBhvr>
-                                      <p:to>
-                                        <p:strVal val="visible"/>
-                                      </p:to>
-                                    </p:set>
-                                  </p:childTnLst>
-                                </p:cTn>
-                              </p:par>
-                            </p:childTnLst>
-                          </p:cTn>
-                        </p:par>
-                      </p:childTnLst>
-                    </p:cTn>
-                  </p:par>
-                  <p:par>
-                    <p:cTn id="43" fill="hold">
-                      <p:stCondLst>
-                        <p:cond delay="indefinite"/>
-                      </p:stCondLst>
-                      <p:childTnLst>
-                        <p:par>
-                          <p:cTn id="44" fill="hold">
-                            <p:stCondLst>
-                              <p:cond delay="0"/>
-                            </p:stCondLst>
-                            <p:childTnLst>
-                              <p:par>
-                                <p:cTn id="45" presetID="1" presetClass="entr" presetSubtype="0" fill="hold" nodeType="clickEffect">
-                                  <p:stCondLst>
-                                    <p:cond delay="0"/>
-                                  </p:stCondLst>
-                                  <p:childTnLst>
-                                    <p:set>
-                                      <p:cBhvr>
-                                        <p:cTn id="46" dur="1" fill="hold">
-                                          <p:stCondLst>
-                                            <p:cond delay="0"/>
-                                          </p:stCondLst>
-                                        </p:cTn>
-                                        <p:tgtEl>
-                                          <p:spTgt spid="24">
-                                            <p:txEl>
-                                              <p:pRg st="11" end="11"/>
+                                              <p:pRg st="8" end="8"/>
                                             </p:txEl>
                                           </p:spTgt>
                                         </p:tgtEl>
@@ -9615,7 +9596,21 @@
                 <a:latin typeface="Times New Roman" panose="02020603050405020304" pitchFamily="18" charset="0"/>
                 <a:cs typeface="Times New Roman" panose="02020603050405020304" pitchFamily="18" charset="0"/>
               </a:rPr>
-              <a:t>References</a:t>
+              <a:t>Future</a:t>
+            </a:r>
+            <a:r>
+              <a:rPr lang="tr-TR" sz="3000" dirty="0" smtClean="0">
+                <a:latin typeface="Times New Roman" panose="02020603050405020304" pitchFamily="18" charset="0"/>
+                <a:cs typeface="Times New Roman" panose="02020603050405020304" pitchFamily="18" charset="0"/>
+              </a:rPr>
+              <a:t> </a:t>
+            </a:r>
+            <a:r>
+              <a:rPr lang="tr-TR" sz="3000" dirty="0" err="1" smtClean="0">
+                <a:latin typeface="Times New Roman" panose="02020603050405020304" pitchFamily="18" charset="0"/>
+                <a:cs typeface="Times New Roman" panose="02020603050405020304" pitchFamily="18" charset="0"/>
+              </a:rPr>
+              <a:t>Work</a:t>
             </a:r>
             <a:endParaRPr lang="en-US" sz="3000" dirty="0">
               <a:latin typeface="Times New Roman" panose="02020603050405020304" pitchFamily="18" charset="0"/>
@@ -9875,14 +9870,14 @@
       </p:sp>
       <p:sp>
         <p:nvSpPr>
-          <p:cNvPr id="16" name="Rectangle 15"/>
+          <p:cNvPr id="24" name="Rectangle 23"/>
           <p:cNvSpPr/>
           <p:nvPr/>
         </p:nvSpPr>
         <p:spPr>
           <a:xfrm>
-            <a:off x="1066800" y="1295400"/>
-            <a:ext cx="8077200" cy="4893647"/>
+            <a:off x="1386291" y="1243647"/>
+            <a:ext cx="7681509" cy="1231106"/>
           </a:xfrm>
           <a:prstGeom prst="rect">
             <a:avLst/>
@@ -9894,827 +9889,109 @@
           </a:bodyPr>
           <a:lstStyle/>
           <a:p>
-            <a:r>
-              <a:rPr lang="en-US" sz="1200" dirty="0">
-                <a:latin typeface="Helvetica" panose="020B0604020202020204" pitchFamily="34" charset="0"/>
+            <a:pPr marL="285750" indent="-285750" algn="just">
+              <a:spcAft>
+                <a:spcPts val="1200"/>
+              </a:spcAft>
+              <a:buFont typeface="Wingdings" panose="05000000000000000000" pitchFamily="2" charset="2"/>
+              <a:buChar char="ü"/>
+            </a:pPr>
+            <a:r>
+              <a:rPr lang="en-US" dirty="0" smtClean="0">
+                <a:solidFill>
+                  <a:srgbClr val="2515F7"/>
+                </a:solidFill>
+                <a:latin typeface="Hevletica"/>
+                <a:ea typeface="Times New Roman" panose="02020603050405020304" pitchFamily="18" charset="0"/>
                 <a:cs typeface="Helvetica" panose="020B0604020202020204" pitchFamily="34" charset="0"/>
               </a:rPr>
-              <a:t>[</a:t>
-            </a:r>
-            <a:r>
-              <a:rPr lang="en-US" sz="1200" dirty="0" smtClean="0">
-                <a:latin typeface="Helvetica" panose="020B0604020202020204" pitchFamily="34" charset="0"/>
+              <a:t>Inclusion of torque ripple, cogging torque, vibration effects</a:t>
+            </a:r>
+          </a:p>
+          <a:p>
+            <a:pPr marL="285750" indent="-285750" algn="just">
+              <a:spcAft>
+                <a:spcPts val="1200"/>
+              </a:spcAft>
+              <a:buFont typeface="Wingdings" panose="05000000000000000000" pitchFamily="2" charset="2"/>
+              <a:buChar char="ü"/>
+            </a:pPr>
+            <a:r>
+              <a:rPr lang="en-US" dirty="0" smtClean="0">
+                <a:solidFill>
+                  <a:srgbClr val="2515F7"/>
+                </a:solidFill>
+                <a:latin typeface="Hevletica"/>
+                <a:ea typeface="Times New Roman" panose="02020603050405020304" pitchFamily="18" charset="0"/>
                 <a:cs typeface="Helvetica" panose="020B0604020202020204" pitchFamily="34" charset="0"/>
               </a:rPr>
-              <a:t>1]</a:t>
-            </a:r>
-            <a:r>
-              <a:rPr lang="tr-TR" sz="1200" dirty="0" smtClean="0">
-                <a:latin typeface="Helvetica" panose="020B0604020202020204" pitchFamily="34" charset="0"/>
+              <a:t>Inclusion of motor thermal model and EMI effects</a:t>
+            </a:r>
+          </a:p>
+          <a:p>
+            <a:pPr marL="285750" indent="-285750" algn="just">
+              <a:spcAft>
+                <a:spcPts val="1200"/>
+              </a:spcAft>
+              <a:buFont typeface="Wingdings" panose="05000000000000000000" pitchFamily="2" charset="2"/>
+              <a:buChar char="ü"/>
+            </a:pPr>
+            <a:r>
+              <a:rPr lang="en-US" dirty="0" smtClean="0">
+                <a:solidFill>
+                  <a:srgbClr val="2515F7"/>
+                </a:solidFill>
+                <a:latin typeface="Hevletica"/>
+                <a:ea typeface="Times New Roman" panose="02020603050405020304" pitchFamily="18" charset="0"/>
                 <a:cs typeface="Helvetica" panose="020B0604020202020204" pitchFamily="34" charset="0"/>
               </a:rPr>
-              <a:t> </a:t>
-            </a:r>
-            <a:r>
-              <a:rPr lang="en-US" sz="1200" dirty="0" smtClean="0">
-                <a:latin typeface="Helvetica" panose="020B0604020202020204" pitchFamily="34" charset="0"/>
-                <a:cs typeface="Helvetica" panose="020B0604020202020204" pitchFamily="34" charset="0"/>
-              </a:rPr>
-              <a:t>G</a:t>
-            </a:r>
-            <a:r>
-              <a:rPr lang="en-US" sz="1200" dirty="0">
-                <a:latin typeface="Helvetica" panose="020B0604020202020204" pitchFamily="34" charset="0"/>
-                <a:cs typeface="Helvetica" panose="020B0604020202020204" pitchFamily="34" charset="0"/>
-              </a:rPr>
-              <a:t>. Lo </a:t>
-            </a:r>
-            <a:r>
-              <a:rPr lang="en-US" sz="1200" dirty="0" err="1">
-                <a:latin typeface="Helvetica" panose="020B0604020202020204" pitchFamily="34" charset="0"/>
-                <a:cs typeface="Helvetica" panose="020B0604020202020204" pitchFamily="34" charset="0"/>
-              </a:rPr>
-              <a:t>Calzo</a:t>
-            </a:r>
-            <a:r>
-              <a:rPr lang="en-US" sz="1200" dirty="0">
-                <a:latin typeface="Helvetica" panose="020B0604020202020204" pitchFamily="34" charset="0"/>
-                <a:cs typeface="Helvetica" panose="020B0604020202020204" pitchFamily="34" charset="0"/>
-              </a:rPr>
-              <a:t>, G. </a:t>
-            </a:r>
-            <a:r>
-              <a:rPr lang="en-US" sz="1200" dirty="0" err="1">
-                <a:latin typeface="Helvetica" panose="020B0604020202020204" pitchFamily="34" charset="0"/>
-                <a:cs typeface="Helvetica" panose="020B0604020202020204" pitchFamily="34" charset="0"/>
-              </a:rPr>
-              <a:t>Vakil</a:t>
-            </a:r>
-            <a:r>
-              <a:rPr lang="en-US" sz="1200" dirty="0">
-                <a:latin typeface="Helvetica" panose="020B0604020202020204" pitchFamily="34" charset="0"/>
-                <a:cs typeface="Helvetica" panose="020B0604020202020204" pitchFamily="34" charset="0"/>
-              </a:rPr>
-              <a:t>, B. </a:t>
-            </a:r>
-            <a:r>
-              <a:rPr lang="en-US" sz="1200" dirty="0" err="1">
-                <a:latin typeface="Helvetica" panose="020B0604020202020204" pitchFamily="34" charset="0"/>
-                <a:cs typeface="Helvetica" panose="020B0604020202020204" pitchFamily="34" charset="0"/>
-              </a:rPr>
-              <a:t>Mecrow</a:t>
-            </a:r>
-            <a:r>
-              <a:rPr lang="en-US" sz="1200" dirty="0">
-                <a:latin typeface="Helvetica" panose="020B0604020202020204" pitchFamily="34" charset="0"/>
-                <a:cs typeface="Helvetica" panose="020B0604020202020204" pitchFamily="34" charset="0"/>
-              </a:rPr>
-              <a:t>, S. Lambert, T. Cox, C. </a:t>
-            </a:r>
-            <a:r>
-              <a:rPr lang="en-US" sz="1200" dirty="0" err="1">
-                <a:latin typeface="Helvetica" panose="020B0604020202020204" pitchFamily="34" charset="0"/>
-                <a:cs typeface="Helvetica" panose="020B0604020202020204" pitchFamily="34" charset="0"/>
-              </a:rPr>
-              <a:t>Gerada</a:t>
-            </a:r>
-            <a:r>
-              <a:rPr lang="en-US" sz="1200" dirty="0">
-                <a:latin typeface="Helvetica" panose="020B0604020202020204" pitchFamily="34" charset="0"/>
-                <a:cs typeface="Helvetica" panose="020B0604020202020204" pitchFamily="34" charset="0"/>
-              </a:rPr>
-              <a:t>, M. Johnson, and R. </a:t>
-            </a:r>
-            <a:r>
-              <a:rPr lang="en-US" sz="1200" dirty="0" err="1">
-                <a:latin typeface="Helvetica" panose="020B0604020202020204" pitchFamily="34" charset="0"/>
-                <a:cs typeface="Helvetica" panose="020B0604020202020204" pitchFamily="34" charset="0"/>
-              </a:rPr>
-              <a:t>Abebe</a:t>
-            </a:r>
-            <a:r>
-              <a:rPr lang="en-US" sz="1200" dirty="0">
-                <a:latin typeface="Helvetica" panose="020B0604020202020204" pitchFamily="34" charset="0"/>
-                <a:cs typeface="Helvetica" panose="020B0604020202020204" pitchFamily="34" charset="0"/>
-              </a:rPr>
-              <a:t>, “Integrated motor drives: state of the art and future trends,” </a:t>
-            </a:r>
-            <a:r>
-              <a:rPr lang="en-US" sz="1200" i="1" dirty="0">
-                <a:latin typeface="Helvetica" panose="020B0604020202020204" pitchFamily="34" charset="0"/>
-                <a:cs typeface="Helvetica" panose="020B0604020202020204" pitchFamily="34" charset="0"/>
-              </a:rPr>
-              <a:t>IET </a:t>
-            </a:r>
-            <a:r>
-              <a:rPr lang="en-US" sz="1200" i="1" dirty="0" err="1">
-                <a:latin typeface="Helvetica" panose="020B0604020202020204" pitchFamily="34" charset="0"/>
-                <a:cs typeface="Helvetica" panose="020B0604020202020204" pitchFamily="34" charset="0"/>
-              </a:rPr>
-              <a:t>Electr</a:t>
-            </a:r>
-            <a:r>
-              <a:rPr lang="en-US" sz="1200" i="1" dirty="0">
-                <a:latin typeface="Helvetica" panose="020B0604020202020204" pitchFamily="34" charset="0"/>
-                <a:cs typeface="Helvetica" panose="020B0604020202020204" pitchFamily="34" charset="0"/>
-              </a:rPr>
-              <a:t>. Power Appl.</a:t>
-            </a:r>
-            <a:r>
-              <a:rPr lang="en-US" sz="1200" dirty="0">
-                <a:latin typeface="Helvetica" panose="020B0604020202020204" pitchFamily="34" charset="0"/>
-                <a:cs typeface="Helvetica" panose="020B0604020202020204" pitchFamily="34" charset="0"/>
-              </a:rPr>
-              <a:t>, vol. 10, no. 8, pp. 757–771, Sep. 2016</a:t>
-            </a:r>
-            <a:r>
-              <a:rPr lang="en-US" sz="1200" dirty="0" smtClean="0">
-                <a:latin typeface="Helvetica" panose="020B0604020202020204" pitchFamily="34" charset="0"/>
-                <a:cs typeface="Helvetica" panose="020B0604020202020204" pitchFamily="34" charset="0"/>
-              </a:rPr>
-              <a:t>.</a:t>
-            </a:r>
-            <a:endParaRPr lang="tr-TR" sz="1200" dirty="0" smtClean="0">
-              <a:latin typeface="Helvetica" panose="020B0604020202020204" pitchFamily="34" charset="0"/>
+              <a:t>A prototype is under construction with the optimum design parameters </a:t>
+            </a:r>
+            <a:endParaRPr lang="tr-TR" dirty="0" smtClean="0">
+              <a:solidFill>
+                <a:srgbClr val="2515F7"/>
+              </a:solidFill>
+              <a:latin typeface="Hevletica"/>
+              <a:ea typeface="Times New Roman" panose="02020603050405020304" pitchFamily="18" charset="0"/>
               <a:cs typeface="Helvetica" panose="020B0604020202020204" pitchFamily="34" charset="0"/>
             </a:endParaRPr>
           </a:p>
-          <a:p>
-            <a:endParaRPr lang="en-US" sz="1200" dirty="0">
-              <a:latin typeface="Helvetica" panose="020B0604020202020204" pitchFamily="34" charset="0"/>
-              <a:cs typeface="Helvetica" panose="020B0604020202020204" pitchFamily="34" charset="0"/>
-            </a:endParaRPr>
-          </a:p>
-          <a:p>
-            <a:r>
-              <a:rPr lang="en-US" sz="1200" dirty="0">
-                <a:latin typeface="Helvetica" panose="020B0604020202020204" pitchFamily="34" charset="0"/>
-                <a:cs typeface="Helvetica" panose="020B0604020202020204" pitchFamily="34" charset="0"/>
-              </a:rPr>
-              <a:t>[</a:t>
-            </a:r>
-            <a:r>
-              <a:rPr lang="en-US" sz="1200" dirty="0" smtClean="0">
-                <a:latin typeface="Helvetica" panose="020B0604020202020204" pitchFamily="34" charset="0"/>
-                <a:cs typeface="Helvetica" panose="020B0604020202020204" pitchFamily="34" charset="0"/>
-              </a:rPr>
-              <a:t>2]</a:t>
-            </a:r>
-            <a:r>
-              <a:rPr lang="tr-TR" sz="1200" dirty="0" smtClean="0">
-                <a:latin typeface="Helvetica" panose="020B0604020202020204" pitchFamily="34" charset="0"/>
-                <a:cs typeface="Helvetica" panose="020B0604020202020204" pitchFamily="34" charset="0"/>
-              </a:rPr>
-              <a:t> </a:t>
-            </a:r>
-            <a:r>
-              <a:rPr lang="en-US" sz="1200" dirty="0" smtClean="0">
-                <a:latin typeface="Helvetica" panose="020B0604020202020204" pitchFamily="34" charset="0"/>
-                <a:cs typeface="Helvetica" panose="020B0604020202020204" pitchFamily="34" charset="0"/>
-              </a:rPr>
-              <a:t>M</a:t>
-            </a:r>
-            <a:r>
-              <a:rPr lang="en-US" sz="1200" dirty="0">
-                <a:latin typeface="Helvetica" panose="020B0604020202020204" pitchFamily="34" charset="0"/>
-                <a:cs typeface="Helvetica" panose="020B0604020202020204" pitchFamily="34" charset="0"/>
-              </a:rPr>
-              <a:t>. D. </a:t>
-            </a:r>
-            <a:r>
-              <a:rPr lang="en-US" sz="1200" dirty="0" err="1">
-                <a:latin typeface="Helvetica" panose="020B0604020202020204" pitchFamily="34" charset="0"/>
-                <a:cs typeface="Helvetica" panose="020B0604020202020204" pitchFamily="34" charset="0"/>
-              </a:rPr>
-              <a:t>Hennen</a:t>
-            </a:r>
-            <a:r>
-              <a:rPr lang="en-US" sz="1200" dirty="0">
-                <a:latin typeface="Helvetica" panose="020B0604020202020204" pitchFamily="34" charset="0"/>
-                <a:cs typeface="Helvetica" panose="020B0604020202020204" pitchFamily="34" charset="0"/>
-              </a:rPr>
-              <a:t>, M. </a:t>
-            </a:r>
-            <a:r>
-              <a:rPr lang="en-US" sz="1200" dirty="0" err="1">
-                <a:latin typeface="Helvetica" panose="020B0604020202020204" pitchFamily="34" charset="0"/>
-                <a:cs typeface="Helvetica" panose="020B0604020202020204" pitchFamily="34" charset="0"/>
-              </a:rPr>
-              <a:t>Niessen</a:t>
-            </a:r>
-            <a:r>
-              <a:rPr lang="en-US" sz="1200" dirty="0">
-                <a:latin typeface="Helvetica" panose="020B0604020202020204" pitchFamily="34" charset="0"/>
-                <a:cs typeface="Helvetica" panose="020B0604020202020204" pitchFamily="34" charset="0"/>
-              </a:rPr>
-              <a:t>, C. </a:t>
-            </a:r>
-            <a:r>
-              <a:rPr lang="en-US" sz="1200" dirty="0" err="1">
-                <a:latin typeface="Helvetica" panose="020B0604020202020204" pitchFamily="34" charset="0"/>
-                <a:cs typeface="Helvetica" panose="020B0604020202020204" pitchFamily="34" charset="0"/>
-              </a:rPr>
-              <a:t>Heyers</a:t>
-            </a:r>
-            <a:r>
-              <a:rPr lang="en-US" sz="1200" dirty="0">
-                <a:latin typeface="Helvetica" panose="020B0604020202020204" pitchFamily="34" charset="0"/>
-                <a:cs typeface="Helvetica" panose="020B0604020202020204" pitchFamily="34" charset="0"/>
-              </a:rPr>
-              <a:t>, H. J. </a:t>
-            </a:r>
-            <a:r>
-              <a:rPr lang="en-US" sz="1200" dirty="0" err="1">
-                <a:latin typeface="Helvetica" panose="020B0604020202020204" pitchFamily="34" charset="0"/>
-                <a:cs typeface="Helvetica" panose="020B0604020202020204" pitchFamily="34" charset="0"/>
-              </a:rPr>
-              <a:t>Brauer</a:t>
-            </a:r>
-            <a:r>
-              <a:rPr lang="en-US" sz="1200" dirty="0">
-                <a:latin typeface="Helvetica" panose="020B0604020202020204" pitchFamily="34" charset="0"/>
-                <a:cs typeface="Helvetica" panose="020B0604020202020204" pitchFamily="34" charset="0"/>
-              </a:rPr>
-              <a:t>, and R. W. De </a:t>
-            </a:r>
-            <a:r>
-              <a:rPr lang="en-US" sz="1200" dirty="0" err="1">
-                <a:latin typeface="Helvetica" panose="020B0604020202020204" pitchFamily="34" charset="0"/>
-                <a:cs typeface="Helvetica" panose="020B0604020202020204" pitchFamily="34" charset="0"/>
-              </a:rPr>
-              <a:t>Doncker</a:t>
-            </a:r>
-            <a:r>
-              <a:rPr lang="en-US" sz="1200" dirty="0">
-                <a:latin typeface="Helvetica" panose="020B0604020202020204" pitchFamily="34" charset="0"/>
-                <a:cs typeface="Helvetica" panose="020B0604020202020204" pitchFamily="34" charset="0"/>
-              </a:rPr>
-              <a:t>, “Development and control of an integrated and distributed inverter for a fault tolerant five-phase switched reluctance traction drive,” </a:t>
-            </a:r>
-            <a:r>
-              <a:rPr lang="en-US" sz="1200" i="1" dirty="0">
-                <a:latin typeface="Helvetica" panose="020B0604020202020204" pitchFamily="34" charset="0"/>
-                <a:cs typeface="Helvetica" panose="020B0604020202020204" pitchFamily="34" charset="0"/>
-              </a:rPr>
-              <a:t>IEEE Trans. Power Electron.</a:t>
-            </a:r>
-            <a:r>
-              <a:rPr lang="en-US" sz="1200" dirty="0">
-                <a:latin typeface="Helvetica" panose="020B0604020202020204" pitchFamily="34" charset="0"/>
-                <a:cs typeface="Helvetica" panose="020B0604020202020204" pitchFamily="34" charset="0"/>
-              </a:rPr>
-              <a:t>, vol. 27, no. 2, pp. 547–554, 2012</a:t>
-            </a:r>
-            <a:r>
-              <a:rPr lang="en-US" sz="1200" dirty="0" smtClean="0">
-                <a:latin typeface="Helvetica" panose="020B0604020202020204" pitchFamily="34" charset="0"/>
-                <a:cs typeface="Helvetica" panose="020B0604020202020204" pitchFamily="34" charset="0"/>
-              </a:rPr>
-              <a:t>.</a:t>
-            </a:r>
-            <a:endParaRPr lang="tr-TR" sz="1200" dirty="0" smtClean="0">
-              <a:latin typeface="Helvetica" panose="020B0604020202020204" pitchFamily="34" charset="0"/>
-              <a:cs typeface="Helvetica" panose="020B0604020202020204" pitchFamily="34" charset="0"/>
-            </a:endParaRPr>
-          </a:p>
-          <a:p>
-            <a:endParaRPr lang="en-US" sz="1200" dirty="0">
-              <a:latin typeface="Helvetica" panose="020B0604020202020204" pitchFamily="34" charset="0"/>
-              <a:cs typeface="Helvetica" panose="020B0604020202020204" pitchFamily="34" charset="0"/>
-            </a:endParaRPr>
-          </a:p>
-          <a:p>
-            <a:r>
-              <a:rPr lang="en-US" sz="1200" dirty="0">
-                <a:latin typeface="Helvetica" panose="020B0604020202020204" pitchFamily="34" charset="0"/>
-                <a:cs typeface="Helvetica" panose="020B0604020202020204" pitchFamily="34" charset="0"/>
-              </a:rPr>
-              <a:t>[</a:t>
-            </a:r>
-            <a:r>
-              <a:rPr lang="en-US" sz="1200" dirty="0" smtClean="0">
-                <a:latin typeface="Helvetica" panose="020B0604020202020204" pitchFamily="34" charset="0"/>
-                <a:cs typeface="Helvetica" panose="020B0604020202020204" pitchFamily="34" charset="0"/>
-              </a:rPr>
-              <a:t>3]</a:t>
-            </a:r>
-            <a:r>
-              <a:rPr lang="tr-TR" sz="1200" dirty="0" smtClean="0">
-                <a:latin typeface="Helvetica" panose="020B0604020202020204" pitchFamily="34" charset="0"/>
-                <a:cs typeface="Helvetica" panose="020B0604020202020204" pitchFamily="34" charset="0"/>
-              </a:rPr>
-              <a:t> </a:t>
-            </a:r>
-            <a:r>
-              <a:rPr lang="en-US" sz="1200" dirty="0" smtClean="0">
-                <a:latin typeface="Helvetica" panose="020B0604020202020204" pitchFamily="34" charset="0"/>
-                <a:cs typeface="Helvetica" panose="020B0604020202020204" pitchFamily="34" charset="0"/>
-              </a:rPr>
-              <a:t>J</a:t>
-            </a:r>
-            <a:r>
-              <a:rPr lang="en-US" sz="1200" dirty="0">
-                <a:latin typeface="Helvetica" panose="020B0604020202020204" pitchFamily="34" charset="0"/>
-                <a:cs typeface="Helvetica" panose="020B0604020202020204" pitchFamily="34" charset="0"/>
-              </a:rPr>
-              <a:t>. Wang, Y. Li, and Y. Han, “Integrated Modular Motor Drive Design With GaN Power FETs,” </a:t>
-            </a:r>
-            <a:r>
-              <a:rPr lang="en-US" sz="1200" i="1" dirty="0">
-                <a:latin typeface="Helvetica" panose="020B0604020202020204" pitchFamily="34" charset="0"/>
-                <a:cs typeface="Helvetica" panose="020B0604020202020204" pitchFamily="34" charset="0"/>
-              </a:rPr>
-              <a:t>IEEE Trans. Ind. Appl.</a:t>
-            </a:r>
-            <a:r>
-              <a:rPr lang="en-US" sz="1200" dirty="0">
-                <a:latin typeface="Helvetica" panose="020B0604020202020204" pitchFamily="34" charset="0"/>
-                <a:cs typeface="Helvetica" panose="020B0604020202020204" pitchFamily="34" charset="0"/>
-              </a:rPr>
-              <a:t>, vol. 51, no. c, pp. 3198–3207, 2015</a:t>
-            </a:r>
-            <a:r>
-              <a:rPr lang="en-US" sz="1200" dirty="0" smtClean="0">
-                <a:latin typeface="Helvetica" panose="020B0604020202020204" pitchFamily="34" charset="0"/>
-                <a:cs typeface="Helvetica" panose="020B0604020202020204" pitchFamily="34" charset="0"/>
-              </a:rPr>
-              <a:t>.</a:t>
-            </a:r>
-            <a:endParaRPr lang="tr-TR" sz="1200" dirty="0" smtClean="0">
-              <a:latin typeface="Helvetica" panose="020B0604020202020204" pitchFamily="34" charset="0"/>
-              <a:cs typeface="Helvetica" panose="020B0604020202020204" pitchFamily="34" charset="0"/>
-            </a:endParaRPr>
-          </a:p>
-          <a:p>
-            <a:endParaRPr lang="en-US" sz="1200" dirty="0">
-              <a:latin typeface="Helvetica" panose="020B0604020202020204" pitchFamily="34" charset="0"/>
-              <a:cs typeface="Helvetica" panose="020B0604020202020204" pitchFamily="34" charset="0"/>
-            </a:endParaRPr>
-          </a:p>
-          <a:p>
-            <a:r>
-              <a:rPr lang="en-US" sz="1200" dirty="0">
-                <a:latin typeface="Helvetica" panose="020B0604020202020204" pitchFamily="34" charset="0"/>
-                <a:cs typeface="Helvetica" panose="020B0604020202020204" pitchFamily="34" charset="0"/>
-              </a:rPr>
-              <a:t>[</a:t>
-            </a:r>
-            <a:r>
-              <a:rPr lang="en-US" sz="1200" dirty="0" smtClean="0">
-                <a:latin typeface="Helvetica" panose="020B0604020202020204" pitchFamily="34" charset="0"/>
-                <a:cs typeface="Helvetica" panose="020B0604020202020204" pitchFamily="34" charset="0"/>
-              </a:rPr>
-              <a:t>4]</a:t>
-            </a:r>
-            <a:r>
-              <a:rPr lang="tr-TR" sz="1200" dirty="0" smtClean="0">
-                <a:latin typeface="Helvetica" panose="020B0604020202020204" pitchFamily="34" charset="0"/>
-                <a:cs typeface="Helvetica" panose="020B0604020202020204" pitchFamily="34" charset="0"/>
-              </a:rPr>
-              <a:t> </a:t>
-            </a:r>
-            <a:r>
-              <a:rPr lang="en-US" sz="1200" dirty="0" smtClean="0">
-                <a:latin typeface="Helvetica" panose="020B0604020202020204" pitchFamily="34" charset="0"/>
-                <a:cs typeface="Helvetica" panose="020B0604020202020204" pitchFamily="34" charset="0"/>
-              </a:rPr>
-              <a:t>M</a:t>
-            </a:r>
-            <a:r>
-              <a:rPr lang="en-US" sz="1200" dirty="0">
-                <a:latin typeface="Helvetica" panose="020B0604020202020204" pitchFamily="34" charset="0"/>
-                <a:cs typeface="Helvetica" panose="020B0604020202020204" pitchFamily="34" charset="0"/>
-              </a:rPr>
-              <a:t>. </a:t>
-            </a:r>
-            <a:r>
-              <a:rPr lang="en-US" sz="1200" dirty="0" err="1">
-                <a:latin typeface="Helvetica" panose="020B0604020202020204" pitchFamily="34" charset="0"/>
-                <a:cs typeface="Helvetica" panose="020B0604020202020204" pitchFamily="34" charset="0"/>
-              </a:rPr>
-              <a:t>Ugur</a:t>
-            </a:r>
-            <a:r>
-              <a:rPr lang="en-US" sz="1200" dirty="0">
-                <a:latin typeface="Helvetica" panose="020B0604020202020204" pitchFamily="34" charset="0"/>
-                <a:cs typeface="Helvetica" panose="020B0604020202020204" pitchFamily="34" charset="0"/>
-              </a:rPr>
-              <a:t> and O. Keysan, “DC link capacitor optimization for integrated modular motor drives,” </a:t>
-            </a:r>
-            <a:r>
-              <a:rPr lang="en-US" sz="1200" i="1" dirty="0">
-                <a:latin typeface="Helvetica" panose="020B0604020202020204" pitchFamily="34" charset="0"/>
-                <a:cs typeface="Helvetica" panose="020B0604020202020204" pitchFamily="34" charset="0"/>
-              </a:rPr>
-              <a:t>2017 IEEE 26th Int. </a:t>
-            </a:r>
-            <a:r>
-              <a:rPr lang="en-US" sz="1200" i="1" dirty="0" err="1">
-                <a:latin typeface="Helvetica" panose="020B0604020202020204" pitchFamily="34" charset="0"/>
-                <a:cs typeface="Helvetica" panose="020B0604020202020204" pitchFamily="34" charset="0"/>
-              </a:rPr>
-              <a:t>Symp</a:t>
-            </a:r>
-            <a:r>
-              <a:rPr lang="en-US" sz="1200" i="1" dirty="0">
-                <a:latin typeface="Helvetica" panose="020B0604020202020204" pitchFamily="34" charset="0"/>
-                <a:cs typeface="Helvetica" panose="020B0604020202020204" pitchFamily="34" charset="0"/>
-              </a:rPr>
-              <a:t>. Ind. Electron.</a:t>
-            </a:r>
-            <a:r>
-              <a:rPr lang="en-US" sz="1200" dirty="0">
-                <a:latin typeface="Helvetica" panose="020B0604020202020204" pitchFamily="34" charset="0"/>
-                <a:cs typeface="Helvetica" panose="020B0604020202020204" pitchFamily="34" charset="0"/>
-              </a:rPr>
-              <a:t>, vol. </a:t>
-            </a:r>
-            <a:r>
-              <a:rPr lang="en-US" sz="1200" dirty="0" err="1">
-                <a:latin typeface="Helvetica" panose="020B0604020202020204" pitchFamily="34" charset="0"/>
-                <a:cs typeface="Helvetica" panose="020B0604020202020204" pitchFamily="34" charset="0"/>
-              </a:rPr>
-              <a:t>i</a:t>
-            </a:r>
-            <a:r>
-              <a:rPr lang="en-US" sz="1200" dirty="0">
-                <a:latin typeface="Helvetica" panose="020B0604020202020204" pitchFamily="34" charset="0"/>
-                <a:cs typeface="Helvetica" panose="020B0604020202020204" pitchFamily="34" charset="0"/>
-              </a:rPr>
-              <a:t>, pp. 263–270, 2017</a:t>
-            </a:r>
-            <a:r>
-              <a:rPr lang="en-US" sz="1200" dirty="0" smtClean="0">
-                <a:latin typeface="Helvetica" panose="020B0604020202020204" pitchFamily="34" charset="0"/>
-                <a:cs typeface="Helvetica" panose="020B0604020202020204" pitchFamily="34" charset="0"/>
-              </a:rPr>
-              <a:t>.</a:t>
-            </a:r>
-            <a:endParaRPr lang="tr-TR" sz="1200" dirty="0" smtClean="0">
-              <a:latin typeface="Helvetica" panose="020B0604020202020204" pitchFamily="34" charset="0"/>
-              <a:cs typeface="Helvetica" panose="020B0604020202020204" pitchFamily="34" charset="0"/>
-            </a:endParaRPr>
-          </a:p>
-          <a:p>
-            <a:endParaRPr lang="en-US" sz="1200" dirty="0">
-              <a:latin typeface="Helvetica" panose="020B0604020202020204" pitchFamily="34" charset="0"/>
-              <a:cs typeface="Helvetica" panose="020B0604020202020204" pitchFamily="34" charset="0"/>
-            </a:endParaRPr>
-          </a:p>
-          <a:p>
-            <a:r>
-              <a:rPr lang="en-US" sz="1200" dirty="0">
-                <a:latin typeface="Helvetica" panose="020B0604020202020204" pitchFamily="34" charset="0"/>
-                <a:cs typeface="Helvetica" panose="020B0604020202020204" pitchFamily="34" charset="0"/>
-              </a:rPr>
-              <a:t>[</a:t>
-            </a:r>
-            <a:r>
-              <a:rPr lang="en-US" sz="1200" dirty="0" smtClean="0">
-                <a:latin typeface="Helvetica" panose="020B0604020202020204" pitchFamily="34" charset="0"/>
-                <a:cs typeface="Helvetica" panose="020B0604020202020204" pitchFamily="34" charset="0"/>
-              </a:rPr>
-              <a:t>5]</a:t>
-            </a:r>
-            <a:r>
-              <a:rPr lang="tr-TR" sz="1200" dirty="0" smtClean="0">
-                <a:latin typeface="Helvetica" panose="020B0604020202020204" pitchFamily="34" charset="0"/>
-                <a:cs typeface="Helvetica" panose="020B0604020202020204" pitchFamily="34" charset="0"/>
-              </a:rPr>
-              <a:t> </a:t>
-            </a:r>
-            <a:r>
-              <a:rPr lang="en-US" sz="1200" dirty="0" smtClean="0">
-                <a:latin typeface="Helvetica" panose="020B0604020202020204" pitchFamily="34" charset="0"/>
-                <a:cs typeface="Helvetica" panose="020B0604020202020204" pitchFamily="34" charset="0"/>
-              </a:rPr>
-              <a:t>A</a:t>
-            </a:r>
-            <a:r>
-              <a:rPr lang="en-US" sz="1200" dirty="0">
-                <a:latin typeface="Helvetica" panose="020B0604020202020204" pitchFamily="34" charset="0"/>
-                <a:cs typeface="Helvetica" panose="020B0604020202020204" pitchFamily="34" charset="0"/>
-              </a:rPr>
-              <a:t>. </a:t>
-            </a:r>
-            <a:r>
-              <a:rPr lang="en-US" sz="1200" dirty="0" err="1">
-                <a:latin typeface="Helvetica" panose="020B0604020202020204" pitchFamily="34" charset="0"/>
-                <a:cs typeface="Helvetica" panose="020B0604020202020204" pitchFamily="34" charset="0"/>
-              </a:rPr>
-              <a:t>Shea</a:t>
-            </a:r>
-            <a:r>
-              <a:rPr lang="en-US" sz="1200" dirty="0">
-                <a:latin typeface="Helvetica" panose="020B0604020202020204" pitchFamily="34" charset="0"/>
-                <a:cs typeface="Helvetica" panose="020B0604020202020204" pitchFamily="34" charset="0"/>
-              </a:rPr>
-              <a:t> and T. M. </a:t>
-            </a:r>
-            <a:r>
-              <a:rPr lang="en-US" sz="1200" dirty="0" err="1">
-                <a:latin typeface="Helvetica" panose="020B0604020202020204" pitchFamily="34" charset="0"/>
-                <a:cs typeface="Helvetica" panose="020B0604020202020204" pitchFamily="34" charset="0"/>
-              </a:rPr>
-              <a:t>Jahns</a:t>
-            </a:r>
-            <a:r>
-              <a:rPr lang="en-US" sz="1200" dirty="0">
-                <a:latin typeface="Helvetica" panose="020B0604020202020204" pitchFamily="34" charset="0"/>
-                <a:cs typeface="Helvetica" panose="020B0604020202020204" pitchFamily="34" charset="0"/>
-              </a:rPr>
-              <a:t>, “Hardware integration for an integrated modular motor drive including distributed control,” in </a:t>
-            </a:r>
-            <a:r>
-              <a:rPr lang="en-US" sz="1200" i="1" dirty="0">
-                <a:latin typeface="Helvetica" panose="020B0604020202020204" pitchFamily="34" charset="0"/>
-                <a:cs typeface="Helvetica" panose="020B0604020202020204" pitchFamily="34" charset="0"/>
-              </a:rPr>
-              <a:t>2014 IEEE Energy Conversion Congress and Exposition (ECCE)</a:t>
-            </a:r>
-            <a:r>
-              <a:rPr lang="en-US" sz="1200" dirty="0">
-                <a:latin typeface="Helvetica" panose="020B0604020202020204" pitchFamily="34" charset="0"/>
-                <a:cs typeface="Helvetica" panose="020B0604020202020204" pitchFamily="34" charset="0"/>
-              </a:rPr>
-              <a:t>, 2014, pp. 4881–4887</a:t>
-            </a:r>
-            <a:r>
-              <a:rPr lang="en-US" sz="1200" dirty="0" smtClean="0">
-                <a:latin typeface="Helvetica" panose="020B0604020202020204" pitchFamily="34" charset="0"/>
-                <a:cs typeface="Helvetica" panose="020B0604020202020204" pitchFamily="34" charset="0"/>
-              </a:rPr>
-              <a:t>.</a:t>
-            </a:r>
-            <a:endParaRPr lang="tr-TR" sz="1200" dirty="0" smtClean="0">
-              <a:latin typeface="Helvetica" panose="020B0604020202020204" pitchFamily="34" charset="0"/>
-              <a:cs typeface="Helvetica" panose="020B0604020202020204" pitchFamily="34" charset="0"/>
-            </a:endParaRPr>
-          </a:p>
-          <a:p>
-            <a:endParaRPr lang="en-US" sz="1200" dirty="0">
-              <a:latin typeface="Helvetica" panose="020B0604020202020204" pitchFamily="34" charset="0"/>
-              <a:cs typeface="Helvetica" panose="020B0604020202020204" pitchFamily="34" charset="0"/>
-            </a:endParaRPr>
-          </a:p>
-          <a:p>
-            <a:r>
-              <a:rPr lang="en-US" sz="1200" dirty="0">
-                <a:latin typeface="Helvetica" panose="020B0604020202020204" pitchFamily="34" charset="0"/>
-                <a:cs typeface="Helvetica" panose="020B0604020202020204" pitchFamily="34" charset="0"/>
-              </a:rPr>
-              <a:t>[</a:t>
-            </a:r>
-            <a:r>
-              <a:rPr lang="en-US" sz="1200" dirty="0" smtClean="0">
-                <a:latin typeface="Helvetica" panose="020B0604020202020204" pitchFamily="34" charset="0"/>
-                <a:cs typeface="Helvetica" panose="020B0604020202020204" pitchFamily="34" charset="0"/>
-              </a:rPr>
-              <a:t>6]</a:t>
-            </a:r>
-            <a:r>
-              <a:rPr lang="tr-TR" sz="1200" dirty="0" smtClean="0">
-                <a:latin typeface="Helvetica" panose="020B0604020202020204" pitchFamily="34" charset="0"/>
-                <a:cs typeface="Helvetica" panose="020B0604020202020204" pitchFamily="34" charset="0"/>
-              </a:rPr>
-              <a:t> </a:t>
-            </a:r>
-            <a:r>
-              <a:rPr lang="en-US" sz="1200" dirty="0" smtClean="0">
-                <a:latin typeface="Helvetica" panose="020B0604020202020204" pitchFamily="34" charset="0"/>
-                <a:cs typeface="Helvetica" panose="020B0604020202020204" pitchFamily="34" charset="0"/>
-              </a:rPr>
-              <a:t>N</a:t>
-            </a:r>
-            <a:r>
-              <a:rPr lang="en-US" sz="1200" dirty="0">
-                <a:latin typeface="Helvetica" panose="020B0604020202020204" pitchFamily="34" charset="0"/>
-                <a:cs typeface="Helvetica" panose="020B0604020202020204" pitchFamily="34" charset="0"/>
-              </a:rPr>
-              <a:t>. </a:t>
-            </a:r>
-            <a:r>
-              <a:rPr lang="en-US" sz="1200" dirty="0" err="1">
-                <a:latin typeface="Helvetica" panose="020B0604020202020204" pitchFamily="34" charset="0"/>
-                <a:cs typeface="Helvetica" panose="020B0604020202020204" pitchFamily="34" charset="0"/>
-              </a:rPr>
-              <a:t>Bekka</a:t>
-            </a:r>
-            <a:r>
-              <a:rPr lang="en-US" sz="1200" dirty="0">
-                <a:latin typeface="Helvetica" panose="020B0604020202020204" pitchFamily="34" charset="0"/>
-                <a:cs typeface="Helvetica" panose="020B0604020202020204" pitchFamily="34" charset="0"/>
-              </a:rPr>
-              <a:t>, M. E. H. </a:t>
-            </a:r>
-            <a:r>
-              <a:rPr lang="en-US" sz="1200" dirty="0" err="1">
-                <a:latin typeface="Helvetica" panose="020B0604020202020204" pitchFamily="34" charset="0"/>
-                <a:cs typeface="Helvetica" panose="020B0604020202020204" pitchFamily="34" charset="0"/>
-              </a:rPr>
-              <a:t>Zaim</a:t>
-            </a:r>
-            <a:r>
-              <a:rPr lang="en-US" sz="1200" dirty="0">
-                <a:latin typeface="Helvetica" panose="020B0604020202020204" pitchFamily="34" charset="0"/>
-                <a:cs typeface="Helvetica" panose="020B0604020202020204" pitchFamily="34" charset="0"/>
-              </a:rPr>
-              <a:t>, N. Bernard, and D. Trichet, “A Novel Methodology for Optimal Design of Fractional Slot with Concentrated Windings,” </a:t>
-            </a:r>
-            <a:r>
-              <a:rPr lang="en-US" sz="1200" i="1" dirty="0">
-                <a:latin typeface="Helvetica" panose="020B0604020202020204" pitchFamily="34" charset="0"/>
-                <a:cs typeface="Helvetica" panose="020B0604020202020204" pitchFamily="34" charset="0"/>
-              </a:rPr>
-              <a:t>IEEE Trans. Energy Convers.</a:t>
-            </a:r>
-            <a:r>
-              <a:rPr lang="en-US" sz="1200" dirty="0">
-                <a:latin typeface="Helvetica" panose="020B0604020202020204" pitchFamily="34" charset="0"/>
-                <a:cs typeface="Helvetica" panose="020B0604020202020204" pitchFamily="34" charset="0"/>
-              </a:rPr>
-              <a:t>, vol. 31, no. 3, pp. 1153–1160, 2016</a:t>
-            </a:r>
-            <a:r>
-              <a:rPr lang="en-US" sz="1200" dirty="0" smtClean="0">
-                <a:latin typeface="Helvetica" panose="020B0604020202020204" pitchFamily="34" charset="0"/>
-                <a:cs typeface="Helvetica" panose="020B0604020202020204" pitchFamily="34" charset="0"/>
-              </a:rPr>
-              <a:t>.</a:t>
-            </a:r>
-            <a:endParaRPr lang="tr-TR" sz="1200" dirty="0" smtClean="0">
-              <a:latin typeface="Helvetica" panose="020B0604020202020204" pitchFamily="34" charset="0"/>
-              <a:cs typeface="Helvetica" panose="020B0604020202020204" pitchFamily="34" charset="0"/>
-            </a:endParaRPr>
-          </a:p>
-          <a:p>
-            <a:endParaRPr lang="en-US" sz="1200" dirty="0">
-              <a:latin typeface="Helvetica" panose="020B0604020202020204" pitchFamily="34" charset="0"/>
-              <a:cs typeface="Helvetica" panose="020B0604020202020204" pitchFamily="34" charset="0"/>
-            </a:endParaRPr>
-          </a:p>
-          <a:p>
-            <a:r>
-              <a:rPr lang="en-US" sz="1200" dirty="0">
-                <a:latin typeface="Helvetica" panose="020B0604020202020204" pitchFamily="34" charset="0"/>
-                <a:cs typeface="Helvetica" panose="020B0604020202020204" pitchFamily="34" charset="0"/>
-              </a:rPr>
-              <a:t>[</a:t>
-            </a:r>
-            <a:r>
-              <a:rPr lang="en-US" sz="1200" dirty="0" smtClean="0">
-                <a:latin typeface="Helvetica" panose="020B0604020202020204" pitchFamily="34" charset="0"/>
-                <a:cs typeface="Helvetica" panose="020B0604020202020204" pitchFamily="34" charset="0"/>
-              </a:rPr>
-              <a:t>7]</a:t>
-            </a:r>
-            <a:r>
-              <a:rPr lang="tr-TR" sz="1200" dirty="0" smtClean="0">
-                <a:latin typeface="Helvetica" panose="020B0604020202020204" pitchFamily="34" charset="0"/>
-                <a:cs typeface="Helvetica" panose="020B0604020202020204" pitchFamily="34" charset="0"/>
-              </a:rPr>
-              <a:t> </a:t>
-            </a:r>
-            <a:r>
-              <a:rPr lang="en-US" sz="1200" dirty="0" smtClean="0">
-                <a:latin typeface="Helvetica" panose="020B0604020202020204" pitchFamily="34" charset="0"/>
-                <a:cs typeface="Helvetica" panose="020B0604020202020204" pitchFamily="34" charset="0"/>
-              </a:rPr>
-              <a:t>GaN </a:t>
-            </a:r>
-            <a:r>
-              <a:rPr lang="en-US" sz="1200" dirty="0">
-                <a:latin typeface="Helvetica" panose="020B0604020202020204" pitchFamily="34" charset="0"/>
-                <a:cs typeface="Helvetica" panose="020B0604020202020204" pitchFamily="34" charset="0"/>
-              </a:rPr>
-              <a:t>Systems, “GaN Systems.” [Online]. Available: http://www.gansystems.com/. [Accessed: 15-Jan-2018</a:t>
-            </a:r>
-            <a:r>
-              <a:rPr lang="en-US" sz="1200" dirty="0" smtClean="0">
-                <a:latin typeface="Helvetica" panose="020B0604020202020204" pitchFamily="34" charset="0"/>
-                <a:cs typeface="Helvetica" panose="020B0604020202020204" pitchFamily="34" charset="0"/>
-              </a:rPr>
-              <a:t>].</a:t>
-            </a:r>
-            <a:endParaRPr lang="tr-TR" sz="1200" dirty="0" smtClean="0">
-              <a:latin typeface="Helvetica" panose="020B0604020202020204" pitchFamily="34" charset="0"/>
-              <a:cs typeface="Helvetica" panose="020B0604020202020204" pitchFamily="34" charset="0"/>
-            </a:endParaRPr>
-          </a:p>
-          <a:p>
-            <a:endParaRPr lang="en-US" sz="1200" dirty="0">
-              <a:latin typeface="Helvetica" panose="020B0604020202020204" pitchFamily="34" charset="0"/>
-              <a:cs typeface="Helvetica" panose="020B0604020202020204" pitchFamily="34" charset="0"/>
-            </a:endParaRPr>
-          </a:p>
-          <a:p>
-            <a:r>
-              <a:rPr lang="en-US" sz="1200" dirty="0">
-                <a:latin typeface="Helvetica" panose="020B0604020202020204" pitchFamily="34" charset="0"/>
-                <a:cs typeface="Helvetica" panose="020B0604020202020204" pitchFamily="34" charset="0"/>
-              </a:rPr>
-              <a:t>[</a:t>
-            </a:r>
-            <a:r>
-              <a:rPr lang="en-US" sz="1200" dirty="0" smtClean="0">
-                <a:latin typeface="Helvetica" panose="020B0604020202020204" pitchFamily="34" charset="0"/>
-                <a:cs typeface="Helvetica" panose="020B0604020202020204" pitchFamily="34" charset="0"/>
-              </a:rPr>
-              <a:t>8]</a:t>
-            </a:r>
-            <a:r>
-              <a:rPr lang="tr-TR" sz="1200" dirty="0" smtClean="0">
-                <a:latin typeface="Helvetica" panose="020B0604020202020204" pitchFamily="34" charset="0"/>
-                <a:cs typeface="Helvetica" panose="020B0604020202020204" pitchFamily="34" charset="0"/>
-              </a:rPr>
-              <a:t> </a:t>
-            </a:r>
-            <a:r>
-              <a:rPr lang="en-US" sz="1200" dirty="0" smtClean="0">
-                <a:latin typeface="Helvetica" panose="020B0604020202020204" pitchFamily="34" charset="0"/>
-                <a:cs typeface="Helvetica" panose="020B0604020202020204" pitchFamily="34" charset="0"/>
-              </a:rPr>
-              <a:t>TDK</a:t>
-            </a:r>
-            <a:r>
-              <a:rPr lang="en-US" sz="1200" dirty="0">
-                <a:latin typeface="Helvetica" panose="020B0604020202020204" pitchFamily="34" charset="0"/>
-                <a:cs typeface="Helvetica" panose="020B0604020202020204" pitchFamily="34" charset="0"/>
-              </a:rPr>
-              <a:t>, “Film Capacitors, Metallized Polypropylene Film Capacitors (MKP) - B32674...B32674 Datasheet,” no. May. 2015</a:t>
-            </a:r>
-            <a:r>
-              <a:rPr lang="en-US" sz="1200" dirty="0" smtClean="0">
-                <a:latin typeface="Helvetica" panose="020B0604020202020204" pitchFamily="34" charset="0"/>
-                <a:cs typeface="Helvetica" panose="020B0604020202020204" pitchFamily="34" charset="0"/>
-              </a:rPr>
-              <a:t>.</a:t>
-            </a:r>
-            <a:endParaRPr lang="tr-TR" sz="1200" dirty="0" smtClean="0">
-              <a:latin typeface="Helvetica" panose="020B0604020202020204" pitchFamily="34" charset="0"/>
-              <a:cs typeface="Helvetica" panose="020B0604020202020204" pitchFamily="34" charset="0"/>
-            </a:endParaRPr>
-          </a:p>
-          <a:p>
-            <a:endParaRPr lang="en-US" sz="1200" dirty="0">
-              <a:latin typeface="Helvetica" panose="020B0604020202020204" pitchFamily="34" charset="0"/>
-              <a:cs typeface="Helvetica" panose="020B0604020202020204" pitchFamily="34" charset="0"/>
-            </a:endParaRPr>
-          </a:p>
-          <a:p>
-            <a:r>
-              <a:rPr lang="en-US" sz="1200" dirty="0">
-                <a:latin typeface="Helvetica" panose="020B0604020202020204" pitchFamily="34" charset="0"/>
-                <a:cs typeface="Helvetica" panose="020B0604020202020204" pitchFamily="34" charset="0"/>
-              </a:rPr>
-              <a:t>[</a:t>
-            </a:r>
-            <a:r>
-              <a:rPr lang="en-US" sz="1200" dirty="0" smtClean="0">
-                <a:latin typeface="Helvetica" panose="020B0604020202020204" pitchFamily="34" charset="0"/>
-                <a:cs typeface="Helvetica" panose="020B0604020202020204" pitchFamily="34" charset="0"/>
-              </a:rPr>
-              <a:t>9]</a:t>
-            </a:r>
-            <a:r>
-              <a:rPr lang="tr-TR" sz="1200" dirty="0" smtClean="0">
-                <a:latin typeface="Helvetica" panose="020B0604020202020204" pitchFamily="34" charset="0"/>
-                <a:cs typeface="Helvetica" panose="020B0604020202020204" pitchFamily="34" charset="0"/>
-              </a:rPr>
-              <a:t> </a:t>
-            </a:r>
-            <a:r>
-              <a:rPr lang="en-US" sz="1200" dirty="0" smtClean="0">
-                <a:latin typeface="Helvetica" panose="020B0604020202020204" pitchFamily="34" charset="0"/>
-                <a:cs typeface="Helvetica" panose="020B0604020202020204" pitchFamily="34" charset="0"/>
-              </a:rPr>
-              <a:t>R</a:t>
-            </a:r>
-            <a:r>
-              <a:rPr lang="en-US" sz="1200" dirty="0">
-                <a:latin typeface="Helvetica" panose="020B0604020202020204" pitchFamily="34" charset="0"/>
-                <a:cs typeface="Helvetica" panose="020B0604020202020204" pitchFamily="34" charset="0"/>
-              </a:rPr>
-              <a:t>. E. Simons, “Estimating Parallel Plate-Fin Heat Sink Thermal Resistance.” [Online]. Available: https://www.electronics-cooling.com/2003/02/estimating-parallel-plate-fin-heat-sink-thermal-resistance</a:t>
-            </a:r>
-            <a:r>
-              <a:rPr lang="en-US" sz="1200" dirty="0" smtClean="0">
-                <a:latin typeface="Helvetica" panose="020B0604020202020204" pitchFamily="34" charset="0"/>
-                <a:cs typeface="Helvetica" panose="020B0604020202020204" pitchFamily="34" charset="0"/>
-              </a:rPr>
-              <a:t>/.</a:t>
-            </a:r>
-            <a:endParaRPr lang="en-US" sz="1200" dirty="0">
-              <a:latin typeface="Helvetica" panose="020B0604020202020204" pitchFamily="34" charset="0"/>
-              <a:cs typeface="Helvetica" panose="020B0604020202020204" pitchFamily="34" charset="0"/>
-            </a:endParaRPr>
-          </a:p>
         </p:txBody>
       </p:sp>
+      <p:pic>
+        <p:nvPicPr>
+          <p:cNvPr id="4" name="Picture 3"/>
+          <p:cNvPicPr>
+            <a:picLocks noChangeAspect="1"/>
+          </p:cNvPicPr>
+          <p:nvPr/>
+        </p:nvPicPr>
+        <p:blipFill>
+          <a:blip r:embed="rId5" cstate="print">
+            <a:extLst>
+              <a:ext uri="{28A0092B-C50C-407E-A947-70E740481C1C}">
+                <a14:useLocalDpi xmlns:a14="http://schemas.microsoft.com/office/drawing/2010/main" val="0"/>
+              </a:ext>
+            </a:extLst>
+          </a:blip>
+          <a:stretch>
+            <a:fillRect/>
+          </a:stretch>
+        </p:blipFill>
+        <p:spPr>
+          <a:xfrm>
+            <a:off x="3033358" y="2977145"/>
+            <a:ext cx="3962401" cy="2876812"/>
+          </a:xfrm>
+          <a:prstGeom prst="rect">
+            <a:avLst/>
+          </a:prstGeom>
+        </p:spPr>
+      </p:pic>
     </p:spTree>
     <p:extLst>
       <p:ext uri="{BB962C8B-B14F-4D97-AF65-F5344CB8AC3E}">
-        <p14:creationId xmlns:p14="http://schemas.microsoft.com/office/powerpoint/2010/main" val="198061606"/>
+        <p14:creationId xmlns:p14="http://schemas.microsoft.com/office/powerpoint/2010/main" val="1687259749"/>
       </p:ext>
     </p:extLst>
   </p:cSld>
@@ -10724,7 +10001,204 @@
   <p:timing>
     <p:tnLst>
       <p:par>
-        <p:cTn id="1" dur="indefinite" restart="never" nodeType="tmRoot"/>
+        <p:cTn id="1" dur="indefinite" restart="never" nodeType="tmRoot">
+          <p:childTnLst>
+            <p:seq concurrent="1" nextAc="seek">
+              <p:cTn id="2" dur="indefinite" nodeType="mainSeq">
+                <p:childTnLst>
+                  <p:par>
+                    <p:cTn id="3" fill="hold">
+                      <p:stCondLst>
+                        <p:cond delay="indefinite"/>
+                      </p:stCondLst>
+                      <p:childTnLst>
+                        <p:par>
+                          <p:cTn id="4" fill="hold">
+                            <p:stCondLst>
+                              <p:cond delay="0"/>
+                            </p:stCondLst>
+                            <p:childTnLst>
+                              <p:par>
+                                <p:cTn id="5" presetID="1" presetClass="entr" presetSubtype="0" fill="hold" nodeType="clickEffect">
+                                  <p:stCondLst>
+                                    <p:cond delay="0"/>
+                                  </p:stCondLst>
+                                  <p:childTnLst>
+                                    <p:set>
+                                      <p:cBhvr>
+                                        <p:cTn id="6" dur="1" fill="hold">
+                                          <p:stCondLst>
+                                            <p:cond delay="0"/>
+                                          </p:stCondLst>
+                                        </p:cTn>
+                                        <p:tgtEl>
+                                          <p:spTgt spid="24">
+                                            <p:txEl>
+                                              <p:pRg st="0" end="0"/>
+                                            </p:txEl>
+                                          </p:spTgt>
+                                        </p:tgtEl>
+                                        <p:attrNameLst>
+                                          <p:attrName>style.visibility</p:attrName>
+                                        </p:attrNameLst>
+                                      </p:cBhvr>
+                                      <p:to>
+                                        <p:strVal val="visible"/>
+                                      </p:to>
+                                    </p:set>
+                                  </p:childTnLst>
+                                </p:cTn>
+                              </p:par>
+                            </p:childTnLst>
+                          </p:cTn>
+                        </p:par>
+                      </p:childTnLst>
+                    </p:cTn>
+                  </p:par>
+                  <p:par>
+                    <p:cTn id="7" fill="hold">
+                      <p:stCondLst>
+                        <p:cond delay="indefinite"/>
+                      </p:stCondLst>
+                      <p:childTnLst>
+                        <p:par>
+                          <p:cTn id="8" fill="hold">
+                            <p:stCondLst>
+                              <p:cond delay="0"/>
+                            </p:stCondLst>
+                            <p:childTnLst>
+                              <p:par>
+                                <p:cTn id="9" presetID="1" presetClass="entr" presetSubtype="0" fill="hold" nodeType="clickEffect">
+                                  <p:stCondLst>
+                                    <p:cond delay="0"/>
+                                  </p:stCondLst>
+                                  <p:childTnLst>
+                                    <p:set>
+                                      <p:cBhvr>
+                                        <p:cTn id="10" dur="1" fill="hold">
+                                          <p:stCondLst>
+                                            <p:cond delay="0"/>
+                                          </p:stCondLst>
+                                        </p:cTn>
+                                        <p:tgtEl>
+                                          <p:spTgt spid="24">
+                                            <p:txEl>
+                                              <p:pRg st="1" end="1"/>
+                                            </p:txEl>
+                                          </p:spTgt>
+                                        </p:tgtEl>
+                                        <p:attrNameLst>
+                                          <p:attrName>style.visibility</p:attrName>
+                                        </p:attrNameLst>
+                                      </p:cBhvr>
+                                      <p:to>
+                                        <p:strVal val="visible"/>
+                                      </p:to>
+                                    </p:set>
+                                  </p:childTnLst>
+                                </p:cTn>
+                              </p:par>
+                            </p:childTnLst>
+                          </p:cTn>
+                        </p:par>
+                      </p:childTnLst>
+                    </p:cTn>
+                  </p:par>
+                  <p:par>
+                    <p:cTn id="11" fill="hold">
+                      <p:stCondLst>
+                        <p:cond delay="indefinite"/>
+                      </p:stCondLst>
+                      <p:childTnLst>
+                        <p:par>
+                          <p:cTn id="12" fill="hold">
+                            <p:stCondLst>
+                              <p:cond delay="0"/>
+                            </p:stCondLst>
+                            <p:childTnLst>
+                              <p:par>
+                                <p:cTn id="13" presetID="1" presetClass="entr" presetSubtype="0" fill="hold" nodeType="clickEffect">
+                                  <p:stCondLst>
+                                    <p:cond delay="0"/>
+                                  </p:stCondLst>
+                                  <p:childTnLst>
+                                    <p:set>
+                                      <p:cBhvr>
+                                        <p:cTn id="14" dur="1" fill="hold">
+                                          <p:stCondLst>
+                                            <p:cond delay="0"/>
+                                          </p:stCondLst>
+                                        </p:cTn>
+                                        <p:tgtEl>
+                                          <p:spTgt spid="24">
+                                            <p:txEl>
+                                              <p:pRg st="2" end="2"/>
+                                            </p:txEl>
+                                          </p:spTgt>
+                                        </p:tgtEl>
+                                        <p:attrNameLst>
+                                          <p:attrName>style.visibility</p:attrName>
+                                        </p:attrNameLst>
+                                      </p:cBhvr>
+                                      <p:to>
+                                        <p:strVal val="visible"/>
+                                      </p:to>
+                                    </p:set>
+                                  </p:childTnLst>
+                                </p:cTn>
+                              </p:par>
+                              <p:par>
+                                <p:cTn id="15" presetID="1" presetClass="entr" presetSubtype="0" fill="hold" nodeType="withEffect">
+                                  <p:stCondLst>
+                                    <p:cond delay="0"/>
+                                  </p:stCondLst>
+                                  <p:childTnLst>
+                                    <p:set>
+                                      <p:cBhvr>
+                                        <p:cTn id="16" dur="1" fill="hold">
+                                          <p:stCondLst>
+                                            <p:cond delay="0"/>
+                                          </p:stCondLst>
+                                        </p:cTn>
+                                        <p:tgtEl>
+                                          <p:spTgt spid="4"/>
+                                        </p:tgtEl>
+                                        <p:attrNameLst>
+                                          <p:attrName>style.visibility</p:attrName>
+                                        </p:attrNameLst>
+                                      </p:cBhvr>
+                                      <p:to>
+                                        <p:strVal val="visible"/>
+                                      </p:to>
+                                    </p:set>
+                                  </p:childTnLst>
+                                </p:cTn>
+                              </p:par>
+                            </p:childTnLst>
+                          </p:cTn>
+                        </p:par>
+                      </p:childTnLst>
+                    </p:cTn>
+                  </p:par>
+                </p:childTnLst>
+              </p:cTn>
+              <p:prevCondLst>
+                <p:cond evt="onPrev" delay="0">
+                  <p:tgtEl>
+                    <p:sldTgt/>
+                  </p:tgtEl>
+                </p:cond>
+              </p:prevCondLst>
+              <p:nextCondLst>
+                <p:cond evt="onNext" delay="0">
+                  <p:tgtEl>
+                    <p:sldTgt/>
+                  </p:tgtEl>
+                </p:cond>
+              </p:nextCondLst>
+            </p:seq>
+          </p:childTnLst>
+        </p:cTn>
       </p:par>
     </p:tnLst>
   </p:timing>
@@ -10847,6 +10321,43 @@
           </a:fontRef>
         </p:style>
       </p:cxnSp>
+      <p:sp>
+        <p:nvSpPr>
+          <p:cNvPr id="13" name="TextBox 12"/>
+          <p:cNvSpPr txBox="1"/>
+          <p:nvPr/>
+        </p:nvSpPr>
+        <p:spPr>
+          <a:xfrm>
+            <a:off x="1386291" y="224135"/>
+            <a:ext cx="7315200" cy="553998"/>
+          </a:xfrm>
+          <a:prstGeom prst="rect">
+            <a:avLst/>
+          </a:prstGeom>
+          <a:noFill/>
+        </p:spPr>
+        <p:txBody>
+          <a:bodyPr wrap="square" rtlCol="0">
+            <a:spAutoFit/>
+          </a:bodyPr>
+          <a:lstStyle/>
+          <a:p>
+            <a:pPr algn="ctr"/>
+            <a:r>
+              <a:rPr lang="tr-TR" sz="3000" dirty="0" err="1" smtClean="0">
+                <a:latin typeface="Times New Roman" panose="02020603050405020304" pitchFamily="18" charset="0"/>
+                <a:cs typeface="Times New Roman" panose="02020603050405020304" pitchFamily="18" charset="0"/>
+              </a:rPr>
+              <a:t>References</a:t>
+            </a:r>
+            <a:endParaRPr lang="en-US" sz="3000" dirty="0">
+              <a:latin typeface="Times New Roman" panose="02020603050405020304" pitchFamily="18" charset="0"/>
+              <a:cs typeface="Times New Roman" panose="02020603050405020304" pitchFamily="18" charset="0"/>
+            </a:endParaRPr>
+          </a:p>
+        </p:txBody>
+      </p:sp>
       <p:cxnSp>
         <p:nvCxnSpPr>
           <p:cNvPr id="15" name="Straight Connector 14"/>
@@ -10901,6 +10412,1229 @@
               <a:rPr lang="en-US" smtClean="0"/>
               <a:pPr/>
               <a:t>15</a:t>
+            </a:fld>
+            <a:endParaRPr lang="en-US" dirty="0"/>
+          </a:p>
+        </p:txBody>
+      </p:sp>
+      <p:pic>
+        <p:nvPicPr>
+          <p:cNvPr id="12" name="Picture 2" descr="C:\Users\Mesut\Desktop\aselsan sunum\aselsan sunum 10 ekim\aselsan sunum\cezmi bey\ODTU.png"/>
+          <p:cNvPicPr>
+            <a:picLocks noChangeAspect="1" noChangeArrowheads="1"/>
+          </p:cNvPicPr>
+          <p:nvPr/>
+        </p:nvPicPr>
+        <p:blipFill>
+          <a:blip r:embed="rId3" cstate="print">
+            <a:extLst>
+              <a:ext uri="{28A0092B-C50C-407E-A947-70E740481C1C}">
+                <a14:useLocalDpi xmlns:a14="http://schemas.microsoft.com/office/drawing/2010/main" val="0"/>
+              </a:ext>
+            </a:extLst>
+          </a:blip>
+          <a:srcRect/>
+          <a:stretch>
+            <a:fillRect/>
+          </a:stretch>
+        </p:blipFill>
+        <p:spPr bwMode="auto">
+          <a:xfrm>
+            <a:off x="116458" y="163788"/>
+            <a:ext cx="779026" cy="650016"/>
+          </a:xfrm>
+          <a:prstGeom prst="rect">
+            <a:avLst/>
+          </a:prstGeom>
+          <a:noFill/>
+          <a:extLst>
+            <a:ext uri="{909E8E84-426E-40DD-AFC4-6F175D3DCCD1}">
+              <a14:hiddenFill xmlns:a14="http://schemas.microsoft.com/office/drawing/2010/main">
+                <a:solidFill>
+                  <a:srgbClr val="FFFFFF"/>
+                </a:solidFill>
+              </a14:hiddenFill>
+            </a:ext>
+          </a:extLst>
+        </p:spPr>
+      </p:pic>
+      <p:pic>
+        <p:nvPicPr>
+          <p:cNvPr id="14" name="Picture 13"/>
+          <p:cNvPicPr>
+            <a:picLocks noChangeAspect="1"/>
+          </p:cNvPicPr>
+          <p:nvPr/>
+        </p:nvPicPr>
+        <p:blipFill rotWithShape="1">
+          <a:blip r:embed="rId4"/>
+          <a:srcRect t="1741" b="7727"/>
+          <a:stretch/>
+        </p:blipFill>
+        <p:spPr>
+          <a:xfrm rot="16200000">
+            <a:off x="-315548" y="5538698"/>
+            <a:ext cx="1643039" cy="1011942"/>
+          </a:xfrm>
+          <a:prstGeom prst="rect">
+            <a:avLst/>
+          </a:prstGeom>
+        </p:spPr>
+      </p:pic>
+      <p:sp>
+        <p:nvSpPr>
+          <p:cNvPr id="3" name="Rectangle 2"/>
+          <p:cNvSpPr>
+            <a:spLocks noChangeArrowheads="1"/>
+          </p:cNvSpPr>
+          <p:nvPr/>
+        </p:nvSpPr>
+        <p:spPr bwMode="auto">
+          <a:xfrm>
+            <a:off x="0" y="0"/>
+            <a:ext cx="9144000" cy="0"/>
+          </a:xfrm>
+          <a:prstGeom prst="rect">
+            <a:avLst/>
+          </a:prstGeom>
+          <a:noFill/>
+          <a:ln>
+            <a:noFill/>
+          </a:ln>
+          <a:effectLst/>
+          <a:extLst>
+            <a:ext uri="{909E8E84-426E-40DD-AFC4-6F175D3DCCD1}">
+              <a14:hiddenFill xmlns:a14="http://schemas.microsoft.com/office/drawing/2010/main">
+                <a:solidFill>
+                  <a:schemeClr val="accent1"/>
+                </a:solidFill>
+              </a14:hiddenFill>
+            </a:ext>
+            <a:ext uri="{91240B29-F687-4F45-9708-019B960494DF}">
+              <a14:hiddenLine xmlns:a14="http://schemas.microsoft.com/office/drawing/2010/main" w="9525">
+                <a:solidFill>
+                  <a:schemeClr val="tx1"/>
+                </a:solidFill>
+                <a:miter lim="800000"/>
+                <a:headEnd/>
+                <a:tailEnd/>
+              </a14:hiddenLine>
+            </a:ext>
+            <a:ext uri="{AF507438-7753-43E0-B8FC-AC1667EBCBE1}">
+              <a14:hiddenEffects xmlns:a14="http://schemas.microsoft.com/office/drawing/2010/main">
+                <a:effectLst>
+                  <a:outerShdw dist="35921" dir="2700000" algn="ctr" rotWithShape="0">
+                    <a:schemeClr val="bg2"/>
+                  </a:outerShdw>
+                </a:effectLst>
+              </a14:hiddenEffects>
+            </a:ext>
+          </a:extLst>
+        </p:spPr>
+        <p:txBody>
+          <a:bodyPr vert="horz" wrap="none" lIns="91440" tIns="45720" rIns="91440" bIns="45720" numCol="1" anchor="ctr" anchorCtr="0" compatLnSpc="1">
+            <a:prstTxWarp prst="textNoShape">
+              <a:avLst/>
+            </a:prstTxWarp>
+            <a:spAutoFit/>
+          </a:bodyPr>
+          <a:lstStyle/>
+          <a:p>
+            <a:endParaRPr lang="en-US"/>
+          </a:p>
+        </p:txBody>
+      </p:sp>
+      <p:sp>
+        <p:nvSpPr>
+          <p:cNvPr id="7" name="Rectangle 4"/>
+          <p:cNvSpPr>
+            <a:spLocks noChangeArrowheads="1"/>
+          </p:cNvSpPr>
+          <p:nvPr/>
+        </p:nvSpPr>
+        <p:spPr bwMode="auto">
+          <a:xfrm>
+            <a:off x="0" y="0"/>
+            <a:ext cx="9144000" cy="0"/>
+          </a:xfrm>
+          <a:prstGeom prst="rect">
+            <a:avLst/>
+          </a:prstGeom>
+          <a:noFill/>
+          <a:ln>
+            <a:noFill/>
+          </a:ln>
+          <a:effectLst/>
+          <a:extLst>
+            <a:ext uri="{909E8E84-426E-40DD-AFC4-6F175D3DCCD1}">
+              <a14:hiddenFill xmlns:a14="http://schemas.microsoft.com/office/drawing/2010/main">
+                <a:solidFill>
+                  <a:schemeClr val="accent1"/>
+                </a:solidFill>
+              </a14:hiddenFill>
+            </a:ext>
+            <a:ext uri="{91240B29-F687-4F45-9708-019B960494DF}">
+              <a14:hiddenLine xmlns:a14="http://schemas.microsoft.com/office/drawing/2010/main" w="9525">
+                <a:solidFill>
+                  <a:schemeClr val="tx1"/>
+                </a:solidFill>
+                <a:miter lim="800000"/>
+                <a:headEnd/>
+                <a:tailEnd/>
+              </a14:hiddenLine>
+            </a:ext>
+            <a:ext uri="{AF507438-7753-43E0-B8FC-AC1667EBCBE1}">
+              <a14:hiddenEffects xmlns:a14="http://schemas.microsoft.com/office/drawing/2010/main">
+                <a:effectLst>
+                  <a:outerShdw dist="35921" dir="2700000" algn="ctr" rotWithShape="0">
+                    <a:schemeClr val="bg2"/>
+                  </a:outerShdw>
+                </a:effectLst>
+              </a14:hiddenEffects>
+            </a:ext>
+          </a:extLst>
+        </p:spPr>
+        <p:txBody>
+          <a:bodyPr vert="horz" wrap="none" lIns="91440" tIns="45720" rIns="91440" bIns="45720" numCol="1" anchor="ctr" anchorCtr="0" compatLnSpc="1">
+            <a:prstTxWarp prst="textNoShape">
+              <a:avLst/>
+            </a:prstTxWarp>
+            <a:spAutoFit/>
+          </a:bodyPr>
+          <a:lstStyle/>
+          <a:p>
+            <a:endParaRPr lang="en-US"/>
+          </a:p>
+        </p:txBody>
+      </p:sp>
+      <p:sp>
+        <p:nvSpPr>
+          <p:cNvPr id="16" name="Rectangle 15"/>
+          <p:cNvSpPr/>
+          <p:nvPr/>
+        </p:nvSpPr>
+        <p:spPr>
+          <a:xfrm>
+            <a:off x="1066800" y="1295400"/>
+            <a:ext cx="8077200" cy="4893647"/>
+          </a:xfrm>
+          <a:prstGeom prst="rect">
+            <a:avLst/>
+          </a:prstGeom>
+        </p:spPr>
+        <p:txBody>
+          <a:bodyPr wrap="square">
+            <a:spAutoFit/>
+          </a:bodyPr>
+          <a:lstStyle/>
+          <a:p>
+            <a:r>
+              <a:rPr lang="en-US" sz="1200" dirty="0">
+                <a:latin typeface="Helvetica" panose="020B0604020202020204" pitchFamily="34" charset="0"/>
+                <a:cs typeface="Helvetica" panose="020B0604020202020204" pitchFamily="34" charset="0"/>
+              </a:rPr>
+              <a:t>[</a:t>
+            </a:r>
+            <a:r>
+              <a:rPr lang="en-US" sz="1200" dirty="0" smtClean="0">
+                <a:latin typeface="Helvetica" panose="020B0604020202020204" pitchFamily="34" charset="0"/>
+                <a:cs typeface="Helvetica" panose="020B0604020202020204" pitchFamily="34" charset="0"/>
+              </a:rPr>
+              <a:t>1]</a:t>
+            </a:r>
+            <a:r>
+              <a:rPr lang="tr-TR" sz="1200" dirty="0" smtClean="0">
+                <a:latin typeface="Helvetica" panose="020B0604020202020204" pitchFamily="34" charset="0"/>
+                <a:cs typeface="Helvetica" panose="020B0604020202020204" pitchFamily="34" charset="0"/>
+              </a:rPr>
+              <a:t> </a:t>
+            </a:r>
+            <a:r>
+              <a:rPr lang="en-US" sz="1200" dirty="0" smtClean="0">
+                <a:latin typeface="Helvetica" panose="020B0604020202020204" pitchFamily="34" charset="0"/>
+                <a:cs typeface="Helvetica" panose="020B0604020202020204" pitchFamily="34" charset="0"/>
+              </a:rPr>
+              <a:t>G</a:t>
+            </a:r>
+            <a:r>
+              <a:rPr lang="en-US" sz="1200" dirty="0">
+                <a:latin typeface="Helvetica" panose="020B0604020202020204" pitchFamily="34" charset="0"/>
+                <a:cs typeface="Helvetica" panose="020B0604020202020204" pitchFamily="34" charset="0"/>
+              </a:rPr>
+              <a:t>. Lo </a:t>
+            </a:r>
+            <a:r>
+              <a:rPr lang="en-US" sz="1200" dirty="0" err="1">
+                <a:latin typeface="Helvetica" panose="020B0604020202020204" pitchFamily="34" charset="0"/>
+                <a:cs typeface="Helvetica" panose="020B0604020202020204" pitchFamily="34" charset="0"/>
+              </a:rPr>
+              <a:t>Calzo</a:t>
+            </a:r>
+            <a:r>
+              <a:rPr lang="en-US" sz="1200" dirty="0">
+                <a:latin typeface="Helvetica" panose="020B0604020202020204" pitchFamily="34" charset="0"/>
+                <a:cs typeface="Helvetica" panose="020B0604020202020204" pitchFamily="34" charset="0"/>
+              </a:rPr>
+              <a:t>, G. </a:t>
+            </a:r>
+            <a:r>
+              <a:rPr lang="en-US" sz="1200" dirty="0" err="1">
+                <a:latin typeface="Helvetica" panose="020B0604020202020204" pitchFamily="34" charset="0"/>
+                <a:cs typeface="Helvetica" panose="020B0604020202020204" pitchFamily="34" charset="0"/>
+              </a:rPr>
+              <a:t>Vakil</a:t>
+            </a:r>
+            <a:r>
+              <a:rPr lang="en-US" sz="1200" dirty="0">
+                <a:latin typeface="Helvetica" panose="020B0604020202020204" pitchFamily="34" charset="0"/>
+                <a:cs typeface="Helvetica" panose="020B0604020202020204" pitchFamily="34" charset="0"/>
+              </a:rPr>
+              <a:t>, B. </a:t>
+            </a:r>
+            <a:r>
+              <a:rPr lang="en-US" sz="1200" dirty="0" err="1">
+                <a:latin typeface="Helvetica" panose="020B0604020202020204" pitchFamily="34" charset="0"/>
+                <a:cs typeface="Helvetica" panose="020B0604020202020204" pitchFamily="34" charset="0"/>
+              </a:rPr>
+              <a:t>Mecrow</a:t>
+            </a:r>
+            <a:r>
+              <a:rPr lang="en-US" sz="1200" dirty="0">
+                <a:latin typeface="Helvetica" panose="020B0604020202020204" pitchFamily="34" charset="0"/>
+                <a:cs typeface="Helvetica" panose="020B0604020202020204" pitchFamily="34" charset="0"/>
+              </a:rPr>
+              <a:t>, S. Lambert, T. Cox, C. </a:t>
+            </a:r>
+            <a:r>
+              <a:rPr lang="en-US" sz="1200" dirty="0" err="1">
+                <a:latin typeface="Helvetica" panose="020B0604020202020204" pitchFamily="34" charset="0"/>
+                <a:cs typeface="Helvetica" panose="020B0604020202020204" pitchFamily="34" charset="0"/>
+              </a:rPr>
+              <a:t>Gerada</a:t>
+            </a:r>
+            <a:r>
+              <a:rPr lang="en-US" sz="1200" dirty="0">
+                <a:latin typeface="Helvetica" panose="020B0604020202020204" pitchFamily="34" charset="0"/>
+                <a:cs typeface="Helvetica" panose="020B0604020202020204" pitchFamily="34" charset="0"/>
+              </a:rPr>
+              <a:t>, M. Johnson, and R. </a:t>
+            </a:r>
+            <a:r>
+              <a:rPr lang="en-US" sz="1200" dirty="0" err="1">
+                <a:latin typeface="Helvetica" panose="020B0604020202020204" pitchFamily="34" charset="0"/>
+                <a:cs typeface="Helvetica" panose="020B0604020202020204" pitchFamily="34" charset="0"/>
+              </a:rPr>
+              <a:t>Abebe</a:t>
+            </a:r>
+            <a:r>
+              <a:rPr lang="en-US" sz="1200" dirty="0">
+                <a:latin typeface="Helvetica" panose="020B0604020202020204" pitchFamily="34" charset="0"/>
+                <a:cs typeface="Helvetica" panose="020B0604020202020204" pitchFamily="34" charset="0"/>
+              </a:rPr>
+              <a:t>, “Integrated motor drives: state of the art and future trends,” </a:t>
+            </a:r>
+            <a:r>
+              <a:rPr lang="en-US" sz="1200" i="1" dirty="0">
+                <a:latin typeface="Helvetica" panose="020B0604020202020204" pitchFamily="34" charset="0"/>
+                <a:cs typeface="Helvetica" panose="020B0604020202020204" pitchFamily="34" charset="0"/>
+              </a:rPr>
+              <a:t>IET </a:t>
+            </a:r>
+            <a:r>
+              <a:rPr lang="en-US" sz="1200" i="1" dirty="0" err="1">
+                <a:latin typeface="Helvetica" panose="020B0604020202020204" pitchFamily="34" charset="0"/>
+                <a:cs typeface="Helvetica" panose="020B0604020202020204" pitchFamily="34" charset="0"/>
+              </a:rPr>
+              <a:t>Electr</a:t>
+            </a:r>
+            <a:r>
+              <a:rPr lang="en-US" sz="1200" i="1" dirty="0">
+                <a:latin typeface="Helvetica" panose="020B0604020202020204" pitchFamily="34" charset="0"/>
+                <a:cs typeface="Helvetica" panose="020B0604020202020204" pitchFamily="34" charset="0"/>
+              </a:rPr>
+              <a:t>. Power Appl.</a:t>
+            </a:r>
+            <a:r>
+              <a:rPr lang="en-US" sz="1200" dirty="0">
+                <a:latin typeface="Helvetica" panose="020B0604020202020204" pitchFamily="34" charset="0"/>
+                <a:cs typeface="Helvetica" panose="020B0604020202020204" pitchFamily="34" charset="0"/>
+              </a:rPr>
+              <a:t>, vol. 10, no. 8, pp. 757–771, Sep. 2016</a:t>
+            </a:r>
+            <a:r>
+              <a:rPr lang="en-US" sz="1200" dirty="0" smtClean="0">
+                <a:latin typeface="Helvetica" panose="020B0604020202020204" pitchFamily="34" charset="0"/>
+                <a:cs typeface="Helvetica" panose="020B0604020202020204" pitchFamily="34" charset="0"/>
+              </a:rPr>
+              <a:t>.</a:t>
+            </a:r>
+            <a:endParaRPr lang="tr-TR" sz="1200" dirty="0" smtClean="0">
+              <a:latin typeface="Helvetica" panose="020B0604020202020204" pitchFamily="34" charset="0"/>
+              <a:cs typeface="Helvetica" panose="020B0604020202020204" pitchFamily="34" charset="0"/>
+            </a:endParaRPr>
+          </a:p>
+          <a:p>
+            <a:endParaRPr lang="en-US" sz="1200" dirty="0">
+              <a:latin typeface="Helvetica" panose="020B0604020202020204" pitchFamily="34" charset="0"/>
+              <a:cs typeface="Helvetica" panose="020B0604020202020204" pitchFamily="34" charset="0"/>
+            </a:endParaRPr>
+          </a:p>
+          <a:p>
+            <a:r>
+              <a:rPr lang="en-US" sz="1200" dirty="0">
+                <a:latin typeface="Helvetica" panose="020B0604020202020204" pitchFamily="34" charset="0"/>
+                <a:cs typeface="Helvetica" panose="020B0604020202020204" pitchFamily="34" charset="0"/>
+              </a:rPr>
+              <a:t>[</a:t>
+            </a:r>
+            <a:r>
+              <a:rPr lang="en-US" sz="1200" dirty="0" smtClean="0">
+                <a:latin typeface="Helvetica" panose="020B0604020202020204" pitchFamily="34" charset="0"/>
+                <a:cs typeface="Helvetica" panose="020B0604020202020204" pitchFamily="34" charset="0"/>
+              </a:rPr>
+              <a:t>2]</a:t>
+            </a:r>
+            <a:r>
+              <a:rPr lang="tr-TR" sz="1200" dirty="0" smtClean="0">
+                <a:latin typeface="Helvetica" panose="020B0604020202020204" pitchFamily="34" charset="0"/>
+                <a:cs typeface="Helvetica" panose="020B0604020202020204" pitchFamily="34" charset="0"/>
+              </a:rPr>
+              <a:t> </a:t>
+            </a:r>
+            <a:r>
+              <a:rPr lang="en-US" sz="1200" dirty="0" smtClean="0">
+                <a:latin typeface="Helvetica" panose="020B0604020202020204" pitchFamily="34" charset="0"/>
+                <a:cs typeface="Helvetica" panose="020B0604020202020204" pitchFamily="34" charset="0"/>
+              </a:rPr>
+              <a:t>M</a:t>
+            </a:r>
+            <a:r>
+              <a:rPr lang="en-US" sz="1200" dirty="0">
+                <a:latin typeface="Helvetica" panose="020B0604020202020204" pitchFamily="34" charset="0"/>
+                <a:cs typeface="Helvetica" panose="020B0604020202020204" pitchFamily="34" charset="0"/>
+              </a:rPr>
+              <a:t>. D. </a:t>
+            </a:r>
+            <a:r>
+              <a:rPr lang="en-US" sz="1200" dirty="0" err="1">
+                <a:latin typeface="Helvetica" panose="020B0604020202020204" pitchFamily="34" charset="0"/>
+                <a:cs typeface="Helvetica" panose="020B0604020202020204" pitchFamily="34" charset="0"/>
+              </a:rPr>
+              <a:t>Hennen</a:t>
+            </a:r>
+            <a:r>
+              <a:rPr lang="en-US" sz="1200" dirty="0">
+                <a:latin typeface="Helvetica" panose="020B0604020202020204" pitchFamily="34" charset="0"/>
+                <a:cs typeface="Helvetica" panose="020B0604020202020204" pitchFamily="34" charset="0"/>
+              </a:rPr>
+              <a:t>, M. </a:t>
+            </a:r>
+            <a:r>
+              <a:rPr lang="en-US" sz="1200" dirty="0" err="1">
+                <a:latin typeface="Helvetica" panose="020B0604020202020204" pitchFamily="34" charset="0"/>
+                <a:cs typeface="Helvetica" panose="020B0604020202020204" pitchFamily="34" charset="0"/>
+              </a:rPr>
+              <a:t>Niessen</a:t>
+            </a:r>
+            <a:r>
+              <a:rPr lang="en-US" sz="1200" dirty="0">
+                <a:latin typeface="Helvetica" panose="020B0604020202020204" pitchFamily="34" charset="0"/>
+                <a:cs typeface="Helvetica" panose="020B0604020202020204" pitchFamily="34" charset="0"/>
+              </a:rPr>
+              <a:t>, C. </a:t>
+            </a:r>
+            <a:r>
+              <a:rPr lang="en-US" sz="1200" dirty="0" err="1">
+                <a:latin typeface="Helvetica" panose="020B0604020202020204" pitchFamily="34" charset="0"/>
+                <a:cs typeface="Helvetica" panose="020B0604020202020204" pitchFamily="34" charset="0"/>
+              </a:rPr>
+              <a:t>Heyers</a:t>
+            </a:r>
+            <a:r>
+              <a:rPr lang="en-US" sz="1200" dirty="0">
+                <a:latin typeface="Helvetica" panose="020B0604020202020204" pitchFamily="34" charset="0"/>
+                <a:cs typeface="Helvetica" panose="020B0604020202020204" pitchFamily="34" charset="0"/>
+              </a:rPr>
+              <a:t>, H. J. </a:t>
+            </a:r>
+            <a:r>
+              <a:rPr lang="en-US" sz="1200" dirty="0" err="1">
+                <a:latin typeface="Helvetica" panose="020B0604020202020204" pitchFamily="34" charset="0"/>
+                <a:cs typeface="Helvetica" panose="020B0604020202020204" pitchFamily="34" charset="0"/>
+              </a:rPr>
+              <a:t>Brauer</a:t>
+            </a:r>
+            <a:r>
+              <a:rPr lang="en-US" sz="1200" dirty="0">
+                <a:latin typeface="Helvetica" panose="020B0604020202020204" pitchFamily="34" charset="0"/>
+                <a:cs typeface="Helvetica" panose="020B0604020202020204" pitchFamily="34" charset="0"/>
+              </a:rPr>
+              <a:t>, and R. W. De </a:t>
+            </a:r>
+            <a:r>
+              <a:rPr lang="en-US" sz="1200" dirty="0" err="1">
+                <a:latin typeface="Helvetica" panose="020B0604020202020204" pitchFamily="34" charset="0"/>
+                <a:cs typeface="Helvetica" panose="020B0604020202020204" pitchFamily="34" charset="0"/>
+              </a:rPr>
+              <a:t>Doncker</a:t>
+            </a:r>
+            <a:r>
+              <a:rPr lang="en-US" sz="1200" dirty="0">
+                <a:latin typeface="Helvetica" panose="020B0604020202020204" pitchFamily="34" charset="0"/>
+                <a:cs typeface="Helvetica" panose="020B0604020202020204" pitchFamily="34" charset="0"/>
+              </a:rPr>
+              <a:t>, “Development and control of an integrated and distributed inverter for a fault tolerant five-phase switched reluctance traction drive,” </a:t>
+            </a:r>
+            <a:r>
+              <a:rPr lang="en-US" sz="1200" i="1" dirty="0">
+                <a:latin typeface="Helvetica" panose="020B0604020202020204" pitchFamily="34" charset="0"/>
+                <a:cs typeface="Helvetica" panose="020B0604020202020204" pitchFamily="34" charset="0"/>
+              </a:rPr>
+              <a:t>IEEE Trans. Power Electron.</a:t>
+            </a:r>
+            <a:r>
+              <a:rPr lang="en-US" sz="1200" dirty="0">
+                <a:latin typeface="Helvetica" panose="020B0604020202020204" pitchFamily="34" charset="0"/>
+                <a:cs typeface="Helvetica" panose="020B0604020202020204" pitchFamily="34" charset="0"/>
+              </a:rPr>
+              <a:t>, vol. 27, no. 2, pp. 547–554, 2012</a:t>
+            </a:r>
+            <a:r>
+              <a:rPr lang="en-US" sz="1200" dirty="0" smtClean="0">
+                <a:latin typeface="Helvetica" panose="020B0604020202020204" pitchFamily="34" charset="0"/>
+                <a:cs typeface="Helvetica" panose="020B0604020202020204" pitchFamily="34" charset="0"/>
+              </a:rPr>
+              <a:t>.</a:t>
+            </a:r>
+            <a:endParaRPr lang="tr-TR" sz="1200" dirty="0" smtClean="0">
+              <a:latin typeface="Helvetica" panose="020B0604020202020204" pitchFamily="34" charset="0"/>
+              <a:cs typeface="Helvetica" panose="020B0604020202020204" pitchFamily="34" charset="0"/>
+            </a:endParaRPr>
+          </a:p>
+          <a:p>
+            <a:endParaRPr lang="en-US" sz="1200" dirty="0">
+              <a:latin typeface="Helvetica" panose="020B0604020202020204" pitchFamily="34" charset="0"/>
+              <a:cs typeface="Helvetica" panose="020B0604020202020204" pitchFamily="34" charset="0"/>
+            </a:endParaRPr>
+          </a:p>
+          <a:p>
+            <a:r>
+              <a:rPr lang="en-US" sz="1200" dirty="0">
+                <a:latin typeface="Helvetica" panose="020B0604020202020204" pitchFamily="34" charset="0"/>
+                <a:cs typeface="Helvetica" panose="020B0604020202020204" pitchFamily="34" charset="0"/>
+              </a:rPr>
+              <a:t>[</a:t>
+            </a:r>
+            <a:r>
+              <a:rPr lang="en-US" sz="1200" dirty="0" smtClean="0">
+                <a:latin typeface="Helvetica" panose="020B0604020202020204" pitchFamily="34" charset="0"/>
+                <a:cs typeface="Helvetica" panose="020B0604020202020204" pitchFamily="34" charset="0"/>
+              </a:rPr>
+              <a:t>3]</a:t>
+            </a:r>
+            <a:r>
+              <a:rPr lang="tr-TR" sz="1200" dirty="0" smtClean="0">
+                <a:latin typeface="Helvetica" panose="020B0604020202020204" pitchFamily="34" charset="0"/>
+                <a:cs typeface="Helvetica" panose="020B0604020202020204" pitchFamily="34" charset="0"/>
+              </a:rPr>
+              <a:t> </a:t>
+            </a:r>
+            <a:r>
+              <a:rPr lang="en-US" sz="1200" dirty="0" smtClean="0">
+                <a:latin typeface="Helvetica" panose="020B0604020202020204" pitchFamily="34" charset="0"/>
+                <a:cs typeface="Helvetica" panose="020B0604020202020204" pitchFamily="34" charset="0"/>
+              </a:rPr>
+              <a:t>J</a:t>
+            </a:r>
+            <a:r>
+              <a:rPr lang="en-US" sz="1200" dirty="0">
+                <a:latin typeface="Helvetica" panose="020B0604020202020204" pitchFamily="34" charset="0"/>
+                <a:cs typeface="Helvetica" panose="020B0604020202020204" pitchFamily="34" charset="0"/>
+              </a:rPr>
+              <a:t>. Wang, Y. Li, and Y. Han, “Integrated Modular Motor Drive Design With GaN Power FETs,” </a:t>
+            </a:r>
+            <a:r>
+              <a:rPr lang="en-US" sz="1200" i="1" dirty="0">
+                <a:latin typeface="Helvetica" panose="020B0604020202020204" pitchFamily="34" charset="0"/>
+                <a:cs typeface="Helvetica" panose="020B0604020202020204" pitchFamily="34" charset="0"/>
+              </a:rPr>
+              <a:t>IEEE Trans. Ind. Appl.</a:t>
+            </a:r>
+            <a:r>
+              <a:rPr lang="en-US" sz="1200" dirty="0">
+                <a:latin typeface="Helvetica" panose="020B0604020202020204" pitchFamily="34" charset="0"/>
+                <a:cs typeface="Helvetica" panose="020B0604020202020204" pitchFamily="34" charset="0"/>
+              </a:rPr>
+              <a:t>, vol. 51, no. c, pp. 3198–3207, 2015</a:t>
+            </a:r>
+            <a:r>
+              <a:rPr lang="en-US" sz="1200" dirty="0" smtClean="0">
+                <a:latin typeface="Helvetica" panose="020B0604020202020204" pitchFamily="34" charset="0"/>
+                <a:cs typeface="Helvetica" panose="020B0604020202020204" pitchFamily="34" charset="0"/>
+              </a:rPr>
+              <a:t>.</a:t>
+            </a:r>
+            <a:endParaRPr lang="tr-TR" sz="1200" dirty="0" smtClean="0">
+              <a:latin typeface="Helvetica" panose="020B0604020202020204" pitchFamily="34" charset="0"/>
+              <a:cs typeface="Helvetica" panose="020B0604020202020204" pitchFamily="34" charset="0"/>
+            </a:endParaRPr>
+          </a:p>
+          <a:p>
+            <a:endParaRPr lang="en-US" sz="1200" dirty="0">
+              <a:latin typeface="Helvetica" panose="020B0604020202020204" pitchFamily="34" charset="0"/>
+              <a:cs typeface="Helvetica" panose="020B0604020202020204" pitchFamily="34" charset="0"/>
+            </a:endParaRPr>
+          </a:p>
+          <a:p>
+            <a:r>
+              <a:rPr lang="en-US" sz="1200" dirty="0">
+                <a:latin typeface="Helvetica" panose="020B0604020202020204" pitchFamily="34" charset="0"/>
+                <a:cs typeface="Helvetica" panose="020B0604020202020204" pitchFamily="34" charset="0"/>
+              </a:rPr>
+              <a:t>[</a:t>
+            </a:r>
+            <a:r>
+              <a:rPr lang="en-US" sz="1200" dirty="0" smtClean="0">
+                <a:latin typeface="Helvetica" panose="020B0604020202020204" pitchFamily="34" charset="0"/>
+                <a:cs typeface="Helvetica" panose="020B0604020202020204" pitchFamily="34" charset="0"/>
+              </a:rPr>
+              <a:t>4]</a:t>
+            </a:r>
+            <a:r>
+              <a:rPr lang="tr-TR" sz="1200" dirty="0" smtClean="0">
+                <a:latin typeface="Helvetica" panose="020B0604020202020204" pitchFamily="34" charset="0"/>
+                <a:cs typeface="Helvetica" panose="020B0604020202020204" pitchFamily="34" charset="0"/>
+              </a:rPr>
+              <a:t> </a:t>
+            </a:r>
+            <a:r>
+              <a:rPr lang="en-US" sz="1200" dirty="0" smtClean="0">
+                <a:latin typeface="Helvetica" panose="020B0604020202020204" pitchFamily="34" charset="0"/>
+                <a:cs typeface="Helvetica" panose="020B0604020202020204" pitchFamily="34" charset="0"/>
+              </a:rPr>
+              <a:t>M</a:t>
+            </a:r>
+            <a:r>
+              <a:rPr lang="en-US" sz="1200" dirty="0">
+                <a:latin typeface="Helvetica" panose="020B0604020202020204" pitchFamily="34" charset="0"/>
+                <a:cs typeface="Helvetica" panose="020B0604020202020204" pitchFamily="34" charset="0"/>
+              </a:rPr>
+              <a:t>. </a:t>
+            </a:r>
+            <a:r>
+              <a:rPr lang="en-US" sz="1200" dirty="0" err="1">
+                <a:latin typeface="Helvetica" panose="020B0604020202020204" pitchFamily="34" charset="0"/>
+                <a:cs typeface="Helvetica" panose="020B0604020202020204" pitchFamily="34" charset="0"/>
+              </a:rPr>
+              <a:t>Ugur</a:t>
+            </a:r>
+            <a:r>
+              <a:rPr lang="en-US" sz="1200" dirty="0">
+                <a:latin typeface="Helvetica" panose="020B0604020202020204" pitchFamily="34" charset="0"/>
+                <a:cs typeface="Helvetica" panose="020B0604020202020204" pitchFamily="34" charset="0"/>
+              </a:rPr>
+              <a:t> and O. Keysan, “DC link capacitor optimization for integrated modular motor drives,” </a:t>
+            </a:r>
+            <a:r>
+              <a:rPr lang="en-US" sz="1200" i="1" dirty="0">
+                <a:latin typeface="Helvetica" panose="020B0604020202020204" pitchFamily="34" charset="0"/>
+                <a:cs typeface="Helvetica" panose="020B0604020202020204" pitchFamily="34" charset="0"/>
+              </a:rPr>
+              <a:t>2017 IEEE 26th Int. </a:t>
+            </a:r>
+            <a:r>
+              <a:rPr lang="en-US" sz="1200" i="1" dirty="0" err="1">
+                <a:latin typeface="Helvetica" panose="020B0604020202020204" pitchFamily="34" charset="0"/>
+                <a:cs typeface="Helvetica" panose="020B0604020202020204" pitchFamily="34" charset="0"/>
+              </a:rPr>
+              <a:t>Symp</a:t>
+            </a:r>
+            <a:r>
+              <a:rPr lang="en-US" sz="1200" i="1" dirty="0">
+                <a:latin typeface="Helvetica" panose="020B0604020202020204" pitchFamily="34" charset="0"/>
+                <a:cs typeface="Helvetica" panose="020B0604020202020204" pitchFamily="34" charset="0"/>
+              </a:rPr>
+              <a:t>. Ind. Electron.</a:t>
+            </a:r>
+            <a:r>
+              <a:rPr lang="en-US" sz="1200" dirty="0">
+                <a:latin typeface="Helvetica" panose="020B0604020202020204" pitchFamily="34" charset="0"/>
+                <a:cs typeface="Helvetica" panose="020B0604020202020204" pitchFamily="34" charset="0"/>
+              </a:rPr>
+              <a:t>, vol. </a:t>
+            </a:r>
+            <a:r>
+              <a:rPr lang="en-US" sz="1200" dirty="0" err="1">
+                <a:latin typeface="Helvetica" panose="020B0604020202020204" pitchFamily="34" charset="0"/>
+                <a:cs typeface="Helvetica" panose="020B0604020202020204" pitchFamily="34" charset="0"/>
+              </a:rPr>
+              <a:t>i</a:t>
+            </a:r>
+            <a:r>
+              <a:rPr lang="en-US" sz="1200" dirty="0">
+                <a:latin typeface="Helvetica" panose="020B0604020202020204" pitchFamily="34" charset="0"/>
+                <a:cs typeface="Helvetica" panose="020B0604020202020204" pitchFamily="34" charset="0"/>
+              </a:rPr>
+              <a:t>, pp. 263–270, 2017</a:t>
+            </a:r>
+            <a:r>
+              <a:rPr lang="en-US" sz="1200" dirty="0" smtClean="0">
+                <a:latin typeface="Helvetica" panose="020B0604020202020204" pitchFamily="34" charset="0"/>
+                <a:cs typeface="Helvetica" panose="020B0604020202020204" pitchFamily="34" charset="0"/>
+              </a:rPr>
+              <a:t>.</a:t>
+            </a:r>
+            <a:endParaRPr lang="tr-TR" sz="1200" dirty="0" smtClean="0">
+              <a:latin typeface="Helvetica" panose="020B0604020202020204" pitchFamily="34" charset="0"/>
+              <a:cs typeface="Helvetica" panose="020B0604020202020204" pitchFamily="34" charset="0"/>
+            </a:endParaRPr>
+          </a:p>
+          <a:p>
+            <a:endParaRPr lang="en-US" sz="1200" dirty="0">
+              <a:latin typeface="Helvetica" panose="020B0604020202020204" pitchFamily="34" charset="0"/>
+              <a:cs typeface="Helvetica" panose="020B0604020202020204" pitchFamily="34" charset="0"/>
+            </a:endParaRPr>
+          </a:p>
+          <a:p>
+            <a:r>
+              <a:rPr lang="en-US" sz="1200" dirty="0">
+                <a:latin typeface="Helvetica" panose="020B0604020202020204" pitchFamily="34" charset="0"/>
+                <a:cs typeface="Helvetica" panose="020B0604020202020204" pitchFamily="34" charset="0"/>
+              </a:rPr>
+              <a:t>[</a:t>
+            </a:r>
+            <a:r>
+              <a:rPr lang="en-US" sz="1200" dirty="0" smtClean="0">
+                <a:latin typeface="Helvetica" panose="020B0604020202020204" pitchFamily="34" charset="0"/>
+                <a:cs typeface="Helvetica" panose="020B0604020202020204" pitchFamily="34" charset="0"/>
+              </a:rPr>
+              <a:t>5]</a:t>
+            </a:r>
+            <a:r>
+              <a:rPr lang="tr-TR" sz="1200" dirty="0" smtClean="0">
+                <a:latin typeface="Helvetica" panose="020B0604020202020204" pitchFamily="34" charset="0"/>
+                <a:cs typeface="Helvetica" panose="020B0604020202020204" pitchFamily="34" charset="0"/>
+              </a:rPr>
+              <a:t> </a:t>
+            </a:r>
+            <a:r>
+              <a:rPr lang="en-US" sz="1200" dirty="0" smtClean="0">
+                <a:latin typeface="Helvetica" panose="020B0604020202020204" pitchFamily="34" charset="0"/>
+                <a:cs typeface="Helvetica" panose="020B0604020202020204" pitchFamily="34" charset="0"/>
+              </a:rPr>
+              <a:t>A</a:t>
+            </a:r>
+            <a:r>
+              <a:rPr lang="en-US" sz="1200" dirty="0">
+                <a:latin typeface="Helvetica" panose="020B0604020202020204" pitchFamily="34" charset="0"/>
+                <a:cs typeface="Helvetica" panose="020B0604020202020204" pitchFamily="34" charset="0"/>
+              </a:rPr>
+              <a:t>. </a:t>
+            </a:r>
+            <a:r>
+              <a:rPr lang="en-US" sz="1200" dirty="0" err="1">
+                <a:latin typeface="Helvetica" panose="020B0604020202020204" pitchFamily="34" charset="0"/>
+                <a:cs typeface="Helvetica" panose="020B0604020202020204" pitchFamily="34" charset="0"/>
+              </a:rPr>
+              <a:t>Shea</a:t>
+            </a:r>
+            <a:r>
+              <a:rPr lang="en-US" sz="1200" dirty="0">
+                <a:latin typeface="Helvetica" panose="020B0604020202020204" pitchFamily="34" charset="0"/>
+                <a:cs typeface="Helvetica" panose="020B0604020202020204" pitchFamily="34" charset="0"/>
+              </a:rPr>
+              <a:t> and T. M. </a:t>
+            </a:r>
+            <a:r>
+              <a:rPr lang="en-US" sz="1200" dirty="0" err="1">
+                <a:latin typeface="Helvetica" panose="020B0604020202020204" pitchFamily="34" charset="0"/>
+                <a:cs typeface="Helvetica" panose="020B0604020202020204" pitchFamily="34" charset="0"/>
+              </a:rPr>
+              <a:t>Jahns</a:t>
+            </a:r>
+            <a:r>
+              <a:rPr lang="en-US" sz="1200" dirty="0">
+                <a:latin typeface="Helvetica" panose="020B0604020202020204" pitchFamily="34" charset="0"/>
+                <a:cs typeface="Helvetica" panose="020B0604020202020204" pitchFamily="34" charset="0"/>
+              </a:rPr>
+              <a:t>, “Hardware integration for an integrated modular motor drive including distributed control,” in </a:t>
+            </a:r>
+            <a:r>
+              <a:rPr lang="en-US" sz="1200" i="1" dirty="0">
+                <a:latin typeface="Helvetica" panose="020B0604020202020204" pitchFamily="34" charset="0"/>
+                <a:cs typeface="Helvetica" panose="020B0604020202020204" pitchFamily="34" charset="0"/>
+              </a:rPr>
+              <a:t>2014 IEEE Energy Conversion Congress and Exposition (ECCE)</a:t>
+            </a:r>
+            <a:r>
+              <a:rPr lang="en-US" sz="1200" dirty="0">
+                <a:latin typeface="Helvetica" panose="020B0604020202020204" pitchFamily="34" charset="0"/>
+                <a:cs typeface="Helvetica" panose="020B0604020202020204" pitchFamily="34" charset="0"/>
+              </a:rPr>
+              <a:t>, 2014, pp. 4881–4887</a:t>
+            </a:r>
+            <a:r>
+              <a:rPr lang="en-US" sz="1200" dirty="0" smtClean="0">
+                <a:latin typeface="Helvetica" panose="020B0604020202020204" pitchFamily="34" charset="0"/>
+                <a:cs typeface="Helvetica" panose="020B0604020202020204" pitchFamily="34" charset="0"/>
+              </a:rPr>
+              <a:t>.</a:t>
+            </a:r>
+            <a:endParaRPr lang="tr-TR" sz="1200" dirty="0" smtClean="0">
+              <a:latin typeface="Helvetica" panose="020B0604020202020204" pitchFamily="34" charset="0"/>
+              <a:cs typeface="Helvetica" panose="020B0604020202020204" pitchFamily="34" charset="0"/>
+            </a:endParaRPr>
+          </a:p>
+          <a:p>
+            <a:endParaRPr lang="en-US" sz="1200" dirty="0">
+              <a:latin typeface="Helvetica" panose="020B0604020202020204" pitchFamily="34" charset="0"/>
+              <a:cs typeface="Helvetica" panose="020B0604020202020204" pitchFamily="34" charset="0"/>
+            </a:endParaRPr>
+          </a:p>
+          <a:p>
+            <a:r>
+              <a:rPr lang="en-US" sz="1200" dirty="0">
+                <a:latin typeface="Helvetica" panose="020B0604020202020204" pitchFamily="34" charset="0"/>
+                <a:cs typeface="Helvetica" panose="020B0604020202020204" pitchFamily="34" charset="0"/>
+              </a:rPr>
+              <a:t>[</a:t>
+            </a:r>
+            <a:r>
+              <a:rPr lang="en-US" sz="1200" dirty="0" smtClean="0">
+                <a:latin typeface="Helvetica" panose="020B0604020202020204" pitchFamily="34" charset="0"/>
+                <a:cs typeface="Helvetica" panose="020B0604020202020204" pitchFamily="34" charset="0"/>
+              </a:rPr>
+              <a:t>6]</a:t>
+            </a:r>
+            <a:r>
+              <a:rPr lang="tr-TR" sz="1200" dirty="0" smtClean="0">
+                <a:latin typeface="Helvetica" panose="020B0604020202020204" pitchFamily="34" charset="0"/>
+                <a:cs typeface="Helvetica" panose="020B0604020202020204" pitchFamily="34" charset="0"/>
+              </a:rPr>
+              <a:t> </a:t>
+            </a:r>
+            <a:r>
+              <a:rPr lang="en-US" sz="1200" dirty="0" smtClean="0">
+                <a:latin typeface="Helvetica" panose="020B0604020202020204" pitchFamily="34" charset="0"/>
+                <a:cs typeface="Helvetica" panose="020B0604020202020204" pitchFamily="34" charset="0"/>
+              </a:rPr>
+              <a:t>N</a:t>
+            </a:r>
+            <a:r>
+              <a:rPr lang="en-US" sz="1200" dirty="0">
+                <a:latin typeface="Helvetica" panose="020B0604020202020204" pitchFamily="34" charset="0"/>
+                <a:cs typeface="Helvetica" panose="020B0604020202020204" pitchFamily="34" charset="0"/>
+              </a:rPr>
+              <a:t>. </a:t>
+            </a:r>
+            <a:r>
+              <a:rPr lang="en-US" sz="1200" dirty="0" err="1">
+                <a:latin typeface="Helvetica" panose="020B0604020202020204" pitchFamily="34" charset="0"/>
+                <a:cs typeface="Helvetica" panose="020B0604020202020204" pitchFamily="34" charset="0"/>
+              </a:rPr>
+              <a:t>Bekka</a:t>
+            </a:r>
+            <a:r>
+              <a:rPr lang="en-US" sz="1200" dirty="0">
+                <a:latin typeface="Helvetica" panose="020B0604020202020204" pitchFamily="34" charset="0"/>
+                <a:cs typeface="Helvetica" panose="020B0604020202020204" pitchFamily="34" charset="0"/>
+              </a:rPr>
+              <a:t>, M. E. H. </a:t>
+            </a:r>
+            <a:r>
+              <a:rPr lang="en-US" sz="1200" dirty="0" err="1">
+                <a:latin typeface="Helvetica" panose="020B0604020202020204" pitchFamily="34" charset="0"/>
+                <a:cs typeface="Helvetica" panose="020B0604020202020204" pitchFamily="34" charset="0"/>
+              </a:rPr>
+              <a:t>Zaim</a:t>
+            </a:r>
+            <a:r>
+              <a:rPr lang="en-US" sz="1200" dirty="0">
+                <a:latin typeface="Helvetica" panose="020B0604020202020204" pitchFamily="34" charset="0"/>
+                <a:cs typeface="Helvetica" panose="020B0604020202020204" pitchFamily="34" charset="0"/>
+              </a:rPr>
+              <a:t>, N. Bernard, and D. Trichet, “A Novel Methodology for Optimal Design of Fractional Slot with Concentrated Windings,” </a:t>
+            </a:r>
+            <a:r>
+              <a:rPr lang="en-US" sz="1200" i="1" dirty="0">
+                <a:latin typeface="Helvetica" panose="020B0604020202020204" pitchFamily="34" charset="0"/>
+                <a:cs typeface="Helvetica" panose="020B0604020202020204" pitchFamily="34" charset="0"/>
+              </a:rPr>
+              <a:t>IEEE Trans. Energy Convers.</a:t>
+            </a:r>
+            <a:r>
+              <a:rPr lang="en-US" sz="1200" dirty="0">
+                <a:latin typeface="Helvetica" panose="020B0604020202020204" pitchFamily="34" charset="0"/>
+                <a:cs typeface="Helvetica" panose="020B0604020202020204" pitchFamily="34" charset="0"/>
+              </a:rPr>
+              <a:t>, vol. 31, no. 3, pp. 1153–1160, 2016</a:t>
+            </a:r>
+            <a:r>
+              <a:rPr lang="en-US" sz="1200" dirty="0" smtClean="0">
+                <a:latin typeface="Helvetica" panose="020B0604020202020204" pitchFamily="34" charset="0"/>
+                <a:cs typeface="Helvetica" panose="020B0604020202020204" pitchFamily="34" charset="0"/>
+              </a:rPr>
+              <a:t>.</a:t>
+            </a:r>
+            <a:endParaRPr lang="tr-TR" sz="1200" dirty="0" smtClean="0">
+              <a:latin typeface="Helvetica" panose="020B0604020202020204" pitchFamily="34" charset="0"/>
+              <a:cs typeface="Helvetica" panose="020B0604020202020204" pitchFamily="34" charset="0"/>
+            </a:endParaRPr>
+          </a:p>
+          <a:p>
+            <a:endParaRPr lang="en-US" sz="1200" dirty="0">
+              <a:latin typeface="Helvetica" panose="020B0604020202020204" pitchFamily="34" charset="0"/>
+              <a:cs typeface="Helvetica" panose="020B0604020202020204" pitchFamily="34" charset="0"/>
+            </a:endParaRPr>
+          </a:p>
+          <a:p>
+            <a:r>
+              <a:rPr lang="en-US" sz="1200" dirty="0">
+                <a:latin typeface="Helvetica" panose="020B0604020202020204" pitchFamily="34" charset="0"/>
+                <a:cs typeface="Helvetica" panose="020B0604020202020204" pitchFamily="34" charset="0"/>
+              </a:rPr>
+              <a:t>[</a:t>
+            </a:r>
+            <a:r>
+              <a:rPr lang="en-US" sz="1200" dirty="0" smtClean="0">
+                <a:latin typeface="Helvetica" panose="020B0604020202020204" pitchFamily="34" charset="0"/>
+                <a:cs typeface="Helvetica" panose="020B0604020202020204" pitchFamily="34" charset="0"/>
+              </a:rPr>
+              <a:t>7]</a:t>
+            </a:r>
+            <a:r>
+              <a:rPr lang="tr-TR" sz="1200" dirty="0" smtClean="0">
+                <a:latin typeface="Helvetica" panose="020B0604020202020204" pitchFamily="34" charset="0"/>
+                <a:cs typeface="Helvetica" panose="020B0604020202020204" pitchFamily="34" charset="0"/>
+              </a:rPr>
+              <a:t> </a:t>
+            </a:r>
+            <a:r>
+              <a:rPr lang="en-US" sz="1200" dirty="0" smtClean="0">
+                <a:latin typeface="Helvetica" panose="020B0604020202020204" pitchFamily="34" charset="0"/>
+                <a:cs typeface="Helvetica" panose="020B0604020202020204" pitchFamily="34" charset="0"/>
+              </a:rPr>
+              <a:t>GaN </a:t>
+            </a:r>
+            <a:r>
+              <a:rPr lang="en-US" sz="1200" dirty="0">
+                <a:latin typeface="Helvetica" panose="020B0604020202020204" pitchFamily="34" charset="0"/>
+                <a:cs typeface="Helvetica" panose="020B0604020202020204" pitchFamily="34" charset="0"/>
+              </a:rPr>
+              <a:t>Systems, “GaN Systems.” [Online]. Available: http://www.gansystems.com/. [Accessed: 15-Jan-2018</a:t>
+            </a:r>
+            <a:r>
+              <a:rPr lang="en-US" sz="1200" dirty="0" smtClean="0">
+                <a:latin typeface="Helvetica" panose="020B0604020202020204" pitchFamily="34" charset="0"/>
+                <a:cs typeface="Helvetica" panose="020B0604020202020204" pitchFamily="34" charset="0"/>
+              </a:rPr>
+              <a:t>].</a:t>
+            </a:r>
+            <a:endParaRPr lang="tr-TR" sz="1200" dirty="0" smtClean="0">
+              <a:latin typeface="Helvetica" panose="020B0604020202020204" pitchFamily="34" charset="0"/>
+              <a:cs typeface="Helvetica" panose="020B0604020202020204" pitchFamily="34" charset="0"/>
+            </a:endParaRPr>
+          </a:p>
+          <a:p>
+            <a:endParaRPr lang="en-US" sz="1200" dirty="0">
+              <a:latin typeface="Helvetica" panose="020B0604020202020204" pitchFamily="34" charset="0"/>
+              <a:cs typeface="Helvetica" panose="020B0604020202020204" pitchFamily="34" charset="0"/>
+            </a:endParaRPr>
+          </a:p>
+          <a:p>
+            <a:r>
+              <a:rPr lang="en-US" sz="1200" dirty="0">
+                <a:latin typeface="Helvetica" panose="020B0604020202020204" pitchFamily="34" charset="0"/>
+                <a:cs typeface="Helvetica" panose="020B0604020202020204" pitchFamily="34" charset="0"/>
+              </a:rPr>
+              <a:t>[</a:t>
+            </a:r>
+            <a:r>
+              <a:rPr lang="en-US" sz="1200" dirty="0" smtClean="0">
+                <a:latin typeface="Helvetica" panose="020B0604020202020204" pitchFamily="34" charset="0"/>
+                <a:cs typeface="Helvetica" panose="020B0604020202020204" pitchFamily="34" charset="0"/>
+              </a:rPr>
+              <a:t>8]</a:t>
+            </a:r>
+            <a:r>
+              <a:rPr lang="tr-TR" sz="1200" dirty="0" smtClean="0">
+                <a:latin typeface="Helvetica" panose="020B0604020202020204" pitchFamily="34" charset="0"/>
+                <a:cs typeface="Helvetica" panose="020B0604020202020204" pitchFamily="34" charset="0"/>
+              </a:rPr>
+              <a:t> </a:t>
+            </a:r>
+            <a:r>
+              <a:rPr lang="en-US" sz="1200" dirty="0" smtClean="0">
+                <a:latin typeface="Helvetica" panose="020B0604020202020204" pitchFamily="34" charset="0"/>
+                <a:cs typeface="Helvetica" panose="020B0604020202020204" pitchFamily="34" charset="0"/>
+              </a:rPr>
+              <a:t>TDK</a:t>
+            </a:r>
+            <a:r>
+              <a:rPr lang="en-US" sz="1200" dirty="0">
+                <a:latin typeface="Helvetica" panose="020B0604020202020204" pitchFamily="34" charset="0"/>
+                <a:cs typeface="Helvetica" panose="020B0604020202020204" pitchFamily="34" charset="0"/>
+              </a:rPr>
+              <a:t>, “Film Capacitors, Metallized Polypropylene Film Capacitors (MKP) - B32674...B32674 Datasheet,” no. May. 2015</a:t>
+            </a:r>
+            <a:r>
+              <a:rPr lang="en-US" sz="1200" dirty="0" smtClean="0">
+                <a:latin typeface="Helvetica" panose="020B0604020202020204" pitchFamily="34" charset="0"/>
+                <a:cs typeface="Helvetica" panose="020B0604020202020204" pitchFamily="34" charset="0"/>
+              </a:rPr>
+              <a:t>.</a:t>
+            </a:r>
+            <a:endParaRPr lang="tr-TR" sz="1200" dirty="0" smtClean="0">
+              <a:latin typeface="Helvetica" panose="020B0604020202020204" pitchFamily="34" charset="0"/>
+              <a:cs typeface="Helvetica" panose="020B0604020202020204" pitchFamily="34" charset="0"/>
+            </a:endParaRPr>
+          </a:p>
+          <a:p>
+            <a:endParaRPr lang="en-US" sz="1200" dirty="0">
+              <a:latin typeface="Helvetica" panose="020B0604020202020204" pitchFamily="34" charset="0"/>
+              <a:cs typeface="Helvetica" panose="020B0604020202020204" pitchFamily="34" charset="0"/>
+            </a:endParaRPr>
+          </a:p>
+          <a:p>
+            <a:r>
+              <a:rPr lang="en-US" sz="1200" dirty="0">
+                <a:latin typeface="Helvetica" panose="020B0604020202020204" pitchFamily="34" charset="0"/>
+                <a:cs typeface="Helvetica" panose="020B0604020202020204" pitchFamily="34" charset="0"/>
+              </a:rPr>
+              <a:t>[</a:t>
+            </a:r>
+            <a:r>
+              <a:rPr lang="en-US" sz="1200" dirty="0" smtClean="0">
+                <a:latin typeface="Helvetica" panose="020B0604020202020204" pitchFamily="34" charset="0"/>
+                <a:cs typeface="Helvetica" panose="020B0604020202020204" pitchFamily="34" charset="0"/>
+              </a:rPr>
+              <a:t>9]</a:t>
+            </a:r>
+            <a:r>
+              <a:rPr lang="tr-TR" sz="1200" dirty="0" smtClean="0">
+                <a:latin typeface="Helvetica" panose="020B0604020202020204" pitchFamily="34" charset="0"/>
+                <a:cs typeface="Helvetica" panose="020B0604020202020204" pitchFamily="34" charset="0"/>
+              </a:rPr>
+              <a:t> </a:t>
+            </a:r>
+            <a:r>
+              <a:rPr lang="en-US" sz="1200" dirty="0" smtClean="0">
+                <a:latin typeface="Helvetica" panose="020B0604020202020204" pitchFamily="34" charset="0"/>
+                <a:cs typeface="Helvetica" panose="020B0604020202020204" pitchFamily="34" charset="0"/>
+              </a:rPr>
+              <a:t>R</a:t>
+            </a:r>
+            <a:r>
+              <a:rPr lang="en-US" sz="1200" dirty="0">
+                <a:latin typeface="Helvetica" panose="020B0604020202020204" pitchFamily="34" charset="0"/>
+                <a:cs typeface="Helvetica" panose="020B0604020202020204" pitchFamily="34" charset="0"/>
+              </a:rPr>
+              <a:t>. E. Simons, “Estimating Parallel Plate-Fin Heat Sink Thermal Resistance.” [Online]. Available: https://www.electronics-cooling.com/2003/02/estimating-parallel-plate-fin-heat-sink-thermal-resistance</a:t>
+            </a:r>
+            <a:r>
+              <a:rPr lang="en-US" sz="1200" dirty="0" smtClean="0">
+                <a:latin typeface="Helvetica" panose="020B0604020202020204" pitchFamily="34" charset="0"/>
+                <a:cs typeface="Helvetica" panose="020B0604020202020204" pitchFamily="34" charset="0"/>
+              </a:rPr>
+              <a:t>/.</a:t>
+            </a:r>
+            <a:endParaRPr lang="en-US" sz="1200" dirty="0">
+              <a:latin typeface="Helvetica" panose="020B0604020202020204" pitchFamily="34" charset="0"/>
+              <a:cs typeface="Helvetica" panose="020B0604020202020204" pitchFamily="34" charset="0"/>
+            </a:endParaRPr>
+          </a:p>
+        </p:txBody>
+      </p:sp>
+    </p:spTree>
+    <p:extLst>
+      <p:ext uri="{BB962C8B-B14F-4D97-AF65-F5344CB8AC3E}">
+        <p14:creationId xmlns:p14="http://schemas.microsoft.com/office/powerpoint/2010/main" val="198061606"/>
+      </p:ext>
+    </p:extLst>
+  </p:cSld>
+  <p:clrMapOvr>
+    <a:masterClrMapping/>
+  </p:clrMapOvr>
+  <p:timing>
+    <p:tnLst>
+      <p:par>
+        <p:cTn id="1" dur="indefinite" restart="never" nodeType="tmRoot"/>
+      </p:par>
+    </p:tnLst>
+  </p:timing>
+</p:sld>
+</file>
+
+<file path=ppt/slides/slide16.xml><?xml version="1.0" encoding="utf-8"?>
+<p:sld xmlns:a="http://schemas.openxmlformats.org/drawingml/2006/main" xmlns:r="http://schemas.openxmlformats.org/officeDocument/2006/relationships" xmlns:p="http://schemas.openxmlformats.org/presentationml/2006/main">
+  <p:cSld>
+    <p:spTree>
+      <p:nvGrpSpPr>
+        <p:cNvPr id="1" name=""/>
+        <p:cNvGrpSpPr/>
+        <p:nvPr/>
+      </p:nvGrpSpPr>
+      <p:grpSpPr>
+        <a:xfrm>
+          <a:off x="0" y="0"/>
+          <a:ext cx="0" cy="0"/>
+          <a:chOff x="0" y="0"/>
+          <a:chExt cx="0" cy="0"/>
+        </a:xfrm>
+      </p:grpSpPr>
+      <p:sp>
+        <p:nvSpPr>
+          <p:cNvPr id="10" name="Rectangle 9"/>
+          <p:cNvSpPr/>
+          <p:nvPr/>
+        </p:nvSpPr>
+        <p:spPr>
+          <a:xfrm>
+            <a:off x="0" y="12106"/>
+            <a:ext cx="1011942" cy="6854083"/>
+          </a:xfrm>
+          <a:prstGeom prst="rect">
+            <a:avLst/>
+          </a:prstGeom>
+          <a:gradFill flip="none" rotWithShape="1">
+            <a:gsLst>
+              <a:gs pos="50000">
+                <a:srgbClr val="D00000"/>
+              </a:gs>
+              <a:gs pos="0">
+                <a:srgbClr val="FF0000">
+                  <a:shade val="30000"/>
+                  <a:satMod val="115000"/>
+                </a:srgbClr>
+              </a:gs>
+              <a:gs pos="100000">
+                <a:schemeClr val="accent2">
+                  <a:lumMod val="60000"/>
+                  <a:lumOff val="40000"/>
+                </a:schemeClr>
+              </a:gs>
+            </a:gsLst>
+            <a:lin ang="5400000" scaled="1"/>
+            <a:tileRect/>
+          </a:gradFill>
+          <a:ln>
+            <a:noFill/>
+          </a:ln>
+        </p:spPr>
+        <p:style>
+          <a:lnRef idx="2">
+            <a:schemeClr val="accent1">
+              <a:shade val="50000"/>
+            </a:schemeClr>
+          </a:lnRef>
+          <a:fillRef idx="1">
+            <a:schemeClr val="accent1"/>
+          </a:fillRef>
+          <a:effectRef idx="0">
+            <a:schemeClr val="accent1"/>
+          </a:effectRef>
+          <a:fontRef idx="minor">
+            <a:schemeClr val="lt1"/>
+          </a:fontRef>
+        </p:style>
+        <p:txBody>
+          <a:bodyPr rtlCol="0" anchor="ctr"/>
+          <a:lstStyle/>
+          <a:p>
+            <a:pPr algn="ctr"/>
+            <a:endParaRPr lang="tr-TR"/>
+          </a:p>
+        </p:txBody>
+      </p:sp>
+      <p:cxnSp>
+        <p:nvCxnSpPr>
+          <p:cNvPr id="11" name="Straight Connector 10"/>
+          <p:cNvCxnSpPr/>
+          <p:nvPr/>
+        </p:nvCxnSpPr>
+        <p:spPr>
+          <a:xfrm>
+            <a:off x="1189918" y="838200"/>
+            <a:ext cx="7649282" cy="0"/>
+          </a:xfrm>
+          <a:prstGeom prst="line">
+            <a:avLst/>
+          </a:prstGeom>
+          <a:ln w="50800">
+            <a:solidFill>
+              <a:srgbClr val="F20000"/>
+            </a:solidFill>
+          </a:ln>
+        </p:spPr>
+        <p:style>
+          <a:lnRef idx="1">
+            <a:schemeClr val="accent1"/>
+          </a:lnRef>
+          <a:fillRef idx="0">
+            <a:schemeClr val="accent1"/>
+          </a:fillRef>
+          <a:effectRef idx="0">
+            <a:schemeClr val="accent1"/>
+          </a:effectRef>
+          <a:fontRef idx="minor">
+            <a:schemeClr val="tx1"/>
+          </a:fontRef>
+        </p:style>
+      </p:cxnSp>
+      <p:cxnSp>
+        <p:nvCxnSpPr>
+          <p:cNvPr id="15" name="Straight Connector 14"/>
+          <p:cNvCxnSpPr/>
+          <p:nvPr/>
+        </p:nvCxnSpPr>
+        <p:spPr>
+          <a:xfrm>
+            <a:off x="1189918" y="914400"/>
+            <a:ext cx="7649282" cy="0"/>
+          </a:xfrm>
+          <a:prstGeom prst="line">
+            <a:avLst/>
+          </a:prstGeom>
+          <a:ln w="19050">
+            <a:solidFill>
+              <a:srgbClr val="F20000"/>
+            </a:solidFill>
+          </a:ln>
+        </p:spPr>
+        <p:style>
+          <a:lnRef idx="1">
+            <a:schemeClr val="accent1"/>
+          </a:lnRef>
+          <a:fillRef idx="0">
+            <a:schemeClr val="accent1"/>
+          </a:fillRef>
+          <a:effectRef idx="0">
+            <a:schemeClr val="accent1"/>
+          </a:effectRef>
+          <a:fontRef idx="minor">
+            <a:schemeClr val="tx1"/>
+          </a:fontRef>
+        </p:style>
+      </p:cxnSp>
+      <p:sp>
+        <p:nvSpPr>
+          <p:cNvPr id="2" name="Slide Number Placeholder 1"/>
+          <p:cNvSpPr>
+            <a:spLocks noGrp="1"/>
+          </p:cNvSpPr>
+          <p:nvPr>
+            <p:ph type="sldNum" sz="quarter" idx="12"/>
+          </p:nvPr>
+        </p:nvSpPr>
+        <p:spPr/>
+        <p:txBody>
+          <a:bodyPr/>
+          <a:lstStyle/>
+          <a:p>
+            <a:fld id="{B6F15528-21DE-4FAA-801E-634DDDAF4B2B}" type="slidenum">
+              <a:rPr lang="en-US" smtClean="0"/>
+              <a:pPr/>
+              <a:t>16</a:t>
             </a:fld>
             <a:endParaRPr lang="en-US" dirty="0"/>
           </a:p>
@@ -14721,7 +15455,7 @@
           <a:graphicData uri="http://schemas.openxmlformats.org/presentationml/2006/ole">
             <mc:AlternateContent xmlns:mc="http://schemas.openxmlformats.org/markup-compatibility/2006">
               <mc:Choice xmlns:v="urn:schemas-microsoft-com:vml" Requires="v">
-                <p:oleObj spid="_x0000_s1089" name="Visio" r:id="rId7" imgW="2485904" imgH="1866757" progId="Visio.Drawing.15">
+                <p:oleObj spid="_x0000_s1094" name="Visio" r:id="rId7" imgW="2485904" imgH="1866757" progId="Visio.Drawing.15">
                   <p:embed/>
                 </p:oleObj>
               </mc:Choice>
@@ -21056,8 +21790,8 @@
           </a:p>
         </p:txBody>
       </p:sp>
-      <mc:AlternateContent xmlns:mc="http://schemas.openxmlformats.org/markup-compatibility/2006">
-        <mc:Choice xmlns:a14="http://schemas.microsoft.com/office/drawing/2010/main" Requires="a14">
+      <mc:AlternateContent xmlns:mc="http://schemas.openxmlformats.org/markup-compatibility/2006" xmlns:a14="http://schemas.microsoft.com/office/drawing/2010/main">
+        <mc:Choice Requires="a14">
           <p:sp>
             <p:nvSpPr>
               <p:cNvPr id="5" name="TextBox 4"/>
@@ -21160,7 +21894,7 @@
             </p:txBody>
           </p:sp>
         </mc:Choice>
-        <mc:Fallback>
+        <mc:Fallback xmlns="">
           <p:sp>
             <p:nvSpPr>
               <p:cNvPr id="5" name="TextBox 4"/>
@@ -21233,10 +21967,6 @@
               </a:rPr>
               <a:t>Shear stress</a:t>
             </a:r>
-            <a:endParaRPr lang="en-US" sz="2000" dirty="0" smtClean="0">
-              <a:latin typeface="Times New Roman" panose="02020603050405020304" pitchFamily="18" charset="0"/>
-              <a:cs typeface="Times New Roman" panose="02020603050405020304" pitchFamily="18" charset="0"/>
-            </a:endParaRPr>
           </a:p>
         </p:txBody>
       </p:sp>
